--- a/document/LVTN_2020_NQL.pptx
+++ b/document/LVTN_2020_NQL.pptx
@@ -4,27 +4,28 @@
   <p:sldMasterIdLst>
     <p:sldMasterId id="2147483648" r:id="rId2"/>
     <p:sldMasterId id="2147483661" r:id="rId3"/>
+    <p:sldMasterId id="2147483674" r:id="rId4"/>
   </p:sldMasterIdLst>
   <p:sldIdLst>
-    <p:sldId id="256" r:id="rId4"/>
-    <p:sldId id="257" r:id="rId5"/>
-    <p:sldId id="258" r:id="rId6"/>
-    <p:sldId id="259" r:id="rId7"/>
-    <p:sldId id="260" r:id="rId8"/>
-    <p:sldId id="261" r:id="rId9"/>
-    <p:sldId id="262" r:id="rId10"/>
-    <p:sldId id="263" r:id="rId11"/>
-    <p:sldId id="264" r:id="rId12"/>
-    <p:sldId id="265" r:id="rId13"/>
-    <p:sldId id="266" r:id="rId14"/>
-    <p:sldId id="267" r:id="rId15"/>
-    <p:sldId id="268" r:id="rId16"/>
-    <p:sldId id="269" r:id="rId17"/>
-    <p:sldId id="270" r:id="rId18"/>
-    <p:sldId id="271" r:id="rId19"/>
-    <p:sldId id="272" r:id="rId20"/>
-    <p:sldId id="273" r:id="rId21"/>
-    <p:sldId id="274" r:id="rId22"/>
+    <p:sldId id="256" r:id="rId5"/>
+    <p:sldId id="257" r:id="rId6"/>
+    <p:sldId id="258" r:id="rId7"/>
+    <p:sldId id="259" r:id="rId8"/>
+    <p:sldId id="260" r:id="rId9"/>
+    <p:sldId id="261" r:id="rId10"/>
+    <p:sldId id="262" r:id="rId11"/>
+    <p:sldId id="263" r:id="rId12"/>
+    <p:sldId id="264" r:id="rId13"/>
+    <p:sldId id="265" r:id="rId14"/>
+    <p:sldId id="266" r:id="rId15"/>
+    <p:sldId id="267" r:id="rId16"/>
+    <p:sldId id="268" r:id="rId17"/>
+    <p:sldId id="269" r:id="rId18"/>
+    <p:sldId id="270" r:id="rId19"/>
+    <p:sldId id="271" r:id="rId20"/>
+    <p:sldId id="272" r:id="rId21"/>
+    <p:sldId id="273" r:id="rId22"/>
+    <p:sldId id="274" r:id="rId23"/>
   </p:sldIdLst>
   <p:sldSz cx="9906000" cy="6858000"/>
   <p:notesSz cx="7559675" cy="10691812"/>
@@ -72,7 +73,7 @@
       </p:grpSpPr>
       <p:sp>
         <p:nvSpPr>
-          <p:cNvPr id="26" name="PlaceHolder 1"/>
+          <p:cNvPr id="23" name="PlaceHolder 1"/>
           <p:cNvSpPr>
             <a:spLocks noGrp="1"/>
           </p:cNvSpPr>
@@ -82,8 +83,8 @@
         </p:nvSpPr>
         <p:spPr>
           <a:xfrm>
-            <a:off x="681120" y="365040"/>
-            <a:ext cx="8543520" cy="1325160"/>
+            <a:off x="495000" y="273600"/>
+            <a:ext cx="8915040" cy="1144800"/>
           </a:xfrm>
           <a:prstGeom prst="rect">
             <a:avLst/>
@@ -92,18 +93,16 @@
         <p:txBody>
           <a:bodyPr lIns="0" rIns="0" tIns="0" bIns="0" anchor="ctr"/>
           <a:p>
-            <a:endParaRPr b="0" lang="vi-VN" sz="1800" spc="-1" strike="noStrike">
-              <a:solidFill>
-                <a:srgbClr val="000000"/>
-              </a:solidFill>
-              <a:latin typeface="Calibri"/>
-            </a:endParaRPr>
-          </a:p>
-        </p:txBody>
-      </p:sp>
-      <p:sp>
-        <p:nvSpPr>
-          <p:cNvPr id="27" name="PlaceHolder 2"/>
+            <a:pPr algn="ctr"/>
+            <a:endParaRPr b="0" lang="en-US" sz="4400" spc="-1" strike="noStrike">
+              <a:latin typeface="Arial"/>
+            </a:endParaRPr>
+          </a:p>
+        </p:txBody>
+      </p:sp>
+      <p:sp>
+        <p:nvSpPr>
+          <p:cNvPr id="24" name="PlaceHolder 2"/>
           <p:cNvSpPr>
             <a:spLocks noGrp="1"/>
           </p:cNvSpPr>
@@ -113,8 +112,8 @@
         </p:nvSpPr>
         <p:spPr>
           <a:xfrm>
-            <a:off x="681120" y="1825560"/>
-            <a:ext cx="8543520" cy="2075040"/>
+            <a:off x="495000" y="1604520"/>
+            <a:ext cx="8915040" cy="1896840"/>
           </a:xfrm>
           <a:prstGeom prst="rect">
             <a:avLst/>
@@ -125,18 +124,15 @@
             <a:normAutofit/>
           </a:bodyPr>
           <a:p>
-            <a:endParaRPr b="0" lang="vi-VN" sz="2800" spc="-1" strike="noStrike">
-              <a:solidFill>
-                <a:srgbClr val="000000"/>
-              </a:solidFill>
-              <a:latin typeface="Calibri"/>
-            </a:endParaRPr>
-          </a:p>
-        </p:txBody>
-      </p:sp>
-      <p:sp>
-        <p:nvSpPr>
-          <p:cNvPr id="28" name="PlaceHolder 3"/>
+            <a:endParaRPr b="0" lang="en-US" sz="3200" spc="-1" strike="noStrike">
+              <a:latin typeface="Arial"/>
+            </a:endParaRPr>
+          </a:p>
+        </p:txBody>
+      </p:sp>
+      <p:sp>
+        <p:nvSpPr>
+          <p:cNvPr id="25" name="PlaceHolder 3"/>
           <p:cNvSpPr>
             <a:spLocks noGrp="1"/>
           </p:cNvSpPr>
@@ -146,8 +142,8 @@
         </p:nvSpPr>
         <p:spPr>
           <a:xfrm>
-            <a:off x="681120" y="4098240"/>
-            <a:ext cx="8543520" cy="2075040"/>
+            <a:off x="495000" y="3682080"/>
+            <a:ext cx="8915040" cy="1896840"/>
           </a:xfrm>
           <a:prstGeom prst="rect">
             <a:avLst/>
@@ -158,11 +154,8 @@
             <a:normAutofit/>
           </a:bodyPr>
           <a:p>
-            <a:endParaRPr b="0" lang="vi-VN" sz="2800" spc="-1" strike="noStrike">
-              <a:solidFill>
-                <a:srgbClr val="000000"/>
-              </a:solidFill>
-              <a:latin typeface="Calibri"/>
+            <a:endParaRPr b="0" lang="en-US" sz="3200" spc="-1" strike="noStrike">
+              <a:latin typeface="Arial"/>
             </a:endParaRPr>
           </a:p>
         </p:txBody>
@@ -191,7 +184,7 @@
       </p:grpSpPr>
       <p:sp>
         <p:nvSpPr>
-          <p:cNvPr id="29" name="PlaceHolder 1"/>
+          <p:cNvPr id="26" name="PlaceHolder 1"/>
           <p:cNvSpPr>
             <a:spLocks noGrp="1"/>
           </p:cNvSpPr>
@@ -201,8 +194,8 @@
         </p:nvSpPr>
         <p:spPr>
           <a:xfrm>
-            <a:off x="681120" y="365040"/>
-            <a:ext cx="8543520" cy="1325160"/>
+            <a:off x="495000" y="273600"/>
+            <a:ext cx="8915040" cy="1144800"/>
           </a:xfrm>
           <a:prstGeom prst="rect">
             <a:avLst/>
@@ -211,18 +204,16 @@
         <p:txBody>
           <a:bodyPr lIns="0" rIns="0" tIns="0" bIns="0" anchor="ctr"/>
           <a:p>
-            <a:endParaRPr b="0" lang="vi-VN" sz="1800" spc="-1" strike="noStrike">
-              <a:solidFill>
-                <a:srgbClr val="000000"/>
-              </a:solidFill>
-              <a:latin typeface="Calibri"/>
-            </a:endParaRPr>
-          </a:p>
-        </p:txBody>
-      </p:sp>
-      <p:sp>
-        <p:nvSpPr>
-          <p:cNvPr id="30" name="PlaceHolder 2"/>
+            <a:pPr algn="ctr"/>
+            <a:endParaRPr b="0" lang="en-US" sz="4400" spc="-1" strike="noStrike">
+              <a:latin typeface="Arial"/>
+            </a:endParaRPr>
+          </a:p>
+        </p:txBody>
+      </p:sp>
+      <p:sp>
+        <p:nvSpPr>
+          <p:cNvPr id="27" name="PlaceHolder 2"/>
           <p:cNvSpPr>
             <a:spLocks noGrp="1"/>
           </p:cNvSpPr>
@@ -232,8 +223,8 @@
         </p:nvSpPr>
         <p:spPr>
           <a:xfrm>
-            <a:off x="681120" y="1825560"/>
-            <a:ext cx="4169160" cy="2075040"/>
+            <a:off x="495000" y="1604520"/>
+            <a:ext cx="4350240" cy="1896840"/>
           </a:xfrm>
           <a:prstGeom prst="rect">
             <a:avLst/>
@@ -244,18 +235,15 @@
             <a:normAutofit/>
           </a:bodyPr>
           <a:p>
-            <a:endParaRPr b="0" lang="vi-VN" sz="2800" spc="-1" strike="noStrike">
-              <a:solidFill>
-                <a:srgbClr val="000000"/>
-              </a:solidFill>
-              <a:latin typeface="Calibri"/>
-            </a:endParaRPr>
-          </a:p>
-        </p:txBody>
-      </p:sp>
-      <p:sp>
-        <p:nvSpPr>
-          <p:cNvPr id="31" name="PlaceHolder 3"/>
+            <a:endParaRPr b="0" lang="en-US" sz="3200" spc="-1" strike="noStrike">
+              <a:latin typeface="Arial"/>
+            </a:endParaRPr>
+          </a:p>
+        </p:txBody>
+      </p:sp>
+      <p:sp>
+        <p:nvSpPr>
+          <p:cNvPr id="28" name="PlaceHolder 3"/>
           <p:cNvSpPr>
             <a:spLocks noGrp="1"/>
           </p:cNvSpPr>
@@ -265,8 +253,8 @@
         </p:nvSpPr>
         <p:spPr>
           <a:xfrm>
-            <a:off x="5059080" y="1825560"/>
-            <a:ext cx="4169160" cy="2075040"/>
+            <a:off x="5063040" y="1604520"/>
+            <a:ext cx="4350240" cy="1896840"/>
           </a:xfrm>
           <a:prstGeom prst="rect">
             <a:avLst/>
@@ -277,18 +265,15 @@
             <a:normAutofit/>
           </a:bodyPr>
           <a:p>
-            <a:endParaRPr b="0" lang="vi-VN" sz="2800" spc="-1" strike="noStrike">
-              <a:solidFill>
-                <a:srgbClr val="000000"/>
-              </a:solidFill>
-              <a:latin typeface="Calibri"/>
-            </a:endParaRPr>
-          </a:p>
-        </p:txBody>
-      </p:sp>
-      <p:sp>
-        <p:nvSpPr>
-          <p:cNvPr id="32" name="PlaceHolder 4"/>
+            <a:endParaRPr b="0" lang="en-US" sz="3200" spc="-1" strike="noStrike">
+              <a:latin typeface="Arial"/>
+            </a:endParaRPr>
+          </a:p>
+        </p:txBody>
+      </p:sp>
+      <p:sp>
+        <p:nvSpPr>
+          <p:cNvPr id="29" name="PlaceHolder 4"/>
           <p:cNvSpPr>
             <a:spLocks noGrp="1"/>
           </p:cNvSpPr>
@@ -298,8 +283,8 @@
         </p:nvSpPr>
         <p:spPr>
           <a:xfrm>
-            <a:off x="681120" y="4098240"/>
-            <a:ext cx="4169160" cy="2075040"/>
+            <a:off x="495000" y="3682080"/>
+            <a:ext cx="4350240" cy="1896840"/>
           </a:xfrm>
           <a:prstGeom prst="rect">
             <a:avLst/>
@@ -310,18 +295,15 @@
             <a:normAutofit/>
           </a:bodyPr>
           <a:p>
-            <a:endParaRPr b="0" lang="vi-VN" sz="2800" spc="-1" strike="noStrike">
-              <a:solidFill>
-                <a:srgbClr val="000000"/>
-              </a:solidFill>
-              <a:latin typeface="Calibri"/>
-            </a:endParaRPr>
-          </a:p>
-        </p:txBody>
-      </p:sp>
-      <p:sp>
-        <p:nvSpPr>
-          <p:cNvPr id="33" name="PlaceHolder 5"/>
+            <a:endParaRPr b="0" lang="en-US" sz="3200" spc="-1" strike="noStrike">
+              <a:latin typeface="Arial"/>
+            </a:endParaRPr>
+          </a:p>
+        </p:txBody>
+      </p:sp>
+      <p:sp>
+        <p:nvSpPr>
+          <p:cNvPr id="30" name="PlaceHolder 5"/>
           <p:cNvSpPr>
             <a:spLocks noGrp="1"/>
           </p:cNvSpPr>
@@ -331,8 +313,8 @@
         </p:nvSpPr>
         <p:spPr>
           <a:xfrm>
-            <a:off x="5059080" y="4098240"/>
-            <a:ext cx="4169160" cy="2075040"/>
+            <a:off x="5063040" y="3682080"/>
+            <a:ext cx="4350240" cy="1896840"/>
           </a:xfrm>
           <a:prstGeom prst="rect">
             <a:avLst/>
@@ -343,11 +325,8 @@
             <a:normAutofit/>
           </a:bodyPr>
           <a:p>
-            <a:endParaRPr b="0" lang="vi-VN" sz="2800" spc="-1" strike="noStrike">
-              <a:solidFill>
-                <a:srgbClr val="000000"/>
-              </a:solidFill>
-              <a:latin typeface="Calibri"/>
+            <a:endParaRPr b="0" lang="en-US" sz="3200" spc="-1" strike="noStrike">
+              <a:latin typeface="Arial"/>
             </a:endParaRPr>
           </a:p>
         </p:txBody>
@@ -376,7 +355,7 @@
       </p:grpSpPr>
       <p:sp>
         <p:nvSpPr>
-          <p:cNvPr id="34" name="PlaceHolder 1"/>
+          <p:cNvPr id="31" name="PlaceHolder 1"/>
           <p:cNvSpPr>
             <a:spLocks noGrp="1"/>
           </p:cNvSpPr>
@@ -386,8 +365,8 @@
         </p:nvSpPr>
         <p:spPr>
           <a:xfrm>
-            <a:off x="681120" y="365040"/>
-            <a:ext cx="8543520" cy="1325160"/>
+            <a:off x="495000" y="273600"/>
+            <a:ext cx="8915040" cy="1144800"/>
           </a:xfrm>
           <a:prstGeom prst="rect">
             <a:avLst/>
@@ -396,18 +375,16 @@
         <p:txBody>
           <a:bodyPr lIns="0" rIns="0" tIns="0" bIns="0" anchor="ctr"/>
           <a:p>
-            <a:endParaRPr b="0" lang="vi-VN" sz="1800" spc="-1" strike="noStrike">
-              <a:solidFill>
-                <a:srgbClr val="000000"/>
-              </a:solidFill>
-              <a:latin typeface="Calibri"/>
-            </a:endParaRPr>
-          </a:p>
-        </p:txBody>
-      </p:sp>
-      <p:sp>
-        <p:nvSpPr>
-          <p:cNvPr id="35" name="PlaceHolder 2"/>
+            <a:pPr algn="ctr"/>
+            <a:endParaRPr b="0" lang="en-US" sz="4400" spc="-1" strike="noStrike">
+              <a:latin typeface="Arial"/>
+            </a:endParaRPr>
+          </a:p>
+        </p:txBody>
+      </p:sp>
+      <p:sp>
+        <p:nvSpPr>
+          <p:cNvPr id="32" name="PlaceHolder 2"/>
           <p:cNvSpPr>
             <a:spLocks noGrp="1"/>
           </p:cNvSpPr>
@@ -417,8 +394,8 @@
         </p:nvSpPr>
         <p:spPr>
           <a:xfrm>
-            <a:off x="681120" y="1825560"/>
-            <a:ext cx="2750760" cy="2075040"/>
+            <a:off x="495000" y="1604520"/>
+            <a:ext cx="2870280" cy="1896840"/>
           </a:xfrm>
           <a:prstGeom prst="rect">
             <a:avLst/>
@@ -429,18 +406,15 @@
             <a:normAutofit/>
           </a:bodyPr>
           <a:p>
-            <a:endParaRPr b="0" lang="vi-VN" sz="2800" spc="-1" strike="noStrike">
-              <a:solidFill>
-                <a:srgbClr val="000000"/>
-              </a:solidFill>
-              <a:latin typeface="Calibri"/>
-            </a:endParaRPr>
-          </a:p>
-        </p:txBody>
-      </p:sp>
-      <p:sp>
-        <p:nvSpPr>
-          <p:cNvPr id="36" name="PlaceHolder 3"/>
+            <a:endParaRPr b="0" lang="en-US" sz="3200" spc="-1" strike="noStrike">
+              <a:latin typeface="Arial"/>
+            </a:endParaRPr>
+          </a:p>
+        </p:txBody>
+      </p:sp>
+      <p:sp>
+        <p:nvSpPr>
+          <p:cNvPr id="33" name="PlaceHolder 3"/>
           <p:cNvSpPr>
             <a:spLocks noGrp="1"/>
           </p:cNvSpPr>
@@ -450,8 +424,8 @@
         </p:nvSpPr>
         <p:spPr>
           <a:xfrm>
-            <a:off x="3569760" y="1825560"/>
-            <a:ext cx="2750760" cy="2075040"/>
+            <a:off x="3509280" y="1604520"/>
+            <a:ext cx="2870280" cy="1896840"/>
           </a:xfrm>
           <a:prstGeom prst="rect">
             <a:avLst/>
@@ -462,18 +436,15 @@
             <a:normAutofit/>
           </a:bodyPr>
           <a:p>
-            <a:endParaRPr b="0" lang="vi-VN" sz="2800" spc="-1" strike="noStrike">
-              <a:solidFill>
-                <a:srgbClr val="000000"/>
-              </a:solidFill>
-              <a:latin typeface="Calibri"/>
-            </a:endParaRPr>
-          </a:p>
-        </p:txBody>
-      </p:sp>
-      <p:sp>
-        <p:nvSpPr>
-          <p:cNvPr id="37" name="PlaceHolder 4"/>
+            <a:endParaRPr b="0" lang="en-US" sz="3200" spc="-1" strike="noStrike">
+              <a:latin typeface="Arial"/>
+            </a:endParaRPr>
+          </a:p>
+        </p:txBody>
+      </p:sp>
+      <p:sp>
+        <p:nvSpPr>
+          <p:cNvPr id="34" name="PlaceHolder 4"/>
           <p:cNvSpPr>
             <a:spLocks noGrp="1"/>
           </p:cNvSpPr>
@@ -483,8 +454,8 @@
         </p:nvSpPr>
         <p:spPr>
           <a:xfrm>
-            <a:off x="6458400" y="1825560"/>
-            <a:ext cx="2750760" cy="2075040"/>
+            <a:off x="6523200" y="1604520"/>
+            <a:ext cx="2870280" cy="1896840"/>
           </a:xfrm>
           <a:prstGeom prst="rect">
             <a:avLst/>
@@ -495,18 +466,15 @@
             <a:normAutofit/>
           </a:bodyPr>
           <a:p>
-            <a:endParaRPr b="0" lang="vi-VN" sz="2800" spc="-1" strike="noStrike">
-              <a:solidFill>
-                <a:srgbClr val="000000"/>
-              </a:solidFill>
-              <a:latin typeface="Calibri"/>
-            </a:endParaRPr>
-          </a:p>
-        </p:txBody>
-      </p:sp>
-      <p:sp>
-        <p:nvSpPr>
-          <p:cNvPr id="38" name="PlaceHolder 5"/>
+            <a:endParaRPr b="0" lang="en-US" sz="3200" spc="-1" strike="noStrike">
+              <a:latin typeface="Arial"/>
+            </a:endParaRPr>
+          </a:p>
+        </p:txBody>
+      </p:sp>
+      <p:sp>
+        <p:nvSpPr>
+          <p:cNvPr id="35" name="PlaceHolder 5"/>
           <p:cNvSpPr>
             <a:spLocks noGrp="1"/>
           </p:cNvSpPr>
@@ -516,8 +484,8 @@
         </p:nvSpPr>
         <p:spPr>
           <a:xfrm>
-            <a:off x="681120" y="4098240"/>
-            <a:ext cx="2750760" cy="2075040"/>
+            <a:off x="495000" y="3682080"/>
+            <a:ext cx="2870280" cy="1896840"/>
           </a:xfrm>
           <a:prstGeom prst="rect">
             <a:avLst/>
@@ -528,18 +496,15 @@
             <a:normAutofit/>
           </a:bodyPr>
           <a:p>
-            <a:endParaRPr b="0" lang="vi-VN" sz="2800" spc="-1" strike="noStrike">
-              <a:solidFill>
-                <a:srgbClr val="000000"/>
-              </a:solidFill>
-              <a:latin typeface="Calibri"/>
-            </a:endParaRPr>
-          </a:p>
-        </p:txBody>
-      </p:sp>
-      <p:sp>
-        <p:nvSpPr>
-          <p:cNvPr id="39" name="PlaceHolder 6"/>
+            <a:endParaRPr b="0" lang="en-US" sz="3200" spc="-1" strike="noStrike">
+              <a:latin typeface="Arial"/>
+            </a:endParaRPr>
+          </a:p>
+        </p:txBody>
+      </p:sp>
+      <p:sp>
+        <p:nvSpPr>
+          <p:cNvPr id="36" name="PlaceHolder 6"/>
           <p:cNvSpPr>
             <a:spLocks noGrp="1"/>
           </p:cNvSpPr>
@@ -549,8 +514,8 @@
         </p:nvSpPr>
         <p:spPr>
           <a:xfrm>
-            <a:off x="3569760" y="4098240"/>
-            <a:ext cx="2750760" cy="2075040"/>
+            <a:off x="3509280" y="3682080"/>
+            <a:ext cx="2870280" cy="1896840"/>
           </a:xfrm>
           <a:prstGeom prst="rect">
             <a:avLst/>
@@ -561,18 +526,15 @@
             <a:normAutofit/>
           </a:bodyPr>
           <a:p>
-            <a:endParaRPr b="0" lang="vi-VN" sz="2800" spc="-1" strike="noStrike">
-              <a:solidFill>
-                <a:srgbClr val="000000"/>
-              </a:solidFill>
-              <a:latin typeface="Calibri"/>
-            </a:endParaRPr>
-          </a:p>
-        </p:txBody>
-      </p:sp>
-      <p:sp>
-        <p:nvSpPr>
-          <p:cNvPr id="40" name="PlaceHolder 7"/>
+            <a:endParaRPr b="0" lang="en-US" sz="3200" spc="-1" strike="noStrike">
+              <a:latin typeface="Arial"/>
+            </a:endParaRPr>
+          </a:p>
+        </p:txBody>
+      </p:sp>
+      <p:sp>
+        <p:nvSpPr>
+          <p:cNvPr id="37" name="PlaceHolder 7"/>
           <p:cNvSpPr>
             <a:spLocks noGrp="1"/>
           </p:cNvSpPr>
@@ -582,8 +544,8 @@
         </p:nvSpPr>
         <p:spPr>
           <a:xfrm>
-            <a:off x="6458400" y="4098240"/>
-            <a:ext cx="2750760" cy="2075040"/>
+            <a:off x="6523200" y="3682080"/>
+            <a:ext cx="2870280" cy="1896840"/>
           </a:xfrm>
           <a:prstGeom prst="rect">
             <a:avLst/>
@@ -594,11 +556,8 @@
             <a:normAutofit/>
           </a:bodyPr>
           <a:p>
-            <a:endParaRPr b="0" lang="vi-VN" sz="2800" spc="-1" strike="noStrike">
-              <a:solidFill>
-                <a:srgbClr val="000000"/>
-              </a:solidFill>
-              <a:latin typeface="Calibri"/>
+            <a:endParaRPr b="0" lang="en-US" sz="3200" spc="-1" strike="noStrike">
+              <a:latin typeface="Arial"/>
             </a:endParaRPr>
           </a:p>
         </p:txBody>
@@ -649,7 +608,7 @@
       </p:grpSpPr>
       <p:sp>
         <p:nvSpPr>
-          <p:cNvPr id="46" name="PlaceHolder 1"/>
+          <p:cNvPr id="40" name="PlaceHolder 1"/>
           <p:cNvSpPr>
             <a:spLocks noGrp="1"/>
           </p:cNvSpPr>
@@ -659,8 +618,8 @@
         </p:nvSpPr>
         <p:spPr>
           <a:xfrm>
-            <a:off x="681120" y="365040"/>
-            <a:ext cx="8543520" cy="1325160"/>
+            <a:off x="495000" y="273600"/>
+            <a:ext cx="8915040" cy="1144800"/>
           </a:xfrm>
           <a:prstGeom prst="rect">
             <a:avLst/>
@@ -669,18 +628,16 @@
         <p:txBody>
           <a:bodyPr lIns="0" rIns="0" tIns="0" bIns="0" anchor="ctr"/>
           <a:p>
-            <a:endParaRPr b="0" lang="vi-VN" sz="1800" spc="-1" strike="noStrike">
-              <a:solidFill>
-                <a:srgbClr val="000000"/>
-              </a:solidFill>
-              <a:latin typeface="Calibri"/>
-            </a:endParaRPr>
-          </a:p>
-        </p:txBody>
-      </p:sp>
-      <p:sp>
-        <p:nvSpPr>
-          <p:cNvPr id="47" name="PlaceHolder 2"/>
+            <a:pPr algn="ctr"/>
+            <a:endParaRPr b="0" lang="en-US" sz="4400" spc="-1" strike="noStrike">
+              <a:latin typeface="Arial"/>
+            </a:endParaRPr>
+          </a:p>
+        </p:txBody>
+      </p:sp>
+      <p:sp>
+        <p:nvSpPr>
+          <p:cNvPr id="41" name="PlaceHolder 2"/>
           <p:cNvSpPr>
             <a:spLocks noGrp="1"/>
           </p:cNvSpPr>
@@ -690,8 +647,8 @@
         </p:nvSpPr>
         <p:spPr>
           <a:xfrm>
-            <a:off x="681120" y="1825560"/>
-            <a:ext cx="8543520" cy="4350960"/>
+            <a:off x="495000" y="1604520"/>
+            <a:ext cx="8915040" cy="3977280"/>
           </a:xfrm>
           <a:prstGeom prst="rect">
             <a:avLst/>
@@ -731,7 +688,7 @@
       </p:grpSpPr>
       <p:sp>
         <p:nvSpPr>
-          <p:cNvPr id="48" name="PlaceHolder 1"/>
+          <p:cNvPr id="42" name="PlaceHolder 1"/>
           <p:cNvSpPr>
             <a:spLocks noGrp="1"/>
           </p:cNvSpPr>
@@ -741,8 +698,8 @@
         </p:nvSpPr>
         <p:spPr>
           <a:xfrm>
-            <a:off x="681120" y="365040"/>
-            <a:ext cx="8543520" cy="1325160"/>
+            <a:off x="495000" y="273600"/>
+            <a:ext cx="8915040" cy="1144800"/>
           </a:xfrm>
           <a:prstGeom prst="rect">
             <a:avLst/>
@@ -751,18 +708,16 @@
         <p:txBody>
           <a:bodyPr lIns="0" rIns="0" tIns="0" bIns="0" anchor="ctr"/>
           <a:p>
-            <a:endParaRPr b="0" lang="vi-VN" sz="1800" spc="-1" strike="noStrike">
-              <a:solidFill>
-                <a:srgbClr val="000000"/>
-              </a:solidFill>
-              <a:latin typeface="Calibri"/>
-            </a:endParaRPr>
-          </a:p>
-        </p:txBody>
-      </p:sp>
-      <p:sp>
-        <p:nvSpPr>
-          <p:cNvPr id="49" name="PlaceHolder 2"/>
+            <a:pPr algn="ctr"/>
+            <a:endParaRPr b="0" lang="en-US" sz="4400" spc="-1" strike="noStrike">
+              <a:latin typeface="Arial"/>
+            </a:endParaRPr>
+          </a:p>
+        </p:txBody>
+      </p:sp>
+      <p:sp>
+        <p:nvSpPr>
+          <p:cNvPr id="43" name="PlaceHolder 2"/>
           <p:cNvSpPr>
             <a:spLocks noGrp="1"/>
           </p:cNvSpPr>
@@ -772,8 +727,8 @@
         </p:nvSpPr>
         <p:spPr>
           <a:xfrm>
-            <a:off x="681120" y="1825560"/>
-            <a:ext cx="8543520" cy="4350960"/>
+            <a:off x="495000" y="1604520"/>
+            <a:ext cx="8915040" cy="3977280"/>
           </a:xfrm>
           <a:prstGeom prst="rect">
             <a:avLst/>
@@ -784,11 +739,8 @@
             <a:normAutofit/>
           </a:bodyPr>
           <a:p>
-            <a:endParaRPr b="0" lang="vi-VN" sz="2800" spc="-1" strike="noStrike">
-              <a:solidFill>
-                <a:srgbClr val="000000"/>
-              </a:solidFill>
-              <a:latin typeface="Calibri"/>
+            <a:endParaRPr b="0" lang="en-US" sz="3200" spc="-1" strike="noStrike">
+              <a:latin typeface="Arial"/>
             </a:endParaRPr>
           </a:p>
         </p:txBody>
@@ -817,7 +769,7 @@
       </p:grpSpPr>
       <p:sp>
         <p:nvSpPr>
-          <p:cNvPr id="50" name="PlaceHolder 1"/>
+          <p:cNvPr id="44" name="PlaceHolder 1"/>
           <p:cNvSpPr>
             <a:spLocks noGrp="1"/>
           </p:cNvSpPr>
@@ -827,8 +779,8 @@
         </p:nvSpPr>
         <p:spPr>
           <a:xfrm>
-            <a:off x="681120" y="365040"/>
-            <a:ext cx="8543520" cy="1325160"/>
+            <a:off x="495000" y="273600"/>
+            <a:ext cx="8915040" cy="1144800"/>
           </a:xfrm>
           <a:prstGeom prst="rect">
             <a:avLst/>
@@ -837,18 +789,16 @@
         <p:txBody>
           <a:bodyPr lIns="0" rIns="0" tIns="0" bIns="0" anchor="ctr"/>
           <a:p>
-            <a:endParaRPr b="0" lang="vi-VN" sz="1800" spc="-1" strike="noStrike">
-              <a:solidFill>
-                <a:srgbClr val="000000"/>
-              </a:solidFill>
-              <a:latin typeface="Calibri"/>
-            </a:endParaRPr>
-          </a:p>
-        </p:txBody>
-      </p:sp>
-      <p:sp>
-        <p:nvSpPr>
-          <p:cNvPr id="51" name="PlaceHolder 2"/>
+            <a:pPr algn="ctr"/>
+            <a:endParaRPr b="0" lang="en-US" sz="4400" spc="-1" strike="noStrike">
+              <a:latin typeface="Arial"/>
+            </a:endParaRPr>
+          </a:p>
+        </p:txBody>
+      </p:sp>
+      <p:sp>
+        <p:nvSpPr>
+          <p:cNvPr id="45" name="PlaceHolder 2"/>
           <p:cNvSpPr>
             <a:spLocks noGrp="1"/>
           </p:cNvSpPr>
@@ -858,8 +808,8 @@
         </p:nvSpPr>
         <p:spPr>
           <a:xfrm>
-            <a:off x="681120" y="1825560"/>
-            <a:ext cx="4169160" cy="4350960"/>
+            <a:off x="495000" y="1604520"/>
+            <a:ext cx="4350240" cy="3977280"/>
           </a:xfrm>
           <a:prstGeom prst="rect">
             <a:avLst/>
@@ -870,18 +820,15 @@
             <a:normAutofit/>
           </a:bodyPr>
           <a:p>
-            <a:endParaRPr b="0" lang="vi-VN" sz="2800" spc="-1" strike="noStrike">
-              <a:solidFill>
-                <a:srgbClr val="000000"/>
-              </a:solidFill>
-              <a:latin typeface="Calibri"/>
-            </a:endParaRPr>
-          </a:p>
-        </p:txBody>
-      </p:sp>
-      <p:sp>
-        <p:nvSpPr>
-          <p:cNvPr id="52" name="PlaceHolder 3"/>
+            <a:endParaRPr b="0" lang="en-US" sz="3200" spc="-1" strike="noStrike">
+              <a:latin typeface="Arial"/>
+            </a:endParaRPr>
+          </a:p>
+        </p:txBody>
+      </p:sp>
+      <p:sp>
+        <p:nvSpPr>
+          <p:cNvPr id="46" name="PlaceHolder 3"/>
           <p:cNvSpPr>
             <a:spLocks noGrp="1"/>
           </p:cNvSpPr>
@@ -891,8 +838,8 @@
         </p:nvSpPr>
         <p:spPr>
           <a:xfrm>
-            <a:off x="5059080" y="1825560"/>
-            <a:ext cx="4169160" cy="4350960"/>
+            <a:off x="5063040" y="1604520"/>
+            <a:ext cx="4350240" cy="3977280"/>
           </a:xfrm>
           <a:prstGeom prst="rect">
             <a:avLst/>
@@ -903,11 +850,8 @@
             <a:normAutofit/>
           </a:bodyPr>
           <a:p>
-            <a:endParaRPr b="0" lang="vi-VN" sz="2800" spc="-1" strike="noStrike">
-              <a:solidFill>
-                <a:srgbClr val="000000"/>
-              </a:solidFill>
-              <a:latin typeface="Calibri"/>
+            <a:endParaRPr b="0" lang="en-US" sz="3200" spc="-1" strike="noStrike">
+              <a:latin typeface="Arial"/>
             </a:endParaRPr>
           </a:p>
         </p:txBody>
@@ -936,7 +880,7 @@
       </p:grpSpPr>
       <p:sp>
         <p:nvSpPr>
-          <p:cNvPr id="53" name="PlaceHolder 1"/>
+          <p:cNvPr id="47" name="PlaceHolder 1"/>
           <p:cNvSpPr>
             <a:spLocks noGrp="1"/>
           </p:cNvSpPr>
@@ -946,8 +890,8 @@
         </p:nvSpPr>
         <p:spPr>
           <a:xfrm>
-            <a:off x="681120" y="365040"/>
-            <a:ext cx="8543520" cy="1325160"/>
+            <a:off x="495000" y="273600"/>
+            <a:ext cx="8915040" cy="1144800"/>
           </a:xfrm>
           <a:prstGeom prst="rect">
             <a:avLst/>
@@ -956,11 +900,9 @@
         <p:txBody>
           <a:bodyPr lIns="0" rIns="0" tIns="0" bIns="0" anchor="ctr"/>
           <a:p>
-            <a:endParaRPr b="0" lang="vi-VN" sz="1800" spc="-1" strike="noStrike">
-              <a:solidFill>
-                <a:srgbClr val="000000"/>
-              </a:solidFill>
-              <a:latin typeface="Calibri"/>
+            <a:pPr algn="ctr"/>
+            <a:endParaRPr b="0" lang="en-US" sz="4400" spc="-1" strike="noStrike">
+              <a:latin typeface="Arial"/>
             </a:endParaRPr>
           </a:p>
         </p:txBody>
@@ -989,7 +931,7 @@
       </p:grpSpPr>
       <p:sp>
         <p:nvSpPr>
-          <p:cNvPr id="54" name="PlaceHolder 1"/>
+          <p:cNvPr id="48" name="PlaceHolder 1"/>
           <p:cNvSpPr>
             <a:spLocks noGrp="1"/>
           </p:cNvSpPr>
@@ -999,8 +941,8 @@
         </p:nvSpPr>
         <p:spPr>
           <a:xfrm>
-            <a:off x="681120" y="365040"/>
-            <a:ext cx="8543520" cy="6144120"/>
+            <a:off x="495000" y="273600"/>
+            <a:ext cx="8915040" cy="5307840"/>
           </a:xfrm>
           <a:prstGeom prst="rect">
             <a:avLst/>
@@ -1040,7 +982,7 @@
       </p:grpSpPr>
       <p:sp>
         <p:nvSpPr>
-          <p:cNvPr id="55" name="PlaceHolder 1"/>
+          <p:cNvPr id="49" name="PlaceHolder 1"/>
           <p:cNvSpPr>
             <a:spLocks noGrp="1"/>
           </p:cNvSpPr>
@@ -1050,8 +992,8 @@
         </p:nvSpPr>
         <p:spPr>
           <a:xfrm>
-            <a:off x="681120" y="365040"/>
-            <a:ext cx="8543520" cy="1325160"/>
+            <a:off x="495000" y="273600"/>
+            <a:ext cx="8915040" cy="1144800"/>
           </a:xfrm>
           <a:prstGeom prst="rect">
             <a:avLst/>
@@ -1060,18 +1002,16 @@
         <p:txBody>
           <a:bodyPr lIns="0" rIns="0" tIns="0" bIns="0" anchor="ctr"/>
           <a:p>
-            <a:endParaRPr b="0" lang="vi-VN" sz="1800" spc="-1" strike="noStrike">
-              <a:solidFill>
-                <a:srgbClr val="000000"/>
-              </a:solidFill>
-              <a:latin typeface="Calibri"/>
-            </a:endParaRPr>
-          </a:p>
-        </p:txBody>
-      </p:sp>
-      <p:sp>
-        <p:nvSpPr>
-          <p:cNvPr id="56" name="PlaceHolder 2"/>
+            <a:pPr algn="ctr"/>
+            <a:endParaRPr b="0" lang="en-US" sz="4400" spc="-1" strike="noStrike">
+              <a:latin typeface="Arial"/>
+            </a:endParaRPr>
+          </a:p>
+        </p:txBody>
+      </p:sp>
+      <p:sp>
+        <p:nvSpPr>
+          <p:cNvPr id="50" name="PlaceHolder 2"/>
           <p:cNvSpPr>
             <a:spLocks noGrp="1"/>
           </p:cNvSpPr>
@@ -1081,8 +1021,8 @@
         </p:nvSpPr>
         <p:spPr>
           <a:xfrm>
-            <a:off x="681120" y="1825560"/>
-            <a:ext cx="4169160" cy="2075040"/>
+            <a:off x="495000" y="1604520"/>
+            <a:ext cx="4350240" cy="1896840"/>
           </a:xfrm>
           <a:prstGeom prst="rect">
             <a:avLst/>
@@ -1093,18 +1033,15 @@
             <a:normAutofit/>
           </a:bodyPr>
           <a:p>
-            <a:endParaRPr b="0" lang="vi-VN" sz="2800" spc="-1" strike="noStrike">
-              <a:solidFill>
-                <a:srgbClr val="000000"/>
-              </a:solidFill>
-              <a:latin typeface="Calibri"/>
-            </a:endParaRPr>
-          </a:p>
-        </p:txBody>
-      </p:sp>
-      <p:sp>
-        <p:nvSpPr>
-          <p:cNvPr id="57" name="PlaceHolder 3"/>
+            <a:endParaRPr b="0" lang="en-US" sz="3200" spc="-1" strike="noStrike">
+              <a:latin typeface="Arial"/>
+            </a:endParaRPr>
+          </a:p>
+        </p:txBody>
+      </p:sp>
+      <p:sp>
+        <p:nvSpPr>
+          <p:cNvPr id="51" name="PlaceHolder 3"/>
           <p:cNvSpPr>
             <a:spLocks noGrp="1"/>
           </p:cNvSpPr>
@@ -1114,8 +1051,8 @@
         </p:nvSpPr>
         <p:spPr>
           <a:xfrm>
-            <a:off x="5059080" y="1825560"/>
-            <a:ext cx="4169160" cy="4350960"/>
+            <a:off x="5063040" y="1604520"/>
+            <a:ext cx="4350240" cy="3977280"/>
           </a:xfrm>
           <a:prstGeom prst="rect">
             <a:avLst/>
@@ -1126,18 +1063,15 @@
             <a:normAutofit/>
           </a:bodyPr>
           <a:p>
-            <a:endParaRPr b="0" lang="vi-VN" sz="2800" spc="-1" strike="noStrike">
-              <a:solidFill>
-                <a:srgbClr val="000000"/>
-              </a:solidFill>
-              <a:latin typeface="Calibri"/>
-            </a:endParaRPr>
-          </a:p>
-        </p:txBody>
-      </p:sp>
-      <p:sp>
-        <p:nvSpPr>
-          <p:cNvPr id="58" name="PlaceHolder 4"/>
+            <a:endParaRPr b="0" lang="en-US" sz="3200" spc="-1" strike="noStrike">
+              <a:latin typeface="Arial"/>
+            </a:endParaRPr>
+          </a:p>
+        </p:txBody>
+      </p:sp>
+      <p:sp>
+        <p:nvSpPr>
+          <p:cNvPr id="52" name="PlaceHolder 4"/>
           <p:cNvSpPr>
             <a:spLocks noGrp="1"/>
           </p:cNvSpPr>
@@ -1147,8 +1081,8 @@
         </p:nvSpPr>
         <p:spPr>
           <a:xfrm>
-            <a:off x="681120" y="4098240"/>
-            <a:ext cx="4169160" cy="2075040"/>
+            <a:off x="495000" y="3682080"/>
+            <a:ext cx="4350240" cy="1896840"/>
           </a:xfrm>
           <a:prstGeom prst="rect">
             <a:avLst/>
@@ -1159,11 +1093,8 @@
             <a:normAutofit/>
           </a:bodyPr>
           <a:p>
-            <a:endParaRPr b="0" lang="vi-VN" sz="2800" spc="-1" strike="noStrike">
-              <a:solidFill>
-                <a:srgbClr val="000000"/>
-              </a:solidFill>
-              <a:latin typeface="Calibri"/>
+            <a:endParaRPr b="0" lang="en-US" sz="3200" spc="-1" strike="noStrike">
+              <a:latin typeface="Arial"/>
             </a:endParaRPr>
           </a:p>
         </p:txBody>
@@ -1192,7 +1123,7 @@
       </p:grpSpPr>
       <p:sp>
         <p:nvSpPr>
-          <p:cNvPr id="5" name="PlaceHolder 1"/>
+          <p:cNvPr id="2" name="PlaceHolder 1"/>
           <p:cNvSpPr>
             <a:spLocks noGrp="1"/>
           </p:cNvSpPr>
@@ -1202,8 +1133,8 @@
         </p:nvSpPr>
         <p:spPr>
           <a:xfrm>
-            <a:off x="681120" y="365040"/>
-            <a:ext cx="8543520" cy="1325160"/>
+            <a:off x="495000" y="273600"/>
+            <a:ext cx="8915040" cy="1144800"/>
           </a:xfrm>
           <a:prstGeom prst="rect">
             <a:avLst/>
@@ -1212,18 +1143,16 @@
         <p:txBody>
           <a:bodyPr lIns="0" rIns="0" tIns="0" bIns="0" anchor="ctr"/>
           <a:p>
-            <a:endParaRPr b="0" lang="vi-VN" sz="1800" spc="-1" strike="noStrike">
-              <a:solidFill>
-                <a:srgbClr val="000000"/>
-              </a:solidFill>
-              <a:latin typeface="Calibri"/>
-            </a:endParaRPr>
-          </a:p>
-        </p:txBody>
-      </p:sp>
-      <p:sp>
-        <p:nvSpPr>
-          <p:cNvPr id="6" name="PlaceHolder 2"/>
+            <a:pPr algn="ctr"/>
+            <a:endParaRPr b="0" lang="en-US" sz="4400" spc="-1" strike="noStrike">
+              <a:latin typeface="Arial"/>
+            </a:endParaRPr>
+          </a:p>
+        </p:txBody>
+      </p:sp>
+      <p:sp>
+        <p:nvSpPr>
+          <p:cNvPr id="3" name="PlaceHolder 2"/>
           <p:cNvSpPr>
             <a:spLocks noGrp="1"/>
           </p:cNvSpPr>
@@ -1233,8 +1162,8 @@
         </p:nvSpPr>
         <p:spPr>
           <a:xfrm>
-            <a:off x="681120" y="1825560"/>
-            <a:ext cx="8543520" cy="4350960"/>
+            <a:off x="495000" y="1604520"/>
+            <a:ext cx="8915040" cy="3977280"/>
           </a:xfrm>
           <a:prstGeom prst="rect">
             <a:avLst/>
@@ -1274,7 +1203,7 @@
       </p:grpSpPr>
       <p:sp>
         <p:nvSpPr>
-          <p:cNvPr id="59" name="PlaceHolder 1"/>
+          <p:cNvPr id="53" name="PlaceHolder 1"/>
           <p:cNvSpPr>
             <a:spLocks noGrp="1"/>
           </p:cNvSpPr>
@@ -1284,8 +1213,8 @@
         </p:nvSpPr>
         <p:spPr>
           <a:xfrm>
-            <a:off x="681120" y="365040"/>
-            <a:ext cx="8543520" cy="1325160"/>
+            <a:off x="495000" y="273600"/>
+            <a:ext cx="8915040" cy="1144800"/>
           </a:xfrm>
           <a:prstGeom prst="rect">
             <a:avLst/>
@@ -1294,18 +1223,16 @@
         <p:txBody>
           <a:bodyPr lIns="0" rIns="0" tIns="0" bIns="0" anchor="ctr"/>
           <a:p>
-            <a:endParaRPr b="0" lang="vi-VN" sz="1800" spc="-1" strike="noStrike">
-              <a:solidFill>
-                <a:srgbClr val="000000"/>
-              </a:solidFill>
-              <a:latin typeface="Calibri"/>
-            </a:endParaRPr>
-          </a:p>
-        </p:txBody>
-      </p:sp>
-      <p:sp>
-        <p:nvSpPr>
-          <p:cNvPr id="60" name="PlaceHolder 2"/>
+            <a:pPr algn="ctr"/>
+            <a:endParaRPr b="0" lang="en-US" sz="4400" spc="-1" strike="noStrike">
+              <a:latin typeface="Arial"/>
+            </a:endParaRPr>
+          </a:p>
+        </p:txBody>
+      </p:sp>
+      <p:sp>
+        <p:nvSpPr>
+          <p:cNvPr id="54" name="PlaceHolder 2"/>
           <p:cNvSpPr>
             <a:spLocks noGrp="1"/>
           </p:cNvSpPr>
@@ -1315,8 +1242,8 @@
         </p:nvSpPr>
         <p:spPr>
           <a:xfrm>
-            <a:off x="681120" y="1825560"/>
-            <a:ext cx="4169160" cy="4350960"/>
+            <a:off x="495000" y="1604520"/>
+            <a:ext cx="4350240" cy="3977280"/>
           </a:xfrm>
           <a:prstGeom prst="rect">
             <a:avLst/>
@@ -1327,18 +1254,15 @@
             <a:normAutofit/>
           </a:bodyPr>
           <a:p>
-            <a:endParaRPr b="0" lang="vi-VN" sz="2800" spc="-1" strike="noStrike">
-              <a:solidFill>
-                <a:srgbClr val="000000"/>
-              </a:solidFill>
-              <a:latin typeface="Calibri"/>
-            </a:endParaRPr>
-          </a:p>
-        </p:txBody>
-      </p:sp>
-      <p:sp>
-        <p:nvSpPr>
-          <p:cNvPr id="61" name="PlaceHolder 3"/>
+            <a:endParaRPr b="0" lang="en-US" sz="3200" spc="-1" strike="noStrike">
+              <a:latin typeface="Arial"/>
+            </a:endParaRPr>
+          </a:p>
+        </p:txBody>
+      </p:sp>
+      <p:sp>
+        <p:nvSpPr>
+          <p:cNvPr id="55" name="PlaceHolder 3"/>
           <p:cNvSpPr>
             <a:spLocks noGrp="1"/>
           </p:cNvSpPr>
@@ -1348,8 +1272,8 @@
         </p:nvSpPr>
         <p:spPr>
           <a:xfrm>
-            <a:off x="5059080" y="1825560"/>
-            <a:ext cx="4169160" cy="2075040"/>
+            <a:off x="5063040" y="1604520"/>
+            <a:ext cx="4350240" cy="1896840"/>
           </a:xfrm>
           <a:prstGeom prst="rect">
             <a:avLst/>
@@ -1360,18 +1284,15 @@
             <a:normAutofit/>
           </a:bodyPr>
           <a:p>
-            <a:endParaRPr b="0" lang="vi-VN" sz="2800" spc="-1" strike="noStrike">
-              <a:solidFill>
-                <a:srgbClr val="000000"/>
-              </a:solidFill>
-              <a:latin typeface="Calibri"/>
-            </a:endParaRPr>
-          </a:p>
-        </p:txBody>
-      </p:sp>
-      <p:sp>
-        <p:nvSpPr>
-          <p:cNvPr id="62" name="PlaceHolder 4"/>
+            <a:endParaRPr b="0" lang="en-US" sz="3200" spc="-1" strike="noStrike">
+              <a:latin typeface="Arial"/>
+            </a:endParaRPr>
+          </a:p>
+        </p:txBody>
+      </p:sp>
+      <p:sp>
+        <p:nvSpPr>
+          <p:cNvPr id="56" name="PlaceHolder 4"/>
           <p:cNvSpPr>
             <a:spLocks noGrp="1"/>
           </p:cNvSpPr>
@@ -1381,8 +1302,8 @@
         </p:nvSpPr>
         <p:spPr>
           <a:xfrm>
-            <a:off x="5059080" y="4098240"/>
-            <a:ext cx="4169160" cy="2075040"/>
+            <a:off x="5063040" y="3682080"/>
+            <a:ext cx="4350240" cy="1896840"/>
           </a:xfrm>
           <a:prstGeom prst="rect">
             <a:avLst/>
@@ -1393,11 +1314,8 @@
             <a:normAutofit/>
           </a:bodyPr>
           <a:p>
-            <a:endParaRPr b="0" lang="vi-VN" sz="2800" spc="-1" strike="noStrike">
-              <a:solidFill>
-                <a:srgbClr val="000000"/>
-              </a:solidFill>
-              <a:latin typeface="Calibri"/>
+            <a:endParaRPr b="0" lang="en-US" sz="3200" spc="-1" strike="noStrike">
+              <a:latin typeface="Arial"/>
             </a:endParaRPr>
           </a:p>
         </p:txBody>
@@ -1426,7 +1344,7 @@
       </p:grpSpPr>
       <p:sp>
         <p:nvSpPr>
-          <p:cNvPr id="63" name="PlaceHolder 1"/>
+          <p:cNvPr id="57" name="PlaceHolder 1"/>
           <p:cNvSpPr>
             <a:spLocks noGrp="1"/>
           </p:cNvSpPr>
@@ -1436,8 +1354,8 @@
         </p:nvSpPr>
         <p:spPr>
           <a:xfrm>
-            <a:off x="681120" y="365040"/>
-            <a:ext cx="8543520" cy="1325160"/>
+            <a:off x="495000" y="273600"/>
+            <a:ext cx="8915040" cy="1144800"/>
           </a:xfrm>
           <a:prstGeom prst="rect">
             <a:avLst/>
@@ -1446,18 +1364,16 @@
         <p:txBody>
           <a:bodyPr lIns="0" rIns="0" tIns="0" bIns="0" anchor="ctr"/>
           <a:p>
-            <a:endParaRPr b="0" lang="vi-VN" sz="1800" spc="-1" strike="noStrike">
-              <a:solidFill>
-                <a:srgbClr val="000000"/>
-              </a:solidFill>
-              <a:latin typeface="Calibri"/>
-            </a:endParaRPr>
-          </a:p>
-        </p:txBody>
-      </p:sp>
-      <p:sp>
-        <p:nvSpPr>
-          <p:cNvPr id="64" name="PlaceHolder 2"/>
+            <a:pPr algn="ctr"/>
+            <a:endParaRPr b="0" lang="en-US" sz="4400" spc="-1" strike="noStrike">
+              <a:latin typeface="Arial"/>
+            </a:endParaRPr>
+          </a:p>
+        </p:txBody>
+      </p:sp>
+      <p:sp>
+        <p:nvSpPr>
+          <p:cNvPr id="58" name="PlaceHolder 2"/>
           <p:cNvSpPr>
             <a:spLocks noGrp="1"/>
           </p:cNvSpPr>
@@ -1467,8 +1383,8 @@
         </p:nvSpPr>
         <p:spPr>
           <a:xfrm>
-            <a:off x="681120" y="1825560"/>
-            <a:ext cx="4169160" cy="2075040"/>
+            <a:off x="495000" y="1604520"/>
+            <a:ext cx="4350240" cy="1896840"/>
           </a:xfrm>
           <a:prstGeom prst="rect">
             <a:avLst/>
@@ -1479,18 +1395,15 @@
             <a:normAutofit/>
           </a:bodyPr>
           <a:p>
-            <a:endParaRPr b="0" lang="vi-VN" sz="2800" spc="-1" strike="noStrike">
-              <a:solidFill>
-                <a:srgbClr val="000000"/>
-              </a:solidFill>
-              <a:latin typeface="Calibri"/>
-            </a:endParaRPr>
-          </a:p>
-        </p:txBody>
-      </p:sp>
-      <p:sp>
-        <p:nvSpPr>
-          <p:cNvPr id="65" name="PlaceHolder 3"/>
+            <a:endParaRPr b="0" lang="en-US" sz="3200" spc="-1" strike="noStrike">
+              <a:latin typeface="Arial"/>
+            </a:endParaRPr>
+          </a:p>
+        </p:txBody>
+      </p:sp>
+      <p:sp>
+        <p:nvSpPr>
+          <p:cNvPr id="59" name="PlaceHolder 3"/>
           <p:cNvSpPr>
             <a:spLocks noGrp="1"/>
           </p:cNvSpPr>
@@ -1500,8 +1413,8 @@
         </p:nvSpPr>
         <p:spPr>
           <a:xfrm>
-            <a:off x="5059080" y="1825560"/>
-            <a:ext cx="4169160" cy="2075040"/>
+            <a:off x="5063040" y="1604520"/>
+            <a:ext cx="4350240" cy="1896840"/>
           </a:xfrm>
           <a:prstGeom prst="rect">
             <a:avLst/>
@@ -1512,18 +1425,15 @@
             <a:normAutofit/>
           </a:bodyPr>
           <a:p>
-            <a:endParaRPr b="0" lang="vi-VN" sz="2800" spc="-1" strike="noStrike">
-              <a:solidFill>
-                <a:srgbClr val="000000"/>
-              </a:solidFill>
-              <a:latin typeface="Calibri"/>
-            </a:endParaRPr>
-          </a:p>
-        </p:txBody>
-      </p:sp>
-      <p:sp>
-        <p:nvSpPr>
-          <p:cNvPr id="66" name="PlaceHolder 4"/>
+            <a:endParaRPr b="0" lang="en-US" sz="3200" spc="-1" strike="noStrike">
+              <a:latin typeface="Arial"/>
+            </a:endParaRPr>
+          </a:p>
+        </p:txBody>
+      </p:sp>
+      <p:sp>
+        <p:nvSpPr>
+          <p:cNvPr id="60" name="PlaceHolder 4"/>
           <p:cNvSpPr>
             <a:spLocks noGrp="1"/>
           </p:cNvSpPr>
@@ -1533,8 +1443,8 @@
         </p:nvSpPr>
         <p:spPr>
           <a:xfrm>
-            <a:off x="681120" y="4098240"/>
-            <a:ext cx="8543520" cy="2075040"/>
+            <a:off x="495000" y="3682080"/>
+            <a:ext cx="8915040" cy="1896840"/>
           </a:xfrm>
           <a:prstGeom prst="rect">
             <a:avLst/>
@@ -1545,11 +1455,8 @@
             <a:normAutofit/>
           </a:bodyPr>
           <a:p>
-            <a:endParaRPr b="0" lang="vi-VN" sz="2800" spc="-1" strike="noStrike">
-              <a:solidFill>
-                <a:srgbClr val="000000"/>
-              </a:solidFill>
-              <a:latin typeface="Calibri"/>
+            <a:endParaRPr b="0" lang="en-US" sz="3200" spc="-1" strike="noStrike">
+              <a:latin typeface="Arial"/>
             </a:endParaRPr>
           </a:p>
         </p:txBody>
@@ -1578,7 +1485,7 @@
       </p:grpSpPr>
       <p:sp>
         <p:nvSpPr>
-          <p:cNvPr id="67" name="PlaceHolder 1"/>
+          <p:cNvPr id="61" name="PlaceHolder 1"/>
           <p:cNvSpPr>
             <a:spLocks noGrp="1"/>
           </p:cNvSpPr>
@@ -1588,8 +1495,8 @@
         </p:nvSpPr>
         <p:spPr>
           <a:xfrm>
-            <a:off x="681120" y="365040"/>
-            <a:ext cx="8543520" cy="1325160"/>
+            <a:off x="495000" y="273600"/>
+            <a:ext cx="8915040" cy="1144800"/>
           </a:xfrm>
           <a:prstGeom prst="rect">
             <a:avLst/>
@@ -1598,18 +1505,16 @@
         <p:txBody>
           <a:bodyPr lIns="0" rIns="0" tIns="0" bIns="0" anchor="ctr"/>
           <a:p>
-            <a:endParaRPr b="0" lang="vi-VN" sz="1800" spc="-1" strike="noStrike">
-              <a:solidFill>
-                <a:srgbClr val="000000"/>
-              </a:solidFill>
-              <a:latin typeface="Calibri"/>
-            </a:endParaRPr>
-          </a:p>
-        </p:txBody>
-      </p:sp>
-      <p:sp>
-        <p:nvSpPr>
-          <p:cNvPr id="68" name="PlaceHolder 2"/>
+            <a:pPr algn="ctr"/>
+            <a:endParaRPr b="0" lang="en-US" sz="4400" spc="-1" strike="noStrike">
+              <a:latin typeface="Arial"/>
+            </a:endParaRPr>
+          </a:p>
+        </p:txBody>
+      </p:sp>
+      <p:sp>
+        <p:nvSpPr>
+          <p:cNvPr id="62" name="PlaceHolder 2"/>
           <p:cNvSpPr>
             <a:spLocks noGrp="1"/>
           </p:cNvSpPr>
@@ -1619,8 +1524,8 @@
         </p:nvSpPr>
         <p:spPr>
           <a:xfrm>
-            <a:off x="681120" y="1825560"/>
-            <a:ext cx="8543520" cy="2075040"/>
+            <a:off x="495000" y="1604520"/>
+            <a:ext cx="8915040" cy="1896840"/>
           </a:xfrm>
           <a:prstGeom prst="rect">
             <a:avLst/>
@@ -1631,18 +1536,15 @@
             <a:normAutofit/>
           </a:bodyPr>
           <a:p>
-            <a:endParaRPr b="0" lang="vi-VN" sz="2800" spc="-1" strike="noStrike">
-              <a:solidFill>
-                <a:srgbClr val="000000"/>
-              </a:solidFill>
-              <a:latin typeface="Calibri"/>
-            </a:endParaRPr>
-          </a:p>
-        </p:txBody>
-      </p:sp>
-      <p:sp>
-        <p:nvSpPr>
-          <p:cNvPr id="69" name="PlaceHolder 3"/>
+            <a:endParaRPr b="0" lang="en-US" sz="3200" spc="-1" strike="noStrike">
+              <a:latin typeface="Arial"/>
+            </a:endParaRPr>
+          </a:p>
+        </p:txBody>
+      </p:sp>
+      <p:sp>
+        <p:nvSpPr>
+          <p:cNvPr id="63" name="PlaceHolder 3"/>
           <p:cNvSpPr>
             <a:spLocks noGrp="1"/>
           </p:cNvSpPr>
@@ -1652,8 +1554,8 @@
         </p:nvSpPr>
         <p:spPr>
           <a:xfrm>
-            <a:off x="681120" y="4098240"/>
-            <a:ext cx="8543520" cy="2075040"/>
+            <a:off x="495000" y="3682080"/>
+            <a:ext cx="8915040" cy="1896840"/>
           </a:xfrm>
           <a:prstGeom prst="rect">
             <a:avLst/>
@@ -1664,11 +1566,8 @@
             <a:normAutofit/>
           </a:bodyPr>
           <a:p>
-            <a:endParaRPr b="0" lang="vi-VN" sz="2800" spc="-1" strike="noStrike">
-              <a:solidFill>
-                <a:srgbClr val="000000"/>
-              </a:solidFill>
-              <a:latin typeface="Calibri"/>
+            <a:endParaRPr b="0" lang="en-US" sz="3200" spc="-1" strike="noStrike">
+              <a:latin typeface="Arial"/>
             </a:endParaRPr>
           </a:p>
         </p:txBody>
@@ -1697,7 +1596,7 @@
       </p:grpSpPr>
       <p:sp>
         <p:nvSpPr>
-          <p:cNvPr id="70" name="PlaceHolder 1"/>
+          <p:cNvPr id="64" name="PlaceHolder 1"/>
           <p:cNvSpPr>
             <a:spLocks noGrp="1"/>
           </p:cNvSpPr>
@@ -1707,8 +1606,8 @@
         </p:nvSpPr>
         <p:spPr>
           <a:xfrm>
-            <a:off x="681120" y="365040"/>
-            <a:ext cx="8543520" cy="1325160"/>
+            <a:off x="495000" y="273600"/>
+            <a:ext cx="8915040" cy="1144800"/>
           </a:xfrm>
           <a:prstGeom prst="rect">
             <a:avLst/>
@@ -1717,18 +1616,16 @@
         <p:txBody>
           <a:bodyPr lIns="0" rIns="0" tIns="0" bIns="0" anchor="ctr"/>
           <a:p>
-            <a:endParaRPr b="0" lang="vi-VN" sz="1800" spc="-1" strike="noStrike">
-              <a:solidFill>
-                <a:srgbClr val="000000"/>
-              </a:solidFill>
-              <a:latin typeface="Calibri"/>
-            </a:endParaRPr>
-          </a:p>
-        </p:txBody>
-      </p:sp>
-      <p:sp>
-        <p:nvSpPr>
-          <p:cNvPr id="71" name="PlaceHolder 2"/>
+            <a:pPr algn="ctr"/>
+            <a:endParaRPr b="0" lang="en-US" sz="4400" spc="-1" strike="noStrike">
+              <a:latin typeface="Arial"/>
+            </a:endParaRPr>
+          </a:p>
+        </p:txBody>
+      </p:sp>
+      <p:sp>
+        <p:nvSpPr>
+          <p:cNvPr id="65" name="PlaceHolder 2"/>
           <p:cNvSpPr>
             <a:spLocks noGrp="1"/>
           </p:cNvSpPr>
@@ -1738,8 +1635,8 @@
         </p:nvSpPr>
         <p:spPr>
           <a:xfrm>
-            <a:off x="681120" y="1825560"/>
-            <a:ext cx="4169160" cy="2075040"/>
+            <a:off x="495000" y="1604520"/>
+            <a:ext cx="4350240" cy="1896840"/>
           </a:xfrm>
           <a:prstGeom prst="rect">
             <a:avLst/>
@@ -1750,18 +1647,15 @@
             <a:normAutofit/>
           </a:bodyPr>
           <a:p>
-            <a:endParaRPr b="0" lang="vi-VN" sz="2800" spc="-1" strike="noStrike">
-              <a:solidFill>
-                <a:srgbClr val="000000"/>
-              </a:solidFill>
-              <a:latin typeface="Calibri"/>
-            </a:endParaRPr>
-          </a:p>
-        </p:txBody>
-      </p:sp>
-      <p:sp>
-        <p:nvSpPr>
-          <p:cNvPr id="72" name="PlaceHolder 3"/>
+            <a:endParaRPr b="0" lang="en-US" sz="3200" spc="-1" strike="noStrike">
+              <a:latin typeface="Arial"/>
+            </a:endParaRPr>
+          </a:p>
+        </p:txBody>
+      </p:sp>
+      <p:sp>
+        <p:nvSpPr>
+          <p:cNvPr id="66" name="PlaceHolder 3"/>
           <p:cNvSpPr>
             <a:spLocks noGrp="1"/>
           </p:cNvSpPr>
@@ -1771,8 +1665,8 @@
         </p:nvSpPr>
         <p:spPr>
           <a:xfrm>
-            <a:off x="5059080" y="1825560"/>
-            <a:ext cx="4169160" cy="2075040"/>
+            <a:off x="5063040" y="1604520"/>
+            <a:ext cx="4350240" cy="1896840"/>
           </a:xfrm>
           <a:prstGeom prst="rect">
             <a:avLst/>
@@ -1783,18 +1677,15 @@
             <a:normAutofit/>
           </a:bodyPr>
           <a:p>
-            <a:endParaRPr b="0" lang="vi-VN" sz="2800" spc="-1" strike="noStrike">
-              <a:solidFill>
-                <a:srgbClr val="000000"/>
-              </a:solidFill>
-              <a:latin typeface="Calibri"/>
-            </a:endParaRPr>
-          </a:p>
-        </p:txBody>
-      </p:sp>
-      <p:sp>
-        <p:nvSpPr>
-          <p:cNvPr id="73" name="PlaceHolder 4"/>
+            <a:endParaRPr b="0" lang="en-US" sz="3200" spc="-1" strike="noStrike">
+              <a:latin typeface="Arial"/>
+            </a:endParaRPr>
+          </a:p>
+        </p:txBody>
+      </p:sp>
+      <p:sp>
+        <p:nvSpPr>
+          <p:cNvPr id="67" name="PlaceHolder 4"/>
           <p:cNvSpPr>
             <a:spLocks noGrp="1"/>
           </p:cNvSpPr>
@@ -1804,8 +1695,8 @@
         </p:nvSpPr>
         <p:spPr>
           <a:xfrm>
-            <a:off x="681120" y="4098240"/>
-            <a:ext cx="4169160" cy="2075040"/>
+            <a:off x="495000" y="3682080"/>
+            <a:ext cx="4350240" cy="1896840"/>
           </a:xfrm>
           <a:prstGeom prst="rect">
             <a:avLst/>
@@ -1816,18 +1707,15 @@
             <a:normAutofit/>
           </a:bodyPr>
           <a:p>
-            <a:endParaRPr b="0" lang="vi-VN" sz="2800" spc="-1" strike="noStrike">
-              <a:solidFill>
-                <a:srgbClr val="000000"/>
-              </a:solidFill>
-              <a:latin typeface="Calibri"/>
-            </a:endParaRPr>
-          </a:p>
-        </p:txBody>
-      </p:sp>
-      <p:sp>
-        <p:nvSpPr>
-          <p:cNvPr id="74" name="PlaceHolder 5"/>
+            <a:endParaRPr b="0" lang="en-US" sz="3200" spc="-1" strike="noStrike">
+              <a:latin typeface="Arial"/>
+            </a:endParaRPr>
+          </a:p>
+        </p:txBody>
+      </p:sp>
+      <p:sp>
+        <p:nvSpPr>
+          <p:cNvPr id="68" name="PlaceHolder 5"/>
           <p:cNvSpPr>
             <a:spLocks noGrp="1"/>
           </p:cNvSpPr>
@@ -1837,8 +1725,8 @@
         </p:nvSpPr>
         <p:spPr>
           <a:xfrm>
-            <a:off x="5059080" y="4098240"/>
-            <a:ext cx="4169160" cy="2075040"/>
+            <a:off x="5063040" y="3682080"/>
+            <a:ext cx="4350240" cy="1896840"/>
           </a:xfrm>
           <a:prstGeom prst="rect">
             <a:avLst/>
@@ -1849,11 +1737,8 @@
             <a:normAutofit/>
           </a:bodyPr>
           <a:p>
-            <a:endParaRPr b="0" lang="vi-VN" sz="2800" spc="-1" strike="noStrike">
-              <a:solidFill>
-                <a:srgbClr val="000000"/>
-              </a:solidFill>
-              <a:latin typeface="Calibri"/>
+            <a:endParaRPr b="0" lang="en-US" sz="3200" spc="-1" strike="noStrike">
+              <a:latin typeface="Arial"/>
             </a:endParaRPr>
           </a:p>
         </p:txBody>
@@ -1882,7 +1767,7 @@
       </p:grpSpPr>
       <p:sp>
         <p:nvSpPr>
-          <p:cNvPr id="75" name="PlaceHolder 1"/>
+          <p:cNvPr id="69" name="PlaceHolder 1"/>
           <p:cNvSpPr>
             <a:spLocks noGrp="1"/>
           </p:cNvSpPr>
@@ -1892,8 +1777,8 @@
         </p:nvSpPr>
         <p:spPr>
           <a:xfrm>
-            <a:off x="681120" y="365040"/>
-            <a:ext cx="8543520" cy="1325160"/>
+            <a:off x="495000" y="273600"/>
+            <a:ext cx="8915040" cy="1144800"/>
           </a:xfrm>
           <a:prstGeom prst="rect">
             <a:avLst/>
@@ -1902,18 +1787,16 @@
         <p:txBody>
           <a:bodyPr lIns="0" rIns="0" tIns="0" bIns="0" anchor="ctr"/>
           <a:p>
-            <a:endParaRPr b="0" lang="vi-VN" sz="1800" spc="-1" strike="noStrike">
-              <a:solidFill>
-                <a:srgbClr val="000000"/>
-              </a:solidFill>
-              <a:latin typeface="Calibri"/>
-            </a:endParaRPr>
-          </a:p>
-        </p:txBody>
-      </p:sp>
-      <p:sp>
-        <p:nvSpPr>
-          <p:cNvPr id="76" name="PlaceHolder 2"/>
+            <a:pPr algn="ctr"/>
+            <a:endParaRPr b="0" lang="en-US" sz="4400" spc="-1" strike="noStrike">
+              <a:latin typeface="Arial"/>
+            </a:endParaRPr>
+          </a:p>
+        </p:txBody>
+      </p:sp>
+      <p:sp>
+        <p:nvSpPr>
+          <p:cNvPr id="70" name="PlaceHolder 2"/>
           <p:cNvSpPr>
             <a:spLocks noGrp="1"/>
           </p:cNvSpPr>
@@ -1923,8 +1806,8 @@
         </p:nvSpPr>
         <p:spPr>
           <a:xfrm>
-            <a:off x="681120" y="1825560"/>
-            <a:ext cx="2750760" cy="2075040"/>
+            <a:off x="495000" y="1604520"/>
+            <a:ext cx="2870280" cy="1896840"/>
           </a:xfrm>
           <a:prstGeom prst="rect">
             <a:avLst/>
@@ -1935,18 +1818,15 @@
             <a:normAutofit/>
           </a:bodyPr>
           <a:p>
-            <a:endParaRPr b="0" lang="vi-VN" sz="2800" spc="-1" strike="noStrike">
-              <a:solidFill>
-                <a:srgbClr val="000000"/>
-              </a:solidFill>
-              <a:latin typeface="Calibri"/>
-            </a:endParaRPr>
-          </a:p>
-        </p:txBody>
-      </p:sp>
-      <p:sp>
-        <p:nvSpPr>
-          <p:cNvPr id="77" name="PlaceHolder 3"/>
+            <a:endParaRPr b="0" lang="en-US" sz="3200" spc="-1" strike="noStrike">
+              <a:latin typeface="Arial"/>
+            </a:endParaRPr>
+          </a:p>
+        </p:txBody>
+      </p:sp>
+      <p:sp>
+        <p:nvSpPr>
+          <p:cNvPr id="71" name="PlaceHolder 3"/>
           <p:cNvSpPr>
             <a:spLocks noGrp="1"/>
           </p:cNvSpPr>
@@ -1956,8 +1836,8 @@
         </p:nvSpPr>
         <p:spPr>
           <a:xfrm>
-            <a:off x="3569760" y="1825560"/>
-            <a:ext cx="2750760" cy="2075040"/>
+            <a:off x="3509280" y="1604520"/>
+            <a:ext cx="2870280" cy="1896840"/>
           </a:xfrm>
           <a:prstGeom prst="rect">
             <a:avLst/>
@@ -1968,18 +1848,15 @@
             <a:normAutofit/>
           </a:bodyPr>
           <a:p>
-            <a:endParaRPr b="0" lang="vi-VN" sz="2800" spc="-1" strike="noStrike">
-              <a:solidFill>
-                <a:srgbClr val="000000"/>
-              </a:solidFill>
-              <a:latin typeface="Calibri"/>
-            </a:endParaRPr>
-          </a:p>
-        </p:txBody>
-      </p:sp>
-      <p:sp>
-        <p:nvSpPr>
-          <p:cNvPr id="78" name="PlaceHolder 4"/>
+            <a:endParaRPr b="0" lang="en-US" sz="3200" spc="-1" strike="noStrike">
+              <a:latin typeface="Arial"/>
+            </a:endParaRPr>
+          </a:p>
+        </p:txBody>
+      </p:sp>
+      <p:sp>
+        <p:nvSpPr>
+          <p:cNvPr id="72" name="PlaceHolder 4"/>
           <p:cNvSpPr>
             <a:spLocks noGrp="1"/>
           </p:cNvSpPr>
@@ -1989,8 +1866,8 @@
         </p:nvSpPr>
         <p:spPr>
           <a:xfrm>
-            <a:off x="6458400" y="1825560"/>
-            <a:ext cx="2750760" cy="2075040"/>
+            <a:off x="6523200" y="1604520"/>
+            <a:ext cx="2870280" cy="1896840"/>
           </a:xfrm>
           <a:prstGeom prst="rect">
             <a:avLst/>
@@ -2001,18 +1878,15 @@
             <a:normAutofit/>
           </a:bodyPr>
           <a:p>
-            <a:endParaRPr b="0" lang="vi-VN" sz="2800" spc="-1" strike="noStrike">
-              <a:solidFill>
-                <a:srgbClr val="000000"/>
-              </a:solidFill>
-              <a:latin typeface="Calibri"/>
-            </a:endParaRPr>
-          </a:p>
-        </p:txBody>
-      </p:sp>
-      <p:sp>
-        <p:nvSpPr>
-          <p:cNvPr id="79" name="PlaceHolder 5"/>
+            <a:endParaRPr b="0" lang="en-US" sz="3200" spc="-1" strike="noStrike">
+              <a:latin typeface="Arial"/>
+            </a:endParaRPr>
+          </a:p>
+        </p:txBody>
+      </p:sp>
+      <p:sp>
+        <p:nvSpPr>
+          <p:cNvPr id="73" name="PlaceHolder 5"/>
           <p:cNvSpPr>
             <a:spLocks noGrp="1"/>
           </p:cNvSpPr>
@@ -2022,8 +1896,8 @@
         </p:nvSpPr>
         <p:spPr>
           <a:xfrm>
-            <a:off x="681120" y="4098240"/>
-            <a:ext cx="2750760" cy="2075040"/>
+            <a:off x="495000" y="3682080"/>
+            <a:ext cx="2870280" cy="1896840"/>
           </a:xfrm>
           <a:prstGeom prst="rect">
             <a:avLst/>
@@ -2034,18 +1908,15 @@
             <a:normAutofit/>
           </a:bodyPr>
           <a:p>
-            <a:endParaRPr b="0" lang="vi-VN" sz="2800" spc="-1" strike="noStrike">
-              <a:solidFill>
-                <a:srgbClr val="000000"/>
-              </a:solidFill>
-              <a:latin typeface="Calibri"/>
-            </a:endParaRPr>
-          </a:p>
-        </p:txBody>
-      </p:sp>
-      <p:sp>
-        <p:nvSpPr>
-          <p:cNvPr id="80" name="PlaceHolder 6"/>
+            <a:endParaRPr b="0" lang="en-US" sz="3200" spc="-1" strike="noStrike">
+              <a:latin typeface="Arial"/>
+            </a:endParaRPr>
+          </a:p>
+        </p:txBody>
+      </p:sp>
+      <p:sp>
+        <p:nvSpPr>
+          <p:cNvPr id="74" name="PlaceHolder 6"/>
           <p:cNvSpPr>
             <a:spLocks noGrp="1"/>
           </p:cNvSpPr>
@@ -2055,8 +1926,8 @@
         </p:nvSpPr>
         <p:spPr>
           <a:xfrm>
-            <a:off x="3569760" y="4098240"/>
-            <a:ext cx="2750760" cy="2075040"/>
+            <a:off x="3509280" y="3682080"/>
+            <a:ext cx="2870280" cy="1896840"/>
           </a:xfrm>
           <a:prstGeom prst="rect">
             <a:avLst/>
@@ -2067,18 +1938,15 @@
             <a:normAutofit/>
           </a:bodyPr>
           <a:p>
-            <a:endParaRPr b="0" lang="vi-VN" sz="2800" spc="-1" strike="noStrike">
-              <a:solidFill>
-                <a:srgbClr val="000000"/>
-              </a:solidFill>
-              <a:latin typeface="Calibri"/>
-            </a:endParaRPr>
-          </a:p>
-        </p:txBody>
-      </p:sp>
-      <p:sp>
-        <p:nvSpPr>
-          <p:cNvPr id="81" name="PlaceHolder 7"/>
+            <a:endParaRPr b="0" lang="en-US" sz="3200" spc="-1" strike="noStrike">
+              <a:latin typeface="Arial"/>
+            </a:endParaRPr>
+          </a:p>
+        </p:txBody>
+      </p:sp>
+      <p:sp>
+        <p:nvSpPr>
+          <p:cNvPr id="75" name="PlaceHolder 7"/>
           <p:cNvSpPr>
             <a:spLocks noGrp="1"/>
           </p:cNvSpPr>
@@ -2088,8 +1956,8 @@
         </p:nvSpPr>
         <p:spPr>
           <a:xfrm>
-            <a:off x="6458400" y="4098240"/>
-            <a:ext cx="2750760" cy="2075040"/>
+            <a:off x="6523200" y="3682080"/>
+            <a:ext cx="2870280" cy="1896840"/>
           </a:xfrm>
           <a:prstGeom prst="rect">
             <a:avLst/>
@@ -2100,11 +1968,353 @@
             <a:normAutofit/>
           </a:bodyPr>
           <a:p>
-            <a:endParaRPr b="0" lang="vi-VN" sz="2800" spc="-1" strike="noStrike">
-              <a:solidFill>
-                <a:srgbClr val="000000"/>
-              </a:solidFill>
-              <a:latin typeface="Calibri"/>
+            <a:endParaRPr b="0" lang="en-US" sz="3200" spc="-1" strike="noStrike">
+              <a:latin typeface="Arial"/>
+            </a:endParaRPr>
+          </a:p>
+        </p:txBody>
+      </p:sp>
+    </p:spTree>
+  </p:cSld>
+</p:sldLayout>
+</file>
+
+<file path=ppt/slideLayouts/slideLayout25.xml><?xml version="1.0" encoding="utf-8"?>
+<p:sldLayout xmlns:a="http://schemas.openxmlformats.org/drawingml/2006/main" xmlns:p="http://schemas.openxmlformats.org/presentationml/2006/main" xmlns:r="http://schemas.openxmlformats.org/officeDocument/2006/relationships" xmlns:p14="http://schemas.microsoft.com/office/powerpoint/2010/main" xmlns:p15="http://schemas.microsoft.com/office/powerpoint/2012/main" xmlns:mc="http://schemas.openxmlformats.org/markup-compatibility/2006" type="blank" preserve="1">
+  <p:cSld name="Blank Slide">
+    <p:spTree>
+      <p:nvGrpSpPr>
+        <p:cNvPr id="1" name=""/>
+        <p:cNvGrpSpPr/>
+        <p:nvPr/>
+      </p:nvGrpSpPr>
+      <p:grpSpPr>
+        <a:xfrm>
+          <a:off x="0" y="0"/>
+          <a:ext cx="0" cy="0"/>
+          <a:chOff x="0" y="0"/>
+          <a:chExt cx="0" cy="0"/>
+        </a:xfrm>
+      </p:grpSpPr>
+    </p:spTree>
+  </p:cSld>
+</p:sldLayout>
+</file>
+
+<file path=ppt/slideLayouts/slideLayout26.xml><?xml version="1.0" encoding="utf-8"?>
+<p:sldLayout xmlns:a="http://schemas.openxmlformats.org/drawingml/2006/main" xmlns:p="http://schemas.openxmlformats.org/presentationml/2006/main" xmlns:r="http://schemas.openxmlformats.org/officeDocument/2006/relationships" xmlns:p14="http://schemas.microsoft.com/office/powerpoint/2010/main" xmlns:p15="http://schemas.microsoft.com/office/powerpoint/2012/main" xmlns:mc="http://schemas.openxmlformats.org/markup-compatibility/2006" type="tx" preserve="1">
+  <p:cSld name="Title Slide">
+    <p:spTree>
+      <p:nvGrpSpPr>
+        <p:cNvPr id="1" name=""/>
+        <p:cNvGrpSpPr/>
+        <p:nvPr/>
+      </p:nvGrpSpPr>
+      <p:grpSpPr>
+        <a:xfrm>
+          <a:off x="0" y="0"/>
+          <a:ext cx="0" cy="0"/>
+          <a:chOff x="0" y="0"/>
+          <a:chExt cx="0" cy="0"/>
+        </a:xfrm>
+      </p:grpSpPr>
+      <p:sp>
+        <p:nvSpPr>
+          <p:cNvPr id="78" name="PlaceHolder 1"/>
+          <p:cNvSpPr>
+            <a:spLocks noGrp="1"/>
+          </p:cNvSpPr>
+          <p:nvPr>
+            <p:ph type="title"/>
+          </p:nvPr>
+        </p:nvSpPr>
+        <p:spPr>
+          <a:xfrm>
+            <a:off x="495000" y="273600"/>
+            <a:ext cx="8915040" cy="1144800"/>
+          </a:xfrm>
+          <a:prstGeom prst="rect">
+            <a:avLst/>
+          </a:prstGeom>
+        </p:spPr>
+        <p:txBody>
+          <a:bodyPr lIns="0" rIns="0" tIns="0" bIns="0" anchor="ctr"/>
+          <a:p>
+            <a:pPr algn="ctr"/>
+            <a:endParaRPr b="0" lang="en-US" sz="4400" spc="-1" strike="noStrike">
+              <a:latin typeface="Arial"/>
+            </a:endParaRPr>
+          </a:p>
+        </p:txBody>
+      </p:sp>
+      <p:sp>
+        <p:nvSpPr>
+          <p:cNvPr id="79" name="PlaceHolder 2"/>
+          <p:cNvSpPr>
+            <a:spLocks noGrp="1"/>
+          </p:cNvSpPr>
+          <p:nvPr>
+            <p:ph type="subTitle"/>
+          </p:nvPr>
+        </p:nvSpPr>
+        <p:spPr>
+          <a:xfrm>
+            <a:off x="495000" y="1604520"/>
+            <a:ext cx="8915040" cy="3977280"/>
+          </a:xfrm>
+          <a:prstGeom prst="rect">
+            <a:avLst/>
+          </a:prstGeom>
+        </p:spPr>
+        <p:txBody>
+          <a:bodyPr lIns="0" rIns="0" tIns="0" bIns="0" anchor="ctr"/>
+          <a:p>
+            <a:pPr algn="ctr"/>
+            <a:endParaRPr b="0" lang="en-US" sz="3200" spc="-1" strike="noStrike">
+              <a:latin typeface="Arial"/>
+            </a:endParaRPr>
+          </a:p>
+        </p:txBody>
+      </p:sp>
+    </p:spTree>
+  </p:cSld>
+</p:sldLayout>
+</file>
+
+<file path=ppt/slideLayouts/slideLayout27.xml><?xml version="1.0" encoding="utf-8"?>
+<p:sldLayout xmlns:a="http://schemas.openxmlformats.org/drawingml/2006/main" xmlns:p="http://schemas.openxmlformats.org/presentationml/2006/main" xmlns:r="http://schemas.openxmlformats.org/officeDocument/2006/relationships" xmlns:p14="http://schemas.microsoft.com/office/powerpoint/2010/main" xmlns:p15="http://schemas.microsoft.com/office/powerpoint/2012/main" xmlns:mc="http://schemas.openxmlformats.org/markup-compatibility/2006" type="obj" preserve="1">
+  <p:cSld name="Title, Content">
+    <p:spTree>
+      <p:nvGrpSpPr>
+        <p:cNvPr id="1" name=""/>
+        <p:cNvGrpSpPr/>
+        <p:nvPr/>
+      </p:nvGrpSpPr>
+      <p:grpSpPr>
+        <a:xfrm>
+          <a:off x="0" y="0"/>
+          <a:ext cx="0" cy="0"/>
+          <a:chOff x="0" y="0"/>
+          <a:chExt cx="0" cy="0"/>
+        </a:xfrm>
+      </p:grpSpPr>
+      <p:sp>
+        <p:nvSpPr>
+          <p:cNvPr id="80" name="PlaceHolder 1"/>
+          <p:cNvSpPr>
+            <a:spLocks noGrp="1"/>
+          </p:cNvSpPr>
+          <p:nvPr>
+            <p:ph type="title"/>
+          </p:nvPr>
+        </p:nvSpPr>
+        <p:spPr>
+          <a:xfrm>
+            <a:off x="495000" y="273600"/>
+            <a:ext cx="8915040" cy="1144800"/>
+          </a:xfrm>
+          <a:prstGeom prst="rect">
+            <a:avLst/>
+          </a:prstGeom>
+        </p:spPr>
+        <p:txBody>
+          <a:bodyPr lIns="0" rIns="0" tIns="0" bIns="0" anchor="ctr"/>
+          <a:p>
+            <a:pPr algn="ctr"/>
+            <a:endParaRPr b="0" lang="en-US" sz="4400" spc="-1" strike="noStrike">
+              <a:latin typeface="Arial"/>
+            </a:endParaRPr>
+          </a:p>
+        </p:txBody>
+      </p:sp>
+      <p:sp>
+        <p:nvSpPr>
+          <p:cNvPr id="81" name="PlaceHolder 2"/>
+          <p:cNvSpPr>
+            <a:spLocks noGrp="1"/>
+          </p:cNvSpPr>
+          <p:nvPr>
+            <p:ph type="body"/>
+          </p:nvPr>
+        </p:nvSpPr>
+        <p:spPr>
+          <a:xfrm>
+            <a:off x="495000" y="1604520"/>
+            <a:ext cx="8915040" cy="3977280"/>
+          </a:xfrm>
+          <a:prstGeom prst="rect">
+            <a:avLst/>
+          </a:prstGeom>
+        </p:spPr>
+        <p:txBody>
+          <a:bodyPr lIns="0" rIns="0" tIns="0" bIns="0">
+            <a:normAutofit/>
+          </a:bodyPr>
+          <a:p>
+            <a:endParaRPr b="0" lang="en-US" sz="3200" spc="-1" strike="noStrike">
+              <a:latin typeface="Arial"/>
+            </a:endParaRPr>
+          </a:p>
+        </p:txBody>
+      </p:sp>
+    </p:spTree>
+  </p:cSld>
+</p:sldLayout>
+</file>
+
+<file path=ppt/slideLayouts/slideLayout28.xml><?xml version="1.0" encoding="utf-8"?>
+<p:sldLayout xmlns:a="http://schemas.openxmlformats.org/drawingml/2006/main" xmlns:p="http://schemas.openxmlformats.org/presentationml/2006/main" xmlns:r="http://schemas.openxmlformats.org/officeDocument/2006/relationships" xmlns:p14="http://schemas.microsoft.com/office/powerpoint/2010/main" xmlns:p15="http://schemas.microsoft.com/office/powerpoint/2012/main" xmlns:mc="http://schemas.openxmlformats.org/markup-compatibility/2006" type="twoObj" preserve="1">
+  <p:cSld name="Title, 2 Content">
+    <p:spTree>
+      <p:nvGrpSpPr>
+        <p:cNvPr id="1" name=""/>
+        <p:cNvGrpSpPr/>
+        <p:nvPr/>
+      </p:nvGrpSpPr>
+      <p:grpSpPr>
+        <a:xfrm>
+          <a:off x="0" y="0"/>
+          <a:ext cx="0" cy="0"/>
+          <a:chOff x="0" y="0"/>
+          <a:chExt cx="0" cy="0"/>
+        </a:xfrm>
+      </p:grpSpPr>
+      <p:sp>
+        <p:nvSpPr>
+          <p:cNvPr id="82" name="PlaceHolder 1"/>
+          <p:cNvSpPr>
+            <a:spLocks noGrp="1"/>
+          </p:cNvSpPr>
+          <p:nvPr>
+            <p:ph type="title"/>
+          </p:nvPr>
+        </p:nvSpPr>
+        <p:spPr>
+          <a:xfrm>
+            <a:off x="495000" y="273600"/>
+            <a:ext cx="8915040" cy="1144800"/>
+          </a:xfrm>
+          <a:prstGeom prst="rect">
+            <a:avLst/>
+          </a:prstGeom>
+        </p:spPr>
+        <p:txBody>
+          <a:bodyPr lIns="0" rIns="0" tIns="0" bIns="0" anchor="ctr"/>
+          <a:p>
+            <a:pPr algn="ctr"/>
+            <a:endParaRPr b="0" lang="en-US" sz="4400" spc="-1" strike="noStrike">
+              <a:latin typeface="Arial"/>
+            </a:endParaRPr>
+          </a:p>
+        </p:txBody>
+      </p:sp>
+      <p:sp>
+        <p:nvSpPr>
+          <p:cNvPr id="83" name="PlaceHolder 2"/>
+          <p:cNvSpPr>
+            <a:spLocks noGrp="1"/>
+          </p:cNvSpPr>
+          <p:nvPr>
+            <p:ph type="body"/>
+          </p:nvPr>
+        </p:nvSpPr>
+        <p:spPr>
+          <a:xfrm>
+            <a:off x="495000" y="1604520"/>
+            <a:ext cx="4350240" cy="3977280"/>
+          </a:xfrm>
+          <a:prstGeom prst="rect">
+            <a:avLst/>
+          </a:prstGeom>
+        </p:spPr>
+        <p:txBody>
+          <a:bodyPr lIns="0" rIns="0" tIns="0" bIns="0">
+            <a:normAutofit/>
+          </a:bodyPr>
+          <a:p>
+            <a:endParaRPr b="0" lang="en-US" sz="3200" spc="-1" strike="noStrike">
+              <a:latin typeface="Arial"/>
+            </a:endParaRPr>
+          </a:p>
+        </p:txBody>
+      </p:sp>
+      <p:sp>
+        <p:nvSpPr>
+          <p:cNvPr id="84" name="PlaceHolder 3"/>
+          <p:cNvSpPr>
+            <a:spLocks noGrp="1"/>
+          </p:cNvSpPr>
+          <p:nvPr>
+            <p:ph type="body"/>
+          </p:nvPr>
+        </p:nvSpPr>
+        <p:spPr>
+          <a:xfrm>
+            <a:off x="5063040" y="1604520"/>
+            <a:ext cx="4350240" cy="3977280"/>
+          </a:xfrm>
+          <a:prstGeom prst="rect">
+            <a:avLst/>
+          </a:prstGeom>
+        </p:spPr>
+        <p:txBody>
+          <a:bodyPr lIns="0" rIns="0" tIns="0" bIns="0">
+            <a:normAutofit/>
+          </a:bodyPr>
+          <a:p>
+            <a:endParaRPr b="0" lang="en-US" sz="3200" spc="-1" strike="noStrike">
+              <a:latin typeface="Arial"/>
+            </a:endParaRPr>
+          </a:p>
+        </p:txBody>
+      </p:sp>
+    </p:spTree>
+  </p:cSld>
+</p:sldLayout>
+</file>
+
+<file path=ppt/slideLayouts/slideLayout29.xml><?xml version="1.0" encoding="utf-8"?>
+<p:sldLayout xmlns:a="http://schemas.openxmlformats.org/drawingml/2006/main" xmlns:p="http://schemas.openxmlformats.org/presentationml/2006/main" xmlns:r="http://schemas.openxmlformats.org/officeDocument/2006/relationships" xmlns:p14="http://schemas.microsoft.com/office/powerpoint/2010/main" xmlns:p15="http://schemas.microsoft.com/office/powerpoint/2012/main" xmlns:mc="http://schemas.openxmlformats.org/markup-compatibility/2006" type="titleOnly" preserve="1">
+  <p:cSld name="Title Only">
+    <p:spTree>
+      <p:nvGrpSpPr>
+        <p:cNvPr id="1" name=""/>
+        <p:cNvGrpSpPr/>
+        <p:nvPr/>
+      </p:nvGrpSpPr>
+      <p:grpSpPr>
+        <a:xfrm>
+          <a:off x="0" y="0"/>
+          <a:ext cx="0" cy="0"/>
+          <a:chOff x="0" y="0"/>
+          <a:chExt cx="0" cy="0"/>
+        </a:xfrm>
+      </p:grpSpPr>
+      <p:sp>
+        <p:nvSpPr>
+          <p:cNvPr id="85" name="PlaceHolder 1"/>
+          <p:cNvSpPr>
+            <a:spLocks noGrp="1"/>
+          </p:cNvSpPr>
+          <p:nvPr>
+            <p:ph type="title"/>
+          </p:nvPr>
+        </p:nvSpPr>
+        <p:spPr>
+          <a:xfrm>
+            <a:off x="495000" y="273600"/>
+            <a:ext cx="8915040" cy="1144800"/>
+          </a:xfrm>
+          <a:prstGeom prst="rect">
+            <a:avLst/>
+          </a:prstGeom>
+        </p:spPr>
+        <p:txBody>
+          <a:bodyPr lIns="0" rIns="0" tIns="0" bIns="0" anchor="ctr"/>
+          <a:p>
+            <a:pPr algn="ctr"/>
+            <a:endParaRPr b="0" lang="en-US" sz="4400" spc="-1" strike="noStrike">
+              <a:latin typeface="Arial"/>
             </a:endParaRPr>
           </a:p>
         </p:txBody>
@@ -2133,7 +2343,7 @@
       </p:grpSpPr>
       <p:sp>
         <p:nvSpPr>
-          <p:cNvPr id="7" name="PlaceHolder 1"/>
+          <p:cNvPr id="4" name="PlaceHolder 1"/>
           <p:cNvSpPr>
             <a:spLocks noGrp="1"/>
           </p:cNvSpPr>
@@ -2143,8 +2353,8 @@
         </p:nvSpPr>
         <p:spPr>
           <a:xfrm>
-            <a:off x="681120" y="365040"/>
-            <a:ext cx="8543520" cy="1325160"/>
+            <a:off x="495000" y="273600"/>
+            <a:ext cx="8915040" cy="1144800"/>
           </a:xfrm>
           <a:prstGeom prst="rect">
             <a:avLst/>
@@ -2153,18 +2363,16 @@
         <p:txBody>
           <a:bodyPr lIns="0" rIns="0" tIns="0" bIns="0" anchor="ctr"/>
           <a:p>
-            <a:endParaRPr b="0" lang="vi-VN" sz="1800" spc="-1" strike="noStrike">
-              <a:solidFill>
-                <a:srgbClr val="000000"/>
-              </a:solidFill>
-              <a:latin typeface="Calibri"/>
-            </a:endParaRPr>
-          </a:p>
-        </p:txBody>
-      </p:sp>
-      <p:sp>
-        <p:nvSpPr>
-          <p:cNvPr id="8" name="PlaceHolder 2"/>
+            <a:pPr algn="ctr"/>
+            <a:endParaRPr b="0" lang="en-US" sz="4400" spc="-1" strike="noStrike">
+              <a:latin typeface="Arial"/>
+            </a:endParaRPr>
+          </a:p>
+        </p:txBody>
+      </p:sp>
+      <p:sp>
+        <p:nvSpPr>
+          <p:cNvPr id="5" name="PlaceHolder 2"/>
           <p:cNvSpPr>
             <a:spLocks noGrp="1"/>
           </p:cNvSpPr>
@@ -2174,8 +2382,8 @@
         </p:nvSpPr>
         <p:spPr>
           <a:xfrm>
-            <a:off x="681120" y="1825560"/>
-            <a:ext cx="8543520" cy="4350960"/>
+            <a:off x="495000" y="1604520"/>
+            <a:ext cx="8915040" cy="3977280"/>
           </a:xfrm>
           <a:prstGeom prst="rect">
             <a:avLst/>
@@ -2186,11 +2394,995 @@
             <a:normAutofit/>
           </a:bodyPr>
           <a:p>
-            <a:endParaRPr b="0" lang="vi-VN" sz="2800" spc="-1" strike="noStrike">
-              <a:solidFill>
-                <a:srgbClr val="000000"/>
-              </a:solidFill>
-              <a:latin typeface="Calibri"/>
+            <a:endParaRPr b="0" lang="en-US" sz="3200" spc="-1" strike="noStrike">
+              <a:latin typeface="Arial"/>
+            </a:endParaRPr>
+          </a:p>
+        </p:txBody>
+      </p:sp>
+    </p:spTree>
+  </p:cSld>
+</p:sldLayout>
+</file>
+
+<file path=ppt/slideLayouts/slideLayout30.xml><?xml version="1.0" encoding="utf-8"?>
+<p:sldLayout xmlns:a="http://schemas.openxmlformats.org/drawingml/2006/main" xmlns:p="http://schemas.openxmlformats.org/presentationml/2006/main" xmlns:r="http://schemas.openxmlformats.org/officeDocument/2006/relationships" xmlns:p14="http://schemas.microsoft.com/office/powerpoint/2010/main" xmlns:p15="http://schemas.microsoft.com/office/powerpoint/2012/main" xmlns:mc="http://schemas.openxmlformats.org/markup-compatibility/2006" type="objOnly" preserve="1">
+  <p:cSld name="Centered Text">
+    <p:spTree>
+      <p:nvGrpSpPr>
+        <p:cNvPr id="1" name=""/>
+        <p:cNvGrpSpPr/>
+        <p:nvPr/>
+      </p:nvGrpSpPr>
+      <p:grpSpPr>
+        <a:xfrm>
+          <a:off x="0" y="0"/>
+          <a:ext cx="0" cy="0"/>
+          <a:chOff x="0" y="0"/>
+          <a:chExt cx="0" cy="0"/>
+        </a:xfrm>
+      </p:grpSpPr>
+      <p:sp>
+        <p:nvSpPr>
+          <p:cNvPr id="86" name="PlaceHolder 1"/>
+          <p:cNvSpPr>
+            <a:spLocks noGrp="1"/>
+          </p:cNvSpPr>
+          <p:nvPr>
+            <p:ph type="subTitle"/>
+          </p:nvPr>
+        </p:nvSpPr>
+        <p:spPr>
+          <a:xfrm>
+            <a:off x="495000" y="273600"/>
+            <a:ext cx="8915040" cy="5307840"/>
+          </a:xfrm>
+          <a:prstGeom prst="rect">
+            <a:avLst/>
+          </a:prstGeom>
+        </p:spPr>
+        <p:txBody>
+          <a:bodyPr lIns="0" rIns="0" tIns="0" bIns="0" anchor="ctr"/>
+          <a:p>
+            <a:pPr algn="ctr"/>
+            <a:endParaRPr b="0" lang="en-US" sz="3200" spc="-1" strike="noStrike">
+              <a:latin typeface="Arial"/>
+            </a:endParaRPr>
+          </a:p>
+        </p:txBody>
+      </p:sp>
+    </p:spTree>
+  </p:cSld>
+</p:sldLayout>
+</file>
+
+<file path=ppt/slideLayouts/slideLayout31.xml><?xml version="1.0" encoding="utf-8"?>
+<p:sldLayout xmlns:a="http://schemas.openxmlformats.org/drawingml/2006/main" xmlns:p="http://schemas.openxmlformats.org/presentationml/2006/main" xmlns:r="http://schemas.openxmlformats.org/officeDocument/2006/relationships" xmlns:p14="http://schemas.microsoft.com/office/powerpoint/2010/main" xmlns:p15="http://schemas.microsoft.com/office/powerpoint/2012/main" xmlns:mc="http://schemas.openxmlformats.org/markup-compatibility/2006" type="twoObjAndObj" preserve="1">
+  <p:cSld name="Title, 2 Content and Content">
+    <p:spTree>
+      <p:nvGrpSpPr>
+        <p:cNvPr id="1" name=""/>
+        <p:cNvGrpSpPr/>
+        <p:nvPr/>
+      </p:nvGrpSpPr>
+      <p:grpSpPr>
+        <a:xfrm>
+          <a:off x="0" y="0"/>
+          <a:ext cx="0" cy="0"/>
+          <a:chOff x="0" y="0"/>
+          <a:chExt cx="0" cy="0"/>
+        </a:xfrm>
+      </p:grpSpPr>
+      <p:sp>
+        <p:nvSpPr>
+          <p:cNvPr id="87" name="PlaceHolder 1"/>
+          <p:cNvSpPr>
+            <a:spLocks noGrp="1"/>
+          </p:cNvSpPr>
+          <p:nvPr>
+            <p:ph type="title"/>
+          </p:nvPr>
+        </p:nvSpPr>
+        <p:spPr>
+          <a:xfrm>
+            <a:off x="495000" y="273600"/>
+            <a:ext cx="8915040" cy="1144800"/>
+          </a:xfrm>
+          <a:prstGeom prst="rect">
+            <a:avLst/>
+          </a:prstGeom>
+        </p:spPr>
+        <p:txBody>
+          <a:bodyPr lIns="0" rIns="0" tIns="0" bIns="0" anchor="ctr"/>
+          <a:p>
+            <a:pPr algn="ctr"/>
+            <a:endParaRPr b="0" lang="en-US" sz="4400" spc="-1" strike="noStrike">
+              <a:latin typeface="Arial"/>
+            </a:endParaRPr>
+          </a:p>
+        </p:txBody>
+      </p:sp>
+      <p:sp>
+        <p:nvSpPr>
+          <p:cNvPr id="88" name="PlaceHolder 2"/>
+          <p:cNvSpPr>
+            <a:spLocks noGrp="1"/>
+          </p:cNvSpPr>
+          <p:nvPr>
+            <p:ph type="body"/>
+          </p:nvPr>
+        </p:nvSpPr>
+        <p:spPr>
+          <a:xfrm>
+            <a:off x="495000" y="1604520"/>
+            <a:ext cx="4350240" cy="1896840"/>
+          </a:xfrm>
+          <a:prstGeom prst="rect">
+            <a:avLst/>
+          </a:prstGeom>
+        </p:spPr>
+        <p:txBody>
+          <a:bodyPr lIns="0" rIns="0" tIns="0" bIns="0">
+            <a:normAutofit/>
+          </a:bodyPr>
+          <a:p>
+            <a:endParaRPr b="0" lang="en-US" sz="3200" spc="-1" strike="noStrike">
+              <a:latin typeface="Arial"/>
+            </a:endParaRPr>
+          </a:p>
+        </p:txBody>
+      </p:sp>
+      <p:sp>
+        <p:nvSpPr>
+          <p:cNvPr id="89" name="PlaceHolder 3"/>
+          <p:cNvSpPr>
+            <a:spLocks noGrp="1"/>
+          </p:cNvSpPr>
+          <p:nvPr>
+            <p:ph type="body"/>
+          </p:nvPr>
+        </p:nvSpPr>
+        <p:spPr>
+          <a:xfrm>
+            <a:off x="5063040" y="1604520"/>
+            <a:ext cx="4350240" cy="3977280"/>
+          </a:xfrm>
+          <a:prstGeom prst="rect">
+            <a:avLst/>
+          </a:prstGeom>
+        </p:spPr>
+        <p:txBody>
+          <a:bodyPr lIns="0" rIns="0" tIns="0" bIns="0">
+            <a:normAutofit/>
+          </a:bodyPr>
+          <a:p>
+            <a:endParaRPr b="0" lang="en-US" sz="3200" spc="-1" strike="noStrike">
+              <a:latin typeface="Arial"/>
+            </a:endParaRPr>
+          </a:p>
+        </p:txBody>
+      </p:sp>
+      <p:sp>
+        <p:nvSpPr>
+          <p:cNvPr id="90" name="PlaceHolder 4"/>
+          <p:cNvSpPr>
+            <a:spLocks noGrp="1"/>
+          </p:cNvSpPr>
+          <p:nvPr>
+            <p:ph type="body"/>
+          </p:nvPr>
+        </p:nvSpPr>
+        <p:spPr>
+          <a:xfrm>
+            <a:off x="495000" y="3682080"/>
+            <a:ext cx="4350240" cy="1896840"/>
+          </a:xfrm>
+          <a:prstGeom prst="rect">
+            <a:avLst/>
+          </a:prstGeom>
+        </p:spPr>
+        <p:txBody>
+          <a:bodyPr lIns="0" rIns="0" tIns="0" bIns="0">
+            <a:normAutofit/>
+          </a:bodyPr>
+          <a:p>
+            <a:endParaRPr b="0" lang="en-US" sz="3200" spc="-1" strike="noStrike">
+              <a:latin typeface="Arial"/>
+            </a:endParaRPr>
+          </a:p>
+        </p:txBody>
+      </p:sp>
+    </p:spTree>
+  </p:cSld>
+</p:sldLayout>
+</file>
+
+<file path=ppt/slideLayouts/slideLayout32.xml><?xml version="1.0" encoding="utf-8"?>
+<p:sldLayout xmlns:a="http://schemas.openxmlformats.org/drawingml/2006/main" xmlns:p="http://schemas.openxmlformats.org/presentationml/2006/main" xmlns:r="http://schemas.openxmlformats.org/officeDocument/2006/relationships" xmlns:p14="http://schemas.microsoft.com/office/powerpoint/2010/main" xmlns:p15="http://schemas.microsoft.com/office/powerpoint/2012/main" xmlns:mc="http://schemas.openxmlformats.org/markup-compatibility/2006" type="objAndTwoObj" preserve="1">
+  <p:cSld name="Title Content and 2 Content">
+    <p:spTree>
+      <p:nvGrpSpPr>
+        <p:cNvPr id="1" name=""/>
+        <p:cNvGrpSpPr/>
+        <p:nvPr/>
+      </p:nvGrpSpPr>
+      <p:grpSpPr>
+        <a:xfrm>
+          <a:off x="0" y="0"/>
+          <a:ext cx="0" cy="0"/>
+          <a:chOff x="0" y="0"/>
+          <a:chExt cx="0" cy="0"/>
+        </a:xfrm>
+      </p:grpSpPr>
+      <p:sp>
+        <p:nvSpPr>
+          <p:cNvPr id="91" name="PlaceHolder 1"/>
+          <p:cNvSpPr>
+            <a:spLocks noGrp="1"/>
+          </p:cNvSpPr>
+          <p:nvPr>
+            <p:ph type="title"/>
+          </p:nvPr>
+        </p:nvSpPr>
+        <p:spPr>
+          <a:xfrm>
+            <a:off x="495000" y="273600"/>
+            <a:ext cx="8915040" cy="1144800"/>
+          </a:xfrm>
+          <a:prstGeom prst="rect">
+            <a:avLst/>
+          </a:prstGeom>
+        </p:spPr>
+        <p:txBody>
+          <a:bodyPr lIns="0" rIns="0" tIns="0" bIns="0" anchor="ctr"/>
+          <a:p>
+            <a:pPr algn="ctr"/>
+            <a:endParaRPr b="0" lang="en-US" sz="4400" spc="-1" strike="noStrike">
+              <a:latin typeface="Arial"/>
+            </a:endParaRPr>
+          </a:p>
+        </p:txBody>
+      </p:sp>
+      <p:sp>
+        <p:nvSpPr>
+          <p:cNvPr id="92" name="PlaceHolder 2"/>
+          <p:cNvSpPr>
+            <a:spLocks noGrp="1"/>
+          </p:cNvSpPr>
+          <p:nvPr>
+            <p:ph type="body"/>
+          </p:nvPr>
+        </p:nvSpPr>
+        <p:spPr>
+          <a:xfrm>
+            <a:off x="495000" y="1604520"/>
+            <a:ext cx="4350240" cy="3977280"/>
+          </a:xfrm>
+          <a:prstGeom prst="rect">
+            <a:avLst/>
+          </a:prstGeom>
+        </p:spPr>
+        <p:txBody>
+          <a:bodyPr lIns="0" rIns="0" tIns="0" bIns="0">
+            <a:normAutofit/>
+          </a:bodyPr>
+          <a:p>
+            <a:endParaRPr b="0" lang="en-US" sz="3200" spc="-1" strike="noStrike">
+              <a:latin typeface="Arial"/>
+            </a:endParaRPr>
+          </a:p>
+        </p:txBody>
+      </p:sp>
+      <p:sp>
+        <p:nvSpPr>
+          <p:cNvPr id="93" name="PlaceHolder 3"/>
+          <p:cNvSpPr>
+            <a:spLocks noGrp="1"/>
+          </p:cNvSpPr>
+          <p:nvPr>
+            <p:ph type="body"/>
+          </p:nvPr>
+        </p:nvSpPr>
+        <p:spPr>
+          <a:xfrm>
+            <a:off x="5063040" y="1604520"/>
+            <a:ext cx="4350240" cy="1896840"/>
+          </a:xfrm>
+          <a:prstGeom prst="rect">
+            <a:avLst/>
+          </a:prstGeom>
+        </p:spPr>
+        <p:txBody>
+          <a:bodyPr lIns="0" rIns="0" tIns="0" bIns="0">
+            <a:normAutofit/>
+          </a:bodyPr>
+          <a:p>
+            <a:endParaRPr b="0" lang="en-US" sz="3200" spc="-1" strike="noStrike">
+              <a:latin typeface="Arial"/>
+            </a:endParaRPr>
+          </a:p>
+        </p:txBody>
+      </p:sp>
+      <p:sp>
+        <p:nvSpPr>
+          <p:cNvPr id="94" name="PlaceHolder 4"/>
+          <p:cNvSpPr>
+            <a:spLocks noGrp="1"/>
+          </p:cNvSpPr>
+          <p:nvPr>
+            <p:ph type="body"/>
+          </p:nvPr>
+        </p:nvSpPr>
+        <p:spPr>
+          <a:xfrm>
+            <a:off x="5063040" y="3682080"/>
+            <a:ext cx="4350240" cy="1896840"/>
+          </a:xfrm>
+          <a:prstGeom prst="rect">
+            <a:avLst/>
+          </a:prstGeom>
+        </p:spPr>
+        <p:txBody>
+          <a:bodyPr lIns="0" rIns="0" tIns="0" bIns="0">
+            <a:normAutofit/>
+          </a:bodyPr>
+          <a:p>
+            <a:endParaRPr b="0" lang="en-US" sz="3200" spc="-1" strike="noStrike">
+              <a:latin typeface="Arial"/>
+            </a:endParaRPr>
+          </a:p>
+        </p:txBody>
+      </p:sp>
+    </p:spTree>
+  </p:cSld>
+</p:sldLayout>
+</file>
+
+<file path=ppt/slideLayouts/slideLayout33.xml><?xml version="1.0" encoding="utf-8"?>
+<p:sldLayout xmlns:a="http://schemas.openxmlformats.org/drawingml/2006/main" xmlns:p="http://schemas.openxmlformats.org/presentationml/2006/main" xmlns:r="http://schemas.openxmlformats.org/officeDocument/2006/relationships" xmlns:p14="http://schemas.microsoft.com/office/powerpoint/2010/main" xmlns:p15="http://schemas.microsoft.com/office/powerpoint/2012/main" xmlns:mc="http://schemas.openxmlformats.org/markup-compatibility/2006" type="twoObjOverTx" preserve="1">
+  <p:cSld name="Title, 2 Content over Content">
+    <p:spTree>
+      <p:nvGrpSpPr>
+        <p:cNvPr id="1" name=""/>
+        <p:cNvGrpSpPr/>
+        <p:nvPr/>
+      </p:nvGrpSpPr>
+      <p:grpSpPr>
+        <a:xfrm>
+          <a:off x="0" y="0"/>
+          <a:ext cx="0" cy="0"/>
+          <a:chOff x="0" y="0"/>
+          <a:chExt cx="0" cy="0"/>
+        </a:xfrm>
+      </p:grpSpPr>
+      <p:sp>
+        <p:nvSpPr>
+          <p:cNvPr id="95" name="PlaceHolder 1"/>
+          <p:cNvSpPr>
+            <a:spLocks noGrp="1"/>
+          </p:cNvSpPr>
+          <p:nvPr>
+            <p:ph type="title"/>
+          </p:nvPr>
+        </p:nvSpPr>
+        <p:spPr>
+          <a:xfrm>
+            <a:off x="495000" y="273600"/>
+            <a:ext cx="8915040" cy="1144800"/>
+          </a:xfrm>
+          <a:prstGeom prst="rect">
+            <a:avLst/>
+          </a:prstGeom>
+        </p:spPr>
+        <p:txBody>
+          <a:bodyPr lIns="0" rIns="0" tIns="0" bIns="0" anchor="ctr"/>
+          <a:p>
+            <a:pPr algn="ctr"/>
+            <a:endParaRPr b="0" lang="en-US" sz="4400" spc="-1" strike="noStrike">
+              <a:latin typeface="Arial"/>
+            </a:endParaRPr>
+          </a:p>
+        </p:txBody>
+      </p:sp>
+      <p:sp>
+        <p:nvSpPr>
+          <p:cNvPr id="96" name="PlaceHolder 2"/>
+          <p:cNvSpPr>
+            <a:spLocks noGrp="1"/>
+          </p:cNvSpPr>
+          <p:nvPr>
+            <p:ph type="body"/>
+          </p:nvPr>
+        </p:nvSpPr>
+        <p:spPr>
+          <a:xfrm>
+            <a:off x="495000" y="1604520"/>
+            <a:ext cx="4350240" cy="1896840"/>
+          </a:xfrm>
+          <a:prstGeom prst="rect">
+            <a:avLst/>
+          </a:prstGeom>
+        </p:spPr>
+        <p:txBody>
+          <a:bodyPr lIns="0" rIns="0" tIns="0" bIns="0">
+            <a:normAutofit/>
+          </a:bodyPr>
+          <a:p>
+            <a:endParaRPr b="0" lang="en-US" sz="3200" spc="-1" strike="noStrike">
+              <a:latin typeface="Arial"/>
+            </a:endParaRPr>
+          </a:p>
+        </p:txBody>
+      </p:sp>
+      <p:sp>
+        <p:nvSpPr>
+          <p:cNvPr id="97" name="PlaceHolder 3"/>
+          <p:cNvSpPr>
+            <a:spLocks noGrp="1"/>
+          </p:cNvSpPr>
+          <p:nvPr>
+            <p:ph type="body"/>
+          </p:nvPr>
+        </p:nvSpPr>
+        <p:spPr>
+          <a:xfrm>
+            <a:off x="5063040" y="1604520"/>
+            <a:ext cx="4350240" cy="1896840"/>
+          </a:xfrm>
+          <a:prstGeom prst="rect">
+            <a:avLst/>
+          </a:prstGeom>
+        </p:spPr>
+        <p:txBody>
+          <a:bodyPr lIns="0" rIns="0" tIns="0" bIns="0">
+            <a:normAutofit/>
+          </a:bodyPr>
+          <a:p>
+            <a:endParaRPr b="0" lang="en-US" sz="3200" spc="-1" strike="noStrike">
+              <a:latin typeface="Arial"/>
+            </a:endParaRPr>
+          </a:p>
+        </p:txBody>
+      </p:sp>
+      <p:sp>
+        <p:nvSpPr>
+          <p:cNvPr id="98" name="PlaceHolder 4"/>
+          <p:cNvSpPr>
+            <a:spLocks noGrp="1"/>
+          </p:cNvSpPr>
+          <p:nvPr>
+            <p:ph type="body"/>
+          </p:nvPr>
+        </p:nvSpPr>
+        <p:spPr>
+          <a:xfrm>
+            <a:off x="495000" y="3682080"/>
+            <a:ext cx="8915040" cy="1896840"/>
+          </a:xfrm>
+          <a:prstGeom prst="rect">
+            <a:avLst/>
+          </a:prstGeom>
+        </p:spPr>
+        <p:txBody>
+          <a:bodyPr lIns="0" rIns="0" tIns="0" bIns="0">
+            <a:normAutofit/>
+          </a:bodyPr>
+          <a:p>
+            <a:endParaRPr b="0" lang="en-US" sz="3200" spc="-1" strike="noStrike">
+              <a:latin typeface="Arial"/>
+            </a:endParaRPr>
+          </a:p>
+        </p:txBody>
+      </p:sp>
+    </p:spTree>
+  </p:cSld>
+</p:sldLayout>
+</file>
+
+<file path=ppt/slideLayouts/slideLayout34.xml><?xml version="1.0" encoding="utf-8"?>
+<p:sldLayout xmlns:a="http://schemas.openxmlformats.org/drawingml/2006/main" xmlns:p="http://schemas.openxmlformats.org/presentationml/2006/main" xmlns:r="http://schemas.openxmlformats.org/officeDocument/2006/relationships" xmlns:p14="http://schemas.microsoft.com/office/powerpoint/2010/main" xmlns:p15="http://schemas.microsoft.com/office/powerpoint/2012/main" xmlns:mc="http://schemas.openxmlformats.org/markup-compatibility/2006" type="objOverTx" preserve="1">
+  <p:cSld name="Title, Content over Content">
+    <p:spTree>
+      <p:nvGrpSpPr>
+        <p:cNvPr id="1" name=""/>
+        <p:cNvGrpSpPr/>
+        <p:nvPr/>
+      </p:nvGrpSpPr>
+      <p:grpSpPr>
+        <a:xfrm>
+          <a:off x="0" y="0"/>
+          <a:ext cx="0" cy="0"/>
+          <a:chOff x="0" y="0"/>
+          <a:chExt cx="0" cy="0"/>
+        </a:xfrm>
+      </p:grpSpPr>
+      <p:sp>
+        <p:nvSpPr>
+          <p:cNvPr id="99" name="PlaceHolder 1"/>
+          <p:cNvSpPr>
+            <a:spLocks noGrp="1"/>
+          </p:cNvSpPr>
+          <p:nvPr>
+            <p:ph type="title"/>
+          </p:nvPr>
+        </p:nvSpPr>
+        <p:spPr>
+          <a:xfrm>
+            <a:off x="495000" y="273600"/>
+            <a:ext cx="8915040" cy="1144800"/>
+          </a:xfrm>
+          <a:prstGeom prst="rect">
+            <a:avLst/>
+          </a:prstGeom>
+        </p:spPr>
+        <p:txBody>
+          <a:bodyPr lIns="0" rIns="0" tIns="0" bIns="0" anchor="ctr"/>
+          <a:p>
+            <a:pPr algn="ctr"/>
+            <a:endParaRPr b="0" lang="en-US" sz="4400" spc="-1" strike="noStrike">
+              <a:latin typeface="Arial"/>
+            </a:endParaRPr>
+          </a:p>
+        </p:txBody>
+      </p:sp>
+      <p:sp>
+        <p:nvSpPr>
+          <p:cNvPr id="100" name="PlaceHolder 2"/>
+          <p:cNvSpPr>
+            <a:spLocks noGrp="1"/>
+          </p:cNvSpPr>
+          <p:nvPr>
+            <p:ph type="body"/>
+          </p:nvPr>
+        </p:nvSpPr>
+        <p:spPr>
+          <a:xfrm>
+            <a:off x="495000" y="1604520"/>
+            <a:ext cx="8915040" cy="1896840"/>
+          </a:xfrm>
+          <a:prstGeom prst="rect">
+            <a:avLst/>
+          </a:prstGeom>
+        </p:spPr>
+        <p:txBody>
+          <a:bodyPr lIns="0" rIns="0" tIns="0" bIns="0">
+            <a:normAutofit/>
+          </a:bodyPr>
+          <a:p>
+            <a:endParaRPr b="0" lang="en-US" sz="3200" spc="-1" strike="noStrike">
+              <a:latin typeface="Arial"/>
+            </a:endParaRPr>
+          </a:p>
+        </p:txBody>
+      </p:sp>
+      <p:sp>
+        <p:nvSpPr>
+          <p:cNvPr id="101" name="PlaceHolder 3"/>
+          <p:cNvSpPr>
+            <a:spLocks noGrp="1"/>
+          </p:cNvSpPr>
+          <p:nvPr>
+            <p:ph type="body"/>
+          </p:nvPr>
+        </p:nvSpPr>
+        <p:spPr>
+          <a:xfrm>
+            <a:off x="495000" y="3682080"/>
+            <a:ext cx="8915040" cy="1896840"/>
+          </a:xfrm>
+          <a:prstGeom prst="rect">
+            <a:avLst/>
+          </a:prstGeom>
+        </p:spPr>
+        <p:txBody>
+          <a:bodyPr lIns="0" rIns="0" tIns="0" bIns="0">
+            <a:normAutofit/>
+          </a:bodyPr>
+          <a:p>
+            <a:endParaRPr b="0" lang="en-US" sz="3200" spc="-1" strike="noStrike">
+              <a:latin typeface="Arial"/>
+            </a:endParaRPr>
+          </a:p>
+        </p:txBody>
+      </p:sp>
+    </p:spTree>
+  </p:cSld>
+</p:sldLayout>
+</file>
+
+<file path=ppt/slideLayouts/slideLayout35.xml><?xml version="1.0" encoding="utf-8"?>
+<p:sldLayout xmlns:a="http://schemas.openxmlformats.org/drawingml/2006/main" xmlns:p="http://schemas.openxmlformats.org/presentationml/2006/main" xmlns:r="http://schemas.openxmlformats.org/officeDocument/2006/relationships" xmlns:p14="http://schemas.microsoft.com/office/powerpoint/2010/main" xmlns:p15="http://schemas.microsoft.com/office/powerpoint/2012/main" xmlns:mc="http://schemas.openxmlformats.org/markup-compatibility/2006" type="fourObj" preserve="1">
+  <p:cSld name="Title, 4 Content">
+    <p:spTree>
+      <p:nvGrpSpPr>
+        <p:cNvPr id="1" name=""/>
+        <p:cNvGrpSpPr/>
+        <p:nvPr/>
+      </p:nvGrpSpPr>
+      <p:grpSpPr>
+        <a:xfrm>
+          <a:off x="0" y="0"/>
+          <a:ext cx="0" cy="0"/>
+          <a:chOff x="0" y="0"/>
+          <a:chExt cx="0" cy="0"/>
+        </a:xfrm>
+      </p:grpSpPr>
+      <p:sp>
+        <p:nvSpPr>
+          <p:cNvPr id="102" name="PlaceHolder 1"/>
+          <p:cNvSpPr>
+            <a:spLocks noGrp="1"/>
+          </p:cNvSpPr>
+          <p:nvPr>
+            <p:ph type="title"/>
+          </p:nvPr>
+        </p:nvSpPr>
+        <p:spPr>
+          <a:xfrm>
+            <a:off x="495000" y="273600"/>
+            <a:ext cx="8915040" cy="1144800"/>
+          </a:xfrm>
+          <a:prstGeom prst="rect">
+            <a:avLst/>
+          </a:prstGeom>
+        </p:spPr>
+        <p:txBody>
+          <a:bodyPr lIns="0" rIns="0" tIns="0" bIns="0" anchor="ctr"/>
+          <a:p>
+            <a:pPr algn="ctr"/>
+            <a:endParaRPr b="0" lang="en-US" sz="4400" spc="-1" strike="noStrike">
+              <a:latin typeface="Arial"/>
+            </a:endParaRPr>
+          </a:p>
+        </p:txBody>
+      </p:sp>
+      <p:sp>
+        <p:nvSpPr>
+          <p:cNvPr id="103" name="PlaceHolder 2"/>
+          <p:cNvSpPr>
+            <a:spLocks noGrp="1"/>
+          </p:cNvSpPr>
+          <p:nvPr>
+            <p:ph type="body"/>
+          </p:nvPr>
+        </p:nvSpPr>
+        <p:spPr>
+          <a:xfrm>
+            <a:off x="495000" y="1604520"/>
+            <a:ext cx="4350240" cy="1896840"/>
+          </a:xfrm>
+          <a:prstGeom prst="rect">
+            <a:avLst/>
+          </a:prstGeom>
+        </p:spPr>
+        <p:txBody>
+          <a:bodyPr lIns="0" rIns="0" tIns="0" bIns="0">
+            <a:normAutofit/>
+          </a:bodyPr>
+          <a:p>
+            <a:endParaRPr b="0" lang="en-US" sz="3200" spc="-1" strike="noStrike">
+              <a:latin typeface="Arial"/>
+            </a:endParaRPr>
+          </a:p>
+        </p:txBody>
+      </p:sp>
+      <p:sp>
+        <p:nvSpPr>
+          <p:cNvPr id="104" name="PlaceHolder 3"/>
+          <p:cNvSpPr>
+            <a:spLocks noGrp="1"/>
+          </p:cNvSpPr>
+          <p:nvPr>
+            <p:ph type="body"/>
+          </p:nvPr>
+        </p:nvSpPr>
+        <p:spPr>
+          <a:xfrm>
+            <a:off x="5063040" y="1604520"/>
+            <a:ext cx="4350240" cy="1896840"/>
+          </a:xfrm>
+          <a:prstGeom prst="rect">
+            <a:avLst/>
+          </a:prstGeom>
+        </p:spPr>
+        <p:txBody>
+          <a:bodyPr lIns="0" rIns="0" tIns="0" bIns="0">
+            <a:normAutofit/>
+          </a:bodyPr>
+          <a:p>
+            <a:endParaRPr b="0" lang="en-US" sz="3200" spc="-1" strike="noStrike">
+              <a:latin typeface="Arial"/>
+            </a:endParaRPr>
+          </a:p>
+        </p:txBody>
+      </p:sp>
+      <p:sp>
+        <p:nvSpPr>
+          <p:cNvPr id="105" name="PlaceHolder 4"/>
+          <p:cNvSpPr>
+            <a:spLocks noGrp="1"/>
+          </p:cNvSpPr>
+          <p:nvPr>
+            <p:ph type="body"/>
+          </p:nvPr>
+        </p:nvSpPr>
+        <p:spPr>
+          <a:xfrm>
+            <a:off x="495000" y="3682080"/>
+            <a:ext cx="4350240" cy="1896840"/>
+          </a:xfrm>
+          <a:prstGeom prst="rect">
+            <a:avLst/>
+          </a:prstGeom>
+        </p:spPr>
+        <p:txBody>
+          <a:bodyPr lIns="0" rIns="0" tIns="0" bIns="0">
+            <a:normAutofit/>
+          </a:bodyPr>
+          <a:p>
+            <a:endParaRPr b="0" lang="en-US" sz="3200" spc="-1" strike="noStrike">
+              <a:latin typeface="Arial"/>
+            </a:endParaRPr>
+          </a:p>
+        </p:txBody>
+      </p:sp>
+      <p:sp>
+        <p:nvSpPr>
+          <p:cNvPr id="106" name="PlaceHolder 5"/>
+          <p:cNvSpPr>
+            <a:spLocks noGrp="1"/>
+          </p:cNvSpPr>
+          <p:nvPr>
+            <p:ph type="body"/>
+          </p:nvPr>
+        </p:nvSpPr>
+        <p:spPr>
+          <a:xfrm>
+            <a:off x="5063040" y="3682080"/>
+            <a:ext cx="4350240" cy="1896840"/>
+          </a:xfrm>
+          <a:prstGeom prst="rect">
+            <a:avLst/>
+          </a:prstGeom>
+        </p:spPr>
+        <p:txBody>
+          <a:bodyPr lIns="0" rIns="0" tIns="0" bIns="0">
+            <a:normAutofit/>
+          </a:bodyPr>
+          <a:p>
+            <a:endParaRPr b="0" lang="en-US" sz="3200" spc="-1" strike="noStrike">
+              <a:latin typeface="Arial"/>
+            </a:endParaRPr>
+          </a:p>
+        </p:txBody>
+      </p:sp>
+    </p:spTree>
+  </p:cSld>
+</p:sldLayout>
+</file>
+
+<file path=ppt/slideLayouts/slideLayout36.xml><?xml version="1.0" encoding="utf-8"?>
+<p:sldLayout xmlns:a="http://schemas.openxmlformats.org/drawingml/2006/main" xmlns:p="http://schemas.openxmlformats.org/presentationml/2006/main" xmlns:r="http://schemas.openxmlformats.org/officeDocument/2006/relationships" xmlns:p14="http://schemas.microsoft.com/office/powerpoint/2010/main" xmlns:p15="http://schemas.microsoft.com/office/powerpoint/2012/main" xmlns:mc="http://schemas.openxmlformats.org/markup-compatibility/2006" type="blank" preserve="1">
+  <p:cSld name="Title, 6 Content">
+    <p:spTree>
+      <p:nvGrpSpPr>
+        <p:cNvPr id="1" name=""/>
+        <p:cNvGrpSpPr/>
+        <p:nvPr/>
+      </p:nvGrpSpPr>
+      <p:grpSpPr>
+        <a:xfrm>
+          <a:off x="0" y="0"/>
+          <a:ext cx="0" cy="0"/>
+          <a:chOff x="0" y="0"/>
+          <a:chExt cx="0" cy="0"/>
+        </a:xfrm>
+      </p:grpSpPr>
+      <p:sp>
+        <p:nvSpPr>
+          <p:cNvPr id="107" name="PlaceHolder 1"/>
+          <p:cNvSpPr>
+            <a:spLocks noGrp="1"/>
+          </p:cNvSpPr>
+          <p:nvPr>
+            <p:ph type="title"/>
+          </p:nvPr>
+        </p:nvSpPr>
+        <p:spPr>
+          <a:xfrm>
+            <a:off x="495000" y="273600"/>
+            <a:ext cx="8915040" cy="1144800"/>
+          </a:xfrm>
+          <a:prstGeom prst="rect">
+            <a:avLst/>
+          </a:prstGeom>
+        </p:spPr>
+        <p:txBody>
+          <a:bodyPr lIns="0" rIns="0" tIns="0" bIns="0" anchor="ctr"/>
+          <a:p>
+            <a:pPr algn="ctr"/>
+            <a:endParaRPr b="0" lang="en-US" sz="4400" spc="-1" strike="noStrike">
+              <a:latin typeface="Arial"/>
+            </a:endParaRPr>
+          </a:p>
+        </p:txBody>
+      </p:sp>
+      <p:sp>
+        <p:nvSpPr>
+          <p:cNvPr id="108" name="PlaceHolder 2"/>
+          <p:cNvSpPr>
+            <a:spLocks noGrp="1"/>
+          </p:cNvSpPr>
+          <p:nvPr>
+            <p:ph type="body"/>
+          </p:nvPr>
+        </p:nvSpPr>
+        <p:spPr>
+          <a:xfrm>
+            <a:off x="495000" y="1604520"/>
+            <a:ext cx="2870280" cy="1896840"/>
+          </a:xfrm>
+          <a:prstGeom prst="rect">
+            <a:avLst/>
+          </a:prstGeom>
+        </p:spPr>
+        <p:txBody>
+          <a:bodyPr lIns="0" rIns="0" tIns="0" bIns="0">
+            <a:normAutofit/>
+          </a:bodyPr>
+          <a:p>
+            <a:endParaRPr b="0" lang="en-US" sz="3200" spc="-1" strike="noStrike">
+              <a:latin typeface="Arial"/>
+            </a:endParaRPr>
+          </a:p>
+        </p:txBody>
+      </p:sp>
+      <p:sp>
+        <p:nvSpPr>
+          <p:cNvPr id="109" name="PlaceHolder 3"/>
+          <p:cNvSpPr>
+            <a:spLocks noGrp="1"/>
+          </p:cNvSpPr>
+          <p:nvPr>
+            <p:ph type="body"/>
+          </p:nvPr>
+        </p:nvSpPr>
+        <p:spPr>
+          <a:xfrm>
+            <a:off x="3509280" y="1604520"/>
+            <a:ext cx="2870280" cy="1896840"/>
+          </a:xfrm>
+          <a:prstGeom prst="rect">
+            <a:avLst/>
+          </a:prstGeom>
+        </p:spPr>
+        <p:txBody>
+          <a:bodyPr lIns="0" rIns="0" tIns="0" bIns="0">
+            <a:normAutofit/>
+          </a:bodyPr>
+          <a:p>
+            <a:endParaRPr b="0" lang="en-US" sz="3200" spc="-1" strike="noStrike">
+              <a:latin typeface="Arial"/>
+            </a:endParaRPr>
+          </a:p>
+        </p:txBody>
+      </p:sp>
+      <p:sp>
+        <p:nvSpPr>
+          <p:cNvPr id="110" name="PlaceHolder 4"/>
+          <p:cNvSpPr>
+            <a:spLocks noGrp="1"/>
+          </p:cNvSpPr>
+          <p:nvPr>
+            <p:ph type="body"/>
+          </p:nvPr>
+        </p:nvSpPr>
+        <p:spPr>
+          <a:xfrm>
+            <a:off x="6523200" y="1604520"/>
+            <a:ext cx="2870280" cy="1896840"/>
+          </a:xfrm>
+          <a:prstGeom prst="rect">
+            <a:avLst/>
+          </a:prstGeom>
+        </p:spPr>
+        <p:txBody>
+          <a:bodyPr lIns="0" rIns="0" tIns="0" bIns="0">
+            <a:normAutofit/>
+          </a:bodyPr>
+          <a:p>
+            <a:endParaRPr b="0" lang="en-US" sz="3200" spc="-1" strike="noStrike">
+              <a:latin typeface="Arial"/>
+            </a:endParaRPr>
+          </a:p>
+        </p:txBody>
+      </p:sp>
+      <p:sp>
+        <p:nvSpPr>
+          <p:cNvPr id="111" name="PlaceHolder 5"/>
+          <p:cNvSpPr>
+            <a:spLocks noGrp="1"/>
+          </p:cNvSpPr>
+          <p:nvPr>
+            <p:ph type="body"/>
+          </p:nvPr>
+        </p:nvSpPr>
+        <p:spPr>
+          <a:xfrm>
+            <a:off x="495000" y="3682080"/>
+            <a:ext cx="2870280" cy="1896840"/>
+          </a:xfrm>
+          <a:prstGeom prst="rect">
+            <a:avLst/>
+          </a:prstGeom>
+        </p:spPr>
+        <p:txBody>
+          <a:bodyPr lIns="0" rIns="0" tIns="0" bIns="0">
+            <a:normAutofit/>
+          </a:bodyPr>
+          <a:p>
+            <a:endParaRPr b="0" lang="en-US" sz="3200" spc="-1" strike="noStrike">
+              <a:latin typeface="Arial"/>
+            </a:endParaRPr>
+          </a:p>
+        </p:txBody>
+      </p:sp>
+      <p:sp>
+        <p:nvSpPr>
+          <p:cNvPr id="112" name="PlaceHolder 6"/>
+          <p:cNvSpPr>
+            <a:spLocks noGrp="1"/>
+          </p:cNvSpPr>
+          <p:nvPr>
+            <p:ph type="body"/>
+          </p:nvPr>
+        </p:nvSpPr>
+        <p:spPr>
+          <a:xfrm>
+            <a:off x="3509280" y="3682080"/>
+            <a:ext cx="2870280" cy="1896840"/>
+          </a:xfrm>
+          <a:prstGeom prst="rect">
+            <a:avLst/>
+          </a:prstGeom>
+        </p:spPr>
+        <p:txBody>
+          <a:bodyPr lIns="0" rIns="0" tIns="0" bIns="0">
+            <a:normAutofit/>
+          </a:bodyPr>
+          <a:p>
+            <a:endParaRPr b="0" lang="en-US" sz="3200" spc="-1" strike="noStrike">
+              <a:latin typeface="Arial"/>
+            </a:endParaRPr>
+          </a:p>
+        </p:txBody>
+      </p:sp>
+      <p:sp>
+        <p:nvSpPr>
+          <p:cNvPr id="113" name="PlaceHolder 7"/>
+          <p:cNvSpPr>
+            <a:spLocks noGrp="1"/>
+          </p:cNvSpPr>
+          <p:nvPr>
+            <p:ph type="body"/>
+          </p:nvPr>
+        </p:nvSpPr>
+        <p:spPr>
+          <a:xfrm>
+            <a:off x="6523200" y="3682080"/>
+            <a:ext cx="2870280" cy="1896840"/>
+          </a:xfrm>
+          <a:prstGeom prst="rect">
+            <a:avLst/>
+          </a:prstGeom>
+        </p:spPr>
+        <p:txBody>
+          <a:bodyPr lIns="0" rIns="0" tIns="0" bIns="0">
+            <a:normAutofit/>
+          </a:bodyPr>
+          <a:p>
+            <a:endParaRPr b="0" lang="en-US" sz="3200" spc="-1" strike="noStrike">
+              <a:latin typeface="Arial"/>
             </a:endParaRPr>
           </a:p>
         </p:txBody>
@@ -2219,7 +3411,7 @@
       </p:grpSpPr>
       <p:sp>
         <p:nvSpPr>
-          <p:cNvPr id="9" name="PlaceHolder 1"/>
+          <p:cNvPr id="6" name="PlaceHolder 1"/>
           <p:cNvSpPr>
             <a:spLocks noGrp="1"/>
           </p:cNvSpPr>
@@ -2229,8 +3421,8 @@
         </p:nvSpPr>
         <p:spPr>
           <a:xfrm>
-            <a:off x="681120" y="365040"/>
-            <a:ext cx="8543520" cy="1325160"/>
+            <a:off x="495000" y="273600"/>
+            <a:ext cx="8915040" cy="1144800"/>
           </a:xfrm>
           <a:prstGeom prst="rect">
             <a:avLst/>
@@ -2239,18 +3431,16 @@
         <p:txBody>
           <a:bodyPr lIns="0" rIns="0" tIns="0" bIns="0" anchor="ctr"/>
           <a:p>
-            <a:endParaRPr b="0" lang="vi-VN" sz="1800" spc="-1" strike="noStrike">
-              <a:solidFill>
-                <a:srgbClr val="000000"/>
-              </a:solidFill>
-              <a:latin typeface="Calibri"/>
-            </a:endParaRPr>
-          </a:p>
-        </p:txBody>
-      </p:sp>
-      <p:sp>
-        <p:nvSpPr>
-          <p:cNvPr id="10" name="PlaceHolder 2"/>
+            <a:pPr algn="ctr"/>
+            <a:endParaRPr b="0" lang="en-US" sz="4400" spc="-1" strike="noStrike">
+              <a:latin typeface="Arial"/>
+            </a:endParaRPr>
+          </a:p>
+        </p:txBody>
+      </p:sp>
+      <p:sp>
+        <p:nvSpPr>
+          <p:cNvPr id="7" name="PlaceHolder 2"/>
           <p:cNvSpPr>
             <a:spLocks noGrp="1"/>
           </p:cNvSpPr>
@@ -2260,8 +3450,8 @@
         </p:nvSpPr>
         <p:spPr>
           <a:xfrm>
-            <a:off x="681120" y="1825560"/>
-            <a:ext cx="4169160" cy="4350960"/>
+            <a:off x="495000" y="1604520"/>
+            <a:ext cx="4350240" cy="3977280"/>
           </a:xfrm>
           <a:prstGeom prst="rect">
             <a:avLst/>
@@ -2272,18 +3462,15 @@
             <a:normAutofit/>
           </a:bodyPr>
           <a:p>
-            <a:endParaRPr b="0" lang="vi-VN" sz="2800" spc="-1" strike="noStrike">
-              <a:solidFill>
-                <a:srgbClr val="000000"/>
-              </a:solidFill>
-              <a:latin typeface="Calibri"/>
-            </a:endParaRPr>
-          </a:p>
-        </p:txBody>
-      </p:sp>
-      <p:sp>
-        <p:nvSpPr>
-          <p:cNvPr id="11" name="PlaceHolder 3"/>
+            <a:endParaRPr b="0" lang="en-US" sz="3200" spc="-1" strike="noStrike">
+              <a:latin typeface="Arial"/>
+            </a:endParaRPr>
+          </a:p>
+        </p:txBody>
+      </p:sp>
+      <p:sp>
+        <p:nvSpPr>
+          <p:cNvPr id="8" name="PlaceHolder 3"/>
           <p:cNvSpPr>
             <a:spLocks noGrp="1"/>
           </p:cNvSpPr>
@@ -2293,8 +3480,8 @@
         </p:nvSpPr>
         <p:spPr>
           <a:xfrm>
-            <a:off x="5059080" y="1825560"/>
-            <a:ext cx="4169160" cy="4350960"/>
+            <a:off x="5063040" y="1604520"/>
+            <a:ext cx="4350240" cy="3977280"/>
           </a:xfrm>
           <a:prstGeom prst="rect">
             <a:avLst/>
@@ -2305,11 +3492,8 @@
             <a:normAutofit/>
           </a:bodyPr>
           <a:p>
-            <a:endParaRPr b="0" lang="vi-VN" sz="2800" spc="-1" strike="noStrike">
-              <a:solidFill>
-                <a:srgbClr val="000000"/>
-              </a:solidFill>
-              <a:latin typeface="Calibri"/>
+            <a:endParaRPr b="0" lang="en-US" sz="3200" spc="-1" strike="noStrike">
+              <a:latin typeface="Arial"/>
             </a:endParaRPr>
           </a:p>
         </p:txBody>
@@ -2338,7 +3522,7 @@
       </p:grpSpPr>
       <p:sp>
         <p:nvSpPr>
-          <p:cNvPr id="12" name="PlaceHolder 1"/>
+          <p:cNvPr id="9" name="PlaceHolder 1"/>
           <p:cNvSpPr>
             <a:spLocks noGrp="1"/>
           </p:cNvSpPr>
@@ -2348,8 +3532,8 @@
         </p:nvSpPr>
         <p:spPr>
           <a:xfrm>
-            <a:off x="681120" y="365040"/>
-            <a:ext cx="8543520" cy="1325160"/>
+            <a:off x="495000" y="273600"/>
+            <a:ext cx="8915040" cy="1144800"/>
           </a:xfrm>
           <a:prstGeom prst="rect">
             <a:avLst/>
@@ -2358,11 +3542,9 @@
         <p:txBody>
           <a:bodyPr lIns="0" rIns="0" tIns="0" bIns="0" anchor="ctr"/>
           <a:p>
-            <a:endParaRPr b="0" lang="vi-VN" sz="1800" spc="-1" strike="noStrike">
-              <a:solidFill>
-                <a:srgbClr val="000000"/>
-              </a:solidFill>
-              <a:latin typeface="Calibri"/>
+            <a:pPr algn="ctr"/>
+            <a:endParaRPr b="0" lang="en-US" sz="4400" spc="-1" strike="noStrike">
+              <a:latin typeface="Arial"/>
             </a:endParaRPr>
           </a:p>
         </p:txBody>
@@ -2391,7 +3573,7 @@
       </p:grpSpPr>
       <p:sp>
         <p:nvSpPr>
-          <p:cNvPr id="13" name="PlaceHolder 1"/>
+          <p:cNvPr id="10" name="PlaceHolder 1"/>
           <p:cNvSpPr>
             <a:spLocks noGrp="1"/>
           </p:cNvSpPr>
@@ -2401,8 +3583,8 @@
         </p:nvSpPr>
         <p:spPr>
           <a:xfrm>
-            <a:off x="681120" y="365040"/>
-            <a:ext cx="8543520" cy="6144120"/>
+            <a:off x="495000" y="273600"/>
+            <a:ext cx="8915040" cy="5307840"/>
           </a:xfrm>
           <a:prstGeom prst="rect">
             <a:avLst/>
@@ -2442,7 +3624,7 @@
       </p:grpSpPr>
       <p:sp>
         <p:nvSpPr>
-          <p:cNvPr id="14" name="PlaceHolder 1"/>
+          <p:cNvPr id="11" name="PlaceHolder 1"/>
           <p:cNvSpPr>
             <a:spLocks noGrp="1"/>
           </p:cNvSpPr>
@@ -2452,8 +3634,8 @@
         </p:nvSpPr>
         <p:spPr>
           <a:xfrm>
-            <a:off x="681120" y="365040"/>
-            <a:ext cx="8543520" cy="1325160"/>
+            <a:off x="495000" y="273600"/>
+            <a:ext cx="8915040" cy="1144800"/>
           </a:xfrm>
           <a:prstGeom prst="rect">
             <a:avLst/>
@@ -2462,18 +3644,16 @@
         <p:txBody>
           <a:bodyPr lIns="0" rIns="0" tIns="0" bIns="0" anchor="ctr"/>
           <a:p>
-            <a:endParaRPr b="0" lang="vi-VN" sz="1800" spc="-1" strike="noStrike">
-              <a:solidFill>
-                <a:srgbClr val="000000"/>
-              </a:solidFill>
-              <a:latin typeface="Calibri"/>
-            </a:endParaRPr>
-          </a:p>
-        </p:txBody>
-      </p:sp>
-      <p:sp>
-        <p:nvSpPr>
-          <p:cNvPr id="15" name="PlaceHolder 2"/>
+            <a:pPr algn="ctr"/>
+            <a:endParaRPr b="0" lang="en-US" sz="4400" spc="-1" strike="noStrike">
+              <a:latin typeface="Arial"/>
+            </a:endParaRPr>
+          </a:p>
+        </p:txBody>
+      </p:sp>
+      <p:sp>
+        <p:nvSpPr>
+          <p:cNvPr id="12" name="PlaceHolder 2"/>
           <p:cNvSpPr>
             <a:spLocks noGrp="1"/>
           </p:cNvSpPr>
@@ -2483,8 +3663,8 @@
         </p:nvSpPr>
         <p:spPr>
           <a:xfrm>
-            <a:off x="681120" y="1825560"/>
-            <a:ext cx="4169160" cy="2075040"/>
+            <a:off x="495000" y="1604520"/>
+            <a:ext cx="4350240" cy="1896840"/>
           </a:xfrm>
           <a:prstGeom prst="rect">
             <a:avLst/>
@@ -2495,18 +3675,15 @@
             <a:normAutofit/>
           </a:bodyPr>
           <a:p>
-            <a:endParaRPr b="0" lang="vi-VN" sz="2800" spc="-1" strike="noStrike">
-              <a:solidFill>
-                <a:srgbClr val="000000"/>
-              </a:solidFill>
-              <a:latin typeface="Calibri"/>
-            </a:endParaRPr>
-          </a:p>
-        </p:txBody>
-      </p:sp>
-      <p:sp>
-        <p:nvSpPr>
-          <p:cNvPr id="16" name="PlaceHolder 3"/>
+            <a:endParaRPr b="0" lang="en-US" sz="3200" spc="-1" strike="noStrike">
+              <a:latin typeface="Arial"/>
+            </a:endParaRPr>
+          </a:p>
+        </p:txBody>
+      </p:sp>
+      <p:sp>
+        <p:nvSpPr>
+          <p:cNvPr id="13" name="PlaceHolder 3"/>
           <p:cNvSpPr>
             <a:spLocks noGrp="1"/>
           </p:cNvSpPr>
@@ -2516,8 +3693,8 @@
         </p:nvSpPr>
         <p:spPr>
           <a:xfrm>
-            <a:off x="5059080" y="1825560"/>
-            <a:ext cx="4169160" cy="4350960"/>
+            <a:off x="5063040" y="1604520"/>
+            <a:ext cx="4350240" cy="3977280"/>
           </a:xfrm>
           <a:prstGeom prst="rect">
             <a:avLst/>
@@ -2528,18 +3705,15 @@
             <a:normAutofit/>
           </a:bodyPr>
           <a:p>
-            <a:endParaRPr b="0" lang="vi-VN" sz="2800" spc="-1" strike="noStrike">
-              <a:solidFill>
-                <a:srgbClr val="000000"/>
-              </a:solidFill>
-              <a:latin typeface="Calibri"/>
-            </a:endParaRPr>
-          </a:p>
-        </p:txBody>
-      </p:sp>
-      <p:sp>
-        <p:nvSpPr>
-          <p:cNvPr id="17" name="PlaceHolder 4"/>
+            <a:endParaRPr b="0" lang="en-US" sz="3200" spc="-1" strike="noStrike">
+              <a:latin typeface="Arial"/>
+            </a:endParaRPr>
+          </a:p>
+        </p:txBody>
+      </p:sp>
+      <p:sp>
+        <p:nvSpPr>
+          <p:cNvPr id="14" name="PlaceHolder 4"/>
           <p:cNvSpPr>
             <a:spLocks noGrp="1"/>
           </p:cNvSpPr>
@@ -2549,8 +3723,8 @@
         </p:nvSpPr>
         <p:spPr>
           <a:xfrm>
-            <a:off x="681120" y="4098240"/>
-            <a:ext cx="4169160" cy="2075040"/>
+            <a:off x="495000" y="3682080"/>
+            <a:ext cx="4350240" cy="1896840"/>
           </a:xfrm>
           <a:prstGeom prst="rect">
             <a:avLst/>
@@ -2561,11 +3735,8 @@
             <a:normAutofit/>
           </a:bodyPr>
           <a:p>
-            <a:endParaRPr b="0" lang="vi-VN" sz="2800" spc="-1" strike="noStrike">
-              <a:solidFill>
-                <a:srgbClr val="000000"/>
-              </a:solidFill>
-              <a:latin typeface="Calibri"/>
+            <a:endParaRPr b="0" lang="en-US" sz="3200" spc="-1" strike="noStrike">
+              <a:latin typeface="Arial"/>
             </a:endParaRPr>
           </a:p>
         </p:txBody>
@@ -2594,7 +3765,7 @@
       </p:grpSpPr>
       <p:sp>
         <p:nvSpPr>
-          <p:cNvPr id="18" name="PlaceHolder 1"/>
+          <p:cNvPr id="15" name="PlaceHolder 1"/>
           <p:cNvSpPr>
             <a:spLocks noGrp="1"/>
           </p:cNvSpPr>
@@ -2604,8 +3775,8 @@
         </p:nvSpPr>
         <p:spPr>
           <a:xfrm>
-            <a:off x="681120" y="365040"/>
-            <a:ext cx="8543520" cy="1325160"/>
+            <a:off x="495000" y="273600"/>
+            <a:ext cx="8915040" cy="1144800"/>
           </a:xfrm>
           <a:prstGeom prst="rect">
             <a:avLst/>
@@ -2614,18 +3785,16 @@
         <p:txBody>
           <a:bodyPr lIns="0" rIns="0" tIns="0" bIns="0" anchor="ctr"/>
           <a:p>
-            <a:endParaRPr b="0" lang="vi-VN" sz="1800" spc="-1" strike="noStrike">
-              <a:solidFill>
-                <a:srgbClr val="000000"/>
-              </a:solidFill>
-              <a:latin typeface="Calibri"/>
-            </a:endParaRPr>
-          </a:p>
-        </p:txBody>
-      </p:sp>
-      <p:sp>
-        <p:nvSpPr>
-          <p:cNvPr id="19" name="PlaceHolder 2"/>
+            <a:pPr algn="ctr"/>
+            <a:endParaRPr b="0" lang="en-US" sz="4400" spc="-1" strike="noStrike">
+              <a:latin typeface="Arial"/>
+            </a:endParaRPr>
+          </a:p>
+        </p:txBody>
+      </p:sp>
+      <p:sp>
+        <p:nvSpPr>
+          <p:cNvPr id="16" name="PlaceHolder 2"/>
           <p:cNvSpPr>
             <a:spLocks noGrp="1"/>
           </p:cNvSpPr>
@@ -2635,8 +3804,8 @@
         </p:nvSpPr>
         <p:spPr>
           <a:xfrm>
-            <a:off x="681120" y="1825560"/>
-            <a:ext cx="4169160" cy="4350960"/>
+            <a:off x="495000" y="1604520"/>
+            <a:ext cx="4350240" cy="3977280"/>
           </a:xfrm>
           <a:prstGeom prst="rect">
             <a:avLst/>
@@ -2647,18 +3816,15 @@
             <a:normAutofit/>
           </a:bodyPr>
           <a:p>
-            <a:endParaRPr b="0" lang="vi-VN" sz="2800" spc="-1" strike="noStrike">
-              <a:solidFill>
-                <a:srgbClr val="000000"/>
-              </a:solidFill>
-              <a:latin typeface="Calibri"/>
-            </a:endParaRPr>
-          </a:p>
-        </p:txBody>
-      </p:sp>
-      <p:sp>
-        <p:nvSpPr>
-          <p:cNvPr id="20" name="PlaceHolder 3"/>
+            <a:endParaRPr b="0" lang="en-US" sz="3200" spc="-1" strike="noStrike">
+              <a:latin typeface="Arial"/>
+            </a:endParaRPr>
+          </a:p>
+        </p:txBody>
+      </p:sp>
+      <p:sp>
+        <p:nvSpPr>
+          <p:cNvPr id="17" name="PlaceHolder 3"/>
           <p:cNvSpPr>
             <a:spLocks noGrp="1"/>
           </p:cNvSpPr>
@@ -2668,8 +3834,8 @@
         </p:nvSpPr>
         <p:spPr>
           <a:xfrm>
-            <a:off x="5059080" y="1825560"/>
-            <a:ext cx="4169160" cy="2075040"/>
+            <a:off x="5063040" y="1604520"/>
+            <a:ext cx="4350240" cy="1896840"/>
           </a:xfrm>
           <a:prstGeom prst="rect">
             <a:avLst/>
@@ -2680,18 +3846,15 @@
             <a:normAutofit/>
           </a:bodyPr>
           <a:p>
-            <a:endParaRPr b="0" lang="vi-VN" sz="2800" spc="-1" strike="noStrike">
-              <a:solidFill>
-                <a:srgbClr val="000000"/>
-              </a:solidFill>
-              <a:latin typeface="Calibri"/>
-            </a:endParaRPr>
-          </a:p>
-        </p:txBody>
-      </p:sp>
-      <p:sp>
-        <p:nvSpPr>
-          <p:cNvPr id="21" name="PlaceHolder 4"/>
+            <a:endParaRPr b="0" lang="en-US" sz="3200" spc="-1" strike="noStrike">
+              <a:latin typeface="Arial"/>
+            </a:endParaRPr>
+          </a:p>
+        </p:txBody>
+      </p:sp>
+      <p:sp>
+        <p:nvSpPr>
+          <p:cNvPr id="18" name="PlaceHolder 4"/>
           <p:cNvSpPr>
             <a:spLocks noGrp="1"/>
           </p:cNvSpPr>
@@ -2701,8 +3864,8 @@
         </p:nvSpPr>
         <p:spPr>
           <a:xfrm>
-            <a:off x="5059080" y="4098240"/>
-            <a:ext cx="4169160" cy="2075040"/>
+            <a:off x="5063040" y="3682080"/>
+            <a:ext cx="4350240" cy="1896840"/>
           </a:xfrm>
           <a:prstGeom prst="rect">
             <a:avLst/>
@@ -2713,11 +3876,8 @@
             <a:normAutofit/>
           </a:bodyPr>
           <a:p>
-            <a:endParaRPr b="0" lang="vi-VN" sz="2800" spc="-1" strike="noStrike">
-              <a:solidFill>
-                <a:srgbClr val="000000"/>
-              </a:solidFill>
-              <a:latin typeface="Calibri"/>
+            <a:endParaRPr b="0" lang="en-US" sz="3200" spc="-1" strike="noStrike">
+              <a:latin typeface="Arial"/>
             </a:endParaRPr>
           </a:p>
         </p:txBody>
@@ -2746,7 +3906,7 @@
       </p:grpSpPr>
       <p:sp>
         <p:nvSpPr>
-          <p:cNvPr id="22" name="PlaceHolder 1"/>
+          <p:cNvPr id="19" name="PlaceHolder 1"/>
           <p:cNvSpPr>
             <a:spLocks noGrp="1"/>
           </p:cNvSpPr>
@@ -2756,8 +3916,8 @@
         </p:nvSpPr>
         <p:spPr>
           <a:xfrm>
-            <a:off x="681120" y="365040"/>
-            <a:ext cx="8543520" cy="1325160"/>
+            <a:off x="495000" y="273600"/>
+            <a:ext cx="8915040" cy="1144800"/>
           </a:xfrm>
           <a:prstGeom prst="rect">
             <a:avLst/>
@@ -2766,18 +3926,16 @@
         <p:txBody>
           <a:bodyPr lIns="0" rIns="0" tIns="0" bIns="0" anchor="ctr"/>
           <a:p>
-            <a:endParaRPr b="0" lang="vi-VN" sz="1800" spc="-1" strike="noStrike">
-              <a:solidFill>
-                <a:srgbClr val="000000"/>
-              </a:solidFill>
-              <a:latin typeface="Calibri"/>
-            </a:endParaRPr>
-          </a:p>
-        </p:txBody>
-      </p:sp>
-      <p:sp>
-        <p:nvSpPr>
-          <p:cNvPr id="23" name="PlaceHolder 2"/>
+            <a:pPr algn="ctr"/>
+            <a:endParaRPr b="0" lang="en-US" sz="4400" spc="-1" strike="noStrike">
+              <a:latin typeface="Arial"/>
+            </a:endParaRPr>
+          </a:p>
+        </p:txBody>
+      </p:sp>
+      <p:sp>
+        <p:nvSpPr>
+          <p:cNvPr id="20" name="PlaceHolder 2"/>
           <p:cNvSpPr>
             <a:spLocks noGrp="1"/>
           </p:cNvSpPr>
@@ -2787,8 +3945,8 @@
         </p:nvSpPr>
         <p:spPr>
           <a:xfrm>
-            <a:off x="681120" y="1825560"/>
-            <a:ext cx="4169160" cy="2075040"/>
+            <a:off x="495000" y="1604520"/>
+            <a:ext cx="4350240" cy="1896840"/>
           </a:xfrm>
           <a:prstGeom prst="rect">
             <a:avLst/>
@@ -2799,18 +3957,15 @@
             <a:normAutofit/>
           </a:bodyPr>
           <a:p>
-            <a:endParaRPr b="0" lang="vi-VN" sz="2800" spc="-1" strike="noStrike">
-              <a:solidFill>
-                <a:srgbClr val="000000"/>
-              </a:solidFill>
-              <a:latin typeface="Calibri"/>
-            </a:endParaRPr>
-          </a:p>
-        </p:txBody>
-      </p:sp>
-      <p:sp>
-        <p:nvSpPr>
-          <p:cNvPr id="24" name="PlaceHolder 3"/>
+            <a:endParaRPr b="0" lang="en-US" sz="3200" spc="-1" strike="noStrike">
+              <a:latin typeface="Arial"/>
+            </a:endParaRPr>
+          </a:p>
+        </p:txBody>
+      </p:sp>
+      <p:sp>
+        <p:nvSpPr>
+          <p:cNvPr id="21" name="PlaceHolder 3"/>
           <p:cNvSpPr>
             <a:spLocks noGrp="1"/>
           </p:cNvSpPr>
@@ -2820,8 +3975,8 @@
         </p:nvSpPr>
         <p:spPr>
           <a:xfrm>
-            <a:off x="5059080" y="1825560"/>
-            <a:ext cx="4169160" cy="2075040"/>
+            <a:off x="5063040" y="1604520"/>
+            <a:ext cx="4350240" cy="1896840"/>
           </a:xfrm>
           <a:prstGeom prst="rect">
             <a:avLst/>
@@ -2832,18 +3987,15 @@
             <a:normAutofit/>
           </a:bodyPr>
           <a:p>
-            <a:endParaRPr b="0" lang="vi-VN" sz="2800" spc="-1" strike="noStrike">
-              <a:solidFill>
-                <a:srgbClr val="000000"/>
-              </a:solidFill>
-              <a:latin typeface="Calibri"/>
-            </a:endParaRPr>
-          </a:p>
-        </p:txBody>
-      </p:sp>
-      <p:sp>
-        <p:nvSpPr>
-          <p:cNvPr id="25" name="PlaceHolder 4"/>
+            <a:endParaRPr b="0" lang="en-US" sz="3200" spc="-1" strike="noStrike">
+              <a:latin typeface="Arial"/>
+            </a:endParaRPr>
+          </a:p>
+        </p:txBody>
+      </p:sp>
+      <p:sp>
+        <p:nvSpPr>
+          <p:cNvPr id="22" name="PlaceHolder 4"/>
           <p:cNvSpPr>
             <a:spLocks noGrp="1"/>
           </p:cNvSpPr>
@@ -2853,8 +4005,8 @@
         </p:nvSpPr>
         <p:spPr>
           <a:xfrm>
-            <a:off x="681120" y="4098240"/>
-            <a:ext cx="8543520" cy="2075040"/>
+            <a:off x="495000" y="3682080"/>
+            <a:ext cx="8915040" cy="1896840"/>
           </a:xfrm>
           <a:prstGeom prst="rect">
             <a:avLst/>
@@ -2865,11 +4017,8 @@
             <a:normAutofit/>
           </a:bodyPr>
           <a:p>
-            <a:endParaRPr b="0" lang="vi-VN" sz="2800" spc="-1" strike="noStrike">
-              <a:solidFill>
-                <a:srgbClr val="000000"/>
-              </a:solidFill>
-              <a:latin typeface="Calibri"/>
+            <a:endParaRPr b="0" lang="en-US" sz="3200" spc="-1" strike="noStrike">
+              <a:latin typeface="Arial"/>
             </a:endParaRPr>
           </a:p>
         </p:txBody>
@@ -2918,35 +4067,24 @@
         </p:nvSpPr>
         <p:spPr>
           <a:xfrm>
-            <a:off x="743040" y="1122480"/>
-            <a:ext cx="8419680" cy="2387160"/>
-          </a:xfrm>
-          <a:prstGeom prst="rect">
-            <a:avLst/>
-          </a:prstGeom>
-        </p:spPr>
-        <p:txBody>
-          <a:bodyPr anchor="b"/>
-          <a:p>
-            <a:pPr algn="ctr">
-              <a:lnSpc>
-                <a:spcPct val="90000"/>
-              </a:lnSpc>
-            </a:pPr>
+            <a:off x="681120" y="365040"/>
+            <a:ext cx="8543160" cy="1324800"/>
+          </a:xfrm>
+          <a:prstGeom prst="rect">
+            <a:avLst/>
+          </a:prstGeom>
+        </p:spPr>
+        <p:txBody>
+          <a:bodyPr lIns="0" rIns="0" tIns="0" bIns="0" anchor="ctr"/>
+          <a:p>
             <a:r>
-              <a:rPr b="0" lang="vi-VN" sz="6000" spc="-1" strike="noStrike">
-                <a:solidFill>
-                  <a:srgbClr val="000000"/>
-                </a:solidFill>
-                <a:latin typeface="Calibri Light"/>
+              <a:rPr b="0" lang="en-US" sz="1800" spc="-1" strike="noStrike">
+                <a:latin typeface="Arial"/>
               </a:rPr>
-              <a:t>Click to edit Master title style</a:t>
+              <a:t>Click to edit the title text format</a:t>
             </a:r>
-            <a:endParaRPr b="0" lang="vi-VN" sz="6000" spc="-1" strike="noStrike">
-              <a:solidFill>
-                <a:srgbClr val="000000"/>
-              </a:solidFill>
-              <a:latin typeface="Calibri"/>
+            <a:endParaRPr b="0" lang="en-US" sz="1800" spc="-1" strike="noStrike">
+              <a:latin typeface="Arial"/>
             </a:endParaRPr>
           </a:p>
         </p:txBody>
@@ -2954,118 +4092,6 @@
       <p:sp>
         <p:nvSpPr>
           <p:cNvPr id="1" name="PlaceHolder 2"/>
-          <p:cNvSpPr>
-            <a:spLocks noGrp="1"/>
-          </p:cNvSpPr>
-          <p:nvPr>
-            <p:ph type="dt"/>
-          </p:nvPr>
-        </p:nvSpPr>
-        <p:spPr>
-          <a:xfrm>
-            <a:off x="681120" y="6356520"/>
-            <a:ext cx="2228400" cy="364680"/>
-          </a:xfrm>
-          <a:prstGeom prst="rect">
-            <a:avLst/>
-          </a:prstGeom>
-        </p:spPr>
-        <p:txBody>
-          <a:bodyPr anchor="ctr"/>
-          <a:p>
-            <a:pPr>
-              <a:lnSpc>
-                <a:spcPct val="100000"/>
-              </a:lnSpc>
-            </a:pPr>
-            <a:fld id="{3AA20210-014F-42ED-9218-7FEE6CC3F320}" type="datetime">
-              <a:rPr b="0" lang="en-US" sz="1200" spc="-1" strike="noStrike">
-                <a:solidFill>
-                  <a:srgbClr val="8b8b8b"/>
-                </a:solidFill>
-                <a:latin typeface="Calibri"/>
-              </a:rPr>
-              <a:t>10/6/20</a:t>
-            </a:fld>
-            <a:endParaRPr b="0" lang="en-US" sz="1200" spc="-1" strike="noStrike">
-              <a:latin typeface="Times New Roman"/>
-            </a:endParaRPr>
-          </a:p>
-        </p:txBody>
-      </p:sp>
-      <p:sp>
-        <p:nvSpPr>
-          <p:cNvPr id="2" name="PlaceHolder 3"/>
-          <p:cNvSpPr>
-            <a:spLocks noGrp="1"/>
-          </p:cNvSpPr>
-          <p:nvPr>
-            <p:ph type="ftr"/>
-          </p:nvPr>
-        </p:nvSpPr>
-        <p:spPr>
-          <a:xfrm>
-            <a:off x="3281400" y="6356520"/>
-            <a:ext cx="3342960" cy="364680"/>
-          </a:xfrm>
-          <a:prstGeom prst="rect">
-            <a:avLst/>
-          </a:prstGeom>
-        </p:spPr>
-        <p:txBody>
-          <a:bodyPr anchor="ctr"/>
-          <a:p>
-            <a:endParaRPr b="0" lang="en-US" sz="2400" spc="-1" strike="noStrike">
-              <a:latin typeface="Times New Roman"/>
-            </a:endParaRPr>
-          </a:p>
-        </p:txBody>
-      </p:sp>
-      <p:sp>
-        <p:nvSpPr>
-          <p:cNvPr id="3" name="PlaceHolder 4"/>
-          <p:cNvSpPr>
-            <a:spLocks noGrp="1"/>
-          </p:cNvSpPr>
-          <p:nvPr>
-            <p:ph type="sldNum"/>
-          </p:nvPr>
-        </p:nvSpPr>
-        <p:spPr>
-          <a:xfrm>
-            <a:off x="6996240" y="6356520"/>
-            <a:ext cx="2228400" cy="364680"/>
-          </a:xfrm>
-          <a:prstGeom prst="rect">
-            <a:avLst/>
-          </a:prstGeom>
-        </p:spPr>
-        <p:txBody>
-          <a:bodyPr anchor="ctr"/>
-          <a:p>
-            <a:pPr algn="r">
-              <a:lnSpc>
-                <a:spcPct val="100000"/>
-              </a:lnSpc>
-            </a:pPr>
-            <a:fld id="{F218DAFD-D17C-40FC-9F9E-4F7D40EDF2E3}" type="slidenum">
-              <a:rPr b="0" lang="en-US" sz="1200" spc="-1" strike="noStrike">
-                <a:solidFill>
-                  <a:srgbClr val="8b8b8b"/>
-                </a:solidFill>
-                <a:latin typeface="Calibri"/>
-              </a:rPr>
-              <a:t>&lt;number&gt;</a:t>
-            </a:fld>
-            <a:endParaRPr b="0" lang="en-US" sz="1200" spc="-1" strike="noStrike">
-              <a:latin typeface="Times New Roman"/>
-            </a:endParaRPr>
-          </a:p>
-        </p:txBody>
-      </p:sp>
-      <p:sp>
-        <p:nvSpPr>
-          <p:cNvPr id="4" name="PlaceHolder 5"/>
           <p:cNvSpPr>
             <a:spLocks noGrp="1"/>
           </p:cNvSpPr>
@@ -3099,19 +4125,13 @@
               <a:buChar char=""/>
             </a:pPr>
             <a:r>
-              <a:rPr b="0" lang="vi-VN" sz="2800" spc="-1" strike="noStrike">
-                <a:solidFill>
-                  <a:srgbClr val="000000"/>
-                </a:solidFill>
-                <a:latin typeface="Calibri"/>
+              <a:rPr b="0" lang="en-US" sz="3200" spc="-1" strike="noStrike">
+                <a:latin typeface="Arial"/>
               </a:rPr>
               <a:t>Click to edit the outline text format</a:t>
             </a:r>
-            <a:endParaRPr b="0" lang="vi-VN" sz="2800" spc="-1" strike="noStrike">
-              <a:solidFill>
-                <a:srgbClr val="000000"/>
-              </a:solidFill>
-              <a:latin typeface="Calibri"/>
+            <a:endParaRPr b="0" lang="en-US" sz="3200" spc="-1" strike="noStrike">
+              <a:latin typeface="Arial"/>
             </a:endParaRPr>
           </a:p>
           <a:p>
@@ -3127,19 +4147,13 @@
               <a:buChar char=""/>
             </a:pPr>
             <a:r>
-              <a:rPr b="0" lang="vi-VN" sz="2000" spc="-1" strike="noStrike">
-                <a:solidFill>
-                  <a:srgbClr val="000000"/>
-                </a:solidFill>
-                <a:latin typeface="Calibri"/>
+              <a:rPr b="0" lang="en-US" sz="2800" spc="-1" strike="noStrike">
+                <a:latin typeface="Arial"/>
               </a:rPr>
               <a:t>Second Outline Level</a:t>
             </a:r>
-            <a:endParaRPr b="0" lang="vi-VN" sz="2000" spc="-1" strike="noStrike">
-              <a:solidFill>
-                <a:srgbClr val="000000"/>
-              </a:solidFill>
-              <a:latin typeface="Calibri"/>
+            <a:endParaRPr b="0" lang="en-US" sz="2800" spc="-1" strike="noStrike">
+              <a:latin typeface="Arial"/>
             </a:endParaRPr>
           </a:p>
           <a:p>
@@ -3155,19 +4169,13 @@
               <a:buChar char=""/>
             </a:pPr>
             <a:r>
-              <a:rPr b="0" lang="vi-VN" sz="1800" spc="-1" strike="noStrike">
-                <a:solidFill>
-                  <a:srgbClr val="000000"/>
-                </a:solidFill>
-                <a:latin typeface="Calibri"/>
+              <a:rPr b="0" lang="en-US" sz="2400" spc="-1" strike="noStrike">
+                <a:latin typeface="Arial"/>
               </a:rPr>
               <a:t>Third Outline Level</a:t>
             </a:r>
-            <a:endParaRPr b="0" lang="vi-VN" sz="1800" spc="-1" strike="noStrike">
-              <a:solidFill>
-                <a:srgbClr val="000000"/>
-              </a:solidFill>
-              <a:latin typeface="Calibri"/>
+            <a:endParaRPr b="0" lang="en-US" sz="2400" spc="-1" strike="noStrike">
+              <a:latin typeface="Arial"/>
             </a:endParaRPr>
           </a:p>
           <a:p>
@@ -3183,19 +4191,13 @@
               <a:buChar char=""/>
             </a:pPr>
             <a:r>
-              <a:rPr b="0" lang="vi-VN" sz="1800" spc="-1" strike="noStrike">
-                <a:solidFill>
-                  <a:srgbClr val="000000"/>
-                </a:solidFill>
-                <a:latin typeface="Calibri"/>
+              <a:rPr b="0" lang="en-US" sz="2000" spc="-1" strike="noStrike">
+                <a:latin typeface="Arial"/>
               </a:rPr>
               <a:t>Fourth Outline Level</a:t>
             </a:r>
-            <a:endParaRPr b="0" lang="vi-VN" sz="1800" spc="-1" strike="noStrike">
-              <a:solidFill>
-                <a:srgbClr val="000000"/>
-              </a:solidFill>
-              <a:latin typeface="Calibri"/>
+            <a:endParaRPr b="0" lang="en-US" sz="2000" spc="-1" strike="noStrike">
+              <a:latin typeface="Arial"/>
             </a:endParaRPr>
           </a:p>
           <a:p>
@@ -3211,19 +4213,13 @@
               <a:buChar char=""/>
             </a:pPr>
             <a:r>
-              <a:rPr b="0" lang="vi-VN" sz="2000" spc="-1" strike="noStrike">
-                <a:solidFill>
-                  <a:srgbClr val="000000"/>
-                </a:solidFill>
-                <a:latin typeface="Calibri"/>
+              <a:rPr b="0" lang="en-US" sz="2000" spc="-1" strike="noStrike">
+                <a:latin typeface="Arial"/>
               </a:rPr>
               <a:t>Fifth Outline Level</a:t>
             </a:r>
-            <a:endParaRPr b="0" lang="vi-VN" sz="2000" spc="-1" strike="noStrike">
-              <a:solidFill>
-                <a:srgbClr val="000000"/>
-              </a:solidFill>
-              <a:latin typeface="Calibri"/>
+            <a:endParaRPr b="0" lang="en-US" sz="2000" spc="-1" strike="noStrike">
+              <a:latin typeface="Arial"/>
             </a:endParaRPr>
           </a:p>
           <a:p>
@@ -3239,19 +4235,13 @@
               <a:buChar char=""/>
             </a:pPr>
             <a:r>
-              <a:rPr b="0" lang="vi-VN" sz="2000" spc="-1" strike="noStrike">
-                <a:solidFill>
-                  <a:srgbClr val="000000"/>
-                </a:solidFill>
-                <a:latin typeface="Calibri"/>
+              <a:rPr b="0" lang="en-US" sz="2000" spc="-1" strike="noStrike">
+                <a:latin typeface="Arial"/>
               </a:rPr>
               <a:t>Sixth Outline Level</a:t>
             </a:r>
-            <a:endParaRPr b="0" lang="vi-VN" sz="2000" spc="-1" strike="noStrike">
-              <a:solidFill>
-                <a:srgbClr val="000000"/>
-              </a:solidFill>
-              <a:latin typeface="Calibri"/>
+            <a:endParaRPr b="0" lang="en-US" sz="2000" spc="-1" strike="noStrike">
+              <a:latin typeface="Arial"/>
             </a:endParaRPr>
           </a:p>
           <a:p>
@@ -3267,19 +4257,13 @@
               <a:buChar char=""/>
             </a:pPr>
             <a:r>
-              <a:rPr b="0" lang="vi-VN" sz="2000" spc="-1" strike="noStrike">
-                <a:solidFill>
-                  <a:srgbClr val="000000"/>
-                </a:solidFill>
-                <a:latin typeface="Calibri"/>
+              <a:rPr b="0" lang="en-US" sz="2000" spc="-1" strike="noStrike">
+                <a:latin typeface="Arial"/>
               </a:rPr>
               <a:t>Seventh Outline Level</a:t>
             </a:r>
-            <a:endParaRPr b="0" lang="vi-VN" sz="2000" spc="-1" strike="noStrike">
-              <a:solidFill>
-                <a:srgbClr val="000000"/>
-              </a:solidFill>
-              <a:latin typeface="Calibri"/>
+            <a:endParaRPr b="0" lang="en-US" sz="2000" spc="-1" strike="noStrike">
+              <a:latin typeface="Arial"/>
             </a:endParaRPr>
           </a:p>
         </p:txBody>
@@ -3333,7 +4317,7 @@
       </p:grpSpPr>
       <p:sp>
         <p:nvSpPr>
-          <p:cNvPr id="41" name="PlaceHolder 1"/>
+          <p:cNvPr id="38" name="PlaceHolder 1"/>
           <p:cNvSpPr>
             <a:spLocks noGrp="1"/>
           </p:cNvSpPr>
@@ -3343,42 +4327,32 @@
         </p:nvSpPr>
         <p:spPr>
           <a:xfrm>
-            <a:off x="681120" y="365040"/>
-            <a:ext cx="8543520" cy="1325160"/>
-          </a:xfrm>
-          <a:prstGeom prst="rect">
-            <a:avLst/>
-          </a:prstGeom>
-        </p:spPr>
-        <p:txBody>
-          <a:bodyPr anchor="ctr"/>
-          <a:p>
-            <a:pPr>
-              <a:lnSpc>
-                <a:spcPct val="90000"/>
-              </a:lnSpc>
-            </a:pPr>
+            <a:off x="495000" y="273600"/>
+            <a:ext cx="8915040" cy="1144800"/>
+          </a:xfrm>
+          <a:prstGeom prst="rect">
+            <a:avLst/>
+          </a:prstGeom>
+        </p:spPr>
+        <p:txBody>
+          <a:bodyPr lIns="0" rIns="0" tIns="0" bIns="0" anchor="ctr"/>
+          <a:p>
+            <a:pPr algn="ctr"/>
             <a:r>
-              <a:rPr b="0" lang="vi-VN" sz="4400" spc="-1" strike="noStrike">
-                <a:solidFill>
-                  <a:srgbClr val="000000"/>
-                </a:solidFill>
-                <a:latin typeface="Calibri Light"/>
+              <a:rPr b="0" lang="en-US" sz="4400" spc="-1" strike="noStrike">
+                <a:latin typeface="Arial"/>
               </a:rPr>
-              <a:t>Click to edit Master title style</a:t>
+              <a:t>Click to edit the title text format</a:t>
             </a:r>
-            <a:endParaRPr b="0" lang="vi-VN" sz="4400" spc="-1" strike="noStrike">
-              <a:solidFill>
-                <a:srgbClr val="000000"/>
-              </a:solidFill>
-              <a:latin typeface="Calibri"/>
-            </a:endParaRPr>
-          </a:p>
-        </p:txBody>
-      </p:sp>
-      <p:sp>
-        <p:nvSpPr>
-          <p:cNvPr id="42" name="PlaceHolder 2"/>
+            <a:endParaRPr b="0" lang="en-US" sz="4400" spc="-1" strike="noStrike">
+              <a:latin typeface="Arial"/>
+            </a:endParaRPr>
+          </a:p>
+        </p:txBody>
+      </p:sp>
+      <p:sp>
+        <p:nvSpPr>
+          <p:cNvPr id="39" name="PlaceHolder 2"/>
           <p:cNvSpPr>
             <a:spLocks noGrp="1"/>
           </p:cNvSpPr>
@@ -3388,275 +4362,169 @@
         </p:nvSpPr>
         <p:spPr>
           <a:xfrm>
-            <a:off x="681120" y="1825560"/>
-            <a:ext cx="8543520" cy="4350960"/>
-          </a:xfrm>
-          <a:prstGeom prst="rect">
-            <a:avLst/>
-          </a:prstGeom>
-        </p:spPr>
-        <p:txBody>
-          <a:bodyPr/>
-          <a:p>
-            <a:pPr marL="228600" indent="-228240">
-              <a:lnSpc>
-                <a:spcPct val="90000"/>
-              </a:lnSpc>
+            <a:off x="495000" y="1604520"/>
+            <a:ext cx="8915040" cy="3977280"/>
+          </a:xfrm>
+          <a:prstGeom prst="rect">
+            <a:avLst/>
+          </a:prstGeom>
+        </p:spPr>
+        <p:txBody>
+          <a:bodyPr lIns="0" rIns="0" tIns="0" bIns="0">
+            <a:normAutofit/>
+          </a:bodyPr>
+          <a:p>
+            <a:pPr marL="432000" indent="-324000">
               <a:spcBef>
-                <a:spcPts val="1001"/>
+                <a:spcPts val="1417"/>
               </a:spcBef>
               <a:buClr>
                 <a:srgbClr val="000000"/>
               </a:buClr>
-              <a:buFont typeface="Arial"/>
-              <a:buChar char="•"/>
+              <a:buSzPct val="45000"/>
+              <a:buFont typeface="Wingdings" charset="2"/>
+              <a:buChar char=""/>
             </a:pPr>
             <a:r>
-              <a:rPr b="0" lang="vi-VN" sz="2800" spc="-1" strike="noStrike">
-                <a:solidFill>
-                  <a:srgbClr val="000000"/>
-                </a:solidFill>
-                <a:latin typeface="Calibri"/>
+              <a:rPr b="0" lang="en-US" sz="3200" spc="-1" strike="noStrike">
+                <a:latin typeface="Arial"/>
               </a:rPr>
-              <a:t>Click to edit Master text styles</a:t>
+              <a:t>Click to edit the outline text format</a:t>
             </a:r>
-            <a:endParaRPr b="0" lang="vi-VN" sz="2800" spc="-1" strike="noStrike">
-              <a:solidFill>
-                <a:srgbClr val="000000"/>
-              </a:solidFill>
-              <a:latin typeface="Calibri"/>
-            </a:endParaRPr>
-          </a:p>
-          <a:p>
-            <a:pPr lvl="1" marL="685800" indent="-228240">
-              <a:lnSpc>
-                <a:spcPct val="90000"/>
-              </a:lnSpc>
+            <a:endParaRPr b="0" lang="en-US" sz="3200" spc="-1" strike="noStrike">
+              <a:latin typeface="Arial"/>
+            </a:endParaRPr>
+          </a:p>
+          <a:p>
+            <a:pPr lvl="1" marL="864000" indent="-324000">
               <a:spcBef>
-                <a:spcPts val="499"/>
+                <a:spcPts val="1134"/>
               </a:spcBef>
               <a:buClr>
                 <a:srgbClr val="000000"/>
               </a:buClr>
-              <a:buFont typeface="Arial"/>
-              <a:buChar char="•"/>
+              <a:buSzPct val="75000"/>
+              <a:buFont typeface="Symbol" charset="2"/>
+              <a:buChar char=""/>
             </a:pPr>
             <a:r>
-              <a:rPr b="0" lang="vi-VN" sz="2400" spc="-1" strike="noStrike">
-                <a:solidFill>
-                  <a:srgbClr val="000000"/>
-                </a:solidFill>
-                <a:latin typeface="Calibri"/>
+              <a:rPr b="0" lang="en-US" sz="2800" spc="-1" strike="noStrike">
+                <a:latin typeface="Arial"/>
               </a:rPr>
-              <a:t>Second level</a:t>
+              <a:t>Second Outline Level</a:t>
             </a:r>
-            <a:endParaRPr b="0" lang="vi-VN" sz="2400" spc="-1" strike="noStrike">
-              <a:solidFill>
-                <a:srgbClr val="000000"/>
-              </a:solidFill>
-              <a:latin typeface="Calibri"/>
-            </a:endParaRPr>
-          </a:p>
-          <a:p>
-            <a:pPr lvl="2" marL="1143000" indent="-228240">
-              <a:lnSpc>
-                <a:spcPct val="90000"/>
-              </a:lnSpc>
+            <a:endParaRPr b="0" lang="en-US" sz="2800" spc="-1" strike="noStrike">
+              <a:latin typeface="Arial"/>
+            </a:endParaRPr>
+          </a:p>
+          <a:p>
+            <a:pPr lvl="2" marL="1296000" indent="-288000">
               <a:spcBef>
-                <a:spcPts val="499"/>
+                <a:spcPts val="850"/>
               </a:spcBef>
               <a:buClr>
                 <a:srgbClr val="000000"/>
               </a:buClr>
-              <a:buFont typeface="Arial"/>
-              <a:buChar char="•"/>
+              <a:buSzPct val="45000"/>
+              <a:buFont typeface="Wingdings" charset="2"/>
+              <a:buChar char=""/>
             </a:pPr>
             <a:r>
-              <a:rPr b="0" lang="vi-VN" sz="2000" spc="-1" strike="noStrike">
-                <a:solidFill>
-                  <a:srgbClr val="000000"/>
-                </a:solidFill>
-                <a:latin typeface="Calibri"/>
+              <a:rPr b="0" lang="en-US" sz="2400" spc="-1" strike="noStrike">
+                <a:latin typeface="Arial"/>
               </a:rPr>
-              <a:t>Third level</a:t>
+              <a:t>Third Outline Level</a:t>
             </a:r>
-            <a:endParaRPr b="0" lang="vi-VN" sz="2000" spc="-1" strike="noStrike">
-              <a:solidFill>
-                <a:srgbClr val="000000"/>
-              </a:solidFill>
-              <a:latin typeface="Calibri"/>
-            </a:endParaRPr>
-          </a:p>
-          <a:p>
-            <a:pPr lvl="3" marL="1600200" indent="-228240">
-              <a:lnSpc>
-                <a:spcPct val="90000"/>
-              </a:lnSpc>
+            <a:endParaRPr b="0" lang="en-US" sz="2400" spc="-1" strike="noStrike">
+              <a:latin typeface="Arial"/>
+            </a:endParaRPr>
+          </a:p>
+          <a:p>
+            <a:pPr lvl="3" marL="1728000" indent="-216000">
               <a:spcBef>
-                <a:spcPts val="499"/>
+                <a:spcPts val="567"/>
               </a:spcBef>
               <a:buClr>
                 <a:srgbClr val="000000"/>
               </a:buClr>
-              <a:buFont typeface="Arial"/>
-              <a:buChar char="•"/>
+              <a:buSzPct val="75000"/>
+              <a:buFont typeface="Symbol" charset="2"/>
+              <a:buChar char=""/>
             </a:pPr>
             <a:r>
-              <a:rPr b="0" lang="vi-VN" sz="1800" spc="-1" strike="noStrike">
-                <a:solidFill>
-                  <a:srgbClr val="000000"/>
-                </a:solidFill>
-                <a:latin typeface="Calibri"/>
+              <a:rPr b="0" lang="en-US" sz="2000" spc="-1" strike="noStrike">
+                <a:latin typeface="Arial"/>
               </a:rPr>
-              <a:t>Fourth level</a:t>
+              <a:t>Fourth Outline Level</a:t>
             </a:r>
-            <a:endParaRPr b="0" lang="vi-VN" sz="1800" spc="-1" strike="noStrike">
-              <a:solidFill>
-                <a:srgbClr val="000000"/>
-              </a:solidFill>
-              <a:latin typeface="Calibri"/>
-            </a:endParaRPr>
-          </a:p>
-          <a:p>
-            <a:pPr lvl="4" marL="2057400" indent="-228240">
-              <a:lnSpc>
-                <a:spcPct val="90000"/>
-              </a:lnSpc>
+            <a:endParaRPr b="0" lang="en-US" sz="2000" spc="-1" strike="noStrike">
+              <a:latin typeface="Arial"/>
+            </a:endParaRPr>
+          </a:p>
+          <a:p>
+            <a:pPr lvl="4" marL="2160000" indent="-216000">
               <a:spcBef>
-                <a:spcPts val="499"/>
+                <a:spcPts val="283"/>
               </a:spcBef>
               <a:buClr>
                 <a:srgbClr val="000000"/>
               </a:buClr>
-              <a:buFont typeface="Arial"/>
-              <a:buChar char="•"/>
+              <a:buSzPct val="45000"/>
+              <a:buFont typeface="Wingdings" charset="2"/>
+              <a:buChar char=""/>
             </a:pPr>
             <a:r>
-              <a:rPr b="0" lang="vi-VN" sz="1800" spc="-1" strike="noStrike">
-                <a:solidFill>
-                  <a:srgbClr val="000000"/>
-                </a:solidFill>
-                <a:latin typeface="Calibri"/>
+              <a:rPr b="0" lang="en-US" sz="2000" spc="-1" strike="noStrike">
+                <a:latin typeface="Arial"/>
               </a:rPr>
-              <a:t>Fifth level</a:t>
+              <a:t>Fifth Outline Level</a:t>
             </a:r>
-            <a:endParaRPr b="0" lang="vi-VN" sz="1800" spc="-1" strike="noStrike">
-              <a:solidFill>
+            <a:endParaRPr b="0" lang="en-US" sz="2000" spc="-1" strike="noStrike">
+              <a:latin typeface="Arial"/>
+            </a:endParaRPr>
+          </a:p>
+          <a:p>
+            <a:pPr lvl="5" marL="2592000" indent="-216000">
+              <a:spcBef>
+                <a:spcPts val="283"/>
+              </a:spcBef>
+              <a:buClr>
                 <a:srgbClr val="000000"/>
-              </a:solidFill>
-              <a:latin typeface="Calibri"/>
-            </a:endParaRPr>
-          </a:p>
-        </p:txBody>
-      </p:sp>
-      <p:sp>
-        <p:nvSpPr>
-          <p:cNvPr id="43" name="PlaceHolder 3"/>
-          <p:cNvSpPr>
-            <a:spLocks noGrp="1"/>
-          </p:cNvSpPr>
-          <p:nvPr>
-            <p:ph type="dt"/>
-          </p:nvPr>
-        </p:nvSpPr>
-        <p:spPr>
-          <a:xfrm>
-            <a:off x="681120" y="6356520"/>
-            <a:ext cx="2228400" cy="364680"/>
-          </a:xfrm>
-          <a:prstGeom prst="rect">
-            <a:avLst/>
-          </a:prstGeom>
-        </p:spPr>
-        <p:txBody>
-          <a:bodyPr anchor="ctr"/>
-          <a:p>
-            <a:pPr>
-              <a:lnSpc>
-                <a:spcPct val="100000"/>
-              </a:lnSpc>
+              </a:buClr>
+              <a:buSzPct val="45000"/>
+              <a:buFont typeface="Wingdings" charset="2"/>
+              <a:buChar char=""/>
             </a:pPr>
-            <a:fld id="{9FA8E1DE-A5D6-41DF-BA50-6B4F91CE5881}" type="datetime">
-              <a:rPr b="0" lang="en-US" sz="1200" spc="-1" strike="noStrike">
-                <a:solidFill>
-                  <a:srgbClr val="8b8b8b"/>
-                </a:solidFill>
-                <a:latin typeface="Calibri"/>
+            <a:r>
+              <a:rPr b="0" lang="en-US" sz="2000" spc="-1" strike="noStrike">
+                <a:latin typeface="Arial"/>
               </a:rPr>
-              <a:t>10/6/20</a:t>
-            </a:fld>
-            <a:endParaRPr b="0" lang="en-US" sz="1200" spc="-1" strike="noStrike">
-              <a:latin typeface="Times New Roman"/>
-            </a:endParaRPr>
-          </a:p>
-        </p:txBody>
-      </p:sp>
-      <p:sp>
-        <p:nvSpPr>
-          <p:cNvPr id="44" name="PlaceHolder 4"/>
-          <p:cNvSpPr>
-            <a:spLocks noGrp="1"/>
-          </p:cNvSpPr>
-          <p:nvPr>
-            <p:ph type="ftr"/>
-          </p:nvPr>
-        </p:nvSpPr>
-        <p:spPr>
-          <a:xfrm>
-            <a:off x="3281400" y="6356520"/>
-            <a:ext cx="3342960" cy="364680"/>
-          </a:xfrm>
-          <a:prstGeom prst="rect">
-            <a:avLst/>
-          </a:prstGeom>
-        </p:spPr>
-        <p:txBody>
-          <a:bodyPr anchor="ctr"/>
-          <a:p>
-            <a:endParaRPr b="0" lang="en-US" sz="2400" spc="-1" strike="noStrike">
-              <a:latin typeface="Times New Roman"/>
-            </a:endParaRPr>
-          </a:p>
-        </p:txBody>
-      </p:sp>
-      <p:sp>
-        <p:nvSpPr>
-          <p:cNvPr id="45" name="PlaceHolder 5"/>
-          <p:cNvSpPr>
-            <a:spLocks noGrp="1"/>
-          </p:cNvSpPr>
-          <p:nvPr>
-            <p:ph type="sldNum"/>
-          </p:nvPr>
-        </p:nvSpPr>
-        <p:spPr>
-          <a:xfrm>
-            <a:off x="6996240" y="6356520"/>
-            <a:ext cx="2228400" cy="364680"/>
-          </a:xfrm>
-          <a:prstGeom prst="rect">
-            <a:avLst/>
-          </a:prstGeom>
-        </p:spPr>
-        <p:txBody>
-          <a:bodyPr anchor="ctr"/>
-          <a:p>
-            <a:pPr algn="r">
-              <a:lnSpc>
-                <a:spcPct val="100000"/>
-              </a:lnSpc>
+              <a:t>Sixth Outline Level</a:t>
+            </a:r>
+            <a:endParaRPr b="0" lang="en-US" sz="2000" spc="-1" strike="noStrike">
+              <a:latin typeface="Arial"/>
+            </a:endParaRPr>
+          </a:p>
+          <a:p>
+            <a:pPr lvl="6" marL="3024000" indent="-216000">
+              <a:spcBef>
+                <a:spcPts val="283"/>
+              </a:spcBef>
+              <a:buClr>
+                <a:srgbClr val="000000"/>
+              </a:buClr>
+              <a:buSzPct val="45000"/>
+              <a:buFont typeface="Wingdings" charset="2"/>
+              <a:buChar char=""/>
             </a:pPr>
-            <a:fld id="{C6FA424A-4588-483E-B334-E9862DD50A94}" type="slidenum">
-              <a:rPr b="0" lang="en-US" sz="1200" spc="-1" strike="noStrike">
-                <a:solidFill>
-                  <a:srgbClr val="8b8b8b"/>
-                </a:solidFill>
-                <a:latin typeface="Calibri"/>
+            <a:r>
+              <a:rPr b="0" lang="en-US" sz="2000" spc="-1" strike="noStrike">
+                <a:latin typeface="Arial"/>
               </a:rPr>
-              <a:t>&lt;number&gt;</a:t>
-            </a:fld>
-            <a:endParaRPr b="0" lang="en-US" sz="1200" spc="-1" strike="noStrike">
-              <a:latin typeface="Times New Roman"/>
+              <a:t>Seventh Outline Level</a:t>
+            </a:r>
+            <a:endParaRPr b="0" lang="en-US" sz="2000" spc="-1" strike="noStrike">
+              <a:latin typeface="Arial"/>
             </a:endParaRPr>
           </a:p>
         </p:txBody>
@@ -3677,6 +4545,267 @@
     <p:sldLayoutId id="2147483671" r:id="rId12"/>
     <p:sldLayoutId id="2147483672" r:id="rId13"/>
     <p:sldLayoutId id="2147483673" r:id="rId14"/>
+  </p:sldLayoutIdLst>
+</p:sldMaster>
+</file>
+
+<file path=ppt/slideMasters/slideMaster3.xml><?xml version="1.0" encoding="utf-8"?>
+<p:sldMaster xmlns:a="http://schemas.openxmlformats.org/drawingml/2006/main" xmlns:p="http://schemas.openxmlformats.org/presentationml/2006/main" xmlns:r="http://schemas.openxmlformats.org/officeDocument/2006/relationships" xmlns:p14="http://schemas.microsoft.com/office/powerpoint/2010/main" xmlns:p15="http://schemas.microsoft.com/office/powerpoint/2012/main" xmlns:mc="http://schemas.openxmlformats.org/markup-compatibility/2006">
+  <p:cSld>
+    <p:bg>
+      <p:bgPr>
+        <a:blipFill rotWithShape="0">
+          <a:blip r:embed="rId2"/>
+          <a:stretch>
+            <a:fillRect/>
+          </a:stretch>
+        </a:blipFill>
+      </p:bgPr>
+    </p:bg>
+    <p:spTree>
+      <p:nvGrpSpPr>
+        <p:cNvPr id="1" name=""/>
+        <p:cNvGrpSpPr/>
+        <p:nvPr/>
+      </p:nvGrpSpPr>
+      <p:grpSpPr>
+        <a:xfrm>
+          <a:off x="0" y="0"/>
+          <a:ext cx="0" cy="0"/>
+          <a:chOff x="0" y="0"/>
+          <a:chExt cx="0" cy="0"/>
+        </a:xfrm>
+      </p:grpSpPr>
+      <p:sp>
+        <p:nvSpPr>
+          <p:cNvPr id="76" name="PlaceHolder 1"/>
+          <p:cNvSpPr>
+            <a:spLocks noGrp="1"/>
+          </p:cNvSpPr>
+          <p:nvPr>
+            <p:ph type="title"/>
+          </p:nvPr>
+        </p:nvSpPr>
+        <p:spPr>
+          <a:xfrm>
+            <a:off x="495000" y="273600"/>
+            <a:ext cx="8915040" cy="1144800"/>
+          </a:xfrm>
+          <a:prstGeom prst="rect">
+            <a:avLst/>
+          </a:prstGeom>
+        </p:spPr>
+        <p:txBody>
+          <a:bodyPr lIns="0" rIns="0" tIns="0" bIns="0" anchor="ctr"/>
+          <a:p>
+            <a:pPr algn="ctr"/>
+            <a:r>
+              <a:rPr b="0" lang="en-US" sz="4400" spc="-1" strike="noStrike">
+                <a:latin typeface="Arial"/>
+              </a:rPr>
+              <a:t>Click to edit the title text format</a:t>
+            </a:r>
+            <a:endParaRPr b="0" lang="en-US" sz="4400" spc="-1" strike="noStrike">
+              <a:latin typeface="Arial"/>
+            </a:endParaRPr>
+          </a:p>
+        </p:txBody>
+      </p:sp>
+      <p:sp>
+        <p:nvSpPr>
+          <p:cNvPr id="77" name="PlaceHolder 2"/>
+          <p:cNvSpPr>
+            <a:spLocks noGrp="1"/>
+          </p:cNvSpPr>
+          <p:nvPr>
+            <p:ph type="body"/>
+          </p:nvPr>
+        </p:nvSpPr>
+        <p:spPr>
+          <a:xfrm>
+            <a:off x="495000" y="1604520"/>
+            <a:ext cx="8915040" cy="3977280"/>
+          </a:xfrm>
+          <a:prstGeom prst="rect">
+            <a:avLst/>
+          </a:prstGeom>
+        </p:spPr>
+        <p:txBody>
+          <a:bodyPr lIns="0" rIns="0" tIns="0" bIns="0">
+            <a:normAutofit/>
+          </a:bodyPr>
+          <a:p>
+            <a:pPr marL="432000" indent="-324000">
+              <a:spcBef>
+                <a:spcPts val="1417"/>
+              </a:spcBef>
+              <a:buClr>
+                <a:srgbClr val="000000"/>
+              </a:buClr>
+              <a:buSzPct val="45000"/>
+              <a:buFont typeface="Wingdings" charset="2"/>
+              <a:buChar char=""/>
+            </a:pPr>
+            <a:r>
+              <a:rPr b="0" lang="en-US" sz="3200" spc="-1" strike="noStrike">
+                <a:latin typeface="Arial"/>
+              </a:rPr>
+              <a:t>Click to edit the outline text format</a:t>
+            </a:r>
+            <a:endParaRPr b="0" lang="en-US" sz="3200" spc="-1" strike="noStrike">
+              <a:latin typeface="Arial"/>
+            </a:endParaRPr>
+          </a:p>
+          <a:p>
+            <a:pPr lvl="1" marL="864000" indent="-324000">
+              <a:spcBef>
+                <a:spcPts val="1134"/>
+              </a:spcBef>
+              <a:buClr>
+                <a:srgbClr val="000000"/>
+              </a:buClr>
+              <a:buSzPct val="75000"/>
+              <a:buFont typeface="Symbol" charset="2"/>
+              <a:buChar char=""/>
+            </a:pPr>
+            <a:r>
+              <a:rPr b="0" lang="en-US" sz="2800" spc="-1" strike="noStrike">
+                <a:latin typeface="Arial"/>
+              </a:rPr>
+              <a:t>Second Outline Level</a:t>
+            </a:r>
+            <a:endParaRPr b="0" lang="en-US" sz="2800" spc="-1" strike="noStrike">
+              <a:latin typeface="Arial"/>
+            </a:endParaRPr>
+          </a:p>
+          <a:p>
+            <a:pPr lvl="2" marL="1296000" indent="-288000">
+              <a:spcBef>
+                <a:spcPts val="850"/>
+              </a:spcBef>
+              <a:buClr>
+                <a:srgbClr val="000000"/>
+              </a:buClr>
+              <a:buSzPct val="45000"/>
+              <a:buFont typeface="Wingdings" charset="2"/>
+              <a:buChar char=""/>
+            </a:pPr>
+            <a:r>
+              <a:rPr b="0" lang="en-US" sz="2400" spc="-1" strike="noStrike">
+                <a:latin typeface="Arial"/>
+              </a:rPr>
+              <a:t>Third Outline Level</a:t>
+            </a:r>
+            <a:endParaRPr b="0" lang="en-US" sz="2400" spc="-1" strike="noStrike">
+              <a:latin typeface="Arial"/>
+            </a:endParaRPr>
+          </a:p>
+          <a:p>
+            <a:pPr lvl="3" marL="1728000" indent="-216000">
+              <a:spcBef>
+                <a:spcPts val="567"/>
+              </a:spcBef>
+              <a:buClr>
+                <a:srgbClr val="000000"/>
+              </a:buClr>
+              <a:buSzPct val="75000"/>
+              <a:buFont typeface="Symbol" charset="2"/>
+              <a:buChar char=""/>
+            </a:pPr>
+            <a:r>
+              <a:rPr b="0" lang="en-US" sz="2000" spc="-1" strike="noStrike">
+                <a:latin typeface="Arial"/>
+              </a:rPr>
+              <a:t>Fourth Outline Level</a:t>
+            </a:r>
+            <a:endParaRPr b="0" lang="en-US" sz="2000" spc="-1" strike="noStrike">
+              <a:latin typeface="Arial"/>
+            </a:endParaRPr>
+          </a:p>
+          <a:p>
+            <a:pPr lvl="4" marL="2160000" indent="-216000">
+              <a:spcBef>
+                <a:spcPts val="283"/>
+              </a:spcBef>
+              <a:buClr>
+                <a:srgbClr val="000000"/>
+              </a:buClr>
+              <a:buSzPct val="45000"/>
+              <a:buFont typeface="Wingdings" charset="2"/>
+              <a:buChar char=""/>
+            </a:pPr>
+            <a:r>
+              <a:rPr b="0" lang="en-US" sz="2000" spc="-1" strike="noStrike">
+                <a:latin typeface="Arial"/>
+              </a:rPr>
+              <a:t>Fifth Outline Level</a:t>
+            </a:r>
+            <a:endParaRPr b="0" lang="en-US" sz="2000" spc="-1" strike="noStrike">
+              <a:latin typeface="Arial"/>
+            </a:endParaRPr>
+          </a:p>
+          <a:p>
+            <a:pPr lvl="5" marL="2592000" indent="-216000">
+              <a:spcBef>
+                <a:spcPts val="283"/>
+              </a:spcBef>
+              <a:buClr>
+                <a:srgbClr val="000000"/>
+              </a:buClr>
+              <a:buSzPct val="45000"/>
+              <a:buFont typeface="Wingdings" charset="2"/>
+              <a:buChar char=""/>
+            </a:pPr>
+            <a:r>
+              <a:rPr b="0" lang="en-US" sz="2000" spc="-1" strike="noStrike">
+                <a:latin typeface="Arial"/>
+              </a:rPr>
+              <a:t>Sixth Outline Level</a:t>
+            </a:r>
+            <a:endParaRPr b="0" lang="en-US" sz="2000" spc="-1" strike="noStrike">
+              <a:latin typeface="Arial"/>
+            </a:endParaRPr>
+          </a:p>
+          <a:p>
+            <a:pPr lvl="6" marL="3024000" indent="-216000">
+              <a:spcBef>
+                <a:spcPts val="283"/>
+              </a:spcBef>
+              <a:buClr>
+                <a:srgbClr val="000000"/>
+              </a:buClr>
+              <a:buSzPct val="45000"/>
+              <a:buFont typeface="Wingdings" charset="2"/>
+              <a:buChar char=""/>
+            </a:pPr>
+            <a:r>
+              <a:rPr b="0" lang="en-US" sz="2000" spc="-1" strike="noStrike">
+                <a:latin typeface="Arial"/>
+              </a:rPr>
+              <a:t>Seventh Outline Level</a:t>
+            </a:r>
+            <a:endParaRPr b="0" lang="en-US" sz="2000" spc="-1" strike="noStrike">
+              <a:latin typeface="Arial"/>
+            </a:endParaRPr>
+          </a:p>
+        </p:txBody>
+      </p:sp>
+    </p:spTree>
+  </p:cSld>
+  <p:clrMap bg1="lt1" bg2="lt2" tx1="dk1" tx2="dk2" accent1="accent1" accent2="accent2" accent3="accent3" accent4="accent4" accent5="accent5" accent6="accent6" hlink="hlink" folHlink="folHlink"/>
+  <p:sldLayoutIdLst>
+    <p:sldLayoutId id="2147483675" r:id="rId3"/>
+    <p:sldLayoutId id="2147483676" r:id="rId4"/>
+    <p:sldLayoutId id="2147483677" r:id="rId5"/>
+    <p:sldLayoutId id="2147483678" r:id="rId6"/>
+    <p:sldLayoutId id="2147483679" r:id="rId7"/>
+    <p:sldLayoutId id="2147483680" r:id="rId8"/>
+    <p:sldLayoutId id="2147483681" r:id="rId9"/>
+    <p:sldLayoutId id="2147483682" r:id="rId10"/>
+    <p:sldLayoutId id="2147483683" r:id="rId11"/>
+    <p:sldLayoutId id="2147483684" r:id="rId12"/>
+    <p:sldLayoutId id="2147483685" r:id="rId13"/>
+    <p:sldLayoutId id="2147483686" r:id="rId14"/>
   </p:sldLayoutIdLst>
 </p:sldMaster>
 </file>
@@ -3710,14 +4839,14 @@
       </p:grpSpPr>
       <p:sp>
         <p:nvSpPr>
-          <p:cNvPr id="82" name="TextShape 1"/>
-          <p:cNvSpPr txBox="1"/>
+          <p:cNvPr id="114" name="CustomShape 1"/>
+          <p:cNvSpPr/>
           <p:nvPr/>
         </p:nvSpPr>
         <p:spPr>
           <a:xfrm>
             <a:off x="1219320" y="3829680"/>
-            <a:ext cx="8255160" cy="2387160"/>
+            <a:ext cx="8254800" cy="2386800"/>
           </a:xfrm>
           <a:prstGeom prst="rect">
             <a:avLst/>
@@ -3727,8 +4856,14 @@
             <a:noFill/>
           </a:ln>
         </p:spPr>
-        <p:txBody>
-          <a:bodyPr anchor="b">
+        <p:style>
+          <a:lnRef idx="0"/>
+          <a:fillRef idx="0"/>
+          <a:effectRef idx="0"/>
+          <a:fontRef idx="minor"/>
+        </p:style>
+        <p:txBody>
+          <a:bodyPr lIns="90000" rIns="90000" tIns="45000" bIns="45000" anchor="b">
             <a:normAutofit/>
           </a:bodyPr>
           <a:p>
@@ -3738,7 +4873,7 @@
               </a:lnSpc>
             </a:pPr>
             <a:r>
-              <a:rPr b="1" lang="vi-VN" sz="4400" spc="-1" strike="noStrike">
+              <a:rPr b="1" lang="en-US" sz="4400" spc="-1" strike="noStrike">
                 <a:solidFill>
                   <a:srgbClr val="ffffff"/>
                 </a:solidFill>
@@ -3746,25 +4881,22 @@
               </a:rPr>
               <a:t>TRÌNH BÀY PHƯƠNG ÁN TEMPLATE PPT 2</a:t>
             </a:r>
-            <a:endParaRPr b="0" lang="vi-VN" sz="4400" spc="-1" strike="noStrike">
-              <a:solidFill>
-                <a:srgbClr val="000000"/>
-              </a:solidFill>
-              <a:latin typeface="Calibri"/>
-            </a:endParaRPr>
-          </a:p>
-        </p:txBody>
-      </p:sp>
-      <p:sp>
-        <p:nvSpPr>
-          <p:cNvPr id="83" name="CustomShape 2"/>
+            <a:endParaRPr b="0" lang="en-US" sz="4400" spc="-1" strike="noStrike">
+              <a:latin typeface="Arial"/>
+            </a:endParaRPr>
+          </a:p>
+        </p:txBody>
+      </p:sp>
+      <p:sp>
+        <p:nvSpPr>
+          <p:cNvPr id="115" name="CustomShape 2"/>
           <p:cNvSpPr/>
           <p:nvPr/>
         </p:nvSpPr>
         <p:spPr>
           <a:xfrm>
             <a:off x="1090080" y="304920"/>
-            <a:ext cx="4853160" cy="577080"/>
+            <a:ext cx="4852800" cy="576720"/>
           </a:xfrm>
           <a:prstGeom prst="rect">
             <a:avLst/>
@@ -3794,6 +4926,7 @@
                   <a:srgbClr val="2f5597"/>
                 </a:solidFill>
                 <a:latin typeface="Calibri"/>
+                <a:ea typeface="DejaVu Sans"/>
               </a:rPr>
               <a:t>TRƯỜNG ĐẠI HỌC GIAO THÔNG VẬN TẢI</a:t>
             </a:r>
@@ -3813,6 +4946,7 @@
                   <a:srgbClr val="2f5597"/>
                 </a:solidFill>
                 <a:latin typeface="Calibri"/>
+                <a:ea typeface="DejaVu Sans"/>
               </a:rPr>
               <a:t>THÀNH PHỐ HỒ CHÍ MINH</a:t>
             </a:r>
@@ -3824,7 +4958,7 @@
       </p:sp>
       <p:pic>
         <p:nvPicPr>
-          <p:cNvPr id="84" name="Picture 3" descr=""/>
+          <p:cNvPr id="116" name="Picture 3" descr=""/>
           <p:cNvPicPr/>
           <p:nvPr/>
         </p:nvPicPr>
@@ -3835,7 +4969,7 @@
         <p:spPr>
           <a:xfrm>
             <a:off x="327960" y="174960"/>
-            <a:ext cx="621360" cy="843840"/>
+            <a:ext cx="621000" cy="843480"/>
           </a:xfrm>
           <a:prstGeom prst="rect">
             <a:avLst/>
@@ -3896,14 +5030,14 @@
       </p:grpSpPr>
       <p:sp>
         <p:nvSpPr>
-          <p:cNvPr id="100" name="TextShape 1"/>
-          <p:cNvSpPr txBox="1"/>
+          <p:cNvPr id="140" name="CustomShape 1"/>
+          <p:cNvSpPr/>
           <p:nvPr/>
         </p:nvSpPr>
         <p:spPr>
           <a:xfrm>
             <a:off x="2025720" y="-190800"/>
-            <a:ext cx="8543520" cy="1325160"/>
+            <a:ext cx="8543160" cy="1324800"/>
           </a:xfrm>
           <a:prstGeom prst="rect">
             <a:avLst/>
@@ -3913,8 +5047,14 @@
             <a:noFill/>
           </a:ln>
         </p:spPr>
-        <p:txBody>
-          <a:bodyPr anchor="ctr">
+        <p:style>
+          <a:lnRef idx="0"/>
+          <a:fillRef idx="0"/>
+          <a:effectRef idx="0"/>
+          <a:fontRef idx="minor"/>
+        </p:style>
+        <p:txBody>
+          <a:bodyPr lIns="90000" rIns="90000" tIns="45000" bIns="45000" anchor="ctr">
             <a:normAutofit/>
           </a:bodyPr>
           <a:p>
@@ -3924,7 +5064,7 @@
               </a:lnSpc>
             </a:pPr>
             <a:r>
-              <a:rPr b="1" lang="vi-VN" sz="3600" spc="-1" strike="noStrike">
+              <a:rPr b="1" lang="en-US" sz="3600" spc="-1" strike="noStrike">
                 <a:solidFill>
                   <a:srgbClr val="ffffff"/>
                 </a:solidFill>
@@ -3932,18 +5072,15 @@
               </a:rPr>
               <a:t>PHƯƠNG ÁN 2</a:t>
             </a:r>
-            <a:endParaRPr b="0" lang="vi-VN" sz="3600" spc="-1" strike="noStrike">
-              <a:solidFill>
-                <a:srgbClr val="000000"/>
-              </a:solidFill>
-              <a:latin typeface="Calibri"/>
+            <a:endParaRPr b="0" lang="en-US" sz="3600" spc="-1" strike="noStrike">
+              <a:latin typeface="Arial"/>
             </a:endParaRPr>
           </a:p>
         </p:txBody>
       </p:sp>
       <p:pic>
         <p:nvPicPr>
-          <p:cNvPr id="101" name="Content Placeholder 2" descr=""/>
+          <p:cNvPr id="141" name="Content Placeholder 2" descr=""/>
           <p:cNvPicPr/>
           <p:nvPr/>
         </p:nvPicPr>
@@ -3954,7 +5091,7 @@
         <p:spPr>
           <a:xfrm>
             <a:off x="304920" y="95760"/>
-            <a:ext cx="550800" cy="748080"/>
+            <a:ext cx="550440" cy="747720"/>
           </a:xfrm>
           <a:prstGeom prst="rect">
             <a:avLst/>
@@ -4015,14 +5152,14 @@
       </p:grpSpPr>
       <p:sp>
         <p:nvSpPr>
-          <p:cNvPr id="102" name="TextShape 1"/>
-          <p:cNvSpPr txBox="1"/>
+          <p:cNvPr id="142" name="CustomShape 1"/>
+          <p:cNvSpPr/>
           <p:nvPr/>
         </p:nvSpPr>
         <p:spPr>
           <a:xfrm>
             <a:off x="2025720" y="-190800"/>
-            <a:ext cx="8543520" cy="1325160"/>
+            <a:ext cx="8543160" cy="1324800"/>
           </a:xfrm>
           <a:prstGeom prst="rect">
             <a:avLst/>
@@ -4032,8 +5169,14 @@
             <a:noFill/>
           </a:ln>
         </p:spPr>
-        <p:txBody>
-          <a:bodyPr anchor="ctr">
+        <p:style>
+          <a:lnRef idx="0"/>
+          <a:fillRef idx="0"/>
+          <a:effectRef idx="0"/>
+          <a:fontRef idx="minor"/>
+        </p:style>
+        <p:txBody>
+          <a:bodyPr lIns="90000" rIns="90000" tIns="45000" bIns="45000" anchor="ctr">
             <a:normAutofit/>
           </a:bodyPr>
           <a:p>
@@ -4043,7 +5186,7 @@
               </a:lnSpc>
             </a:pPr>
             <a:r>
-              <a:rPr b="1" lang="vi-VN" sz="3600" spc="-1" strike="noStrike">
+              <a:rPr b="1" lang="en-US" sz="3600" spc="-1" strike="noStrike">
                 <a:solidFill>
                   <a:srgbClr val="ffffff"/>
                 </a:solidFill>
@@ -4051,18 +5194,15 @@
               </a:rPr>
               <a:t>PHƯƠNG ÁN 2</a:t>
             </a:r>
-            <a:endParaRPr b="0" lang="vi-VN" sz="3600" spc="-1" strike="noStrike">
-              <a:solidFill>
-                <a:srgbClr val="000000"/>
-              </a:solidFill>
-              <a:latin typeface="Calibri"/>
+            <a:endParaRPr b="0" lang="en-US" sz="3600" spc="-1" strike="noStrike">
+              <a:latin typeface="Arial"/>
             </a:endParaRPr>
           </a:p>
         </p:txBody>
       </p:sp>
       <p:pic>
         <p:nvPicPr>
-          <p:cNvPr id="103" name="Content Placeholder 2" descr=""/>
+          <p:cNvPr id="143" name="Content Placeholder 2" descr=""/>
           <p:cNvPicPr/>
           <p:nvPr/>
         </p:nvPicPr>
@@ -4073,7 +5213,7 @@
         <p:spPr>
           <a:xfrm>
             <a:off x="304920" y="95760"/>
-            <a:ext cx="550800" cy="748080"/>
+            <a:ext cx="550440" cy="747720"/>
           </a:xfrm>
           <a:prstGeom prst="rect">
             <a:avLst/>
@@ -4134,14 +5274,14 @@
       </p:grpSpPr>
       <p:sp>
         <p:nvSpPr>
-          <p:cNvPr id="104" name="TextShape 1"/>
-          <p:cNvSpPr txBox="1"/>
+          <p:cNvPr id="144" name="CustomShape 1"/>
+          <p:cNvSpPr/>
           <p:nvPr/>
         </p:nvSpPr>
         <p:spPr>
           <a:xfrm>
             <a:off x="2025720" y="-190800"/>
-            <a:ext cx="8543520" cy="1325160"/>
+            <a:ext cx="8543160" cy="1324800"/>
           </a:xfrm>
           <a:prstGeom prst="rect">
             <a:avLst/>
@@ -4151,8 +5291,14 @@
             <a:noFill/>
           </a:ln>
         </p:spPr>
-        <p:txBody>
-          <a:bodyPr anchor="ctr">
+        <p:style>
+          <a:lnRef idx="0"/>
+          <a:fillRef idx="0"/>
+          <a:effectRef idx="0"/>
+          <a:fontRef idx="minor"/>
+        </p:style>
+        <p:txBody>
+          <a:bodyPr lIns="90000" rIns="90000" tIns="45000" bIns="45000" anchor="ctr">
             <a:normAutofit/>
           </a:bodyPr>
           <a:p>
@@ -4162,7 +5308,7 @@
               </a:lnSpc>
             </a:pPr>
             <a:r>
-              <a:rPr b="1" lang="vi-VN" sz="3600" spc="-1" strike="noStrike">
+              <a:rPr b="1" lang="en-US" sz="3600" spc="-1" strike="noStrike">
                 <a:solidFill>
                   <a:srgbClr val="ffffff"/>
                 </a:solidFill>
@@ -4170,18 +5316,15 @@
               </a:rPr>
               <a:t>PHƯƠNG ÁN 2</a:t>
             </a:r>
-            <a:endParaRPr b="0" lang="vi-VN" sz="3600" spc="-1" strike="noStrike">
-              <a:solidFill>
-                <a:srgbClr val="000000"/>
-              </a:solidFill>
-              <a:latin typeface="Calibri"/>
+            <a:endParaRPr b="0" lang="en-US" sz="3600" spc="-1" strike="noStrike">
+              <a:latin typeface="Arial"/>
             </a:endParaRPr>
           </a:p>
         </p:txBody>
       </p:sp>
       <p:pic>
         <p:nvPicPr>
-          <p:cNvPr id="105" name="Content Placeholder 2" descr=""/>
+          <p:cNvPr id="145" name="Content Placeholder 2" descr=""/>
           <p:cNvPicPr/>
           <p:nvPr/>
         </p:nvPicPr>
@@ -4192,7 +5335,7 @@
         <p:spPr>
           <a:xfrm>
             <a:off x="304920" y="95760"/>
-            <a:ext cx="550800" cy="748080"/>
+            <a:ext cx="550440" cy="747720"/>
           </a:xfrm>
           <a:prstGeom prst="rect">
             <a:avLst/>
@@ -4253,14 +5396,14 @@
       </p:grpSpPr>
       <p:sp>
         <p:nvSpPr>
-          <p:cNvPr id="106" name="TextShape 1"/>
-          <p:cNvSpPr txBox="1"/>
+          <p:cNvPr id="146" name="CustomShape 1"/>
+          <p:cNvSpPr/>
           <p:nvPr/>
         </p:nvSpPr>
         <p:spPr>
           <a:xfrm>
             <a:off x="2025720" y="-190800"/>
-            <a:ext cx="8543520" cy="1325160"/>
+            <a:ext cx="8543160" cy="1324800"/>
           </a:xfrm>
           <a:prstGeom prst="rect">
             <a:avLst/>
@@ -4270,8 +5413,14 @@
             <a:noFill/>
           </a:ln>
         </p:spPr>
-        <p:txBody>
-          <a:bodyPr anchor="ctr">
+        <p:style>
+          <a:lnRef idx="0"/>
+          <a:fillRef idx="0"/>
+          <a:effectRef idx="0"/>
+          <a:fontRef idx="minor"/>
+        </p:style>
+        <p:txBody>
+          <a:bodyPr lIns="90000" rIns="90000" tIns="45000" bIns="45000" anchor="ctr">
             <a:normAutofit/>
           </a:bodyPr>
           <a:p>
@@ -4281,7 +5430,7 @@
               </a:lnSpc>
             </a:pPr>
             <a:r>
-              <a:rPr b="1" lang="vi-VN" sz="3600" spc="-1" strike="noStrike">
+              <a:rPr b="1" lang="en-US" sz="3600" spc="-1" strike="noStrike">
                 <a:solidFill>
                   <a:srgbClr val="ffffff"/>
                 </a:solidFill>
@@ -4289,18 +5438,15 @@
               </a:rPr>
               <a:t>PHƯƠNG ÁN 2</a:t>
             </a:r>
-            <a:endParaRPr b="0" lang="vi-VN" sz="3600" spc="-1" strike="noStrike">
-              <a:solidFill>
-                <a:srgbClr val="000000"/>
-              </a:solidFill>
-              <a:latin typeface="Calibri"/>
+            <a:endParaRPr b="0" lang="en-US" sz="3600" spc="-1" strike="noStrike">
+              <a:latin typeface="Arial"/>
             </a:endParaRPr>
           </a:p>
         </p:txBody>
       </p:sp>
       <p:pic>
         <p:nvPicPr>
-          <p:cNvPr id="107" name="Content Placeholder 2" descr=""/>
+          <p:cNvPr id="147" name="Content Placeholder 2" descr=""/>
           <p:cNvPicPr/>
           <p:nvPr/>
         </p:nvPicPr>
@@ -4311,7 +5457,7 @@
         <p:spPr>
           <a:xfrm>
             <a:off x="304920" y="95760"/>
-            <a:ext cx="550800" cy="748080"/>
+            <a:ext cx="550440" cy="747720"/>
           </a:xfrm>
           <a:prstGeom prst="rect">
             <a:avLst/>
@@ -4372,14 +5518,14 @@
       </p:grpSpPr>
       <p:sp>
         <p:nvSpPr>
-          <p:cNvPr id="108" name="TextShape 1"/>
-          <p:cNvSpPr txBox="1"/>
+          <p:cNvPr id="148" name="CustomShape 1"/>
+          <p:cNvSpPr/>
           <p:nvPr/>
         </p:nvSpPr>
         <p:spPr>
           <a:xfrm>
             <a:off x="2025720" y="-190800"/>
-            <a:ext cx="8543520" cy="1325160"/>
+            <a:ext cx="8543160" cy="1324800"/>
           </a:xfrm>
           <a:prstGeom prst="rect">
             <a:avLst/>
@@ -4389,8 +5535,14 @@
             <a:noFill/>
           </a:ln>
         </p:spPr>
-        <p:txBody>
-          <a:bodyPr anchor="ctr">
+        <p:style>
+          <a:lnRef idx="0"/>
+          <a:fillRef idx="0"/>
+          <a:effectRef idx="0"/>
+          <a:fontRef idx="minor"/>
+        </p:style>
+        <p:txBody>
+          <a:bodyPr lIns="90000" rIns="90000" tIns="45000" bIns="45000" anchor="ctr">
             <a:normAutofit/>
           </a:bodyPr>
           <a:p>
@@ -4400,7 +5552,7 @@
               </a:lnSpc>
             </a:pPr>
             <a:r>
-              <a:rPr b="1" lang="vi-VN" sz="3600" spc="-1" strike="noStrike">
+              <a:rPr b="1" lang="en-US" sz="3600" spc="-1" strike="noStrike">
                 <a:solidFill>
                   <a:srgbClr val="ffffff"/>
                 </a:solidFill>
@@ -4408,18 +5560,15 @@
               </a:rPr>
               <a:t>PHƯƠNG ÁN 2</a:t>
             </a:r>
-            <a:endParaRPr b="0" lang="vi-VN" sz="3600" spc="-1" strike="noStrike">
-              <a:solidFill>
-                <a:srgbClr val="000000"/>
-              </a:solidFill>
-              <a:latin typeface="Calibri"/>
+            <a:endParaRPr b="0" lang="en-US" sz="3600" spc="-1" strike="noStrike">
+              <a:latin typeface="Arial"/>
             </a:endParaRPr>
           </a:p>
         </p:txBody>
       </p:sp>
       <p:pic>
         <p:nvPicPr>
-          <p:cNvPr id="109" name="Content Placeholder 2" descr=""/>
+          <p:cNvPr id="149" name="Content Placeholder 2" descr=""/>
           <p:cNvPicPr/>
           <p:nvPr/>
         </p:nvPicPr>
@@ -4430,7 +5579,7 @@
         <p:spPr>
           <a:xfrm>
             <a:off x="304920" y="95760"/>
-            <a:ext cx="550800" cy="748080"/>
+            <a:ext cx="550440" cy="747720"/>
           </a:xfrm>
           <a:prstGeom prst="rect">
             <a:avLst/>
@@ -4491,14 +5640,14 @@
       </p:grpSpPr>
       <p:sp>
         <p:nvSpPr>
-          <p:cNvPr id="110" name="TextShape 1"/>
-          <p:cNvSpPr txBox="1"/>
+          <p:cNvPr id="150" name="CustomShape 1"/>
+          <p:cNvSpPr/>
           <p:nvPr/>
         </p:nvSpPr>
         <p:spPr>
           <a:xfrm>
             <a:off x="2025720" y="-190800"/>
-            <a:ext cx="8543520" cy="1325160"/>
+            <a:ext cx="8543160" cy="1324800"/>
           </a:xfrm>
           <a:prstGeom prst="rect">
             <a:avLst/>
@@ -4508,8 +5657,14 @@
             <a:noFill/>
           </a:ln>
         </p:spPr>
-        <p:txBody>
-          <a:bodyPr anchor="ctr">
+        <p:style>
+          <a:lnRef idx="0"/>
+          <a:fillRef idx="0"/>
+          <a:effectRef idx="0"/>
+          <a:fontRef idx="minor"/>
+        </p:style>
+        <p:txBody>
+          <a:bodyPr lIns="90000" rIns="90000" tIns="45000" bIns="45000" anchor="ctr">
             <a:normAutofit/>
           </a:bodyPr>
           <a:p>
@@ -4519,7 +5674,7 @@
               </a:lnSpc>
             </a:pPr>
             <a:r>
-              <a:rPr b="1" lang="vi-VN" sz="3600" spc="-1" strike="noStrike">
+              <a:rPr b="1" lang="en-US" sz="3600" spc="-1" strike="noStrike">
                 <a:solidFill>
                   <a:srgbClr val="ffffff"/>
                 </a:solidFill>
@@ -4527,18 +5682,15 @@
               </a:rPr>
               <a:t>PHƯƠNG ÁN 2</a:t>
             </a:r>
-            <a:endParaRPr b="0" lang="vi-VN" sz="3600" spc="-1" strike="noStrike">
-              <a:solidFill>
-                <a:srgbClr val="000000"/>
-              </a:solidFill>
-              <a:latin typeface="Calibri"/>
+            <a:endParaRPr b="0" lang="en-US" sz="3600" spc="-1" strike="noStrike">
+              <a:latin typeface="Arial"/>
             </a:endParaRPr>
           </a:p>
         </p:txBody>
       </p:sp>
       <p:pic>
         <p:nvPicPr>
-          <p:cNvPr id="111" name="Content Placeholder 2" descr=""/>
+          <p:cNvPr id="151" name="Content Placeholder 2" descr=""/>
           <p:cNvPicPr/>
           <p:nvPr/>
         </p:nvPicPr>
@@ -4549,7 +5701,7 @@
         <p:spPr>
           <a:xfrm>
             <a:off x="304920" y="95760"/>
-            <a:ext cx="550800" cy="748080"/>
+            <a:ext cx="550440" cy="747720"/>
           </a:xfrm>
           <a:prstGeom prst="rect">
             <a:avLst/>
@@ -4610,14 +5762,14 @@
       </p:grpSpPr>
       <p:sp>
         <p:nvSpPr>
-          <p:cNvPr id="112" name="TextShape 1"/>
-          <p:cNvSpPr txBox="1"/>
+          <p:cNvPr id="152" name="CustomShape 1"/>
+          <p:cNvSpPr/>
           <p:nvPr/>
         </p:nvSpPr>
         <p:spPr>
           <a:xfrm>
             <a:off x="2025720" y="-190800"/>
-            <a:ext cx="8543520" cy="1325160"/>
+            <a:ext cx="8543160" cy="1324800"/>
           </a:xfrm>
           <a:prstGeom prst="rect">
             <a:avLst/>
@@ -4627,8 +5779,14 @@
             <a:noFill/>
           </a:ln>
         </p:spPr>
-        <p:txBody>
-          <a:bodyPr anchor="ctr">
+        <p:style>
+          <a:lnRef idx="0"/>
+          <a:fillRef idx="0"/>
+          <a:effectRef idx="0"/>
+          <a:fontRef idx="minor"/>
+        </p:style>
+        <p:txBody>
+          <a:bodyPr lIns="90000" rIns="90000" tIns="45000" bIns="45000" anchor="ctr">
             <a:normAutofit/>
           </a:bodyPr>
           <a:p>
@@ -4638,7 +5796,7 @@
               </a:lnSpc>
             </a:pPr>
             <a:r>
-              <a:rPr b="1" lang="vi-VN" sz="3600" spc="-1" strike="noStrike">
+              <a:rPr b="1" lang="en-US" sz="3600" spc="-1" strike="noStrike">
                 <a:solidFill>
                   <a:srgbClr val="ffffff"/>
                 </a:solidFill>
@@ -4646,18 +5804,15 @@
               </a:rPr>
               <a:t>PHƯƠNG ÁN 2</a:t>
             </a:r>
-            <a:endParaRPr b="0" lang="vi-VN" sz="3600" spc="-1" strike="noStrike">
-              <a:solidFill>
-                <a:srgbClr val="000000"/>
-              </a:solidFill>
-              <a:latin typeface="Calibri"/>
+            <a:endParaRPr b="0" lang="en-US" sz="3600" spc="-1" strike="noStrike">
+              <a:latin typeface="Arial"/>
             </a:endParaRPr>
           </a:p>
         </p:txBody>
       </p:sp>
       <p:pic>
         <p:nvPicPr>
-          <p:cNvPr id="113" name="Content Placeholder 2" descr=""/>
+          <p:cNvPr id="153" name="Content Placeholder 2" descr=""/>
           <p:cNvPicPr/>
           <p:nvPr/>
         </p:nvPicPr>
@@ -4668,7 +5823,7 @@
         <p:spPr>
           <a:xfrm>
             <a:off x="304920" y="95760"/>
-            <a:ext cx="550800" cy="748080"/>
+            <a:ext cx="550440" cy="747720"/>
           </a:xfrm>
           <a:prstGeom prst="rect">
             <a:avLst/>
@@ -4729,14 +5884,14 @@
       </p:grpSpPr>
       <p:sp>
         <p:nvSpPr>
-          <p:cNvPr id="114" name="TextShape 1"/>
-          <p:cNvSpPr txBox="1"/>
+          <p:cNvPr id="154" name="CustomShape 1"/>
+          <p:cNvSpPr/>
           <p:nvPr/>
         </p:nvSpPr>
         <p:spPr>
           <a:xfrm>
             <a:off x="2025720" y="-190800"/>
-            <a:ext cx="8543520" cy="1325160"/>
+            <a:ext cx="8543160" cy="1324800"/>
           </a:xfrm>
           <a:prstGeom prst="rect">
             <a:avLst/>
@@ -4746,8 +5901,14 @@
             <a:noFill/>
           </a:ln>
         </p:spPr>
-        <p:txBody>
-          <a:bodyPr anchor="ctr">
+        <p:style>
+          <a:lnRef idx="0"/>
+          <a:fillRef idx="0"/>
+          <a:effectRef idx="0"/>
+          <a:fontRef idx="minor"/>
+        </p:style>
+        <p:txBody>
+          <a:bodyPr lIns="90000" rIns="90000" tIns="45000" bIns="45000" anchor="ctr">
             <a:normAutofit/>
           </a:bodyPr>
           <a:p>
@@ -4757,7 +5918,7 @@
               </a:lnSpc>
             </a:pPr>
             <a:r>
-              <a:rPr b="1" lang="vi-VN" sz="3600" spc="-1" strike="noStrike">
+              <a:rPr b="1" lang="en-US" sz="3600" spc="-1" strike="noStrike">
                 <a:solidFill>
                   <a:srgbClr val="ffffff"/>
                 </a:solidFill>
@@ -4765,18 +5926,15 @@
               </a:rPr>
               <a:t>PHƯƠNG ÁN 2</a:t>
             </a:r>
-            <a:endParaRPr b="0" lang="vi-VN" sz="3600" spc="-1" strike="noStrike">
-              <a:solidFill>
-                <a:srgbClr val="000000"/>
-              </a:solidFill>
-              <a:latin typeface="Calibri"/>
+            <a:endParaRPr b="0" lang="en-US" sz="3600" spc="-1" strike="noStrike">
+              <a:latin typeface="Arial"/>
             </a:endParaRPr>
           </a:p>
         </p:txBody>
       </p:sp>
       <p:pic>
         <p:nvPicPr>
-          <p:cNvPr id="115" name="Content Placeholder 2" descr=""/>
+          <p:cNvPr id="155" name="Content Placeholder 2" descr=""/>
           <p:cNvPicPr/>
           <p:nvPr/>
         </p:nvPicPr>
@@ -4787,7 +5945,7 @@
         <p:spPr>
           <a:xfrm>
             <a:off x="304920" y="95760"/>
-            <a:ext cx="550800" cy="748080"/>
+            <a:ext cx="550440" cy="747720"/>
           </a:xfrm>
           <a:prstGeom prst="rect">
             <a:avLst/>
@@ -4848,14 +6006,14 @@
       </p:grpSpPr>
       <p:sp>
         <p:nvSpPr>
-          <p:cNvPr id="116" name="TextShape 1"/>
-          <p:cNvSpPr txBox="1"/>
+          <p:cNvPr id="156" name="CustomShape 1"/>
+          <p:cNvSpPr/>
           <p:nvPr/>
         </p:nvSpPr>
         <p:spPr>
           <a:xfrm>
             <a:off x="2025720" y="-190800"/>
-            <a:ext cx="8543520" cy="1325160"/>
+            <a:ext cx="8543160" cy="1324800"/>
           </a:xfrm>
           <a:prstGeom prst="rect">
             <a:avLst/>
@@ -4865,8 +6023,14 @@
             <a:noFill/>
           </a:ln>
         </p:spPr>
-        <p:txBody>
-          <a:bodyPr anchor="ctr">
+        <p:style>
+          <a:lnRef idx="0"/>
+          <a:fillRef idx="0"/>
+          <a:effectRef idx="0"/>
+          <a:fontRef idx="minor"/>
+        </p:style>
+        <p:txBody>
+          <a:bodyPr lIns="90000" rIns="90000" tIns="45000" bIns="45000" anchor="ctr">
             <a:normAutofit/>
           </a:bodyPr>
           <a:p>
@@ -4876,7 +6040,7 @@
               </a:lnSpc>
             </a:pPr>
             <a:r>
-              <a:rPr b="1" lang="vi-VN" sz="3600" spc="-1" strike="noStrike">
+              <a:rPr b="1" lang="en-US" sz="3600" spc="-1" strike="noStrike">
                 <a:solidFill>
                   <a:srgbClr val="ffffff"/>
                 </a:solidFill>
@@ -4884,18 +6048,15 @@
               </a:rPr>
               <a:t>PHƯƠNG ÁN 2</a:t>
             </a:r>
-            <a:endParaRPr b="0" lang="vi-VN" sz="3600" spc="-1" strike="noStrike">
-              <a:solidFill>
-                <a:srgbClr val="000000"/>
-              </a:solidFill>
-              <a:latin typeface="Calibri"/>
+            <a:endParaRPr b="0" lang="en-US" sz="3600" spc="-1" strike="noStrike">
+              <a:latin typeface="Arial"/>
             </a:endParaRPr>
           </a:p>
         </p:txBody>
       </p:sp>
       <p:pic>
         <p:nvPicPr>
-          <p:cNvPr id="117" name="Content Placeholder 2" descr=""/>
+          <p:cNvPr id="157" name="Content Placeholder 2" descr=""/>
           <p:cNvPicPr/>
           <p:nvPr/>
         </p:nvPicPr>
@@ -4906,7 +6067,7 @@
         <p:spPr>
           <a:xfrm>
             <a:off x="304920" y="95760"/>
-            <a:ext cx="550800" cy="748080"/>
+            <a:ext cx="550440" cy="747720"/>
           </a:xfrm>
           <a:prstGeom prst="rect">
             <a:avLst/>
@@ -4977,14 +6138,14 @@
       </p:grpSpPr>
       <p:sp>
         <p:nvSpPr>
-          <p:cNvPr id="118" name="CustomShape 1"/>
+          <p:cNvPr id="158" name="CustomShape 1"/>
           <p:cNvSpPr/>
           <p:nvPr/>
         </p:nvSpPr>
         <p:spPr>
           <a:xfrm>
             <a:off x="5427720" y="5404320"/>
-            <a:ext cx="3774600" cy="699840"/>
+            <a:ext cx="3774240" cy="699480"/>
           </a:xfrm>
           <a:prstGeom prst="rect">
             <a:avLst/>
@@ -5014,6 +6175,7 @@
                   <a:srgbClr val="ffffff"/>
                 </a:solidFill>
                 <a:latin typeface="Arial Black"/>
+                <a:ea typeface="DejaVu Sans"/>
               </a:rPr>
               <a:t>THANK YOU</a:t>
             </a:r>
@@ -5074,14 +6236,14 @@
       </p:grpSpPr>
       <p:sp>
         <p:nvSpPr>
-          <p:cNvPr id="85" name="TextShape 1"/>
-          <p:cNvSpPr txBox="1"/>
+          <p:cNvPr id="117" name="CustomShape 1"/>
+          <p:cNvSpPr/>
           <p:nvPr/>
         </p:nvSpPr>
         <p:spPr>
           <a:xfrm>
             <a:off x="2025720" y="-190800"/>
-            <a:ext cx="8543520" cy="1325160"/>
+            <a:ext cx="8543160" cy="1324800"/>
           </a:xfrm>
           <a:prstGeom prst="rect">
             <a:avLst/>
@@ -5091,8 +6253,14 @@
             <a:noFill/>
           </a:ln>
         </p:spPr>
-        <p:txBody>
-          <a:bodyPr anchor="ctr">
+        <p:style>
+          <a:lnRef idx="0"/>
+          <a:fillRef idx="0"/>
+          <a:effectRef idx="0"/>
+          <a:fontRef idx="minor"/>
+        </p:style>
+        <p:txBody>
+          <a:bodyPr lIns="90000" rIns="90000" tIns="45000" bIns="45000" anchor="ctr">
             <a:normAutofit/>
           </a:bodyPr>
           <a:p>
@@ -5102,7 +6270,7 @@
               </a:lnSpc>
             </a:pPr>
             <a:r>
-              <a:rPr b="1" lang="vi-VN" sz="3600" spc="-1" strike="noStrike">
+              <a:rPr b="1" lang="en-US" sz="3600" spc="-1" strike="noStrike">
                 <a:solidFill>
                   <a:srgbClr val="ffffff"/>
                 </a:solidFill>
@@ -5110,18 +6278,15 @@
               </a:rPr>
               <a:t>NỘI DUNG</a:t>
             </a:r>
-            <a:endParaRPr b="0" lang="vi-VN" sz="3600" spc="-1" strike="noStrike">
-              <a:solidFill>
-                <a:srgbClr val="000000"/>
-              </a:solidFill>
-              <a:latin typeface="Calibri"/>
+            <a:endParaRPr b="0" lang="en-US" sz="3600" spc="-1" strike="noStrike">
+              <a:latin typeface="Arial"/>
             </a:endParaRPr>
           </a:p>
         </p:txBody>
       </p:sp>
       <p:pic>
         <p:nvPicPr>
-          <p:cNvPr id="86" name="Content Placeholder 2" descr=""/>
+          <p:cNvPr id="118" name="Content Placeholder 2" descr=""/>
           <p:cNvPicPr/>
           <p:nvPr/>
         </p:nvPicPr>
@@ -5132,7 +6297,7 @@
         <p:spPr>
           <a:xfrm>
             <a:off x="304920" y="95760"/>
-            <a:ext cx="550800" cy="748080"/>
+            <a:ext cx="550440" cy="747720"/>
           </a:xfrm>
           <a:prstGeom prst="rect">
             <a:avLst/>
@@ -5144,14 +6309,14 @@
       </p:pic>
       <p:sp>
         <p:nvSpPr>
-          <p:cNvPr id="87" name="TextShape 2"/>
-          <p:cNvSpPr txBox="1"/>
+          <p:cNvPr id="119" name="CustomShape 2"/>
+          <p:cNvSpPr/>
           <p:nvPr/>
         </p:nvSpPr>
         <p:spPr>
           <a:xfrm>
             <a:off x="406800" y="1097280"/>
-            <a:ext cx="9011520" cy="5411880"/>
+            <a:ext cx="9011160" cy="5411520"/>
           </a:xfrm>
           <a:prstGeom prst="rect">
             <a:avLst/>
@@ -5161,10 +6326,19 @@
             <a:noFill/>
           </a:ln>
         </p:spPr>
+        <p:style>
+          <a:lnRef idx="0"/>
+          <a:fillRef idx="0"/>
+          <a:effectRef idx="0"/>
+          <a:fontRef idx="minor"/>
+        </p:style>
         <p:txBody>
           <a:bodyPr lIns="0" rIns="0" tIns="0" bIns="0" anchor="ctr"/>
           <a:p>
-            <a:pPr marL="216000" indent="-216000">
+            <a:pPr marL="216000" indent="-215640">
+              <a:lnSpc>
+                <a:spcPct val="100000"/>
+              </a:lnSpc>
               <a:buClr>
                 <a:srgbClr val="000000"/>
               </a:buClr>
@@ -5188,7 +6362,10 @@
             </a:endParaRPr>
           </a:p>
           <a:p>
-            <a:pPr marL="216000" indent="-216000">
+            <a:pPr marL="216000" indent="-215640">
+              <a:lnSpc>
+                <a:spcPct val="100000"/>
+              </a:lnSpc>
               <a:buClr>
                 <a:srgbClr val="000000"/>
               </a:buClr>
@@ -5212,7 +6389,10 @@
             </a:endParaRPr>
           </a:p>
           <a:p>
-            <a:pPr marL="216000" indent="-216000">
+            <a:pPr marL="216000" indent="-215640">
+              <a:lnSpc>
+                <a:spcPct val="100000"/>
+              </a:lnSpc>
               <a:buClr>
                 <a:srgbClr val="000000"/>
               </a:buClr>
@@ -5230,7 +6410,10 @@
             </a:endParaRPr>
           </a:p>
           <a:p>
-            <a:pPr lvl="1" marL="432000" indent="-216000">
+            <a:pPr lvl="1" marL="432000" indent="-215640">
+              <a:lnSpc>
+                <a:spcPct val="100000"/>
+              </a:lnSpc>
               <a:buClr>
                 <a:srgbClr val="000000"/>
               </a:buClr>
@@ -5248,7 +6431,10 @@
             </a:endParaRPr>
           </a:p>
           <a:p>
-            <a:pPr lvl="1" marL="432000" indent="-216000">
+            <a:pPr lvl="1" marL="432000" indent="-215640">
+              <a:lnSpc>
+                <a:spcPct val="100000"/>
+              </a:lnSpc>
               <a:buClr>
                 <a:srgbClr val="000000"/>
               </a:buClr>
@@ -5266,7 +6452,10 @@
             </a:endParaRPr>
           </a:p>
           <a:p>
-            <a:pPr marL="216000" indent="-216000">
+            <a:pPr marL="216000" indent="-215640">
+              <a:lnSpc>
+                <a:spcPct val="100000"/>
+              </a:lnSpc>
               <a:buClr>
                 <a:srgbClr val="000000"/>
               </a:buClr>
@@ -5284,7 +6473,10 @@
             </a:endParaRPr>
           </a:p>
           <a:p>
-            <a:pPr marL="216000" indent="-216000">
+            <a:pPr marL="216000" indent="-215640">
+              <a:lnSpc>
+                <a:spcPct val="100000"/>
+              </a:lnSpc>
               <a:buClr>
                 <a:srgbClr val="000000"/>
               </a:buClr>
@@ -5354,14 +6546,14 @@
       </p:grpSpPr>
       <p:sp>
         <p:nvSpPr>
-          <p:cNvPr id="88" name="TextShape 1"/>
-          <p:cNvSpPr txBox="1"/>
+          <p:cNvPr id="120" name="CustomShape 1"/>
+          <p:cNvSpPr/>
           <p:nvPr/>
         </p:nvSpPr>
         <p:spPr>
           <a:xfrm>
             <a:off x="2025720" y="-190800"/>
-            <a:ext cx="8543520" cy="1325160"/>
+            <a:ext cx="8543160" cy="1324800"/>
           </a:xfrm>
           <a:prstGeom prst="rect">
             <a:avLst/>
@@ -5371,8 +6563,14 @@
             <a:noFill/>
           </a:ln>
         </p:spPr>
-        <p:txBody>
-          <a:bodyPr anchor="ctr">
+        <p:style>
+          <a:lnRef idx="0"/>
+          <a:fillRef idx="0"/>
+          <a:effectRef idx="0"/>
+          <a:fontRef idx="minor"/>
+        </p:style>
+        <p:txBody>
+          <a:bodyPr lIns="90000" rIns="90000" tIns="45000" bIns="45000" anchor="ctr">
             <a:normAutofit/>
           </a:bodyPr>
           <a:p>
@@ -5382,7 +6580,7 @@
               </a:lnSpc>
             </a:pPr>
             <a:r>
-              <a:rPr b="1" lang="vi-VN" sz="3600" spc="-1" strike="noStrike">
+              <a:rPr b="1" lang="en-US" sz="3600" spc="-1" strike="noStrike">
                 <a:solidFill>
                   <a:srgbClr val="ffffff"/>
                 </a:solidFill>
@@ -5390,18 +6588,15 @@
               </a:rPr>
               <a:t>I. LÝ DO CHỌN ĐỀ TÀI</a:t>
             </a:r>
-            <a:endParaRPr b="0" lang="vi-VN" sz="3600" spc="-1" strike="noStrike">
-              <a:solidFill>
-                <a:srgbClr val="000000"/>
-              </a:solidFill>
-              <a:latin typeface="Calibri"/>
+            <a:endParaRPr b="0" lang="en-US" sz="3600" spc="-1" strike="noStrike">
+              <a:latin typeface="Arial"/>
             </a:endParaRPr>
           </a:p>
         </p:txBody>
       </p:sp>
       <p:pic>
         <p:nvPicPr>
-          <p:cNvPr id="89" name="Content Placeholder 2" descr=""/>
+          <p:cNvPr id="121" name="Content Placeholder 2" descr=""/>
           <p:cNvPicPr/>
           <p:nvPr/>
         </p:nvPicPr>
@@ -5412,7 +6607,7 @@
         <p:spPr>
           <a:xfrm>
             <a:off x="304920" y="95760"/>
-            <a:ext cx="550800" cy="748080"/>
+            <a:ext cx="550440" cy="747720"/>
           </a:xfrm>
           <a:prstGeom prst="rect">
             <a:avLst/>
@@ -5422,6 +6617,206 @@
           </a:ln>
         </p:spPr>
       </p:pic>
+      <p:sp>
+        <p:nvSpPr>
+          <p:cNvPr id="122" name="TextShape 2"/>
+          <p:cNvSpPr txBox="1"/>
+          <p:nvPr/>
+        </p:nvSpPr>
+        <p:spPr>
+          <a:xfrm>
+            <a:off x="2106720" y="2019240"/>
+            <a:ext cx="1916640" cy="1272600"/>
+          </a:xfrm>
+          <a:prstGeom prst="rect">
+            <a:avLst/>
+          </a:prstGeom>
+          <a:noFill/>
+          <a:ln>
+            <a:noFill/>
+          </a:ln>
+        </p:spPr>
+      </p:sp>
+      <p:sp>
+        <p:nvSpPr>
+          <p:cNvPr id="123" name="TextShape 3"/>
+          <p:cNvSpPr txBox="1"/>
+          <p:nvPr/>
+        </p:nvSpPr>
+        <p:spPr>
+          <a:xfrm>
+            <a:off x="3749040" y="3297960"/>
+            <a:ext cx="180720" cy="232560"/>
+          </a:xfrm>
+          <a:prstGeom prst="rect">
+            <a:avLst/>
+          </a:prstGeom>
+          <a:noFill/>
+          <a:ln>
+            <a:noFill/>
+          </a:ln>
+        </p:spPr>
+      </p:sp>
+      <p:pic>
+        <p:nvPicPr>
+          <p:cNvPr id="124" name="" descr=""/>
+          <p:cNvPicPr/>
+          <p:nvPr/>
+        </p:nvPicPr>
+        <p:blipFill>
+          <a:blip r:embed="rId2"/>
+          <a:stretch/>
+        </p:blipFill>
+        <p:spPr>
+          <a:xfrm>
+            <a:off x="2286000" y="2194560"/>
+            <a:ext cx="5577840" cy="3495960"/>
+          </a:xfrm>
+          <a:prstGeom prst="rect">
+            <a:avLst/>
+          </a:prstGeom>
+          <a:ln>
+            <a:noFill/>
+          </a:ln>
+        </p:spPr>
+      </p:pic>
+      <p:pic>
+        <p:nvPicPr>
+          <p:cNvPr id="125" name="" descr=""/>
+          <p:cNvPicPr/>
+          <p:nvPr/>
+        </p:nvPicPr>
+        <p:blipFill>
+          <a:blip r:embed="rId3"/>
+          <a:stretch/>
+        </p:blipFill>
+        <p:spPr>
+          <a:xfrm>
+            <a:off x="365760" y="1352160"/>
+            <a:ext cx="3828960" cy="2305440"/>
+          </a:xfrm>
+          <a:prstGeom prst="rect">
+            <a:avLst/>
+          </a:prstGeom>
+          <a:ln>
+            <a:noFill/>
+          </a:ln>
+        </p:spPr>
+      </p:pic>
+      <p:pic>
+        <p:nvPicPr>
+          <p:cNvPr id="126" name="" descr=""/>
+          <p:cNvPicPr/>
+          <p:nvPr/>
+        </p:nvPicPr>
+        <p:blipFill>
+          <a:blip r:embed="rId4"/>
+          <a:stretch/>
+        </p:blipFill>
+        <p:spPr>
+          <a:xfrm>
+            <a:off x="6035040" y="1372680"/>
+            <a:ext cx="3539160" cy="2376360"/>
+          </a:xfrm>
+          <a:prstGeom prst="rect">
+            <a:avLst/>
+          </a:prstGeom>
+          <a:ln>
+            <a:noFill/>
+          </a:ln>
+        </p:spPr>
+      </p:pic>
+      <p:pic>
+        <p:nvPicPr>
+          <p:cNvPr id="127" name="" descr=""/>
+          <p:cNvPicPr/>
+          <p:nvPr/>
+        </p:nvPicPr>
+        <p:blipFill>
+          <a:blip r:embed="rId5"/>
+          <a:stretch/>
+        </p:blipFill>
+        <p:spPr>
+          <a:xfrm>
+            <a:off x="365760" y="3985200"/>
+            <a:ext cx="3840480" cy="2415600"/>
+          </a:xfrm>
+          <a:prstGeom prst="rect">
+            <a:avLst/>
+          </a:prstGeom>
+          <a:ln>
+            <a:noFill/>
+          </a:ln>
+        </p:spPr>
+      </p:pic>
+      <p:pic>
+        <p:nvPicPr>
+          <p:cNvPr id="128" name="" descr=""/>
+          <p:cNvPicPr/>
+          <p:nvPr/>
+        </p:nvPicPr>
+        <p:blipFill>
+          <a:blip r:embed="rId6"/>
+          <a:stretch/>
+        </p:blipFill>
+        <p:spPr>
+          <a:xfrm>
+            <a:off x="5848200" y="4023360"/>
+            <a:ext cx="3661560" cy="2331360"/>
+          </a:xfrm>
+          <a:prstGeom prst="rect">
+            <a:avLst/>
+          </a:prstGeom>
+          <a:ln>
+            <a:noFill/>
+          </a:ln>
+        </p:spPr>
+      </p:pic>
+      <p:sp>
+        <p:nvSpPr>
+          <p:cNvPr id="129" name="CustomShape 4"/>
+          <p:cNvSpPr/>
+          <p:nvPr/>
+        </p:nvSpPr>
+        <p:spPr>
+          <a:xfrm rot="12600">
+            <a:off x="2615400" y="2296080"/>
+            <a:ext cx="4937760" cy="3116160"/>
+          </a:xfrm>
+          <a:prstGeom prst="ellipse">
+            <a:avLst/>
+          </a:prstGeom>
+          <a:solidFill>
+            <a:srgbClr val="729fcf"/>
+          </a:solidFill>
+          <a:ln>
+            <a:solidFill>
+              <a:srgbClr val="3465a4"/>
+            </a:solidFill>
+          </a:ln>
+        </p:spPr>
+        <p:style>
+          <a:lnRef idx="0"/>
+          <a:fillRef idx="0"/>
+          <a:effectRef idx="0"/>
+          <a:fontRef idx="minor"/>
+        </p:style>
+        <p:txBody>
+          <a:bodyPr wrap="none" lIns="90000" rIns="90000" tIns="45000" bIns="45000" anchor="ctr"/>
+          <a:p>
+            <a:pPr algn="ctr"/>
+            <a:r>
+              <a:rPr b="0" lang="en-US" sz="1800" spc="-1" strike="noStrike">
+                <a:latin typeface="Arial"/>
+              </a:rPr>
+              <a:t>TÍCH HỢP IOT VÀO QUẢN LÝ PHÒNG TRỌ</a:t>
+            </a:r>
+            <a:endParaRPr b="0" lang="en-US" sz="1800" spc="-1" strike="noStrike">
+              <a:latin typeface="Arial"/>
+            </a:endParaRPr>
+          </a:p>
+        </p:txBody>
+      </p:sp>
     </p:spTree>
   </p:cSld>
   <p:timing>
@@ -5473,14 +6868,14 @@
       </p:grpSpPr>
       <p:sp>
         <p:nvSpPr>
-          <p:cNvPr id="90" name="TextShape 1"/>
-          <p:cNvSpPr txBox="1"/>
+          <p:cNvPr id="130" name="CustomShape 1"/>
+          <p:cNvSpPr/>
           <p:nvPr/>
         </p:nvSpPr>
         <p:spPr>
           <a:xfrm>
             <a:off x="681120" y="365040"/>
-            <a:ext cx="8543520" cy="1325160"/>
+            <a:ext cx="8543160" cy="1324800"/>
           </a:xfrm>
           <a:prstGeom prst="rect">
             <a:avLst/>
@@ -5490,17 +6885,12 @@
             <a:noFill/>
           </a:ln>
         </p:spPr>
-        <p:txBody>
-          <a:bodyPr lIns="0" rIns="0" tIns="0" bIns="0" anchor="ctr"/>
-          <a:p>
-            <a:endParaRPr b="0" lang="vi-VN" sz="1800" spc="-1" strike="noStrike">
-              <a:solidFill>
-                <a:srgbClr val="000000"/>
-              </a:solidFill>
-              <a:latin typeface="Calibri"/>
-            </a:endParaRPr>
-          </a:p>
-        </p:txBody>
+        <p:style>
+          <a:lnRef idx="0"/>
+          <a:fillRef idx="0"/>
+          <a:effectRef idx="0"/>
+          <a:fontRef idx="minor"/>
+        </p:style>
       </p:sp>
     </p:spTree>
   </p:cSld>
@@ -5553,14 +6943,14 @@
       </p:grpSpPr>
       <p:sp>
         <p:nvSpPr>
-          <p:cNvPr id="91" name="TextShape 1"/>
-          <p:cNvSpPr txBox="1"/>
+          <p:cNvPr id="131" name="CustomShape 1"/>
+          <p:cNvSpPr/>
           <p:nvPr/>
         </p:nvSpPr>
         <p:spPr>
           <a:xfrm>
             <a:off x="2025720" y="-190800"/>
-            <a:ext cx="8543520" cy="1325160"/>
+            <a:ext cx="8543160" cy="1324800"/>
           </a:xfrm>
           <a:prstGeom prst="rect">
             <a:avLst/>
@@ -5570,8 +6960,14 @@
             <a:noFill/>
           </a:ln>
         </p:spPr>
-        <p:txBody>
-          <a:bodyPr anchor="ctr">
+        <p:style>
+          <a:lnRef idx="0"/>
+          <a:fillRef idx="0"/>
+          <a:effectRef idx="0"/>
+          <a:fontRef idx="minor"/>
+        </p:style>
+        <p:txBody>
+          <a:bodyPr lIns="90000" rIns="90000" tIns="45000" bIns="45000" anchor="ctr">
             <a:normAutofit/>
           </a:bodyPr>
           <a:p>
@@ -5581,7 +6977,7 @@
               </a:lnSpc>
             </a:pPr>
             <a:r>
-              <a:rPr b="1" lang="vi-VN" sz="3600" spc="-1" strike="noStrike">
+              <a:rPr b="1" lang="en-US" sz="3600" spc="-1" strike="noStrike">
                 <a:solidFill>
                   <a:srgbClr val="ffffff"/>
                 </a:solidFill>
@@ -5589,18 +6985,15 @@
               </a:rPr>
               <a:t>PHƯƠNG ÁN 2</a:t>
             </a:r>
-            <a:endParaRPr b="0" lang="vi-VN" sz="3600" spc="-1" strike="noStrike">
-              <a:solidFill>
-                <a:srgbClr val="000000"/>
-              </a:solidFill>
-              <a:latin typeface="Calibri"/>
+            <a:endParaRPr b="0" lang="en-US" sz="3600" spc="-1" strike="noStrike">
+              <a:latin typeface="Arial"/>
             </a:endParaRPr>
           </a:p>
         </p:txBody>
       </p:sp>
       <p:pic>
         <p:nvPicPr>
-          <p:cNvPr id="92" name="Content Placeholder 2" descr=""/>
+          <p:cNvPr id="132" name="Content Placeholder 2" descr=""/>
           <p:cNvPicPr/>
           <p:nvPr/>
         </p:nvPicPr>
@@ -5611,7 +7004,7 @@
         <p:spPr>
           <a:xfrm>
             <a:off x="304920" y="95760"/>
-            <a:ext cx="550800" cy="748080"/>
+            <a:ext cx="550440" cy="747720"/>
           </a:xfrm>
           <a:prstGeom prst="rect">
             <a:avLst/>
@@ -5672,14 +7065,14 @@
       </p:grpSpPr>
       <p:sp>
         <p:nvSpPr>
-          <p:cNvPr id="93" name="TextShape 1"/>
-          <p:cNvSpPr txBox="1"/>
+          <p:cNvPr id="133" name="CustomShape 1"/>
+          <p:cNvSpPr/>
           <p:nvPr/>
         </p:nvSpPr>
         <p:spPr>
           <a:xfrm>
             <a:off x="681120" y="365040"/>
-            <a:ext cx="8543520" cy="1325160"/>
+            <a:ext cx="8543160" cy="1324800"/>
           </a:xfrm>
           <a:prstGeom prst="rect">
             <a:avLst/>
@@ -5689,17 +7082,12 @@
             <a:noFill/>
           </a:ln>
         </p:spPr>
-        <p:txBody>
-          <a:bodyPr lIns="0" rIns="0" tIns="0" bIns="0" anchor="ctr"/>
-          <a:p>
-            <a:endParaRPr b="0" lang="vi-VN" sz="1800" spc="-1" strike="noStrike">
-              <a:solidFill>
-                <a:srgbClr val="000000"/>
-              </a:solidFill>
-              <a:latin typeface="Calibri"/>
-            </a:endParaRPr>
-          </a:p>
-        </p:txBody>
+        <p:style>
+          <a:lnRef idx="0"/>
+          <a:fillRef idx="0"/>
+          <a:effectRef idx="0"/>
+          <a:fontRef idx="minor"/>
+        </p:style>
       </p:sp>
     </p:spTree>
   </p:cSld>
@@ -5752,14 +7140,14 @@
       </p:grpSpPr>
       <p:sp>
         <p:nvSpPr>
-          <p:cNvPr id="94" name="TextShape 1"/>
-          <p:cNvSpPr txBox="1"/>
+          <p:cNvPr id="134" name="CustomShape 1"/>
+          <p:cNvSpPr/>
           <p:nvPr/>
         </p:nvSpPr>
         <p:spPr>
           <a:xfrm>
             <a:off x="2025720" y="-190800"/>
-            <a:ext cx="8543520" cy="1325160"/>
+            <a:ext cx="8543160" cy="1324800"/>
           </a:xfrm>
           <a:prstGeom prst="rect">
             <a:avLst/>
@@ -5769,8 +7157,14 @@
             <a:noFill/>
           </a:ln>
         </p:spPr>
-        <p:txBody>
-          <a:bodyPr anchor="ctr">
+        <p:style>
+          <a:lnRef idx="0"/>
+          <a:fillRef idx="0"/>
+          <a:effectRef idx="0"/>
+          <a:fontRef idx="minor"/>
+        </p:style>
+        <p:txBody>
+          <a:bodyPr lIns="90000" rIns="90000" tIns="45000" bIns="45000" anchor="ctr">
             <a:normAutofit/>
           </a:bodyPr>
           <a:p>
@@ -5780,7 +7174,7 @@
               </a:lnSpc>
             </a:pPr>
             <a:r>
-              <a:rPr b="1" lang="vi-VN" sz="3600" spc="-1" strike="noStrike">
+              <a:rPr b="1" lang="en-US" sz="3600" spc="-1" strike="noStrike">
                 <a:solidFill>
                   <a:srgbClr val="ffffff"/>
                 </a:solidFill>
@@ -5788,18 +7182,15 @@
               </a:rPr>
               <a:t>PHƯƠNG ÁN 2</a:t>
             </a:r>
-            <a:endParaRPr b="0" lang="vi-VN" sz="3600" spc="-1" strike="noStrike">
-              <a:solidFill>
-                <a:srgbClr val="000000"/>
-              </a:solidFill>
-              <a:latin typeface="Calibri"/>
+            <a:endParaRPr b="0" lang="en-US" sz="3600" spc="-1" strike="noStrike">
+              <a:latin typeface="Arial"/>
             </a:endParaRPr>
           </a:p>
         </p:txBody>
       </p:sp>
       <p:pic>
         <p:nvPicPr>
-          <p:cNvPr id="95" name="Content Placeholder 2" descr=""/>
+          <p:cNvPr id="135" name="Content Placeholder 2" descr=""/>
           <p:cNvPicPr/>
           <p:nvPr/>
         </p:nvPicPr>
@@ -5810,7 +7201,7 @@
         <p:spPr>
           <a:xfrm>
             <a:off x="304920" y="95760"/>
-            <a:ext cx="550800" cy="748080"/>
+            <a:ext cx="550440" cy="747720"/>
           </a:xfrm>
           <a:prstGeom prst="rect">
             <a:avLst/>
@@ -5871,14 +7262,14 @@
       </p:grpSpPr>
       <p:sp>
         <p:nvSpPr>
-          <p:cNvPr id="96" name="TextShape 1"/>
-          <p:cNvSpPr txBox="1"/>
+          <p:cNvPr id="136" name="CustomShape 1"/>
+          <p:cNvSpPr/>
           <p:nvPr/>
         </p:nvSpPr>
         <p:spPr>
           <a:xfrm>
             <a:off x="2025720" y="-190800"/>
-            <a:ext cx="8543520" cy="1325160"/>
+            <a:ext cx="8543160" cy="1324800"/>
           </a:xfrm>
           <a:prstGeom prst="rect">
             <a:avLst/>
@@ -5888,8 +7279,14 @@
             <a:noFill/>
           </a:ln>
         </p:spPr>
-        <p:txBody>
-          <a:bodyPr anchor="ctr">
+        <p:style>
+          <a:lnRef idx="0"/>
+          <a:fillRef idx="0"/>
+          <a:effectRef idx="0"/>
+          <a:fontRef idx="minor"/>
+        </p:style>
+        <p:txBody>
+          <a:bodyPr lIns="90000" rIns="90000" tIns="45000" bIns="45000" anchor="ctr">
             <a:normAutofit/>
           </a:bodyPr>
           <a:p>
@@ -5899,7 +7296,7 @@
               </a:lnSpc>
             </a:pPr>
             <a:r>
-              <a:rPr b="1" lang="vi-VN" sz="3600" spc="-1" strike="noStrike">
+              <a:rPr b="1" lang="en-US" sz="3600" spc="-1" strike="noStrike">
                 <a:solidFill>
                   <a:srgbClr val="ffffff"/>
                 </a:solidFill>
@@ -5907,18 +7304,15 @@
               </a:rPr>
               <a:t>PHƯƠNG ÁN 2</a:t>
             </a:r>
-            <a:endParaRPr b="0" lang="vi-VN" sz="3600" spc="-1" strike="noStrike">
-              <a:solidFill>
-                <a:srgbClr val="000000"/>
-              </a:solidFill>
-              <a:latin typeface="Calibri"/>
+            <a:endParaRPr b="0" lang="en-US" sz="3600" spc="-1" strike="noStrike">
+              <a:latin typeface="Arial"/>
             </a:endParaRPr>
           </a:p>
         </p:txBody>
       </p:sp>
       <p:pic>
         <p:nvPicPr>
-          <p:cNvPr id="97" name="Content Placeholder 2" descr=""/>
+          <p:cNvPr id="137" name="Content Placeholder 2" descr=""/>
           <p:cNvPicPr/>
           <p:nvPr/>
         </p:nvPicPr>
@@ -5929,7 +7323,7 @@
         <p:spPr>
           <a:xfrm>
             <a:off x="304920" y="95760"/>
-            <a:ext cx="550800" cy="748080"/>
+            <a:ext cx="550440" cy="747720"/>
           </a:xfrm>
           <a:prstGeom prst="rect">
             <a:avLst/>
@@ -5990,14 +7384,14 @@
       </p:grpSpPr>
       <p:sp>
         <p:nvSpPr>
-          <p:cNvPr id="98" name="TextShape 1"/>
-          <p:cNvSpPr txBox="1"/>
+          <p:cNvPr id="138" name="CustomShape 1"/>
+          <p:cNvSpPr/>
           <p:nvPr/>
         </p:nvSpPr>
         <p:spPr>
           <a:xfrm>
             <a:off x="2025720" y="-190800"/>
-            <a:ext cx="8543520" cy="1325160"/>
+            <a:ext cx="8543160" cy="1324800"/>
           </a:xfrm>
           <a:prstGeom prst="rect">
             <a:avLst/>
@@ -6007,8 +7401,14 @@
             <a:noFill/>
           </a:ln>
         </p:spPr>
-        <p:txBody>
-          <a:bodyPr anchor="ctr">
+        <p:style>
+          <a:lnRef idx="0"/>
+          <a:fillRef idx="0"/>
+          <a:effectRef idx="0"/>
+          <a:fontRef idx="minor"/>
+        </p:style>
+        <p:txBody>
+          <a:bodyPr lIns="90000" rIns="90000" tIns="45000" bIns="45000" anchor="ctr">
             <a:normAutofit/>
           </a:bodyPr>
           <a:p>
@@ -6018,7 +7418,7 @@
               </a:lnSpc>
             </a:pPr>
             <a:r>
-              <a:rPr b="1" lang="vi-VN" sz="3600" spc="-1" strike="noStrike">
+              <a:rPr b="1" lang="en-US" sz="3600" spc="-1" strike="noStrike">
                 <a:solidFill>
                   <a:srgbClr val="ffffff"/>
                 </a:solidFill>
@@ -6026,18 +7426,15 @@
               </a:rPr>
               <a:t>PHƯƠNG ÁN 2</a:t>
             </a:r>
-            <a:endParaRPr b="0" lang="vi-VN" sz="3600" spc="-1" strike="noStrike">
-              <a:solidFill>
-                <a:srgbClr val="000000"/>
-              </a:solidFill>
-              <a:latin typeface="Calibri"/>
+            <a:endParaRPr b="0" lang="en-US" sz="3600" spc="-1" strike="noStrike">
+              <a:latin typeface="Arial"/>
             </a:endParaRPr>
           </a:p>
         </p:txBody>
       </p:sp>
       <p:pic>
         <p:nvPicPr>
-          <p:cNvPr id="99" name="Content Placeholder 2" descr=""/>
+          <p:cNvPr id="139" name="Content Placeholder 2" descr=""/>
           <p:cNvPicPr/>
           <p:nvPr/>
         </p:nvPicPr>
@@ -6048,7 +7445,7 @@
         <p:spPr>
           <a:xfrm>
             <a:off x="304920" y="95760"/>
-            <a:ext cx="550800" cy="748080"/>
+            <a:ext cx="550440" cy="747720"/>
           </a:xfrm>
           <a:prstGeom prst="rect">
             <a:avLst/>
@@ -6534,4 +7931,227 @@
     </a:fmtScheme>
   </a:themeElements>
 </a:theme>
+</file>
+
+<file path=ppt/theme/theme3.xml><?xml version="1.0" encoding="utf-8"?>
+<a:theme xmlns:a="http://schemas.openxmlformats.org/drawingml/2006/main" name="Office Theme">
+  <a:themeElements>
+    <a:clrScheme name="Office">
+      <a:dk1>
+        <a:sysClr val="windowText" lastClr="000000"/>
+      </a:dk1>
+      <a:lt1>
+        <a:sysClr val="window" lastClr="FFFFFF"/>
+      </a:lt1>
+      <a:dk2>
+        <a:srgbClr val="44546a"/>
+      </a:dk2>
+      <a:lt2>
+        <a:srgbClr val="e7e6e6"/>
+      </a:lt2>
+      <a:accent1>
+        <a:srgbClr val="5b9bd5"/>
+      </a:accent1>
+      <a:accent2>
+        <a:srgbClr val="ed7d31"/>
+      </a:accent2>
+      <a:accent3>
+        <a:srgbClr val="a5a5a5"/>
+      </a:accent3>
+      <a:accent4>
+        <a:srgbClr val="ffc000"/>
+      </a:accent4>
+      <a:accent5>
+        <a:srgbClr val="4472c4"/>
+      </a:accent5>
+      <a:accent6>
+        <a:srgbClr val="70ad47"/>
+      </a:accent6>
+      <a:hlink>
+        <a:srgbClr val="0563c1"/>
+      </a:hlink>
+      <a:folHlink>
+        <a:srgbClr val="954f72"/>
+      </a:folHlink>
+    </a:clrScheme>
+    <a:fontScheme name="Office">
+      <a:majorFont>
+        <a:latin typeface="Arial"/>
+        <a:ea typeface="DejaVu Sans"/>
+        <a:cs typeface="DejaVu Sans"/>
+      </a:majorFont>
+      <a:minorFont>
+        <a:latin typeface="Arial"/>
+        <a:ea typeface="DejaVu Sans"/>
+        <a:cs typeface="DejaVu Sans"/>
+      </a:minorFont>
+    </a:fontScheme>
+    <a:fmtScheme name="Office">
+      <a:fillStyleLst>
+        <a:solidFill>
+          <a:schemeClr val="phClr"/>
+        </a:solidFill>
+        <a:gradFill rotWithShape="1">
+          <a:gsLst>
+            <a:gs pos="0">
+              <a:schemeClr val="phClr">
+                <a:tint val="50000"/>
+                <a:satMod val="300000"/>
+              </a:schemeClr>
+            </a:gs>
+            <a:gs pos="35000">
+              <a:schemeClr val="phClr">
+                <a:tint val="37000"/>
+                <a:satMod val="300000"/>
+              </a:schemeClr>
+            </a:gs>
+            <a:gs pos="100000">
+              <a:schemeClr val="phClr">
+                <a:tint val="15000"/>
+                <a:satMod val="350000"/>
+              </a:schemeClr>
+            </a:gs>
+          </a:gsLst>
+          <a:lin ang="16200000" scaled="1"/>
+        </a:gradFill>
+        <a:gradFill rotWithShape="1">
+          <a:gsLst>
+            <a:gs pos="0">
+              <a:schemeClr val="phClr">
+                <a:shade val="51000"/>
+                <a:satMod val="130000"/>
+              </a:schemeClr>
+            </a:gs>
+            <a:gs pos="80000">
+              <a:schemeClr val="phClr">
+                <a:shade val="93000"/>
+                <a:satMod val="130000"/>
+              </a:schemeClr>
+            </a:gs>
+            <a:gs pos="100000">
+              <a:schemeClr val="phClr">
+                <a:shade val="94000"/>
+                <a:satMod val="135000"/>
+              </a:schemeClr>
+            </a:gs>
+          </a:gsLst>
+          <a:lin ang="16200000" scaled="0"/>
+        </a:gradFill>
+      </a:fillStyleLst>
+      <a:lnStyleLst>
+        <a:ln w="9525" cap="flat" cmpd="sng" algn="ctr">
+          <a:solidFill>
+            <a:schemeClr val="phClr">
+              <a:shade val="95000"/>
+              <a:satMod val="105000"/>
+            </a:schemeClr>
+          </a:solidFill>
+          <a:prstDash val="solid"/>
+        </a:ln>
+        <a:ln w="25400" cap="flat" cmpd="sng" algn="ctr">
+          <a:solidFill>
+            <a:schemeClr val="phClr"/>
+          </a:solidFill>
+          <a:prstDash val="solid"/>
+        </a:ln>
+        <a:ln w="38100" cap="flat" cmpd="sng" algn="ctr">
+          <a:solidFill>
+            <a:schemeClr val="phClr"/>
+          </a:solidFill>
+          <a:prstDash val="solid"/>
+        </a:ln>
+      </a:lnStyleLst>
+      <a:effectStyleLst>
+        <a:effectStyle>
+          <a:effectLst>
+            <a:outerShdw blurRad="40000" dist="20000" dir="5400000" rotWithShape="0">
+              <a:srgbClr val="000000">
+                <a:alpha val="38000"/>
+              </a:srgbClr>
+            </a:outerShdw>
+          </a:effectLst>
+        </a:effectStyle>
+        <a:effectStyle>
+          <a:effectLst>
+            <a:outerShdw blurRad="40000" dist="23000" dir="5400000" rotWithShape="0">
+              <a:srgbClr val="000000">
+                <a:alpha val="35000"/>
+              </a:srgbClr>
+            </a:outerShdw>
+          </a:effectLst>
+        </a:effectStyle>
+        <a:effectStyle>
+          <a:effectLst>
+            <a:outerShdw blurRad="40000" dist="23000" dir="5400000" rotWithShape="0">
+              <a:srgbClr val="000000">
+                <a:alpha val="35000"/>
+              </a:srgbClr>
+            </a:outerShdw>
+          </a:effectLst>
+          <a:scene3d>
+            <a:camera prst="orthographicFront">
+              <a:rot lat="0" lon="0" rev="0"/>
+            </a:camera>
+            <a:lightRig rig="threePt" dir="t">
+              <a:rot lat="0" lon="0" rev="1200000"/>
+            </a:lightRig>
+          </a:scene3d>
+          <a:sp3d>
+            <a:bevelT w="63500" h="25400"/>
+          </a:sp3d>
+        </a:effectStyle>
+      </a:effectStyleLst>
+      <a:bgFillStyleLst>
+        <a:solidFill>
+          <a:schemeClr val="phClr"/>
+        </a:solidFill>
+        <a:gradFill rotWithShape="1">
+          <a:gsLst>
+            <a:gs pos="0">
+              <a:schemeClr val="phClr">
+                <a:tint val="40000"/>
+                <a:satMod val="350000"/>
+              </a:schemeClr>
+            </a:gs>
+            <a:gs pos="40000">
+              <a:schemeClr val="phClr">
+                <a:tint val="45000"/>
+                <a:shade val="99000"/>
+                <a:satMod val="350000"/>
+              </a:schemeClr>
+            </a:gs>
+            <a:gs pos="100000">
+              <a:schemeClr val="phClr">
+                <a:shade val="20000"/>
+                <a:satMod val="255000"/>
+              </a:schemeClr>
+            </a:gs>
+          </a:gsLst>
+          <a:path path="circle">
+            <a:fillToRect l="50000" t="-80000" r="50000" b="180000"/>
+          </a:path>
+        </a:gradFill>
+        <a:gradFill rotWithShape="1">
+          <a:gsLst>
+            <a:gs pos="0">
+              <a:schemeClr val="phClr">
+                <a:tint val="80000"/>
+                <a:satMod val="300000"/>
+              </a:schemeClr>
+            </a:gs>
+            <a:gs pos="100000">
+              <a:schemeClr val="phClr">
+                <a:shade val="30000"/>
+                <a:satMod val="200000"/>
+              </a:schemeClr>
+            </a:gs>
+          </a:gsLst>
+          <a:path path="circle">
+            <a:fillToRect l="50000" t="50000" r="50000" b="50000"/>
+          </a:path>
+        </a:gradFill>
+      </a:bgFillStyleLst>
+    </a:fmtScheme>
+  </a:themeElements>
+</a:theme>
 </file>
--- a/document/LVTN_2020_NQL.pptx
+++ b/document/LVTN_2020_NQL.pptx
@@ -5,27 +5,34 @@
     <p:sldMasterId id="2147483648" r:id="rId2"/>
     <p:sldMasterId id="2147483661" r:id="rId3"/>
     <p:sldMasterId id="2147483674" r:id="rId4"/>
+    <p:sldMasterId id="2147483687" r:id="rId5"/>
+    <p:sldMasterId id="2147483700" r:id="rId6"/>
   </p:sldMasterIdLst>
   <p:sldIdLst>
-    <p:sldId id="256" r:id="rId5"/>
-    <p:sldId id="257" r:id="rId6"/>
-    <p:sldId id="258" r:id="rId7"/>
-    <p:sldId id="259" r:id="rId8"/>
-    <p:sldId id="260" r:id="rId9"/>
-    <p:sldId id="261" r:id="rId10"/>
-    <p:sldId id="262" r:id="rId11"/>
-    <p:sldId id="263" r:id="rId12"/>
-    <p:sldId id="264" r:id="rId13"/>
-    <p:sldId id="265" r:id="rId14"/>
-    <p:sldId id="266" r:id="rId15"/>
-    <p:sldId id="267" r:id="rId16"/>
-    <p:sldId id="268" r:id="rId17"/>
-    <p:sldId id="269" r:id="rId18"/>
-    <p:sldId id="270" r:id="rId19"/>
-    <p:sldId id="271" r:id="rId20"/>
-    <p:sldId id="272" r:id="rId21"/>
-    <p:sldId id="273" r:id="rId22"/>
-    <p:sldId id="274" r:id="rId23"/>
+    <p:sldId id="256" r:id="rId7"/>
+    <p:sldId id="257" r:id="rId8"/>
+    <p:sldId id="258" r:id="rId9"/>
+    <p:sldId id="259" r:id="rId10"/>
+    <p:sldId id="260" r:id="rId11"/>
+    <p:sldId id="261" r:id="rId12"/>
+    <p:sldId id="262" r:id="rId13"/>
+    <p:sldId id="263" r:id="rId14"/>
+    <p:sldId id="264" r:id="rId15"/>
+    <p:sldId id="265" r:id="rId16"/>
+    <p:sldId id="266" r:id="rId17"/>
+    <p:sldId id="267" r:id="rId18"/>
+    <p:sldId id="268" r:id="rId19"/>
+    <p:sldId id="269" r:id="rId20"/>
+    <p:sldId id="270" r:id="rId21"/>
+    <p:sldId id="271" r:id="rId22"/>
+    <p:sldId id="272" r:id="rId23"/>
+    <p:sldId id="273" r:id="rId24"/>
+    <p:sldId id="274" r:id="rId25"/>
+    <p:sldId id="275" r:id="rId26"/>
+    <p:sldId id="276" r:id="rId27"/>
+    <p:sldId id="277" r:id="rId28"/>
+    <p:sldId id="278" r:id="rId29"/>
+    <p:sldId id="279" r:id="rId30"/>
   </p:sldIdLst>
   <p:sldSz cx="9906000" cy="6858000"/>
   <p:notesSz cx="7559675" cy="10691812"/>
@@ -3392,6 +3399,189 @@
 </p:sldLayout>
 </file>
 
+<file path=ppt/slideLayouts/slideLayout37.xml><?xml version="1.0" encoding="utf-8"?>
+<p:sldLayout xmlns:a="http://schemas.openxmlformats.org/drawingml/2006/main" xmlns:p="http://schemas.openxmlformats.org/presentationml/2006/main" xmlns:r="http://schemas.openxmlformats.org/officeDocument/2006/relationships" xmlns:p14="http://schemas.microsoft.com/office/powerpoint/2010/main" xmlns:p15="http://schemas.microsoft.com/office/powerpoint/2012/main" xmlns:mc="http://schemas.openxmlformats.org/markup-compatibility/2006" type="blank" preserve="1">
+  <p:cSld name="Blank Slide">
+    <p:spTree>
+      <p:nvGrpSpPr>
+        <p:cNvPr id="1" name=""/>
+        <p:cNvGrpSpPr/>
+        <p:nvPr/>
+      </p:nvGrpSpPr>
+      <p:grpSpPr>
+        <a:xfrm>
+          <a:off x="0" y="0"/>
+          <a:ext cx="0" cy="0"/>
+          <a:chOff x="0" y="0"/>
+          <a:chExt cx="0" cy="0"/>
+        </a:xfrm>
+      </p:grpSpPr>
+    </p:spTree>
+  </p:cSld>
+</p:sldLayout>
+</file>
+
+<file path=ppt/slideLayouts/slideLayout38.xml><?xml version="1.0" encoding="utf-8"?>
+<p:sldLayout xmlns:a="http://schemas.openxmlformats.org/drawingml/2006/main" xmlns:p="http://schemas.openxmlformats.org/presentationml/2006/main" xmlns:r="http://schemas.openxmlformats.org/officeDocument/2006/relationships" xmlns:p14="http://schemas.microsoft.com/office/powerpoint/2010/main" xmlns:p15="http://schemas.microsoft.com/office/powerpoint/2012/main" xmlns:mc="http://schemas.openxmlformats.org/markup-compatibility/2006" type="tx" preserve="1">
+  <p:cSld name="Title Slide">
+    <p:spTree>
+      <p:nvGrpSpPr>
+        <p:cNvPr id="1" name=""/>
+        <p:cNvGrpSpPr/>
+        <p:nvPr/>
+      </p:nvGrpSpPr>
+      <p:grpSpPr>
+        <a:xfrm>
+          <a:off x="0" y="0"/>
+          <a:ext cx="0" cy="0"/>
+          <a:chOff x="0" y="0"/>
+          <a:chExt cx="0" cy="0"/>
+        </a:xfrm>
+      </p:grpSpPr>
+      <p:sp>
+        <p:nvSpPr>
+          <p:cNvPr id="116" name="PlaceHolder 1"/>
+          <p:cNvSpPr>
+            <a:spLocks noGrp="1"/>
+          </p:cNvSpPr>
+          <p:nvPr>
+            <p:ph type="title"/>
+          </p:nvPr>
+        </p:nvSpPr>
+        <p:spPr>
+          <a:xfrm>
+            <a:off x="495000" y="273600"/>
+            <a:ext cx="8915040" cy="1144800"/>
+          </a:xfrm>
+          <a:prstGeom prst="rect">
+            <a:avLst/>
+          </a:prstGeom>
+        </p:spPr>
+        <p:txBody>
+          <a:bodyPr lIns="0" rIns="0" tIns="0" bIns="0" anchor="ctr"/>
+          <a:p>
+            <a:pPr algn="ctr"/>
+            <a:endParaRPr b="0" lang="en-US" sz="4400" spc="-1" strike="noStrike">
+              <a:latin typeface="Arial"/>
+            </a:endParaRPr>
+          </a:p>
+        </p:txBody>
+      </p:sp>
+      <p:sp>
+        <p:nvSpPr>
+          <p:cNvPr id="117" name="PlaceHolder 2"/>
+          <p:cNvSpPr>
+            <a:spLocks noGrp="1"/>
+          </p:cNvSpPr>
+          <p:nvPr>
+            <p:ph type="subTitle"/>
+          </p:nvPr>
+        </p:nvSpPr>
+        <p:spPr>
+          <a:xfrm>
+            <a:off x="495000" y="1604520"/>
+            <a:ext cx="8915040" cy="3977280"/>
+          </a:xfrm>
+          <a:prstGeom prst="rect">
+            <a:avLst/>
+          </a:prstGeom>
+        </p:spPr>
+        <p:txBody>
+          <a:bodyPr lIns="0" rIns="0" tIns="0" bIns="0" anchor="ctr"/>
+          <a:p>
+            <a:pPr algn="ctr"/>
+            <a:endParaRPr b="0" lang="en-US" sz="3200" spc="-1" strike="noStrike">
+              <a:latin typeface="Arial"/>
+            </a:endParaRPr>
+          </a:p>
+        </p:txBody>
+      </p:sp>
+    </p:spTree>
+  </p:cSld>
+</p:sldLayout>
+</file>
+
+<file path=ppt/slideLayouts/slideLayout39.xml><?xml version="1.0" encoding="utf-8"?>
+<p:sldLayout xmlns:a="http://schemas.openxmlformats.org/drawingml/2006/main" xmlns:p="http://schemas.openxmlformats.org/presentationml/2006/main" xmlns:r="http://schemas.openxmlformats.org/officeDocument/2006/relationships" xmlns:p14="http://schemas.microsoft.com/office/powerpoint/2010/main" xmlns:p15="http://schemas.microsoft.com/office/powerpoint/2012/main" xmlns:mc="http://schemas.openxmlformats.org/markup-compatibility/2006" type="obj" preserve="1">
+  <p:cSld name="Title, Content">
+    <p:spTree>
+      <p:nvGrpSpPr>
+        <p:cNvPr id="1" name=""/>
+        <p:cNvGrpSpPr/>
+        <p:nvPr/>
+      </p:nvGrpSpPr>
+      <p:grpSpPr>
+        <a:xfrm>
+          <a:off x="0" y="0"/>
+          <a:ext cx="0" cy="0"/>
+          <a:chOff x="0" y="0"/>
+          <a:chExt cx="0" cy="0"/>
+        </a:xfrm>
+      </p:grpSpPr>
+      <p:sp>
+        <p:nvSpPr>
+          <p:cNvPr id="118" name="PlaceHolder 1"/>
+          <p:cNvSpPr>
+            <a:spLocks noGrp="1"/>
+          </p:cNvSpPr>
+          <p:nvPr>
+            <p:ph type="title"/>
+          </p:nvPr>
+        </p:nvSpPr>
+        <p:spPr>
+          <a:xfrm>
+            <a:off x="495000" y="273600"/>
+            <a:ext cx="8915040" cy="1144800"/>
+          </a:xfrm>
+          <a:prstGeom prst="rect">
+            <a:avLst/>
+          </a:prstGeom>
+        </p:spPr>
+        <p:txBody>
+          <a:bodyPr lIns="0" rIns="0" tIns="0" bIns="0" anchor="ctr"/>
+          <a:p>
+            <a:pPr algn="ctr"/>
+            <a:endParaRPr b="0" lang="en-US" sz="4400" spc="-1" strike="noStrike">
+              <a:latin typeface="Arial"/>
+            </a:endParaRPr>
+          </a:p>
+        </p:txBody>
+      </p:sp>
+      <p:sp>
+        <p:nvSpPr>
+          <p:cNvPr id="119" name="PlaceHolder 2"/>
+          <p:cNvSpPr>
+            <a:spLocks noGrp="1"/>
+          </p:cNvSpPr>
+          <p:nvPr>
+            <p:ph type="body"/>
+          </p:nvPr>
+        </p:nvSpPr>
+        <p:spPr>
+          <a:xfrm>
+            <a:off x="495000" y="1604520"/>
+            <a:ext cx="8915040" cy="3977280"/>
+          </a:xfrm>
+          <a:prstGeom prst="rect">
+            <a:avLst/>
+          </a:prstGeom>
+        </p:spPr>
+        <p:txBody>
+          <a:bodyPr lIns="0" rIns="0" tIns="0" bIns="0">
+            <a:normAutofit/>
+          </a:bodyPr>
+          <a:p>
+            <a:endParaRPr b="0" lang="en-US" sz="3200" spc="-1" strike="noStrike">
+              <a:latin typeface="Arial"/>
+            </a:endParaRPr>
+          </a:p>
+        </p:txBody>
+      </p:sp>
+    </p:spTree>
+  </p:cSld>
+</p:sldLayout>
+</file>
+
 <file path=ppt/slideLayouts/slideLayout4.xml><?xml version="1.0" encoding="utf-8"?>
 <p:sldLayout xmlns:a="http://schemas.openxmlformats.org/drawingml/2006/main" xmlns:p="http://schemas.openxmlformats.org/presentationml/2006/main" xmlns:r="http://schemas.openxmlformats.org/officeDocument/2006/relationships" xmlns:p14="http://schemas.microsoft.com/office/powerpoint/2010/main" xmlns:p15="http://schemas.microsoft.com/office/powerpoint/2012/main" xmlns:mc="http://schemas.openxmlformats.org/markup-compatibility/2006" type="twoObj" preserve="1">
   <p:cSld name="Title, 2 Content">
@@ -3498,6 +3688,1177 @@
           </a:p>
         </p:txBody>
       </p:sp>
+    </p:spTree>
+  </p:cSld>
+</p:sldLayout>
+</file>
+
+<file path=ppt/slideLayouts/slideLayout40.xml><?xml version="1.0" encoding="utf-8"?>
+<p:sldLayout xmlns:a="http://schemas.openxmlformats.org/drawingml/2006/main" xmlns:p="http://schemas.openxmlformats.org/presentationml/2006/main" xmlns:r="http://schemas.openxmlformats.org/officeDocument/2006/relationships" xmlns:p14="http://schemas.microsoft.com/office/powerpoint/2010/main" xmlns:p15="http://schemas.microsoft.com/office/powerpoint/2012/main" xmlns:mc="http://schemas.openxmlformats.org/markup-compatibility/2006" type="twoObj" preserve="1">
+  <p:cSld name="Title, 2 Content">
+    <p:spTree>
+      <p:nvGrpSpPr>
+        <p:cNvPr id="1" name=""/>
+        <p:cNvGrpSpPr/>
+        <p:nvPr/>
+      </p:nvGrpSpPr>
+      <p:grpSpPr>
+        <a:xfrm>
+          <a:off x="0" y="0"/>
+          <a:ext cx="0" cy="0"/>
+          <a:chOff x="0" y="0"/>
+          <a:chExt cx="0" cy="0"/>
+        </a:xfrm>
+      </p:grpSpPr>
+      <p:sp>
+        <p:nvSpPr>
+          <p:cNvPr id="120" name="PlaceHolder 1"/>
+          <p:cNvSpPr>
+            <a:spLocks noGrp="1"/>
+          </p:cNvSpPr>
+          <p:nvPr>
+            <p:ph type="title"/>
+          </p:nvPr>
+        </p:nvSpPr>
+        <p:spPr>
+          <a:xfrm>
+            <a:off x="495000" y="273600"/>
+            <a:ext cx="8915040" cy="1144800"/>
+          </a:xfrm>
+          <a:prstGeom prst="rect">
+            <a:avLst/>
+          </a:prstGeom>
+        </p:spPr>
+        <p:txBody>
+          <a:bodyPr lIns="0" rIns="0" tIns="0" bIns="0" anchor="ctr"/>
+          <a:p>
+            <a:pPr algn="ctr"/>
+            <a:endParaRPr b="0" lang="en-US" sz="4400" spc="-1" strike="noStrike">
+              <a:latin typeface="Arial"/>
+            </a:endParaRPr>
+          </a:p>
+        </p:txBody>
+      </p:sp>
+      <p:sp>
+        <p:nvSpPr>
+          <p:cNvPr id="121" name="PlaceHolder 2"/>
+          <p:cNvSpPr>
+            <a:spLocks noGrp="1"/>
+          </p:cNvSpPr>
+          <p:nvPr>
+            <p:ph type="body"/>
+          </p:nvPr>
+        </p:nvSpPr>
+        <p:spPr>
+          <a:xfrm>
+            <a:off x="495000" y="1604520"/>
+            <a:ext cx="4350240" cy="3977280"/>
+          </a:xfrm>
+          <a:prstGeom prst="rect">
+            <a:avLst/>
+          </a:prstGeom>
+        </p:spPr>
+        <p:txBody>
+          <a:bodyPr lIns="0" rIns="0" tIns="0" bIns="0">
+            <a:normAutofit/>
+          </a:bodyPr>
+          <a:p>
+            <a:endParaRPr b="0" lang="en-US" sz="3200" spc="-1" strike="noStrike">
+              <a:latin typeface="Arial"/>
+            </a:endParaRPr>
+          </a:p>
+        </p:txBody>
+      </p:sp>
+      <p:sp>
+        <p:nvSpPr>
+          <p:cNvPr id="122" name="PlaceHolder 3"/>
+          <p:cNvSpPr>
+            <a:spLocks noGrp="1"/>
+          </p:cNvSpPr>
+          <p:nvPr>
+            <p:ph type="body"/>
+          </p:nvPr>
+        </p:nvSpPr>
+        <p:spPr>
+          <a:xfrm>
+            <a:off x="5063040" y="1604520"/>
+            <a:ext cx="4350240" cy="3977280"/>
+          </a:xfrm>
+          <a:prstGeom prst="rect">
+            <a:avLst/>
+          </a:prstGeom>
+        </p:spPr>
+        <p:txBody>
+          <a:bodyPr lIns="0" rIns="0" tIns="0" bIns="0">
+            <a:normAutofit/>
+          </a:bodyPr>
+          <a:p>
+            <a:endParaRPr b="0" lang="en-US" sz="3200" spc="-1" strike="noStrike">
+              <a:latin typeface="Arial"/>
+            </a:endParaRPr>
+          </a:p>
+        </p:txBody>
+      </p:sp>
+    </p:spTree>
+  </p:cSld>
+</p:sldLayout>
+</file>
+
+<file path=ppt/slideLayouts/slideLayout41.xml><?xml version="1.0" encoding="utf-8"?>
+<p:sldLayout xmlns:a="http://schemas.openxmlformats.org/drawingml/2006/main" xmlns:p="http://schemas.openxmlformats.org/presentationml/2006/main" xmlns:r="http://schemas.openxmlformats.org/officeDocument/2006/relationships" xmlns:p14="http://schemas.microsoft.com/office/powerpoint/2010/main" xmlns:p15="http://schemas.microsoft.com/office/powerpoint/2012/main" xmlns:mc="http://schemas.openxmlformats.org/markup-compatibility/2006" type="titleOnly" preserve="1">
+  <p:cSld name="Title Only">
+    <p:spTree>
+      <p:nvGrpSpPr>
+        <p:cNvPr id="1" name=""/>
+        <p:cNvGrpSpPr/>
+        <p:nvPr/>
+      </p:nvGrpSpPr>
+      <p:grpSpPr>
+        <a:xfrm>
+          <a:off x="0" y="0"/>
+          <a:ext cx="0" cy="0"/>
+          <a:chOff x="0" y="0"/>
+          <a:chExt cx="0" cy="0"/>
+        </a:xfrm>
+      </p:grpSpPr>
+      <p:sp>
+        <p:nvSpPr>
+          <p:cNvPr id="123" name="PlaceHolder 1"/>
+          <p:cNvSpPr>
+            <a:spLocks noGrp="1"/>
+          </p:cNvSpPr>
+          <p:nvPr>
+            <p:ph type="title"/>
+          </p:nvPr>
+        </p:nvSpPr>
+        <p:spPr>
+          <a:xfrm>
+            <a:off x="495000" y="273600"/>
+            <a:ext cx="8915040" cy="1144800"/>
+          </a:xfrm>
+          <a:prstGeom prst="rect">
+            <a:avLst/>
+          </a:prstGeom>
+        </p:spPr>
+        <p:txBody>
+          <a:bodyPr lIns="0" rIns="0" tIns="0" bIns="0" anchor="ctr"/>
+          <a:p>
+            <a:pPr algn="ctr"/>
+            <a:endParaRPr b="0" lang="en-US" sz="4400" spc="-1" strike="noStrike">
+              <a:latin typeface="Arial"/>
+            </a:endParaRPr>
+          </a:p>
+        </p:txBody>
+      </p:sp>
+    </p:spTree>
+  </p:cSld>
+</p:sldLayout>
+</file>
+
+<file path=ppt/slideLayouts/slideLayout42.xml><?xml version="1.0" encoding="utf-8"?>
+<p:sldLayout xmlns:a="http://schemas.openxmlformats.org/drawingml/2006/main" xmlns:p="http://schemas.openxmlformats.org/presentationml/2006/main" xmlns:r="http://schemas.openxmlformats.org/officeDocument/2006/relationships" xmlns:p14="http://schemas.microsoft.com/office/powerpoint/2010/main" xmlns:p15="http://schemas.microsoft.com/office/powerpoint/2012/main" xmlns:mc="http://schemas.openxmlformats.org/markup-compatibility/2006" type="objOnly" preserve="1">
+  <p:cSld name="Centered Text">
+    <p:spTree>
+      <p:nvGrpSpPr>
+        <p:cNvPr id="1" name=""/>
+        <p:cNvGrpSpPr/>
+        <p:nvPr/>
+      </p:nvGrpSpPr>
+      <p:grpSpPr>
+        <a:xfrm>
+          <a:off x="0" y="0"/>
+          <a:ext cx="0" cy="0"/>
+          <a:chOff x="0" y="0"/>
+          <a:chExt cx="0" cy="0"/>
+        </a:xfrm>
+      </p:grpSpPr>
+      <p:sp>
+        <p:nvSpPr>
+          <p:cNvPr id="124" name="PlaceHolder 1"/>
+          <p:cNvSpPr>
+            <a:spLocks noGrp="1"/>
+          </p:cNvSpPr>
+          <p:nvPr>
+            <p:ph type="subTitle"/>
+          </p:nvPr>
+        </p:nvSpPr>
+        <p:spPr>
+          <a:xfrm>
+            <a:off x="495000" y="273600"/>
+            <a:ext cx="8915040" cy="5307840"/>
+          </a:xfrm>
+          <a:prstGeom prst="rect">
+            <a:avLst/>
+          </a:prstGeom>
+        </p:spPr>
+        <p:txBody>
+          <a:bodyPr lIns="0" rIns="0" tIns="0" bIns="0" anchor="ctr"/>
+          <a:p>
+            <a:pPr algn="ctr"/>
+            <a:endParaRPr b="0" lang="en-US" sz="3200" spc="-1" strike="noStrike">
+              <a:latin typeface="Arial"/>
+            </a:endParaRPr>
+          </a:p>
+        </p:txBody>
+      </p:sp>
+    </p:spTree>
+  </p:cSld>
+</p:sldLayout>
+</file>
+
+<file path=ppt/slideLayouts/slideLayout43.xml><?xml version="1.0" encoding="utf-8"?>
+<p:sldLayout xmlns:a="http://schemas.openxmlformats.org/drawingml/2006/main" xmlns:p="http://schemas.openxmlformats.org/presentationml/2006/main" xmlns:r="http://schemas.openxmlformats.org/officeDocument/2006/relationships" xmlns:p14="http://schemas.microsoft.com/office/powerpoint/2010/main" xmlns:p15="http://schemas.microsoft.com/office/powerpoint/2012/main" xmlns:mc="http://schemas.openxmlformats.org/markup-compatibility/2006" type="twoObjAndObj" preserve="1">
+  <p:cSld name="Title, 2 Content and Content">
+    <p:spTree>
+      <p:nvGrpSpPr>
+        <p:cNvPr id="1" name=""/>
+        <p:cNvGrpSpPr/>
+        <p:nvPr/>
+      </p:nvGrpSpPr>
+      <p:grpSpPr>
+        <a:xfrm>
+          <a:off x="0" y="0"/>
+          <a:ext cx="0" cy="0"/>
+          <a:chOff x="0" y="0"/>
+          <a:chExt cx="0" cy="0"/>
+        </a:xfrm>
+      </p:grpSpPr>
+      <p:sp>
+        <p:nvSpPr>
+          <p:cNvPr id="125" name="PlaceHolder 1"/>
+          <p:cNvSpPr>
+            <a:spLocks noGrp="1"/>
+          </p:cNvSpPr>
+          <p:nvPr>
+            <p:ph type="title"/>
+          </p:nvPr>
+        </p:nvSpPr>
+        <p:spPr>
+          <a:xfrm>
+            <a:off x="495000" y="273600"/>
+            <a:ext cx="8915040" cy="1144800"/>
+          </a:xfrm>
+          <a:prstGeom prst="rect">
+            <a:avLst/>
+          </a:prstGeom>
+        </p:spPr>
+        <p:txBody>
+          <a:bodyPr lIns="0" rIns="0" tIns="0" bIns="0" anchor="ctr"/>
+          <a:p>
+            <a:pPr algn="ctr"/>
+            <a:endParaRPr b="0" lang="en-US" sz="4400" spc="-1" strike="noStrike">
+              <a:latin typeface="Arial"/>
+            </a:endParaRPr>
+          </a:p>
+        </p:txBody>
+      </p:sp>
+      <p:sp>
+        <p:nvSpPr>
+          <p:cNvPr id="126" name="PlaceHolder 2"/>
+          <p:cNvSpPr>
+            <a:spLocks noGrp="1"/>
+          </p:cNvSpPr>
+          <p:nvPr>
+            <p:ph type="body"/>
+          </p:nvPr>
+        </p:nvSpPr>
+        <p:spPr>
+          <a:xfrm>
+            <a:off x="495000" y="1604520"/>
+            <a:ext cx="4350240" cy="1896840"/>
+          </a:xfrm>
+          <a:prstGeom prst="rect">
+            <a:avLst/>
+          </a:prstGeom>
+        </p:spPr>
+        <p:txBody>
+          <a:bodyPr lIns="0" rIns="0" tIns="0" bIns="0">
+            <a:normAutofit/>
+          </a:bodyPr>
+          <a:p>
+            <a:endParaRPr b="0" lang="en-US" sz="3200" spc="-1" strike="noStrike">
+              <a:latin typeface="Arial"/>
+            </a:endParaRPr>
+          </a:p>
+        </p:txBody>
+      </p:sp>
+      <p:sp>
+        <p:nvSpPr>
+          <p:cNvPr id="127" name="PlaceHolder 3"/>
+          <p:cNvSpPr>
+            <a:spLocks noGrp="1"/>
+          </p:cNvSpPr>
+          <p:nvPr>
+            <p:ph type="body"/>
+          </p:nvPr>
+        </p:nvSpPr>
+        <p:spPr>
+          <a:xfrm>
+            <a:off x="5063040" y="1604520"/>
+            <a:ext cx="4350240" cy="3977280"/>
+          </a:xfrm>
+          <a:prstGeom prst="rect">
+            <a:avLst/>
+          </a:prstGeom>
+        </p:spPr>
+        <p:txBody>
+          <a:bodyPr lIns="0" rIns="0" tIns="0" bIns="0">
+            <a:normAutofit/>
+          </a:bodyPr>
+          <a:p>
+            <a:endParaRPr b="0" lang="en-US" sz="3200" spc="-1" strike="noStrike">
+              <a:latin typeface="Arial"/>
+            </a:endParaRPr>
+          </a:p>
+        </p:txBody>
+      </p:sp>
+      <p:sp>
+        <p:nvSpPr>
+          <p:cNvPr id="128" name="PlaceHolder 4"/>
+          <p:cNvSpPr>
+            <a:spLocks noGrp="1"/>
+          </p:cNvSpPr>
+          <p:nvPr>
+            <p:ph type="body"/>
+          </p:nvPr>
+        </p:nvSpPr>
+        <p:spPr>
+          <a:xfrm>
+            <a:off x="495000" y="3682080"/>
+            <a:ext cx="4350240" cy="1896840"/>
+          </a:xfrm>
+          <a:prstGeom prst="rect">
+            <a:avLst/>
+          </a:prstGeom>
+        </p:spPr>
+        <p:txBody>
+          <a:bodyPr lIns="0" rIns="0" tIns="0" bIns="0">
+            <a:normAutofit/>
+          </a:bodyPr>
+          <a:p>
+            <a:endParaRPr b="0" lang="en-US" sz="3200" spc="-1" strike="noStrike">
+              <a:latin typeface="Arial"/>
+            </a:endParaRPr>
+          </a:p>
+        </p:txBody>
+      </p:sp>
+    </p:spTree>
+  </p:cSld>
+</p:sldLayout>
+</file>
+
+<file path=ppt/slideLayouts/slideLayout44.xml><?xml version="1.0" encoding="utf-8"?>
+<p:sldLayout xmlns:a="http://schemas.openxmlformats.org/drawingml/2006/main" xmlns:p="http://schemas.openxmlformats.org/presentationml/2006/main" xmlns:r="http://schemas.openxmlformats.org/officeDocument/2006/relationships" xmlns:p14="http://schemas.microsoft.com/office/powerpoint/2010/main" xmlns:p15="http://schemas.microsoft.com/office/powerpoint/2012/main" xmlns:mc="http://schemas.openxmlformats.org/markup-compatibility/2006" type="objAndTwoObj" preserve="1">
+  <p:cSld name="Title Content and 2 Content">
+    <p:spTree>
+      <p:nvGrpSpPr>
+        <p:cNvPr id="1" name=""/>
+        <p:cNvGrpSpPr/>
+        <p:nvPr/>
+      </p:nvGrpSpPr>
+      <p:grpSpPr>
+        <a:xfrm>
+          <a:off x="0" y="0"/>
+          <a:ext cx="0" cy="0"/>
+          <a:chOff x="0" y="0"/>
+          <a:chExt cx="0" cy="0"/>
+        </a:xfrm>
+      </p:grpSpPr>
+      <p:sp>
+        <p:nvSpPr>
+          <p:cNvPr id="129" name="PlaceHolder 1"/>
+          <p:cNvSpPr>
+            <a:spLocks noGrp="1"/>
+          </p:cNvSpPr>
+          <p:nvPr>
+            <p:ph type="title"/>
+          </p:nvPr>
+        </p:nvSpPr>
+        <p:spPr>
+          <a:xfrm>
+            <a:off x="495000" y="273600"/>
+            <a:ext cx="8915040" cy="1144800"/>
+          </a:xfrm>
+          <a:prstGeom prst="rect">
+            <a:avLst/>
+          </a:prstGeom>
+        </p:spPr>
+        <p:txBody>
+          <a:bodyPr lIns="0" rIns="0" tIns="0" bIns="0" anchor="ctr"/>
+          <a:p>
+            <a:pPr algn="ctr"/>
+            <a:endParaRPr b="0" lang="en-US" sz="4400" spc="-1" strike="noStrike">
+              <a:latin typeface="Arial"/>
+            </a:endParaRPr>
+          </a:p>
+        </p:txBody>
+      </p:sp>
+      <p:sp>
+        <p:nvSpPr>
+          <p:cNvPr id="130" name="PlaceHolder 2"/>
+          <p:cNvSpPr>
+            <a:spLocks noGrp="1"/>
+          </p:cNvSpPr>
+          <p:nvPr>
+            <p:ph type="body"/>
+          </p:nvPr>
+        </p:nvSpPr>
+        <p:spPr>
+          <a:xfrm>
+            <a:off x="495000" y="1604520"/>
+            <a:ext cx="4350240" cy="3977280"/>
+          </a:xfrm>
+          <a:prstGeom prst="rect">
+            <a:avLst/>
+          </a:prstGeom>
+        </p:spPr>
+        <p:txBody>
+          <a:bodyPr lIns="0" rIns="0" tIns="0" bIns="0">
+            <a:normAutofit/>
+          </a:bodyPr>
+          <a:p>
+            <a:endParaRPr b="0" lang="en-US" sz="3200" spc="-1" strike="noStrike">
+              <a:latin typeface="Arial"/>
+            </a:endParaRPr>
+          </a:p>
+        </p:txBody>
+      </p:sp>
+      <p:sp>
+        <p:nvSpPr>
+          <p:cNvPr id="131" name="PlaceHolder 3"/>
+          <p:cNvSpPr>
+            <a:spLocks noGrp="1"/>
+          </p:cNvSpPr>
+          <p:nvPr>
+            <p:ph type="body"/>
+          </p:nvPr>
+        </p:nvSpPr>
+        <p:spPr>
+          <a:xfrm>
+            <a:off x="5063040" y="1604520"/>
+            <a:ext cx="4350240" cy="1896840"/>
+          </a:xfrm>
+          <a:prstGeom prst="rect">
+            <a:avLst/>
+          </a:prstGeom>
+        </p:spPr>
+        <p:txBody>
+          <a:bodyPr lIns="0" rIns="0" tIns="0" bIns="0">
+            <a:normAutofit/>
+          </a:bodyPr>
+          <a:p>
+            <a:endParaRPr b="0" lang="en-US" sz="3200" spc="-1" strike="noStrike">
+              <a:latin typeface="Arial"/>
+            </a:endParaRPr>
+          </a:p>
+        </p:txBody>
+      </p:sp>
+      <p:sp>
+        <p:nvSpPr>
+          <p:cNvPr id="132" name="PlaceHolder 4"/>
+          <p:cNvSpPr>
+            <a:spLocks noGrp="1"/>
+          </p:cNvSpPr>
+          <p:nvPr>
+            <p:ph type="body"/>
+          </p:nvPr>
+        </p:nvSpPr>
+        <p:spPr>
+          <a:xfrm>
+            <a:off x="5063040" y="3682080"/>
+            <a:ext cx="4350240" cy="1896840"/>
+          </a:xfrm>
+          <a:prstGeom prst="rect">
+            <a:avLst/>
+          </a:prstGeom>
+        </p:spPr>
+        <p:txBody>
+          <a:bodyPr lIns="0" rIns="0" tIns="0" bIns="0">
+            <a:normAutofit/>
+          </a:bodyPr>
+          <a:p>
+            <a:endParaRPr b="0" lang="en-US" sz="3200" spc="-1" strike="noStrike">
+              <a:latin typeface="Arial"/>
+            </a:endParaRPr>
+          </a:p>
+        </p:txBody>
+      </p:sp>
+    </p:spTree>
+  </p:cSld>
+</p:sldLayout>
+</file>
+
+<file path=ppt/slideLayouts/slideLayout45.xml><?xml version="1.0" encoding="utf-8"?>
+<p:sldLayout xmlns:a="http://schemas.openxmlformats.org/drawingml/2006/main" xmlns:p="http://schemas.openxmlformats.org/presentationml/2006/main" xmlns:r="http://schemas.openxmlformats.org/officeDocument/2006/relationships" xmlns:p14="http://schemas.microsoft.com/office/powerpoint/2010/main" xmlns:p15="http://schemas.microsoft.com/office/powerpoint/2012/main" xmlns:mc="http://schemas.openxmlformats.org/markup-compatibility/2006" type="twoObjOverTx" preserve="1">
+  <p:cSld name="Title, 2 Content over Content">
+    <p:spTree>
+      <p:nvGrpSpPr>
+        <p:cNvPr id="1" name=""/>
+        <p:cNvGrpSpPr/>
+        <p:nvPr/>
+      </p:nvGrpSpPr>
+      <p:grpSpPr>
+        <a:xfrm>
+          <a:off x="0" y="0"/>
+          <a:ext cx="0" cy="0"/>
+          <a:chOff x="0" y="0"/>
+          <a:chExt cx="0" cy="0"/>
+        </a:xfrm>
+      </p:grpSpPr>
+      <p:sp>
+        <p:nvSpPr>
+          <p:cNvPr id="133" name="PlaceHolder 1"/>
+          <p:cNvSpPr>
+            <a:spLocks noGrp="1"/>
+          </p:cNvSpPr>
+          <p:nvPr>
+            <p:ph type="title"/>
+          </p:nvPr>
+        </p:nvSpPr>
+        <p:spPr>
+          <a:xfrm>
+            <a:off x="495000" y="273600"/>
+            <a:ext cx="8915040" cy="1144800"/>
+          </a:xfrm>
+          <a:prstGeom prst="rect">
+            <a:avLst/>
+          </a:prstGeom>
+        </p:spPr>
+        <p:txBody>
+          <a:bodyPr lIns="0" rIns="0" tIns="0" bIns="0" anchor="ctr"/>
+          <a:p>
+            <a:pPr algn="ctr"/>
+            <a:endParaRPr b="0" lang="en-US" sz="4400" spc="-1" strike="noStrike">
+              <a:latin typeface="Arial"/>
+            </a:endParaRPr>
+          </a:p>
+        </p:txBody>
+      </p:sp>
+      <p:sp>
+        <p:nvSpPr>
+          <p:cNvPr id="134" name="PlaceHolder 2"/>
+          <p:cNvSpPr>
+            <a:spLocks noGrp="1"/>
+          </p:cNvSpPr>
+          <p:nvPr>
+            <p:ph type="body"/>
+          </p:nvPr>
+        </p:nvSpPr>
+        <p:spPr>
+          <a:xfrm>
+            <a:off x="495000" y="1604520"/>
+            <a:ext cx="4350240" cy="1896840"/>
+          </a:xfrm>
+          <a:prstGeom prst="rect">
+            <a:avLst/>
+          </a:prstGeom>
+        </p:spPr>
+        <p:txBody>
+          <a:bodyPr lIns="0" rIns="0" tIns="0" bIns="0">
+            <a:normAutofit/>
+          </a:bodyPr>
+          <a:p>
+            <a:endParaRPr b="0" lang="en-US" sz="3200" spc="-1" strike="noStrike">
+              <a:latin typeface="Arial"/>
+            </a:endParaRPr>
+          </a:p>
+        </p:txBody>
+      </p:sp>
+      <p:sp>
+        <p:nvSpPr>
+          <p:cNvPr id="135" name="PlaceHolder 3"/>
+          <p:cNvSpPr>
+            <a:spLocks noGrp="1"/>
+          </p:cNvSpPr>
+          <p:nvPr>
+            <p:ph type="body"/>
+          </p:nvPr>
+        </p:nvSpPr>
+        <p:spPr>
+          <a:xfrm>
+            <a:off x="5063040" y="1604520"/>
+            <a:ext cx="4350240" cy="1896840"/>
+          </a:xfrm>
+          <a:prstGeom prst="rect">
+            <a:avLst/>
+          </a:prstGeom>
+        </p:spPr>
+        <p:txBody>
+          <a:bodyPr lIns="0" rIns="0" tIns="0" bIns="0">
+            <a:normAutofit/>
+          </a:bodyPr>
+          <a:p>
+            <a:endParaRPr b="0" lang="en-US" sz="3200" spc="-1" strike="noStrike">
+              <a:latin typeface="Arial"/>
+            </a:endParaRPr>
+          </a:p>
+        </p:txBody>
+      </p:sp>
+      <p:sp>
+        <p:nvSpPr>
+          <p:cNvPr id="136" name="PlaceHolder 4"/>
+          <p:cNvSpPr>
+            <a:spLocks noGrp="1"/>
+          </p:cNvSpPr>
+          <p:nvPr>
+            <p:ph type="body"/>
+          </p:nvPr>
+        </p:nvSpPr>
+        <p:spPr>
+          <a:xfrm>
+            <a:off x="495000" y="3682080"/>
+            <a:ext cx="8915040" cy="1896840"/>
+          </a:xfrm>
+          <a:prstGeom prst="rect">
+            <a:avLst/>
+          </a:prstGeom>
+        </p:spPr>
+        <p:txBody>
+          <a:bodyPr lIns="0" rIns="0" tIns="0" bIns="0">
+            <a:normAutofit/>
+          </a:bodyPr>
+          <a:p>
+            <a:endParaRPr b="0" lang="en-US" sz="3200" spc="-1" strike="noStrike">
+              <a:latin typeface="Arial"/>
+            </a:endParaRPr>
+          </a:p>
+        </p:txBody>
+      </p:sp>
+    </p:spTree>
+  </p:cSld>
+</p:sldLayout>
+</file>
+
+<file path=ppt/slideLayouts/slideLayout46.xml><?xml version="1.0" encoding="utf-8"?>
+<p:sldLayout xmlns:a="http://schemas.openxmlformats.org/drawingml/2006/main" xmlns:p="http://schemas.openxmlformats.org/presentationml/2006/main" xmlns:r="http://schemas.openxmlformats.org/officeDocument/2006/relationships" xmlns:p14="http://schemas.microsoft.com/office/powerpoint/2010/main" xmlns:p15="http://schemas.microsoft.com/office/powerpoint/2012/main" xmlns:mc="http://schemas.openxmlformats.org/markup-compatibility/2006" type="objOverTx" preserve="1">
+  <p:cSld name="Title, Content over Content">
+    <p:spTree>
+      <p:nvGrpSpPr>
+        <p:cNvPr id="1" name=""/>
+        <p:cNvGrpSpPr/>
+        <p:nvPr/>
+      </p:nvGrpSpPr>
+      <p:grpSpPr>
+        <a:xfrm>
+          <a:off x="0" y="0"/>
+          <a:ext cx="0" cy="0"/>
+          <a:chOff x="0" y="0"/>
+          <a:chExt cx="0" cy="0"/>
+        </a:xfrm>
+      </p:grpSpPr>
+      <p:sp>
+        <p:nvSpPr>
+          <p:cNvPr id="137" name="PlaceHolder 1"/>
+          <p:cNvSpPr>
+            <a:spLocks noGrp="1"/>
+          </p:cNvSpPr>
+          <p:nvPr>
+            <p:ph type="title"/>
+          </p:nvPr>
+        </p:nvSpPr>
+        <p:spPr>
+          <a:xfrm>
+            <a:off x="495000" y="273600"/>
+            <a:ext cx="8915040" cy="1144800"/>
+          </a:xfrm>
+          <a:prstGeom prst="rect">
+            <a:avLst/>
+          </a:prstGeom>
+        </p:spPr>
+        <p:txBody>
+          <a:bodyPr lIns="0" rIns="0" tIns="0" bIns="0" anchor="ctr"/>
+          <a:p>
+            <a:pPr algn="ctr"/>
+            <a:endParaRPr b="0" lang="en-US" sz="4400" spc="-1" strike="noStrike">
+              <a:latin typeface="Arial"/>
+            </a:endParaRPr>
+          </a:p>
+        </p:txBody>
+      </p:sp>
+      <p:sp>
+        <p:nvSpPr>
+          <p:cNvPr id="138" name="PlaceHolder 2"/>
+          <p:cNvSpPr>
+            <a:spLocks noGrp="1"/>
+          </p:cNvSpPr>
+          <p:nvPr>
+            <p:ph type="body"/>
+          </p:nvPr>
+        </p:nvSpPr>
+        <p:spPr>
+          <a:xfrm>
+            <a:off x="495000" y="1604520"/>
+            <a:ext cx="8915040" cy="1896840"/>
+          </a:xfrm>
+          <a:prstGeom prst="rect">
+            <a:avLst/>
+          </a:prstGeom>
+        </p:spPr>
+        <p:txBody>
+          <a:bodyPr lIns="0" rIns="0" tIns="0" bIns="0">
+            <a:normAutofit/>
+          </a:bodyPr>
+          <a:p>
+            <a:endParaRPr b="0" lang="en-US" sz="3200" spc="-1" strike="noStrike">
+              <a:latin typeface="Arial"/>
+            </a:endParaRPr>
+          </a:p>
+        </p:txBody>
+      </p:sp>
+      <p:sp>
+        <p:nvSpPr>
+          <p:cNvPr id="139" name="PlaceHolder 3"/>
+          <p:cNvSpPr>
+            <a:spLocks noGrp="1"/>
+          </p:cNvSpPr>
+          <p:nvPr>
+            <p:ph type="body"/>
+          </p:nvPr>
+        </p:nvSpPr>
+        <p:spPr>
+          <a:xfrm>
+            <a:off x="495000" y="3682080"/>
+            <a:ext cx="8915040" cy="1896840"/>
+          </a:xfrm>
+          <a:prstGeom prst="rect">
+            <a:avLst/>
+          </a:prstGeom>
+        </p:spPr>
+        <p:txBody>
+          <a:bodyPr lIns="0" rIns="0" tIns="0" bIns="0">
+            <a:normAutofit/>
+          </a:bodyPr>
+          <a:p>
+            <a:endParaRPr b="0" lang="en-US" sz="3200" spc="-1" strike="noStrike">
+              <a:latin typeface="Arial"/>
+            </a:endParaRPr>
+          </a:p>
+        </p:txBody>
+      </p:sp>
+    </p:spTree>
+  </p:cSld>
+</p:sldLayout>
+</file>
+
+<file path=ppt/slideLayouts/slideLayout47.xml><?xml version="1.0" encoding="utf-8"?>
+<p:sldLayout xmlns:a="http://schemas.openxmlformats.org/drawingml/2006/main" xmlns:p="http://schemas.openxmlformats.org/presentationml/2006/main" xmlns:r="http://schemas.openxmlformats.org/officeDocument/2006/relationships" xmlns:p14="http://schemas.microsoft.com/office/powerpoint/2010/main" xmlns:p15="http://schemas.microsoft.com/office/powerpoint/2012/main" xmlns:mc="http://schemas.openxmlformats.org/markup-compatibility/2006" type="fourObj" preserve="1">
+  <p:cSld name="Title, 4 Content">
+    <p:spTree>
+      <p:nvGrpSpPr>
+        <p:cNvPr id="1" name=""/>
+        <p:cNvGrpSpPr/>
+        <p:nvPr/>
+      </p:nvGrpSpPr>
+      <p:grpSpPr>
+        <a:xfrm>
+          <a:off x="0" y="0"/>
+          <a:ext cx="0" cy="0"/>
+          <a:chOff x="0" y="0"/>
+          <a:chExt cx="0" cy="0"/>
+        </a:xfrm>
+      </p:grpSpPr>
+      <p:sp>
+        <p:nvSpPr>
+          <p:cNvPr id="140" name="PlaceHolder 1"/>
+          <p:cNvSpPr>
+            <a:spLocks noGrp="1"/>
+          </p:cNvSpPr>
+          <p:nvPr>
+            <p:ph type="title"/>
+          </p:nvPr>
+        </p:nvSpPr>
+        <p:spPr>
+          <a:xfrm>
+            <a:off x="495000" y="273600"/>
+            <a:ext cx="8915040" cy="1144800"/>
+          </a:xfrm>
+          <a:prstGeom prst="rect">
+            <a:avLst/>
+          </a:prstGeom>
+        </p:spPr>
+        <p:txBody>
+          <a:bodyPr lIns="0" rIns="0" tIns="0" bIns="0" anchor="ctr"/>
+          <a:p>
+            <a:pPr algn="ctr"/>
+            <a:endParaRPr b="0" lang="en-US" sz="4400" spc="-1" strike="noStrike">
+              <a:latin typeface="Arial"/>
+            </a:endParaRPr>
+          </a:p>
+        </p:txBody>
+      </p:sp>
+      <p:sp>
+        <p:nvSpPr>
+          <p:cNvPr id="141" name="PlaceHolder 2"/>
+          <p:cNvSpPr>
+            <a:spLocks noGrp="1"/>
+          </p:cNvSpPr>
+          <p:nvPr>
+            <p:ph type="body"/>
+          </p:nvPr>
+        </p:nvSpPr>
+        <p:spPr>
+          <a:xfrm>
+            <a:off x="495000" y="1604520"/>
+            <a:ext cx="4350240" cy="1896840"/>
+          </a:xfrm>
+          <a:prstGeom prst="rect">
+            <a:avLst/>
+          </a:prstGeom>
+        </p:spPr>
+        <p:txBody>
+          <a:bodyPr lIns="0" rIns="0" tIns="0" bIns="0">
+            <a:normAutofit/>
+          </a:bodyPr>
+          <a:p>
+            <a:endParaRPr b="0" lang="en-US" sz="3200" spc="-1" strike="noStrike">
+              <a:latin typeface="Arial"/>
+            </a:endParaRPr>
+          </a:p>
+        </p:txBody>
+      </p:sp>
+      <p:sp>
+        <p:nvSpPr>
+          <p:cNvPr id="142" name="PlaceHolder 3"/>
+          <p:cNvSpPr>
+            <a:spLocks noGrp="1"/>
+          </p:cNvSpPr>
+          <p:nvPr>
+            <p:ph type="body"/>
+          </p:nvPr>
+        </p:nvSpPr>
+        <p:spPr>
+          <a:xfrm>
+            <a:off x="5063040" y="1604520"/>
+            <a:ext cx="4350240" cy="1896840"/>
+          </a:xfrm>
+          <a:prstGeom prst="rect">
+            <a:avLst/>
+          </a:prstGeom>
+        </p:spPr>
+        <p:txBody>
+          <a:bodyPr lIns="0" rIns="0" tIns="0" bIns="0">
+            <a:normAutofit/>
+          </a:bodyPr>
+          <a:p>
+            <a:endParaRPr b="0" lang="en-US" sz="3200" spc="-1" strike="noStrike">
+              <a:latin typeface="Arial"/>
+            </a:endParaRPr>
+          </a:p>
+        </p:txBody>
+      </p:sp>
+      <p:sp>
+        <p:nvSpPr>
+          <p:cNvPr id="143" name="PlaceHolder 4"/>
+          <p:cNvSpPr>
+            <a:spLocks noGrp="1"/>
+          </p:cNvSpPr>
+          <p:nvPr>
+            <p:ph type="body"/>
+          </p:nvPr>
+        </p:nvSpPr>
+        <p:spPr>
+          <a:xfrm>
+            <a:off x="495000" y="3682080"/>
+            <a:ext cx="4350240" cy="1896840"/>
+          </a:xfrm>
+          <a:prstGeom prst="rect">
+            <a:avLst/>
+          </a:prstGeom>
+        </p:spPr>
+        <p:txBody>
+          <a:bodyPr lIns="0" rIns="0" tIns="0" bIns="0">
+            <a:normAutofit/>
+          </a:bodyPr>
+          <a:p>
+            <a:endParaRPr b="0" lang="en-US" sz="3200" spc="-1" strike="noStrike">
+              <a:latin typeface="Arial"/>
+            </a:endParaRPr>
+          </a:p>
+        </p:txBody>
+      </p:sp>
+      <p:sp>
+        <p:nvSpPr>
+          <p:cNvPr id="144" name="PlaceHolder 5"/>
+          <p:cNvSpPr>
+            <a:spLocks noGrp="1"/>
+          </p:cNvSpPr>
+          <p:nvPr>
+            <p:ph type="body"/>
+          </p:nvPr>
+        </p:nvSpPr>
+        <p:spPr>
+          <a:xfrm>
+            <a:off x="5063040" y="3682080"/>
+            <a:ext cx="4350240" cy="1896840"/>
+          </a:xfrm>
+          <a:prstGeom prst="rect">
+            <a:avLst/>
+          </a:prstGeom>
+        </p:spPr>
+        <p:txBody>
+          <a:bodyPr lIns="0" rIns="0" tIns="0" bIns="0">
+            <a:normAutofit/>
+          </a:bodyPr>
+          <a:p>
+            <a:endParaRPr b="0" lang="en-US" sz="3200" spc="-1" strike="noStrike">
+              <a:latin typeface="Arial"/>
+            </a:endParaRPr>
+          </a:p>
+        </p:txBody>
+      </p:sp>
+    </p:spTree>
+  </p:cSld>
+</p:sldLayout>
+</file>
+
+<file path=ppt/slideLayouts/slideLayout48.xml><?xml version="1.0" encoding="utf-8"?>
+<p:sldLayout xmlns:a="http://schemas.openxmlformats.org/drawingml/2006/main" xmlns:p="http://schemas.openxmlformats.org/presentationml/2006/main" xmlns:r="http://schemas.openxmlformats.org/officeDocument/2006/relationships" xmlns:p14="http://schemas.microsoft.com/office/powerpoint/2010/main" xmlns:p15="http://schemas.microsoft.com/office/powerpoint/2012/main" xmlns:mc="http://schemas.openxmlformats.org/markup-compatibility/2006" type="blank" preserve="1">
+  <p:cSld name="Title, 6 Content">
+    <p:spTree>
+      <p:nvGrpSpPr>
+        <p:cNvPr id="1" name=""/>
+        <p:cNvGrpSpPr/>
+        <p:nvPr/>
+      </p:nvGrpSpPr>
+      <p:grpSpPr>
+        <a:xfrm>
+          <a:off x="0" y="0"/>
+          <a:ext cx="0" cy="0"/>
+          <a:chOff x="0" y="0"/>
+          <a:chExt cx="0" cy="0"/>
+        </a:xfrm>
+      </p:grpSpPr>
+      <p:sp>
+        <p:nvSpPr>
+          <p:cNvPr id="145" name="PlaceHolder 1"/>
+          <p:cNvSpPr>
+            <a:spLocks noGrp="1"/>
+          </p:cNvSpPr>
+          <p:nvPr>
+            <p:ph type="title"/>
+          </p:nvPr>
+        </p:nvSpPr>
+        <p:spPr>
+          <a:xfrm>
+            <a:off x="495000" y="273600"/>
+            <a:ext cx="8915040" cy="1144800"/>
+          </a:xfrm>
+          <a:prstGeom prst="rect">
+            <a:avLst/>
+          </a:prstGeom>
+        </p:spPr>
+        <p:txBody>
+          <a:bodyPr lIns="0" rIns="0" tIns="0" bIns="0" anchor="ctr"/>
+          <a:p>
+            <a:pPr algn="ctr"/>
+            <a:endParaRPr b="0" lang="en-US" sz="4400" spc="-1" strike="noStrike">
+              <a:latin typeface="Arial"/>
+            </a:endParaRPr>
+          </a:p>
+        </p:txBody>
+      </p:sp>
+      <p:sp>
+        <p:nvSpPr>
+          <p:cNvPr id="146" name="PlaceHolder 2"/>
+          <p:cNvSpPr>
+            <a:spLocks noGrp="1"/>
+          </p:cNvSpPr>
+          <p:nvPr>
+            <p:ph type="body"/>
+          </p:nvPr>
+        </p:nvSpPr>
+        <p:spPr>
+          <a:xfrm>
+            <a:off x="495000" y="1604520"/>
+            <a:ext cx="2870280" cy="1896840"/>
+          </a:xfrm>
+          <a:prstGeom prst="rect">
+            <a:avLst/>
+          </a:prstGeom>
+        </p:spPr>
+        <p:txBody>
+          <a:bodyPr lIns="0" rIns="0" tIns="0" bIns="0">
+            <a:normAutofit/>
+          </a:bodyPr>
+          <a:p>
+            <a:endParaRPr b="0" lang="en-US" sz="3200" spc="-1" strike="noStrike">
+              <a:latin typeface="Arial"/>
+            </a:endParaRPr>
+          </a:p>
+        </p:txBody>
+      </p:sp>
+      <p:sp>
+        <p:nvSpPr>
+          <p:cNvPr id="147" name="PlaceHolder 3"/>
+          <p:cNvSpPr>
+            <a:spLocks noGrp="1"/>
+          </p:cNvSpPr>
+          <p:nvPr>
+            <p:ph type="body"/>
+          </p:nvPr>
+        </p:nvSpPr>
+        <p:spPr>
+          <a:xfrm>
+            <a:off x="3509280" y="1604520"/>
+            <a:ext cx="2870280" cy="1896840"/>
+          </a:xfrm>
+          <a:prstGeom prst="rect">
+            <a:avLst/>
+          </a:prstGeom>
+        </p:spPr>
+        <p:txBody>
+          <a:bodyPr lIns="0" rIns="0" tIns="0" bIns="0">
+            <a:normAutofit/>
+          </a:bodyPr>
+          <a:p>
+            <a:endParaRPr b="0" lang="en-US" sz="3200" spc="-1" strike="noStrike">
+              <a:latin typeface="Arial"/>
+            </a:endParaRPr>
+          </a:p>
+        </p:txBody>
+      </p:sp>
+      <p:sp>
+        <p:nvSpPr>
+          <p:cNvPr id="148" name="PlaceHolder 4"/>
+          <p:cNvSpPr>
+            <a:spLocks noGrp="1"/>
+          </p:cNvSpPr>
+          <p:nvPr>
+            <p:ph type="body"/>
+          </p:nvPr>
+        </p:nvSpPr>
+        <p:spPr>
+          <a:xfrm>
+            <a:off x="6523200" y="1604520"/>
+            <a:ext cx="2870280" cy="1896840"/>
+          </a:xfrm>
+          <a:prstGeom prst="rect">
+            <a:avLst/>
+          </a:prstGeom>
+        </p:spPr>
+        <p:txBody>
+          <a:bodyPr lIns="0" rIns="0" tIns="0" bIns="0">
+            <a:normAutofit/>
+          </a:bodyPr>
+          <a:p>
+            <a:endParaRPr b="0" lang="en-US" sz="3200" spc="-1" strike="noStrike">
+              <a:latin typeface="Arial"/>
+            </a:endParaRPr>
+          </a:p>
+        </p:txBody>
+      </p:sp>
+      <p:sp>
+        <p:nvSpPr>
+          <p:cNvPr id="149" name="PlaceHolder 5"/>
+          <p:cNvSpPr>
+            <a:spLocks noGrp="1"/>
+          </p:cNvSpPr>
+          <p:nvPr>
+            <p:ph type="body"/>
+          </p:nvPr>
+        </p:nvSpPr>
+        <p:spPr>
+          <a:xfrm>
+            <a:off x="495000" y="3682080"/>
+            <a:ext cx="2870280" cy="1896840"/>
+          </a:xfrm>
+          <a:prstGeom prst="rect">
+            <a:avLst/>
+          </a:prstGeom>
+        </p:spPr>
+        <p:txBody>
+          <a:bodyPr lIns="0" rIns="0" tIns="0" bIns="0">
+            <a:normAutofit/>
+          </a:bodyPr>
+          <a:p>
+            <a:endParaRPr b="0" lang="en-US" sz="3200" spc="-1" strike="noStrike">
+              <a:latin typeface="Arial"/>
+            </a:endParaRPr>
+          </a:p>
+        </p:txBody>
+      </p:sp>
+      <p:sp>
+        <p:nvSpPr>
+          <p:cNvPr id="150" name="PlaceHolder 6"/>
+          <p:cNvSpPr>
+            <a:spLocks noGrp="1"/>
+          </p:cNvSpPr>
+          <p:nvPr>
+            <p:ph type="body"/>
+          </p:nvPr>
+        </p:nvSpPr>
+        <p:spPr>
+          <a:xfrm>
+            <a:off x="3509280" y="3682080"/>
+            <a:ext cx="2870280" cy="1896840"/>
+          </a:xfrm>
+          <a:prstGeom prst="rect">
+            <a:avLst/>
+          </a:prstGeom>
+        </p:spPr>
+        <p:txBody>
+          <a:bodyPr lIns="0" rIns="0" tIns="0" bIns="0">
+            <a:normAutofit/>
+          </a:bodyPr>
+          <a:p>
+            <a:endParaRPr b="0" lang="en-US" sz="3200" spc="-1" strike="noStrike">
+              <a:latin typeface="Arial"/>
+            </a:endParaRPr>
+          </a:p>
+        </p:txBody>
+      </p:sp>
+      <p:sp>
+        <p:nvSpPr>
+          <p:cNvPr id="151" name="PlaceHolder 7"/>
+          <p:cNvSpPr>
+            <a:spLocks noGrp="1"/>
+          </p:cNvSpPr>
+          <p:nvPr>
+            <p:ph type="body"/>
+          </p:nvPr>
+        </p:nvSpPr>
+        <p:spPr>
+          <a:xfrm>
+            <a:off x="6523200" y="3682080"/>
+            <a:ext cx="2870280" cy="1896840"/>
+          </a:xfrm>
+          <a:prstGeom prst="rect">
+            <a:avLst/>
+          </a:prstGeom>
+        </p:spPr>
+        <p:txBody>
+          <a:bodyPr lIns="0" rIns="0" tIns="0" bIns="0">
+            <a:normAutofit/>
+          </a:bodyPr>
+          <a:p>
+            <a:endParaRPr b="0" lang="en-US" sz="3200" spc="-1" strike="noStrike">
+              <a:latin typeface="Arial"/>
+            </a:endParaRPr>
+          </a:p>
+        </p:txBody>
+      </p:sp>
+    </p:spTree>
+  </p:cSld>
+</p:sldLayout>
+</file>
+
+<file path=ppt/slideLayouts/slideLayout49.xml><?xml version="1.0" encoding="utf-8"?>
+<p:sldLayout xmlns:a="http://schemas.openxmlformats.org/drawingml/2006/main" xmlns:p="http://schemas.openxmlformats.org/presentationml/2006/main" xmlns:r="http://schemas.openxmlformats.org/officeDocument/2006/relationships" xmlns:p14="http://schemas.microsoft.com/office/powerpoint/2010/main" xmlns:p15="http://schemas.microsoft.com/office/powerpoint/2012/main" xmlns:mc="http://schemas.openxmlformats.org/markup-compatibility/2006" type="blank" preserve="1">
+  <p:cSld name="Blank Slide">
+    <p:spTree>
+      <p:nvGrpSpPr>
+        <p:cNvPr id="1" name=""/>
+        <p:cNvGrpSpPr/>
+        <p:nvPr/>
+      </p:nvGrpSpPr>
+      <p:grpSpPr>
+        <a:xfrm>
+          <a:off x="0" y="0"/>
+          <a:ext cx="0" cy="0"/>
+          <a:chOff x="0" y="0"/>
+          <a:chExt cx="0" cy="0"/>
+        </a:xfrm>
+      </p:grpSpPr>
     </p:spTree>
   </p:cSld>
 </p:sldLayout>
@@ -3554,6 +4915,1085 @@
 </p:sldLayout>
 </file>
 
+<file path=ppt/slideLayouts/slideLayout50.xml><?xml version="1.0" encoding="utf-8"?>
+<p:sldLayout xmlns:a="http://schemas.openxmlformats.org/drawingml/2006/main" xmlns:p="http://schemas.openxmlformats.org/presentationml/2006/main" xmlns:r="http://schemas.openxmlformats.org/officeDocument/2006/relationships" xmlns:p14="http://schemas.microsoft.com/office/powerpoint/2010/main" xmlns:p15="http://schemas.microsoft.com/office/powerpoint/2012/main" xmlns:mc="http://schemas.openxmlformats.org/markup-compatibility/2006" type="tx" preserve="1">
+  <p:cSld name="Title Slide">
+    <p:spTree>
+      <p:nvGrpSpPr>
+        <p:cNvPr id="1" name=""/>
+        <p:cNvGrpSpPr/>
+        <p:nvPr/>
+      </p:nvGrpSpPr>
+      <p:grpSpPr>
+        <a:xfrm>
+          <a:off x="0" y="0"/>
+          <a:ext cx="0" cy="0"/>
+          <a:chOff x="0" y="0"/>
+          <a:chExt cx="0" cy="0"/>
+        </a:xfrm>
+      </p:grpSpPr>
+      <p:sp>
+        <p:nvSpPr>
+          <p:cNvPr id="154" name="PlaceHolder 1"/>
+          <p:cNvSpPr>
+            <a:spLocks noGrp="1"/>
+          </p:cNvSpPr>
+          <p:nvPr>
+            <p:ph type="title"/>
+          </p:nvPr>
+        </p:nvSpPr>
+        <p:spPr>
+          <a:xfrm>
+            <a:off x="495000" y="273600"/>
+            <a:ext cx="8915040" cy="1144800"/>
+          </a:xfrm>
+          <a:prstGeom prst="rect">
+            <a:avLst/>
+          </a:prstGeom>
+        </p:spPr>
+        <p:txBody>
+          <a:bodyPr lIns="0" rIns="0" tIns="0" bIns="0" anchor="ctr"/>
+          <a:p>
+            <a:pPr algn="ctr"/>
+            <a:endParaRPr b="0" lang="en-US" sz="4400" spc="-1" strike="noStrike">
+              <a:latin typeface="Arial"/>
+            </a:endParaRPr>
+          </a:p>
+        </p:txBody>
+      </p:sp>
+      <p:sp>
+        <p:nvSpPr>
+          <p:cNvPr id="155" name="PlaceHolder 2"/>
+          <p:cNvSpPr>
+            <a:spLocks noGrp="1"/>
+          </p:cNvSpPr>
+          <p:nvPr>
+            <p:ph type="subTitle"/>
+          </p:nvPr>
+        </p:nvSpPr>
+        <p:spPr>
+          <a:xfrm>
+            <a:off x="495000" y="1604520"/>
+            <a:ext cx="8915040" cy="3977280"/>
+          </a:xfrm>
+          <a:prstGeom prst="rect">
+            <a:avLst/>
+          </a:prstGeom>
+        </p:spPr>
+        <p:txBody>
+          <a:bodyPr lIns="0" rIns="0" tIns="0" bIns="0" anchor="ctr"/>
+          <a:p>
+            <a:pPr algn="ctr"/>
+            <a:endParaRPr b="0" lang="en-US" sz="3200" spc="-1" strike="noStrike">
+              <a:latin typeface="Arial"/>
+            </a:endParaRPr>
+          </a:p>
+        </p:txBody>
+      </p:sp>
+    </p:spTree>
+  </p:cSld>
+</p:sldLayout>
+</file>
+
+<file path=ppt/slideLayouts/slideLayout51.xml><?xml version="1.0" encoding="utf-8"?>
+<p:sldLayout xmlns:a="http://schemas.openxmlformats.org/drawingml/2006/main" xmlns:p="http://schemas.openxmlformats.org/presentationml/2006/main" xmlns:r="http://schemas.openxmlformats.org/officeDocument/2006/relationships" xmlns:p14="http://schemas.microsoft.com/office/powerpoint/2010/main" xmlns:p15="http://schemas.microsoft.com/office/powerpoint/2012/main" xmlns:mc="http://schemas.openxmlformats.org/markup-compatibility/2006" type="obj" preserve="1">
+  <p:cSld name="Title, Content">
+    <p:spTree>
+      <p:nvGrpSpPr>
+        <p:cNvPr id="1" name=""/>
+        <p:cNvGrpSpPr/>
+        <p:nvPr/>
+      </p:nvGrpSpPr>
+      <p:grpSpPr>
+        <a:xfrm>
+          <a:off x="0" y="0"/>
+          <a:ext cx="0" cy="0"/>
+          <a:chOff x="0" y="0"/>
+          <a:chExt cx="0" cy="0"/>
+        </a:xfrm>
+      </p:grpSpPr>
+      <p:sp>
+        <p:nvSpPr>
+          <p:cNvPr id="156" name="PlaceHolder 1"/>
+          <p:cNvSpPr>
+            <a:spLocks noGrp="1"/>
+          </p:cNvSpPr>
+          <p:nvPr>
+            <p:ph type="title"/>
+          </p:nvPr>
+        </p:nvSpPr>
+        <p:spPr>
+          <a:xfrm>
+            <a:off x="495000" y="273600"/>
+            <a:ext cx="8915040" cy="1144800"/>
+          </a:xfrm>
+          <a:prstGeom prst="rect">
+            <a:avLst/>
+          </a:prstGeom>
+        </p:spPr>
+        <p:txBody>
+          <a:bodyPr lIns="0" rIns="0" tIns="0" bIns="0" anchor="ctr"/>
+          <a:p>
+            <a:pPr algn="ctr"/>
+            <a:endParaRPr b="0" lang="en-US" sz="4400" spc="-1" strike="noStrike">
+              <a:latin typeface="Arial"/>
+            </a:endParaRPr>
+          </a:p>
+        </p:txBody>
+      </p:sp>
+      <p:sp>
+        <p:nvSpPr>
+          <p:cNvPr id="157" name="PlaceHolder 2"/>
+          <p:cNvSpPr>
+            <a:spLocks noGrp="1"/>
+          </p:cNvSpPr>
+          <p:nvPr>
+            <p:ph type="body"/>
+          </p:nvPr>
+        </p:nvSpPr>
+        <p:spPr>
+          <a:xfrm>
+            <a:off x="495000" y="1604520"/>
+            <a:ext cx="8915040" cy="3977280"/>
+          </a:xfrm>
+          <a:prstGeom prst="rect">
+            <a:avLst/>
+          </a:prstGeom>
+        </p:spPr>
+        <p:txBody>
+          <a:bodyPr lIns="0" rIns="0" tIns="0" bIns="0">
+            <a:normAutofit/>
+          </a:bodyPr>
+          <a:p>
+            <a:endParaRPr b="0" lang="en-US" sz="3200" spc="-1" strike="noStrike">
+              <a:latin typeface="Arial"/>
+            </a:endParaRPr>
+          </a:p>
+        </p:txBody>
+      </p:sp>
+    </p:spTree>
+  </p:cSld>
+</p:sldLayout>
+</file>
+
+<file path=ppt/slideLayouts/slideLayout52.xml><?xml version="1.0" encoding="utf-8"?>
+<p:sldLayout xmlns:a="http://schemas.openxmlformats.org/drawingml/2006/main" xmlns:p="http://schemas.openxmlformats.org/presentationml/2006/main" xmlns:r="http://schemas.openxmlformats.org/officeDocument/2006/relationships" xmlns:p14="http://schemas.microsoft.com/office/powerpoint/2010/main" xmlns:p15="http://schemas.microsoft.com/office/powerpoint/2012/main" xmlns:mc="http://schemas.openxmlformats.org/markup-compatibility/2006" type="twoObj" preserve="1">
+  <p:cSld name="Title, 2 Content">
+    <p:spTree>
+      <p:nvGrpSpPr>
+        <p:cNvPr id="1" name=""/>
+        <p:cNvGrpSpPr/>
+        <p:nvPr/>
+      </p:nvGrpSpPr>
+      <p:grpSpPr>
+        <a:xfrm>
+          <a:off x="0" y="0"/>
+          <a:ext cx="0" cy="0"/>
+          <a:chOff x="0" y="0"/>
+          <a:chExt cx="0" cy="0"/>
+        </a:xfrm>
+      </p:grpSpPr>
+      <p:sp>
+        <p:nvSpPr>
+          <p:cNvPr id="158" name="PlaceHolder 1"/>
+          <p:cNvSpPr>
+            <a:spLocks noGrp="1"/>
+          </p:cNvSpPr>
+          <p:nvPr>
+            <p:ph type="title"/>
+          </p:nvPr>
+        </p:nvSpPr>
+        <p:spPr>
+          <a:xfrm>
+            <a:off x="495000" y="273600"/>
+            <a:ext cx="8915040" cy="1144800"/>
+          </a:xfrm>
+          <a:prstGeom prst="rect">
+            <a:avLst/>
+          </a:prstGeom>
+        </p:spPr>
+        <p:txBody>
+          <a:bodyPr lIns="0" rIns="0" tIns="0" bIns="0" anchor="ctr"/>
+          <a:p>
+            <a:pPr algn="ctr"/>
+            <a:endParaRPr b="0" lang="en-US" sz="4400" spc="-1" strike="noStrike">
+              <a:latin typeface="Arial"/>
+            </a:endParaRPr>
+          </a:p>
+        </p:txBody>
+      </p:sp>
+      <p:sp>
+        <p:nvSpPr>
+          <p:cNvPr id="159" name="PlaceHolder 2"/>
+          <p:cNvSpPr>
+            <a:spLocks noGrp="1"/>
+          </p:cNvSpPr>
+          <p:nvPr>
+            <p:ph type="body"/>
+          </p:nvPr>
+        </p:nvSpPr>
+        <p:spPr>
+          <a:xfrm>
+            <a:off x="495000" y="1604520"/>
+            <a:ext cx="4350240" cy="3977280"/>
+          </a:xfrm>
+          <a:prstGeom prst="rect">
+            <a:avLst/>
+          </a:prstGeom>
+        </p:spPr>
+        <p:txBody>
+          <a:bodyPr lIns="0" rIns="0" tIns="0" bIns="0">
+            <a:normAutofit/>
+          </a:bodyPr>
+          <a:p>
+            <a:endParaRPr b="0" lang="en-US" sz="3200" spc="-1" strike="noStrike">
+              <a:latin typeface="Arial"/>
+            </a:endParaRPr>
+          </a:p>
+        </p:txBody>
+      </p:sp>
+      <p:sp>
+        <p:nvSpPr>
+          <p:cNvPr id="160" name="PlaceHolder 3"/>
+          <p:cNvSpPr>
+            <a:spLocks noGrp="1"/>
+          </p:cNvSpPr>
+          <p:nvPr>
+            <p:ph type="body"/>
+          </p:nvPr>
+        </p:nvSpPr>
+        <p:spPr>
+          <a:xfrm>
+            <a:off x="5063040" y="1604520"/>
+            <a:ext cx="4350240" cy="3977280"/>
+          </a:xfrm>
+          <a:prstGeom prst="rect">
+            <a:avLst/>
+          </a:prstGeom>
+        </p:spPr>
+        <p:txBody>
+          <a:bodyPr lIns="0" rIns="0" tIns="0" bIns="0">
+            <a:normAutofit/>
+          </a:bodyPr>
+          <a:p>
+            <a:endParaRPr b="0" lang="en-US" sz="3200" spc="-1" strike="noStrike">
+              <a:latin typeface="Arial"/>
+            </a:endParaRPr>
+          </a:p>
+        </p:txBody>
+      </p:sp>
+    </p:spTree>
+  </p:cSld>
+</p:sldLayout>
+</file>
+
+<file path=ppt/slideLayouts/slideLayout53.xml><?xml version="1.0" encoding="utf-8"?>
+<p:sldLayout xmlns:a="http://schemas.openxmlformats.org/drawingml/2006/main" xmlns:p="http://schemas.openxmlformats.org/presentationml/2006/main" xmlns:r="http://schemas.openxmlformats.org/officeDocument/2006/relationships" xmlns:p14="http://schemas.microsoft.com/office/powerpoint/2010/main" xmlns:p15="http://schemas.microsoft.com/office/powerpoint/2012/main" xmlns:mc="http://schemas.openxmlformats.org/markup-compatibility/2006" type="titleOnly" preserve="1">
+  <p:cSld name="Title Only">
+    <p:spTree>
+      <p:nvGrpSpPr>
+        <p:cNvPr id="1" name=""/>
+        <p:cNvGrpSpPr/>
+        <p:nvPr/>
+      </p:nvGrpSpPr>
+      <p:grpSpPr>
+        <a:xfrm>
+          <a:off x="0" y="0"/>
+          <a:ext cx="0" cy="0"/>
+          <a:chOff x="0" y="0"/>
+          <a:chExt cx="0" cy="0"/>
+        </a:xfrm>
+      </p:grpSpPr>
+      <p:sp>
+        <p:nvSpPr>
+          <p:cNvPr id="161" name="PlaceHolder 1"/>
+          <p:cNvSpPr>
+            <a:spLocks noGrp="1"/>
+          </p:cNvSpPr>
+          <p:nvPr>
+            <p:ph type="title"/>
+          </p:nvPr>
+        </p:nvSpPr>
+        <p:spPr>
+          <a:xfrm>
+            <a:off x="495000" y="273600"/>
+            <a:ext cx="8915040" cy="1144800"/>
+          </a:xfrm>
+          <a:prstGeom prst="rect">
+            <a:avLst/>
+          </a:prstGeom>
+        </p:spPr>
+        <p:txBody>
+          <a:bodyPr lIns="0" rIns="0" tIns="0" bIns="0" anchor="ctr"/>
+          <a:p>
+            <a:pPr algn="ctr"/>
+            <a:endParaRPr b="0" lang="en-US" sz="4400" spc="-1" strike="noStrike">
+              <a:latin typeface="Arial"/>
+            </a:endParaRPr>
+          </a:p>
+        </p:txBody>
+      </p:sp>
+    </p:spTree>
+  </p:cSld>
+</p:sldLayout>
+</file>
+
+<file path=ppt/slideLayouts/slideLayout54.xml><?xml version="1.0" encoding="utf-8"?>
+<p:sldLayout xmlns:a="http://schemas.openxmlformats.org/drawingml/2006/main" xmlns:p="http://schemas.openxmlformats.org/presentationml/2006/main" xmlns:r="http://schemas.openxmlformats.org/officeDocument/2006/relationships" xmlns:p14="http://schemas.microsoft.com/office/powerpoint/2010/main" xmlns:p15="http://schemas.microsoft.com/office/powerpoint/2012/main" xmlns:mc="http://schemas.openxmlformats.org/markup-compatibility/2006" type="objOnly" preserve="1">
+  <p:cSld name="Centered Text">
+    <p:spTree>
+      <p:nvGrpSpPr>
+        <p:cNvPr id="1" name=""/>
+        <p:cNvGrpSpPr/>
+        <p:nvPr/>
+      </p:nvGrpSpPr>
+      <p:grpSpPr>
+        <a:xfrm>
+          <a:off x="0" y="0"/>
+          <a:ext cx="0" cy="0"/>
+          <a:chOff x="0" y="0"/>
+          <a:chExt cx="0" cy="0"/>
+        </a:xfrm>
+      </p:grpSpPr>
+      <p:sp>
+        <p:nvSpPr>
+          <p:cNvPr id="162" name="PlaceHolder 1"/>
+          <p:cNvSpPr>
+            <a:spLocks noGrp="1"/>
+          </p:cNvSpPr>
+          <p:nvPr>
+            <p:ph type="subTitle"/>
+          </p:nvPr>
+        </p:nvSpPr>
+        <p:spPr>
+          <a:xfrm>
+            <a:off x="495000" y="273600"/>
+            <a:ext cx="8915040" cy="5307840"/>
+          </a:xfrm>
+          <a:prstGeom prst="rect">
+            <a:avLst/>
+          </a:prstGeom>
+        </p:spPr>
+        <p:txBody>
+          <a:bodyPr lIns="0" rIns="0" tIns="0" bIns="0" anchor="ctr"/>
+          <a:p>
+            <a:pPr algn="ctr"/>
+            <a:endParaRPr b="0" lang="en-US" sz="3200" spc="-1" strike="noStrike">
+              <a:latin typeface="Arial"/>
+            </a:endParaRPr>
+          </a:p>
+        </p:txBody>
+      </p:sp>
+    </p:spTree>
+  </p:cSld>
+</p:sldLayout>
+</file>
+
+<file path=ppt/slideLayouts/slideLayout55.xml><?xml version="1.0" encoding="utf-8"?>
+<p:sldLayout xmlns:a="http://schemas.openxmlformats.org/drawingml/2006/main" xmlns:p="http://schemas.openxmlformats.org/presentationml/2006/main" xmlns:r="http://schemas.openxmlformats.org/officeDocument/2006/relationships" xmlns:p14="http://schemas.microsoft.com/office/powerpoint/2010/main" xmlns:p15="http://schemas.microsoft.com/office/powerpoint/2012/main" xmlns:mc="http://schemas.openxmlformats.org/markup-compatibility/2006" type="twoObjAndObj" preserve="1">
+  <p:cSld name="Title, 2 Content and Content">
+    <p:spTree>
+      <p:nvGrpSpPr>
+        <p:cNvPr id="1" name=""/>
+        <p:cNvGrpSpPr/>
+        <p:nvPr/>
+      </p:nvGrpSpPr>
+      <p:grpSpPr>
+        <a:xfrm>
+          <a:off x="0" y="0"/>
+          <a:ext cx="0" cy="0"/>
+          <a:chOff x="0" y="0"/>
+          <a:chExt cx="0" cy="0"/>
+        </a:xfrm>
+      </p:grpSpPr>
+      <p:sp>
+        <p:nvSpPr>
+          <p:cNvPr id="163" name="PlaceHolder 1"/>
+          <p:cNvSpPr>
+            <a:spLocks noGrp="1"/>
+          </p:cNvSpPr>
+          <p:nvPr>
+            <p:ph type="title"/>
+          </p:nvPr>
+        </p:nvSpPr>
+        <p:spPr>
+          <a:xfrm>
+            <a:off x="495000" y="273600"/>
+            <a:ext cx="8915040" cy="1144800"/>
+          </a:xfrm>
+          <a:prstGeom prst="rect">
+            <a:avLst/>
+          </a:prstGeom>
+        </p:spPr>
+        <p:txBody>
+          <a:bodyPr lIns="0" rIns="0" tIns="0" bIns="0" anchor="ctr"/>
+          <a:p>
+            <a:pPr algn="ctr"/>
+            <a:endParaRPr b="0" lang="en-US" sz="4400" spc="-1" strike="noStrike">
+              <a:latin typeface="Arial"/>
+            </a:endParaRPr>
+          </a:p>
+        </p:txBody>
+      </p:sp>
+      <p:sp>
+        <p:nvSpPr>
+          <p:cNvPr id="164" name="PlaceHolder 2"/>
+          <p:cNvSpPr>
+            <a:spLocks noGrp="1"/>
+          </p:cNvSpPr>
+          <p:nvPr>
+            <p:ph type="body"/>
+          </p:nvPr>
+        </p:nvSpPr>
+        <p:spPr>
+          <a:xfrm>
+            <a:off x="495000" y="1604520"/>
+            <a:ext cx="4350240" cy="1896840"/>
+          </a:xfrm>
+          <a:prstGeom prst="rect">
+            <a:avLst/>
+          </a:prstGeom>
+        </p:spPr>
+        <p:txBody>
+          <a:bodyPr lIns="0" rIns="0" tIns="0" bIns="0">
+            <a:normAutofit/>
+          </a:bodyPr>
+          <a:p>
+            <a:endParaRPr b="0" lang="en-US" sz="3200" spc="-1" strike="noStrike">
+              <a:latin typeface="Arial"/>
+            </a:endParaRPr>
+          </a:p>
+        </p:txBody>
+      </p:sp>
+      <p:sp>
+        <p:nvSpPr>
+          <p:cNvPr id="165" name="PlaceHolder 3"/>
+          <p:cNvSpPr>
+            <a:spLocks noGrp="1"/>
+          </p:cNvSpPr>
+          <p:nvPr>
+            <p:ph type="body"/>
+          </p:nvPr>
+        </p:nvSpPr>
+        <p:spPr>
+          <a:xfrm>
+            <a:off x="5063040" y="1604520"/>
+            <a:ext cx="4350240" cy="3977280"/>
+          </a:xfrm>
+          <a:prstGeom prst="rect">
+            <a:avLst/>
+          </a:prstGeom>
+        </p:spPr>
+        <p:txBody>
+          <a:bodyPr lIns="0" rIns="0" tIns="0" bIns="0">
+            <a:normAutofit/>
+          </a:bodyPr>
+          <a:p>
+            <a:endParaRPr b="0" lang="en-US" sz="3200" spc="-1" strike="noStrike">
+              <a:latin typeface="Arial"/>
+            </a:endParaRPr>
+          </a:p>
+        </p:txBody>
+      </p:sp>
+      <p:sp>
+        <p:nvSpPr>
+          <p:cNvPr id="166" name="PlaceHolder 4"/>
+          <p:cNvSpPr>
+            <a:spLocks noGrp="1"/>
+          </p:cNvSpPr>
+          <p:nvPr>
+            <p:ph type="body"/>
+          </p:nvPr>
+        </p:nvSpPr>
+        <p:spPr>
+          <a:xfrm>
+            <a:off x="495000" y="3682080"/>
+            <a:ext cx="4350240" cy="1896840"/>
+          </a:xfrm>
+          <a:prstGeom prst="rect">
+            <a:avLst/>
+          </a:prstGeom>
+        </p:spPr>
+        <p:txBody>
+          <a:bodyPr lIns="0" rIns="0" tIns="0" bIns="0">
+            <a:normAutofit/>
+          </a:bodyPr>
+          <a:p>
+            <a:endParaRPr b="0" lang="en-US" sz="3200" spc="-1" strike="noStrike">
+              <a:latin typeface="Arial"/>
+            </a:endParaRPr>
+          </a:p>
+        </p:txBody>
+      </p:sp>
+    </p:spTree>
+  </p:cSld>
+</p:sldLayout>
+</file>
+
+<file path=ppt/slideLayouts/slideLayout56.xml><?xml version="1.0" encoding="utf-8"?>
+<p:sldLayout xmlns:a="http://schemas.openxmlformats.org/drawingml/2006/main" xmlns:p="http://schemas.openxmlformats.org/presentationml/2006/main" xmlns:r="http://schemas.openxmlformats.org/officeDocument/2006/relationships" xmlns:p14="http://schemas.microsoft.com/office/powerpoint/2010/main" xmlns:p15="http://schemas.microsoft.com/office/powerpoint/2012/main" xmlns:mc="http://schemas.openxmlformats.org/markup-compatibility/2006" type="objAndTwoObj" preserve="1">
+  <p:cSld name="Title Content and 2 Content">
+    <p:spTree>
+      <p:nvGrpSpPr>
+        <p:cNvPr id="1" name=""/>
+        <p:cNvGrpSpPr/>
+        <p:nvPr/>
+      </p:nvGrpSpPr>
+      <p:grpSpPr>
+        <a:xfrm>
+          <a:off x="0" y="0"/>
+          <a:ext cx="0" cy="0"/>
+          <a:chOff x="0" y="0"/>
+          <a:chExt cx="0" cy="0"/>
+        </a:xfrm>
+      </p:grpSpPr>
+      <p:sp>
+        <p:nvSpPr>
+          <p:cNvPr id="167" name="PlaceHolder 1"/>
+          <p:cNvSpPr>
+            <a:spLocks noGrp="1"/>
+          </p:cNvSpPr>
+          <p:nvPr>
+            <p:ph type="title"/>
+          </p:nvPr>
+        </p:nvSpPr>
+        <p:spPr>
+          <a:xfrm>
+            <a:off x="495000" y="273600"/>
+            <a:ext cx="8915040" cy="1144800"/>
+          </a:xfrm>
+          <a:prstGeom prst="rect">
+            <a:avLst/>
+          </a:prstGeom>
+        </p:spPr>
+        <p:txBody>
+          <a:bodyPr lIns="0" rIns="0" tIns="0" bIns="0" anchor="ctr"/>
+          <a:p>
+            <a:pPr algn="ctr"/>
+            <a:endParaRPr b="0" lang="en-US" sz="4400" spc="-1" strike="noStrike">
+              <a:latin typeface="Arial"/>
+            </a:endParaRPr>
+          </a:p>
+        </p:txBody>
+      </p:sp>
+      <p:sp>
+        <p:nvSpPr>
+          <p:cNvPr id="168" name="PlaceHolder 2"/>
+          <p:cNvSpPr>
+            <a:spLocks noGrp="1"/>
+          </p:cNvSpPr>
+          <p:nvPr>
+            <p:ph type="body"/>
+          </p:nvPr>
+        </p:nvSpPr>
+        <p:spPr>
+          <a:xfrm>
+            <a:off x="495000" y="1604520"/>
+            <a:ext cx="4350240" cy="3977280"/>
+          </a:xfrm>
+          <a:prstGeom prst="rect">
+            <a:avLst/>
+          </a:prstGeom>
+        </p:spPr>
+        <p:txBody>
+          <a:bodyPr lIns="0" rIns="0" tIns="0" bIns="0">
+            <a:normAutofit/>
+          </a:bodyPr>
+          <a:p>
+            <a:endParaRPr b="0" lang="en-US" sz="3200" spc="-1" strike="noStrike">
+              <a:latin typeface="Arial"/>
+            </a:endParaRPr>
+          </a:p>
+        </p:txBody>
+      </p:sp>
+      <p:sp>
+        <p:nvSpPr>
+          <p:cNvPr id="169" name="PlaceHolder 3"/>
+          <p:cNvSpPr>
+            <a:spLocks noGrp="1"/>
+          </p:cNvSpPr>
+          <p:nvPr>
+            <p:ph type="body"/>
+          </p:nvPr>
+        </p:nvSpPr>
+        <p:spPr>
+          <a:xfrm>
+            <a:off x="5063040" y="1604520"/>
+            <a:ext cx="4350240" cy="1896840"/>
+          </a:xfrm>
+          <a:prstGeom prst="rect">
+            <a:avLst/>
+          </a:prstGeom>
+        </p:spPr>
+        <p:txBody>
+          <a:bodyPr lIns="0" rIns="0" tIns="0" bIns="0">
+            <a:normAutofit/>
+          </a:bodyPr>
+          <a:p>
+            <a:endParaRPr b="0" lang="en-US" sz="3200" spc="-1" strike="noStrike">
+              <a:latin typeface="Arial"/>
+            </a:endParaRPr>
+          </a:p>
+        </p:txBody>
+      </p:sp>
+      <p:sp>
+        <p:nvSpPr>
+          <p:cNvPr id="170" name="PlaceHolder 4"/>
+          <p:cNvSpPr>
+            <a:spLocks noGrp="1"/>
+          </p:cNvSpPr>
+          <p:nvPr>
+            <p:ph type="body"/>
+          </p:nvPr>
+        </p:nvSpPr>
+        <p:spPr>
+          <a:xfrm>
+            <a:off x="5063040" y="3682080"/>
+            <a:ext cx="4350240" cy="1896840"/>
+          </a:xfrm>
+          <a:prstGeom prst="rect">
+            <a:avLst/>
+          </a:prstGeom>
+        </p:spPr>
+        <p:txBody>
+          <a:bodyPr lIns="0" rIns="0" tIns="0" bIns="0">
+            <a:normAutofit/>
+          </a:bodyPr>
+          <a:p>
+            <a:endParaRPr b="0" lang="en-US" sz="3200" spc="-1" strike="noStrike">
+              <a:latin typeface="Arial"/>
+            </a:endParaRPr>
+          </a:p>
+        </p:txBody>
+      </p:sp>
+    </p:spTree>
+  </p:cSld>
+</p:sldLayout>
+</file>
+
+<file path=ppt/slideLayouts/slideLayout57.xml><?xml version="1.0" encoding="utf-8"?>
+<p:sldLayout xmlns:a="http://schemas.openxmlformats.org/drawingml/2006/main" xmlns:p="http://schemas.openxmlformats.org/presentationml/2006/main" xmlns:r="http://schemas.openxmlformats.org/officeDocument/2006/relationships" xmlns:p14="http://schemas.microsoft.com/office/powerpoint/2010/main" xmlns:p15="http://schemas.microsoft.com/office/powerpoint/2012/main" xmlns:mc="http://schemas.openxmlformats.org/markup-compatibility/2006" type="twoObjOverTx" preserve="1">
+  <p:cSld name="Title, 2 Content over Content">
+    <p:spTree>
+      <p:nvGrpSpPr>
+        <p:cNvPr id="1" name=""/>
+        <p:cNvGrpSpPr/>
+        <p:nvPr/>
+      </p:nvGrpSpPr>
+      <p:grpSpPr>
+        <a:xfrm>
+          <a:off x="0" y="0"/>
+          <a:ext cx="0" cy="0"/>
+          <a:chOff x="0" y="0"/>
+          <a:chExt cx="0" cy="0"/>
+        </a:xfrm>
+      </p:grpSpPr>
+      <p:sp>
+        <p:nvSpPr>
+          <p:cNvPr id="171" name="PlaceHolder 1"/>
+          <p:cNvSpPr>
+            <a:spLocks noGrp="1"/>
+          </p:cNvSpPr>
+          <p:nvPr>
+            <p:ph type="title"/>
+          </p:nvPr>
+        </p:nvSpPr>
+        <p:spPr>
+          <a:xfrm>
+            <a:off x="495000" y="273600"/>
+            <a:ext cx="8915040" cy="1144800"/>
+          </a:xfrm>
+          <a:prstGeom prst="rect">
+            <a:avLst/>
+          </a:prstGeom>
+        </p:spPr>
+        <p:txBody>
+          <a:bodyPr lIns="0" rIns="0" tIns="0" bIns="0" anchor="ctr"/>
+          <a:p>
+            <a:pPr algn="ctr"/>
+            <a:endParaRPr b="0" lang="en-US" sz="4400" spc="-1" strike="noStrike">
+              <a:latin typeface="Arial"/>
+            </a:endParaRPr>
+          </a:p>
+        </p:txBody>
+      </p:sp>
+      <p:sp>
+        <p:nvSpPr>
+          <p:cNvPr id="172" name="PlaceHolder 2"/>
+          <p:cNvSpPr>
+            <a:spLocks noGrp="1"/>
+          </p:cNvSpPr>
+          <p:nvPr>
+            <p:ph type="body"/>
+          </p:nvPr>
+        </p:nvSpPr>
+        <p:spPr>
+          <a:xfrm>
+            <a:off x="495000" y="1604520"/>
+            <a:ext cx="4350240" cy="1896840"/>
+          </a:xfrm>
+          <a:prstGeom prst="rect">
+            <a:avLst/>
+          </a:prstGeom>
+        </p:spPr>
+        <p:txBody>
+          <a:bodyPr lIns="0" rIns="0" tIns="0" bIns="0">
+            <a:normAutofit/>
+          </a:bodyPr>
+          <a:p>
+            <a:endParaRPr b="0" lang="en-US" sz="3200" spc="-1" strike="noStrike">
+              <a:latin typeface="Arial"/>
+            </a:endParaRPr>
+          </a:p>
+        </p:txBody>
+      </p:sp>
+      <p:sp>
+        <p:nvSpPr>
+          <p:cNvPr id="173" name="PlaceHolder 3"/>
+          <p:cNvSpPr>
+            <a:spLocks noGrp="1"/>
+          </p:cNvSpPr>
+          <p:nvPr>
+            <p:ph type="body"/>
+          </p:nvPr>
+        </p:nvSpPr>
+        <p:spPr>
+          <a:xfrm>
+            <a:off x="5063040" y="1604520"/>
+            <a:ext cx="4350240" cy="1896840"/>
+          </a:xfrm>
+          <a:prstGeom prst="rect">
+            <a:avLst/>
+          </a:prstGeom>
+        </p:spPr>
+        <p:txBody>
+          <a:bodyPr lIns="0" rIns="0" tIns="0" bIns="0">
+            <a:normAutofit/>
+          </a:bodyPr>
+          <a:p>
+            <a:endParaRPr b="0" lang="en-US" sz="3200" spc="-1" strike="noStrike">
+              <a:latin typeface="Arial"/>
+            </a:endParaRPr>
+          </a:p>
+        </p:txBody>
+      </p:sp>
+      <p:sp>
+        <p:nvSpPr>
+          <p:cNvPr id="174" name="PlaceHolder 4"/>
+          <p:cNvSpPr>
+            <a:spLocks noGrp="1"/>
+          </p:cNvSpPr>
+          <p:nvPr>
+            <p:ph type="body"/>
+          </p:nvPr>
+        </p:nvSpPr>
+        <p:spPr>
+          <a:xfrm>
+            <a:off x="495000" y="3682080"/>
+            <a:ext cx="8915040" cy="1896840"/>
+          </a:xfrm>
+          <a:prstGeom prst="rect">
+            <a:avLst/>
+          </a:prstGeom>
+        </p:spPr>
+        <p:txBody>
+          <a:bodyPr lIns="0" rIns="0" tIns="0" bIns="0">
+            <a:normAutofit/>
+          </a:bodyPr>
+          <a:p>
+            <a:endParaRPr b="0" lang="en-US" sz="3200" spc="-1" strike="noStrike">
+              <a:latin typeface="Arial"/>
+            </a:endParaRPr>
+          </a:p>
+        </p:txBody>
+      </p:sp>
+    </p:spTree>
+  </p:cSld>
+</p:sldLayout>
+</file>
+
+<file path=ppt/slideLayouts/slideLayout58.xml><?xml version="1.0" encoding="utf-8"?>
+<p:sldLayout xmlns:a="http://schemas.openxmlformats.org/drawingml/2006/main" xmlns:p="http://schemas.openxmlformats.org/presentationml/2006/main" xmlns:r="http://schemas.openxmlformats.org/officeDocument/2006/relationships" xmlns:p14="http://schemas.microsoft.com/office/powerpoint/2010/main" xmlns:p15="http://schemas.microsoft.com/office/powerpoint/2012/main" xmlns:mc="http://schemas.openxmlformats.org/markup-compatibility/2006" type="objOverTx" preserve="1">
+  <p:cSld name="Title, Content over Content">
+    <p:spTree>
+      <p:nvGrpSpPr>
+        <p:cNvPr id="1" name=""/>
+        <p:cNvGrpSpPr/>
+        <p:nvPr/>
+      </p:nvGrpSpPr>
+      <p:grpSpPr>
+        <a:xfrm>
+          <a:off x="0" y="0"/>
+          <a:ext cx="0" cy="0"/>
+          <a:chOff x="0" y="0"/>
+          <a:chExt cx="0" cy="0"/>
+        </a:xfrm>
+      </p:grpSpPr>
+      <p:sp>
+        <p:nvSpPr>
+          <p:cNvPr id="175" name="PlaceHolder 1"/>
+          <p:cNvSpPr>
+            <a:spLocks noGrp="1"/>
+          </p:cNvSpPr>
+          <p:nvPr>
+            <p:ph type="title"/>
+          </p:nvPr>
+        </p:nvSpPr>
+        <p:spPr>
+          <a:xfrm>
+            <a:off x="495000" y="273600"/>
+            <a:ext cx="8915040" cy="1144800"/>
+          </a:xfrm>
+          <a:prstGeom prst="rect">
+            <a:avLst/>
+          </a:prstGeom>
+        </p:spPr>
+        <p:txBody>
+          <a:bodyPr lIns="0" rIns="0" tIns="0" bIns="0" anchor="ctr"/>
+          <a:p>
+            <a:pPr algn="ctr"/>
+            <a:endParaRPr b="0" lang="en-US" sz="4400" spc="-1" strike="noStrike">
+              <a:latin typeface="Arial"/>
+            </a:endParaRPr>
+          </a:p>
+        </p:txBody>
+      </p:sp>
+      <p:sp>
+        <p:nvSpPr>
+          <p:cNvPr id="176" name="PlaceHolder 2"/>
+          <p:cNvSpPr>
+            <a:spLocks noGrp="1"/>
+          </p:cNvSpPr>
+          <p:nvPr>
+            <p:ph type="body"/>
+          </p:nvPr>
+        </p:nvSpPr>
+        <p:spPr>
+          <a:xfrm>
+            <a:off x="495000" y="1604520"/>
+            <a:ext cx="8915040" cy="1896840"/>
+          </a:xfrm>
+          <a:prstGeom prst="rect">
+            <a:avLst/>
+          </a:prstGeom>
+        </p:spPr>
+        <p:txBody>
+          <a:bodyPr lIns="0" rIns="0" tIns="0" bIns="0">
+            <a:normAutofit/>
+          </a:bodyPr>
+          <a:p>
+            <a:endParaRPr b="0" lang="en-US" sz="3200" spc="-1" strike="noStrike">
+              <a:latin typeface="Arial"/>
+            </a:endParaRPr>
+          </a:p>
+        </p:txBody>
+      </p:sp>
+      <p:sp>
+        <p:nvSpPr>
+          <p:cNvPr id="177" name="PlaceHolder 3"/>
+          <p:cNvSpPr>
+            <a:spLocks noGrp="1"/>
+          </p:cNvSpPr>
+          <p:nvPr>
+            <p:ph type="body"/>
+          </p:nvPr>
+        </p:nvSpPr>
+        <p:spPr>
+          <a:xfrm>
+            <a:off x="495000" y="3682080"/>
+            <a:ext cx="8915040" cy="1896840"/>
+          </a:xfrm>
+          <a:prstGeom prst="rect">
+            <a:avLst/>
+          </a:prstGeom>
+        </p:spPr>
+        <p:txBody>
+          <a:bodyPr lIns="0" rIns="0" tIns="0" bIns="0">
+            <a:normAutofit/>
+          </a:bodyPr>
+          <a:p>
+            <a:endParaRPr b="0" lang="en-US" sz="3200" spc="-1" strike="noStrike">
+              <a:latin typeface="Arial"/>
+            </a:endParaRPr>
+          </a:p>
+        </p:txBody>
+      </p:sp>
+    </p:spTree>
+  </p:cSld>
+</p:sldLayout>
+</file>
+
+<file path=ppt/slideLayouts/slideLayout59.xml><?xml version="1.0" encoding="utf-8"?>
+<p:sldLayout xmlns:a="http://schemas.openxmlformats.org/drawingml/2006/main" xmlns:p="http://schemas.openxmlformats.org/presentationml/2006/main" xmlns:r="http://schemas.openxmlformats.org/officeDocument/2006/relationships" xmlns:p14="http://schemas.microsoft.com/office/powerpoint/2010/main" xmlns:p15="http://schemas.microsoft.com/office/powerpoint/2012/main" xmlns:mc="http://schemas.openxmlformats.org/markup-compatibility/2006" type="fourObj" preserve="1">
+  <p:cSld name="Title, 4 Content">
+    <p:spTree>
+      <p:nvGrpSpPr>
+        <p:cNvPr id="1" name=""/>
+        <p:cNvGrpSpPr/>
+        <p:nvPr/>
+      </p:nvGrpSpPr>
+      <p:grpSpPr>
+        <a:xfrm>
+          <a:off x="0" y="0"/>
+          <a:ext cx="0" cy="0"/>
+          <a:chOff x="0" y="0"/>
+          <a:chExt cx="0" cy="0"/>
+        </a:xfrm>
+      </p:grpSpPr>
+      <p:sp>
+        <p:nvSpPr>
+          <p:cNvPr id="178" name="PlaceHolder 1"/>
+          <p:cNvSpPr>
+            <a:spLocks noGrp="1"/>
+          </p:cNvSpPr>
+          <p:nvPr>
+            <p:ph type="title"/>
+          </p:nvPr>
+        </p:nvSpPr>
+        <p:spPr>
+          <a:xfrm>
+            <a:off x="495000" y="273600"/>
+            <a:ext cx="8915040" cy="1144800"/>
+          </a:xfrm>
+          <a:prstGeom prst="rect">
+            <a:avLst/>
+          </a:prstGeom>
+        </p:spPr>
+        <p:txBody>
+          <a:bodyPr lIns="0" rIns="0" tIns="0" bIns="0" anchor="ctr"/>
+          <a:p>
+            <a:pPr algn="ctr"/>
+            <a:endParaRPr b="0" lang="en-US" sz="4400" spc="-1" strike="noStrike">
+              <a:latin typeface="Arial"/>
+            </a:endParaRPr>
+          </a:p>
+        </p:txBody>
+      </p:sp>
+      <p:sp>
+        <p:nvSpPr>
+          <p:cNvPr id="179" name="PlaceHolder 2"/>
+          <p:cNvSpPr>
+            <a:spLocks noGrp="1"/>
+          </p:cNvSpPr>
+          <p:nvPr>
+            <p:ph type="body"/>
+          </p:nvPr>
+        </p:nvSpPr>
+        <p:spPr>
+          <a:xfrm>
+            <a:off x="495000" y="1604520"/>
+            <a:ext cx="4350240" cy="1896840"/>
+          </a:xfrm>
+          <a:prstGeom prst="rect">
+            <a:avLst/>
+          </a:prstGeom>
+        </p:spPr>
+        <p:txBody>
+          <a:bodyPr lIns="0" rIns="0" tIns="0" bIns="0">
+            <a:normAutofit/>
+          </a:bodyPr>
+          <a:p>
+            <a:endParaRPr b="0" lang="en-US" sz="3200" spc="-1" strike="noStrike">
+              <a:latin typeface="Arial"/>
+            </a:endParaRPr>
+          </a:p>
+        </p:txBody>
+      </p:sp>
+      <p:sp>
+        <p:nvSpPr>
+          <p:cNvPr id="180" name="PlaceHolder 3"/>
+          <p:cNvSpPr>
+            <a:spLocks noGrp="1"/>
+          </p:cNvSpPr>
+          <p:nvPr>
+            <p:ph type="body"/>
+          </p:nvPr>
+        </p:nvSpPr>
+        <p:spPr>
+          <a:xfrm>
+            <a:off x="5063040" y="1604520"/>
+            <a:ext cx="4350240" cy="1896840"/>
+          </a:xfrm>
+          <a:prstGeom prst="rect">
+            <a:avLst/>
+          </a:prstGeom>
+        </p:spPr>
+        <p:txBody>
+          <a:bodyPr lIns="0" rIns="0" tIns="0" bIns="0">
+            <a:normAutofit/>
+          </a:bodyPr>
+          <a:p>
+            <a:endParaRPr b="0" lang="en-US" sz="3200" spc="-1" strike="noStrike">
+              <a:latin typeface="Arial"/>
+            </a:endParaRPr>
+          </a:p>
+        </p:txBody>
+      </p:sp>
+      <p:sp>
+        <p:nvSpPr>
+          <p:cNvPr id="181" name="PlaceHolder 4"/>
+          <p:cNvSpPr>
+            <a:spLocks noGrp="1"/>
+          </p:cNvSpPr>
+          <p:nvPr>
+            <p:ph type="body"/>
+          </p:nvPr>
+        </p:nvSpPr>
+        <p:spPr>
+          <a:xfrm>
+            <a:off x="495000" y="3682080"/>
+            <a:ext cx="4350240" cy="1896840"/>
+          </a:xfrm>
+          <a:prstGeom prst="rect">
+            <a:avLst/>
+          </a:prstGeom>
+        </p:spPr>
+        <p:txBody>
+          <a:bodyPr lIns="0" rIns="0" tIns="0" bIns="0">
+            <a:normAutofit/>
+          </a:bodyPr>
+          <a:p>
+            <a:endParaRPr b="0" lang="en-US" sz="3200" spc="-1" strike="noStrike">
+              <a:latin typeface="Arial"/>
+            </a:endParaRPr>
+          </a:p>
+        </p:txBody>
+      </p:sp>
+      <p:sp>
+        <p:nvSpPr>
+          <p:cNvPr id="182" name="PlaceHolder 5"/>
+          <p:cNvSpPr>
+            <a:spLocks noGrp="1"/>
+          </p:cNvSpPr>
+          <p:nvPr>
+            <p:ph type="body"/>
+          </p:nvPr>
+        </p:nvSpPr>
+        <p:spPr>
+          <a:xfrm>
+            <a:off x="5063040" y="3682080"/>
+            <a:ext cx="4350240" cy="1896840"/>
+          </a:xfrm>
+          <a:prstGeom prst="rect">
+            <a:avLst/>
+          </a:prstGeom>
+        </p:spPr>
+        <p:txBody>
+          <a:bodyPr lIns="0" rIns="0" tIns="0" bIns="0">
+            <a:normAutofit/>
+          </a:bodyPr>
+          <a:p>
+            <a:endParaRPr b="0" lang="en-US" sz="3200" spc="-1" strike="noStrike">
+              <a:latin typeface="Arial"/>
+            </a:endParaRPr>
+          </a:p>
+        </p:txBody>
+      </p:sp>
+    </p:spTree>
+  </p:cSld>
+</p:sldLayout>
+</file>
+
 <file path=ppt/slideLayouts/slideLayout6.xml><?xml version="1.0" encoding="utf-8"?>
 <p:sldLayout xmlns:a="http://schemas.openxmlformats.org/drawingml/2006/main" xmlns:p="http://schemas.openxmlformats.org/presentationml/2006/main" xmlns:r="http://schemas.openxmlformats.org/officeDocument/2006/relationships" xmlns:p14="http://schemas.microsoft.com/office/powerpoint/2010/main" xmlns:p15="http://schemas.microsoft.com/office/powerpoint/2012/main" xmlns:mc="http://schemas.openxmlformats.org/markup-compatibility/2006" type="objOnly" preserve="1">
   <p:cSld name="Centered Text">
@@ -3594,6 +6034,237 @@
           <a:bodyPr lIns="0" rIns="0" tIns="0" bIns="0" anchor="ctr"/>
           <a:p>
             <a:pPr algn="ctr"/>
+            <a:endParaRPr b="0" lang="en-US" sz="3200" spc="-1" strike="noStrike">
+              <a:latin typeface="Arial"/>
+            </a:endParaRPr>
+          </a:p>
+        </p:txBody>
+      </p:sp>
+    </p:spTree>
+  </p:cSld>
+</p:sldLayout>
+</file>
+
+<file path=ppt/slideLayouts/slideLayout60.xml><?xml version="1.0" encoding="utf-8"?>
+<p:sldLayout xmlns:a="http://schemas.openxmlformats.org/drawingml/2006/main" xmlns:p="http://schemas.openxmlformats.org/presentationml/2006/main" xmlns:r="http://schemas.openxmlformats.org/officeDocument/2006/relationships" xmlns:p14="http://schemas.microsoft.com/office/powerpoint/2010/main" xmlns:p15="http://schemas.microsoft.com/office/powerpoint/2012/main" xmlns:mc="http://schemas.openxmlformats.org/markup-compatibility/2006" type="blank" preserve="1">
+  <p:cSld name="Title, 6 Content">
+    <p:spTree>
+      <p:nvGrpSpPr>
+        <p:cNvPr id="1" name=""/>
+        <p:cNvGrpSpPr/>
+        <p:nvPr/>
+      </p:nvGrpSpPr>
+      <p:grpSpPr>
+        <a:xfrm>
+          <a:off x="0" y="0"/>
+          <a:ext cx="0" cy="0"/>
+          <a:chOff x="0" y="0"/>
+          <a:chExt cx="0" cy="0"/>
+        </a:xfrm>
+      </p:grpSpPr>
+      <p:sp>
+        <p:nvSpPr>
+          <p:cNvPr id="183" name="PlaceHolder 1"/>
+          <p:cNvSpPr>
+            <a:spLocks noGrp="1"/>
+          </p:cNvSpPr>
+          <p:nvPr>
+            <p:ph type="title"/>
+          </p:nvPr>
+        </p:nvSpPr>
+        <p:spPr>
+          <a:xfrm>
+            <a:off x="495000" y="273600"/>
+            <a:ext cx="8915040" cy="1144800"/>
+          </a:xfrm>
+          <a:prstGeom prst="rect">
+            <a:avLst/>
+          </a:prstGeom>
+        </p:spPr>
+        <p:txBody>
+          <a:bodyPr lIns="0" rIns="0" tIns="0" bIns="0" anchor="ctr"/>
+          <a:p>
+            <a:pPr algn="ctr"/>
+            <a:endParaRPr b="0" lang="en-US" sz="4400" spc="-1" strike="noStrike">
+              <a:latin typeface="Arial"/>
+            </a:endParaRPr>
+          </a:p>
+        </p:txBody>
+      </p:sp>
+      <p:sp>
+        <p:nvSpPr>
+          <p:cNvPr id="184" name="PlaceHolder 2"/>
+          <p:cNvSpPr>
+            <a:spLocks noGrp="1"/>
+          </p:cNvSpPr>
+          <p:nvPr>
+            <p:ph type="body"/>
+          </p:nvPr>
+        </p:nvSpPr>
+        <p:spPr>
+          <a:xfrm>
+            <a:off x="495000" y="1604520"/>
+            <a:ext cx="2870280" cy="1896840"/>
+          </a:xfrm>
+          <a:prstGeom prst="rect">
+            <a:avLst/>
+          </a:prstGeom>
+        </p:spPr>
+        <p:txBody>
+          <a:bodyPr lIns="0" rIns="0" tIns="0" bIns="0">
+            <a:normAutofit/>
+          </a:bodyPr>
+          <a:p>
+            <a:endParaRPr b="0" lang="en-US" sz="3200" spc="-1" strike="noStrike">
+              <a:latin typeface="Arial"/>
+            </a:endParaRPr>
+          </a:p>
+        </p:txBody>
+      </p:sp>
+      <p:sp>
+        <p:nvSpPr>
+          <p:cNvPr id="185" name="PlaceHolder 3"/>
+          <p:cNvSpPr>
+            <a:spLocks noGrp="1"/>
+          </p:cNvSpPr>
+          <p:nvPr>
+            <p:ph type="body"/>
+          </p:nvPr>
+        </p:nvSpPr>
+        <p:spPr>
+          <a:xfrm>
+            <a:off x="3509280" y="1604520"/>
+            <a:ext cx="2870280" cy="1896840"/>
+          </a:xfrm>
+          <a:prstGeom prst="rect">
+            <a:avLst/>
+          </a:prstGeom>
+        </p:spPr>
+        <p:txBody>
+          <a:bodyPr lIns="0" rIns="0" tIns="0" bIns="0">
+            <a:normAutofit/>
+          </a:bodyPr>
+          <a:p>
+            <a:endParaRPr b="0" lang="en-US" sz="3200" spc="-1" strike="noStrike">
+              <a:latin typeface="Arial"/>
+            </a:endParaRPr>
+          </a:p>
+        </p:txBody>
+      </p:sp>
+      <p:sp>
+        <p:nvSpPr>
+          <p:cNvPr id="186" name="PlaceHolder 4"/>
+          <p:cNvSpPr>
+            <a:spLocks noGrp="1"/>
+          </p:cNvSpPr>
+          <p:nvPr>
+            <p:ph type="body"/>
+          </p:nvPr>
+        </p:nvSpPr>
+        <p:spPr>
+          <a:xfrm>
+            <a:off x="6523200" y="1604520"/>
+            <a:ext cx="2870280" cy="1896840"/>
+          </a:xfrm>
+          <a:prstGeom prst="rect">
+            <a:avLst/>
+          </a:prstGeom>
+        </p:spPr>
+        <p:txBody>
+          <a:bodyPr lIns="0" rIns="0" tIns="0" bIns="0">
+            <a:normAutofit/>
+          </a:bodyPr>
+          <a:p>
+            <a:endParaRPr b="0" lang="en-US" sz="3200" spc="-1" strike="noStrike">
+              <a:latin typeface="Arial"/>
+            </a:endParaRPr>
+          </a:p>
+        </p:txBody>
+      </p:sp>
+      <p:sp>
+        <p:nvSpPr>
+          <p:cNvPr id="187" name="PlaceHolder 5"/>
+          <p:cNvSpPr>
+            <a:spLocks noGrp="1"/>
+          </p:cNvSpPr>
+          <p:nvPr>
+            <p:ph type="body"/>
+          </p:nvPr>
+        </p:nvSpPr>
+        <p:spPr>
+          <a:xfrm>
+            <a:off x="495000" y="3682080"/>
+            <a:ext cx="2870280" cy="1896840"/>
+          </a:xfrm>
+          <a:prstGeom prst="rect">
+            <a:avLst/>
+          </a:prstGeom>
+        </p:spPr>
+        <p:txBody>
+          <a:bodyPr lIns="0" rIns="0" tIns="0" bIns="0">
+            <a:normAutofit/>
+          </a:bodyPr>
+          <a:p>
+            <a:endParaRPr b="0" lang="en-US" sz="3200" spc="-1" strike="noStrike">
+              <a:latin typeface="Arial"/>
+            </a:endParaRPr>
+          </a:p>
+        </p:txBody>
+      </p:sp>
+      <p:sp>
+        <p:nvSpPr>
+          <p:cNvPr id="188" name="PlaceHolder 6"/>
+          <p:cNvSpPr>
+            <a:spLocks noGrp="1"/>
+          </p:cNvSpPr>
+          <p:nvPr>
+            <p:ph type="body"/>
+          </p:nvPr>
+        </p:nvSpPr>
+        <p:spPr>
+          <a:xfrm>
+            <a:off x="3509280" y="3682080"/>
+            <a:ext cx="2870280" cy="1896840"/>
+          </a:xfrm>
+          <a:prstGeom prst="rect">
+            <a:avLst/>
+          </a:prstGeom>
+        </p:spPr>
+        <p:txBody>
+          <a:bodyPr lIns="0" rIns="0" tIns="0" bIns="0">
+            <a:normAutofit/>
+          </a:bodyPr>
+          <a:p>
+            <a:endParaRPr b="0" lang="en-US" sz="3200" spc="-1" strike="noStrike">
+              <a:latin typeface="Arial"/>
+            </a:endParaRPr>
+          </a:p>
+        </p:txBody>
+      </p:sp>
+      <p:sp>
+        <p:nvSpPr>
+          <p:cNvPr id="189" name="PlaceHolder 7"/>
+          <p:cNvSpPr>
+            <a:spLocks noGrp="1"/>
+          </p:cNvSpPr>
+          <p:nvPr>
+            <p:ph type="body"/>
+          </p:nvPr>
+        </p:nvSpPr>
+        <p:spPr>
+          <a:xfrm>
+            <a:off x="6523200" y="3682080"/>
+            <a:ext cx="2870280" cy="1896840"/>
+          </a:xfrm>
+          <a:prstGeom prst="rect">
+            <a:avLst/>
+          </a:prstGeom>
+        </p:spPr>
+        <p:txBody>
+          <a:bodyPr lIns="0" rIns="0" tIns="0" bIns="0">
+            <a:normAutofit/>
+          </a:bodyPr>
+          <a:p>
             <a:endParaRPr b="0" lang="en-US" sz="3200" spc="-1" strike="noStrike">
               <a:latin typeface="Arial"/>
             </a:endParaRPr>
@@ -4067,8 +6738,8 @@
         </p:nvSpPr>
         <p:spPr>
           <a:xfrm>
-            <a:off x="681120" y="365040"/>
-            <a:ext cx="8543160" cy="1324800"/>
+            <a:off x="495000" y="273600"/>
+            <a:ext cx="8915040" cy="1144800"/>
           </a:xfrm>
           <a:prstGeom prst="rect">
             <a:avLst/>
@@ -4077,13 +6748,14 @@
         <p:txBody>
           <a:bodyPr lIns="0" rIns="0" tIns="0" bIns="0" anchor="ctr"/>
           <a:p>
-            <a:r>
-              <a:rPr b="0" lang="en-US" sz="1800" spc="-1" strike="noStrike">
+            <a:pPr algn="ctr"/>
+            <a:r>
+              <a:rPr b="0" lang="en-US" sz="4400" spc="-1" strike="noStrike">
                 <a:latin typeface="Arial"/>
               </a:rPr>
               <a:t>Click to edit the title text format</a:t>
             </a:r>
-            <a:endParaRPr b="0" lang="en-US" sz="1800" spc="-1" strike="noStrike">
+            <a:endParaRPr b="0" lang="en-US" sz="4400" spc="-1" strike="noStrike">
               <a:latin typeface="Arial"/>
             </a:endParaRPr>
           </a:p>
@@ -4810,6 +7482,527 @@
 </p:sldMaster>
 </file>
 
+<file path=ppt/slideMasters/slideMaster4.xml><?xml version="1.0" encoding="utf-8"?>
+<p:sldMaster xmlns:a="http://schemas.openxmlformats.org/drawingml/2006/main" xmlns:p="http://schemas.openxmlformats.org/presentationml/2006/main" xmlns:r="http://schemas.openxmlformats.org/officeDocument/2006/relationships" xmlns:p14="http://schemas.microsoft.com/office/powerpoint/2010/main" xmlns:p15="http://schemas.microsoft.com/office/powerpoint/2012/main" xmlns:mc="http://schemas.openxmlformats.org/markup-compatibility/2006">
+  <p:cSld>
+    <p:bg>
+      <p:bgPr>
+        <a:blipFill rotWithShape="0">
+          <a:blip r:embed="rId2"/>
+          <a:stretch>
+            <a:fillRect/>
+          </a:stretch>
+        </a:blipFill>
+      </p:bgPr>
+    </p:bg>
+    <p:spTree>
+      <p:nvGrpSpPr>
+        <p:cNvPr id="1" name=""/>
+        <p:cNvGrpSpPr/>
+        <p:nvPr/>
+      </p:nvGrpSpPr>
+      <p:grpSpPr>
+        <a:xfrm>
+          <a:off x="0" y="0"/>
+          <a:ext cx="0" cy="0"/>
+          <a:chOff x="0" y="0"/>
+          <a:chExt cx="0" cy="0"/>
+        </a:xfrm>
+      </p:grpSpPr>
+      <p:sp>
+        <p:nvSpPr>
+          <p:cNvPr id="114" name="PlaceHolder 1"/>
+          <p:cNvSpPr>
+            <a:spLocks noGrp="1"/>
+          </p:cNvSpPr>
+          <p:nvPr>
+            <p:ph type="title"/>
+          </p:nvPr>
+        </p:nvSpPr>
+        <p:spPr>
+          <a:xfrm>
+            <a:off x="495000" y="273600"/>
+            <a:ext cx="8915040" cy="1144800"/>
+          </a:xfrm>
+          <a:prstGeom prst="rect">
+            <a:avLst/>
+          </a:prstGeom>
+        </p:spPr>
+        <p:txBody>
+          <a:bodyPr lIns="0" rIns="0" tIns="0" bIns="0" anchor="ctr"/>
+          <a:p>
+            <a:pPr algn="ctr"/>
+            <a:r>
+              <a:rPr b="0" lang="en-US" sz="4400" spc="-1" strike="noStrike">
+                <a:latin typeface="Arial"/>
+              </a:rPr>
+              <a:t>Click to edit the title text format</a:t>
+            </a:r>
+            <a:endParaRPr b="0" lang="en-US" sz="4400" spc="-1" strike="noStrike">
+              <a:latin typeface="Arial"/>
+            </a:endParaRPr>
+          </a:p>
+        </p:txBody>
+      </p:sp>
+      <p:sp>
+        <p:nvSpPr>
+          <p:cNvPr id="115" name="PlaceHolder 2"/>
+          <p:cNvSpPr>
+            <a:spLocks noGrp="1"/>
+          </p:cNvSpPr>
+          <p:nvPr>
+            <p:ph type="body"/>
+          </p:nvPr>
+        </p:nvSpPr>
+        <p:spPr>
+          <a:xfrm>
+            <a:off x="495000" y="1604520"/>
+            <a:ext cx="8915040" cy="3977280"/>
+          </a:xfrm>
+          <a:prstGeom prst="rect">
+            <a:avLst/>
+          </a:prstGeom>
+        </p:spPr>
+        <p:txBody>
+          <a:bodyPr lIns="0" rIns="0" tIns="0" bIns="0">
+            <a:normAutofit/>
+          </a:bodyPr>
+          <a:p>
+            <a:pPr marL="432000" indent="-324000">
+              <a:spcBef>
+                <a:spcPts val="1417"/>
+              </a:spcBef>
+              <a:buClr>
+                <a:srgbClr val="000000"/>
+              </a:buClr>
+              <a:buSzPct val="45000"/>
+              <a:buFont typeface="Wingdings" charset="2"/>
+              <a:buChar char=""/>
+            </a:pPr>
+            <a:r>
+              <a:rPr b="0" lang="en-US" sz="3200" spc="-1" strike="noStrike">
+                <a:latin typeface="Arial"/>
+              </a:rPr>
+              <a:t>Click to edit the outline text format</a:t>
+            </a:r>
+            <a:endParaRPr b="0" lang="en-US" sz="3200" spc="-1" strike="noStrike">
+              <a:latin typeface="Arial"/>
+            </a:endParaRPr>
+          </a:p>
+          <a:p>
+            <a:pPr lvl="1" marL="864000" indent="-324000">
+              <a:spcBef>
+                <a:spcPts val="1134"/>
+              </a:spcBef>
+              <a:buClr>
+                <a:srgbClr val="000000"/>
+              </a:buClr>
+              <a:buSzPct val="75000"/>
+              <a:buFont typeface="Symbol" charset="2"/>
+              <a:buChar char=""/>
+            </a:pPr>
+            <a:r>
+              <a:rPr b="0" lang="en-US" sz="2800" spc="-1" strike="noStrike">
+                <a:latin typeface="Arial"/>
+              </a:rPr>
+              <a:t>Second Outline Level</a:t>
+            </a:r>
+            <a:endParaRPr b="0" lang="en-US" sz="2800" spc="-1" strike="noStrike">
+              <a:latin typeface="Arial"/>
+            </a:endParaRPr>
+          </a:p>
+          <a:p>
+            <a:pPr lvl="2" marL="1296000" indent="-288000">
+              <a:spcBef>
+                <a:spcPts val="850"/>
+              </a:spcBef>
+              <a:buClr>
+                <a:srgbClr val="000000"/>
+              </a:buClr>
+              <a:buSzPct val="45000"/>
+              <a:buFont typeface="Wingdings" charset="2"/>
+              <a:buChar char=""/>
+            </a:pPr>
+            <a:r>
+              <a:rPr b="0" lang="en-US" sz="2400" spc="-1" strike="noStrike">
+                <a:latin typeface="Arial"/>
+              </a:rPr>
+              <a:t>Third Outline Level</a:t>
+            </a:r>
+            <a:endParaRPr b="0" lang="en-US" sz="2400" spc="-1" strike="noStrike">
+              <a:latin typeface="Arial"/>
+            </a:endParaRPr>
+          </a:p>
+          <a:p>
+            <a:pPr lvl="3" marL="1728000" indent="-216000">
+              <a:spcBef>
+                <a:spcPts val="567"/>
+              </a:spcBef>
+              <a:buClr>
+                <a:srgbClr val="000000"/>
+              </a:buClr>
+              <a:buSzPct val="75000"/>
+              <a:buFont typeface="Symbol" charset="2"/>
+              <a:buChar char=""/>
+            </a:pPr>
+            <a:r>
+              <a:rPr b="0" lang="en-US" sz="2000" spc="-1" strike="noStrike">
+                <a:latin typeface="Arial"/>
+              </a:rPr>
+              <a:t>Fourth Outline Level</a:t>
+            </a:r>
+            <a:endParaRPr b="0" lang="en-US" sz="2000" spc="-1" strike="noStrike">
+              <a:latin typeface="Arial"/>
+            </a:endParaRPr>
+          </a:p>
+          <a:p>
+            <a:pPr lvl="4" marL="2160000" indent="-216000">
+              <a:spcBef>
+                <a:spcPts val="283"/>
+              </a:spcBef>
+              <a:buClr>
+                <a:srgbClr val="000000"/>
+              </a:buClr>
+              <a:buSzPct val="45000"/>
+              <a:buFont typeface="Wingdings" charset="2"/>
+              <a:buChar char=""/>
+            </a:pPr>
+            <a:r>
+              <a:rPr b="0" lang="en-US" sz="2000" spc="-1" strike="noStrike">
+                <a:latin typeface="Arial"/>
+              </a:rPr>
+              <a:t>Fifth Outline Level</a:t>
+            </a:r>
+            <a:endParaRPr b="0" lang="en-US" sz="2000" spc="-1" strike="noStrike">
+              <a:latin typeface="Arial"/>
+            </a:endParaRPr>
+          </a:p>
+          <a:p>
+            <a:pPr lvl="5" marL="2592000" indent="-216000">
+              <a:spcBef>
+                <a:spcPts val="283"/>
+              </a:spcBef>
+              <a:buClr>
+                <a:srgbClr val="000000"/>
+              </a:buClr>
+              <a:buSzPct val="45000"/>
+              <a:buFont typeface="Wingdings" charset="2"/>
+              <a:buChar char=""/>
+            </a:pPr>
+            <a:r>
+              <a:rPr b="0" lang="en-US" sz="2000" spc="-1" strike="noStrike">
+                <a:latin typeface="Arial"/>
+              </a:rPr>
+              <a:t>Sixth Outline Level</a:t>
+            </a:r>
+            <a:endParaRPr b="0" lang="en-US" sz="2000" spc="-1" strike="noStrike">
+              <a:latin typeface="Arial"/>
+            </a:endParaRPr>
+          </a:p>
+          <a:p>
+            <a:pPr lvl="6" marL="3024000" indent="-216000">
+              <a:spcBef>
+                <a:spcPts val="283"/>
+              </a:spcBef>
+              <a:buClr>
+                <a:srgbClr val="000000"/>
+              </a:buClr>
+              <a:buSzPct val="45000"/>
+              <a:buFont typeface="Wingdings" charset="2"/>
+              <a:buChar char=""/>
+            </a:pPr>
+            <a:r>
+              <a:rPr b="0" lang="en-US" sz="2000" spc="-1" strike="noStrike">
+                <a:latin typeface="Arial"/>
+              </a:rPr>
+              <a:t>Seventh Outline Level</a:t>
+            </a:r>
+            <a:endParaRPr b="0" lang="en-US" sz="2000" spc="-1" strike="noStrike">
+              <a:latin typeface="Arial"/>
+            </a:endParaRPr>
+          </a:p>
+        </p:txBody>
+      </p:sp>
+    </p:spTree>
+  </p:cSld>
+  <p:clrMap bg1="lt1" bg2="lt2" tx1="dk1" tx2="dk2" accent1="accent1" accent2="accent2" accent3="accent3" accent4="accent4" accent5="accent5" accent6="accent6" hlink="hlink" folHlink="folHlink"/>
+  <p:sldLayoutIdLst>
+    <p:sldLayoutId id="2147483688" r:id="rId3"/>
+    <p:sldLayoutId id="2147483689" r:id="rId4"/>
+    <p:sldLayoutId id="2147483690" r:id="rId5"/>
+    <p:sldLayoutId id="2147483691" r:id="rId6"/>
+    <p:sldLayoutId id="2147483692" r:id="rId7"/>
+    <p:sldLayoutId id="2147483693" r:id="rId8"/>
+    <p:sldLayoutId id="2147483694" r:id="rId9"/>
+    <p:sldLayoutId id="2147483695" r:id="rId10"/>
+    <p:sldLayoutId id="2147483696" r:id="rId11"/>
+    <p:sldLayoutId id="2147483697" r:id="rId12"/>
+    <p:sldLayoutId id="2147483698" r:id="rId13"/>
+    <p:sldLayoutId id="2147483699" r:id="rId14"/>
+  </p:sldLayoutIdLst>
+</p:sldMaster>
+</file>
+
+<file path=ppt/slideMasters/slideMaster5.xml><?xml version="1.0" encoding="utf-8"?>
+<p:sldMaster xmlns:a="http://schemas.openxmlformats.org/drawingml/2006/main" xmlns:p="http://schemas.openxmlformats.org/presentationml/2006/main" xmlns:r="http://schemas.openxmlformats.org/officeDocument/2006/relationships" xmlns:p14="http://schemas.microsoft.com/office/powerpoint/2010/main" xmlns:p15="http://schemas.microsoft.com/office/powerpoint/2012/main" xmlns:mc="http://schemas.openxmlformats.org/markup-compatibility/2006">
+  <p:cSld>
+    <p:bg>
+      <p:bgPr>
+        <a:blipFill rotWithShape="0">
+          <a:blip r:embed="rId2"/>
+          <a:stretch>
+            <a:fillRect/>
+          </a:stretch>
+        </a:blipFill>
+      </p:bgPr>
+    </p:bg>
+    <p:spTree>
+      <p:nvGrpSpPr>
+        <p:cNvPr id="1" name=""/>
+        <p:cNvGrpSpPr/>
+        <p:nvPr/>
+      </p:nvGrpSpPr>
+      <p:grpSpPr>
+        <a:xfrm>
+          <a:off x="0" y="0"/>
+          <a:ext cx="0" cy="0"/>
+          <a:chOff x="0" y="0"/>
+          <a:chExt cx="0" cy="0"/>
+        </a:xfrm>
+      </p:grpSpPr>
+      <p:sp>
+        <p:nvSpPr>
+          <p:cNvPr id="152" name="PlaceHolder 1"/>
+          <p:cNvSpPr>
+            <a:spLocks noGrp="1"/>
+          </p:cNvSpPr>
+          <p:nvPr>
+            <p:ph type="title"/>
+          </p:nvPr>
+        </p:nvSpPr>
+        <p:spPr>
+          <a:xfrm>
+            <a:off x="495000" y="273600"/>
+            <a:ext cx="8914680" cy="1144440"/>
+          </a:xfrm>
+          <a:prstGeom prst="rect">
+            <a:avLst/>
+          </a:prstGeom>
+        </p:spPr>
+        <p:txBody>
+          <a:bodyPr lIns="0" rIns="0" tIns="0" bIns="0" anchor="ctr"/>
+          <a:p>
+            <a:r>
+              <a:rPr b="0" lang="en-US" sz="1800" spc="-1" strike="noStrike">
+                <a:latin typeface="Arial"/>
+              </a:rPr>
+              <a:t>Click to edit the title text format</a:t>
+            </a:r>
+            <a:endParaRPr b="0" lang="en-US" sz="1800" spc="-1" strike="noStrike">
+              <a:latin typeface="Arial"/>
+            </a:endParaRPr>
+          </a:p>
+        </p:txBody>
+      </p:sp>
+      <p:sp>
+        <p:nvSpPr>
+          <p:cNvPr id="153" name="PlaceHolder 2"/>
+          <p:cNvSpPr>
+            <a:spLocks noGrp="1"/>
+          </p:cNvSpPr>
+          <p:nvPr>
+            <p:ph type="body"/>
+          </p:nvPr>
+        </p:nvSpPr>
+        <p:spPr>
+          <a:xfrm>
+            <a:off x="495000" y="1604520"/>
+            <a:ext cx="8915040" cy="3977280"/>
+          </a:xfrm>
+          <a:prstGeom prst="rect">
+            <a:avLst/>
+          </a:prstGeom>
+        </p:spPr>
+        <p:txBody>
+          <a:bodyPr lIns="0" rIns="0" tIns="0" bIns="0">
+            <a:normAutofit/>
+          </a:bodyPr>
+          <a:p>
+            <a:pPr marL="432000" indent="-324000">
+              <a:spcBef>
+                <a:spcPts val="1417"/>
+              </a:spcBef>
+              <a:buClr>
+                <a:srgbClr val="000000"/>
+              </a:buClr>
+              <a:buSzPct val="45000"/>
+              <a:buFont typeface="Wingdings" charset="2"/>
+              <a:buChar char=""/>
+            </a:pPr>
+            <a:r>
+              <a:rPr b="0" lang="en-US" sz="3200" spc="-1" strike="noStrike">
+                <a:latin typeface="Arial"/>
+              </a:rPr>
+              <a:t>Click to edit the outline text format</a:t>
+            </a:r>
+            <a:endParaRPr b="0" lang="en-US" sz="3200" spc="-1" strike="noStrike">
+              <a:latin typeface="Arial"/>
+            </a:endParaRPr>
+          </a:p>
+          <a:p>
+            <a:pPr lvl="1" marL="864000" indent="-324000">
+              <a:spcBef>
+                <a:spcPts val="1134"/>
+              </a:spcBef>
+              <a:buClr>
+                <a:srgbClr val="000000"/>
+              </a:buClr>
+              <a:buSzPct val="75000"/>
+              <a:buFont typeface="Symbol" charset="2"/>
+              <a:buChar char=""/>
+            </a:pPr>
+            <a:r>
+              <a:rPr b="0" lang="en-US" sz="2800" spc="-1" strike="noStrike">
+                <a:latin typeface="Arial"/>
+              </a:rPr>
+              <a:t>Second Outline Level</a:t>
+            </a:r>
+            <a:endParaRPr b="0" lang="en-US" sz="2800" spc="-1" strike="noStrike">
+              <a:latin typeface="Arial"/>
+            </a:endParaRPr>
+          </a:p>
+          <a:p>
+            <a:pPr lvl="2" marL="1296000" indent="-288000">
+              <a:spcBef>
+                <a:spcPts val="850"/>
+              </a:spcBef>
+              <a:buClr>
+                <a:srgbClr val="000000"/>
+              </a:buClr>
+              <a:buSzPct val="45000"/>
+              <a:buFont typeface="Wingdings" charset="2"/>
+              <a:buChar char=""/>
+            </a:pPr>
+            <a:r>
+              <a:rPr b="0" lang="en-US" sz="2400" spc="-1" strike="noStrike">
+                <a:latin typeface="Arial"/>
+              </a:rPr>
+              <a:t>Third Outline Level</a:t>
+            </a:r>
+            <a:endParaRPr b="0" lang="en-US" sz="2400" spc="-1" strike="noStrike">
+              <a:latin typeface="Arial"/>
+            </a:endParaRPr>
+          </a:p>
+          <a:p>
+            <a:pPr lvl="3" marL="1728000" indent="-216000">
+              <a:spcBef>
+                <a:spcPts val="567"/>
+              </a:spcBef>
+              <a:buClr>
+                <a:srgbClr val="000000"/>
+              </a:buClr>
+              <a:buSzPct val="75000"/>
+              <a:buFont typeface="Symbol" charset="2"/>
+              <a:buChar char=""/>
+            </a:pPr>
+            <a:r>
+              <a:rPr b="0" lang="en-US" sz="2000" spc="-1" strike="noStrike">
+                <a:latin typeface="Arial"/>
+              </a:rPr>
+              <a:t>Fourth Outline Level</a:t>
+            </a:r>
+            <a:endParaRPr b="0" lang="en-US" sz="2000" spc="-1" strike="noStrike">
+              <a:latin typeface="Arial"/>
+            </a:endParaRPr>
+          </a:p>
+          <a:p>
+            <a:pPr lvl="4" marL="2160000" indent="-216000">
+              <a:spcBef>
+                <a:spcPts val="283"/>
+              </a:spcBef>
+              <a:buClr>
+                <a:srgbClr val="000000"/>
+              </a:buClr>
+              <a:buSzPct val="45000"/>
+              <a:buFont typeface="Wingdings" charset="2"/>
+              <a:buChar char=""/>
+            </a:pPr>
+            <a:r>
+              <a:rPr b="0" lang="en-US" sz="2000" spc="-1" strike="noStrike">
+                <a:latin typeface="Arial"/>
+              </a:rPr>
+              <a:t>Fifth Outline Level</a:t>
+            </a:r>
+            <a:endParaRPr b="0" lang="en-US" sz="2000" spc="-1" strike="noStrike">
+              <a:latin typeface="Arial"/>
+            </a:endParaRPr>
+          </a:p>
+          <a:p>
+            <a:pPr lvl="5" marL="2592000" indent="-216000">
+              <a:spcBef>
+                <a:spcPts val="283"/>
+              </a:spcBef>
+              <a:buClr>
+                <a:srgbClr val="000000"/>
+              </a:buClr>
+              <a:buSzPct val="45000"/>
+              <a:buFont typeface="Wingdings" charset="2"/>
+              <a:buChar char=""/>
+            </a:pPr>
+            <a:r>
+              <a:rPr b="0" lang="en-US" sz="2000" spc="-1" strike="noStrike">
+                <a:latin typeface="Arial"/>
+              </a:rPr>
+              <a:t>Sixth Outline Level</a:t>
+            </a:r>
+            <a:endParaRPr b="0" lang="en-US" sz="2000" spc="-1" strike="noStrike">
+              <a:latin typeface="Arial"/>
+            </a:endParaRPr>
+          </a:p>
+          <a:p>
+            <a:pPr lvl="6" marL="3024000" indent="-216000">
+              <a:spcBef>
+                <a:spcPts val="283"/>
+              </a:spcBef>
+              <a:buClr>
+                <a:srgbClr val="000000"/>
+              </a:buClr>
+              <a:buSzPct val="45000"/>
+              <a:buFont typeface="Wingdings" charset="2"/>
+              <a:buChar char=""/>
+            </a:pPr>
+            <a:r>
+              <a:rPr b="0" lang="en-US" sz="2000" spc="-1" strike="noStrike">
+                <a:latin typeface="Arial"/>
+              </a:rPr>
+              <a:t>Seventh Outline Level</a:t>
+            </a:r>
+            <a:endParaRPr b="0" lang="en-US" sz="2000" spc="-1" strike="noStrike">
+              <a:latin typeface="Arial"/>
+            </a:endParaRPr>
+          </a:p>
+        </p:txBody>
+      </p:sp>
+    </p:spTree>
+  </p:cSld>
+  <p:clrMap bg1="lt1" bg2="lt2" tx1="dk1" tx2="dk2" accent1="accent1" accent2="accent2" accent3="accent3" accent4="accent4" accent5="accent5" accent6="accent6" hlink="hlink" folHlink="folHlink"/>
+  <p:sldLayoutIdLst>
+    <p:sldLayoutId id="2147483701" r:id="rId3"/>
+    <p:sldLayoutId id="2147483702" r:id="rId4"/>
+    <p:sldLayoutId id="2147483703" r:id="rId5"/>
+    <p:sldLayoutId id="2147483704" r:id="rId6"/>
+    <p:sldLayoutId id="2147483705" r:id="rId7"/>
+    <p:sldLayoutId id="2147483706" r:id="rId8"/>
+    <p:sldLayoutId id="2147483707" r:id="rId9"/>
+    <p:sldLayoutId id="2147483708" r:id="rId10"/>
+    <p:sldLayoutId id="2147483709" r:id="rId11"/>
+    <p:sldLayoutId id="2147483710" r:id="rId12"/>
+    <p:sldLayoutId id="2147483711" r:id="rId13"/>
+    <p:sldLayoutId id="2147483712" r:id="rId14"/>
+  </p:sldLayoutIdLst>
+</p:sldMaster>
+</file>
+
 <file path=ppt/slides/slide1.xml><?xml version="1.0" encoding="utf-8"?>
 <p:sld xmlns:a="http://schemas.openxmlformats.org/drawingml/2006/main" xmlns:p="http://schemas.openxmlformats.org/presentationml/2006/main" xmlns:r="http://schemas.openxmlformats.org/officeDocument/2006/relationships" xmlns:p14="http://schemas.microsoft.com/office/powerpoint/2010/main" xmlns:p15="http://schemas.microsoft.com/office/powerpoint/2012/main" xmlns:mc="http://schemas.openxmlformats.org/markup-compatibility/2006">
   <p:cSld>
@@ -4839,14 +8032,14 @@
       </p:grpSpPr>
       <p:sp>
         <p:nvSpPr>
-          <p:cNvPr id="114" name="CustomShape 1"/>
+          <p:cNvPr id="190" name="CustomShape 1"/>
           <p:cNvSpPr/>
           <p:nvPr/>
         </p:nvSpPr>
         <p:spPr>
           <a:xfrm>
-            <a:off x="1219320" y="3829680"/>
-            <a:ext cx="8254800" cy="2386800"/>
+            <a:off x="1557360" y="3749040"/>
+            <a:ext cx="8253360" cy="2385360"/>
           </a:xfrm>
           <a:prstGeom prst="rect">
             <a:avLst/>
@@ -4878,8 +8071,9 @@
                   <a:srgbClr val="ffffff"/>
                 </a:solidFill>
                 <a:latin typeface="Calibri"/>
-              </a:rPr>
-              <a:t>TRÌNH BÀY PHƯƠNG ÁN TEMPLATE PPT 2</a:t>
+                <a:ea typeface="DejaVu Sans"/>
+              </a:rPr>
+              <a:t>LUÂN VĂN TỐT NGHIỆP KHÓA 2016-2021</a:t>
             </a:r>
             <a:endParaRPr b="0" lang="en-US" sz="4400" spc="-1" strike="noStrike">
               <a:latin typeface="Arial"/>
@@ -4889,14 +8083,14 @@
       </p:sp>
       <p:sp>
         <p:nvSpPr>
-          <p:cNvPr id="115" name="CustomShape 2"/>
+          <p:cNvPr id="191" name="CustomShape 2"/>
           <p:cNvSpPr/>
           <p:nvPr/>
         </p:nvSpPr>
         <p:spPr>
           <a:xfrm>
             <a:off x="1090080" y="304920"/>
-            <a:ext cx="4852800" cy="576720"/>
+            <a:ext cx="4851360" cy="575280"/>
           </a:xfrm>
           <a:prstGeom prst="rect">
             <a:avLst/>
@@ -4958,7 +8152,7 @@
       </p:sp>
       <p:pic>
         <p:nvPicPr>
-          <p:cNvPr id="116" name="Picture 3" descr=""/>
+          <p:cNvPr id="192" name="Picture 3" descr=""/>
           <p:cNvPicPr/>
           <p:nvPr/>
         </p:nvPicPr>
@@ -4969,7 +8163,7 @@
         <p:spPr>
           <a:xfrm>
             <a:off x="327960" y="174960"/>
-            <a:ext cx="621000" cy="843480"/>
+            <a:ext cx="619560" cy="842040"/>
           </a:xfrm>
           <a:prstGeom prst="rect">
             <a:avLst/>
@@ -5030,14 +8224,14 @@
       </p:grpSpPr>
       <p:sp>
         <p:nvSpPr>
-          <p:cNvPr id="140" name="CustomShape 1"/>
+          <p:cNvPr id="246" name="CustomShape 1"/>
           <p:cNvSpPr/>
           <p:nvPr/>
         </p:nvSpPr>
         <p:spPr>
           <a:xfrm>
             <a:off x="2025720" y="-190800"/>
-            <a:ext cx="8543160" cy="1324800"/>
+            <a:ext cx="8541720" cy="1323360"/>
           </a:xfrm>
           <a:prstGeom prst="rect">
             <a:avLst/>
@@ -5069,8 +8263,69 @@
                   <a:srgbClr val="ffffff"/>
                 </a:solidFill>
                 <a:latin typeface="Calibri"/>
-              </a:rPr>
-              <a:t>PHƯƠNG ÁN 2</a:t>
+                <a:ea typeface="DejaVu Sans"/>
+              </a:rPr>
+              <a:t>III. </a:t>
+            </a:r>
+            <a:r>
+              <a:rPr b="1" lang="en-US" sz="3600" spc="-1" strike="noStrike">
+                <a:solidFill>
+                  <a:srgbClr val="ffffff"/>
+                </a:solidFill>
+                <a:latin typeface="Calibri"/>
+                <a:ea typeface="DejaVu Sans"/>
+              </a:rPr>
+              <a:t>NỘI </a:t>
+            </a:r>
+            <a:r>
+              <a:rPr b="1" lang="en-US" sz="3600" spc="-1" strike="noStrike">
+                <a:solidFill>
+                  <a:srgbClr val="ffffff"/>
+                </a:solidFill>
+                <a:latin typeface="Calibri"/>
+                <a:ea typeface="DejaVu Sans"/>
+              </a:rPr>
+              <a:t>DUN</a:t>
+            </a:r>
+            <a:r>
+              <a:rPr b="1" lang="en-US" sz="3600" spc="-1" strike="noStrike">
+                <a:solidFill>
+                  <a:srgbClr val="ffffff"/>
+                </a:solidFill>
+                <a:latin typeface="Calibri"/>
+                <a:ea typeface="DejaVu Sans"/>
+              </a:rPr>
+              <a:t>G </a:t>
+            </a:r>
+            <a:r>
+              <a:rPr b="1" lang="en-US" sz="3600" spc="-1" strike="noStrike">
+                <a:solidFill>
+                  <a:srgbClr val="ffffff"/>
+                </a:solidFill>
+                <a:latin typeface="Calibri"/>
+                <a:ea typeface="DejaVu Sans"/>
+              </a:rPr>
+              <a:t>THỰ</a:t>
+            </a:r>
+            <a:r>
+              <a:rPr b="1" lang="en-US" sz="3600" spc="-1" strike="noStrike">
+                <a:solidFill>
+                  <a:srgbClr val="ffffff"/>
+                </a:solidFill>
+                <a:latin typeface="Calibri"/>
+                <a:ea typeface="DejaVu Sans"/>
+              </a:rPr>
+              <a:t>C </a:t>
+            </a:r>
+            <a:r>
+              <a:rPr b="1" lang="en-US" sz="3600" spc="-1" strike="noStrike">
+                <a:solidFill>
+                  <a:srgbClr val="ffffff"/>
+                </a:solidFill>
+                <a:latin typeface="Calibri"/>
+                <a:ea typeface="DejaVu Sans"/>
+              </a:rPr>
+              <a:t>HIỆN</a:t>
             </a:r>
             <a:endParaRPr b="0" lang="en-US" sz="3600" spc="-1" strike="noStrike">
               <a:latin typeface="Arial"/>
@@ -5080,7 +8335,7 @@
       </p:sp>
       <p:pic>
         <p:nvPicPr>
-          <p:cNvPr id="141" name="Content Placeholder 2" descr=""/>
+          <p:cNvPr id="247" name="Content Placeholder 2" descr=""/>
           <p:cNvPicPr/>
           <p:nvPr/>
         </p:nvPicPr>
@@ -5091,7 +8346,7 @@
         <p:spPr>
           <a:xfrm>
             <a:off x="304920" y="95760"/>
-            <a:ext cx="550440" cy="747720"/>
+            <a:ext cx="549000" cy="746280"/>
           </a:xfrm>
           <a:prstGeom prst="rect">
             <a:avLst/>
@@ -5101,6 +8356,105 @@
           </a:ln>
         </p:spPr>
       </p:pic>
+      <p:sp>
+        <p:nvSpPr>
+          <p:cNvPr id="248" name="TextShape 2"/>
+          <p:cNvSpPr txBox="1"/>
+          <p:nvPr/>
+        </p:nvSpPr>
+        <p:spPr>
+          <a:xfrm>
+            <a:off x="495000" y="1604520"/>
+            <a:ext cx="8915040" cy="2693160"/>
+          </a:xfrm>
+          <a:prstGeom prst="rect">
+            <a:avLst/>
+          </a:prstGeom>
+          <a:noFill/>
+          <a:ln>
+            <a:noFill/>
+          </a:ln>
+        </p:spPr>
+        <p:txBody>
+          <a:bodyPr lIns="0" rIns="0" tIns="0" bIns="0" anchor="ctr"/>
+          <a:p>
+            <a:r>
+              <a:rPr b="0" lang="en-US" sz="3200" spc="-1" strike="noStrike">
+                <a:latin typeface="Arial"/>
+              </a:rPr>
+              <a:t>A.</a:t>
+            </a:r>
+            <a:r>
+              <a:rPr b="0" lang="en-US" sz="3200" spc="-1" strike="noStrike">
+                <a:latin typeface="Arial"/>
+              </a:rPr>
+              <a:t>	</a:t>
+            </a:r>
+            <a:r>
+              <a:rPr b="0" lang="en-US" sz="3200" spc="-1" strike="noStrike">
+                <a:latin typeface="Arial"/>
+              </a:rPr>
+              <a:t> Website quản trị viện</a:t>
+            </a:r>
+            <a:endParaRPr b="0" lang="en-US" sz="3200" spc="-1" strike="noStrike">
+              <a:latin typeface="Arial"/>
+            </a:endParaRPr>
+          </a:p>
+          <a:p>
+            <a:r>
+              <a:rPr b="0" lang="en-US" sz="3200" spc="-1" strike="noStrike">
+                <a:latin typeface="Arial"/>
+              </a:rPr>
+              <a:t>	</a:t>
+            </a:r>
+            <a:r>
+              <a:rPr b="0" lang="en-US" sz="3200" spc="-1" strike="noStrike">
+                <a:latin typeface="Arial"/>
+              </a:rPr>
+              <a:t>Thiết kế hệ thống</a:t>
+            </a:r>
+            <a:endParaRPr b="0" lang="en-US" sz="3200" spc="-1" strike="noStrike">
+              <a:latin typeface="Arial"/>
+            </a:endParaRPr>
+          </a:p>
+          <a:p>
+            <a:pPr lvl="1" marL="432000" indent="-216000">
+              <a:buClr>
+                <a:srgbClr val="000000"/>
+              </a:buClr>
+              <a:buFont typeface="Wingdings" charset="2"/>
+              <a:buChar char=""/>
+            </a:pPr>
+            <a:r>
+              <a:rPr b="0" lang="en-US" sz="3200" spc="-1" strike="noStrike">
+                <a:latin typeface="Arial"/>
+              </a:rPr>
+              <a:t> </a:t>
+            </a:r>
+            <a:r>
+              <a:rPr b="0" lang="en-US" sz="3200" spc="-1" strike="noStrike">
+                <a:latin typeface="Arial"/>
+              </a:rPr>
+              <a:t>Biểu đồ Usecase tổng quát</a:t>
+            </a:r>
+            <a:endParaRPr b="0" lang="en-US" sz="3200" spc="-1" strike="noStrike">
+              <a:latin typeface="Arial"/>
+            </a:endParaRPr>
+          </a:p>
+          <a:p>
+            <a:pPr lvl="3" marL="864000" indent="-216000">
+              <a:buClr>
+                <a:srgbClr val="000000"/>
+              </a:buClr>
+              <a:buFont typeface="Wingdings" charset="2"/>
+              <a:buChar char=""/>
+            </a:pPr>
+            <a:endParaRPr b="0" lang="en-US" sz="3200" spc="-1" strike="noStrike">
+              <a:latin typeface="Arial"/>
+            </a:endParaRPr>
+          </a:p>
+        </p:txBody>
+      </p:sp>
     </p:spTree>
   </p:cSld>
   <p:timing>
@@ -5152,14 +8506,14 @@
       </p:grpSpPr>
       <p:sp>
         <p:nvSpPr>
-          <p:cNvPr id="142" name="CustomShape 1"/>
+          <p:cNvPr id="249" name="CustomShape 1"/>
           <p:cNvSpPr/>
           <p:nvPr/>
         </p:nvSpPr>
         <p:spPr>
           <a:xfrm>
             <a:off x="2025720" y="-190800"/>
-            <a:ext cx="8543160" cy="1324800"/>
+            <a:ext cx="8541720" cy="1323360"/>
           </a:xfrm>
           <a:prstGeom prst="rect">
             <a:avLst/>
@@ -5191,8 +8545,39 @@
                   <a:srgbClr val="ffffff"/>
                 </a:solidFill>
                 <a:latin typeface="Calibri"/>
-              </a:rPr>
-              <a:t>PHƯƠNG ÁN 2</a:t>
+                <a:ea typeface="DejaVu Sans"/>
+              </a:rPr>
+              <a:t>III. NỘI </a:t>
+            </a:r>
+            <a:r>
+              <a:rPr b="1" lang="en-US" sz="3600" spc="-1" strike="noStrike">
+                <a:solidFill>
+                  <a:srgbClr val="ffffff"/>
+                </a:solidFill>
+                <a:latin typeface="Calibri"/>
+                <a:ea typeface="DejaVu Sans"/>
+              </a:rPr>
+              <a:t>DUNG </a:t>
+            </a:r>
+            <a:r>
+              <a:rPr b="1" lang="en-US" sz="3600" spc="-1" strike="noStrike">
+                <a:solidFill>
+                  <a:srgbClr val="ffffff"/>
+                </a:solidFill>
+                <a:latin typeface="Calibri"/>
+                <a:ea typeface="DejaVu Sans"/>
+              </a:rPr>
+              <a:t>THỰC </a:t>
+            </a:r>
+            <a:r>
+              <a:rPr b="1" lang="en-US" sz="3600" spc="-1" strike="noStrike">
+                <a:solidFill>
+                  <a:srgbClr val="ffffff"/>
+                </a:solidFill>
+                <a:latin typeface="Calibri"/>
+                <a:ea typeface="DejaVu Sans"/>
+              </a:rPr>
+              <a:t>HIỆN</a:t>
             </a:r>
             <a:endParaRPr b="0" lang="en-US" sz="3600" spc="-1" strike="noStrike">
               <a:latin typeface="Arial"/>
@@ -5202,7 +8587,7 @@
       </p:sp>
       <p:pic>
         <p:nvPicPr>
-          <p:cNvPr id="143" name="Content Placeholder 2" descr=""/>
+          <p:cNvPr id="250" name="Content Placeholder 2" descr=""/>
           <p:cNvPicPr/>
           <p:nvPr/>
         </p:nvPicPr>
@@ -5213,7 +8598,7 @@
         <p:spPr>
           <a:xfrm>
             <a:off x="304920" y="95760"/>
-            <a:ext cx="550440" cy="747720"/>
+            <a:ext cx="549000" cy="746280"/>
           </a:xfrm>
           <a:prstGeom prst="rect">
             <a:avLst/>
@@ -5223,6 +8608,69 @@
           </a:ln>
         </p:spPr>
       </p:pic>
+      <p:sp>
+        <p:nvSpPr>
+          <p:cNvPr id="251" name="TextShape 2"/>
+          <p:cNvSpPr txBox="1"/>
+          <p:nvPr/>
+        </p:nvSpPr>
+        <p:spPr>
+          <a:xfrm>
+            <a:off x="365760" y="1280160"/>
+            <a:ext cx="8915040" cy="914400"/>
+          </a:xfrm>
+          <a:prstGeom prst="rect">
+            <a:avLst/>
+          </a:prstGeom>
+          <a:noFill/>
+          <a:ln>
+            <a:noFill/>
+          </a:ln>
+        </p:spPr>
+        <p:txBody>
+          <a:bodyPr lIns="0" rIns="0" tIns="0" bIns="0" anchor="ctr"/>
+          <a:p>
+            <a:r>
+              <a:rPr b="0" lang="en-US" sz="3200" spc="-1" strike="noStrike">
+                <a:latin typeface="Arial"/>
+              </a:rPr>
+              <a:t>A.</a:t>
+            </a:r>
+            <a:r>
+              <a:rPr b="0" lang="en-US" sz="3200" spc="-1" strike="noStrike">
+                <a:latin typeface="Arial"/>
+              </a:rPr>
+              <a:t>	</a:t>
+            </a:r>
+            <a:r>
+              <a:rPr b="0" lang="en-US" sz="3200" spc="-1" strike="noStrike">
+                <a:latin typeface="Arial"/>
+              </a:rPr>
+              <a:t> Website quản trị viện</a:t>
+            </a:r>
+            <a:endParaRPr b="0" lang="en-US" sz="3200" spc="-1" strike="noStrike">
+              <a:latin typeface="Arial"/>
+            </a:endParaRPr>
+          </a:p>
+          <a:p>
+            <a:r>
+              <a:rPr b="0" lang="en-US" sz="3200" spc="-1" strike="noStrike">
+                <a:latin typeface="Arial"/>
+              </a:rPr>
+              <a:t>	</a:t>
+            </a:r>
+            <a:r>
+              <a:rPr b="0" lang="en-US" sz="3200" spc="-1" strike="noStrike">
+                <a:latin typeface="Arial"/>
+              </a:rPr>
+              <a:t>Thiết kế giao diện</a:t>
+            </a:r>
+            <a:endParaRPr b="0" lang="en-US" sz="3200" spc="-1" strike="noStrike">
+              <a:latin typeface="Arial"/>
+            </a:endParaRPr>
+          </a:p>
+        </p:txBody>
+      </p:sp>
     </p:spTree>
   </p:cSld>
   <p:timing>
@@ -5274,14 +8722,14 @@
       </p:grpSpPr>
       <p:sp>
         <p:nvSpPr>
-          <p:cNvPr id="144" name="CustomShape 1"/>
+          <p:cNvPr id="252" name="CustomShape 1"/>
           <p:cNvSpPr/>
           <p:nvPr/>
         </p:nvSpPr>
         <p:spPr>
           <a:xfrm>
             <a:off x="2025720" y="-190800"/>
-            <a:ext cx="8543160" cy="1324800"/>
+            <a:ext cx="8541720" cy="1323360"/>
           </a:xfrm>
           <a:prstGeom prst="rect">
             <a:avLst/>
@@ -5313,8 +8761,9 @@
                   <a:srgbClr val="ffffff"/>
                 </a:solidFill>
                 <a:latin typeface="Calibri"/>
-              </a:rPr>
-              <a:t>PHƯƠNG ÁN 2</a:t>
+                <a:ea typeface="DejaVu Sans"/>
+              </a:rPr>
+              <a:t>III. NỘI DUNG THỰC HIỆN</a:t>
             </a:r>
             <a:endParaRPr b="0" lang="en-US" sz="3600" spc="-1" strike="noStrike">
               <a:latin typeface="Arial"/>
@@ -5324,7 +8773,7 @@
       </p:sp>
       <p:pic>
         <p:nvPicPr>
-          <p:cNvPr id="145" name="Content Placeholder 2" descr=""/>
+          <p:cNvPr id="253" name="Content Placeholder 2" descr=""/>
           <p:cNvPicPr/>
           <p:nvPr/>
         </p:nvPicPr>
@@ -5335,7 +8784,7 @@
         <p:spPr>
           <a:xfrm>
             <a:off x="304920" y="95760"/>
-            <a:ext cx="550440" cy="747720"/>
+            <a:ext cx="549000" cy="746280"/>
           </a:xfrm>
           <a:prstGeom prst="rect">
             <a:avLst/>
@@ -5345,6 +8794,125 @@
           </a:ln>
         </p:spPr>
       </p:pic>
+      <p:sp>
+        <p:nvSpPr>
+          <p:cNvPr id="254" name="TextShape 2"/>
+          <p:cNvSpPr txBox="1"/>
+          <p:nvPr/>
+        </p:nvSpPr>
+        <p:spPr>
+          <a:xfrm>
+            <a:off x="411840" y="1011240"/>
+            <a:ext cx="8915040" cy="1823400"/>
+          </a:xfrm>
+          <a:prstGeom prst="rect">
+            <a:avLst/>
+          </a:prstGeom>
+          <a:noFill/>
+          <a:ln>
+            <a:noFill/>
+          </a:ln>
+        </p:spPr>
+        <p:txBody>
+          <a:bodyPr lIns="0" rIns="0" tIns="0" bIns="0" anchor="ctr"/>
+          <a:p>
+            <a:r>
+              <a:rPr b="0" lang="en-US" sz="3200" spc="-1" strike="noStrike">
+                <a:latin typeface="Arial"/>
+              </a:rPr>
+              <a:t>B.</a:t>
+            </a:r>
+            <a:r>
+              <a:rPr b="0" lang="en-US" sz="3200" spc="-1" strike="noStrike">
+                <a:latin typeface="Arial"/>
+              </a:rPr>
+              <a:t>	</a:t>
+            </a:r>
+            <a:r>
+              <a:rPr b="0" lang="en-US" sz="3200" spc="-1" strike="noStrike">
+                <a:latin typeface="Arial"/>
+              </a:rPr>
+              <a:t> Ứng dụng chạy trên di động cho khách hàng</a:t>
+            </a:r>
+            <a:endParaRPr b="0" lang="en-US" sz="3200" spc="-1" strike="noStrike">
+              <a:latin typeface="Arial"/>
+            </a:endParaRPr>
+          </a:p>
+          <a:p>
+            <a:r>
+              <a:rPr b="0" lang="en-US" sz="3200" spc="-1" strike="noStrike">
+                <a:latin typeface="Arial"/>
+              </a:rPr>
+              <a:t>	</a:t>
+            </a:r>
+            <a:r>
+              <a:rPr b="0" lang="en-US" sz="3200" spc="-1" strike="noStrike">
+                <a:latin typeface="Arial"/>
+              </a:rPr>
+              <a:t>Xác định yêu cầu</a:t>
+            </a:r>
+            <a:endParaRPr b="0" lang="en-US" sz="3200" spc="-1" strike="noStrike">
+              <a:latin typeface="Arial"/>
+            </a:endParaRPr>
+          </a:p>
+          <a:p>
+            <a:pPr lvl="2" marL="648000" indent="-216000">
+              <a:buClr>
+                <a:srgbClr val="000000"/>
+              </a:buClr>
+              <a:buSzPct val="45000"/>
+              <a:buFont typeface="Wingdings" charset="2"/>
+              <a:buChar char=""/>
+            </a:pPr>
+            <a:r>
+              <a:rPr b="0" lang="en-US" sz="3200" spc="-1" strike="noStrike">
+                <a:latin typeface="Arial"/>
+              </a:rPr>
+              <a:t> </a:t>
+            </a:r>
+            <a:r>
+              <a:rPr b="0" lang="en-US" sz="3200" spc="-1" strike="noStrike">
+                <a:latin typeface="Arial"/>
+              </a:rPr>
+              <a:t>Yêu cầu nghiệp vụ:</a:t>
+            </a:r>
+            <a:endParaRPr b="0" lang="en-US" sz="3200" spc="-1" strike="noStrike">
+              <a:latin typeface="Arial"/>
+            </a:endParaRPr>
+          </a:p>
+          <a:p>
+            <a:pPr lvl="3" marL="864000" indent="-216000">
+              <a:buClr>
+                <a:srgbClr val="000000"/>
+              </a:buClr>
+              <a:buSzPct val="45000"/>
+              <a:buFont typeface="Wingdings" charset="2"/>
+              <a:buChar char=""/>
+            </a:pPr>
+            <a:r>
+              <a:rPr b="0" lang="en-US" sz="3200" spc="-1" strike="noStrike">
+                <a:latin typeface="Arial"/>
+              </a:rPr>
+              <a:t>Đối với khách hàng:</a:t>
+            </a:r>
+            <a:r>
+              <a:rPr b="0" lang="en-US" sz="3200" spc="-1" strike="noStrike">
+                <a:latin typeface="Arial"/>
+              </a:rPr>
+              <a:t>	</a:t>
+            </a:r>
+            <a:r>
+              <a:rPr b="0" lang="en-US" sz="3200" spc="-1" strike="noStrike">
+                <a:latin typeface="Arial"/>
+              </a:rPr>
+              <a:t>	</a:t>
+            </a:r>
+            <a:endParaRPr b="0" lang="en-US" sz="3200" spc="-1" strike="noStrike">
+              <a:latin typeface="Arial"/>
+            </a:endParaRPr>
+          </a:p>
+        </p:txBody>
+      </p:sp>
     </p:spTree>
   </p:cSld>
   <p:timing>
@@ -5396,14 +8964,14 @@
       </p:grpSpPr>
       <p:sp>
         <p:nvSpPr>
-          <p:cNvPr id="146" name="CustomShape 1"/>
+          <p:cNvPr id="255" name="CustomShape 1"/>
           <p:cNvSpPr/>
           <p:nvPr/>
         </p:nvSpPr>
         <p:spPr>
           <a:xfrm>
             <a:off x="2025720" y="-190800"/>
-            <a:ext cx="8543160" cy="1324800"/>
+            <a:ext cx="8541720" cy="1323360"/>
           </a:xfrm>
           <a:prstGeom prst="rect">
             <a:avLst/>
@@ -5435,8 +9003,9 @@
                   <a:srgbClr val="ffffff"/>
                 </a:solidFill>
                 <a:latin typeface="Calibri"/>
-              </a:rPr>
-              <a:t>PHƯƠNG ÁN 2</a:t>
+                <a:ea typeface="DejaVu Sans"/>
+              </a:rPr>
+              <a:t>III. NỘI DUNG THỰC HIỆN</a:t>
             </a:r>
             <a:endParaRPr b="0" lang="en-US" sz="3600" spc="-1" strike="noStrike">
               <a:latin typeface="Arial"/>
@@ -5446,7 +9015,7 @@
       </p:sp>
       <p:pic>
         <p:nvPicPr>
-          <p:cNvPr id="147" name="Content Placeholder 2" descr=""/>
+          <p:cNvPr id="256" name="Content Placeholder 2" descr=""/>
           <p:cNvPicPr/>
           <p:nvPr/>
         </p:nvPicPr>
@@ -5457,7 +9026,7 @@
         <p:spPr>
           <a:xfrm>
             <a:off x="304920" y="95760"/>
-            <a:ext cx="550440" cy="747720"/>
+            <a:ext cx="549000" cy="746280"/>
           </a:xfrm>
           <a:prstGeom prst="rect">
             <a:avLst/>
@@ -5467,6 +9036,106 @@
           </a:ln>
         </p:spPr>
       </p:pic>
+      <p:sp>
+        <p:nvSpPr>
+          <p:cNvPr id="257" name="TextShape 2"/>
+          <p:cNvSpPr txBox="1"/>
+          <p:nvPr/>
+        </p:nvSpPr>
+        <p:spPr>
+          <a:xfrm>
+            <a:off x="548640" y="1813680"/>
+            <a:ext cx="8915040" cy="3977280"/>
+          </a:xfrm>
+          <a:prstGeom prst="rect">
+            <a:avLst/>
+          </a:prstGeom>
+          <a:noFill/>
+          <a:ln>
+            <a:noFill/>
+          </a:ln>
+        </p:spPr>
+        <p:txBody>
+          <a:bodyPr lIns="0" rIns="0" tIns="0" bIns="0" anchor="ctr"/>
+          <a:p>
+            <a:r>
+              <a:rPr b="0" lang="en-US" sz="3200" spc="-1" strike="noStrike">
+                <a:latin typeface="Arial"/>
+              </a:rPr>
+              <a:t>B.</a:t>
+            </a:r>
+            <a:r>
+              <a:rPr b="0" lang="en-US" sz="3200" spc="-1" strike="noStrike">
+                <a:latin typeface="Arial"/>
+              </a:rPr>
+              <a:t>	</a:t>
+            </a:r>
+            <a:r>
+              <a:rPr b="0" lang="en-US" sz="3200" spc="-1" strike="noStrike">
+                <a:latin typeface="Arial"/>
+              </a:rPr>
+              <a:t> Ứng dụng chạy trên di động cho khách hàng</a:t>
+            </a:r>
+            <a:endParaRPr b="0" lang="en-US" sz="3200" spc="-1" strike="noStrike">
+              <a:latin typeface="Arial"/>
+            </a:endParaRPr>
+          </a:p>
+          <a:p>
+            <a:r>
+              <a:rPr b="0" lang="en-US" sz="3200" spc="-1" strike="noStrike">
+                <a:latin typeface="Arial"/>
+              </a:rPr>
+              <a:t>	</a:t>
+            </a:r>
+            <a:r>
+              <a:rPr b="0" lang="en-US" sz="3200" spc="-1" strike="noStrike">
+                <a:latin typeface="Arial"/>
+              </a:rPr>
+              <a:t>Xác định yêu cầu của hệ thống</a:t>
+            </a:r>
+            <a:endParaRPr b="0" lang="en-US" sz="3200" spc="-1" strike="noStrike">
+              <a:latin typeface="Arial"/>
+            </a:endParaRPr>
+          </a:p>
+          <a:p>
+            <a:pPr lvl="1" marL="432000" indent="-216000">
+              <a:buClr>
+                <a:srgbClr val="000000"/>
+              </a:buClr>
+              <a:buSzPct val="45000"/>
+              <a:buFont typeface="Wingdings" charset="2"/>
+              <a:buChar char=""/>
+            </a:pPr>
+            <a:r>
+              <a:rPr b="0" lang="en-US" sz="3200" spc="-1" strike="noStrike">
+                <a:latin typeface="Arial"/>
+              </a:rPr>
+              <a:t>Yêu cầu phi chức năng:</a:t>
+            </a:r>
+            <a:endParaRPr b="0" lang="en-US" sz="3200" spc="-1" strike="noStrike">
+              <a:latin typeface="Arial"/>
+            </a:endParaRPr>
+          </a:p>
+          <a:p>
+            <a:pPr lvl="2" marL="648000" indent="-216000">
+              <a:buClr>
+                <a:srgbClr val="000000"/>
+              </a:buClr>
+              <a:buFont typeface="Wingdings" charset="2"/>
+              <a:buChar char=""/>
+            </a:pPr>
+            <a:r>
+              <a:rPr b="0" lang="en-US" sz="3200" spc="-1" strike="noStrike">
+                <a:latin typeface="Arial"/>
+              </a:rPr>
+              <a:t> </a:t>
+            </a:r>
+            <a:endParaRPr b="0" lang="en-US" sz="3200" spc="-1" strike="noStrike">
+              <a:latin typeface="Arial"/>
+            </a:endParaRPr>
+          </a:p>
+        </p:txBody>
+      </p:sp>
     </p:spTree>
   </p:cSld>
   <p:timing>
@@ -5518,14 +9187,14 @@
       </p:grpSpPr>
       <p:sp>
         <p:nvSpPr>
-          <p:cNvPr id="148" name="CustomShape 1"/>
+          <p:cNvPr id="258" name="CustomShape 1"/>
           <p:cNvSpPr/>
           <p:nvPr/>
         </p:nvSpPr>
         <p:spPr>
           <a:xfrm>
             <a:off x="2025720" y="-190800"/>
-            <a:ext cx="8543160" cy="1324800"/>
+            <a:ext cx="8541720" cy="1323360"/>
           </a:xfrm>
           <a:prstGeom prst="rect">
             <a:avLst/>
@@ -5557,8 +9226,9 @@
                   <a:srgbClr val="ffffff"/>
                 </a:solidFill>
                 <a:latin typeface="Calibri"/>
-              </a:rPr>
-              <a:t>PHƯƠNG ÁN 2</a:t>
+                <a:ea typeface="DejaVu Sans"/>
+              </a:rPr>
+              <a:t>III. NỘI DUNG THỰC HIỆN</a:t>
             </a:r>
             <a:endParaRPr b="0" lang="en-US" sz="3600" spc="-1" strike="noStrike">
               <a:latin typeface="Arial"/>
@@ -5568,7 +9238,7 @@
       </p:sp>
       <p:pic>
         <p:nvPicPr>
-          <p:cNvPr id="149" name="Content Placeholder 2" descr=""/>
+          <p:cNvPr id="259" name="Content Placeholder 2" descr=""/>
           <p:cNvPicPr/>
           <p:nvPr/>
         </p:nvPicPr>
@@ -5579,7 +9249,7 @@
         <p:spPr>
           <a:xfrm>
             <a:off x="304920" y="95760"/>
-            <a:ext cx="550440" cy="747720"/>
+            <a:ext cx="549000" cy="746280"/>
           </a:xfrm>
           <a:prstGeom prst="rect">
             <a:avLst/>
@@ -5589,6 +9259,105 @@
           </a:ln>
         </p:spPr>
       </p:pic>
+      <p:sp>
+        <p:nvSpPr>
+          <p:cNvPr id="260" name="TextShape 2"/>
+          <p:cNvSpPr txBox="1"/>
+          <p:nvPr/>
+        </p:nvSpPr>
+        <p:spPr>
+          <a:xfrm>
+            <a:off x="495000" y="1604520"/>
+            <a:ext cx="8915040" cy="2693160"/>
+          </a:xfrm>
+          <a:prstGeom prst="rect">
+            <a:avLst/>
+          </a:prstGeom>
+          <a:noFill/>
+          <a:ln>
+            <a:noFill/>
+          </a:ln>
+        </p:spPr>
+        <p:txBody>
+          <a:bodyPr lIns="0" rIns="0" tIns="0" bIns="0" anchor="ctr"/>
+          <a:p>
+            <a:r>
+              <a:rPr b="0" lang="en-US" sz="3200" spc="-1" strike="noStrike">
+                <a:latin typeface="Arial"/>
+              </a:rPr>
+              <a:t>B.</a:t>
+            </a:r>
+            <a:r>
+              <a:rPr b="0" lang="en-US" sz="3200" spc="-1" strike="noStrike">
+                <a:latin typeface="Arial"/>
+              </a:rPr>
+              <a:t>	</a:t>
+            </a:r>
+            <a:r>
+              <a:rPr b="0" lang="en-US" sz="3200" spc="-1" strike="noStrike">
+                <a:latin typeface="Arial"/>
+              </a:rPr>
+              <a:t> Ứng dụng chạy trên di động cho khách hàng</a:t>
+            </a:r>
+            <a:endParaRPr b="0" lang="en-US" sz="3200" spc="-1" strike="noStrike">
+              <a:latin typeface="Arial"/>
+            </a:endParaRPr>
+          </a:p>
+          <a:p>
+            <a:r>
+              <a:rPr b="0" lang="en-US" sz="3200" spc="-1" strike="noStrike">
+                <a:latin typeface="Arial"/>
+              </a:rPr>
+              <a:t>	</a:t>
+            </a:r>
+            <a:r>
+              <a:rPr b="0" lang="en-US" sz="3200" spc="-1" strike="noStrike">
+                <a:latin typeface="Arial"/>
+              </a:rPr>
+              <a:t>Thiết kế hệ thống</a:t>
+            </a:r>
+            <a:endParaRPr b="0" lang="en-US" sz="3200" spc="-1" strike="noStrike">
+              <a:latin typeface="Arial"/>
+            </a:endParaRPr>
+          </a:p>
+          <a:p>
+            <a:pPr lvl="1" marL="432000" indent="-216000">
+              <a:buClr>
+                <a:srgbClr val="000000"/>
+              </a:buClr>
+              <a:buFont typeface="Wingdings" charset="2"/>
+              <a:buChar char=""/>
+            </a:pPr>
+            <a:r>
+              <a:rPr b="0" lang="en-US" sz="3200" spc="-1" strike="noStrike">
+                <a:latin typeface="Arial"/>
+              </a:rPr>
+              <a:t> </a:t>
+            </a:r>
+            <a:r>
+              <a:rPr b="0" lang="en-US" sz="3200" spc="-1" strike="noStrike">
+                <a:latin typeface="Arial"/>
+              </a:rPr>
+              <a:t>Biểu đồ Usecase tổng quát</a:t>
+            </a:r>
+            <a:endParaRPr b="0" lang="en-US" sz="3200" spc="-1" strike="noStrike">
+              <a:latin typeface="Arial"/>
+            </a:endParaRPr>
+          </a:p>
+          <a:p>
+            <a:pPr lvl="3" marL="864000" indent="-216000">
+              <a:buClr>
+                <a:srgbClr val="000000"/>
+              </a:buClr>
+              <a:buFont typeface="Wingdings" charset="2"/>
+              <a:buChar char=""/>
+            </a:pPr>
+            <a:endParaRPr b="0" lang="en-US" sz="3200" spc="-1" strike="noStrike">
+              <a:latin typeface="Arial"/>
+            </a:endParaRPr>
+          </a:p>
+        </p:txBody>
+      </p:sp>
     </p:spTree>
   </p:cSld>
   <p:timing>
@@ -5640,14 +9409,14 @@
       </p:grpSpPr>
       <p:sp>
         <p:nvSpPr>
-          <p:cNvPr id="150" name="CustomShape 1"/>
+          <p:cNvPr id="261" name="CustomShape 1"/>
           <p:cNvSpPr/>
           <p:nvPr/>
         </p:nvSpPr>
         <p:spPr>
           <a:xfrm>
             <a:off x="2025720" y="-190800"/>
-            <a:ext cx="8543160" cy="1324800"/>
+            <a:ext cx="8541720" cy="1323360"/>
           </a:xfrm>
           <a:prstGeom prst="rect">
             <a:avLst/>
@@ -5679,8 +9448,9 @@
                   <a:srgbClr val="ffffff"/>
                 </a:solidFill>
                 <a:latin typeface="Calibri"/>
-              </a:rPr>
-              <a:t>PHƯƠNG ÁN 2</a:t>
+                <a:ea typeface="DejaVu Sans"/>
+              </a:rPr>
+              <a:t>III. NỘI DUNG THỰC HIỆN</a:t>
             </a:r>
             <a:endParaRPr b="0" lang="en-US" sz="3600" spc="-1" strike="noStrike">
               <a:latin typeface="Arial"/>
@@ -5690,7 +9460,7 @@
       </p:sp>
       <p:pic>
         <p:nvPicPr>
-          <p:cNvPr id="151" name="Content Placeholder 2" descr=""/>
+          <p:cNvPr id="262" name="Content Placeholder 2" descr=""/>
           <p:cNvPicPr/>
           <p:nvPr/>
         </p:nvPicPr>
@@ -5701,7 +9471,7 @@
         <p:spPr>
           <a:xfrm>
             <a:off x="304920" y="95760"/>
-            <a:ext cx="550440" cy="747720"/>
+            <a:ext cx="549000" cy="746280"/>
           </a:xfrm>
           <a:prstGeom prst="rect">
             <a:avLst/>
@@ -5711,6 +9481,69 @@
           </a:ln>
         </p:spPr>
       </p:pic>
+      <p:sp>
+        <p:nvSpPr>
+          <p:cNvPr id="263" name="TextShape 2"/>
+          <p:cNvSpPr txBox="1"/>
+          <p:nvPr/>
+        </p:nvSpPr>
+        <p:spPr>
+          <a:xfrm>
+            <a:off x="365760" y="1280160"/>
+            <a:ext cx="8915040" cy="914400"/>
+          </a:xfrm>
+          <a:prstGeom prst="rect">
+            <a:avLst/>
+          </a:prstGeom>
+          <a:noFill/>
+          <a:ln>
+            <a:noFill/>
+          </a:ln>
+        </p:spPr>
+        <p:txBody>
+          <a:bodyPr lIns="0" rIns="0" tIns="0" bIns="0" anchor="ctr"/>
+          <a:p>
+            <a:r>
+              <a:rPr b="0" lang="en-US" sz="3200" spc="-1" strike="noStrike">
+                <a:latin typeface="Arial"/>
+              </a:rPr>
+              <a:t>B.</a:t>
+            </a:r>
+            <a:r>
+              <a:rPr b="0" lang="en-US" sz="3200" spc="-1" strike="noStrike">
+                <a:latin typeface="Arial"/>
+              </a:rPr>
+              <a:t>	</a:t>
+            </a:r>
+            <a:r>
+              <a:rPr b="0" lang="en-US" sz="3200" spc="-1" strike="noStrike">
+                <a:latin typeface="Arial"/>
+              </a:rPr>
+              <a:t> Ứng dụng chạy trên di động cho khách hàng</a:t>
+            </a:r>
+            <a:endParaRPr b="0" lang="en-US" sz="3200" spc="-1" strike="noStrike">
+              <a:latin typeface="Arial"/>
+            </a:endParaRPr>
+          </a:p>
+          <a:p>
+            <a:r>
+              <a:rPr b="0" lang="en-US" sz="3200" spc="-1" strike="noStrike">
+                <a:latin typeface="Arial"/>
+              </a:rPr>
+              <a:t>	</a:t>
+            </a:r>
+            <a:r>
+              <a:rPr b="0" lang="en-US" sz="3200" spc="-1" strike="noStrike">
+                <a:latin typeface="Arial"/>
+              </a:rPr>
+              <a:t>Thiết kế giao diện các màn hình</a:t>
+            </a:r>
+            <a:endParaRPr b="0" lang="en-US" sz="3200" spc="-1" strike="noStrike">
+              <a:latin typeface="Arial"/>
+            </a:endParaRPr>
+          </a:p>
+        </p:txBody>
+      </p:sp>
     </p:spTree>
   </p:cSld>
   <p:timing>
@@ -5762,14 +9595,14 @@
       </p:grpSpPr>
       <p:sp>
         <p:nvSpPr>
-          <p:cNvPr id="152" name="CustomShape 1"/>
+          <p:cNvPr id="264" name="CustomShape 1"/>
           <p:cNvSpPr/>
           <p:nvPr/>
         </p:nvSpPr>
         <p:spPr>
           <a:xfrm>
             <a:off x="2025720" y="-190800"/>
-            <a:ext cx="8543160" cy="1324800"/>
+            <a:ext cx="8541720" cy="1323360"/>
           </a:xfrm>
           <a:prstGeom prst="rect">
             <a:avLst/>
@@ -5801,8 +9634,109 @@
                   <a:srgbClr val="ffffff"/>
                 </a:solidFill>
                 <a:latin typeface="Calibri"/>
-              </a:rPr>
-              <a:t>PHƯƠNG ÁN 2</a:t>
+                <a:ea typeface="DejaVu Sans"/>
+              </a:rPr>
+              <a:t>III. </a:t>
+            </a:r>
+            <a:r>
+              <a:rPr b="1" lang="en-US" sz="3600" spc="-1" strike="noStrike">
+                <a:solidFill>
+                  <a:srgbClr val="ffffff"/>
+                </a:solidFill>
+                <a:latin typeface="Calibri"/>
+                <a:ea typeface="DejaVu Sans"/>
+              </a:rPr>
+              <a:t>N</a:t>
+            </a:r>
+            <a:r>
+              <a:rPr b="1" lang="en-US" sz="3600" spc="-1" strike="noStrike">
+                <a:solidFill>
+                  <a:srgbClr val="ffffff"/>
+                </a:solidFill>
+                <a:latin typeface="Calibri"/>
+                <a:ea typeface="DejaVu Sans"/>
+              </a:rPr>
+              <a:t>ỘI </a:t>
+            </a:r>
+            <a:r>
+              <a:rPr b="1" lang="en-US" sz="3600" spc="-1" strike="noStrike">
+                <a:solidFill>
+                  <a:srgbClr val="ffffff"/>
+                </a:solidFill>
+                <a:latin typeface="Calibri"/>
+                <a:ea typeface="DejaVu Sans"/>
+              </a:rPr>
+              <a:t>D</a:t>
+            </a:r>
+            <a:r>
+              <a:rPr b="1" lang="en-US" sz="3600" spc="-1" strike="noStrike">
+                <a:solidFill>
+                  <a:srgbClr val="ffffff"/>
+                </a:solidFill>
+                <a:latin typeface="Calibri"/>
+                <a:ea typeface="DejaVu Sans"/>
+              </a:rPr>
+              <a:t>U</a:t>
+            </a:r>
+            <a:r>
+              <a:rPr b="1" lang="en-US" sz="3600" spc="-1" strike="noStrike">
+                <a:solidFill>
+                  <a:srgbClr val="ffffff"/>
+                </a:solidFill>
+                <a:latin typeface="Calibri"/>
+                <a:ea typeface="DejaVu Sans"/>
+              </a:rPr>
+              <a:t>N</a:t>
+            </a:r>
+            <a:r>
+              <a:rPr b="1" lang="en-US" sz="3600" spc="-1" strike="noStrike">
+                <a:solidFill>
+                  <a:srgbClr val="ffffff"/>
+                </a:solidFill>
+                <a:latin typeface="Calibri"/>
+                <a:ea typeface="DejaVu Sans"/>
+              </a:rPr>
+              <a:t>G </a:t>
+            </a:r>
+            <a:r>
+              <a:rPr b="1" lang="en-US" sz="3600" spc="-1" strike="noStrike">
+                <a:solidFill>
+                  <a:srgbClr val="ffffff"/>
+                </a:solidFill>
+                <a:latin typeface="Calibri"/>
+                <a:ea typeface="DejaVu Sans"/>
+              </a:rPr>
+              <a:t>TH</a:t>
+            </a:r>
+            <a:r>
+              <a:rPr b="1" lang="en-US" sz="3600" spc="-1" strike="noStrike">
+                <a:solidFill>
+                  <a:srgbClr val="ffffff"/>
+                </a:solidFill>
+                <a:latin typeface="Calibri"/>
+                <a:ea typeface="DejaVu Sans"/>
+              </a:rPr>
+              <a:t>ỰC </a:t>
+            </a:r>
+            <a:r>
+              <a:rPr b="1" lang="en-US" sz="3600" spc="-1" strike="noStrike">
+                <a:solidFill>
+                  <a:srgbClr val="ffffff"/>
+                </a:solidFill>
+                <a:latin typeface="Calibri"/>
+                <a:ea typeface="DejaVu Sans"/>
+              </a:rPr>
+              <a:t>HI</a:t>
+            </a:r>
+            <a:r>
+              <a:rPr b="1" lang="en-US" sz="3600" spc="-1" strike="noStrike">
+                <a:solidFill>
+                  <a:srgbClr val="ffffff"/>
+                </a:solidFill>
+                <a:latin typeface="Calibri"/>
+                <a:ea typeface="DejaVu Sans"/>
+              </a:rPr>
+              <a:t>ỆN</a:t>
             </a:r>
             <a:endParaRPr b="0" lang="en-US" sz="3600" spc="-1" strike="noStrike">
               <a:latin typeface="Arial"/>
@@ -5812,7 +9746,7 @@
       </p:sp>
       <p:pic>
         <p:nvPicPr>
-          <p:cNvPr id="153" name="Content Placeholder 2" descr=""/>
+          <p:cNvPr id="265" name="Content Placeholder 2" descr=""/>
           <p:cNvPicPr/>
           <p:nvPr/>
         </p:nvPicPr>
@@ -5823,7 +9757,7 @@
         <p:spPr>
           <a:xfrm>
             <a:off x="304920" y="95760"/>
-            <a:ext cx="550440" cy="747720"/>
+            <a:ext cx="549000" cy="746280"/>
           </a:xfrm>
           <a:prstGeom prst="rect">
             <a:avLst/>
@@ -5833,6 +9767,125 @@
           </a:ln>
         </p:spPr>
       </p:pic>
+      <p:sp>
+        <p:nvSpPr>
+          <p:cNvPr id="266" name="TextShape 2"/>
+          <p:cNvSpPr txBox="1"/>
+          <p:nvPr/>
+        </p:nvSpPr>
+        <p:spPr>
+          <a:xfrm>
+            <a:off x="411840" y="1011240"/>
+            <a:ext cx="8915040" cy="1823400"/>
+          </a:xfrm>
+          <a:prstGeom prst="rect">
+            <a:avLst/>
+          </a:prstGeom>
+          <a:noFill/>
+          <a:ln>
+            <a:noFill/>
+          </a:ln>
+        </p:spPr>
+        <p:txBody>
+          <a:bodyPr lIns="0" rIns="0" tIns="0" bIns="0" anchor="ctr"/>
+          <a:p>
+            <a:r>
+              <a:rPr b="0" lang="en-US" sz="3200" spc="-1" strike="noStrike">
+                <a:latin typeface="Arial"/>
+              </a:rPr>
+              <a:t>C.</a:t>
+            </a:r>
+            <a:r>
+              <a:rPr b="0" lang="en-US" sz="3200" spc="-1" strike="noStrike">
+                <a:latin typeface="Arial"/>
+              </a:rPr>
+              <a:t>	</a:t>
+            </a:r>
+            <a:r>
+              <a:rPr b="0" lang="en-US" sz="3200" spc="-1" strike="noStrike">
+                <a:latin typeface="Arial"/>
+              </a:rPr>
+              <a:t> Website khách hàng sử dụng</a:t>
+            </a:r>
+            <a:endParaRPr b="0" lang="en-US" sz="3200" spc="-1" strike="noStrike">
+              <a:latin typeface="Arial"/>
+            </a:endParaRPr>
+          </a:p>
+          <a:p>
+            <a:r>
+              <a:rPr b="0" lang="en-US" sz="3200" spc="-1" strike="noStrike">
+                <a:latin typeface="Arial"/>
+              </a:rPr>
+              <a:t>	</a:t>
+            </a:r>
+            <a:r>
+              <a:rPr b="0" lang="en-US" sz="3200" spc="-1" strike="noStrike">
+                <a:latin typeface="Arial"/>
+              </a:rPr>
+              <a:t>Xác định yêu cầu</a:t>
+            </a:r>
+            <a:endParaRPr b="0" lang="en-US" sz="3200" spc="-1" strike="noStrike">
+              <a:latin typeface="Arial"/>
+            </a:endParaRPr>
+          </a:p>
+          <a:p>
+            <a:pPr lvl="2" marL="648000" indent="-216000">
+              <a:buClr>
+                <a:srgbClr val="000000"/>
+              </a:buClr>
+              <a:buSzPct val="45000"/>
+              <a:buFont typeface="Wingdings" charset="2"/>
+              <a:buChar char=""/>
+            </a:pPr>
+            <a:r>
+              <a:rPr b="0" lang="en-US" sz="3200" spc="-1" strike="noStrike">
+                <a:latin typeface="Arial"/>
+              </a:rPr>
+              <a:t> </a:t>
+            </a:r>
+            <a:r>
+              <a:rPr b="0" lang="en-US" sz="3200" spc="-1" strike="noStrike">
+                <a:latin typeface="Arial"/>
+              </a:rPr>
+              <a:t>Yêu cầu nghiệp vụ:</a:t>
+            </a:r>
+            <a:endParaRPr b="0" lang="en-US" sz="3200" spc="-1" strike="noStrike">
+              <a:latin typeface="Arial"/>
+            </a:endParaRPr>
+          </a:p>
+          <a:p>
+            <a:pPr lvl="3" marL="864000" indent="-216000">
+              <a:buClr>
+                <a:srgbClr val="000000"/>
+              </a:buClr>
+              <a:buSzPct val="45000"/>
+              <a:buFont typeface="Wingdings" charset="2"/>
+              <a:buChar char=""/>
+            </a:pPr>
+            <a:r>
+              <a:rPr b="0" lang="en-US" sz="3200" spc="-1" strike="noStrike">
+                <a:latin typeface="Arial"/>
+              </a:rPr>
+              <a:t>Đối với khách hàng:</a:t>
+            </a:r>
+            <a:r>
+              <a:rPr b="0" lang="en-US" sz="3200" spc="-1" strike="noStrike">
+                <a:latin typeface="Arial"/>
+              </a:rPr>
+              <a:t>	</a:t>
+            </a:r>
+            <a:r>
+              <a:rPr b="0" lang="en-US" sz="3200" spc="-1" strike="noStrike">
+                <a:latin typeface="Arial"/>
+              </a:rPr>
+              <a:t>	</a:t>
+            </a:r>
+            <a:endParaRPr b="0" lang="en-US" sz="3200" spc="-1" strike="noStrike">
+              <a:latin typeface="Arial"/>
+            </a:endParaRPr>
+          </a:p>
+        </p:txBody>
+      </p:sp>
     </p:spTree>
   </p:cSld>
   <p:timing>
@@ -5884,14 +9937,14 @@
       </p:grpSpPr>
       <p:sp>
         <p:nvSpPr>
-          <p:cNvPr id="154" name="CustomShape 1"/>
+          <p:cNvPr id="267" name="CustomShape 1"/>
           <p:cNvSpPr/>
           <p:nvPr/>
         </p:nvSpPr>
         <p:spPr>
           <a:xfrm>
             <a:off x="2025720" y="-190800"/>
-            <a:ext cx="8543160" cy="1324800"/>
+            <a:ext cx="8541720" cy="1323360"/>
           </a:xfrm>
           <a:prstGeom prst="rect">
             <a:avLst/>
@@ -5923,8 +9976,49 @@
                   <a:srgbClr val="ffffff"/>
                 </a:solidFill>
                 <a:latin typeface="Calibri"/>
-              </a:rPr>
-              <a:t>PHƯƠNG ÁN 2</a:t>
+                <a:ea typeface="DejaVu Sans"/>
+              </a:rPr>
+              <a:t>III. </a:t>
+            </a:r>
+            <a:r>
+              <a:rPr b="1" lang="en-US" sz="3600" spc="-1" strike="noStrike">
+                <a:solidFill>
+                  <a:srgbClr val="ffffff"/>
+                </a:solidFill>
+                <a:latin typeface="Calibri"/>
+                <a:ea typeface="DejaVu Sans"/>
+              </a:rPr>
+              <a:t>NỘI </a:t>
+            </a:r>
+            <a:r>
+              <a:rPr b="1" lang="en-US" sz="3600" spc="-1" strike="noStrike">
+                <a:solidFill>
+                  <a:srgbClr val="ffffff"/>
+                </a:solidFill>
+                <a:latin typeface="Calibri"/>
+                <a:ea typeface="DejaVu Sans"/>
+              </a:rPr>
+              <a:t>DUNG </a:t>
+            </a:r>
+            <a:r>
+              <a:rPr b="1" lang="en-US" sz="3600" spc="-1" strike="noStrike">
+                <a:solidFill>
+                  <a:srgbClr val="ffffff"/>
+                </a:solidFill>
+                <a:latin typeface="Calibri"/>
+                <a:ea typeface="DejaVu Sans"/>
+              </a:rPr>
+              <a:t>THỰC </a:t>
+            </a:r>
+            <a:r>
+              <a:rPr b="1" lang="en-US" sz="3600" spc="-1" strike="noStrike">
+                <a:solidFill>
+                  <a:srgbClr val="ffffff"/>
+                </a:solidFill>
+                <a:latin typeface="Calibri"/>
+                <a:ea typeface="DejaVu Sans"/>
+              </a:rPr>
+              <a:t>HIỆN</a:t>
             </a:r>
             <a:endParaRPr b="0" lang="en-US" sz="3600" spc="-1" strike="noStrike">
               <a:latin typeface="Arial"/>
@@ -5934,7 +10028,7 @@
       </p:sp>
       <p:pic>
         <p:nvPicPr>
-          <p:cNvPr id="155" name="Content Placeholder 2" descr=""/>
+          <p:cNvPr id="268" name="Content Placeholder 2" descr=""/>
           <p:cNvPicPr/>
           <p:nvPr/>
         </p:nvPicPr>
@@ -5945,7 +10039,7 @@
         <p:spPr>
           <a:xfrm>
             <a:off x="304920" y="95760"/>
-            <a:ext cx="550440" cy="747720"/>
+            <a:ext cx="549000" cy="746280"/>
           </a:xfrm>
           <a:prstGeom prst="rect">
             <a:avLst/>
@@ -5955,6 +10049,106 @@
           </a:ln>
         </p:spPr>
       </p:pic>
+      <p:sp>
+        <p:nvSpPr>
+          <p:cNvPr id="269" name="TextShape 2"/>
+          <p:cNvSpPr txBox="1"/>
+          <p:nvPr/>
+        </p:nvSpPr>
+        <p:spPr>
+          <a:xfrm>
+            <a:off x="548640" y="1813680"/>
+            <a:ext cx="8915040" cy="3977280"/>
+          </a:xfrm>
+          <a:prstGeom prst="rect">
+            <a:avLst/>
+          </a:prstGeom>
+          <a:noFill/>
+          <a:ln>
+            <a:noFill/>
+          </a:ln>
+        </p:spPr>
+        <p:txBody>
+          <a:bodyPr lIns="0" rIns="0" tIns="0" bIns="0" anchor="ctr"/>
+          <a:p>
+            <a:r>
+              <a:rPr b="0" lang="en-US" sz="3200" spc="-1" strike="noStrike">
+                <a:latin typeface="Arial"/>
+              </a:rPr>
+              <a:t>C.</a:t>
+            </a:r>
+            <a:r>
+              <a:rPr b="0" lang="en-US" sz="3200" spc="-1" strike="noStrike">
+                <a:latin typeface="Arial"/>
+              </a:rPr>
+              <a:t>	</a:t>
+            </a:r>
+            <a:r>
+              <a:rPr b="0" lang="en-US" sz="3200" spc="-1" strike="noStrike">
+                <a:latin typeface="Arial"/>
+              </a:rPr>
+              <a:t> Website khách hàng sử dụng</a:t>
+            </a:r>
+            <a:endParaRPr b="0" lang="en-US" sz="3200" spc="-1" strike="noStrike">
+              <a:latin typeface="Arial"/>
+            </a:endParaRPr>
+          </a:p>
+          <a:p>
+            <a:r>
+              <a:rPr b="0" lang="en-US" sz="3200" spc="-1" strike="noStrike">
+                <a:latin typeface="Arial"/>
+              </a:rPr>
+              <a:t>	</a:t>
+            </a:r>
+            <a:r>
+              <a:rPr b="0" lang="en-US" sz="3200" spc="-1" strike="noStrike">
+                <a:latin typeface="Arial"/>
+              </a:rPr>
+              <a:t>Xác định yêu cầu của hệ thống</a:t>
+            </a:r>
+            <a:endParaRPr b="0" lang="en-US" sz="3200" spc="-1" strike="noStrike">
+              <a:latin typeface="Arial"/>
+            </a:endParaRPr>
+          </a:p>
+          <a:p>
+            <a:pPr lvl="1" marL="432000" indent="-216000">
+              <a:buClr>
+                <a:srgbClr val="000000"/>
+              </a:buClr>
+              <a:buSzPct val="45000"/>
+              <a:buFont typeface="Wingdings" charset="2"/>
+              <a:buChar char=""/>
+            </a:pPr>
+            <a:r>
+              <a:rPr b="0" lang="en-US" sz="3200" spc="-1" strike="noStrike">
+                <a:latin typeface="Arial"/>
+              </a:rPr>
+              <a:t>Yêu cầu phi chức năng:</a:t>
+            </a:r>
+            <a:endParaRPr b="0" lang="en-US" sz="3200" spc="-1" strike="noStrike">
+              <a:latin typeface="Arial"/>
+            </a:endParaRPr>
+          </a:p>
+          <a:p>
+            <a:pPr lvl="2" marL="648000" indent="-216000">
+              <a:buClr>
+                <a:srgbClr val="000000"/>
+              </a:buClr>
+              <a:buFont typeface="Wingdings" charset="2"/>
+              <a:buChar char=""/>
+            </a:pPr>
+            <a:r>
+              <a:rPr b="0" lang="en-US" sz="3200" spc="-1" strike="noStrike">
+                <a:latin typeface="Arial"/>
+              </a:rPr>
+              <a:t> </a:t>
+            </a:r>
+            <a:endParaRPr b="0" lang="en-US" sz="3200" spc="-1" strike="noStrike">
+              <a:latin typeface="Arial"/>
+            </a:endParaRPr>
+          </a:p>
+        </p:txBody>
+      </p:sp>
     </p:spTree>
   </p:cSld>
   <p:timing>
@@ -6006,14 +10200,14 @@
       </p:grpSpPr>
       <p:sp>
         <p:nvSpPr>
-          <p:cNvPr id="156" name="CustomShape 1"/>
+          <p:cNvPr id="270" name="CustomShape 1"/>
           <p:cNvSpPr/>
           <p:nvPr/>
         </p:nvSpPr>
         <p:spPr>
           <a:xfrm>
             <a:off x="2025720" y="-190800"/>
-            <a:ext cx="8543160" cy="1324800"/>
+            <a:ext cx="8541720" cy="1323360"/>
           </a:xfrm>
           <a:prstGeom prst="rect">
             <a:avLst/>
@@ -6045,8 +10239,9 @@
                   <a:srgbClr val="ffffff"/>
                 </a:solidFill>
                 <a:latin typeface="Calibri"/>
-              </a:rPr>
-              <a:t>PHƯƠNG ÁN 2</a:t>
+                <a:ea typeface="DejaVu Sans"/>
+              </a:rPr>
+              <a:t>III. NỘI DUNG THỰC HIỆN</a:t>
             </a:r>
             <a:endParaRPr b="0" lang="en-US" sz="3600" spc="-1" strike="noStrike">
               <a:latin typeface="Arial"/>
@@ -6056,7 +10251,7 @@
       </p:sp>
       <p:pic>
         <p:nvPicPr>
-          <p:cNvPr id="157" name="Content Placeholder 2" descr=""/>
+          <p:cNvPr id="271" name="Content Placeholder 2" descr=""/>
           <p:cNvPicPr/>
           <p:nvPr/>
         </p:nvPicPr>
@@ -6067,7 +10262,7 @@
         <p:spPr>
           <a:xfrm>
             <a:off x="304920" y="95760"/>
-            <a:ext cx="550440" cy="747720"/>
+            <a:ext cx="549000" cy="746280"/>
           </a:xfrm>
           <a:prstGeom prst="rect">
             <a:avLst/>
@@ -6077,6 +10272,105 @@
           </a:ln>
         </p:spPr>
       </p:pic>
+      <p:sp>
+        <p:nvSpPr>
+          <p:cNvPr id="272" name="TextShape 2"/>
+          <p:cNvSpPr txBox="1"/>
+          <p:nvPr/>
+        </p:nvSpPr>
+        <p:spPr>
+          <a:xfrm>
+            <a:off x="495000" y="1604520"/>
+            <a:ext cx="8915040" cy="2693160"/>
+          </a:xfrm>
+          <a:prstGeom prst="rect">
+            <a:avLst/>
+          </a:prstGeom>
+          <a:noFill/>
+          <a:ln>
+            <a:noFill/>
+          </a:ln>
+        </p:spPr>
+        <p:txBody>
+          <a:bodyPr lIns="0" rIns="0" tIns="0" bIns="0" anchor="ctr"/>
+          <a:p>
+            <a:r>
+              <a:rPr b="0" lang="en-US" sz="3200" spc="-1" strike="noStrike">
+                <a:latin typeface="Arial"/>
+              </a:rPr>
+              <a:t>C.</a:t>
+            </a:r>
+            <a:r>
+              <a:rPr b="0" lang="en-US" sz="3200" spc="-1" strike="noStrike">
+                <a:latin typeface="Arial"/>
+              </a:rPr>
+              <a:t>	</a:t>
+            </a:r>
+            <a:r>
+              <a:rPr b="0" lang="en-US" sz="3200" spc="-1" strike="noStrike">
+                <a:latin typeface="Arial"/>
+              </a:rPr>
+              <a:t> Website khách hàng sử dụng</a:t>
+            </a:r>
+            <a:endParaRPr b="0" lang="en-US" sz="3200" spc="-1" strike="noStrike">
+              <a:latin typeface="Arial"/>
+            </a:endParaRPr>
+          </a:p>
+          <a:p>
+            <a:r>
+              <a:rPr b="0" lang="en-US" sz="3200" spc="-1" strike="noStrike">
+                <a:latin typeface="Arial"/>
+              </a:rPr>
+              <a:t>	</a:t>
+            </a:r>
+            <a:r>
+              <a:rPr b="0" lang="en-US" sz="3200" spc="-1" strike="noStrike">
+                <a:latin typeface="Arial"/>
+              </a:rPr>
+              <a:t>Thiết kế hệ thống</a:t>
+            </a:r>
+            <a:endParaRPr b="0" lang="en-US" sz="3200" spc="-1" strike="noStrike">
+              <a:latin typeface="Arial"/>
+            </a:endParaRPr>
+          </a:p>
+          <a:p>
+            <a:pPr lvl="1" marL="432000" indent="-216000">
+              <a:buClr>
+                <a:srgbClr val="000000"/>
+              </a:buClr>
+              <a:buFont typeface="Wingdings" charset="2"/>
+              <a:buChar char=""/>
+            </a:pPr>
+            <a:r>
+              <a:rPr b="0" lang="en-US" sz="3200" spc="-1" strike="noStrike">
+                <a:latin typeface="Arial"/>
+              </a:rPr>
+              <a:t> </a:t>
+            </a:r>
+            <a:r>
+              <a:rPr b="0" lang="en-US" sz="3200" spc="-1" strike="noStrike">
+                <a:latin typeface="Arial"/>
+              </a:rPr>
+              <a:t>Biểu đồ Usecase tổng quát</a:t>
+            </a:r>
+            <a:endParaRPr b="0" lang="en-US" sz="3200" spc="-1" strike="noStrike">
+              <a:latin typeface="Arial"/>
+            </a:endParaRPr>
+          </a:p>
+          <a:p>
+            <a:pPr lvl="3" marL="864000" indent="-216000">
+              <a:buClr>
+                <a:srgbClr val="000000"/>
+              </a:buClr>
+              <a:buFont typeface="Wingdings" charset="2"/>
+              <a:buChar char=""/>
+            </a:pPr>
+            <a:endParaRPr b="0" lang="en-US" sz="3200" spc="-1" strike="noStrike">
+              <a:latin typeface="Arial"/>
+            </a:endParaRPr>
+          </a:p>
+        </p:txBody>
+      </p:sp>
     </p:spTree>
   </p:cSld>
   <p:timing>
@@ -6112,16 +10406,6 @@
 <file path=ppt/slides/slide19.xml><?xml version="1.0" encoding="utf-8"?>
 <p:sld xmlns:a="http://schemas.openxmlformats.org/drawingml/2006/main" xmlns:p="http://schemas.openxmlformats.org/presentationml/2006/main" xmlns:r="http://schemas.openxmlformats.org/officeDocument/2006/relationships" xmlns:p14="http://schemas.microsoft.com/office/powerpoint/2010/main" xmlns:p15="http://schemas.microsoft.com/office/powerpoint/2012/main" xmlns:mc="http://schemas.openxmlformats.org/markup-compatibility/2006">
   <p:cSld>
-    <p:bg>
-      <p:bgPr>
-        <a:blipFill rotWithShape="0">
-          <a:blip r:embed="rId1"/>
-          <a:stretch>
-            <a:fillRect/>
-          </a:stretch>
-        </a:blipFill>
-      </p:bgPr>
-    </p:bg>
     <p:spTree>
       <p:nvGrpSpPr>
         <p:cNvPr id="1" name=""/>
@@ -6138,14 +10422,14 @@
       </p:grpSpPr>
       <p:sp>
         <p:nvSpPr>
-          <p:cNvPr id="158" name="CustomShape 1"/>
+          <p:cNvPr id="273" name="CustomShape 1"/>
           <p:cNvSpPr/>
           <p:nvPr/>
         </p:nvSpPr>
         <p:spPr>
           <a:xfrm>
-            <a:off x="5427720" y="5404320"/>
-            <a:ext cx="3774240" cy="699480"/>
+            <a:off x="2025720" y="-190800"/>
+            <a:ext cx="8541720" cy="1323360"/>
           </a:xfrm>
           <a:prstGeom prst="rect">
             <a:avLst/>
@@ -6162,24 +10446,112 @@
           <a:fontRef idx="minor"/>
         </p:style>
         <p:txBody>
-          <a:bodyPr lIns="90000" rIns="90000" tIns="45000" bIns="45000"/>
+          <a:bodyPr lIns="90000" rIns="90000" tIns="45000" bIns="45000" anchor="ctr">
+            <a:normAutofit/>
+          </a:bodyPr>
           <a:p>
             <a:pPr>
               <a:lnSpc>
-                <a:spcPct val="100000"/>
+                <a:spcPct val="90000"/>
               </a:lnSpc>
             </a:pPr>
             <a:r>
-              <a:rPr b="0" lang="en-US" sz="4000" spc="-1" strike="noStrike">
+              <a:rPr b="1" lang="en-US" sz="3600" spc="-1" strike="noStrike">
                 <a:solidFill>
                   <a:srgbClr val="ffffff"/>
                 </a:solidFill>
-                <a:latin typeface="Arial Black"/>
+                <a:latin typeface="Calibri"/>
                 <a:ea typeface="DejaVu Sans"/>
               </a:rPr>
-              <a:t>THANK YOU</a:t>
-            </a:r>
-            <a:endParaRPr b="0" lang="en-US" sz="4000" spc="-1" strike="noStrike">
+              <a:t>III. NỘI DUNG THỰC HIỆN</a:t>
+            </a:r>
+            <a:endParaRPr b="0" lang="en-US" sz="3600" spc="-1" strike="noStrike">
+              <a:latin typeface="Arial"/>
+            </a:endParaRPr>
+          </a:p>
+        </p:txBody>
+      </p:sp>
+      <p:pic>
+        <p:nvPicPr>
+          <p:cNvPr id="274" name="Content Placeholder 2" descr=""/>
+          <p:cNvPicPr/>
+          <p:nvPr/>
+        </p:nvPicPr>
+        <p:blipFill>
+          <a:blip r:embed="rId1"/>
+          <a:stretch/>
+        </p:blipFill>
+        <p:spPr>
+          <a:xfrm>
+            <a:off x="304920" y="95760"/>
+            <a:ext cx="549000" cy="746280"/>
+          </a:xfrm>
+          <a:prstGeom prst="rect">
+            <a:avLst/>
+          </a:prstGeom>
+          <a:ln>
+            <a:noFill/>
+          </a:ln>
+        </p:spPr>
+      </p:pic>
+      <p:sp>
+        <p:nvSpPr>
+          <p:cNvPr id="275" name="TextShape 2"/>
+          <p:cNvSpPr txBox="1"/>
+          <p:nvPr/>
+        </p:nvSpPr>
+        <p:spPr>
+          <a:xfrm>
+            <a:off x="365760" y="1280160"/>
+            <a:ext cx="8915040" cy="914400"/>
+          </a:xfrm>
+          <a:prstGeom prst="rect">
+            <a:avLst/>
+          </a:prstGeom>
+          <a:noFill/>
+          <a:ln>
+            <a:noFill/>
+          </a:ln>
+        </p:spPr>
+        <p:txBody>
+          <a:bodyPr lIns="0" rIns="0" tIns="0" bIns="0" anchor="ctr"/>
+          <a:p>
+            <a:r>
+              <a:rPr b="0" lang="en-US" sz="3200" spc="-1" strike="noStrike">
+                <a:latin typeface="Arial"/>
+              </a:rPr>
+              <a:t>C.</a:t>
+            </a:r>
+            <a:r>
+              <a:rPr b="0" lang="en-US" sz="3200" spc="-1" strike="noStrike">
+                <a:latin typeface="Arial"/>
+              </a:rPr>
+              <a:t>	</a:t>
+            </a:r>
+            <a:r>
+              <a:rPr b="0" lang="en-US" sz="3200" spc="-1" strike="noStrike">
+                <a:latin typeface="Arial"/>
+              </a:rPr>
+              <a:t> Website khách hàng sử dụng</a:t>
+            </a:r>
+            <a:endParaRPr b="0" lang="en-US" sz="3200" spc="-1" strike="noStrike">
+              <a:latin typeface="Arial"/>
+            </a:endParaRPr>
+          </a:p>
+          <a:p>
+            <a:r>
+              <a:rPr b="0" lang="en-US" sz="3200" spc="-1" strike="noStrike">
+                <a:latin typeface="Arial"/>
+              </a:rPr>
+              <a:t>	</a:t>
+            </a:r>
+            <a:r>
+              <a:rPr b="0" lang="en-US" sz="3200" spc="-1" strike="noStrike">
+                <a:latin typeface="Arial"/>
+              </a:rPr>
+              <a:t>Thiết kế giao diện các màn hình</a:t>
+            </a:r>
+            <a:endParaRPr b="0" lang="en-US" sz="3200" spc="-1" strike="noStrike">
               <a:latin typeface="Arial"/>
             </a:endParaRPr>
           </a:p>
@@ -6236,14 +10608,14 @@
       </p:grpSpPr>
       <p:sp>
         <p:nvSpPr>
-          <p:cNvPr id="117" name="CustomShape 1"/>
+          <p:cNvPr id="193" name="CustomShape 1"/>
           <p:cNvSpPr/>
           <p:nvPr/>
         </p:nvSpPr>
         <p:spPr>
           <a:xfrm>
             <a:off x="2025720" y="-190800"/>
-            <a:ext cx="8543160" cy="1324800"/>
+            <a:ext cx="8541720" cy="1323360"/>
           </a:xfrm>
           <a:prstGeom prst="rect">
             <a:avLst/>
@@ -6275,6 +10647,7 @@
                   <a:srgbClr val="ffffff"/>
                 </a:solidFill>
                 <a:latin typeface="Calibri"/>
+                <a:ea typeface="DejaVu Sans"/>
               </a:rPr>
               <a:t>NỘI DUNG</a:t>
             </a:r>
@@ -6286,7 +10659,7 @@
       </p:sp>
       <p:pic>
         <p:nvPicPr>
-          <p:cNvPr id="118" name="Content Placeholder 2" descr=""/>
+          <p:cNvPr id="194" name="Content Placeholder 2" descr=""/>
           <p:cNvPicPr/>
           <p:nvPr/>
         </p:nvPicPr>
@@ -6297,7 +10670,7 @@
         <p:spPr>
           <a:xfrm>
             <a:off x="304920" y="95760"/>
-            <a:ext cx="550440" cy="747720"/>
+            <a:ext cx="549000" cy="746280"/>
           </a:xfrm>
           <a:prstGeom prst="rect">
             <a:avLst/>
@@ -6309,14 +10682,14 @@
       </p:pic>
       <p:sp>
         <p:nvSpPr>
-          <p:cNvPr id="119" name="CustomShape 2"/>
+          <p:cNvPr id="195" name="CustomShape 2"/>
           <p:cNvSpPr/>
           <p:nvPr/>
         </p:nvSpPr>
         <p:spPr>
           <a:xfrm>
             <a:off x="406800" y="1097280"/>
-            <a:ext cx="9011160" cy="5411520"/>
+            <a:ext cx="9009720" cy="5410080"/>
           </a:xfrm>
           <a:prstGeom prst="rect">
             <a:avLst/>
@@ -6335,7 +10708,7 @@
         <p:txBody>
           <a:bodyPr lIns="0" rIns="0" tIns="0" bIns="0" anchor="ctr"/>
           <a:p>
-            <a:pPr marL="216000" indent="-215640">
+            <a:pPr marL="216000" indent="-214200">
               <a:lnSpc>
                 <a:spcPct val="100000"/>
               </a:lnSpc>
@@ -6347,22 +10720,30 @@
             </a:pPr>
             <a:r>
               <a:rPr b="0" lang="en-US" sz="3200" spc="-1" strike="noStrike">
-                <a:latin typeface="Arial"/>
+                <a:solidFill>
+                  <a:srgbClr val="000000"/>
+                </a:solidFill>
+                <a:latin typeface="Arial"/>
+                <a:ea typeface="DejaVu Sans"/>
               </a:rPr>
               <a:t> </a:t>
             </a:r>
             <a:r>
               <a:rPr b="0" lang="en-US" sz="3200" spc="-1" strike="noStrike">
-                <a:latin typeface="Arial"/>
-              </a:rPr>
-              <a:t>LÝ DO CHỌN ĐỀ TÀI</a:t>
-            </a:r>
-            <a:endParaRPr b="0" lang="en-US" sz="3200" spc="-1" strike="noStrike">
-              <a:latin typeface="Arial"/>
-            </a:endParaRPr>
-          </a:p>
-          <a:p>
-            <a:pPr marL="216000" indent="-215640">
+                <a:solidFill>
+                  <a:srgbClr val="000000"/>
+                </a:solidFill>
+                <a:latin typeface="Arial"/>
+                <a:ea typeface="DejaVu Sans"/>
+              </a:rPr>
+              <a:t>TỔNG QUAN VỀ ĐỀ TÀI</a:t>
+            </a:r>
+            <a:endParaRPr b="0" lang="en-US" sz="3200" spc="-1" strike="noStrike">
+              <a:latin typeface="Arial"/>
+            </a:endParaRPr>
+          </a:p>
+          <a:p>
+            <a:pPr marL="216000" indent="-214200">
               <a:lnSpc>
                 <a:spcPct val="100000"/>
               </a:lnSpc>
@@ -6374,22 +10755,30 @@
             </a:pPr>
             <a:r>
               <a:rPr b="0" lang="en-US" sz="3200" spc="-1" strike="noStrike">
-                <a:latin typeface="Arial"/>
+                <a:solidFill>
+                  <a:srgbClr val="000000"/>
+                </a:solidFill>
+                <a:latin typeface="Arial"/>
+                <a:ea typeface="DejaVu Sans"/>
               </a:rPr>
               <a:t> </a:t>
             </a:r>
             <a:r>
               <a:rPr b="0" lang="en-US" sz="3200" spc="-1" strike="noStrike">
-                <a:latin typeface="Arial"/>
-              </a:rPr>
-              <a:t>CÔNG CỤ SỬ DỤNG</a:t>
-            </a:r>
-            <a:endParaRPr b="0" lang="en-US" sz="3200" spc="-1" strike="noStrike">
-              <a:latin typeface="Arial"/>
-            </a:endParaRPr>
-          </a:p>
-          <a:p>
-            <a:pPr marL="216000" indent="-215640">
+                <a:solidFill>
+                  <a:srgbClr val="000000"/>
+                </a:solidFill>
+                <a:latin typeface="Arial"/>
+                <a:ea typeface="DejaVu Sans"/>
+              </a:rPr>
+              <a:t>CƠ SỞ LÝ THUYẾT</a:t>
+            </a:r>
+            <a:endParaRPr b="0" lang="en-US" sz="3200" spc="-1" strike="noStrike">
+              <a:latin typeface="Arial"/>
+            </a:endParaRPr>
+          </a:p>
+          <a:p>
+            <a:pPr marL="216000" indent="-214200">
               <a:lnSpc>
                 <a:spcPct val="100000"/>
               </a:lnSpc>
@@ -6401,58 +10790,30 @@
             </a:pPr>
             <a:r>
               <a:rPr b="0" lang="en-US" sz="3200" spc="-1" strike="noStrike">
-                <a:latin typeface="Arial"/>
-              </a:rPr>
-              <a:t>XÂY DỰNG PHẦN MỀM QUẢN LÝ NHÀ TRỌ</a:t>
-            </a:r>
-            <a:endParaRPr b="0" lang="en-US" sz="3200" spc="-1" strike="noStrike">
-              <a:latin typeface="Arial"/>
-            </a:endParaRPr>
-          </a:p>
-          <a:p>
-            <a:pPr lvl="1" marL="432000" indent="-215640">
-              <a:lnSpc>
-                <a:spcPct val="100000"/>
-              </a:lnSpc>
-              <a:buClr>
-                <a:srgbClr val="000000"/>
-              </a:buClr>
-              <a:buFont typeface="Wingdings" charset="2"/>
-              <a:buChar char=""/>
-            </a:pPr>
+                <a:solidFill>
+                  <a:srgbClr val="000000"/>
+                </a:solidFill>
+                <a:latin typeface="Arial"/>
+                <a:ea typeface="DejaVu Sans"/>
+              </a:rPr>
+              <a:t> </a:t>
+            </a:r>
             <a:r>
               <a:rPr b="0" lang="en-US" sz="3200" spc="-1" strike="noStrike">
-                <a:latin typeface="Arial"/>
-              </a:rPr>
-              <a:t>XÂY DỰNG TRÊN WEB</a:t>
-            </a:r>
-            <a:endParaRPr b="0" lang="en-US" sz="3200" spc="-1" strike="noStrike">
-              <a:latin typeface="Arial"/>
-            </a:endParaRPr>
-          </a:p>
-          <a:p>
-            <a:pPr lvl="1" marL="432000" indent="-215640">
-              <a:lnSpc>
-                <a:spcPct val="100000"/>
-              </a:lnSpc>
-              <a:buClr>
-                <a:srgbClr val="000000"/>
-              </a:buClr>
-              <a:buFont typeface="Wingdings" charset="2"/>
-              <a:buChar char=""/>
-            </a:pPr>
-            <a:r>
-              <a:rPr b="0" lang="en-US" sz="3200" spc="-1" strike="noStrike">
-                <a:latin typeface="Arial"/>
-              </a:rPr>
-              <a:t>XÂY DỰNG TRÊN APP</a:t>
-            </a:r>
-            <a:endParaRPr b="0" lang="en-US" sz="3200" spc="-1" strike="noStrike">
-              <a:latin typeface="Arial"/>
-            </a:endParaRPr>
-          </a:p>
-          <a:p>
-            <a:pPr marL="216000" indent="-215640">
+                <a:solidFill>
+                  <a:srgbClr val="000000"/>
+                </a:solidFill>
+                <a:latin typeface="Arial"/>
+                <a:ea typeface="DejaVu Sans"/>
+              </a:rPr>
+              <a:t>NỘI DUNG THỰC HIỆN</a:t>
+            </a:r>
+            <a:endParaRPr b="0" lang="en-US" sz="3200" spc="-1" strike="noStrike">
+              <a:latin typeface="Arial"/>
+            </a:endParaRPr>
+          </a:p>
+          <a:p>
+            <a:pPr marL="216000" indent="-214200">
               <a:lnSpc>
                 <a:spcPct val="100000"/>
               </a:lnSpc>
@@ -6464,30 +10825,23 @@
             </a:pPr>
             <a:r>
               <a:rPr b="0" lang="en-US" sz="3200" spc="-1" strike="noStrike">
-                <a:latin typeface="Arial"/>
-              </a:rPr>
-              <a:t>TÍCH HỢP IOT VÀO QUẢN LÝ NHÀ TRỌ</a:t>
-            </a:r>
-            <a:endParaRPr b="0" lang="en-US" sz="3200" spc="-1" strike="noStrike">
-              <a:latin typeface="Arial"/>
-            </a:endParaRPr>
-          </a:p>
-          <a:p>
-            <a:pPr marL="216000" indent="-215640">
-              <a:lnSpc>
-                <a:spcPct val="100000"/>
-              </a:lnSpc>
-              <a:buClr>
-                <a:srgbClr val="000000"/>
-              </a:buClr>
-              <a:buFont typeface="StarSymbol"/>
-              <a:buAutoNum type="romanUcPeriod"/>
-            </a:pPr>
+                <a:solidFill>
+                  <a:srgbClr val="000000"/>
+                </a:solidFill>
+                <a:latin typeface="Arial"/>
+                <a:ea typeface="DejaVu Sans"/>
+              </a:rPr>
+              <a:t> </a:t>
+            </a:r>
             <a:r>
               <a:rPr b="0" lang="en-US" sz="3200" spc="-1" strike="noStrike">
-                <a:latin typeface="Arial"/>
-              </a:rPr>
-              <a:t>HƯỚNG PHÁT TRIỂN VÀ ĐÁNH GIÁ CHUNG</a:t>
+                <a:solidFill>
+                  <a:srgbClr val="000000"/>
+                </a:solidFill>
+                <a:latin typeface="Arial"/>
+                <a:ea typeface="DejaVu Sans"/>
+              </a:rPr>
+              <a:t>KẾT LUẬN</a:t>
             </a:r>
             <a:endParaRPr b="0" lang="en-US" sz="3200" spc="-1" strike="noStrike">
               <a:latin typeface="Arial"/>
@@ -6504,6 +10858,1119 @@
           <p:childTnLst>
             <p:seq>
               <p:cTn id="4" dur="indefinite" nodeType="mainSeq"/>
+              <p:prevCondLst>
+                <p:cond delay="0" evt="onPrev">
+                  <p:tgtEl>
+                    <p:sldTgt/>
+                  </p:tgtEl>
+                </p:cond>
+              </p:prevCondLst>
+              <p:nextCondLst>
+                <p:cond delay="0" evt="onNext">
+                  <p:tgtEl>
+                    <p:sldTgt/>
+                  </p:tgtEl>
+                </p:cond>
+              </p:nextCondLst>
+            </p:seq>
+          </p:childTnLst>
+        </p:cTn>
+      </p:par>
+    </p:tnLst>
+  </p:timing>
+</p:sld>
+</file>
+
+<file path=ppt/slides/slide20.xml><?xml version="1.0" encoding="utf-8"?>
+<p:sld xmlns:a="http://schemas.openxmlformats.org/drawingml/2006/main" xmlns:p="http://schemas.openxmlformats.org/presentationml/2006/main" xmlns:r="http://schemas.openxmlformats.org/officeDocument/2006/relationships" xmlns:p14="http://schemas.microsoft.com/office/powerpoint/2010/main" xmlns:p15="http://schemas.microsoft.com/office/powerpoint/2012/main" xmlns:mc="http://schemas.openxmlformats.org/markup-compatibility/2006">
+  <p:cSld>
+    <p:spTree>
+      <p:nvGrpSpPr>
+        <p:cNvPr id="1" name=""/>
+        <p:cNvGrpSpPr/>
+        <p:nvPr/>
+      </p:nvGrpSpPr>
+      <p:grpSpPr>
+        <a:xfrm>
+          <a:off x="0" y="0"/>
+          <a:ext cx="0" cy="0"/>
+          <a:chOff x="0" y="0"/>
+          <a:chExt cx="0" cy="0"/>
+        </a:xfrm>
+      </p:grpSpPr>
+      <p:sp>
+        <p:nvSpPr>
+          <p:cNvPr id="276" name="CustomShape 1"/>
+          <p:cNvSpPr/>
+          <p:nvPr/>
+        </p:nvSpPr>
+        <p:spPr>
+          <a:xfrm>
+            <a:off x="2025720" y="-190800"/>
+            <a:ext cx="8541720" cy="1323360"/>
+          </a:xfrm>
+          <a:prstGeom prst="rect">
+            <a:avLst/>
+          </a:prstGeom>
+          <a:noFill/>
+          <a:ln>
+            <a:noFill/>
+          </a:ln>
+        </p:spPr>
+        <p:style>
+          <a:lnRef idx="0"/>
+          <a:fillRef idx="0"/>
+          <a:effectRef idx="0"/>
+          <a:fontRef idx="minor"/>
+        </p:style>
+        <p:txBody>
+          <a:bodyPr lIns="90000" rIns="90000" tIns="45000" bIns="45000" anchor="ctr">
+            <a:normAutofit/>
+          </a:bodyPr>
+          <a:p>
+            <a:pPr>
+              <a:lnSpc>
+                <a:spcPct val="90000"/>
+              </a:lnSpc>
+            </a:pPr>
+            <a:r>
+              <a:rPr b="1" lang="en-US" sz="3600" spc="-1" strike="noStrike">
+                <a:solidFill>
+                  <a:srgbClr val="ffffff"/>
+                </a:solidFill>
+                <a:latin typeface="Calibri"/>
+                <a:ea typeface="DejaVu Sans"/>
+              </a:rPr>
+              <a:t>III. NỘI DUNG THỰC HIỆN</a:t>
+            </a:r>
+            <a:endParaRPr b="0" lang="en-US" sz="3600" spc="-1" strike="noStrike">
+              <a:latin typeface="Arial"/>
+            </a:endParaRPr>
+          </a:p>
+        </p:txBody>
+      </p:sp>
+      <p:pic>
+        <p:nvPicPr>
+          <p:cNvPr id="277" name="Content Placeholder 2" descr=""/>
+          <p:cNvPicPr/>
+          <p:nvPr/>
+        </p:nvPicPr>
+        <p:blipFill>
+          <a:blip r:embed="rId1"/>
+          <a:stretch/>
+        </p:blipFill>
+        <p:spPr>
+          <a:xfrm>
+            <a:off x="304920" y="95760"/>
+            <a:ext cx="549000" cy="746280"/>
+          </a:xfrm>
+          <a:prstGeom prst="rect">
+            <a:avLst/>
+          </a:prstGeom>
+          <a:ln>
+            <a:noFill/>
+          </a:ln>
+        </p:spPr>
+      </p:pic>
+      <p:sp>
+        <p:nvSpPr>
+          <p:cNvPr id="278" name="TextShape 2"/>
+          <p:cNvSpPr txBox="1"/>
+          <p:nvPr/>
+        </p:nvSpPr>
+        <p:spPr>
+          <a:xfrm>
+            <a:off x="365760" y="1280160"/>
+            <a:ext cx="8915040" cy="914400"/>
+          </a:xfrm>
+          <a:prstGeom prst="rect">
+            <a:avLst/>
+          </a:prstGeom>
+          <a:noFill/>
+          <a:ln>
+            <a:noFill/>
+          </a:ln>
+        </p:spPr>
+        <p:txBody>
+          <a:bodyPr lIns="0" rIns="0" tIns="0" bIns="0" anchor="ctr"/>
+          <a:p>
+            <a:r>
+              <a:rPr b="0" lang="en-US" sz="3200" spc="-1" strike="noStrike">
+                <a:latin typeface="Arial"/>
+              </a:rPr>
+              <a:t>D. Internet of things ( IoT)</a:t>
+            </a:r>
+            <a:endParaRPr b="0" lang="en-US" sz="3200" spc="-1" strike="noStrike">
+              <a:latin typeface="Arial"/>
+            </a:endParaRPr>
+          </a:p>
+          <a:p>
+            <a:r>
+              <a:rPr b="0" lang="en-US" sz="3200" spc="-1" strike="noStrike">
+                <a:latin typeface="Arial"/>
+              </a:rPr>
+              <a:t>	</a:t>
+            </a:r>
+            <a:r>
+              <a:rPr b="0" lang="en-US" sz="3200" spc="-1" strike="noStrike">
+                <a:latin typeface="Arial"/>
+              </a:rPr>
+              <a:t>Kết nối module Esp8266 với wifi</a:t>
+            </a:r>
+            <a:endParaRPr b="0" lang="en-US" sz="3200" spc="-1" strike="noStrike">
+              <a:latin typeface="Arial"/>
+            </a:endParaRPr>
+          </a:p>
+        </p:txBody>
+      </p:sp>
+    </p:spTree>
+  </p:cSld>
+  <p:timing>
+    <p:tnLst>
+      <p:par>
+        <p:cTn id="39" dur="indefinite" restart="never" nodeType="tmRoot">
+          <p:childTnLst>
+            <p:seq>
+              <p:cTn id="40" dur="indefinite" nodeType="mainSeq"/>
+              <p:prevCondLst>
+                <p:cond delay="0" evt="onPrev">
+                  <p:tgtEl>
+                    <p:sldTgt/>
+                  </p:tgtEl>
+                </p:cond>
+              </p:prevCondLst>
+              <p:nextCondLst>
+                <p:cond delay="0" evt="onNext">
+                  <p:tgtEl>
+                    <p:sldTgt/>
+                  </p:tgtEl>
+                </p:cond>
+              </p:nextCondLst>
+            </p:seq>
+          </p:childTnLst>
+        </p:cTn>
+      </p:par>
+    </p:tnLst>
+  </p:timing>
+</p:sld>
+</file>
+
+<file path=ppt/slides/slide21.xml><?xml version="1.0" encoding="utf-8"?>
+<p:sld xmlns:a="http://schemas.openxmlformats.org/drawingml/2006/main" xmlns:p="http://schemas.openxmlformats.org/presentationml/2006/main" xmlns:r="http://schemas.openxmlformats.org/officeDocument/2006/relationships" xmlns:p14="http://schemas.microsoft.com/office/powerpoint/2010/main" xmlns:p15="http://schemas.microsoft.com/office/powerpoint/2012/main" xmlns:mc="http://schemas.openxmlformats.org/markup-compatibility/2006">
+  <p:cSld>
+    <p:spTree>
+      <p:nvGrpSpPr>
+        <p:cNvPr id="1" name=""/>
+        <p:cNvGrpSpPr/>
+        <p:nvPr/>
+      </p:nvGrpSpPr>
+      <p:grpSpPr>
+        <a:xfrm>
+          <a:off x="0" y="0"/>
+          <a:ext cx="0" cy="0"/>
+          <a:chOff x="0" y="0"/>
+          <a:chExt cx="0" cy="0"/>
+        </a:xfrm>
+      </p:grpSpPr>
+      <p:sp>
+        <p:nvSpPr>
+          <p:cNvPr id="279" name="CustomShape 1"/>
+          <p:cNvSpPr/>
+          <p:nvPr/>
+        </p:nvSpPr>
+        <p:spPr>
+          <a:xfrm>
+            <a:off x="2025720" y="-190800"/>
+            <a:ext cx="8541720" cy="1323360"/>
+          </a:xfrm>
+          <a:prstGeom prst="rect">
+            <a:avLst/>
+          </a:prstGeom>
+          <a:noFill/>
+          <a:ln>
+            <a:noFill/>
+          </a:ln>
+        </p:spPr>
+        <p:style>
+          <a:lnRef idx="0"/>
+          <a:fillRef idx="0"/>
+          <a:effectRef idx="0"/>
+          <a:fontRef idx="minor"/>
+        </p:style>
+        <p:txBody>
+          <a:bodyPr lIns="90000" rIns="90000" tIns="45000" bIns="45000" anchor="ctr">
+            <a:normAutofit/>
+          </a:bodyPr>
+          <a:p>
+            <a:pPr>
+              <a:lnSpc>
+                <a:spcPct val="90000"/>
+              </a:lnSpc>
+            </a:pPr>
+            <a:r>
+              <a:rPr b="1" lang="en-US" sz="3600" spc="-1" strike="noStrike">
+                <a:solidFill>
+                  <a:srgbClr val="ffffff"/>
+                </a:solidFill>
+                <a:latin typeface="Calibri"/>
+                <a:ea typeface="DejaVu Sans"/>
+              </a:rPr>
+              <a:t>III. NỘI DUNG THỰC HIỆN</a:t>
+            </a:r>
+            <a:endParaRPr b="0" lang="en-US" sz="3600" spc="-1" strike="noStrike">
+              <a:latin typeface="Arial"/>
+            </a:endParaRPr>
+          </a:p>
+        </p:txBody>
+      </p:sp>
+      <p:pic>
+        <p:nvPicPr>
+          <p:cNvPr id="280" name="Content Placeholder 2" descr=""/>
+          <p:cNvPicPr/>
+          <p:nvPr/>
+        </p:nvPicPr>
+        <p:blipFill>
+          <a:blip r:embed="rId1"/>
+          <a:stretch/>
+        </p:blipFill>
+        <p:spPr>
+          <a:xfrm>
+            <a:off x="304920" y="95760"/>
+            <a:ext cx="549000" cy="746280"/>
+          </a:xfrm>
+          <a:prstGeom prst="rect">
+            <a:avLst/>
+          </a:prstGeom>
+          <a:ln>
+            <a:noFill/>
+          </a:ln>
+        </p:spPr>
+      </p:pic>
+      <p:sp>
+        <p:nvSpPr>
+          <p:cNvPr id="281" name="TextShape 2"/>
+          <p:cNvSpPr txBox="1"/>
+          <p:nvPr/>
+        </p:nvSpPr>
+        <p:spPr>
+          <a:xfrm>
+            <a:off x="365760" y="1280160"/>
+            <a:ext cx="8915040" cy="914400"/>
+          </a:xfrm>
+          <a:prstGeom prst="rect">
+            <a:avLst/>
+          </a:prstGeom>
+          <a:noFill/>
+          <a:ln>
+            <a:noFill/>
+          </a:ln>
+        </p:spPr>
+        <p:txBody>
+          <a:bodyPr lIns="0" rIns="0" tIns="0" bIns="0" anchor="ctr"/>
+          <a:p>
+            <a:r>
+              <a:rPr b="0" lang="en-US" sz="3200" spc="-1" strike="noStrike">
+                <a:latin typeface="Arial"/>
+              </a:rPr>
+              <a:t>D. Internet of things ( IoT)</a:t>
+            </a:r>
+            <a:endParaRPr b="0" lang="en-US" sz="3200" spc="-1" strike="noStrike">
+              <a:latin typeface="Arial"/>
+            </a:endParaRPr>
+          </a:p>
+          <a:p>
+            <a:r>
+              <a:rPr b="0" lang="en-US" sz="3200" spc="-1" strike="noStrike">
+                <a:latin typeface="Arial"/>
+              </a:rPr>
+              <a:t>	</a:t>
+            </a:r>
+            <a:r>
+              <a:rPr b="0" lang="en-US" sz="3200" spc="-1" strike="noStrike">
+                <a:latin typeface="Arial"/>
+              </a:rPr>
+              <a:t>Kết nối firebase với module Esp8266</a:t>
+            </a:r>
+            <a:endParaRPr b="0" lang="en-US" sz="3200" spc="-1" strike="noStrike">
+              <a:latin typeface="Arial"/>
+            </a:endParaRPr>
+          </a:p>
+        </p:txBody>
+      </p:sp>
+    </p:spTree>
+  </p:cSld>
+  <p:timing>
+    <p:tnLst>
+      <p:par>
+        <p:cTn id="41" dur="indefinite" restart="never" nodeType="tmRoot">
+          <p:childTnLst>
+            <p:seq>
+              <p:cTn id="42" dur="indefinite" nodeType="mainSeq"/>
+              <p:prevCondLst>
+                <p:cond delay="0" evt="onPrev">
+                  <p:tgtEl>
+                    <p:sldTgt/>
+                  </p:tgtEl>
+                </p:cond>
+              </p:prevCondLst>
+              <p:nextCondLst>
+                <p:cond delay="0" evt="onNext">
+                  <p:tgtEl>
+                    <p:sldTgt/>
+                  </p:tgtEl>
+                </p:cond>
+              </p:nextCondLst>
+            </p:seq>
+          </p:childTnLst>
+        </p:cTn>
+      </p:par>
+    </p:tnLst>
+  </p:timing>
+</p:sld>
+</file>
+
+<file path=ppt/slides/slide22.xml><?xml version="1.0" encoding="utf-8"?>
+<p:sld xmlns:a="http://schemas.openxmlformats.org/drawingml/2006/main" xmlns:p="http://schemas.openxmlformats.org/presentationml/2006/main" xmlns:r="http://schemas.openxmlformats.org/officeDocument/2006/relationships" xmlns:p14="http://schemas.microsoft.com/office/powerpoint/2010/main" xmlns:p15="http://schemas.microsoft.com/office/powerpoint/2012/main" xmlns:mc="http://schemas.openxmlformats.org/markup-compatibility/2006">
+  <p:cSld>
+    <p:spTree>
+      <p:nvGrpSpPr>
+        <p:cNvPr id="1" name=""/>
+        <p:cNvGrpSpPr/>
+        <p:nvPr/>
+      </p:nvGrpSpPr>
+      <p:grpSpPr>
+        <a:xfrm>
+          <a:off x="0" y="0"/>
+          <a:ext cx="0" cy="0"/>
+          <a:chOff x="0" y="0"/>
+          <a:chExt cx="0" cy="0"/>
+        </a:xfrm>
+      </p:grpSpPr>
+      <p:sp>
+        <p:nvSpPr>
+          <p:cNvPr id="282" name="CustomShape 1"/>
+          <p:cNvSpPr/>
+          <p:nvPr/>
+        </p:nvSpPr>
+        <p:spPr>
+          <a:xfrm>
+            <a:off x="2025720" y="-190800"/>
+            <a:ext cx="8541720" cy="1323360"/>
+          </a:xfrm>
+          <a:prstGeom prst="rect">
+            <a:avLst/>
+          </a:prstGeom>
+          <a:noFill/>
+          <a:ln>
+            <a:noFill/>
+          </a:ln>
+        </p:spPr>
+        <p:style>
+          <a:lnRef idx="0"/>
+          <a:fillRef idx="0"/>
+          <a:effectRef idx="0"/>
+          <a:fontRef idx="minor"/>
+        </p:style>
+        <p:txBody>
+          <a:bodyPr lIns="90000" rIns="90000" tIns="45000" bIns="45000" anchor="ctr">
+            <a:normAutofit/>
+          </a:bodyPr>
+          <a:p>
+            <a:pPr>
+              <a:lnSpc>
+                <a:spcPct val="90000"/>
+              </a:lnSpc>
+            </a:pPr>
+            <a:r>
+              <a:rPr b="1" lang="en-US" sz="3600" spc="-1" strike="noStrike">
+                <a:solidFill>
+                  <a:srgbClr val="ffffff"/>
+                </a:solidFill>
+                <a:latin typeface="Calibri"/>
+                <a:ea typeface="DejaVu Sans"/>
+              </a:rPr>
+              <a:t>IV. KẾT LUẬN</a:t>
+            </a:r>
+            <a:endParaRPr b="0" lang="en-US" sz="3600" spc="-1" strike="noStrike">
+              <a:latin typeface="Arial"/>
+            </a:endParaRPr>
+          </a:p>
+        </p:txBody>
+      </p:sp>
+      <p:pic>
+        <p:nvPicPr>
+          <p:cNvPr id="283" name="Content Placeholder 2" descr=""/>
+          <p:cNvPicPr/>
+          <p:nvPr/>
+        </p:nvPicPr>
+        <p:blipFill>
+          <a:blip r:embed="rId1"/>
+          <a:stretch/>
+        </p:blipFill>
+        <p:spPr>
+          <a:xfrm>
+            <a:off x="304920" y="95760"/>
+            <a:ext cx="549000" cy="746280"/>
+          </a:xfrm>
+          <a:prstGeom prst="rect">
+            <a:avLst/>
+          </a:prstGeom>
+          <a:ln>
+            <a:noFill/>
+          </a:ln>
+        </p:spPr>
+      </p:pic>
+      <p:graphicFrame>
+        <p:nvGraphicFramePr>
+          <p:cNvPr id="284" name="Table 2"/>
+          <p:cNvGraphicFramePr/>
+          <p:nvPr/>
+        </p:nvGraphicFramePr>
+        <p:xfrm>
+          <a:off x="548640" y="1280160"/>
+          <a:ext cx="8869320" cy="5028840"/>
+        </p:xfrm>
+        <a:graphic>
+          <a:graphicData uri="http://schemas.openxmlformats.org/drawingml/2006/table">
+            <a:tbl>
+              <a:tblPr/>
+              <a:tblGrid>
+                <a:gridCol w="4434120"/>
+                <a:gridCol w="4435560"/>
+              </a:tblGrid>
+              <a:tr h="1005120">
+                <a:tc>
+                  <a:tcPr marL="90000" marR="90000">
+                    <a:lnL w="720">
+                      <a:solidFill>
+                        <a:srgbClr val="ffffff"/>
+                      </a:solidFill>
+                    </a:lnL>
+                    <a:lnR w="720">
+                      <a:solidFill>
+                        <a:srgbClr val="ffffff"/>
+                      </a:solidFill>
+                    </a:lnR>
+                    <a:lnT w="720">
+                      <a:solidFill>
+                        <a:srgbClr val="ffffff"/>
+                      </a:solidFill>
+                    </a:lnT>
+                    <a:lnB w="720">
+                      <a:solidFill>
+                        <a:srgbClr val="ffffff"/>
+                      </a:solidFill>
+                    </a:lnB>
+                    <a:solidFill>
+                      <a:srgbClr val="b3b3b3"/>
+                    </a:solidFill>
+                  </a:tcPr>
+                </a:tc>
+                <a:tc>
+                  <a:tcPr marL="90000" marR="90000">
+                    <a:lnL w="720">
+                      <a:solidFill>
+                        <a:srgbClr val="ffffff"/>
+                      </a:solidFill>
+                    </a:lnL>
+                    <a:lnR w="720">
+                      <a:solidFill>
+                        <a:srgbClr val="ffffff"/>
+                      </a:solidFill>
+                    </a:lnR>
+                    <a:lnT w="720">
+                      <a:solidFill>
+                        <a:srgbClr val="ffffff"/>
+                      </a:solidFill>
+                    </a:lnT>
+                    <a:lnB w="720">
+                      <a:solidFill>
+                        <a:srgbClr val="ffffff"/>
+                      </a:solidFill>
+                    </a:lnB>
+                    <a:solidFill>
+                      <a:srgbClr val="b3b3b3"/>
+                    </a:solidFill>
+                  </a:tcPr>
+                </a:tc>
+              </a:tr>
+              <a:tr h="1005120">
+                <a:tc>
+                  <a:tcPr marL="90000" marR="90000">
+                    <a:lnL w="720">
+                      <a:solidFill>
+                        <a:srgbClr val="ffffff"/>
+                      </a:solidFill>
+                    </a:lnL>
+                    <a:lnR w="720">
+                      <a:solidFill>
+                        <a:srgbClr val="ffffff"/>
+                      </a:solidFill>
+                    </a:lnR>
+                    <a:lnT w="720">
+                      <a:solidFill>
+                        <a:srgbClr val="ffffff"/>
+                      </a:solidFill>
+                    </a:lnT>
+                    <a:lnB w="720">
+                      <a:solidFill>
+                        <a:srgbClr val="ffffff"/>
+                      </a:solidFill>
+                    </a:lnB>
+                    <a:solidFill>
+                      <a:srgbClr val="cccccc"/>
+                    </a:solidFill>
+                  </a:tcPr>
+                </a:tc>
+                <a:tc>
+                  <a:tcPr marL="90000" marR="90000">
+                    <a:lnL w="720">
+                      <a:solidFill>
+                        <a:srgbClr val="ffffff"/>
+                      </a:solidFill>
+                    </a:lnL>
+                    <a:lnR w="720">
+                      <a:solidFill>
+                        <a:srgbClr val="ffffff"/>
+                      </a:solidFill>
+                    </a:lnR>
+                    <a:lnT w="720">
+                      <a:solidFill>
+                        <a:srgbClr val="ffffff"/>
+                      </a:solidFill>
+                    </a:lnT>
+                    <a:lnB w="720">
+                      <a:solidFill>
+                        <a:srgbClr val="ffffff"/>
+                      </a:solidFill>
+                    </a:lnB>
+                    <a:solidFill>
+                      <a:srgbClr val="cccccc"/>
+                    </a:solidFill>
+                  </a:tcPr>
+                </a:tc>
+              </a:tr>
+              <a:tr h="1005120">
+                <a:tc>
+                  <a:tcPr marL="90000" marR="90000">
+                    <a:lnL w="720">
+                      <a:solidFill>
+                        <a:srgbClr val="ffffff"/>
+                      </a:solidFill>
+                    </a:lnL>
+                    <a:lnR w="720">
+                      <a:solidFill>
+                        <a:srgbClr val="ffffff"/>
+                      </a:solidFill>
+                    </a:lnR>
+                    <a:lnT w="720">
+                      <a:solidFill>
+                        <a:srgbClr val="ffffff"/>
+                      </a:solidFill>
+                    </a:lnT>
+                    <a:lnB w="720">
+                      <a:solidFill>
+                        <a:srgbClr val="ffffff"/>
+                      </a:solidFill>
+                    </a:lnB>
+                    <a:solidFill>
+                      <a:srgbClr val="e6e6e6"/>
+                    </a:solidFill>
+                  </a:tcPr>
+                </a:tc>
+                <a:tc>
+                  <a:tcPr marL="90000" marR="90000">
+                    <a:lnL w="720">
+                      <a:solidFill>
+                        <a:srgbClr val="ffffff"/>
+                      </a:solidFill>
+                    </a:lnL>
+                    <a:lnR w="720">
+                      <a:solidFill>
+                        <a:srgbClr val="ffffff"/>
+                      </a:solidFill>
+                    </a:lnR>
+                    <a:lnT w="720">
+                      <a:solidFill>
+                        <a:srgbClr val="ffffff"/>
+                      </a:solidFill>
+                    </a:lnT>
+                    <a:lnB w="720">
+                      <a:solidFill>
+                        <a:srgbClr val="ffffff"/>
+                      </a:solidFill>
+                    </a:lnB>
+                    <a:solidFill>
+                      <a:srgbClr val="e6e6e6"/>
+                    </a:solidFill>
+                  </a:tcPr>
+                </a:tc>
+              </a:tr>
+              <a:tr h="1005120">
+                <a:tc>
+                  <a:tcPr marL="90000" marR="90000">
+                    <a:lnL w="720">
+                      <a:solidFill>
+                        <a:srgbClr val="ffffff"/>
+                      </a:solidFill>
+                    </a:lnL>
+                    <a:lnR w="720">
+                      <a:solidFill>
+                        <a:srgbClr val="ffffff"/>
+                      </a:solidFill>
+                    </a:lnR>
+                    <a:lnT w="720">
+                      <a:solidFill>
+                        <a:srgbClr val="ffffff"/>
+                      </a:solidFill>
+                    </a:lnT>
+                    <a:lnB w="720">
+                      <a:solidFill>
+                        <a:srgbClr val="ffffff"/>
+                      </a:solidFill>
+                    </a:lnB>
+                    <a:solidFill>
+                      <a:srgbClr val="cccccc"/>
+                    </a:solidFill>
+                  </a:tcPr>
+                </a:tc>
+                <a:tc>
+                  <a:tcPr marL="90000" marR="90000">
+                    <a:lnL w="720">
+                      <a:solidFill>
+                        <a:srgbClr val="ffffff"/>
+                      </a:solidFill>
+                    </a:lnL>
+                    <a:lnR w="720">
+                      <a:solidFill>
+                        <a:srgbClr val="ffffff"/>
+                      </a:solidFill>
+                    </a:lnR>
+                    <a:lnT w="720">
+                      <a:solidFill>
+                        <a:srgbClr val="ffffff"/>
+                      </a:solidFill>
+                    </a:lnT>
+                    <a:lnB w="720">
+                      <a:solidFill>
+                        <a:srgbClr val="ffffff"/>
+                      </a:solidFill>
+                    </a:lnB>
+                    <a:solidFill>
+                      <a:srgbClr val="cccccc"/>
+                    </a:solidFill>
+                  </a:tcPr>
+                </a:tc>
+              </a:tr>
+              <a:tr h="1008360">
+                <a:tc>
+                  <a:tcPr marL="90000" marR="90000">
+                    <a:lnL w="720">
+                      <a:solidFill>
+                        <a:srgbClr val="ffffff"/>
+                      </a:solidFill>
+                    </a:lnL>
+                    <a:lnR w="720">
+                      <a:solidFill>
+                        <a:srgbClr val="ffffff"/>
+                      </a:solidFill>
+                    </a:lnR>
+                    <a:lnT w="720">
+                      <a:solidFill>
+                        <a:srgbClr val="ffffff"/>
+                      </a:solidFill>
+                    </a:lnT>
+                    <a:lnB w="720">
+                      <a:solidFill>
+                        <a:srgbClr val="ffffff"/>
+                      </a:solidFill>
+                    </a:lnB>
+                    <a:solidFill>
+                      <a:srgbClr val="e6e6e6"/>
+                    </a:solidFill>
+                  </a:tcPr>
+                </a:tc>
+                <a:tc>
+                  <a:tcPr marL="90000" marR="90000">
+                    <a:lnL w="720">
+                      <a:solidFill>
+                        <a:srgbClr val="ffffff"/>
+                      </a:solidFill>
+                    </a:lnL>
+                    <a:lnR w="720">
+                      <a:solidFill>
+                        <a:srgbClr val="ffffff"/>
+                      </a:solidFill>
+                    </a:lnR>
+                    <a:lnT w="720">
+                      <a:solidFill>
+                        <a:srgbClr val="ffffff"/>
+                      </a:solidFill>
+                    </a:lnT>
+                    <a:lnB w="720">
+                      <a:solidFill>
+                        <a:srgbClr val="ffffff"/>
+                      </a:solidFill>
+                    </a:lnB>
+                    <a:solidFill>
+                      <a:srgbClr val="e6e6e6"/>
+                    </a:solidFill>
+                  </a:tcPr>
+                </a:tc>
+              </a:tr>
+            </a:tbl>
+          </a:graphicData>
+        </a:graphic>
+      </p:graphicFrame>
+    </p:spTree>
+  </p:cSld>
+  <p:timing>
+    <p:tnLst>
+      <p:par>
+        <p:cTn id="43" dur="indefinite" restart="never" nodeType="tmRoot">
+          <p:childTnLst>
+            <p:seq>
+              <p:cTn id="44" dur="indefinite" nodeType="mainSeq"/>
+              <p:prevCondLst>
+                <p:cond delay="0" evt="onPrev">
+                  <p:tgtEl>
+                    <p:sldTgt/>
+                  </p:tgtEl>
+                </p:cond>
+              </p:prevCondLst>
+              <p:nextCondLst>
+                <p:cond delay="0" evt="onNext">
+                  <p:tgtEl>
+                    <p:sldTgt/>
+                  </p:tgtEl>
+                </p:cond>
+              </p:nextCondLst>
+            </p:seq>
+          </p:childTnLst>
+        </p:cTn>
+      </p:par>
+    </p:tnLst>
+  </p:timing>
+</p:sld>
+</file>
+
+<file path=ppt/slides/slide23.xml><?xml version="1.0" encoding="utf-8"?>
+<p:sld xmlns:a="http://schemas.openxmlformats.org/drawingml/2006/main" xmlns:p="http://schemas.openxmlformats.org/presentationml/2006/main" xmlns:r="http://schemas.openxmlformats.org/officeDocument/2006/relationships" xmlns:p14="http://schemas.microsoft.com/office/powerpoint/2010/main" xmlns:p15="http://schemas.microsoft.com/office/powerpoint/2012/main" xmlns:mc="http://schemas.openxmlformats.org/markup-compatibility/2006">
+  <p:cSld>
+    <p:spTree>
+      <p:nvGrpSpPr>
+        <p:cNvPr id="1" name=""/>
+        <p:cNvGrpSpPr/>
+        <p:nvPr/>
+      </p:nvGrpSpPr>
+      <p:grpSpPr>
+        <a:xfrm>
+          <a:off x="0" y="0"/>
+          <a:ext cx="0" cy="0"/>
+          <a:chOff x="0" y="0"/>
+          <a:chExt cx="0" cy="0"/>
+        </a:xfrm>
+      </p:grpSpPr>
+      <p:sp>
+        <p:nvSpPr>
+          <p:cNvPr id="285" name="CustomShape 1"/>
+          <p:cNvSpPr/>
+          <p:nvPr/>
+        </p:nvSpPr>
+        <p:spPr>
+          <a:xfrm>
+            <a:off x="2025720" y="-190800"/>
+            <a:ext cx="8541720" cy="1323360"/>
+          </a:xfrm>
+          <a:prstGeom prst="rect">
+            <a:avLst/>
+          </a:prstGeom>
+          <a:noFill/>
+          <a:ln>
+            <a:noFill/>
+          </a:ln>
+        </p:spPr>
+        <p:style>
+          <a:lnRef idx="0"/>
+          <a:fillRef idx="0"/>
+          <a:effectRef idx="0"/>
+          <a:fontRef idx="minor"/>
+        </p:style>
+        <p:txBody>
+          <a:bodyPr lIns="90000" rIns="90000" tIns="45000" bIns="45000" anchor="ctr">
+            <a:normAutofit/>
+          </a:bodyPr>
+          <a:p>
+            <a:pPr>
+              <a:lnSpc>
+                <a:spcPct val="90000"/>
+              </a:lnSpc>
+            </a:pPr>
+            <a:r>
+              <a:rPr b="1" lang="en-US" sz="3600" spc="-1" strike="noStrike">
+                <a:solidFill>
+                  <a:srgbClr val="ffffff"/>
+                </a:solidFill>
+                <a:latin typeface="Calibri"/>
+                <a:ea typeface="DejaVu Sans"/>
+              </a:rPr>
+              <a:t>IV. KẾT LUẬN</a:t>
+            </a:r>
+            <a:endParaRPr b="0" lang="en-US" sz="3600" spc="-1" strike="noStrike">
+              <a:latin typeface="Arial"/>
+            </a:endParaRPr>
+          </a:p>
+        </p:txBody>
+      </p:sp>
+      <p:pic>
+        <p:nvPicPr>
+          <p:cNvPr id="286" name="Content Placeholder 2" descr=""/>
+          <p:cNvPicPr/>
+          <p:nvPr/>
+        </p:nvPicPr>
+        <p:blipFill>
+          <a:blip r:embed="rId1"/>
+          <a:stretch/>
+        </p:blipFill>
+        <p:spPr>
+          <a:xfrm>
+            <a:off x="304920" y="95760"/>
+            <a:ext cx="549000" cy="746280"/>
+          </a:xfrm>
+          <a:prstGeom prst="rect">
+            <a:avLst/>
+          </a:prstGeom>
+          <a:ln>
+            <a:noFill/>
+          </a:ln>
+        </p:spPr>
+      </p:pic>
+      <p:sp>
+        <p:nvSpPr>
+          <p:cNvPr id="287" name="TextShape 2"/>
+          <p:cNvSpPr txBox="1"/>
+          <p:nvPr/>
+        </p:nvSpPr>
+        <p:spPr>
+          <a:xfrm>
+            <a:off x="495000" y="1604520"/>
+            <a:ext cx="8915040" cy="3977280"/>
+          </a:xfrm>
+          <a:prstGeom prst="rect">
+            <a:avLst/>
+          </a:prstGeom>
+          <a:noFill/>
+          <a:ln>
+            <a:noFill/>
+          </a:ln>
+        </p:spPr>
+        <p:txBody>
+          <a:bodyPr lIns="0" rIns="0" tIns="0" bIns="0" anchor="ctr"/>
+          <a:p>
+            <a:r>
+              <a:rPr b="0" lang="en-US" sz="3200" spc="-1" strike="noStrike">
+                <a:latin typeface="Arial"/>
+              </a:rPr>
+              <a:t>Kết quả đạt được</a:t>
+            </a:r>
+            <a:endParaRPr b="0" lang="en-US" sz="3200" spc="-1" strike="noStrike">
+              <a:latin typeface="Arial"/>
+            </a:endParaRPr>
+          </a:p>
+          <a:p>
+            <a:pPr lvl="1" marL="432000" indent="-216000">
+              <a:buClr>
+                <a:srgbClr val="000000"/>
+              </a:buClr>
+              <a:buSzPct val="45000"/>
+              <a:buFont typeface="Wingdings" charset="2"/>
+              <a:buChar char=""/>
+            </a:pPr>
+            <a:r>
+              <a:rPr b="0" lang="en-US" sz="3200" spc="-1" strike="noStrike">
+                <a:latin typeface="Arial"/>
+              </a:rPr>
+              <a:t> </a:t>
+            </a:r>
+            <a:r>
+              <a:rPr b="0" lang="en-US" sz="3200" spc="-1" strike="noStrike">
+                <a:latin typeface="Arial"/>
+              </a:rPr>
+              <a:t>Website quản trị: </a:t>
+            </a:r>
+            <a:endParaRPr b="0" lang="en-US" sz="3200" spc="-1" strike="noStrike">
+              <a:latin typeface="Arial"/>
+            </a:endParaRPr>
+          </a:p>
+          <a:p>
+            <a:pPr lvl="1" marL="432000" indent="-216000">
+              <a:buClr>
+                <a:srgbClr val="000000"/>
+              </a:buClr>
+              <a:buSzPct val="45000"/>
+              <a:buFont typeface="Wingdings" charset="2"/>
+              <a:buChar char=""/>
+            </a:pPr>
+            <a:r>
+              <a:rPr b="0" lang="en-US" sz="3200" spc="-1" strike="noStrike">
+                <a:latin typeface="Arial"/>
+              </a:rPr>
+              <a:t> </a:t>
+            </a:r>
+            <a:r>
+              <a:rPr b="0" lang="en-US" sz="3200" spc="-1" strike="noStrike">
+                <a:latin typeface="Arial"/>
+              </a:rPr>
+              <a:t>App khách hàng:</a:t>
+            </a:r>
+            <a:endParaRPr b="0" lang="en-US" sz="3200" spc="-1" strike="noStrike">
+              <a:latin typeface="Arial"/>
+            </a:endParaRPr>
+          </a:p>
+          <a:p>
+            <a:pPr lvl="1" marL="432000" indent="-216000">
+              <a:buClr>
+                <a:srgbClr val="000000"/>
+              </a:buClr>
+              <a:buSzPct val="45000"/>
+              <a:buFont typeface="Wingdings" charset="2"/>
+              <a:buChar char=""/>
+            </a:pPr>
+            <a:r>
+              <a:rPr b="0" lang="en-US" sz="3200" spc="-1" strike="noStrike">
+                <a:latin typeface="Arial"/>
+              </a:rPr>
+              <a:t> </a:t>
+            </a:r>
+            <a:r>
+              <a:rPr b="0" lang="en-US" sz="3200" spc="-1" strike="noStrike">
+                <a:latin typeface="Arial"/>
+              </a:rPr>
+              <a:t>Website khách hàng:</a:t>
+            </a:r>
+            <a:endParaRPr b="0" lang="en-US" sz="3200" spc="-1" strike="noStrike">
+              <a:latin typeface="Arial"/>
+            </a:endParaRPr>
+          </a:p>
+        </p:txBody>
+      </p:sp>
+    </p:spTree>
+  </p:cSld>
+  <p:timing>
+    <p:tnLst>
+      <p:par>
+        <p:cTn id="45" dur="indefinite" restart="never" nodeType="tmRoot">
+          <p:childTnLst>
+            <p:seq>
+              <p:cTn id="46" dur="indefinite" nodeType="mainSeq"/>
+              <p:prevCondLst>
+                <p:cond delay="0" evt="onPrev">
+                  <p:tgtEl>
+                    <p:sldTgt/>
+                  </p:tgtEl>
+                </p:cond>
+              </p:prevCondLst>
+              <p:nextCondLst>
+                <p:cond delay="0" evt="onNext">
+                  <p:tgtEl>
+                    <p:sldTgt/>
+                  </p:tgtEl>
+                </p:cond>
+              </p:nextCondLst>
+            </p:seq>
+          </p:childTnLst>
+        </p:cTn>
+      </p:par>
+    </p:tnLst>
+  </p:timing>
+</p:sld>
+</file>
+
+<file path=ppt/slides/slide24.xml><?xml version="1.0" encoding="utf-8"?>
+<p:sld xmlns:a="http://schemas.openxmlformats.org/drawingml/2006/main" xmlns:p="http://schemas.openxmlformats.org/presentationml/2006/main" xmlns:r="http://schemas.openxmlformats.org/officeDocument/2006/relationships" xmlns:p14="http://schemas.microsoft.com/office/powerpoint/2010/main" xmlns:p15="http://schemas.microsoft.com/office/powerpoint/2012/main" xmlns:mc="http://schemas.openxmlformats.org/markup-compatibility/2006">
+  <p:cSld>
+    <p:bg>
+      <p:bgPr>
+        <a:blipFill rotWithShape="0">
+          <a:blip r:embed="rId1"/>
+          <a:stretch>
+            <a:fillRect/>
+          </a:stretch>
+        </a:blipFill>
+      </p:bgPr>
+    </p:bg>
+    <p:spTree>
+      <p:nvGrpSpPr>
+        <p:cNvPr id="1" name=""/>
+        <p:cNvGrpSpPr/>
+        <p:nvPr/>
+      </p:nvGrpSpPr>
+      <p:grpSpPr>
+        <a:xfrm>
+          <a:off x="0" y="0"/>
+          <a:ext cx="0" cy="0"/>
+          <a:chOff x="0" y="0"/>
+          <a:chExt cx="0" cy="0"/>
+        </a:xfrm>
+      </p:grpSpPr>
+      <p:sp>
+        <p:nvSpPr>
+          <p:cNvPr id="288" name="CustomShape 1"/>
+          <p:cNvSpPr/>
+          <p:nvPr/>
+        </p:nvSpPr>
+        <p:spPr>
+          <a:xfrm>
+            <a:off x="5427720" y="5404320"/>
+            <a:ext cx="3772800" cy="698040"/>
+          </a:xfrm>
+          <a:prstGeom prst="rect">
+            <a:avLst/>
+          </a:prstGeom>
+          <a:noFill/>
+          <a:ln>
+            <a:noFill/>
+          </a:ln>
+        </p:spPr>
+        <p:style>
+          <a:lnRef idx="0"/>
+          <a:fillRef idx="0"/>
+          <a:effectRef idx="0"/>
+          <a:fontRef idx="minor"/>
+        </p:style>
+        <p:txBody>
+          <a:bodyPr lIns="90000" rIns="90000" tIns="45000" bIns="45000"/>
+          <a:p>
+            <a:pPr>
+              <a:lnSpc>
+                <a:spcPct val="100000"/>
+              </a:lnSpc>
+            </a:pPr>
+            <a:r>
+              <a:rPr b="0" lang="en-US" sz="4000" spc="-1" strike="noStrike">
+                <a:solidFill>
+                  <a:srgbClr val="ffffff"/>
+                </a:solidFill>
+                <a:latin typeface="Arial Black"/>
+                <a:ea typeface="DejaVu Sans"/>
+              </a:rPr>
+              <a:t>THANK YOU</a:t>
+            </a:r>
+            <a:endParaRPr b="0" lang="en-US" sz="4000" spc="-1" strike="noStrike">
+              <a:latin typeface="Arial"/>
+            </a:endParaRPr>
+          </a:p>
+        </p:txBody>
+      </p:sp>
+    </p:spTree>
+  </p:cSld>
+  <p:timing>
+    <p:tnLst>
+      <p:par>
+        <p:cTn id="47" dur="indefinite" restart="never" nodeType="tmRoot">
+          <p:childTnLst>
+            <p:seq>
+              <p:cTn id="48" dur="indefinite" nodeType="mainSeq"/>
               <p:prevCondLst>
                 <p:cond delay="0" evt="onPrev">
                   <p:tgtEl>
@@ -6546,14 +12013,14 @@
       </p:grpSpPr>
       <p:sp>
         <p:nvSpPr>
-          <p:cNvPr id="120" name="CustomShape 1"/>
+          <p:cNvPr id="196" name="CustomShape 1"/>
           <p:cNvSpPr/>
           <p:nvPr/>
         </p:nvSpPr>
         <p:spPr>
           <a:xfrm>
             <a:off x="2025720" y="-190800"/>
-            <a:ext cx="8543160" cy="1324800"/>
+            <a:ext cx="8541720" cy="1323360"/>
           </a:xfrm>
           <a:prstGeom prst="rect">
             <a:avLst/>
@@ -6585,8 +12052,9 @@
                   <a:srgbClr val="ffffff"/>
                 </a:solidFill>
                 <a:latin typeface="Calibri"/>
-              </a:rPr>
-              <a:t>I. LÝ DO CHỌN ĐỀ TÀI</a:t>
+                <a:ea typeface="DejaVu Sans"/>
+              </a:rPr>
+              <a:t>I. TỔNG QUAN VỀ ĐỀ TÀI</a:t>
             </a:r>
             <a:endParaRPr b="0" lang="en-US" sz="3600" spc="-1" strike="noStrike">
               <a:latin typeface="Arial"/>
@@ -6596,7 +12064,7 @@
       </p:sp>
       <p:pic>
         <p:nvPicPr>
-          <p:cNvPr id="121" name="Content Placeholder 2" descr=""/>
+          <p:cNvPr id="197" name="Content Placeholder 2" descr=""/>
           <p:cNvPicPr/>
           <p:nvPr/>
         </p:nvPicPr>
@@ -6607,7 +12075,7 @@
         <p:spPr>
           <a:xfrm>
             <a:off x="304920" y="95760"/>
-            <a:ext cx="550440" cy="747720"/>
+            <a:ext cx="549000" cy="746280"/>
           </a:xfrm>
           <a:prstGeom prst="rect">
             <a:avLst/>
@@ -6619,14 +12087,14 @@
       </p:pic>
       <p:sp>
         <p:nvSpPr>
-          <p:cNvPr id="122" name="TextShape 2"/>
-          <p:cNvSpPr txBox="1"/>
+          <p:cNvPr id="198" name="CustomShape 2"/>
+          <p:cNvSpPr/>
           <p:nvPr/>
         </p:nvSpPr>
         <p:spPr>
           <a:xfrm>
             <a:off x="2106720" y="2019240"/>
-            <a:ext cx="1916640" cy="1272600"/>
+            <a:ext cx="1915200" cy="1271160"/>
           </a:xfrm>
           <a:prstGeom prst="rect">
             <a:avLst/>
@@ -6634,165 +12102,6 @@
           <a:noFill/>
           <a:ln>
             <a:noFill/>
-          </a:ln>
-        </p:spPr>
-      </p:sp>
-      <p:sp>
-        <p:nvSpPr>
-          <p:cNvPr id="123" name="TextShape 3"/>
-          <p:cNvSpPr txBox="1"/>
-          <p:nvPr/>
-        </p:nvSpPr>
-        <p:spPr>
-          <a:xfrm>
-            <a:off x="3749040" y="3297960"/>
-            <a:ext cx="180720" cy="232560"/>
-          </a:xfrm>
-          <a:prstGeom prst="rect">
-            <a:avLst/>
-          </a:prstGeom>
-          <a:noFill/>
-          <a:ln>
-            <a:noFill/>
-          </a:ln>
-        </p:spPr>
-      </p:sp>
-      <p:pic>
-        <p:nvPicPr>
-          <p:cNvPr id="124" name="" descr=""/>
-          <p:cNvPicPr/>
-          <p:nvPr/>
-        </p:nvPicPr>
-        <p:blipFill>
-          <a:blip r:embed="rId2"/>
-          <a:stretch/>
-        </p:blipFill>
-        <p:spPr>
-          <a:xfrm>
-            <a:off x="2286000" y="2194560"/>
-            <a:ext cx="5577840" cy="3495960"/>
-          </a:xfrm>
-          <a:prstGeom prst="rect">
-            <a:avLst/>
-          </a:prstGeom>
-          <a:ln>
-            <a:noFill/>
-          </a:ln>
-        </p:spPr>
-      </p:pic>
-      <p:pic>
-        <p:nvPicPr>
-          <p:cNvPr id="125" name="" descr=""/>
-          <p:cNvPicPr/>
-          <p:nvPr/>
-        </p:nvPicPr>
-        <p:blipFill>
-          <a:blip r:embed="rId3"/>
-          <a:stretch/>
-        </p:blipFill>
-        <p:spPr>
-          <a:xfrm>
-            <a:off x="365760" y="1352160"/>
-            <a:ext cx="3828960" cy="2305440"/>
-          </a:xfrm>
-          <a:prstGeom prst="rect">
-            <a:avLst/>
-          </a:prstGeom>
-          <a:ln>
-            <a:noFill/>
-          </a:ln>
-        </p:spPr>
-      </p:pic>
-      <p:pic>
-        <p:nvPicPr>
-          <p:cNvPr id="126" name="" descr=""/>
-          <p:cNvPicPr/>
-          <p:nvPr/>
-        </p:nvPicPr>
-        <p:blipFill>
-          <a:blip r:embed="rId4"/>
-          <a:stretch/>
-        </p:blipFill>
-        <p:spPr>
-          <a:xfrm>
-            <a:off x="6035040" y="1372680"/>
-            <a:ext cx="3539160" cy="2376360"/>
-          </a:xfrm>
-          <a:prstGeom prst="rect">
-            <a:avLst/>
-          </a:prstGeom>
-          <a:ln>
-            <a:noFill/>
-          </a:ln>
-        </p:spPr>
-      </p:pic>
-      <p:pic>
-        <p:nvPicPr>
-          <p:cNvPr id="127" name="" descr=""/>
-          <p:cNvPicPr/>
-          <p:nvPr/>
-        </p:nvPicPr>
-        <p:blipFill>
-          <a:blip r:embed="rId5"/>
-          <a:stretch/>
-        </p:blipFill>
-        <p:spPr>
-          <a:xfrm>
-            <a:off x="365760" y="3985200"/>
-            <a:ext cx="3840480" cy="2415600"/>
-          </a:xfrm>
-          <a:prstGeom prst="rect">
-            <a:avLst/>
-          </a:prstGeom>
-          <a:ln>
-            <a:noFill/>
-          </a:ln>
-        </p:spPr>
-      </p:pic>
-      <p:pic>
-        <p:nvPicPr>
-          <p:cNvPr id="128" name="" descr=""/>
-          <p:cNvPicPr/>
-          <p:nvPr/>
-        </p:nvPicPr>
-        <p:blipFill>
-          <a:blip r:embed="rId6"/>
-          <a:stretch/>
-        </p:blipFill>
-        <p:spPr>
-          <a:xfrm>
-            <a:off x="5848200" y="4023360"/>
-            <a:ext cx="3661560" cy="2331360"/>
-          </a:xfrm>
-          <a:prstGeom prst="rect">
-            <a:avLst/>
-          </a:prstGeom>
-          <a:ln>
-            <a:noFill/>
-          </a:ln>
-        </p:spPr>
-      </p:pic>
-      <p:sp>
-        <p:nvSpPr>
-          <p:cNvPr id="129" name="CustomShape 4"/>
-          <p:cNvSpPr/>
-          <p:nvPr/>
-        </p:nvSpPr>
-        <p:spPr>
-          <a:xfrm rot="12600">
-            <a:off x="2615400" y="2296080"/>
-            <a:ext cx="4937760" cy="3116160"/>
-          </a:xfrm>
-          <a:prstGeom prst="ellipse">
-            <a:avLst/>
-          </a:prstGeom>
-          <a:solidFill>
-            <a:srgbClr val="729fcf"/>
-          </a:solidFill>
-          <a:ln>
-            <a:solidFill>
-              <a:srgbClr val="3465a4"/>
-            </a:solidFill>
           </a:ln>
         </p:spPr>
         <p:style>
@@ -6801,17 +12110,87 @@
           <a:effectRef idx="0"/>
           <a:fontRef idx="minor"/>
         </p:style>
-        <p:txBody>
-          <a:bodyPr wrap="none" lIns="90000" rIns="90000" tIns="45000" bIns="45000" anchor="ctr"/>
-          <a:p>
-            <a:pPr algn="ctr"/>
-            <a:r>
-              <a:rPr b="0" lang="en-US" sz="1800" spc="-1" strike="noStrike">
-                <a:latin typeface="Arial"/>
-              </a:rPr>
-              <a:t>TÍCH HỢP IOT VÀO QUẢN LÝ PHÒNG TRỌ</a:t>
-            </a:r>
-            <a:endParaRPr b="0" lang="en-US" sz="1800" spc="-1" strike="noStrike">
+      </p:sp>
+      <p:sp>
+        <p:nvSpPr>
+          <p:cNvPr id="199" name="CustomShape 3"/>
+          <p:cNvSpPr/>
+          <p:nvPr/>
+        </p:nvSpPr>
+        <p:spPr>
+          <a:xfrm>
+            <a:off x="3749040" y="3297960"/>
+            <a:ext cx="179280" cy="231120"/>
+          </a:xfrm>
+          <a:prstGeom prst="rect">
+            <a:avLst/>
+          </a:prstGeom>
+          <a:noFill/>
+          <a:ln>
+            <a:noFill/>
+          </a:ln>
+        </p:spPr>
+        <p:style>
+          <a:lnRef idx="0"/>
+          <a:fillRef idx="0"/>
+          <a:effectRef idx="0"/>
+          <a:fontRef idx="minor"/>
+        </p:style>
+      </p:sp>
+      <p:sp>
+        <p:nvSpPr>
+          <p:cNvPr id="200" name="TextShape 4"/>
+          <p:cNvSpPr txBox="1"/>
+          <p:nvPr/>
+        </p:nvSpPr>
+        <p:spPr>
+          <a:xfrm>
+            <a:off x="495000" y="1604520"/>
+            <a:ext cx="8915040" cy="3977280"/>
+          </a:xfrm>
+          <a:prstGeom prst="rect">
+            <a:avLst/>
+          </a:prstGeom>
+          <a:noFill/>
+          <a:ln>
+            <a:noFill/>
+          </a:ln>
+        </p:spPr>
+        <p:txBody>
+          <a:bodyPr lIns="0" rIns="0" tIns="0" bIns="0" anchor="ctr"/>
+          <a:p>
+            <a:r>
+              <a:rPr b="0" lang="en-US" sz="3200" spc="-1" strike="noStrike">
+                <a:latin typeface="Arial"/>
+              </a:rPr>
+              <a:t>	</a:t>
+            </a:r>
+            <a:r>
+              <a:rPr b="0" lang="en-US" sz="3200" spc="-1" strike="noStrike">
+                <a:latin typeface="Arial"/>
+              </a:rPr>
+              <a:t>Lý do chọn đề tài</a:t>
+            </a:r>
+            <a:endParaRPr b="0" lang="en-US" sz="3200" spc="-1" strike="noStrike">
+              <a:latin typeface="Arial"/>
+            </a:endParaRPr>
+          </a:p>
+          <a:p>
+            <a:pPr lvl="1" marL="432000" indent="-216000">
+              <a:buClr>
+                <a:srgbClr val="000000"/>
+              </a:buClr>
+              <a:buSzPct val="45000"/>
+              <a:buFont typeface="Wingdings" charset="2"/>
+              <a:buChar char=""/>
+            </a:pPr>
+            <a:r>
+              <a:rPr b="0" lang="en-US" sz="3200" spc="-1" strike="noStrike">
+                <a:latin typeface="Arial"/>
+              </a:rPr>
+              <a:t> </a:t>
+            </a:r>
+            <a:endParaRPr b="0" lang="en-US" sz="3200" spc="-1" strike="noStrike">
               <a:latin typeface="Arial"/>
             </a:endParaRPr>
           </a:p>
@@ -6868,14 +12247,14 @@
       </p:grpSpPr>
       <p:sp>
         <p:nvSpPr>
-          <p:cNvPr id="130" name="CustomShape 1"/>
+          <p:cNvPr id="201" name="CustomShape 1"/>
           <p:cNvSpPr/>
           <p:nvPr/>
         </p:nvSpPr>
         <p:spPr>
           <a:xfrm>
-            <a:off x="681120" y="365040"/>
-            <a:ext cx="8543160" cy="1324800"/>
+            <a:off x="2025720" y="-190800"/>
+            <a:ext cx="8541720" cy="1323360"/>
           </a:xfrm>
           <a:prstGeom prst="rect">
             <a:avLst/>
@@ -6891,6 +12270,165 @@
           <a:effectRef idx="0"/>
           <a:fontRef idx="minor"/>
         </p:style>
+        <p:txBody>
+          <a:bodyPr lIns="90000" rIns="90000" tIns="45000" bIns="45000" anchor="ctr">
+            <a:normAutofit/>
+          </a:bodyPr>
+          <a:p>
+            <a:pPr>
+              <a:lnSpc>
+                <a:spcPct val="90000"/>
+              </a:lnSpc>
+            </a:pPr>
+            <a:r>
+              <a:rPr b="1" lang="en-US" sz="3600" spc="-1" strike="noStrike">
+                <a:solidFill>
+                  <a:srgbClr val="ffffff"/>
+                </a:solidFill>
+                <a:latin typeface="Calibri"/>
+                <a:ea typeface="DejaVu Sans"/>
+              </a:rPr>
+              <a:t>I. TỔNG QUAN VỀ ĐỀ TÀI</a:t>
+            </a:r>
+            <a:endParaRPr b="0" lang="en-US" sz="3600" spc="-1" strike="noStrike">
+              <a:latin typeface="Arial"/>
+            </a:endParaRPr>
+          </a:p>
+        </p:txBody>
+      </p:sp>
+      <p:pic>
+        <p:nvPicPr>
+          <p:cNvPr id="202" name="Content Placeholder 2" descr=""/>
+          <p:cNvPicPr/>
+          <p:nvPr/>
+        </p:nvPicPr>
+        <p:blipFill>
+          <a:blip r:embed="rId1"/>
+          <a:stretch/>
+        </p:blipFill>
+        <p:spPr>
+          <a:xfrm>
+            <a:off x="304920" y="95760"/>
+            <a:ext cx="549000" cy="746280"/>
+          </a:xfrm>
+          <a:prstGeom prst="rect">
+            <a:avLst/>
+          </a:prstGeom>
+          <a:ln>
+            <a:noFill/>
+          </a:ln>
+        </p:spPr>
+      </p:pic>
+      <p:sp>
+        <p:nvSpPr>
+          <p:cNvPr id="203" name="CustomShape 2"/>
+          <p:cNvSpPr/>
+          <p:nvPr/>
+        </p:nvSpPr>
+        <p:spPr>
+          <a:xfrm>
+            <a:off x="2106720" y="2019240"/>
+            <a:ext cx="1915200" cy="1271160"/>
+          </a:xfrm>
+          <a:prstGeom prst="rect">
+            <a:avLst/>
+          </a:prstGeom>
+          <a:noFill/>
+          <a:ln>
+            <a:noFill/>
+          </a:ln>
+        </p:spPr>
+        <p:style>
+          <a:lnRef idx="0"/>
+          <a:fillRef idx="0"/>
+          <a:effectRef idx="0"/>
+          <a:fontRef idx="minor"/>
+        </p:style>
+      </p:sp>
+      <p:sp>
+        <p:nvSpPr>
+          <p:cNvPr id="204" name="CustomShape 3"/>
+          <p:cNvSpPr/>
+          <p:nvPr/>
+        </p:nvSpPr>
+        <p:spPr>
+          <a:xfrm>
+            <a:off x="3749040" y="3297960"/>
+            <a:ext cx="179280" cy="231120"/>
+          </a:xfrm>
+          <a:prstGeom prst="rect">
+            <a:avLst/>
+          </a:prstGeom>
+          <a:noFill/>
+          <a:ln>
+            <a:noFill/>
+          </a:ln>
+        </p:spPr>
+        <p:style>
+          <a:lnRef idx="0"/>
+          <a:fillRef idx="0"/>
+          <a:effectRef idx="0"/>
+          <a:fontRef idx="minor"/>
+        </p:style>
+      </p:sp>
+      <p:sp>
+        <p:nvSpPr>
+          <p:cNvPr id="205" name="TextShape 4"/>
+          <p:cNvSpPr txBox="1"/>
+          <p:nvPr/>
+        </p:nvSpPr>
+        <p:spPr>
+          <a:xfrm>
+            <a:off x="495000" y="1604520"/>
+            <a:ext cx="8915040" cy="3977280"/>
+          </a:xfrm>
+          <a:prstGeom prst="rect">
+            <a:avLst/>
+          </a:prstGeom>
+          <a:noFill/>
+          <a:ln>
+            <a:noFill/>
+          </a:ln>
+        </p:spPr>
+        <p:txBody>
+          <a:bodyPr lIns="0" rIns="0" tIns="0" bIns="0" anchor="ctr"/>
+          <a:p>
+            <a:r>
+              <a:rPr b="0" lang="en-US" sz="3200" spc="-1" strike="noStrike">
+                <a:latin typeface="Arial"/>
+              </a:rPr>
+              <a:t>	</a:t>
+            </a:r>
+            <a:r>
+              <a:rPr b="0" lang="en-US" sz="3200" spc="-1" strike="noStrike">
+                <a:latin typeface="Arial"/>
+              </a:rPr>
+              <a:t>Mục tiêu của đề tài</a:t>
+            </a:r>
+            <a:endParaRPr b="0" lang="en-US" sz="3200" spc="-1" strike="noStrike">
+              <a:latin typeface="Arial"/>
+            </a:endParaRPr>
+          </a:p>
+          <a:p>
+            <a:pPr lvl="1" marL="432000" indent="-216000">
+              <a:buClr>
+                <a:srgbClr val="000000"/>
+              </a:buClr>
+              <a:buSzPct val="45000"/>
+              <a:buFont typeface="Wingdings" charset="2"/>
+              <a:buChar char=""/>
+            </a:pPr>
+            <a:r>
+              <a:rPr b="0" lang="en-US" sz="3200" spc="-1" strike="noStrike">
+                <a:latin typeface="Arial"/>
+              </a:rPr>
+              <a:t> </a:t>
+            </a:r>
+            <a:endParaRPr b="0" lang="en-US" sz="3200" spc="-1" strike="noStrike">
+              <a:latin typeface="Arial"/>
+            </a:endParaRPr>
+          </a:p>
+        </p:txBody>
       </p:sp>
     </p:spTree>
   </p:cSld>
@@ -6943,14 +12481,14 @@
       </p:grpSpPr>
       <p:sp>
         <p:nvSpPr>
-          <p:cNvPr id="131" name="CustomShape 1"/>
+          <p:cNvPr id="206" name="CustomShape 1"/>
           <p:cNvSpPr/>
           <p:nvPr/>
         </p:nvSpPr>
         <p:spPr>
           <a:xfrm>
             <a:off x="2025720" y="-190800"/>
-            <a:ext cx="8543160" cy="1324800"/>
+            <a:ext cx="8541720" cy="1323360"/>
           </a:xfrm>
           <a:prstGeom prst="rect">
             <a:avLst/>
@@ -6982,8 +12520,9 @@
                   <a:srgbClr val="ffffff"/>
                 </a:solidFill>
                 <a:latin typeface="Calibri"/>
-              </a:rPr>
-              <a:t>PHƯƠNG ÁN 2</a:t>
+                <a:ea typeface="DejaVu Sans"/>
+              </a:rPr>
+              <a:t>I. TỔNG QUAN VỀ ĐỀ TÀI</a:t>
             </a:r>
             <a:endParaRPr b="0" lang="en-US" sz="3600" spc="-1" strike="noStrike">
               <a:latin typeface="Arial"/>
@@ -6993,7 +12532,7 @@
       </p:sp>
       <p:pic>
         <p:nvPicPr>
-          <p:cNvPr id="132" name="Content Placeholder 2" descr=""/>
+          <p:cNvPr id="207" name="Content Placeholder 2" descr=""/>
           <p:cNvPicPr/>
           <p:nvPr/>
         </p:nvPicPr>
@@ -7004,7 +12543,7 @@
         <p:spPr>
           <a:xfrm>
             <a:off x="304920" y="95760"/>
-            <a:ext cx="550440" cy="747720"/>
+            <a:ext cx="549000" cy="746280"/>
           </a:xfrm>
           <a:prstGeom prst="rect">
             <a:avLst/>
@@ -7014,6 +12553,117 @@
           </a:ln>
         </p:spPr>
       </p:pic>
+      <p:sp>
+        <p:nvSpPr>
+          <p:cNvPr id="208" name="CustomShape 2"/>
+          <p:cNvSpPr/>
+          <p:nvPr/>
+        </p:nvSpPr>
+        <p:spPr>
+          <a:xfrm>
+            <a:off x="2106720" y="2019240"/>
+            <a:ext cx="1915200" cy="1271160"/>
+          </a:xfrm>
+          <a:prstGeom prst="rect">
+            <a:avLst/>
+          </a:prstGeom>
+          <a:noFill/>
+          <a:ln>
+            <a:noFill/>
+          </a:ln>
+        </p:spPr>
+        <p:style>
+          <a:lnRef idx="0"/>
+          <a:fillRef idx="0"/>
+          <a:effectRef idx="0"/>
+          <a:fontRef idx="minor"/>
+        </p:style>
+      </p:sp>
+      <p:sp>
+        <p:nvSpPr>
+          <p:cNvPr id="209" name="CustomShape 3"/>
+          <p:cNvSpPr/>
+          <p:nvPr/>
+        </p:nvSpPr>
+        <p:spPr>
+          <a:xfrm>
+            <a:off x="3749040" y="3297960"/>
+            <a:ext cx="179280" cy="231120"/>
+          </a:xfrm>
+          <a:prstGeom prst="rect">
+            <a:avLst/>
+          </a:prstGeom>
+          <a:noFill/>
+          <a:ln>
+            <a:noFill/>
+          </a:ln>
+        </p:spPr>
+        <p:style>
+          <a:lnRef idx="0"/>
+          <a:fillRef idx="0"/>
+          <a:effectRef idx="0"/>
+          <a:fontRef idx="minor"/>
+        </p:style>
+      </p:sp>
+      <p:sp>
+        <p:nvSpPr>
+          <p:cNvPr id="210" name="TextShape 4"/>
+          <p:cNvSpPr txBox="1"/>
+          <p:nvPr/>
+        </p:nvSpPr>
+        <p:spPr>
+          <a:xfrm>
+            <a:off x="495000" y="1604520"/>
+            <a:ext cx="8915040" cy="3977280"/>
+          </a:xfrm>
+          <a:prstGeom prst="rect">
+            <a:avLst/>
+          </a:prstGeom>
+          <a:noFill/>
+          <a:ln>
+            <a:noFill/>
+          </a:ln>
+        </p:spPr>
+        <p:txBody>
+          <a:bodyPr lIns="0" rIns="0" tIns="0" bIns="0" anchor="ctr"/>
+          <a:p>
+            <a:r>
+              <a:rPr b="0" lang="en-US" sz="3200" spc="-1" strike="noStrike">
+                <a:latin typeface="Arial"/>
+              </a:rPr>
+              <a:t>	</a:t>
+            </a:r>
+            <a:r>
+              <a:rPr b="0" lang="en-US" sz="3200" spc="-1" strike="noStrike">
+                <a:latin typeface="Arial"/>
+              </a:rPr>
+              <a:t>Giới hạn và phạm vi</a:t>
+            </a:r>
+            <a:endParaRPr b="0" lang="en-US" sz="3200" spc="-1" strike="noStrike">
+              <a:latin typeface="Arial"/>
+            </a:endParaRPr>
+          </a:p>
+          <a:p>
+            <a:pPr lvl="1" marL="432000" indent="-216000">
+              <a:buClr>
+                <a:srgbClr val="000000"/>
+              </a:buClr>
+              <a:buSzPct val="45000"/>
+              <a:buFont typeface="Wingdings" charset="2"/>
+              <a:buChar char=""/>
+            </a:pPr>
+            <a:r>
+              <a:rPr b="0" lang="en-US" sz="3200" spc="-1" strike="noStrike">
+                <a:latin typeface="Arial"/>
+              </a:rPr>
+              <a:t> </a:t>
+            </a:r>
+            <a:endParaRPr b="0" lang="en-US" sz="3200" spc="-1" strike="noStrike">
+              <a:latin typeface="Arial"/>
+            </a:endParaRPr>
+          </a:p>
+        </p:txBody>
+      </p:sp>
     </p:spTree>
   </p:cSld>
   <p:timing>
@@ -7065,14 +12715,14 @@
       </p:grpSpPr>
       <p:sp>
         <p:nvSpPr>
-          <p:cNvPr id="133" name="CustomShape 1"/>
+          <p:cNvPr id="211" name="CustomShape 1"/>
           <p:cNvSpPr/>
           <p:nvPr/>
         </p:nvSpPr>
         <p:spPr>
           <a:xfrm>
-            <a:off x="681120" y="365040"/>
-            <a:ext cx="8543160" cy="1324800"/>
+            <a:off x="2025720" y="-190800"/>
+            <a:ext cx="8541720" cy="1323360"/>
           </a:xfrm>
           <a:prstGeom prst="rect">
             <a:avLst/>
@@ -7088,7 +12738,268 @@
           <a:effectRef idx="0"/>
           <a:fontRef idx="minor"/>
         </p:style>
-      </p:sp>
+        <p:txBody>
+          <a:bodyPr lIns="90000" rIns="90000" tIns="45000" bIns="45000" anchor="ctr">
+            <a:normAutofit/>
+          </a:bodyPr>
+          <a:p>
+            <a:pPr>
+              <a:lnSpc>
+                <a:spcPct val="90000"/>
+              </a:lnSpc>
+            </a:pPr>
+            <a:r>
+              <a:rPr b="1" lang="en-US" sz="3600" spc="-1" strike="noStrike">
+                <a:solidFill>
+                  <a:srgbClr val="ffffff"/>
+                </a:solidFill>
+                <a:latin typeface="Calibri"/>
+                <a:ea typeface="DejaVu Sans"/>
+              </a:rPr>
+              <a:t>II. CƠ SỞ LÝ THUYẾT</a:t>
+            </a:r>
+            <a:endParaRPr b="0" lang="en-US" sz="3600" spc="-1" strike="noStrike">
+              <a:latin typeface="Arial"/>
+            </a:endParaRPr>
+          </a:p>
+        </p:txBody>
+      </p:sp>
+      <p:pic>
+        <p:nvPicPr>
+          <p:cNvPr id="212" name="Content Placeholder 2" descr=""/>
+          <p:cNvPicPr/>
+          <p:nvPr/>
+        </p:nvPicPr>
+        <p:blipFill>
+          <a:blip r:embed="rId1"/>
+          <a:stretch/>
+        </p:blipFill>
+        <p:spPr>
+          <a:xfrm>
+            <a:off x="304920" y="95760"/>
+            <a:ext cx="549000" cy="746280"/>
+          </a:xfrm>
+          <a:prstGeom prst="rect">
+            <a:avLst/>
+          </a:prstGeom>
+          <a:ln>
+            <a:noFill/>
+          </a:ln>
+        </p:spPr>
+      </p:pic>
+      <p:sp>
+        <p:nvSpPr>
+          <p:cNvPr id="213" name="CustomShape 2"/>
+          <p:cNvSpPr/>
+          <p:nvPr/>
+        </p:nvSpPr>
+        <p:spPr>
+          <a:xfrm>
+            <a:off x="5105160" y="2992680"/>
+            <a:ext cx="180000" cy="231840"/>
+          </a:xfrm>
+          <a:prstGeom prst="rect">
+            <a:avLst/>
+          </a:prstGeom>
+          <a:noFill/>
+          <a:ln>
+            <a:noFill/>
+          </a:ln>
+        </p:spPr>
+        <p:style>
+          <a:lnRef idx="0"/>
+          <a:fillRef idx="0"/>
+          <a:effectRef idx="0"/>
+          <a:fontRef idx="minor"/>
+        </p:style>
+      </p:sp>
+      <p:pic>
+        <p:nvPicPr>
+          <p:cNvPr id="214" name="" descr=""/>
+          <p:cNvPicPr/>
+          <p:nvPr/>
+        </p:nvPicPr>
+        <p:blipFill>
+          <a:blip r:embed="rId2"/>
+          <a:stretch/>
+        </p:blipFill>
+        <p:spPr>
+          <a:xfrm>
+            <a:off x="3200400" y="2908080"/>
+            <a:ext cx="3294720" cy="1389600"/>
+          </a:xfrm>
+          <a:prstGeom prst="rect">
+            <a:avLst/>
+          </a:prstGeom>
+          <a:ln>
+            <a:noFill/>
+          </a:ln>
+        </p:spPr>
+      </p:pic>
+      <p:pic>
+        <p:nvPicPr>
+          <p:cNvPr id="215" name="" descr=""/>
+          <p:cNvPicPr/>
+          <p:nvPr/>
+        </p:nvPicPr>
+        <p:blipFill>
+          <a:blip r:embed="rId3"/>
+          <a:stretch/>
+        </p:blipFill>
+        <p:spPr>
+          <a:xfrm>
+            <a:off x="6752880" y="1158480"/>
+            <a:ext cx="2723040" cy="1675440"/>
+          </a:xfrm>
+          <a:prstGeom prst="rect">
+            <a:avLst/>
+          </a:prstGeom>
+          <a:ln>
+            <a:noFill/>
+          </a:ln>
+        </p:spPr>
+      </p:pic>
+      <p:pic>
+        <p:nvPicPr>
+          <p:cNvPr id="216" name="" descr=""/>
+          <p:cNvPicPr/>
+          <p:nvPr/>
+        </p:nvPicPr>
+        <p:blipFill>
+          <a:blip r:embed="rId4"/>
+          <a:stretch/>
+        </p:blipFill>
+        <p:spPr>
+          <a:xfrm>
+            <a:off x="426960" y="1133280"/>
+            <a:ext cx="2837520" cy="1608480"/>
+          </a:xfrm>
+          <a:prstGeom prst="rect">
+            <a:avLst/>
+          </a:prstGeom>
+          <a:ln>
+            <a:noFill/>
+          </a:ln>
+        </p:spPr>
+      </p:pic>
+      <p:sp>
+        <p:nvSpPr>
+          <p:cNvPr id="217" name="CustomShape 3"/>
+          <p:cNvSpPr/>
+          <p:nvPr/>
+        </p:nvSpPr>
+        <p:spPr>
+          <a:xfrm>
+            <a:off x="4291200" y="5774400"/>
+            <a:ext cx="180000" cy="231840"/>
+          </a:xfrm>
+          <a:prstGeom prst="rect">
+            <a:avLst/>
+          </a:prstGeom>
+          <a:noFill/>
+          <a:ln>
+            <a:noFill/>
+          </a:ln>
+        </p:spPr>
+        <p:style>
+          <a:lnRef idx="0"/>
+          <a:fillRef idx="0"/>
+          <a:effectRef idx="0"/>
+          <a:fontRef idx="minor"/>
+        </p:style>
+      </p:sp>
+      <p:pic>
+        <p:nvPicPr>
+          <p:cNvPr id="218" name="" descr=""/>
+          <p:cNvPicPr/>
+          <p:nvPr/>
+        </p:nvPicPr>
+        <p:blipFill>
+          <a:blip r:embed="rId5"/>
+          <a:stretch/>
+        </p:blipFill>
+        <p:spPr>
+          <a:xfrm>
+            <a:off x="4023360" y="4908960"/>
+            <a:ext cx="2193840" cy="1491840"/>
+          </a:xfrm>
+          <a:prstGeom prst="rect">
+            <a:avLst/>
+          </a:prstGeom>
+          <a:ln>
+            <a:noFill/>
+          </a:ln>
+        </p:spPr>
+      </p:pic>
+      <p:pic>
+        <p:nvPicPr>
+          <p:cNvPr id="219" name="" descr=""/>
+          <p:cNvPicPr/>
+          <p:nvPr/>
+        </p:nvPicPr>
+        <p:blipFill>
+          <a:blip r:embed="rId6"/>
+          <a:stretch/>
+        </p:blipFill>
+        <p:spPr>
+          <a:xfrm>
+            <a:off x="3087000" y="1325160"/>
+            <a:ext cx="2202120" cy="1966680"/>
+          </a:xfrm>
+          <a:prstGeom prst="rect">
+            <a:avLst/>
+          </a:prstGeom>
+          <a:ln>
+            <a:noFill/>
+          </a:ln>
+        </p:spPr>
+      </p:pic>
+      <p:pic>
+        <p:nvPicPr>
+          <p:cNvPr id="220" name="" descr=""/>
+          <p:cNvPicPr/>
+          <p:nvPr/>
+        </p:nvPicPr>
+        <p:blipFill>
+          <a:blip r:embed="rId7"/>
+          <a:stretch/>
+        </p:blipFill>
+        <p:spPr>
+          <a:xfrm>
+            <a:off x="5070600" y="1410480"/>
+            <a:ext cx="1737000" cy="1607040"/>
+          </a:xfrm>
+          <a:prstGeom prst="rect">
+            <a:avLst/>
+          </a:prstGeom>
+          <a:ln>
+            <a:noFill/>
+          </a:ln>
+        </p:spPr>
+      </p:pic>
+      <p:pic>
+        <p:nvPicPr>
+          <p:cNvPr id="221" name="" descr=""/>
+          <p:cNvPicPr/>
+          <p:nvPr/>
+        </p:nvPicPr>
+        <p:blipFill>
+          <a:blip r:embed="rId8"/>
+          <a:stretch/>
+        </p:blipFill>
+        <p:spPr>
+          <a:xfrm>
+            <a:off x="4729320" y="4284000"/>
+            <a:ext cx="757080" cy="653760"/>
+          </a:xfrm>
+          <a:prstGeom prst="rect">
+            <a:avLst/>
+          </a:prstGeom>
+          <a:ln>
+            <a:noFill/>
+          </a:ln>
+        </p:spPr>
+      </p:pic>
     </p:spTree>
   </p:cSld>
   <p:timing>
@@ -7140,14 +13051,14 @@
       </p:grpSpPr>
       <p:sp>
         <p:nvSpPr>
-          <p:cNvPr id="134" name="CustomShape 1"/>
+          <p:cNvPr id="222" name="CustomShape 1"/>
           <p:cNvSpPr/>
           <p:nvPr/>
         </p:nvSpPr>
         <p:spPr>
           <a:xfrm>
             <a:off x="2025720" y="-190800"/>
-            <a:ext cx="8543160" cy="1324800"/>
+            <a:ext cx="8541720" cy="1323360"/>
           </a:xfrm>
           <a:prstGeom prst="rect">
             <a:avLst/>
@@ -7179,8 +13090,9 @@
                   <a:srgbClr val="ffffff"/>
                 </a:solidFill>
                 <a:latin typeface="Calibri"/>
-              </a:rPr>
-              <a:t>PHƯƠNG ÁN 2</a:t>
+                <a:ea typeface="DejaVu Sans"/>
+              </a:rPr>
+              <a:t>II. CƠ SỞ LÝ THUYẾT</a:t>
             </a:r>
             <a:endParaRPr b="0" lang="en-US" sz="3600" spc="-1" strike="noStrike">
               <a:latin typeface="Arial"/>
@@ -7190,7 +13102,7 @@
       </p:sp>
       <p:pic>
         <p:nvPicPr>
-          <p:cNvPr id="135" name="Content Placeholder 2" descr=""/>
+          <p:cNvPr id="223" name="Content Placeholder 2" descr=""/>
           <p:cNvPicPr/>
           <p:nvPr/>
         </p:nvPicPr>
@@ -7201,7 +13113,939 @@
         <p:spPr>
           <a:xfrm>
             <a:off x="304920" y="95760"/>
-            <a:ext cx="550440" cy="747720"/>
+            <a:ext cx="549000" cy="746280"/>
+          </a:xfrm>
+          <a:prstGeom prst="rect">
+            <a:avLst/>
+          </a:prstGeom>
+          <a:ln>
+            <a:noFill/>
+          </a:ln>
+        </p:spPr>
+      </p:pic>
+      <p:sp>
+        <p:nvSpPr>
+          <p:cNvPr id="224" name="CustomShape 2"/>
+          <p:cNvSpPr/>
+          <p:nvPr/>
+        </p:nvSpPr>
+        <p:spPr>
+          <a:xfrm>
+            <a:off x="686160" y="914400"/>
+            <a:ext cx="8914680" cy="5307480"/>
+          </a:xfrm>
+          <a:prstGeom prst="rect">
+            <a:avLst/>
+          </a:prstGeom>
+          <a:noFill/>
+          <a:ln>
+            <a:noFill/>
+          </a:ln>
+        </p:spPr>
+        <p:style>
+          <a:lnRef idx="0"/>
+          <a:fillRef idx="0"/>
+          <a:effectRef idx="0"/>
+          <a:fontRef idx="minor"/>
+        </p:style>
+        <p:txBody>
+          <a:bodyPr lIns="0" rIns="0" tIns="0" bIns="0" anchor="ctr"/>
+          <a:p>
+            <a:pPr algn="ctr">
+              <a:lnSpc>
+                <a:spcPct val="100000"/>
+              </a:lnSpc>
+            </a:pPr>
+            <a:endParaRPr b="0" lang="en-US" sz="1800" spc="-1" strike="noStrike">
+              <a:latin typeface="Arial"/>
+            </a:endParaRPr>
+          </a:p>
+          <a:p>
+            <a:pPr algn="ctr">
+              <a:lnSpc>
+                <a:spcPct val="100000"/>
+              </a:lnSpc>
+            </a:pPr>
+            <a:endParaRPr b="0" lang="en-US" sz="1800" spc="-1" strike="noStrike">
+              <a:latin typeface="Arial"/>
+            </a:endParaRPr>
+          </a:p>
+        </p:txBody>
+      </p:sp>
+      <p:sp>
+        <p:nvSpPr>
+          <p:cNvPr id="225" name="CustomShape 3"/>
+          <p:cNvSpPr/>
+          <p:nvPr/>
+        </p:nvSpPr>
+        <p:spPr>
+          <a:xfrm>
+            <a:off x="4642920" y="3708360"/>
+            <a:ext cx="180360" cy="232200"/>
+          </a:xfrm>
+          <a:prstGeom prst="rect">
+            <a:avLst/>
+          </a:prstGeom>
+          <a:noFill/>
+          <a:ln>
+            <a:noFill/>
+          </a:ln>
+        </p:spPr>
+        <p:style>
+          <a:lnRef idx="0"/>
+          <a:fillRef idx="0"/>
+          <a:effectRef idx="0"/>
+          <a:fontRef idx="minor"/>
+        </p:style>
+      </p:sp>
+      <p:sp>
+        <p:nvSpPr>
+          <p:cNvPr id="226" name="CustomShape 4"/>
+          <p:cNvSpPr/>
+          <p:nvPr/>
+        </p:nvSpPr>
+        <p:spPr>
+          <a:xfrm>
+            <a:off x="91440" y="1188720"/>
+            <a:ext cx="2122560" cy="1188360"/>
+          </a:xfrm>
+          <a:prstGeom prst="rect">
+            <a:avLst/>
+          </a:prstGeom>
+          <a:blipFill rotWithShape="0">
+            <a:blip r:embed="rId2"/>
+            <a:stretch>
+              <a:fillRect/>
+            </a:stretch>
+          </a:blipFill>
+          <a:ln>
+            <a:noFill/>
+          </a:ln>
+        </p:spPr>
+        <p:style>
+          <a:lnRef idx="0"/>
+          <a:fillRef idx="0"/>
+          <a:effectRef idx="0"/>
+          <a:fontRef idx="minor"/>
+        </p:style>
+        <p:txBody>
+          <a:bodyPr lIns="90000" rIns="90000" tIns="45000" bIns="45000" anchor="ctr"/>
+          <a:p>
+            <a:pPr algn="ctr">
+              <a:lnSpc>
+                <a:spcPct val="100000"/>
+              </a:lnSpc>
+            </a:pPr>
+            <a:endParaRPr b="0" lang="en-US" sz="1800" spc="-1" strike="noStrike">
+              <a:latin typeface="Arial"/>
+            </a:endParaRPr>
+          </a:p>
+          <a:p>
+            <a:pPr algn="ctr">
+              <a:lnSpc>
+                <a:spcPct val="100000"/>
+              </a:lnSpc>
+            </a:pPr>
+            <a:endParaRPr b="0" lang="en-US" sz="1800" spc="-1" strike="noStrike">
+              <a:latin typeface="Arial"/>
+            </a:endParaRPr>
+          </a:p>
+          <a:p>
+            <a:pPr algn="ctr">
+              <a:lnSpc>
+                <a:spcPct val="100000"/>
+              </a:lnSpc>
+            </a:pPr>
+            <a:endParaRPr b="0" lang="en-US" sz="1800" spc="-1" strike="noStrike">
+              <a:latin typeface="Arial"/>
+            </a:endParaRPr>
+          </a:p>
+          <a:p>
+            <a:pPr algn="ctr">
+              <a:lnSpc>
+                <a:spcPct val="100000"/>
+              </a:lnSpc>
+            </a:pPr>
+            <a:endParaRPr b="0" lang="en-US" sz="1800" spc="-1" strike="noStrike">
+              <a:latin typeface="Arial"/>
+            </a:endParaRPr>
+          </a:p>
+          <a:p>
+            <a:pPr algn="ctr">
+              <a:lnSpc>
+                <a:spcPct val="100000"/>
+              </a:lnSpc>
+            </a:pPr>
+            <a:endParaRPr b="0" lang="en-US" sz="1800" spc="-1" strike="noStrike">
+              <a:latin typeface="Arial"/>
+            </a:endParaRPr>
+          </a:p>
+          <a:p>
+            <a:pPr algn="ctr">
+              <a:lnSpc>
+                <a:spcPct val="100000"/>
+              </a:lnSpc>
+            </a:pPr>
+            <a:r>
+              <a:rPr b="0" lang="en-US" sz="1500" spc="-1" strike="noStrike">
+                <a:latin typeface="Arial"/>
+              </a:rPr>
+              <a:t>Pc</a:t>
+            </a:r>
+            <a:endParaRPr b="0" lang="en-US" sz="1500" spc="-1" strike="noStrike">
+              <a:latin typeface="Arial"/>
+            </a:endParaRPr>
+          </a:p>
+        </p:txBody>
+      </p:sp>
+      <p:sp>
+        <p:nvSpPr>
+          <p:cNvPr id="227" name="CustomShape 5"/>
+          <p:cNvSpPr/>
+          <p:nvPr/>
+        </p:nvSpPr>
+        <p:spPr>
+          <a:xfrm>
+            <a:off x="2160" y="2633040"/>
+            <a:ext cx="2466360" cy="1847160"/>
+          </a:xfrm>
+          <a:prstGeom prst="rect">
+            <a:avLst/>
+          </a:prstGeom>
+          <a:blipFill rotWithShape="0">
+            <a:blip r:embed="rId3"/>
+            <a:stretch>
+              <a:fillRect/>
+            </a:stretch>
+          </a:blipFill>
+          <a:ln>
+            <a:noFill/>
+          </a:ln>
+        </p:spPr>
+        <p:style>
+          <a:lnRef idx="0"/>
+          <a:fillRef idx="0"/>
+          <a:effectRef idx="0"/>
+          <a:fontRef idx="minor"/>
+        </p:style>
+        <p:txBody>
+          <a:bodyPr lIns="90000" rIns="90000" tIns="45000" bIns="45000" anchor="ctr"/>
+          <a:p>
+            <a:pPr algn="ctr">
+              <a:lnSpc>
+                <a:spcPct val="100000"/>
+              </a:lnSpc>
+            </a:pPr>
+            <a:endParaRPr b="0" lang="en-US" sz="1800" spc="-1" strike="noStrike">
+              <a:latin typeface="Arial"/>
+            </a:endParaRPr>
+          </a:p>
+          <a:p>
+            <a:pPr algn="ctr">
+              <a:lnSpc>
+                <a:spcPct val="100000"/>
+              </a:lnSpc>
+            </a:pPr>
+            <a:endParaRPr b="0" lang="en-US" sz="1800" spc="-1" strike="noStrike">
+              <a:latin typeface="Arial"/>
+            </a:endParaRPr>
+          </a:p>
+          <a:p>
+            <a:pPr algn="ctr">
+              <a:lnSpc>
+                <a:spcPct val="100000"/>
+              </a:lnSpc>
+            </a:pPr>
+            <a:endParaRPr b="0" lang="en-US" sz="1800" spc="-1" strike="noStrike">
+              <a:latin typeface="Arial"/>
+            </a:endParaRPr>
+          </a:p>
+          <a:p>
+            <a:pPr algn="ctr">
+              <a:lnSpc>
+                <a:spcPct val="100000"/>
+              </a:lnSpc>
+            </a:pPr>
+            <a:endParaRPr b="0" lang="en-US" sz="1800" spc="-1" strike="noStrike">
+              <a:latin typeface="Arial"/>
+            </a:endParaRPr>
+          </a:p>
+          <a:p>
+            <a:pPr algn="ctr">
+              <a:lnSpc>
+                <a:spcPct val="100000"/>
+              </a:lnSpc>
+            </a:pPr>
+            <a:endParaRPr b="0" lang="en-US" sz="1800" spc="-1" strike="noStrike">
+              <a:latin typeface="Arial"/>
+            </a:endParaRPr>
+          </a:p>
+          <a:p>
+            <a:pPr algn="ctr">
+              <a:lnSpc>
+                <a:spcPct val="100000"/>
+              </a:lnSpc>
+            </a:pPr>
+            <a:endParaRPr b="0" lang="en-US" sz="1800" spc="-1" strike="noStrike">
+              <a:latin typeface="Arial"/>
+            </a:endParaRPr>
+          </a:p>
+          <a:p>
+            <a:pPr algn="ctr">
+              <a:lnSpc>
+                <a:spcPct val="100000"/>
+              </a:lnSpc>
+            </a:pPr>
+            <a:endParaRPr b="0" lang="en-US" sz="1800" spc="-1" strike="noStrike">
+              <a:latin typeface="Arial"/>
+            </a:endParaRPr>
+          </a:p>
+          <a:p>
+            <a:pPr algn="ctr">
+              <a:lnSpc>
+                <a:spcPct val="100000"/>
+              </a:lnSpc>
+            </a:pPr>
+            <a:endParaRPr b="0" lang="en-US" sz="1800" spc="-1" strike="noStrike">
+              <a:latin typeface="Arial"/>
+            </a:endParaRPr>
+          </a:p>
+          <a:p>
+            <a:pPr algn="ctr">
+              <a:lnSpc>
+                <a:spcPct val="100000"/>
+              </a:lnSpc>
+            </a:pPr>
+            <a:r>
+              <a:rPr b="0" lang="en-US" sz="1500" spc="-1" strike="noStrike">
+                <a:latin typeface="Arial"/>
+              </a:rPr>
+              <a:t>Phone</a:t>
+            </a:r>
+            <a:endParaRPr b="0" lang="en-US" sz="1500" spc="-1" strike="noStrike">
+              <a:latin typeface="Arial"/>
+            </a:endParaRPr>
+          </a:p>
+        </p:txBody>
+      </p:sp>
+      <p:pic>
+        <p:nvPicPr>
+          <p:cNvPr id="228" name="" descr=""/>
+          <p:cNvPicPr/>
+          <p:nvPr/>
+        </p:nvPicPr>
+        <p:blipFill>
+          <a:blip r:embed="rId4"/>
+          <a:stretch/>
+        </p:blipFill>
+        <p:spPr>
+          <a:xfrm>
+            <a:off x="2463480" y="2595960"/>
+            <a:ext cx="2199600" cy="1884240"/>
+          </a:xfrm>
+          <a:prstGeom prst="rect">
+            <a:avLst/>
+          </a:prstGeom>
+          <a:ln>
+            <a:noFill/>
+          </a:ln>
+        </p:spPr>
+      </p:pic>
+      <p:sp>
+        <p:nvSpPr>
+          <p:cNvPr id="229" name="CustomShape 6"/>
+          <p:cNvSpPr/>
+          <p:nvPr/>
+        </p:nvSpPr>
+        <p:spPr>
+          <a:xfrm>
+            <a:off x="5671440" y="1811880"/>
+            <a:ext cx="1551960" cy="3399840"/>
+          </a:xfrm>
+          <a:prstGeom prst="rect">
+            <a:avLst/>
+          </a:prstGeom>
+          <a:blipFill rotWithShape="0">
+            <a:blip r:embed="rId5"/>
+            <a:stretch>
+              <a:fillRect/>
+            </a:stretch>
+          </a:blipFill>
+          <a:ln>
+            <a:noFill/>
+          </a:ln>
+        </p:spPr>
+        <p:style>
+          <a:lnRef idx="0"/>
+          <a:fillRef idx="0"/>
+          <a:effectRef idx="0"/>
+          <a:fontRef idx="minor"/>
+        </p:style>
+        <p:txBody>
+          <a:bodyPr lIns="90000" rIns="90000" tIns="45000" bIns="45000" anchor="ctr"/>
+          <a:p>
+            <a:pPr algn="ctr">
+              <a:lnSpc>
+                <a:spcPct val="100000"/>
+              </a:lnSpc>
+            </a:pPr>
+            <a:endParaRPr b="0" lang="en-US" sz="1800" spc="-1" strike="noStrike">
+              <a:latin typeface="Arial"/>
+            </a:endParaRPr>
+          </a:p>
+          <a:p>
+            <a:pPr algn="ctr">
+              <a:lnSpc>
+                <a:spcPct val="100000"/>
+              </a:lnSpc>
+            </a:pPr>
+            <a:endParaRPr b="0" lang="en-US" sz="1800" spc="-1" strike="noStrike">
+              <a:latin typeface="Arial"/>
+            </a:endParaRPr>
+          </a:p>
+          <a:p>
+            <a:pPr algn="ctr">
+              <a:lnSpc>
+                <a:spcPct val="100000"/>
+              </a:lnSpc>
+            </a:pPr>
+            <a:endParaRPr b="0" lang="en-US" sz="1800" spc="-1" strike="noStrike">
+              <a:latin typeface="Arial"/>
+            </a:endParaRPr>
+          </a:p>
+          <a:p>
+            <a:pPr algn="ctr">
+              <a:lnSpc>
+                <a:spcPct val="100000"/>
+              </a:lnSpc>
+            </a:pPr>
+            <a:endParaRPr b="0" lang="en-US" sz="1800" spc="-1" strike="noStrike">
+              <a:latin typeface="Arial"/>
+            </a:endParaRPr>
+          </a:p>
+          <a:p>
+            <a:pPr algn="ctr">
+              <a:lnSpc>
+                <a:spcPct val="100000"/>
+              </a:lnSpc>
+            </a:pPr>
+            <a:endParaRPr b="0" lang="en-US" sz="1800" spc="-1" strike="noStrike">
+              <a:latin typeface="Arial"/>
+            </a:endParaRPr>
+          </a:p>
+          <a:p>
+            <a:pPr algn="ctr">
+              <a:lnSpc>
+                <a:spcPct val="100000"/>
+              </a:lnSpc>
+            </a:pPr>
+            <a:endParaRPr b="0" lang="en-US" sz="1800" spc="-1" strike="noStrike">
+              <a:latin typeface="Arial"/>
+            </a:endParaRPr>
+          </a:p>
+          <a:p>
+            <a:pPr algn="ctr">
+              <a:lnSpc>
+                <a:spcPct val="100000"/>
+              </a:lnSpc>
+            </a:pPr>
+            <a:endParaRPr b="0" lang="en-US" sz="1800" spc="-1" strike="noStrike">
+              <a:latin typeface="Arial"/>
+            </a:endParaRPr>
+          </a:p>
+          <a:p>
+            <a:pPr algn="ctr">
+              <a:lnSpc>
+                <a:spcPct val="100000"/>
+              </a:lnSpc>
+            </a:pPr>
+            <a:endParaRPr b="0" lang="en-US" sz="1800" spc="-1" strike="noStrike">
+              <a:latin typeface="Arial"/>
+            </a:endParaRPr>
+          </a:p>
+          <a:p>
+            <a:pPr algn="ctr">
+              <a:lnSpc>
+                <a:spcPct val="100000"/>
+              </a:lnSpc>
+            </a:pPr>
+            <a:endParaRPr b="0" lang="en-US" sz="1800" spc="-1" strike="noStrike">
+              <a:latin typeface="Arial"/>
+            </a:endParaRPr>
+          </a:p>
+          <a:p>
+            <a:pPr algn="ctr">
+              <a:lnSpc>
+                <a:spcPct val="100000"/>
+              </a:lnSpc>
+            </a:pPr>
+            <a:endParaRPr b="0" lang="en-US" sz="1800" spc="-1" strike="noStrike">
+              <a:latin typeface="Arial"/>
+            </a:endParaRPr>
+          </a:p>
+          <a:p>
+            <a:pPr algn="ctr">
+              <a:lnSpc>
+                <a:spcPct val="100000"/>
+              </a:lnSpc>
+            </a:pPr>
+            <a:endParaRPr b="0" lang="en-US" sz="1800" spc="-1" strike="noStrike">
+              <a:latin typeface="Arial"/>
+            </a:endParaRPr>
+          </a:p>
+          <a:p>
+            <a:pPr algn="ctr">
+              <a:lnSpc>
+                <a:spcPct val="100000"/>
+              </a:lnSpc>
+            </a:pPr>
+            <a:r>
+              <a:rPr b="0" lang="en-US" sz="1500" spc="-1" strike="noStrike">
+                <a:latin typeface="Arial"/>
+              </a:rPr>
+              <a:t>Server</a:t>
+            </a:r>
+            <a:endParaRPr b="0" lang="en-US" sz="1500" spc="-1" strike="noStrike">
+              <a:latin typeface="Arial"/>
+            </a:endParaRPr>
+          </a:p>
+          <a:p>
+            <a:pPr algn="ctr">
+              <a:lnSpc>
+                <a:spcPct val="100000"/>
+              </a:lnSpc>
+            </a:pPr>
+            <a:endParaRPr b="0" lang="en-US" sz="1500" spc="-1" strike="noStrike">
+              <a:latin typeface="Arial"/>
+            </a:endParaRPr>
+          </a:p>
+        </p:txBody>
+      </p:sp>
+      <p:sp>
+        <p:nvSpPr>
+          <p:cNvPr id="230" name="CustomShape 7"/>
+          <p:cNvSpPr/>
+          <p:nvPr/>
+        </p:nvSpPr>
+        <p:spPr>
+          <a:xfrm>
+            <a:off x="8405280" y="1476720"/>
+            <a:ext cx="1012680" cy="1279800"/>
+          </a:xfrm>
+          <a:prstGeom prst="rect">
+            <a:avLst/>
+          </a:prstGeom>
+          <a:blipFill rotWithShape="0">
+            <a:blip r:embed="rId6"/>
+            <a:stretch>
+              <a:fillRect/>
+            </a:stretch>
+          </a:blipFill>
+          <a:ln>
+            <a:noFill/>
+          </a:ln>
+        </p:spPr>
+        <p:style>
+          <a:lnRef idx="0"/>
+          <a:fillRef idx="0"/>
+          <a:effectRef idx="0"/>
+          <a:fontRef idx="minor"/>
+        </p:style>
+        <p:txBody>
+          <a:bodyPr lIns="90000" rIns="90000" tIns="45000" bIns="45000" anchor="ctr"/>
+          <a:p>
+            <a:pPr algn="ctr">
+              <a:lnSpc>
+                <a:spcPct val="100000"/>
+              </a:lnSpc>
+            </a:pPr>
+            <a:endParaRPr b="0" lang="en-US" sz="1800" spc="-1" strike="noStrike">
+              <a:latin typeface="Arial"/>
+            </a:endParaRPr>
+          </a:p>
+          <a:p>
+            <a:pPr algn="ctr">
+              <a:lnSpc>
+                <a:spcPct val="100000"/>
+              </a:lnSpc>
+            </a:pPr>
+            <a:endParaRPr b="0" lang="en-US" sz="1800" spc="-1" strike="noStrike">
+              <a:latin typeface="Arial"/>
+            </a:endParaRPr>
+          </a:p>
+          <a:p>
+            <a:pPr algn="ctr">
+              <a:lnSpc>
+                <a:spcPct val="100000"/>
+              </a:lnSpc>
+            </a:pPr>
+            <a:endParaRPr b="0" lang="en-US" sz="1800" spc="-1" strike="noStrike">
+              <a:latin typeface="Arial"/>
+            </a:endParaRPr>
+          </a:p>
+          <a:p>
+            <a:pPr algn="ctr">
+              <a:lnSpc>
+                <a:spcPct val="100000"/>
+              </a:lnSpc>
+            </a:pPr>
+            <a:endParaRPr b="0" lang="en-US" sz="1800" spc="-1" strike="noStrike">
+              <a:latin typeface="Arial"/>
+            </a:endParaRPr>
+          </a:p>
+          <a:p>
+            <a:pPr algn="ctr">
+              <a:lnSpc>
+                <a:spcPct val="100000"/>
+              </a:lnSpc>
+            </a:pPr>
+            <a:endParaRPr b="0" lang="en-US" sz="1800" spc="-1" strike="noStrike">
+              <a:latin typeface="Arial"/>
+            </a:endParaRPr>
+          </a:p>
+          <a:p>
+            <a:pPr algn="ctr">
+              <a:lnSpc>
+                <a:spcPct val="100000"/>
+              </a:lnSpc>
+            </a:pPr>
+            <a:endParaRPr b="0" lang="en-US" sz="1800" spc="-1" strike="noStrike">
+              <a:latin typeface="Arial"/>
+            </a:endParaRPr>
+          </a:p>
+          <a:p>
+            <a:pPr algn="ctr">
+              <a:lnSpc>
+                <a:spcPct val="100000"/>
+              </a:lnSpc>
+            </a:pPr>
+            <a:endParaRPr b="0" lang="en-US" sz="1800" spc="-1" strike="noStrike">
+              <a:latin typeface="Arial"/>
+            </a:endParaRPr>
+          </a:p>
+          <a:p>
+            <a:pPr algn="ctr">
+              <a:lnSpc>
+                <a:spcPct val="100000"/>
+              </a:lnSpc>
+            </a:pPr>
+            <a:r>
+              <a:rPr b="0" lang="en-US" sz="1500" spc="-1" strike="noStrike">
+                <a:latin typeface="Arial"/>
+              </a:rPr>
+              <a:t>Database</a:t>
+            </a:r>
+            <a:endParaRPr b="0" lang="en-US" sz="1500" spc="-1" strike="noStrike">
+              <a:latin typeface="Arial"/>
+            </a:endParaRPr>
+          </a:p>
+          <a:p>
+            <a:pPr algn="ctr">
+              <a:lnSpc>
+                <a:spcPct val="100000"/>
+              </a:lnSpc>
+            </a:pPr>
+            <a:endParaRPr b="0" lang="en-US" sz="1500" spc="-1" strike="noStrike">
+              <a:latin typeface="Arial"/>
+            </a:endParaRPr>
+          </a:p>
+        </p:txBody>
+      </p:sp>
+      <p:pic>
+        <p:nvPicPr>
+          <p:cNvPr id="231" name="" descr=""/>
+          <p:cNvPicPr/>
+          <p:nvPr/>
+        </p:nvPicPr>
+        <p:blipFill>
+          <a:blip r:embed="rId7"/>
+          <a:stretch/>
+        </p:blipFill>
+        <p:spPr>
+          <a:xfrm>
+            <a:off x="7955280" y="3577680"/>
+            <a:ext cx="1737000" cy="1847160"/>
+          </a:xfrm>
+          <a:prstGeom prst="rect">
+            <a:avLst/>
+          </a:prstGeom>
+          <a:ln>
+            <a:noFill/>
+          </a:ln>
+        </p:spPr>
+      </p:pic>
+      <p:sp>
+        <p:nvSpPr>
+          <p:cNvPr id="232" name="CustomShape 8"/>
+          <p:cNvSpPr/>
+          <p:nvPr/>
+        </p:nvSpPr>
+        <p:spPr>
+          <a:xfrm>
+            <a:off x="548640" y="4920840"/>
+            <a:ext cx="1479600" cy="1479600"/>
+          </a:xfrm>
+          <a:prstGeom prst="rect">
+            <a:avLst/>
+          </a:prstGeom>
+          <a:blipFill rotWithShape="0">
+            <a:blip r:embed="rId8"/>
+            <a:stretch>
+              <a:fillRect/>
+            </a:stretch>
+          </a:blipFill>
+          <a:ln>
+            <a:noFill/>
+          </a:ln>
+        </p:spPr>
+        <p:style>
+          <a:lnRef idx="0"/>
+          <a:fillRef idx="0"/>
+          <a:effectRef idx="0"/>
+          <a:fontRef idx="minor"/>
+        </p:style>
+        <p:txBody>
+          <a:bodyPr lIns="90000" rIns="90000" tIns="45000" bIns="45000" anchor="ctr"/>
+          <a:p>
+            <a:pPr algn="ctr">
+              <a:lnSpc>
+                <a:spcPct val="100000"/>
+              </a:lnSpc>
+            </a:pPr>
+            <a:endParaRPr b="0" lang="en-US" sz="1800" spc="-1" strike="noStrike">
+              <a:latin typeface="Arial"/>
+            </a:endParaRPr>
+          </a:p>
+          <a:p>
+            <a:pPr algn="ctr">
+              <a:lnSpc>
+                <a:spcPct val="100000"/>
+              </a:lnSpc>
+            </a:pPr>
+            <a:endParaRPr b="0" lang="en-US" sz="1800" spc="-1" strike="noStrike">
+              <a:latin typeface="Arial"/>
+            </a:endParaRPr>
+          </a:p>
+          <a:p>
+            <a:pPr algn="ctr">
+              <a:lnSpc>
+                <a:spcPct val="100000"/>
+              </a:lnSpc>
+            </a:pPr>
+            <a:endParaRPr b="0" lang="en-US" sz="1800" spc="-1" strike="noStrike">
+              <a:latin typeface="Arial"/>
+            </a:endParaRPr>
+          </a:p>
+          <a:p>
+            <a:pPr algn="ctr">
+              <a:lnSpc>
+                <a:spcPct val="100000"/>
+              </a:lnSpc>
+            </a:pPr>
+            <a:endParaRPr b="0" lang="en-US" sz="1800" spc="-1" strike="noStrike">
+              <a:latin typeface="Arial"/>
+            </a:endParaRPr>
+          </a:p>
+          <a:p>
+            <a:pPr algn="ctr">
+              <a:lnSpc>
+                <a:spcPct val="100000"/>
+              </a:lnSpc>
+            </a:pPr>
+            <a:endParaRPr b="0" lang="en-US" sz="1800" spc="-1" strike="noStrike">
+              <a:latin typeface="Arial"/>
+            </a:endParaRPr>
+          </a:p>
+          <a:p>
+            <a:pPr algn="ctr">
+              <a:lnSpc>
+                <a:spcPct val="100000"/>
+              </a:lnSpc>
+            </a:pPr>
+            <a:endParaRPr b="0" lang="en-US" sz="1800" spc="-1" strike="noStrike">
+              <a:latin typeface="Arial"/>
+            </a:endParaRPr>
+          </a:p>
+          <a:p>
+            <a:pPr algn="ctr">
+              <a:lnSpc>
+                <a:spcPct val="100000"/>
+              </a:lnSpc>
+            </a:pPr>
+            <a:endParaRPr b="0" lang="en-US" sz="1800" spc="-1" strike="noStrike">
+              <a:latin typeface="Arial"/>
+            </a:endParaRPr>
+          </a:p>
+          <a:p>
+            <a:pPr algn="ctr">
+              <a:lnSpc>
+                <a:spcPct val="100000"/>
+              </a:lnSpc>
+            </a:pPr>
+            <a:r>
+              <a:rPr b="0" lang="en-US" sz="1500" spc="-1" strike="noStrike">
+                <a:latin typeface="Arial"/>
+              </a:rPr>
+              <a:t>Module</a:t>
+            </a:r>
+            <a:endParaRPr b="0" lang="en-US" sz="1500" spc="-1" strike="noStrike">
+              <a:latin typeface="Arial"/>
+            </a:endParaRPr>
+          </a:p>
+        </p:txBody>
+      </p:sp>
+      <p:pic>
+        <p:nvPicPr>
+          <p:cNvPr id="233" name="" descr=""/>
+          <p:cNvPicPr/>
+          <p:nvPr/>
+        </p:nvPicPr>
+        <p:blipFill>
+          <a:blip r:embed="rId9"/>
+          <a:stretch/>
+        </p:blipFill>
+        <p:spPr>
+          <a:xfrm rot="2156400">
+            <a:off x="1724040" y="1548360"/>
+            <a:ext cx="1580400" cy="466200"/>
+          </a:xfrm>
+          <a:prstGeom prst="rect">
+            <a:avLst/>
+          </a:prstGeom>
+          <a:ln>
+            <a:noFill/>
+          </a:ln>
+        </p:spPr>
+      </p:pic>
+      <p:pic>
+        <p:nvPicPr>
+          <p:cNvPr id="234" name="" descr=""/>
+          <p:cNvPicPr/>
+          <p:nvPr/>
+        </p:nvPicPr>
+        <p:blipFill>
+          <a:blip r:embed="rId10"/>
+          <a:stretch/>
+        </p:blipFill>
+        <p:spPr>
+          <a:xfrm>
+            <a:off x="2011680" y="4297680"/>
+            <a:ext cx="1188360" cy="1371240"/>
+          </a:xfrm>
+          <a:prstGeom prst="rect">
+            <a:avLst/>
+          </a:prstGeom>
+          <a:ln>
+            <a:noFill/>
+          </a:ln>
+        </p:spPr>
+      </p:pic>
+      <p:pic>
+        <p:nvPicPr>
+          <p:cNvPr id="235" name="" descr=""/>
+          <p:cNvPicPr/>
+          <p:nvPr/>
+        </p:nvPicPr>
+        <p:blipFill>
+          <a:blip r:embed="rId11"/>
+          <a:stretch/>
+        </p:blipFill>
+        <p:spPr>
+          <a:xfrm>
+            <a:off x="1537560" y="3200400"/>
+            <a:ext cx="930960" cy="480240"/>
+          </a:xfrm>
+          <a:prstGeom prst="rect">
+            <a:avLst/>
+          </a:prstGeom>
+          <a:ln>
+            <a:noFill/>
+          </a:ln>
+        </p:spPr>
+      </p:pic>
+      <p:pic>
+        <p:nvPicPr>
+          <p:cNvPr id="236" name="" descr=""/>
+          <p:cNvPicPr/>
+          <p:nvPr/>
+        </p:nvPicPr>
+        <p:blipFill>
+          <a:blip r:embed="rId12"/>
+          <a:stretch/>
+        </p:blipFill>
+        <p:spPr>
+          <a:xfrm>
+            <a:off x="4715640" y="3227760"/>
+            <a:ext cx="930960" cy="480240"/>
+          </a:xfrm>
+          <a:prstGeom prst="rect">
+            <a:avLst/>
+          </a:prstGeom>
+          <a:ln>
+            <a:noFill/>
+          </a:ln>
+        </p:spPr>
+      </p:pic>
+      <p:pic>
+        <p:nvPicPr>
+          <p:cNvPr id="237" name="" descr=""/>
+          <p:cNvPicPr/>
+          <p:nvPr/>
+        </p:nvPicPr>
+        <p:blipFill>
+          <a:blip r:embed="rId13"/>
+          <a:stretch/>
+        </p:blipFill>
+        <p:spPr>
+          <a:xfrm>
+            <a:off x="7223760" y="1698480"/>
+            <a:ext cx="1181160" cy="1554120"/>
+          </a:xfrm>
+          <a:prstGeom prst="rect">
+            <a:avLst/>
+          </a:prstGeom>
+          <a:ln>
+            <a:noFill/>
+          </a:ln>
+        </p:spPr>
+      </p:pic>
+      <p:pic>
+        <p:nvPicPr>
+          <p:cNvPr id="238" name="" descr=""/>
+          <p:cNvPicPr/>
+          <p:nvPr/>
+        </p:nvPicPr>
+        <p:blipFill>
+          <a:blip r:embed="rId14"/>
+          <a:stretch/>
+        </p:blipFill>
+        <p:spPr>
+          <a:xfrm>
+            <a:off x="2011680" y="4297680"/>
+            <a:ext cx="1188360" cy="1371240"/>
+          </a:xfrm>
+          <a:prstGeom prst="rect">
+            <a:avLst/>
+          </a:prstGeom>
+          <a:ln>
+            <a:noFill/>
+          </a:ln>
+        </p:spPr>
+      </p:pic>
+      <p:pic>
+        <p:nvPicPr>
+          <p:cNvPr id="239" name="" descr=""/>
+          <p:cNvPicPr/>
+          <p:nvPr/>
+        </p:nvPicPr>
+        <p:blipFill>
+          <a:blip r:embed="rId15"/>
+          <a:stretch/>
+        </p:blipFill>
+        <p:spPr>
+          <a:xfrm rot="4006800">
+            <a:off x="7143480" y="3697200"/>
+            <a:ext cx="1398600" cy="1036440"/>
           </a:xfrm>
           <a:prstGeom prst="rect">
             <a:avLst/>
@@ -7262,14 +14106,14 @@
       </p:grpSpPr>
       <p:sp>
         <p:nvSpPr>
-          <p:cNvPr id="136" name="CustomShape 1"/>
+          <p:cNvPr id="240" name="CustomShape 1"/>
           <p:cNvSpPr/>
           <p:nvPr/>
         </p:nvSpPr>
         <p:spPr>
           <a:xfrm>
             <a:off x="2025720" y="-190800"/>
-            <a:ext cx="8543160" cy="1324800"/>
+            <a:ext cx="8541720" cy="1323360"/>
           </a:xfrm>
           <a:prstGeom prst="rect">
             <a:avLst/>
@@ -7301,8 +14145,9 @@
                   <a:srgbClr val="ffffff"/>
                 </a:solidFill>
                 <a:latin typeface="Calibri"/>
-              </a:rPr>
-              <a:t>PHƯƠNG ÁN 2</a:t>
+                <a:ea typeface="DejaVu Sans"/>
+              </a:rPr>
+              <a:t>III. NỘI DUNG THỰC HIỆN</a:t>
             </a:r>
             <a:endParaRPr b="0" lang="en-US" sz="3600" spc="-1" strike="noStrike">
               <a:latin typeface="Arial"/>
@@ -7312,7 +14157,7 @@
       </p:sp>
       <p:pic>
         <p:nvPicPr>
-          <p:cNvPr id="137" name="Content Placeholder 2" descr=""/>
+          <p:cNvPr id="241" name="Content Placeholder 2" descr=""/>
           <p:cNvPicPr/>
           <p:nvPr/>
         </p:nvPicPr>
@@ -7323,7 +14168,7 @@
         <p:spPr>
           <a:xfrm>
             <a:off x="304920" y="95760"/>
-            <a:ext cx="550440" cy="747720"/>
+            <a:ext cx="549000" cy="746280"/>
           </a:xfrm>
           <a:prstGeom prst="rect">
             <a:avLst/>
@@ -7333,6 +14178,143 @@
           </a:ln>
         </p:spPr>
       </p:pic>
+      <p:sp>
+        <p:nvSpPr>
+          <p:cNvPr id="242" name="TextShape 2"/>
+          <p:cNvSpPr txBox="1"/>
+          <p:nvPr/>
+        </p:nvSpPr>
+        <p:spPr>
+          <a:xfrm>
+            <a:off x="495000" y="1604520"/>
+            <a:ext cx="8915040" cy="3977280"/>
+          </a:xfrm>
+          <a:prstGeom prst="rect">
+            <a:avLst/>
+          </a:prstGeom>
+          <a:noFill/>
+          <a:ln>
+            <a:noFill/>
+          </a:ln>
+        </p:spPr>
+        <p:txBody>
+          <a:bodyPr lIns="0" rIns="0" tIns="0" bIns="0" anchor="ctr"/>
+          <a:p>
+            <a:pPr marL="216000" indent="-216000" algn="just">
+              <a:buClr>
+                <a:srgbClr val="000000"/>
+              </a:buClr>
+              <a:buFont typeface="StarSymbol"/>
+              <a:buAutoNum type="alphaUcParenR"/>
+            </a:pPr>
+            <a:r>
+              <a:rPr b="0" lang="en-US" sz="3200" spc="-1" strike="noStrike">
+                <a:latin typeface="Arial"/>
+              </a:rPr>
+              <a:t>A.</a:t>
+            </a:r>
+            <a:r>
+              <a:rPr b="0" lang="en-US" sz="3200" spc="-1" strike="noStrike">
+                <a:latin typeface="Arial"/>
+              </a:rPr>
+              <a:t>	</a:t>
+            </a:r>
+            <a:r>
+              <a:rPr b="0" lang="en-US" sz="3200" spc="-1" strike="noStrike">
+                <a:latin typeface="Arial"/>
+              </a:rPr>
+              <a:t> Website quản trị viện</a:t>
+            </a:r>
+            <a:endParaRPr b="0" lang="en-US" sz="3200" spc="-1" strike="noStrike">
+              <a:latin typeface="Arial"/>
+            </a:endParaRPr>
+          </a:p>
+          <a:p>
+            <a:r>
+              <a:rPr b="0" lang="en-US" sz="3200" spc="-1" strike="noStrike">
+                <a:latin typeface="Arial"/>
+              </a:rPr>
+              <a:t>	</a:t>
+            </a:r>
+            <a:r>
+              <a:rPr b="0" lang="en-US" sz="3200" spc="-1" strike="noStrike">
+                <a:latin typeface="Arial"/>
+              </a:rPr>
+              <a:t>Xác định yêu cầu của hệ thống</a:t>
+            </a:r>
+            <a:endParaRPr b="0" lang="en-US" sz="3200" spc="-1" strike="noStrike">
+              <a:latin typeface="Arial"/>
+            </a:endParaRPr>
+          </a:p>
+          <a:p>
+            <a:pPr lvl="1" marL="432000" indent="-216000">
+              <a:buClr>
+                <a:srgbClr val="000000"/>
+              </a:buClr>
+              <a:buSzPct val="45000"/>
+              <a:buFont typeface="Wingdings" charset="2"/>
+              <a:buChar char=""/>
+            </a:pPr>
+            <a:r>
+              <a:rPr b="0" lang="en-US" sz="3200" spc="-1" strike="noStrike">
+                <a:latin typeface="Arial"/>
+              </a:rPr>
+              <a:t>Yêu cầu nghiệp vụ:</a:t>
+            </a:r>
+            <a:endParaRPr b="0" lang="en-US" sz="3200" spc="-1" strike="noStrike">
+              <a:latin typeface="Arial"/>
+            </a:endParaRPr>
+          </a:p>
+          <a:p>
+            <a:pPr lvl="2" marL="648000" indent="-216000">
+              <a:buClr>
+                <a:srgbClr val="000000"/>
+              </a:buClr>
+              <a:buFont typeface="Wingdings" charset="2"/>
+              <a:buChar char=""/>
+            </a:pPr>
+            <a:r>
+              <a:rPr b="0" lang="en-US" sz="3200" spc="-1" strike="noStrike">
+                <a:latin typeface="Arial"/>
+              </a:rPr>
+              <a:t> </a:t>
+            </a:r>
+            <a:r>
+              <a:rPr b="0" lang="en-US" sz="3200" spc="-1" strike="noStrike">
+                <a:latin typeface="Arial"/>
+              </a:rPr>
+              <a:t>Đối với người quản trị: Là người có quyền lực cao nhất</a:t>
+            </a:r>
+            <a:endParaRPr b="0" lang="en-US" sz="3200" spc="-1" strike="noStrike">
+              <a:latin typeface="Arial"/>
+            </a:endParaRPr>
+          </a:p>
+          <a:p>
+            <a:pPr lvl="2" marL="648000" indent="-216000">
+              <a:buClr>
+                <a:srgbClr val="000000"/>
+              </a:buClr>
+              <a:buFont typeface="Wingdings" charset="2"/>
+              <a:buChar char=""/>
+            </a:pPr>
+            <a:r>
+              <a:rPr b="0" lang="en-US" sz="3200" spc="-1" strike="noStrike">
+                <a:latin typeface="Arial"/>
+              </a:rPr>
+              <a:t> </a:t>
+            </a:r>
+            <a:r>
+              <a:rPr b="0" lang="en-US" sz="3200" spc="-1" strike="noStrike">
+                <a:latin typeface="Arial"/>
+              </a:rPr>
+              <a:t>Đối với người quản trị 1 khu vực</a:t>
+            </a:r>
+            <a:endParaRPr b="0" lang="en-US" sz="3200" spc="-1" strike="noStrike">
+              <a:latin typeface="Arial"/>
+            </a:endParaRPr>
+          </a:p>
+        </p:txBody>
+      </p:sp>
     </p:spTree>
   </p:cSld>
   <p:timing>
@@ -7384,14 +14366,14 @@
       </p:grpSpPr>
       <p:sp>
         <p:nvSpPr>
-          <p:cNvPr id="138" name="CustomShape 1"/>
+          <p:cNvPr id="243" name="CustomShape 1"/>
           <p:cNvSpPr/>
           <p:nvPr/>
         </p:nvSpPr>
         <p:spPr>
           <a:xfrm>
             <a:off x="2025720" y="-190800"/>
-            <a:ext cx="8543160" cy="1324800"/>
+            <a:ext cx="8541720" cy="1323360"/>
           </a:xfrm>
           <a:prstGeom prst="rect">
             <a:avLst/>
@@ -7423,8 +14405,69 @@
                   <a:srgbClr val="ffffff"/>
                 </a:solidFill>
                 <a:latin typeface="Calibri"/>
-              </a:rPr>
-              <a:t>PHƯƠNG ÁN 2</a:t>
+                <a:ea typeface="DejaVu Sans"/>
+              </a:rPr>
+              <a:t>III. </a:t>
+            </a:r>
+            <a:r>
+              <a:rPr b="1" lang="en-US" sz="3600" spc="-1" strike="noStrike">
+                <a:solidFill>
+                  <a:srgbClr val="ffffff"/>
+                </a:solidFill>
+                <a:latin typeface="Calibri"/>
+                <a:ea typeface="DejaVu Sans"/>
+              </a:rPr>
+              <a:t>NỘI </a:t>
+            </a:r>
+            <a:r>
+              <a:rPr b="1" lang="en-US" sz="3600" spc="-1" strike="noStrike">
+                <a:solidFill>
+                  <a:srgbClr val="ffffff"/>
+                </a:solidFill>
+                <a:latin typeface="Calibri"/>
+                <a:ea typeface="DejaVu Sans"/>
+              </a:rPr>
+              <a:t>DUN</a:t>
+            </a:r>
+            <a:r>
+              <a:rPr b="1" lang="en-US" sz="3600" spc="-1" strike="noStrike">
+                <a:solidFill>
+                  <a:srgbClr val="ffffff"/>
+                </a:solidFill>
+                <a:latin typeface="Calibri"/>
+                <a:ea typeface="DejaVu Sans"/>
+              </a:rPr>
+              <a:t>G </a:t>
+            </a:r>
+            <a:r>
+              <a:rPr b="1" lang="en-US" sz="3600" spc="-1" strike="noStrike">
+                <a:solidFill>
+                  <a:srgbClr val="ffffff"/>
+                </a:solidFill>
+                <a:latin typeface="Calibri"/>
+                <a:ea typeface="DejaVu Sans"/>
+              </a:rPr>
+              <a:t>THỰ</a:t>
+            </a:r>
+            <a:r>
+              <a:rPr b="1" lang="en-US" sz="3600" spc="-1" strike="noStrike">
+                <a:solidFill>
+                  <a:srgbClr val="ffffff"/>
+                </a:solidFill>
+                <a:latin typeface="Calibri"/>
+                <a:ea typeface="DejaVu Sans"/>
+              </a:rPr>
+              <a:t>C </a:t>
+            </a:r>
+            <a:r>
+              <a:rPr b="1" lang="en-US" sz="3600" spc="-1" strike="noStrike">
+                <a:solidFill>
+                  <a:srgbClr val="ffffff"/>
+                </a:solidFill>
+                <a:latin typeface="Calibri"/>
+                <a:ea typeface="DejaVu Sans"/>
+              </a:rPr>
+              <a:t>HIỆN</a:t>
             </a:r>
             <a:endParaRPr b="0" lang="en-US" sz="3600" spc="-1" strike="noStrike">
               <a:latin typeface="Arial"/>
@@ -7434,7 +14477,7 @@
       </p:sp>
       <p:pic>
         <p:nvPicPr>
-          <p:cNvPr id="139" name="Content Placeholder 2" descr=""/>
+          <p:cNvPr id="244" name="Content Placeholder 2" descr=""/>
           <p:cNvPicPr/>
           <p:nvPr/>
         </p:nvPicPr>
@@ -7445,7 +14488,7 @@
         <p:spPr>
           <a:xfrm>
             <a:off x="304920" y="95760"/>
-            <a:ext cx="550440" cy="747720"/>
+            <a:ext cx="549000" cy="746280"/>
           </a:xfrm>
           <a:prstGeom prst="rect">
             <a:avLst/>
@@ -7455,6 +14498,196 @@
           </a:ln>
         </p:spPr>
       </p:pic>
+      <p:sp>
+        <p:nvSpPr>
+          <p:cNvPr id="245" name="TextShape 2"/>
+          <p:cNvSpPr txBox="1"/>
+          <p:nvPr/>
+        </p:nvSpPr>
+        <p:spPr>
+          <a:xfrm>
+            <a:off x="548640" y="1295640"/>
+            <a:ext cx="8915040" cy="5013720"/>
+          </a:xfrm>
+          <a:prstGeom prst="rect">
+            <a:avLst/>
+          </a:prstGeom>
+          <a:noFill/>
+          <a:ln>
+            <a:noFill/>
+          </a:ln>
+        </p:spPr>
+        <p:txBody>
+          <a:bodyPr lIns="0" rIns="0" tIns="0" bIns="0" anchor="ctr"/>
+          <a:p>
+            <a:r>
+              <a:rPr b="0" lang="en-US" sz="3200" spc="-1" strike="noStrike">
+                <a:latin typeface="Arial"/>
+              </a:rPr>
+              <a:t>A.</a:t>
+            </a:r>
+            <a:r>
+              <a:rPr b="0" lang="en-US" sz="3200" spc="-1" strike="noStrike">
+                <a:latin typeface="Arial"/>
+              </a:rPr>
+              <a:t>	</a:t>
+            </a:r>
+            <a:r>
+              <a:rPr b="0" lang="en-US" sz="3200" spc="-1" strike="noStrike">
+                <a:latin typeface="Arial"/>
+              </a:rPr>
+              <a:t> Website quản trị viên</a:t>
+            </a:r>
+            <a:endParaRPr b="0" lang="en-US" sz="3200" spc="-1" strike="noStrike">
+              <a:latin typeface="Arial"/>
+            </a:endParaRPr>
+          </a:p>
+          <a:p>
+            <a:r>
+              <a:rPr b="0" lang="en-US" sz="3200" spc="-1" strike="noStrike">
+                <a:latin typeface="Arial"/>
+              </a:rPr>
+              <a:t>	</a:t>
+            </a:r>
+            <a:r>
+              <a:rPr b="0" lang="en-US" sz="3200" spc="-1" strike="noStrike">
+                <a:latin typeface="Arial"/>
+              </a:rPr>
+              <a:t>Xác định yêu cầu của hệ thống</a:t>
+            </a:r>
+            <a:endParaRPr b="0" lang="en-US" sz="3200" spc="-1" strike="noStrike">
+              <a:latin typeface="Arial"/>
+            </a:endParaRPr>
+          </a:p>
+          <a:p>
+            <a:pPr lvl="1" marL="432000" indent="-216000">
+              <a:buClr>
+                <a:srgbClr val="000000"/>
+              </a:buClr>
+              <a:buSzPct val="45000"/>
+              <a:buFont typeface="Wingdings" charset="2"/>
+              <a:buChar char=""/>
+            </a:pPr>
+            <a:r>
+              <a:rPr b="0" lang="en-US" sz="3200" spc="-1" strike="noStrike">
+                <a:latin typeface="Arial"/>
+              </a:rPr>
+              <a:t>Yêu cầu phi chức năng:</a:t>
+            </a:r>
+            <a:endParaRPr b="0" lang="en-US" sz="3200" spc="-1" strike="noStrike">
+              <a:latin typeface="Arial"/>
+            </a:endParaRPr>
+          </a:p>
+          <a:p>
+            <a:pPr lvl="2" marL="648000" indent="-216000">
+              <a:buClr>
+                <a:srgbClr val="000000"/>
+              </a:buClr>
+              <a:buFont typeface="Wingdings" charset="2"/>
+              <a:buChar char=""/>
+            </a:pPr>
+            <a:r>
+              <a:rPr b="0" lang="en-US" sz="3200" spc="-1" strike="noStrike">
+                <a:latin typeface="Arial"/>
+              </a:rPr>
+              <a:t> </a:t>
+            </a:r>
+            <a:r>
+              <a:rPr b="0" lang="en-US" sz="3200" spc="-1" strike="noStrike">
+                <a:latin typeface="Arial"/>
+              </a:rPr>
+              <a:t>Website phải có dung lượng không quá lớn, tốc độ xử lý nhanh.</a:t>
+            </a:r>
+            <a:endParaRPr b="0" lang="en-US" sz="3200" spc="-1" strike="noStrike">
+              <a:latin typeface="Arial"/>
+            </a:endParaRPr>
+          </a:p>
+          <a:p>
+            <a:pPr lvl="2" marL="648000" indent="-216000">
+              <a:buClr>
+                <a:srgbClr val="000000"/>
+              </a:buClr>
+              <a:buFont typeface="Wingdings" charset="2"/>
+              <a:buChar char=""/>
+            </a:pPr>
+            <a:r>
+              <a:rPr b="0" lang="en-US" sz="3200" spc="-1" strike="noStrike">
+                <a:latin typeface="Arial"/>
+              </a:rPr>
+              <a:t> </a:t>
+            </a:r>
+            <a:r>
+              <a:rPr b="0" lang="en-US" sz="3200" spc="-1" strike="noStrike">
+                <a:latin typeface="Arial"/>
+              </a:rPr>
+              <a:t>Công việc tính toán chính xác, không chấp nhận sai sót.</a:t>
+            </a:r>
+            <a:endParaRPr b="0" lang="en-US" sz="3200" spc="-1" strike="noStrike">
+              <a:latin typeface="Arial"/>
+            </a:endParaRPr>
+          </a:p>
+          <a:p>
+            <a:pPr lvl="2" marL="648000" indent="-216000">
+              <a:buClr>
+                <a:srgbClr val="000000"/>
+              </a:buClr>
+              <a:buFont typeface="Wingdings" charset="2"/>
+              <a:buChar char=""/>
+            </a:pPr>
+            <a:r>
+              <a:rPr b="0" lang="en-US" sz="3200" spc="-1" strike="noStrike">
+                <a:latin typeface="Arial"/>
+              </a:rPr>
+              <a:t>Thông tin khách hàng phải bảo mật, an toàn.</a:t>
+            </a:r>
+            <a:endParaRPr b="0" lang="en-US" sz="3200" spc="-1" strike="noStrike">
+              <a:latin typeface="Arial"/>
+            </a:endParaRPr>
+          </a:p>
+          <a:p>
+            <a:pPr lvl="2" marL="648000" indent="-216000">
+              <a:buClr>
+                <a:srgbClr val="000000"/>
+              </a:buClr>
+              <a:buFont typeface="Wingdings" charset="2"/>
+              <a:buChar char=""/>
+            </a:pPr>
+            <a:r>
+              <a:rPr b="0" lang="en-US" sz="3200" spc="-1" strike="noStrike">
+                <a:latin typeface="Arial"/>
+              </a:rPr>
+              <a:t> </a:t>
+            </a:r>
+            <a:r>
+              <a:rPr b="0" lang="en-US" sz="3200" spc="-1" strike="noStrike">
+                <a:latin typeface="Arial"/>
+              </a:rPr>
+              <a:t>Đảm bảo dữ liệu an toàn khi chạy trên server</a:t>
+            </a:r>
+            <a:endParaRPr b="0" lang="en-US" sz="3200" spc="-1" strike="noStrike">
+              <a:latin typeface="Arial"/>
+            </a:endParaRPr>
+          </a:p>
+          <a:p>
+            <a:pPr lvl="2" marL="648000" indent="-216000">
+              <a:buClr>
+                <a:srgbClr val="000000"/>
+              </a:buClr>
+              <a:buFont typeface="Wingdings" charset="2"/>
+              <a:buChar char=""/>
+            </a:pPr>
+            <a:r>
+              <a:rPr b="0" lang="en-US" sz="3200" spc="-1" strike="noStrike">
+                <a:latin typeface="Arial"/>
+              </a:rPr>
+              <a:t>Sử dụng Rails 6.0.3.2, Ruby 2.5.1</a:t>
+            </a:r>
+            <a:endParaRPr b="0" lang="en-US" sz="3200" spc="-1" strike="noStrike">
+              <a:latin typeface="Arial"/>
+            </a:endParaRPr>
+          </a:p>
+        </p:txBody>
+      </p:sp>
     </p:spTree>
   </p:cSld>
   <p:timing>
@@ -8154,4 +15387,450 @@
     </a:fmtScheme>
   </a:themeElements>
 </a:theme>
+</file>
+
+<file path=ppt/theme/theme4.xml><?xml version="1.0" encoding="utf-8"?>
+<a:theme xmlns:a="http://schemas.openxmlformats.org/drawingml/2006/main" name="Office Theme">
+  <a:themeElements>
+    <a:clrScheme name="Office">
+      <a:dk1>
+        <a:sysClr val="windowText" lastClr="000000"/>
+      </a:dk1>
+      <a:lt1>
+        <a:sysClr val="window" lastClr="FFFFFF"/>
+      </a:lt1>
+      <a:dk2>
+        <a:srgbClr val="44546a"/>
+      </a:dk2>
+      <a:lt2>
+        <a:srgbClr val="e7e6e6"/>
+      </a:lt2>
+      <a:accent1>
+        <a:srgbClr val="5b9bd5"/>
+      </a:accent1>
+      <a:accent2>
+        <a:srgbClr val="ed7d31"/>
+      </a:accent2>
+      <a:accent3>
+        <a:srgbClr val="a5a5a5"/>
+      </a:accent3>
+      <a:accent4>
+        <a:srgbClr val="ffc000"/>
+      </a:accent4>
+      <a:accent5>
+        <a:srgbClr val="4472c4"/>
+      </a:accent5>
+      <a:accent6>
+        <a:srgbClr val="70ad47"/>
+      </a:accent6>
+      <a:hlink>
+        <a:srgbClr val="0563c1"/>
+      </a:hlink>
+      <a:folHlink>
+        <a:srgbClr val="954f72"/>
+      </a:folHlink>
+    </a:clrScheme>
+    <a:fontScheme name="Office">
+      <a:majorFont>
+        <a:latin typeface="Arial"/>
+        <a:ea typeface="DejaVu Sans"/>
+        <a:cs typeface="DejaVu Sans"/>
+      </a:majorFont>
+      <a:minorFont>
+        <a:latin typeface="Arial"/>
+        <a:ea typeface="DejaVu Sans"/>
+        <a:cs typeface="DejaVu Sans"/>
+      </a:minorFont>
+    </a:fontScheme>
+    <a:fmtScheme name="Office">
+      <a:fillStyleLst>
+        <a:solidFill>
+          <a:schemeClr val="phClr"/>
+        </a:solidFill>
+        <a:gradFill rotWithShape="1">
+          <a:gsLst>
+            <a:gs pos="0">
+              <a:schemeClr val="phClr">
+                <a:tint val="50000"/>
+                <a:satMod val="300000"/>
+              </a:schemeClr>
+            </a:gs>
+            <a:gs pos="35000">
+              <a:schemeClr val="phClr">
+                <a:tint val="37000"/>
+                <a:satMod val="300000"/>
+              </a:schemeClr>
+            </a:gs>
+            <a:gs pos="100000">
+              <a:schemeClr val="phClr">
+                <a:tint val="15000"/>
+                <a:satMod val="350000"/>
+              </a:schemeClr>
+            </a:gs>
+          </a:gsLst>
+          <a:lin ang="16200000" scaled="1"/>
+        </a:gradFill>
+        <a:gradFill rotWithShape="1">
+          <a:gsLst>
+            <a:gs pos="0">
+              <a:schemeClr val="phClr">
+                <a:shade val="51000"/>
+                <a:satMod val="130000"/>
+              </a:schemeClr>
+            </a:gs>
+            <a:gs pos="80000">
+              <a:schemeClr val="phClr">
+                <a:shade val="93000"/>
+                <a:satMod val="130000"/>
+              </a:schemeClr>
+            </a:gs>
+            <a:gs pos="100000">
+              <a:schemeClr val="phClr">
+                <a:shade val="94000"/>
+                <a:satMod val="135000"/>
+              </a:schemeClr>
+            </a:gs>
+          </a:gsLst>
+          <a:lin ang="16200000" scaled="0"/>
+        </a:gradFill>
+      </a:fillStyleLst>
+      <a:lnStyleLst>
+        <a:ln w="9525" cap="flat" cmpd="sng" algn="ctr">
+          <a:solidFill>
+            <a:schemeClr val="phClr">
+              <a:shade val="95000"/>
+              <a:satMod val="105000"/>
+            </a:schemeClr>
+          </a:solidFill>
+          <a:prstDash val="solid"/>
+        </a:ln>
+        <a:ln w="25400" cap="flat" cmpd="sng" algn="ctr">
+          <a:solidFill>
+            <a:schemeClr val="phClr"/>
+          </a:solidFill>
+          <a:prstDash val="solid"/>
+        </a:ln>
+        <a:ln w="38100" cap="flat" cmpd="sng" algn="ctr">
+          <a:solidFill>
+            <a:schemeClr val="phClr"/>
+          </a:solidFill>
+          <a:prstDash val="solid"/>
+        </a:ln>
+      </a:lnStyleLst>
+      <a:effectStyleLst>
+        <a:effectStyle>
+          <a:effectLst>
+            <a:outerShdw blurRad="40000" dist="20000" dir="5400000" rotWithShape="0">
+              <a:srgbClr val="000000">
+                <a:alpha val="38000"/>
+              </a:srgbClr>
+            </a:outerShdw>
+          </a:effectLst>
+        </a:effectStyle>
+        <a:effectStyle>
+          <a:effectLst>
+            <a:outerShdw blurRad="40000" dist="23000" dir="5400000" rotWithShape="0">
+              <a:srgbClr val="000000">
+                <a:alpha val="35000"/>
+              </a:srgbClr>
+            </a:outerShdw>
+          </a:effectLst>
+        </a:effectStyle>
+        <a:effectStyle>
+          <a:effectLst>
+            <a:outerShdw blurRad="40000" dist="23000" dir="5400000" rotWithShape="0">
+              <a:srgbClr val="000000">
+                <a:alpha val="35000"/>
+              </a:srgbClr>
+            </a:outerShdw>
+          </a:effectLst>
+          <a:scene3d>
+            <a:camera prst="orthographicFront">
+              <a:rot lat="0" lon="0" rev="0"/>
+            </a:camera>
+            <a:lightRig rig="threePt" dir="t">
+              <a:rot lat="0" lon="0" rev="1200000"/>
+            </a:lightRig>
+          </a:scene3d>
+          <a:sp3d>
+            <a:bevelT w="63500" h="25400"/>
+          </a:sp3d>
+        </a:effectStyle>
+      </a:effectStyleLst>
+      <a:bgFillStyleLst>
+        <a:solidFill>
+          <a:schemeClr val="phClr"/>
+        </a:solidFill>
+        <a:gradFill rotWithShape="1">
+          <a:gsLst>
+            <a:gs pos="0">
+              <a:schemeClr val="phClr">
+                <a:tint val="40000"/>
+                <a:satMod val="350000"/>
+              </a:schemeClr>
+            </a:gs>
+            <a:gs pos="40000">
+              <a:schemeClr val="phClr">
+                <a:tint val="45000"/>
+                <a:shade val="99000"/>
+                <a:satMod val="350000"/>
+              </a:schemeClr>
+            </a:gs>
+            <a:gs pos="100000">
+              <a:schemeClr val="phClr">
+                <a:shade val="20000"/>
+                <a:satMod val="255000"/>
+              </a:schemeClr>
+            </a:gs>
+          </a:gsLst>
+          <a:path path="circle">
+            <a:fillToRect l="50000" t="-80000" r="50000" b="180000"/>
+          </a:path>
+        </a:gradFill>
+        <a:gradFill rotWithShape="1">
+          <a:gsLst>
+            <a:gs pos="0">
+              <a:schemeClr val="phClr">
+                <a:tint val="80000"/>
+                <a:satMod val="300000"/>
+              </a:schemeClr>
+            </a:gs>
+            <a:gs pos="100000">
+              <a:schemeClr val="phClr">
+                <a:shade val="30000"/>
+                <a:satMod val="200000"/>
+              </a:schemeClr>
+            </a:gs>
+          </a:gsLst>
+          <a:path path="circle">
+            <a:fillToRect l="50000" t="50000" r="50000" b="50000"/>
+          </a:path>
+        </a:gradFill>
+      </a:bgFillStyleLst>
+    </a:fmtScheme>
+  </a:themeElements>
+</a:theme>
+</file>
+
+<file path=ppt/theme/theme5.xml><?xml version="1.0" encoding="utf-8"?>
+<a:theme xmlns:a="http://schemas.openxmlformats.org/drawingml/2006/main" name="Office Theme">
+  <a:themeElements>
+    <a:clrScheme name="Office">
+      <a:dk1>
+        <a:sysClr val="windowText" lastClr="000000"/>
+      </a:dk1>
+      <a:lt1>
+        <a:sysClr val="window" lastClr="FFFFFF"/>
+      </a:lt1>
+      <a:dk2>
+        <a:srgbClr val="44546a"/>
+      </a:dk2>
+      <a:lt2>
+        <a:srgbClr val="e7e6e6"/>
+      </a:lt2>
+      <a:accent1>
+        <a:srgbClr val="5b9bd5"/>
+      </a:accent1>
+      <a:accent2>
+        <a:srgbClr val="ed7d31"/>
+      </a:accent2>
+      <a:accent3>
+        <a:srgbClr val="a5a5a5"/>
+      </a:accent3>
+      <a:accent4>
+        <a:srgbClr val="ffc000"/>
+      </a:accent4>
+      <a:accent5>
+        <a:srgbClr val="4472c4"/>
+      </a:accent5>
+      <a:accent6>
+        <a:srgbClr val="70ad47"/>
+      </a:accent6>
+      <a:hlink>
+        <a:srgbClr val="0563c1"/>
+      </a:hlink>
+      <a:folHlink>
+        <a:srgbClr val="954f72"/>
+      </a:folHlink>
+    </a:clrScheme>
+    <a:fontScheme name="Office">
+      <a:majorFont>
+        <a:latin typeface="Arial"/>
+        <a:ea typeface="DejaVu Sans"/>
+        <a:cs typeface="DejaVu Sans"/>
+      </a:majorFont>
+      <a:minorFont>
+        <a:latin typeface="Arial"/>
+        <a:ea typeface="DejaVu Sans"/>
+        <a:cs typeface="DejaVu Sans"/>
+      </a:minorFont>
+    </a:fontScheme>
+    <a:fmtScheme name="Office">
+      <a:fillStyleLst>
+        <a:solidFill>
+          <a:schemeClr val="phClr"/>
+        </a:solidFill>
+        <a:gradFill rotWithShape="1">
+          <a:gsLst>
+            <a:gs pos="0">
+              <a:schemeClr val="phClr">
+                <a:tint val="50000"/>
+                <a:satMod val="300000"/>
+              </a:schemeClr>
+            </a:gs>
+            <a:gs pos="35000">
+              <a:schemeClr val="phClr">
+                <a:tint val="37000"/>
+                <a:satMod val="300000"/>
+              </a:schemeClr>
+            </a:gs>
+            <a:gs pos="100000">
+              <a:schemeClr val="phClr">
+                <a:tint val="15000"/>
+                <a:satMod val="350000"/>
+              </a:schemeClr>
+            </a:gs>
+          </a:gsLst>
+          <a:lin ang="16200000" scaled="1"/>
+        </a:gradFill>
+        <a:gradFill rotWithShape="1">
+          <a:gsLst>
+            <a:gs pos="0">
+              <a:schemeClr val="phClr">
+                <a:shade val="51000"/>
+                <a:satMod val="130000"/>
+              </a:schemeClr>
+            </a:gs>
+            <a:gs pos="80000">
+              <a:schemeClr val="phClr">
+                <a:shade val="93000"/>
+                <a:satMod val="130000"/>
+              </a:schemeClr>
+            </a:gs>
+            <a:gs pos="100000">
+              <a:schemeClr val="phClr">
+                <a:shade val="94000"/>
+                <a:satMod val="135000"/>
+              </a:schemeClr>
+            </a:gs>
+          </a:gsLst>
+          <a:lin ang="16200000" scaled="0"/>
+        </a:gradFill>
+      </a:fillStyleLst>
+      <a:lnStyleLst>
+        <a:ln w="9525" cap="flat" cmpd="sng" algn="ctr">
+          <a:solidFill>
+            <a:schemeClr val="phClr">
+              <a:shade val="95000"/>
+              <a:satMod val="105000"/>
+            </a:schemeClr>
+          </a:solidFill>
+          <a:prstDash val="solid"/>
+        </a:ln>
+        <a:ln w="25400" cap="flat" cmpd="sng" algn="ctr">
+          <a:solidFill>
+            <a:schemeClr val="phClr"/>
+          </a:solidFill>
+          <a:prstDash val="solid"/>
+        </a:ln>
+        <a:ln w="38100" cap="flat" cmpd="sng" algn="ctr">
+          <a:solidFill>
+            <a:schemeClr val="phClr"/>
+          </a:solidFill>
+          <a:prstDash val="solid"/>
+        </a:ln>
+      </a:lnStyleLst>
+      <a:effectStyleLst>
+        <a:effectStyle>
+          <a:effectLst>
+            <a:outerShdw blurRad="40000" dist="20000" dir="5400000" rotWithShape="0">
+              <a:srgbClr val="000000">
+                <a:alpha val="38000"/>
+              </a:srgbClr>
+            </a:outerShdw>
+          </a:effectLst>
+        </a:effectStyle>
+        <a:effectStyle>
+          <a:effectLst>
+            <a:outerShdw blurRad="40000" dist="23000" dir="5400000" rotWithShape="0">
+              <a:srgbClr val="000000">
+                <a:alpha val="35000"/>
+              </a:srgbClr>
+            </a:outerShdw>
+          </a:effectLst>
+        </a:effectStyle>
+        <a:effectStyle>
+          <a:effectLst>
+            <a:outerShdw blurRad="40000" dist="23000" dir="5400000" rotWithShape="0">
+              <a:srgbClr val="000000">
+                <a:alpha val="35000"/>
+              </a:srgbClr>
+            </a:outerShdw>
+          </a:effectLst>
+          <a:scene3d>
+            <a:camera prst="orthographicFront">
+              <a:rot lat="0" lon="0" rev="0"/>
+            </a:camera>
+            <a:lightRig rig="threePt" dir="t">
+              <a:rot lat="0" lon="0" rev="1200000"/>
+            </a:lightRig>
+          </a:scene3d>
+          <a:sp3d>
+            <a:bevelT w="63500" h="25400"/>
+          </a:sp3d>
+        </a:effectStyle>
+      </a:effectStyleLst>
+      <a:bgFillStyleLst>
+        <a:solidFill>
+          <a:schemeClr val="phClr"/>
+        </a:solidFill>
+        <a:gradFill rotWithShape="1">
+          <a:gsLst>
+            <a:gs pos="0">
+              <a:schemeClr val="phClr">
+                <a:tint val="40000"/>
+                <a:satMod val="350000"/>
+              </a:schemeClr>
+            </a:gs>
+            <a:gs pos="40000">
+              <a:schemeClr val="phClr">
+                <a:tint val="45000"/>
+                <a:shade val="99000"/>
+                <a:satMod val="350000"/>
+              </a:schemeClr>
+            </a:gs>
+            <a:gs pos="100000">
+              <a:schemeClr val="phClr">
+                <a:shade val="20000"/>
+                <a:satMod val="255000"/>
+              </a:schemeClr>
+            </a:gs>
+          </a:gsLst>
+          <a:path path="circle">
+            <a:fillToRect l="50000" t="-80000" r="50000" b="180000"/>
+          </a:path>
+        </a:gradFill>
+        <a:gradFill rotWithShape="1">
+          <a:gsLst>
+            <a:gs pos="0">
+              <a:schemeClr val="phClr">
+                <a:tint val="80000"/>
+                <a:satMod val="300000"/>
+              </a:schemeClr>
+            </a:gs>
+            <a:gs pos="100000">
+              <a:schemeClr val="phClr">
+                <a:shade val="30000"/>
+                <a:satMod val="200000"/>
+              </a:schemeClr>
+            </a:gs>
+          </a:gsLst>
+          <a:path path="circle">
+            <a:fillToRect l="50000" t="50000" r="50000" b="50000"/>
+          </a:path>
+        </a:gradFill>
+      </a:bgFillStyleLst>
+    </a:fmtScheme>
+  </a:themeElements>
+</a:theme>
 </file>
--- a/document/LVTN_2020_NQL.pptx
+++ b/document/LVTN_2020_NQL.pptx
@@ -7,32 +7,34 @@
     <p:sldMasterId id="2147483674" r:id="rId4"/>
     <p:sldMasterId id="2147483687" r:id="rId5"/>
     <p:sldMasterId id="2147483700" r:id="rId6"/>
+    <p:sldMasterId id="2147483713" r:id="rId7"/>
+    <p:sldMasterId id="2147483726" r:id="rId8"/>
   </p:sldMasterIdLst>
   <p:sldIdLst>
-    <p:sldId id="256" r:id="rId7"/>
-    <p:sldId id="257" r:id="rId8"/>
-    <p:sldId id="258" r:id="rId9"/>
-    <p:sldId id="259" r:id="rId10"/>
-    <p:sldId id="260" r:id="rId11"/>
-    <p:sldId id="261" r:id="rId12"/>
-    <p:sldId id="262" r:id="rId13"/>
-    <p:sldId id="263" r:id="rId14"/>
-    <p:sldId id="264" r:id="rId15"/>
-    <p:sldId id="265" r:id="rId16"/>
-    <p:sldId id="266" r:id="rId17"/>
-    <p:sldId id="267" r:id="rId18"/>
-    <p:sldId id="268" r:id="rId19"/>
-    <p:sldId id="269" r:id="rId20"/>
-    <p:sldId id="270" r:id="rId21"/>
-    <p:sldId id="271" r:id="rId22"/>
-    <p:sldId id="272" r:id="rId23"/>
-    <p:sldId id="273" r:id="rId24"/>
-    <p:sldId id="274" r:id="rId25"/>
-    <p:sldId id="275" r:id="rId26"/>
-    <p:sldId id="276" r:id="rId27"/>
-    <p:sldId id="277" r:id="rId28"/>
-    <p:sldId id="278" r:id="rId29"/>
-    <p:sldId id="279" r:id="rId30"/>
+    <p:sldId id="256" r:id="rId9"/>
+    <p:sldId id="257" r:id="rId10"/>
+    <p:sldId id="258" r:id="rId11"/>
+    <p:sldId id="259" r:id="rId12"/>
+    <p:sldId id="260" r:id="rId13"/>
+    <p:sldId id="261" r:id="rId14"/>
+    <p:sldId id="262" r:id="rId15"/>
+    <p:sldId id="263" r:id="rId16"/>
+    <p:sldId id="264" r:id="rId17"/>
+    <p:sldId id="265" r:id="rId18"/>
+    <p:sldId id="266" r:id="rId19"/>
+    <p:sldId id="267" r:id="rId20"/>
+    <p:sldId id="268" r:id="rId21"/>
+    <p:sldId id="269" r:id="rId22"/>
+    <p:sldId id="270" r:id="rId23"/>
+    <p:sldId id="271" r:id="rId24"/>
+    <p:sldId id="272" r:id="rId25"/>
+    <p:sldId id="273" r:id="rId26"/>
+    <p:sldId id="274" r:id="rId27"/>
+    <p:sldId id="275" r:id="rId28"/>
+    <p:sldId id="276" r:id="rId29"/>
+    <p:sldId id="277" r:id="rId30"/>
+    <p:sldId id="278" r:id="rId31"/>
+    <p:sldId id="279" r:id="rId32"/>
   </p:sldIdLst>
   <p:sldSz cx="9906000" cy="6858000"/>
   <p:notesSz cx="7559675" cy="10691812"/>
@@ -6276,6 +6278,825 @@
 </p:sldLayout>
 </file>
 
+<file path=ppt/slideLayouts/slideLayout61.xml><?xml version="1.0" encoding="utf-8"?>
+<p:sldLayout xmlns:a="http://schemas.openxmlformats.org/drawingml/2006/main" xmlns:p="http://schemas.openxmlformats.org/presentationml/2006/main" xmlns:r="http://schemas.openxmlformats.org/officeDocument/2006/relationships" xmlns:p14="http://schemas.microsoft.com/office/powerpoint/2010/main" xmlns:p15="http://schemas.microsoft.com/office/powerpoint/2012/main" xmlns:mc="http://schemas.openxmlformats.org/markup-compatibility/2006" type="blank" preserve="1">
+  <p:cSld name="Blank Slide">
+    <p:spTree>
+      <p:nvGrpSpPr>
+        <p:cNvPr id="1" name=""/>
+        <p:cNvGrpSpPr/>
+        <p:nvPr/>
+      </p:nvGrpSpPr>
+      <p:grpSpPr>
+        <a:xfrm>
+          <a:off x="0" y="0"/>
+          <a:ext cx="0" cy="0"/>
+          <a:chOff x="0" y="0"/>
+          <a:chExt cx="0" cy="0"/>
+        </a:xfrm>
+      </p:grpSpPr>
+    </p:spTree>
+  </p:cSld>
+</p:sldLayout>
+</file>
+
+<file path=ppt/slideLayouts/slideLayout62.xml><?xml version="1.0" encoding="utf-8"?>
+<p:sldLayout xmlns:a="http://schemas.openxmlformats.org/drawingml/2006/main" xmlns:p="http://schemas.openxmlformats.org/presentationml/2006/main" xmlns:r="http://schemas.openxmlformats.org/officeDocument/2006/relationships" xmlns:p14="http://schemas.microsoft.com/office/powerpoint/2010/main" xmlns:p15="http://schemas.microsoft.com/office/powerpoint/2012/main" xmlns:mc="http://schemas.openxmlformats.org/markup-compatibility/2006" type="tx" preserve="1">
+  <p:cSld name="Title Slide">
+    <p:spTree>
+      <p:nvGrpSpPr>
+        <p:cNvPr id="1" name=""/>
+        <p:cNvGrpSpPr/>
+        <p:nvPr/>
+      </p:nvGrpSpPr>
+      <p:grpSpPr>
+        <a:xfrm>
+          <a:off x="0" y="0"/>
+          <a:ext cx="0" cy="0"/>
+          <a:chOff x="0" y="0"/>
+          <a:chExt cx="0" cy="0"/>
+        </a:xfrm>
+      </p:grpSpPr>
+      <p:sp>
+        <p:nvSpPr>
+          <p:cNvPr id="192" name="PlaceHolder 1"/>
+          <p:cNvSpPr>
+            <a:spLocks noGrp="1"/>
+          </p:cNvSpPr>
+          <p:nvPr>
+            <p:ph type="title"/>
+          </p:nvPr>
+        </p:nvSpPr>
+        <p:spPr>
+          <a:xfrm>
+            <a:off x="495000" y="273600"/>
+            <a:ext cx="8915040" cy="1144800"/>
+          </a:xfrm>
+          <a:prstGeom prst="rect">
+            <a:avLst/>
+          </a:prstGeom>
+        </p:spPr>
+        <p:txBody>
+          <a:bodyPr lIns="0" rIns="0" tIns="0" bIns="0" anchor="ctr"/>
+          <a:p>
+            <a:pPr algn="ctr"/>
+            <a:endParaRPr b="0" lang="en-US" sz="4400" spc="-1" strike="noStrike">
+              <a:latin typeface="Arial"/>
+            </a:endParaRPr>
+          </a:p>
+        </p:txBody>
+      </p:sp>
+      <p:sp>
+        <p:nvSpPr>
+          <p:cNvPr id="193" name="PlaceHolder 2"/>
+          <p:cNvSpPr>
+            <a:spLocks noGrp="1"/>
+          </p:cNvSpPr>
+          <p:nvPr>
+            <p:ph type="subTitle"/>
+          </p:nvPr>
+        </p:nvSpPr>
+        <p:spPr>
+          <a:xfrm>
+            <a:off x="495000" y="1604520"/>
+            <a:ext cx="8915040" cy="3977280"/>
+          </a:xfrm>
+          <a:prstGeom prst="rect">
+            <a:avLst/>
+          </a:prstGeom>
+        </p:spPr>
+        <p:txBody>
+          <a:bodyPr lIns="0" rIns="0" tIns="0" bIns="0" anchor="ctr"/>
+          <a:p>
+            <a:pPr algn="ctr"/>
+            <a:endParaRPr b="0" lang="en-US" sz="3200" spc="-1" strike="noStrike">
+              <a:latin typeface="Arial"/>
+            </a:endParaRPr>
+          </a:p>
+        </p:txBody>
+      </p:sp>
+    </p:spTree>
+  </p:cSld>
+</p:sldLayout>
+</file>
+
+<file path=ppt/slideLayouts/slideLayout63.xml><?xml version="1.0" encoding="utf-8"?>
+<p:sldLayout xmlns:a="http://schemas.openxmlformats.org/drawingml/2006/main" xmlns:p="http://schemas.openxmlformats.org/presentationml/2006/main" xmlns:r="http://schemas.openxmlformats.org/officeDocument/2006/relationships" xmlns:p14="http://schemas.microsoft.com/office/powerpoint/2010/main" xmlns:p15="http://schemas.microsoft.com/office/powerpoint/2012/main" xmlns:mc="http://schemas.openxmlformats.org/markup-compatibility/2006" type="obj" preserve="1">
+  <p:cSld name="Title, Content">
+    <p:spTree>
+      <p:nvGrpSpPr>
+        <p:cNvPr id="1" name=""/>
+        <p:cNvGrpSpPr/>
+        <p:nvPr/>
+      </p:nvGrpSpPr>
+      <p:grpSpPr>
+        <a:xfrm>
+          <a:off x="0" y="0"/>
+          <a:ext cx="0" cy="0"/>
+          <a:chOff x="0" y="0"/>
+          <a:chExt cx="0" cy="0"/>
+        </a:xfrm>
+      </p:grpSpPr>
+      <p:sp>
+        <p:nvSpPr>
+          <p:cNvPr id="194" name="PlaceHolder 1"/>
+          <p:cNvSpPr>
+            <a:spLocks noGrp="1"/>
+          </p:cNvSpPr>
+          <p:nvPr>
+            <p:ph type="title"/>
+          </p:nvPr>
+        </p:nvSpPr>
+        <p:spPr>
+          <a:xfrm>
+            <a:off x="495000" y="273600"/>
+            <a:ext cx="8915040" cy="1144800"/>
+          </a:xfrm>
+          <a:prstGeom prst="rect">
+            <a:avLst/>
+          </a:prstGeom>
+        </p:spPr>
+        <p:txBody>
+          <a:bodyPr lIns="0" rIns="0" tIns="0" bIns="0" anchor="ctr"/>
+          <a:p>
+            <a:pPr algn="ctr"/>
+            <a:endParaRPr b="0" lang="en-US" sz="4400" spc="-1" strike="noStrike">
+              <a:latin typeface="Arial"/>
+            </a:endParaRPr>
+          </a:p>
+        </p:txBody>
+      </p:sp>
+      <p:sp>
+        <p:nvSpPr>
+          <p:cNvPr id="195" name="PlaceHolder 2"/>
+          <p:cNvSpPr>
+            <a:spLocks noGrp="1"/>
+          </p:cNvSpPr>
+          <p:nvPr>
+            <p:ph type="body"/>
+          </p:nvPr>
+        </p:nvSpPr>
+        <p:spPr>
+          <a:xfrm>
+            <a:off x="495000" y="1604520"/>
+            <a:ext cx="8915040" cy="3977280"/>
+          </a:xfrm>
+          <a:prstGeom prst="rect">
+            <a:avLst/>
+          </a:prstGeom>
+        </p:spPr>
+        <p:txBody>
+          <a:bodyPr lIns="0" rIns="0" tIns="0" bIns="0">
+            <a:normAutofit/>
+          </a:bodyPr>
+          <a:p>
+            <a:endParaRPr b="0" lang="en-US" sz="3200" spc="-1" strike="noStrike">
+              <a:latin typeface="Arial"/>
+            </a:endParaRPr>
+          </a:p>
+        </p:txBody>
+      </p:sp>
+    </p:spTree>
+  </p:cSld>
+</p:sldLayout>
+</file>
+
+<file path=ppt/slideLayouts/slideLayout64.xml><?xml version="1.0" encoding="utf-8"?>
+<p:sldLayout xmlns:a="http://schemas.openxmlformats.org/drawingml/2006/main" xmlns:p="http://schemas.openxmlformats.org/presentationml/2006/main" xmlns:r="http://schemas.openxmlformats.org/officeDocument/2006/relationships" xmlns:p14="http://schemas.microsoft.com/office/powerpoint/2010/main" xmlns:p15="http://schemas.microsoft.com/office/powerpoint/2012/main" xmlns:mc="http://schemas.openxmlformats.org/markup-compatibility/2006" type="twoObj" preserve="1">
+  <p:cSld name="Title, 2 Content">
+    <p:spTree>
+      <p:nvGrpSpPr>
+        <p:cNvPr id="1" name=""/>
+        <p:cNvGrpSpPr/>
+        <p:nvPr/>
+      </p:nvGrpSpPr>
+      <p:grpSpPr>
+        <a:xfrm>
+          <a:off x="0" y="0"/>
+          <a:ext cx="0" cy="0"/>
+          <a:chOff x="0" y="0"/>
+          <a:chExt cx="0" cy="0"/>
+        </a:xfrm>
+      </p:grpSpPr>
+      <p:sp>
+        <p:nvSpPr>
+          <p:cNvPr id="196" name="PlaceHolder 1"/>
+          <p:cNvSpPr>
+            <a:spLocks noGrp="1"/>
+          </p:cNvSpPr>
+          <p:nvPr>
+            <p:ph type="title"/>
+          </p:nvPr>
+        </p:nvSpPr>
+        <p:spPr>
+          <a:xfrm>
+            <a:off x="495000" y="273600"/>
+            <a:ext cx="8915040" cy="1144800"/>
+          </a:xfrm>
+          <a:prstGeom prst="rect">
+            <a:avLst/>
+          </a:prstGeom>
+        </p:spPr>
+        <p:txBody>
+          <a:bodyPr lIns="0" rIns="0" tIns="0" bIns="0" anchor="ctr"/>
+          <a:p>
+            <a:pPr algn="ctr"/>
+            <a:endParaRPr b="0" lang="en-US" sz="4400" spc="-1" strike="noStrike">
+              <a:latin typeface="Arial"/>
+            </a:endParaRPr>
+          </a:p>
+        </p:txBody>
+      </p:sp>
+      <p:sp>
+        <p:nvSpPr>
+          <p:cNvPr id="197" name="PlaceHolder 2"/>
+          <p:cNvSpPr>
+            <a:spLocks noGrp="1"/>
+          </p:cNvSpPr>
+          <p:nvPr>
+            <p:ph type="body"/>
+          </p:nvPr>
+        </p:nvSpPr>
+        <p:spPr>
+          <a:xfrm>
+            <a:off x="495000" y="1604520"/>
+            <a:ext cx="4350240" cy="3977280"/>
+          </a:xfrm>
+          <a:prstGeom prst="rect">
+            <a:avLst/>
+          </a:prstGeom>
+        </p:spPr>
+        <p:txBody>
+          <a:bodyPr lIns="0" rIns="0" tIns="0" bIns="0">
+            <a:normAutofit/>
+          </a:bodyPr>
+          <a:p>
+            <a:endParaRPr b="0" lang="en-US" sz="3200" spc="-1" strike="noStrike">
+              <a:latin typeface="Arial"/>
+            </a:endParaRPr>
+          </a:p>
+        </p:txBody>
+      </p:sp>
+      <p:sp>
+        <p:nvSpPr>
+          <p:cNvPr id="198" name="PlaceHolder 3"/>
+          <p:cNvSpPr>
+            <a:spLocks noGrp="1"/>
+          </p:cNvSpPr>
+          <p:nvPr>
+            <p:ph type="body"/>
+          </p:nvPr>
+        </p:nvSpPr>
+        <p:spPr>
+          <a:xfrm>
+            <a:off x="5063040" y="1604520"/>
+            <a:ext cx="4350240" cy="3977280"/>
+          </a:xfrm>
+          <a:prstGeom prst="rect">
+            <a:avLst/>
+          </a:prstGeom>
+        </p:spPr>
+        <p:txBody>
+          <a:bodyPr lIns="0" rIns="0" tIns="0" bIns="0">
+            <a:normAutofit/>
+          </a:bodyPr>
+          <a:p>
+            <a:endParaRPr b="0" lang="en-US" sz="3200" spc="-1" strike="noStrike">
+              <a:latin typeface="Arial"/>
+            </a:endParaRPr>
+          </a:p>
+        </p:txBody>
+      </p:sp>
+    </p:spTree>
+  </p:cSld>
+</p:sldLayout>
+</file>
+
+<file path=ppt/slideLayouts/slideLayout65.xml><?xml version="1.0" encoding="utf-8"?>
+<p:sldLayout xmlns:a="http://schemas.openxmlformats.org/drawingml/2006/main" xmlns:p="http://schemas.openxmlformats.org/presentationml/2006/main" xmlns:r="http://schemas.openxmlformats.org/officeDocument/2006/relationships" xmlns:p14="http://schemas.microsoft.com/office/powerpoint/2010/main" xmlns:p15="http://schemas.microsoft.com/office/powerpoint/2012/main" xmlns:mc="http://schemas.openxmlformats.org/markup-compatibility/2006" type="titleOnly" preserve="1">
+  <p:cSld name="Title Only">
+    <p:spTree>
+      <p:nvGrpSpPr>
+        <p:cNvPr id="1" name=""/>
+        <p:cNvGrpSpPr/>
+        <p:nvPr/>
+      </p:nvGrpSpPr>
+      <p:grpSpPr>
+        <a:xfrm>
+          <a:off x="0" y="0"/>
+          <a:ext cx="0" cy="0"/>
+          <a:chOff x="0" y="0"/>
+          <a:chExt cx="0" cy="0"/>
+        </a:xfrm>
+      </p:grpSpPr>
+      <p:sp>
+        <p:nvSpPr>
+          <p:cNvPr id="199" name="PlaceHolder 1"/>
+          <p:cNvSpPr>
+            <a:spLocks noGrp="1"/>
+          </p:cNvSpPr>
+          <p:nvPr>
+            <p:ph type="title"/>
+          </p:nvPr>
+        </p:nvSpPr>
+        <p:spPr>
+          <a:xfrm>
+            <a:off x="495000" y="273600"/>
+            <a:ext cx="8915040" cy="1144800"/>
+          </a:xfrm>
+          <a:prstGeom prst="rect">
+            <a:avLst/>
+          </a:prstGeom>
+        </p:spPr>
+        <p:txBody>
+          <a:bodyPr lIns="0" rIns="0" tIns="0" bIns="0" anchor="ctr"/>
+          <a:p>
+            <a:pPr algn="ctr"/>
+            <a:endParaRPr b="0" lang="en-US" sz="4400" spc="-1" strike="noStrike">
+              <a:latin typeface="Arial"/>
+            </a:endParaRPr>
+          </a:p>
+        </p:txBody>
+      </p:sp>
+    </p:spTree>
+  </p:cSld>
+</p:sldLayout>
+</file>
+
+<file path=ppt/slideLayouts/slideLayout66.xml><?xml version="1.0" encoding="utf-8"?>
+<p:sldLayout xmlns:a="http://schemas.openxmlformats.org/drawingml/2006/main" xmlns:p="http://schemas.openxmlformats.org/presentationml/2006/main" xmlns:r="http://schemas.openxmlformats.org/officeDocument/2006/relationships" xmlns:p14="http://schemas.microsoft.com/office/powerpoint/2010/main" xmlns:p15="http://schemas.microsoft.com/office/powerpoint/2012/main" xmlns:mc="http://schemas.openxmlformats.org/markup-compatibility/2006" type="objOnly" preserve="1">
+  <p:cSld name="Centered Text">
+    <p:spTree>
+      <p:nvGrpSpPr>
+        <p:cNvPr id="1" name=""/>
+        <p:cNvGrpSpPr/>
+        <p:nvPr/>
+      </p:nvGrpSpPr>
+      <p:grpSpPr>
+        <a:xfrm>
+          <a:off x="0" y="0"/>
+          <a:ext cx="0" cy="0"/>
+          <a:chOff x="0" y="0"/>
+          <a:chExt cx="0" cy="0"/>
+        </a:xfrm>
+      </p:grpSpPr>
+      <p:sp>
+        <p:nvSpPr>
+          <p:cNvPr id="200" name="PlaceHolder 1"/>
+          <p:cNvSpPr>
+            <a:spLocks noGrp="1"/>
+          </p:cNvSpPr>
+          <p:nvPr>
+            <p:ph type="subTitle"/>
+          </p:nvPr>
+        </p:nvSpPr>
+        <p:spPr>
+          <a:xfrm>
+            <a:off x="495000" y="273600"/>
+            <a:ext cx="8915040" cy="5307840"/>
+          </a:xfrm>
+          <a:prstGeom prst="rect">
+            <a:avLst/>
+          </a:prstGeom>
+        </p:spPr>
+        <p:txBody>
+          <a:bodyPr lIns="0" rIns="0" tIns="0" bIns="0" anchor="ctr"/>
+          <a:p>
+            <a:pPr algn="ctr"/>
+            <a:endParaRPr b="0" lang="en-US" sz="3200" spc="-1" strike="noStrike">
+              <a:latin typeface="Arial"/>
+            </a:endParaRPr>
+          </a:p>
+        </p:txBody>
+      </p:sp>
+    </p:spTree>
+  </p:cSld>
+</p:sldLayout>
+</file>
+
+<file path=ppt/slideLayouts/slideLayout67.xml><?xml version="1.0" encoding="utf-8"?>
+<p:sldLayout xmlns:a="http://schemas.openxmlformats.org/drawingml/2006/main" xmlns:p="http://schemas.openxmlformats.org/presentationml/2006/main" xmlns:r="http://schemas.openxmlformats.org/officeDocument/2006/relationships" xmlns:p14="http://schemas.microsoft.com/office/powerpoint/2010/main" xmlns:p15="http://schemas.microsoft.com/office/powerpoint/2012/main" xmlns:mc="http://schemas.openxmlformats.org/markup-compatibility/2006" type="twoObjAndObj" preserve="1">
+  <p:cSld name="Title, 2 Content and Content">
+    <p:spTree>
+      <p:nvGrpSpPr>
+        <p:cNvPr id="1" name=""/>
+        <p:cNvGrpSpPr/>
+        <p:nvPr/>
+      </p:nvGrpSpPr>
+      <p:grpSpPr>
+        <a:xfrm>
+          <a:off x="0" y="0"/>
+          <a:ext cx="0" cy="0"/>
+          <a:chOff x="0" y="0"/>
+          <a:chExt cx="0" cy="0"/>
+        </a:xfrm>
+      </p:grpSpPr>
+      <p:sp>
+        <p:nvSpPr>
+          <p:cNvPr id="201" name="PlaceHolder 1"/>
+          <p:cNvSpPr>
+            <a:spLocks noGrp="1"/>
+          </p:cNvSpPr>
+          <p:nvPr>
+            <p:ph type="title"/>
+          </p:nvPr>
+        </p:nvSpPr>
+        <p:spPr>
+          <a:xfrm>
+            <a:off x="495000" y="273600"/>
+            <a:ext cx="8915040" cy="1144800"/>
+          </a:xfrm>
+          <a:prstGeom prst="rect">
+            <a:avLst/>
+          </a:prstGeom>
+        </p:spPr>
+        <p:txBody>
+          <a:bodyPr lIns="0" rIns="0" tIns="0" bIns="0" anchor="ctr"/>
+          <a:p>
+            <a:pPr algn="ctr"/>
+            <a:endParaRPr b="0" lang="en-US" sz="4400" spc="-1" strike="noStrike">
+              <a:latin typeface="Arial"/>
+            </a:endParaRPr>
+          </a:p>
+        </p:txBody>
+      </p:sp>
+      <p:sp>
+        <p:nvSpPr>
+          <p:cNvPr id="202" name="PlaceHolder 2"/>
+          <p:cNvSpPr>
+            <a:spLocks noGrp="1"/>
+          </p:cNvSpPr>
+          <p:nvPr>
+            <p:ph type="body"/>
+          </p:nvPr>
+        </p:nvSpPr>
+        <p:spPr>
+          <a:xfrm>
+            <a:off x="495000" y="1604520"/>
+            <a:ext cx="4350240" cy="1896840"/>
+          </a:xfrm>
+          <a:prstGeom prst="rect">
+            <a:avLst/>
+          </a:prstGeom>
+        </p:spPr>
+        <p:txBody>
+          <a:bodyPr lIns="0" rIns="0" tIns="0" bIns="0">
+            <a:normAutofit/>
+          </a:bodyPr>
+          <a:p>
+            <a:endParaRPr b="0" lang="en-US" sz="3200" spc="-1" strike="noStrike">
+              <a:latin typeface="Arial"/>
+            </a:endParaRPr>
+          </a:p>
+        </p:txBody>
+      </p:sp>
+      <p:sp>
+        <p:nvSpPr>
+          <p:cNvPr id="203" name="PlaceHolder 3"/>
+          <p:cNvSpPr>
+            <a:spLocks noGrp="1"/>
+          </p:cNvSpPr>
+          <p:nvPr>
+            <p:ph type="body"/>
+          </p:nvPr>
+        </p:nvSpPr>
+        <p:spPr>
+          <a:xfrm>
+            <a:off x="5063040" y="1604520"/>
+            <a:ext cx="4350240" cy="3977280"/>
+          </a:xfrm>
+          <a:prstGeom prst="rect">
+            <a:avLst/>
+          </a:prstGeom>
+        </p:spPr>
+        <p:txBody>
+          <a:bodyPr lIns="0" rIns="0" tIns="0" bIns="0">
+            <a:normAutofit/>
+          </a:bodyPr>
+          <a:p>
+            <a:endParaRPr b="0" lang="en-US" sz="3200" spc="-1" strike="noStrike">
+              <a:latin typeface="Arial"/>
+            </a:endParaRPr>
+          </a:p>
+        </p:txBody>
+      </p:sp>
+      <p:sp>
+        <p:nvSpPr>
+          <p:cNvPr id="204" name="PlaceHolder 4"/>
+          <p:cNvSpPr>
+            <a:spLocks noGrp="1"/>
+          </p:cNvSpPr>
+          <p:nvPr>
+            <p:ph type="body"/>
+          </p:nvPr>
+        </p:nvSpPr>
+        <p:spPr>
+          <a:xfrm>
+            <a:off x="495000" y="3682080"/>
+            <a:ext cx="4350240" cy="1896840"/>
+          </a:xfrm>
+          <a:prstGeom prst="rect">
+            <a:avLst/>
+          </a:prstGeom>
+        </p:spPr>
+        <p:txBody>
+          <a:bodyPr lIns="0" rIns="0" tIns="0" bIns="0">
+            <a:normAutofit/>
+          </a:bodyPr>
+          <a:p>
+            <a:endParaRPr b="0" lang="en-US" sz="3200" spc="-1" strike="noStrike">
+              <a:latin typeface="Arial"/>
+            </a:endParaRPr>
+          </a:p>
+        </p:txBody>
+      </p:sp>
+    </p:spTree>
+  </p:cSld>
+</p:sldLayout>
+</file>
+
+<file path=ppt/slideLayouts/slideLayout68.xml><?xml version="1.0" encoding="utf-8"?>
+<p:sldLayout xmlns:a="http://schemas.openxmlformats.org/drawingml/2006/main" xmlns:p="http://schemas.openxmlformats.org/presentationml/2006/main" xmlns:r="http://schemas.openxmlformats.org/officeDocument/2006/relationships" xmlns:p14="http://schemas.microsoft.com/office/powerpoint/2010/main" xmlns:p15="http://schemas.microsoft.com/office/powerpoint/2012/main" xmlns:mc="http://schemas.openxmlformats.org/markup-compatibility/2006" type="objAndTwoObj" preserve="1">
+  <p:cSld name="Title Content and 2 Content">
+    <p:spTree>
+      <p:nvGrpSpPr>
+        <p:cNvPr id="1" name=""/>
+        <p:cNvGrpSpPr/>
+        <p:nvPr/>
+      </p:nvGrpSpPr>
+      <p:grpSpPr>
+        <a:xfrm>
+          <a:off x="0" y="0"/>
+          <a:ext cx="0" cy="0"/>
+          <a:chOff x="0" y="0"/>
+          <a:chExt cx="0" cy="0"/>
+        </a:xfrm>
+      </p:grpSpPr>
+      <p:sp>
+        <p:nvSpPr>
+          <p:cNvPr id="205" name="PlaceHolder 1"/>
+          <p:cNvSpPr>
+            <a:spLocks noGrp="1"/>
+          </p:cNvSpPr>
+          <p:nvPr>
+            <p:ph type="title"/>
+          </p:nvPr>
+        </p:nvSpPr>
+        <p:spPr>
+          <a:xfrm>
+            <a:off x="495000" y="273600"/>
+            <a:ext cx="8915040" cy="1144800"/>
+          </a:xfrm>
+          <a:prstGeom prst="rect">
+            <a:avLst/>
+          </a:prstGeom>
+        </p:spPr>
+        <p:txBody>
+          <a:bodyPr lIns="0" rIns="0" tIns="0" bIns="0" anchor="ctr"/>
+          <a:p>
+            <a:pPr algn="ctr"/>
+            <a:endParaRPr b="0" lang="en-US" sz="4400" spc="-1" strike="noStrike">
+              <a:latin typeface="Arial"/>
+            </a:endParaRPr>
+          </a:p>
+        </p:txBody>
+      </p:sp>
+      <p:sp>
+        <p:nvSpPr>
+          <p:cNvPr id="206" name="PlaceHolder 2"/>
+          <p:cNvSpPr>
+            <a:spLocks noGrp="1"/>
+          </p:cNvSpPr>
+          <p:nvPr>
+            <p:ph type="body"/>
+          </p:nvPr>
+        </p:nvSpPr>
+        <p:spPr>
+          <a:xfrm>
+            <a:off x="495000" y="1604520"/>
+            <a:ext cx="4350240" cy="3977280"/>
+          </a:xfrm>
+          <a:prstGeom prst="rect">
+            <a:avLst/>
+          </a:prstGeom>
+        </p:spPr>
+        <p:txBody>
+          <a:bodyPr lIns="0" rIns="0" tIns="0" bIns="0">
+            <a:normAutofit/>
+          </a:bodyPr>
+          <a:p>
+            <a:endParaRPr b="0" lang="en-US" sz="3200" spc="-1" strike="noStrike">
+              <a:latin typeface="Arial"/>
+            </a:endParaRPr>
+          </a:p>
+        </p:txBody>
+      </p:sp>
+      <p:sp>
+        <p:nvSpPr>
+          <p:cNvPr id="207" name="PlaceHolder 3"/>
+          <p:cNvSpPr>
+            <a:spLocks noGrp="1"/>
+          </p:cNvSpPr>
+          <p:nvPr>
+            <p:ph type="body"/>
+          </p:nvPr>
+        </p:nvSpPr>
+        <p:spPr>
+          <a:xfrm>
+            <a:off x="5063040" y="1604520"/>
+            <a:ext cx="4350240" cy="1896840"/>
+          </a:xfrm>
+          <a:prstGeom prst="rect">
+            <a:avLst/>
+          </a:prstGeom>
+        </p:spPr>
+        <p:txBody>
+          <a:bodyPr lIns="0" rIns="0" tIns="0" bIns="0">
+            <a:normAutofit/>
+          </a:bodyPr>
+          <a:p>
+            <a:endParaRPr b="0" lang="en-US" sz="3200" spc="-1" strike="noStrike">
+              <a:latin typeface="Arial"/>
+            </a:endParaRPr>
+          </a:p>
+        </p:txBody>
+      </p:sp>
+      <p:sp>
+        <p:nvSpPr>
+          <p:cNvPr id="208" name="PlaceHolder 4"/>
+          <p:cNvSpPr>
+            <a:spLocks noGrp="1"/>
+          </p:cNvSpPr>
+          <p:nvPr>
+            <p:ph type="body"/>
+          </p:nvPr>
+        </p:nvSpPr>
+        <p:spPr>
+          <a:xfrm>
+            <a:off x="5063040" y="3682080"/>
+            <a:ext cx="4350240" cy="1896840"/>
+          </a:xfrm>
+          <a:prstGeom prst="rect">
+            <a:avLst/>
+          </a:prstGeom>
+        </p:spPr>
+        <p:txBody>
+          <a:bodyPr lIns="0" rIns="0" tIns="0" bIns="0">
+            <a:normAutofit/>
+          </a:bodyPr>
+          <a:p>
+            <a:endParaRPr b="0" lang="en-US" sz="3200" spc="-1" strike="noStrike">
+              <a:latin typeface="Arial"/>
+            </a:endParaRPr>
+          </a:p>
+        </p:txBody>
+      </p:sp>
+    </p:spTree>
+  </p:cSld>
+</p:sldLayout>
+</file>
+
+<file path=ppt/slideLayouts/slideLayout69.xml><?xml version="1.0" encoding="utf-8"?>
+<p:sldLayout xmlns:a="http://schemas.openxmlformats.org/drawingml/2006/main" xmlns:p="http://schemas.openxmlformats.org/presentationml/2006/main" xmlns:r="http://schemas.openxmlformats.org/officeDocument/2006/relationships" xmlns:p14="http://schemas.microsoft.com/office/powerpoint/2010/main" xmlns:p15="http://schemas.microsoft.com/office/powerpoint/2012/main" xmlns:mc="http://schemas.openxmlformats.org/markup-compatibility/2006" type="twoObjOverTx" preserve="1">
+  <p:cSld name="Title, 2 Content over Content">
+    <p:spTree>
+      <p:nvGrpSpPr>
+        <p:cNvPr id="1" name=""/>
+        <p:cNvGrpSpPr/>
+        <p:nvPr/>
+      </p:nvGrpSpPr>
+      <p:grpSpPr>
+        <a:xfrm>
+          <a:off x="0" y="0"/>
+          <a:ext cx="0" cy="0"/>
+          <a:chOff x="0" y="0"/>
+          <a:chExt cx="0" cy="0"/>
+        </a:xfrm>
+      </p:grpSpPr>
+      <p:sp>
+        <p:nvSpPr>
+          <p:cNvPr id="209" name="PlaceHolder 1"/>
+          <p:cNvSpPr>
+            <a:spLocks noGrp="1"/>
+          </p:cNvSpPr>
+          <p:nvPr>
+            <p:ph type="title"/>
+          </p:nvPr>
+        </p:nvSpPr>
+        <p:spPr>
+          <a:xfrm>
+            <a:off x="495000" y="273600"/>
+            <a:ext cx="8915040" cy="1144800"/>
+          </a:xfrm>
+          <a:prstGeom prst="rect">
+            <a:avLst/>
+          </a:prstGeom>
+        </p:spPr>
+        <p:txBody>
+          <a:bodyPr lIns="0" rIns="0" tIns="0" bIns="0" anchor="ctr"/>
+          <a:p>
+            <a:pPr algn="ctr"/>
+            <a:endParaRPr b="0" lang="en-US" sz="4400" spc="-1" strike="noStrike">
+              <a:latin typeface="Arial"/>
+            </a:endParaRPr>
+          </a:p>
+        </p:txBody>
+      </p:sp>
+      <p:sp>
+        <p:nvSpPr>
+          <p:cNvPr id="210" name="PlaceHolder 2"/>
+          <p:cNvSpPr>
+            <a:spLocks noGrp="1"/>
+          </p:cNvSpPr>
+          <p:nvPr>
+            <p:ph type="body"/>
+          </p:nvPr>
+        </p:nvSpPr>
+        <p:spPr>
+          <a:xfrm>
+            <a:off x="495000" y="1604520"/>
+            <a:ext cx="4350240" cy="1896840"/>
+          </a:xfrm>
+          <a:prstGeom prst="rect">
+            <a:avLst/>
+          </a:prstGeom>
+        </p:spPr>
+        <p:txBody>
+          <a:bodyPr lIns="0" rIns="0" tIns="0" bIns="0">
+            <a:normAutofit/>
+          </a:bodyPr>
+          <a:p>
+            <a:endParaRPr b="0" lang="en-US" sz="3200" spc="-1" strike="noStrike">
+              <a:latin typeface="Arial"/>
+            </a:endParaRPr>
+          </a:p>
+        </p:txBody>
+      </p:sp>
+      <p:sp>
+        <p:nvSpPr>
+          <p:cNvPr id="211" name="PlaceHolder 3"/>
+          <p:cNvSpPr>
+            <a:spLocks noGrp="1"/>
+          </p:cNvSpPr>
+          <p:nvPr>
+            <p:ph type="body"/>
+          </p:nvPr>
+        </p:nvSpPr>
+        <p:spPr>
+          <a:xfrm>
+            <a:off x="5063040" y="1604520"/>
+            <a:ext cx="4350240" cy="1896840"/>
+          </a:xfrm>
+          <a:prstGeom prst="rect">
+            <a:avLst/>
+          </a:prstGeom>
+        </p:spPr>
+        <p:txBody>
+          <a:bodyPr lIns="0" rIns="0" tIns="0" bIns="0">
+            <a:normAutofit/>
+          </a:bodyPr>
+          <a:p>
+            <a:endParaRPr b="0" lang="en-US" sz="3200" spc="-1" strike="noStrike">
+              <a:latin typeface="Arial"/>
+            </a:endParaRPr>
+          </a:p>
+        </p:txBody>
+      </p:sp>
+      <p:sp>
+        <p:nvSpPr>
+          <p:cNvPr id="212" name="PlaceHolder 4"/>
+          <p:cNvSpPr>
+            <a:spLocks noGrp="1"/>
+          </p:cNvSpPr>
+          <p:nvPr>
+            <p:ph type="body"/>
+          </p:nvPr>
+        </p:nvSpPr>
+        <p:spPr>
+          <a:xfrm>
+            <a:off x="495000" y="3682080"/>
+            <a:ext cx="8915040" cy="1896840"/>
+          </a:xfrm>
+          <a:prstGeom prst="rect">
+            <a:avLst/>
+          </a:prstGeom>
+        </p:spPr>
+        <p:txBody>
+          <a:bodyPr lIns="0" rIns="0" tIns="0" bIns="0">
+            <a:normAutofit/>
+          </a:bodyPr>
+          <a:p>
+            <a:endParaRPr b="0" lang="en-US" sz="3200" spc="-1" strike="noStrike">
+              <a:latin typeface="Arial"/>
+            </a:endParaRPr>
+          </a:p>
+        </p:txBody>
+      </p:sp>
+    </p:spTree>
+  </p:cSld>
+</p:sldLayout>
+</file>
+
 <file path=ppt/slideLayouts/slideLayout7.xml><?xml version="1.0" encoding="utf-8"?>
 <p:sldLayout xmlns:a="http://schemas.openxmlformats.org/drawingml/2006/main" xmlns:p="http://schemas.openxmlformats.org/presentationml/2006/main" xmlns:r="http://schemas.openxmlformats.org/officeDocument/2006/relationships" xmlns:p14="http://schemas.microsoft.com/office/powerpoint/2010/main" xmlns:p15="http://schemas.microsoft.com/office/powerpoint/2012/main" xmlns:mc="http://schemas.openxmlformats.org/markup-compatibility/2006" type="twoObjAndObj" preserve="1">
   <p:cSld name="Title, 2 Content and Content">
@@ -6385,6 +7206,1056 @@
       <p:sp>
         <p:nvSpPr>
           <p:cNvPr id="14" name="PlaceHolder 4"/>
+          <p:cNvSpPr>
+            <a:spLocks noGrp="1"/>
+          </p:cNvSpPr>
+          <p:nvPr>
+            <p:ph type="body"/>
+          </p:nvPr>
+        </p:nvSpPr>
+        <p:spPr>
+          <a:xfrm>
+            <a:off x="495000" y="3682080"/>
+            <a:ext cx="4350240" cy="1896840"/>
+          </a:xfrm>
+          <a:prstGeom prst="rect">
+            <a:avLst/>
+          </a:prstGeom>
+        </p:spPr>
+        <p:txBody>
+          <a:bodyPr lIns="0" rIns="0" tIns="0" bIns="0">
+            <a:normAutofit/>
+          </a:bodyPr>
+          <a:p>
+            <a:endParaRPr b="0" lang="en-US" sz="3200" spc="-1" strike="noStrike">
+              <a:latin typeface="Arial"/>
+            </a:endParaRPr>
+          </a:p>
+        </p:txBody>
+      </p:sp>
+    </p:spTree>
+  </p:cSld>
+</p:sldLayout>
+</file>
+
+<file path=ppt/slideLayouts/slideLayout70.xml><?xml version="1.0" encoding="utf-8"?>
+<p:sldLayout xmlns:a="http://schemas.openxmlformats.org/drawingml/2006/main" xmlns:p="http://schemas.openxmlformats.org/presentationml/2006/main" xmlns:r="http://schemas.openxmlformats.org/officeDocument/2006/relationships" xmlns:p14="http://schemas.microsoft.com/office/powerpoint/2010/main" xmlns:p15="http://schemas.microsoft.com/office/powerpoint/2012/main" xmlns:mc="http://schemas.openxmlformats.org/markup-compatibility/2006" type="objOverTx" preserve="1">
+  <p:cSld name="Title, Content over Content">
+    <p:spTree>
+      <p:nvGrpSpPr>
+        <p:cNvPr id="1" name=""/>
+        <p:cNvGrpSpPr/>
+        <p:nvPr/>
+      </p:nvGrpSpPr>
+      <p:grpSpPr>
+        <a:xfrm>
+          <a:off x="0" y="0"/>
+          <a:ext cx="0" cy="0"/>
+          <a:chOff x="0" y="0"/>
+          <a:chExt cx="0" cy="0"/>
+        </a:xfrm>
+      </p:grpSpPr>
+      <p:sp>
+        <p:nvSpPr>
+          <p:cNvPr id="213" name="PlaceHolder 1"/>
+          <p:cNvSpPr>
+            <a:spLocks noGrp="1"/>
+          </p:cNvSpPr>
+          <p:nvPr>
+            <p:ph type="title"/>
+          </p:nvPr>
+        </p:nvSpPr>
+        <p:spPr>
+          <a:xfrm>
+            <a:off x="495000" y="273600"/>
+            <a:ext cx="8915040" cy="1144800"/>
+          </a:xfrm>
+          <a:prstGeom prst="rect">
+            <a:avLst/>
+          </a:prstGeom>
+        </p:spPr>
+        <p:txBody>
+          <a:bodyPr lIns="0" rIns="0" tIns="0" bIns="0" anchor="ctr"/>
+          <a:p>
+            <a:pPr algn="ctr"/>
+            <a:endParaRPr b="0" lang="en-US" sz="4400" spc="-1" strike="noStrike">
+              <a:latin typeface="Arial"/>
+            </a:endParaRPr>
+          </a:p>
+        </p:txBody>
+      </p:sp>
+      <p:sp>
+        <p:nvSpPr>
+          <p:cNvPr id="214" name="PlaceHolder 2"/>
+          <p:cNvSpPr>
+            <a:spLocks noGrp="1"/>
+          </p:cNvSpPr>
+          <p:nvPr>
+            <p:ph type="body"/>
+          </p:nvPr>
+        </p:nvSpPr>
+        <p:spPr>
+          <a:xfrm>
+            <a:off x="495000" y="1604520"/>
+            <a:ext cx="8915040" cy="1896840"/>
+          </a:xfrm>
+          <a:prstGeom prst="rect">
+            <a:avLst/>
+          </a:prstGeom>
+        </p:spPr>
+        <p:txBody>
+          <a:bodyPr lIns="0" rIns="0" tIns="0" bIns="0">
+            <a:normAutofit/>
+          </a:bodyPr>
+          <a:p>
+            <a:endParaRPr b="0" lang="en-US" sz="3200" spc="-1" strike="noStrike">
+              <a:latin typeface="Arial"/>
+            </a:endParaRPr>
+          </a:p>
+        </p:txBody>
+      </p:sp>
+      <p:sp>
+        <p:nvSpPr>
+          <p:cNvPr id="215" name="PlaceHolder 3"/>
+          <p:cNvSpPr>
+            <a:spLocks noGrp="1"/>
+          </p:cNvSpPr>
+          <p:nvPr>
+            <p:ph type="body"/>
+          </p:nvPr>
+        </p:nvSpPr>
+        <p:spPr>
+          <a:xfrm>
+            <a:off x="495000" y="3682080"/>
+            <a:ext cx="8915040" cy="1896840"/>
+          </a:xfrm>
+          <a:prstGeom prst="rect">
+            <a:avLst/>
+          </a:prstGeom>
+        </p:spPr>
+        <p:txBody>
+          <a:bodyPr lIns="0" rIns="0" tIns="0" bIns="0">
+            <a:normAutofit/>
+          </a:bodyPr>
+          <a:p>
+            <a:endParaRPr b="0" lang="en-US" sz="3200" spc="-1" strike="noStrike">
+              <a:latin typeface="Arial"/>
+            </a:endParaRPr>
+          </a:p>
+        </p:txBody>
+      </p:sp>
+    </p:spTree>
+  </p:cSld>
+</p:sldLayout>
+</file>
+
+<file path=ppt/slideLayouts/slideLayout71.xml><?xml version="1.0" encoding="utf-8"?>
+<p:sldLayout xmlns:a="http://schemas.openxmlformats.org/drawingml/2006/main" xmlns:p="http://schemas.openxmlformats.org/presentationml/2006/main" xmlns:r="http://schemas.openxmlformats.org/officeDocument/2006/relationships" xmlns:p14="http://schemas.microsoft.com/office/powerpoint/2010/main" xmlns:p15="http://schemas.microsoft.com/office/powerpoint/2012/main" xmlns:mc="http://schemas.openxmlformats.org/markup-compatibility/2006" type="fourObj" preserve="1">
+  <p:cSld name="Title, 4 Content">
+    <p:spTree>
+      <p:nvGrpSpPr>
+        <p:cNvPr id="1" name=""/>
+        <p:cNvGrpSpPr/>
+        <p:nvPr/>
+      </p:nvGrpSpPr>
+      <p:grpSpPr>
+        <a:xfrm>
+          <a:off x="0" y="0"/>
+          <a:ext cx="0" cy="0"/>
+          <a:chOff x="0" y="0"/>
+          <a:chExt cx="0" cy="0"/>
+        </a:xfrm>
+      </p:grpSpPr>
+      <p:sp>
+        <p:nvSpPr>
+          <p:cNvPr id="216" name="PlaceHolder 1"/>
+          <p:cNvSpPr>
+            <a:spLocks noGrp="1"/>
+          </p:cNvSpPr>
+          <p:nvPr>
+            <p:ph type="title"/>
+          </p:nvPr>
+        </p:nvSpPr>
+        <p:spPr>
+          <a:xfrm>
+            <a:off x="495000" y="273600"/>
+            <a:ext cx="8915040" cy="1144800"/>
+          </a:xfrm>
+          <a:prstGeom prst="rect">
+            <a:avLst/>
+          </a:prstGeom>
+        </p:spPr>
+        <p:txBody>
+          <a:bodyPr lIns="0" rIns="0" tIns="0" bIns="0" anchor="ctr"/>
+          <a:p>
+            <a:pPr algn="ctr"/>
+            <a:endParaRPr b="0" lang="en-US" sz="4400" spc="-1" strike="noStrike">
+              <a:latin typeface="Arial"/>
+            </a:endParaRPr>
+          </a:p>
+        </p:txBody>
+      </p:sp>
+      <p:sp>
+        <p:nvSpPr>
+          <p:cNvPr id="217" name="PlaceHolder 2"/>
+          <p:cNvSpPr>
+            <a:spLocks noGrp="1"/>
+          </p:cNvSpPr>
+          <p:nvPr>
+            <p:ph type="body"/>
+          </p:nvPr>
+        </p:nvSpPr>
+        <p:spPr>
+          <a:xfrm>
+            <a:off x="495000" y="1604520"/>
+            <a:ext cx="4350240" cy="1896840"/>
+          </a:xfrm>
+          <a:prstGeom prst="rect">
+            <a:avLst/>
+          </a:prstGeom>
+        </p:spPr>
+        <p:txBody>
+          <a:bodyPr lIns="0" rIns="0" tIns="0" bIns="0">
+            <a:normAutofit/>
+          </a:bodyPr>
+          <a:p>
+            <a:endParaRPr b="0" lang="en-US" sz="3200" spc="-1" strike="noStrike">
+              <a:latin typeface="Arial"/>
+            </a:endParaRPr>
+          </a:p>
+        </p:txBody>
+      </p:sp>
+      <p:sp>
+        <p:nvSpPr>
+          <p:cNvPr id="218" name="PlaceHolder 3"/>
+          <p:cNvSpPr>
+            <a:spLocks noGrp="1"/>
+          </p:cNvSpPr>
+          <p:nvPr>
+            <p:ph type="body"/>
+          </p:nvPr>
+        </p:nvSpPr>
+        <p:spPr>
+          <a:xfrm>
+            <a:off x="5063040" y="1604520"/>
+            <a:ext cx="4350240" cy="1896840"/>
+          </a:xfrm>
+          <a:prstGeom prst="rect">
+            <a:avLst/>
+          </a:prstGeom>
+        </p:spPr>
+        <p:txBody>
+          <a:bodyPr lIns="0" rIns="0" tIns="0" bIns="0">
+            <a:normAutofit/>
+          </a:bodyPr>
+          <a:p>
+            <a:endParaRPr b="0" lang="en-US" sz="3200" spc="-1" strike="noStrike">
+              <a:latin typeface="Arial"/>
+            </a:endParaRPr>
+          </a:p>
+        </p:txBody>
+      </p:sp>
+      <p:sp>
+        <p:nvSpPr>
+          <p:cNvPr id="219" name="PlaceHolder 4"/>
+          <p:cNvSpPr>
+            <a:spLocks noGrp="1"/>
+          </p:cNvSpPr>
+          <p:nvPr>
+            <p:ph type="body"/>
+          </p:nvPr>
+        </p:nvSpPr>
+        <p:spPr>
+          <a:xfrm>
+            <a:off x="495000" y="3682080"/>
+            <a:ext cx="4350240" cy="1896840"/>
+          </a:xfrm>
+          <a:prstGeom prst="rect">
+            <a:avLst/>
+          </a:prstGeom>
+        </p:spPr>
+        <p:txBody>
+          <a:bodyPr lIns="0" rIns="0" tIns="0" bIns="0">
+            <a:normAutofit/>
+          </a:bodyPr>
+          <a:p>
+            <a:endParaRPr b="0" lang="en-US" sz="3200" spc="-1" strike="noStrike">
+              <a:latin typeface="Arial"/>
+            </a:endParaRPr>
+          </a:p>
+        </p:txBody>
+      </p:sp>
+      <p:sp>
+        <p:nvSpPr>
+          <p:cNvPr id="220" name="PlaceHolder 5"/>
+          <p:cNvSpPr>
+            <a:spLocks noGrp="1"/>
+          </p:cNvSpPr>
+          <p:nvPr>
+            <p:ph type="body"/>
+          </p:nvPr>
+        </p:nvSpPr>
+        <p:spPr>
+          <a:xfrm>
+            <a:off x="5063040" y="3682080"/>
+            <a:ext cx="4350240" cy="1896840"/>
+          </a:xfrm>
+          <a:prstGeom prst="rect">
+            <a:avLst/>
+          </a:prstGeom>
+        </p:spPr>
+        <p:txBody>
+          <a:bodyPr lIns="0" rIns="0" tIns="0" bIns="0">
+            <a:normAutofit/>
+          </a:bodyPr>
+          <a:p>
+            <a:endParaRPr b="0" lang="en-US" sz="3200" spc="-1" strike="noStrike">
+              <a:latin typeface="Arial"/>
+            </a:endParaRPr>
+          </a:p>
+        </p:txBody>
+      </p:sp>
+    </p:spTree>
+  </p:cSld>
+</p:sldLayout>
+</file>
+
+<file path=ppt/slideLayouts/slideLayout72.xml><?xml version="1.0" encoding="utf-8"?>
+<p:sldLayout xmlns:a="http://schemas.openxmlformats.org/drawingml/2006/main" xmlns:p="http://schemas.openxmlformats.org/presentationml/2006/main" xmlns:r="http://schemas.openxmlformats.org/officeDocument/2006/relationships" xmlns:p14="http://schemas.microsoft.com/office/powerpoint/2010/main" xmlns:p15="http://schemas.microsoft.com/office/powerpoint/2012/main" xmlns:mc="http://schemas.openxmlformats.org/markup-compatibility/2006" type="blank" preserve="1">
+  <p:cSld name="Title, 6 Content">
+    <p:spTree>
+      <p:nvGrpSpPr>
+        <p:cNvPr id="1" name=""/>
+        <p:cNvGrpSpPr/>
+        <p:nvPr/>
+      </p:nvGrpSpPr>
+      <p:grpSpPr>
+        <a:xfrm>
+          <a:off x="0" y="0"/>
+          <a:ext cx="0" cy="0"/>
+          <a:chOff x="0" y="0"/>
+          <a:chExt cx="0" cy="0"/>
+        </a:xfrm>
+      </p:grpSpPr>
+      <p:sp>
+        <p:nvSpPr>
+          <p:cNvPr id="221" name="PlaceHolder 1"/>
+          <p:cNvSpPr>
+            <a:spLocks noGrp="1"/>
+          </p:cNvSpPr>
+          <p:nvPr>
+            <p:ph type="title"/>
+          </p:nvPr>
+        </p:nvSpPr>
+        <p:spPr>
+          <a:xfrm>
+            <a:off x="495000" y="273600"/>
+            <a:ext cx="8915040" cy="1144800"/>
+          </a:xfrm>
+          <a:prstGeom prst="rect">
+            <a:avLst/>
+          </a:prstGeom>
+        </p:spPr>
+        <p:txBody>
+          <a:bodyPr lIns="0" rIns="0" tIns="0" bIns="0" anchor="ctr"/>
+          <a:p>
+            <a:pPr algn="ctr"/>
+            <a:endParaRPr b="0" lang="en-US" sz="4400" spc="-1" strike="noStrike">
+              <a:latin typeface="Arial"/>
+            </a:endParaRPr>
+          </a:p>
+        </p:txBody>
+      </p:sp>
+      <p:sp>
+        <p:nvSpPr>
+          <p:cNvPr id="222" name="PlaceHolder 2"/>
+          <p:cNvSpPr>
+            <a:spLocks noGrp="1"/>
+          </p:cNvSpPr>
+          <p:nvPr>
+            <p:ph type="body"/>
+          </p:nvPr>
+        </p:nvSpPr>
+        <p:spPr>
+          <a:xfrm>
+            <a:off x="495000" y="1604520"/>
+            <a:ext cx="2870280" cy="1896840"/>
+          </a:xfrm>
+          <a:prstGeom prst="rect">
+            <a:avLst/>
+          </a:prstGeom>
+        </p:spPr>
+        <p:txBody>
+          <a:bodyPr lIns="0" rIns="0" tIns="0" bIns="0">
+            <a:normAutofit/>
+          </a:bodyPr>
+          <a:p>
+            <a:endParaRPr b="0" lang="en-US" sz="3200" spc="-1" strike="noStrike">
+              <a:latin typeface="Arial"/>
+            </a:endParaRPr>
+          </a:p>
+        </p:txBody>
+      </p:sp>
+      <p:sp>
+        <p:nvSpPr>
+          <p:cNvPr id="223" name="PlaceHolder 3"/>
+          <p:cNvSpPr>
+            <a:spLocks noGrp="1"/>
+          </p:cNvSpPr>
+          <p:nvPr>
+            <p:ph type="body"/>
+          </p:nvPr>
+        </p:nvSpPr>
+        <p:spPr>
+          <a:xfrm>
+            <a:off x="3509280" y="1604520"/>
+            <a:ext cx="2870280" cy="1896840"/>
+          </a:xfrm>
+          <a:prstGeom prst="rect">
+            <a:avLst/>
+          </a:prstGeom>
+        </p:spPr>
+        <p:txBody>
+          <a:bodyPr lIns="0" rIns="0" tIns="0" bIns="0">
+            <a:normAutofit/>
+          </a:bodyPr>
+          <a:p>
+            <a:endParaRPr b="0" lang="en-US" sz="3200" spc="-1" strike="noStrike">
+              <a:latin typeface="Arial"/>
+            </a:endParaRPr>
+          </a:p>
+        </p:txBody>
+      </p:sp>
+      <p:sp>
+        <p:nvSpPr>
+          <p:cNvPr id="224" name="PlaceHolder 4"/>
+          <p:cNvSpPr>
+            <a:spLocks noGrp="1"/>
+          </p:cNvSpPr>
+          <p:nvPr>
+            <p:ph type="body"/>
+          </p:nvPr>
+        </p:nvSpPr>
+        <p:spPr>
+          <a:xfrm>
+            <a:off x="6523200" y="1604520"/>
+            <a:ext cx="2870280" cy="1896840"/>
+          </a:xfrm>
+          <a:prstGeom prst="rect">
+            <a:avLst/>
+          </a:prstGeom>
+        </p:spPr>
+        <p:txBody>
+          <a:bodyPr lIns="0" rIns="0" tIns="0" bIns="0">
+            <a:normAutofit/>
+          </a:bodyPr>
+          <a:p>
+            <a:endParaRPr b="0" lang="en-US" sz="3200" spc="-1" strike="noStrike">
+              <a:latin typeface="Arial"/>
+            </a:endParaRPr>
+          </a:p>
+        </p:txBody>
+      </p:sp>
+      <p:sp>
+        <p:nvSpPr>
+          <p:cNvPr id="225" name="PlaceHolder 5"/>
+          <p:cNvSpPr>
+            <a:spLocks noGrp="1"/>
+          </p:cNvSpPr>
+          <p:nvPr>
+            <p:ph type="body"/>
+          </p:nvPr>
+        </p:nvSpPr>
+        <p:spPr>
+          <a:xfrm>
+            <a:off x="495000" y="3682080"/>
+            <a:ext cx="2870280" cy="1896840"/>
+          </a:xfrm>
+          <a:prstGeom prst="rect">
+            <a:avLst/>
+          </a:prstGeom>
+        </p:spPr>
+        <p:txBody>
+          <a:bodyPr lIns="0" rIns="0" tIns="0" bIns="0">
+            <a:normAutofit/>
+          </a:bodyPr>
+          <a:p>
+            <a:endParaRPr b="0" lang="en-US" sz="3200" spc="-1" strike="noStrike">
+              <a:latin typeface="Arial"/>
+            </a:endParaRPr>
+          </a:p>
+        </p:txBody>
+      </p:sp>
+      <p:sp>
+        <p:nvSpPr>
+          <p:cNvPr id="226" name="PlaceHolder 6"/>
+          <p:cNvSpPr>
+            <a:spLocks noGrp="1"/>
+          </p:cNvSpPr>
+          <p:nvPr>
+            <p:ph type="body"/>
+          </p:nvPr>
+        </p:nvSpPr>
+        <p:spPr>
+          <a:xfrm>
+            <a:off x="3509280" y="3682080"/>
+            <a:ext cx="2870280" cy="1896840"/>
+          </a:xfrm>
+          <a:prstGeom prst="rect">
+            <a:avLst/>
+          </a:prstGeom>
+        </p:spPr>
+        <p:txBody>
+          <a:bodyPr lIns="0" rIns="0" tIns="0" bIns="0">
+            <a:normAutofit/>
+          </a:bodyPr>
+          <a:p>
+            <a:endParaRPr b="0" lang="en-US" sz="3200" spc="-1" strike="noStrike">
+              <a:latin typeface="Arial"/>
+            </a:endParaRPr>
+          </a:p>
+        </p:txBody>
+      </p:sp>
+      <p:sp>
+        <p:nvSpPr>
+          <p:cNvPr id="227" name="PlaceHolder 7"/>
+          <p:cNvSpPr>
+            <a:spLocks noGrp="1"/>
+          </p:cNvSpPr>
+          <p:nvPr>
+            <p:ph type="body"/>
+          </p:nvPr>
+        </p:nvSpPr>
+        <p:spPr>
+          <a:xfrm>
+            <a:off x="6523200" y="3682080"/>
+            <a:ext cx="2870280" cy="1896840"/>
+          </a:xfrm>
+          <a:prstGeom prst="rect">
+            <a:avLst/>
+          </a:prstGeom>
+        </p:spPr>
+        <p:txBody>
+          <a:bodyPr lIns="0" rIns="0" tIns="0" bIns="0">
+            <a:normAutofit/>
+          </a:bodyPr>
+          <a:p>
+            <a:endParaRPr b="0" lang="en-US" sz="3200" spc="-1" strike="noStrike">
+              <a:latin typeface="Arial"/>
+            </a:endParaRPr>
+          </a:p>
+        </p:txBody>
+      </p:sp>
+    </p:spTree>
+  </p:cSld>
+</p:sldLayout>
+</file>
+
+<file path=ppt/slideLayouts/slideLayout73.xml><?xml version="1.0" encoding="utf-8"?>
+<p:sldLayout xmlns:a="http://schemas.openxmlformats.org/drawingml/2006/main" xmlns:p="http://schemas.openxmlformats.org/presentationml/2006/main" xmlns:r="http://schemas.openxmlformats.org/officeDocument/2006/relationships" xmlns:p14="http://schemas.microsoft.com/office/powerpoint/2010/main" xmlns:p15="http://schemas.microsoft.com/office/powerpoint/2012/main" xmlns:mc="http://schemas.openxmlformats.org/markup-compatibility/2006" type="blank" preserve="1">
+  <p:cSld name="Blank Slide">
+    <p:spTree>
+      <p:nvGrpSpPr>
+        <p:cNvPr id="1" name=""/>
+        <p:cNvGrpSpPr/>
+        <p:nvPr/>
+      </p:nvGrpSpPr>
+      <p:grpSpPr>
+        <a:xfrm>
+          <a:off x="0" y="0"/>
+          <a:ext cx="0" cy="0"/>
+          <a:chOff x="0" y="0"/>
+          <a:chExt cx="0" cy="0"/>
+        </a:xfrm>
+      </p:grpSpPr>
+    </p:spTree>
+  </p:cSld>
+</p:sldLayout>
+</file>
+
+<file path=ppt/slideLayouts/slideLayout74.xml><?xml version="1.0" encoding="utf-8"?>
+<p:sldLayout xmlns:a="http://schemas.openxmlformats.org/drawingml/2006/main" xmlns:p="http://schemas.openxmlformats.org/presentationml/2006/main" xmlns:r="http://schemas.openxmlformats.org/officeDocument/2006/relationships" xmlns:p14="http://schemas.microsoft.com/office/powerpoint/2010/main" xmlns:p15="http://schemas.microsoft.com/office/powerpoint/2012/main" xmlns:mc="http://schemas.openxmlformats.org/markup-compatibility/2006" type="tx" preserve="1">
+  <p:cSld name="Title Slide">
+    <p:spTree>
+      <p:nvGrpSpPr>
+        <p:cNvPr id="1" name=""/>
+        <p:cNvGrpSpPr/>
+        <p:nvPr/>
+      </p:nvGrpSpPr>
+      <p:grpSpPr>
+        <a:xfrm>
+          <a:off x="0" y="0"/>
+          <a:ext cx="0" cy="0"/>
+          <a:chOff x="0" y="0"/>
+          <a:chExt cx="0" cy="0"/>
+        </a:xfrm>
+      </p:grpSpPr>
+      <p:sp>
+        <p:nvSpPr>
+          <p:cNvPr id="230" name="PlaceHolder 1"/>
+          <p:cNvSpPr>
+            <a:spLocks noGrp="1"/>
+          </p:cNvSpPr>
+          <p:nvPr>
+            <p:ph type="title"/>
+          </p:nvPr>
+        </p:nvSpPr>
+        <p:spPr>
+          <a:xfrm>
+            <a:off x="495000" y="273600"/>
+            <a:ext cx="8915040" cy="1144800"/>
+          </a:xfrm>
+          <a:prstGeom prst="rect">
+            <a:avLst/>
+          </a:prstGeom>
+        </p:spPr>
+        <p:txBody>
+          <a:bodyPr lIns="0" rIns="0" tIns="0" bIns="0" anchor="ctr"/>
+          <a:p>
+            <a:pPr algn="ctr"/>
+            <a:endParaRPr b="0" lang="en-US" sz="4400" spc="-1" strike="noStrike">
+              <a:latin typeface="Arial"/>
+            </a:endParaRPr>
+          </a:p>
+        </p:txBody>
+      </p:sp>
+      <p:sp>
+        <p:nvSpPr>
+          <p:cNvPr id="231" name="PlaceHolder 2"/>
+          <p:cNvSpPr>
+            <a:spLocks noGrp="1"/>
+          </p:cNvSpPr>
+          <p:nvPr>
+            <p:ph type="subTitle"/>
+          </p:nvPr>
+        </p:nvSpPr>
+        <p:spPr>
+          <a:xfrm>
+            <a:off x="495000" y="1604520"/>
+            <a:ext cx="8915040" cy="3977280"/>
+          </a:xfrm>
+          <a:prstGeom prst="rect">
+            <a:avLst/>
+          </a:prstGeom>
+        </p:spPr>
+        <p:txBody>
+          <a:bodyPr lIns="0" rIns="0" tIns="0" bIns="0" anchor="ctr"/>
+          <a:p>
+            <a:pPr algn="ctr"/>
+            <a:endParaRPr b="0" lang="en-US" sz="3200" spc="-1" strike="noStrike">
+              <a:latin typeface="Arial"/>
+            </a:endParaRPr>
+          </a:p>
+        </p:txBody>
+      </p:sp>
+    </p:spTree>
+  </p:cSld>
+</p:sldLayout>
+</file>
+
+<file path=ppt/slideLayouts/slideLayout75.xml><?xml version="1.0" encoding="utf-8"?>
+<p:sldLayout xmlns:a="http://schemas.openxmlformats.org/drawingml/2006/main" xmlns:p="http://schemas.openxmlformats.org/presentationml/2006/main" xmlns:r="http://schemas.openxmlformats.org/officeDocument/2006/relationships" xmlns:p14="http://schemas.microsoft.com/office/powerpoint/2010/main" xmlns:p15="http://schemas.microsoft.com/office/powerpoint/2012/main" xmlns:mc="http://schemas.openxmlformats.org/markup-compatibility/2006" type="obj" preserve="1">
+  <p:cSld name="Title, Content">
+    <p:spTree>
+      <p:nvGrpSpPr>
+        <p:cNvPr id="1" name=""/>
+        <p:cNvGrpSpPr/>
+        <p:nvPr/>
+      </p:nvGrpSpPr>
+      <p:grpSpPr>
+        <a:xfrm>
+          <a:off x="0" y="0"/>
+          <a:ext cx="0" cy="0"/>
+          <a:chOff x="0" y="0"/>
+          <a:chExt cx="0" cy="0"/>
+        </a:xfrm>
+      </p:grpSpPr>
+      <p:sp>
+        <p:nvSpPr>
+          <p:cNvPr id="232" name="PlaceHolder 1"/>
+          <p:cNvSpPr>
+            <a:spLocks noGrp="1"/>
+          </p:cNvSpPr>
+          <p:nvPr>
+            <p:ph type="title"/>
+          </p:nvPr>
+        </p:nvSpPr>
+        <p:spPr>
+          <a:xfrm>
+            <a:off x="495000" y="273600"/>
+            <a:ext cx="8915040" cy="1144800"/>
+          </a:xfrm>
+          <a:prstGeom prst="rect">
+            <a:avLst/>
+          </a:prstGeom>
+        </p:spPr>
+        <p:txBody>
+          <a:bodyPr lIns="0" rIns="0" tIns="0" bIns="0" anchor="ctr"/>
+          <a:p>
+            <a:pPr algn="ctr"/>
+            <a:endParaRPr b="0" lang="en-US" sz="4400" spc="-1" strike="noStrike">
+              <a:latin typeface="Arial"/>
+            </a:endParaRPr>
+          </a:p>
+        </p:txBody>
+      </p:sp>
+      <p:sp>
+        <p:nvSpPr>
+          <p:cNvPr id="233" name="PlaceHolder 2"/>
+          <p:cNvSpPr>
+            <a:spLocks noGrp="1"/>
+          </p:cNvSpPr>
+          <p:nvPr>
+            <p:ph type="body"/>
+          </p:nvPr>
+        </p:nvSpPr>
+        <p:spPr>
+          <a:xfrm>
+            <a:off x="495000" y="1604520"/>
+            <a:ext cx="8915040" cy="3977280"/>
+          </a:xfrm>
+          <a:prstGeom prst="rect">
+            <a:avLst/>
+          </a:prstGeom>
+        </p:spPr>
+        <p:txBody>
+          <a:bodyPr lIns="0" rIns="0" tIns="0" bIns="0">
+            <a:normAutofit/>
+          </a:bodyPr>
+          <a:p>
+            <a:endParaRPr b="0" lang="en-US" sz="3200" spc="-1" strike="noStrike">
+              <a:latin typeface="Arial"/>
+            </a:endParaRPr>
+          </a:p>
+        </p:txBody>
+      </p:sp>
+    </p:spTree>
+  </p:cSld>
+</p:sldLayout>
+</file>
+
+<file path=ppt/slideLayouts/slideLayout76.xml><?xml version="1.0" encoding="utf-8"?>
+<p:sldLayout xmlns:a="http://schemas.openxmlformats.org/drawingml/2006/main" xmlns:p="http://schemas.openxmlformats.org/presentationml/2006/main" xmlns:r="http://schemas.openxmlformats.org/officeDocument/2006/relationships" xmlns:p14="http://schemas.microsoft.com/office/powerpoint/2010/main" xmlns:p15="http://schemas.microsoft.com/office/powerpoint/2012/main" xmlns:mc="http://schemas.openxmlformats.org/markup-compatibility/2006" type="twoObj" preserve="1">
+  <p:cSld name="Title, 2 Content">
+    <p:spTree>
+      <p:nvGrpSpPr>
+        <p:cNvPr id="1" name=""/>
+        <p:cNvGrpSpPr/>
+        <p:nvPr/>
+      </p:nvGrpSpPr>
+      <p:grpSpPr>
+        <a:xfrm>
+          <a:off x="0" y="0"/>
+          <a:ext cx="0" cy="0"/>
+          <a:chOff x="0" y="0"/>
+          <a:chExt cx="0" cy="0"/>
+        </a:xfrm>
+      </p:grpSpPr>
+      <p:sp>
+        <p:nvSpPr>
+          <p:cNvPr id="234" name="PlaceHolder 1"/>
+          <p:cNvSpPr>
+            <a:spLocks noGrp="1"/>
+          </p:cNvSpPr>
+          <p:nvPr>
+            <p:ph type="title"/>
+          </p:nvPr>
+        </p:nvSpPr>
+        <p:spPr>
+          <a:xfrm>
+            <a:off x="495000" y="273600"/>
+            <a:ext cx="8915040" cy="1144800"/>
+          </a:xfrm>
+          <a:prstGeom prst="rect">
+            <a:avLst/>
+          </a:prstGeom>
+        </p:spPr>
+        <p:txBody>
+          <a:bodyPr lIns="0" rIns="0" tIns="0" bIns="0" anchor="ctr"/>
+          <a:p>
+            <a:pPr algn="ctr"/>
+            <a:endParaRPr b="0" lang="en-US" sz="4400" spc="-1" strike="noStrike">
+              <a:latin typeface="Arial"/>
+            </a:endParaRPr>
+          </a:p>
+        </p:txBody>
+      </p:sp>
+      <p:sp>
+        <p:nvSpPr>
+          <p:cNvPr id="235" name="PlaceHolder 2"/>
+          <p:cNvSpPr>
+            <a:spLocks noGrp="1"/>
+          </p:cNvSpPr>
+          <p:nvPr>
+            <p:ph type="body"/>
+          </p:nvPr>
+        </p:nvSpPr>
+        <p:spPr>
+          <a:xfrm>
+            <a:off x="495000" y="1604520"/>
+            <a:ext cx="4350240" cy="3977280"/>
+          </a:xfrm>
+          <a:prstGeom prst="rect">
+            <a:avLst/>
+          </a:prstGeom>
+        </p:spPr>
+        <p:txBody>
+          <a:bodyPr lIns="0" rIns="0" tIns="0" bIns="0">
+            <a:normAutofit/>
+          </a:bodyPr>
+          <a:p>
+            <a:endParaRPr b="0" lang="en-US" sz="3200" spc="-1" strike="noStrike">
+              <a:latin typeface="Arial"/>
+            </a:endParaRPr>
+          </a:p>
+        </p:txBody>
+      </p:sp>
+      <p:sp>
+        <p:nvSpPr>
+          <p:cNvPr id="236" name="PlaceHolder 3"/>
+          <p:cNvSpPr>
+            <a:spLocks noGrp="1"/>
+          </p:cNvSpPr>
+          <p:nvPr>
+            <p:ph type="body"/>
+          </p:nvPr>
+        </p:nvSpPr>
+        <p:spPr>
+          <a:xfrm>
+            <a:off x="5063040" y="1604520"/>
+            <a:ext cx="4350240" cy="3977280"/>
+          </a:xfrm>
+          <a:prstGeom prst="rect">
+            <a:avLst/>
+          </a:prstGeom>
+        </p:spPr>
+        <p:txBody>
+          <a:bodyPr lIns="0" rIns="0" tIns="0" bIns="0">
+            <a:normAutofit/>
+          </a:bodyPr>
+          <a:p>
+            <a:endParaRPr b="0" lang="en-US" sz="3200" spc="-1" strike="noStrike">
+              <a:latin typeface="Arial"/>
+            </a:endParaRPr>
+          </a:p>
+        </p:txBody>
+      </p:sp>
+    </p:spTree>
+  </p:cSld>
+</p:sldLayout>
+</file>
+
+<file path=ppt/slideLayouts/slideLayout77.xml><?xml version="1.0" encoding="utf-8"?>
+<p:sldLayout xmlns:a="http://schemas.openxmlformats.org/drawingml/2006/main" xmlns:p="http://schemas.openxmlformats.org/presentationml/2006/main" xmlns:r="http://schemas.openxmlformats.org/officeDocument/2006/relationships" xmlns:p14="http://schemas.microsoft.com/office/powerpoint/2010/main" xmlns:p15="http://schemas.microsoft.com/office/powerpoint/2012/main" xmlns:mc="http://schemas.openxmlformats.org/markup-compatibility/2006" type="titleOnly" preserve="1">
+  <p:cSld name="Title Only">
+    <p:spTree>
+      <p:nvGrpSpPr>
+        <p:cNvPr id="1" name=""/>
+        <p:cNvGrpSpPr/>
+        <p:nvPr/>
+      </p:nvGrpSpPr>
+      <p:grpSpPr>
+        <a:xfrm>
+          <a:off x="0" y="0"/>
+          <a:ext cx="0" cy="0"/>
+          <a:chOff x="0" y="0"/>
+          <a:chExt cx="0" cy="0"/>
+        </a:xfrm>
+      </p:grpSpPr>
+      <p:sp>
+        <p:nvSpPr>
+          <p:cNvPr id="237" name="PlaceHolder 1"/>
+          <p:cNvSpPr>
+            <a:spLocks noGrp="1"/>
+          </p:cNvSpPr>
+          <p:nvPr>
+            <p:ph type="title"/>
+          </p:nvPr>
+        </p:nvSpPr>
+        <p:spPr>
+          <a:xfrm>
+            <a:off x="495000" y="273600"/>
+            <a:ext cx="8915040" cy="1144800"/>
+          </a:xfrm>
+          <a:prstGeom prst="rect">
+            <a:avLst/>
+          </a:prstGeom>
+        </p:spPr>
+        <p:txBody>
+          <a:bodyPr lIns="0" rIns="0" tIns="0" bIns="0" anchor="ctr"/>
+          <a:p>
+            <a:pPr algn="ctr"/>
+            <a:endParaRPr b="0" lang="en-US" sz="4400" spc="-1" strike="noStrike">
+              <a:latin typeface="Arial"/>
+            </a:endParaRPr>
+          </a:p>
+        </p:txBody>
+      </p:sp>
+    </p:spTree>
+  </p:cSld>
+</p:sldLayout>
+</file>
+
+<file path=ppt/slideLayouts/slideLayout78.xml><?xml version="1.0" encoding="utf-8"?>
+<p:sldLayout xmlns:a="http://schemas.openxmlformats.org/drawingml/2006/main" xmlns:p="http://schemas.openxmlformats.org/presentationml/2006/main" xmlns:r="http://schemas.openxmlformats.org/officeDocument/2006/relationships" xmlns:p14="http://schemas.microsoft.com/office/powerpoint/2010/main" xmlns:p15="http://schemas.microsoft.com/office/powerpoint/2012/main" xmlns:mc="http://schemas.openxmlformats.org/markup-compatibility/2006" type="objOnly" preserve="1">
+  <p:cSld name="Centered Text">
+    <p:spTree>
+      <p:nvGrpSpPr>
+        <p:cNvPr id="1" name=""/>
+        <p:cNvGrpSpPr/>
+        <p:nvPr/>
+      </p:nvGrpSpPr>
+      <p:grpSpPr>
+        <a:xfrm>
+          <a:off x="0" y="0"/>
+          <a:ext cx="0" cy="0"/>
+          <a:chOff x="0" y="0"/>
+          <a:chExt cx="0" cy="0"/>
+        </a:xfrm>
+      </p:grpSpPr>
+      <p:sp>
+        <p:nvSpPr>
+          <p:cNvPr id="238" name="PlaceHolder 1"/>
+          <p:cNvSpPr>
+            <a:spLocks noGrp="1"/>
+          </p:cNvSpPr>
+          <p:nvPr>
+            <p:ph type="subTitle"/>
+          </p:nvPr>
+        </p:nvSpPr>
+        <p:spPr>
+          <a:xfrm>
+            <a:off x="495000" y="273600"/>
+            <a:ext cx="8915040" cy="5307840"/>
+          </a:xfrm>
+          <a:prstGeom prst="rect">
+            <a:avLst/>
+          </a:prstGeom>
+        </p:spPr>
+        <p:txBody>
+          <a:bodyPr lIns="0" rIns="0" tIns="0" bIns="0" anchor="ctr"/>
+          <a:p>
+            <a:pPr algn="ctr"/>
+            <a:endParaRPr b="0" lang="en-US" sz="3200" spc="-1" strike="noStrike">
+              <a:latin typeface="Arial"/>
+            </a:endParaRPr>
+          </a:p>
+        </p:txBody>
+      </p:sp>
+    </p:spTree>
+  </p:cSld>
+</p:sldLayout>
+</file>
+
+<file path=ppt/slideLayouts/slideLayout79.xml><?xml version="1.0" encoding="utf-8"?>
+<p:sldLayout xmlns:a="http://schemas.openxmlformats.org/drawingml/2006/main" xmlns:p="http://schemas.openxmlformats.org/presentationml/2006/main" xmlns:r="http://schemas.openxmlformats.org/officeDocument/2006/relationships" xmlns:p14="http://schemas.microsoft.com/office/powerpoint/2010/main" xmlns:p15="http://schemas.microsoft.com/office/powerpoint/2012/main" xmlns:mc="http://schemas.openxmlformats.org/markup-compatibility/2006" type="twoObjAndObj" preserve="1">
+  <p:cSld name="Title, 2 Content and Content">
+    <p:spTree>
+      <p:nvGrpSpPr>
+        <p:cNvPr id="1" name=""/>
+        <p:cNvGrpSpPr/>
+        <p:nvPr/>
+      </p:nvGrpSpPr>
+      <p:grpSpPr>
+        <a:xfrm>
+          <a:off x="0" y="0"/>
+          <a:ext cx="0" cy="0"/>
+          <a:chOff x="0" y="0"/>
+          <a:chExt cx="0" cy="0"/>
+        </a:xfrm>
+      </p:grpSpPr>
+      <p:sp>
+        <p:nvSpPr>
+          <p:cNvPr id="239" name="PlaceHolder 1"/>
+          <p:cNvSpPr>
+            <a:spLocks noGrp="1"/>
+          </p:cNvSpPr>
+          <p:nvPr>
+            <p:ph type="title"/>
+          </p:nvPr>
+        </p:nvSpPr>
+        <p:spPr>
+          <a:xfrm>
+            <a:off x="495000" y="273600"/>
+            <a:ext cx="8915040" cy="1144800"/>
+          </a:xfrm>
+          <a:prstGeom prst="rect">
+            <a:avLst/>
+          </a:prstGeom>
+        </p:spPr>
+        <p:txBody>
+          <a:bodyPr lIns="0" rIns="0" tIns="0" bIns="0" anchor="ctr"/>
+          <a:p>
+            <a:pPr algn="ctr"/>
+            <a:endParaRPr b="0" lang="en-US" sz="4400" spc="-1" strike="noStrike">
+              <a:latin typeface="Arial"/>
+            </a:endParaRPr>
+          </a:p>
+        </p:txBody>
+      </p:sp>
+      <p:sp>
+        <p:nvSpPr>
+          <p:cNvPr id="240" name="PlaceHolder 2"/>
+          <p:cNvSpPr>
+            <a:spLocks noGrp="1"/>
+          </p:cNvSpPr>
+          <p:nvPr>
+            <p:ph type="body"/>
+          </p:nvPr>
+        </p:nvSpPr>
+        <p:spPr>
+          <a:xfrm>
+            <a:off x="495000" y="1604520"/>
+            <a:ext cx="4350240" cy="1896840"/>
+          </a:xfrm>
+          <a:prstGeom prst="rect">
+            <a:avLst/>
+          </a:prstGeom>
+        </p:spPr>
+        <p:txBody>
+          <a:bodyPr lIns="0" rIns="0" tIns="0" bIns="0">
+            <a:normAutofit/>
+          </a:bodyPr>
+          <a:p>
+            <a:endParaRPr b="0" lang="en-US" sz="3200" spc="-1" strike="noStrike">
+              <a:latin typeface="Arial"/>
+            </a:endParaRPr>
+          </a:p>
+        </p:txBody>
+      </p:sp>
+      <p:sp>
+        <p:nvSpPr>
+          <p:cNvPr id="241" name="PlaceHolder 3"/>
+          <p:cNvSpPr>
+            <a:spLocks noGrp="1"/>
+          </p:cNvSpPr>
+          <p:nvPr>
+            <p:ph type="body"/>
+          </p:nvPr>
+        </p:nvSpPr>
+        <p:spPr>
+          <a:xfrm>
+            <a:off x="5063040" y="1604520"/>
+            <a:ext cx="4350240" cy="3977280"/>
+          </a:xfrm>
+          <a:prstGeom prst="rect">
+            <a:avLst/>
+          </a:prstGeom>
+        </p:spPr>
+        <p:txBody>
+          <a:bodyPr lIns="0" rIns="0" tIns="0" bIns="0">
+            <a:normAutofit/>
+          </a:bodyPr>
+          <a:p>
+            <a:endParaRPr b="0" lang="en-US" sz="3200" spc="-1" strike="noStrike">
+              <a:latin typeface="Arial"/>
+            </a:endParaRPr>
+          </a:p>
+        </p:txBody>
+      </p:sp>
+      <p:sp>
+        <p:nvSpPr>
+          <p:cNvPr id="242" name="PlaceHolder 4"/>
           <p:cNvSpPr>
             <a:spLocks noGrp="1"/>
           </p:cNvSpPr>
@@ -6537,6 +8408,801 @@
           <a:xfrm>
             <a:off x="5063040" y="3682080"/>
             <a:ext cx="4350240" cy="1896840"/>
+          </a:xfrm>
+          <a:prstGeom prst="rect">
+            <a:avLst/>
+          </a:prstGeom>
+        </p:spPr>
+        <p:txBody>
+          <a:bodyPr lIns="0" rIns="0" tIns="0" bIns="0">
+            <a:normAutofit/>
+          </a:bodyPr>
+          <a:p>
+            <a:endParaRPr b="0" lang="en-US" sz="3200" spc="-1" strike="noStrike">
+              <a:latin typeface="Arial"/>
+            </a:endParaRPr>
+          </a:p>
+        </p:txBody>
+      </p:sp>
+    </p:spTree>
+  </p:cSld>
+</p:sldLayout>
+</file>
+
+<file path=ppt/slideLayouts/slideLayout80.xml><?xml version="1.0" encoding="utf-8"?>
+<p:sldLayout xmlns:a="http://schemas.openxmlformats.org/drawingml/2006/main" xmlns:p="http://schemas.openxmlformats.org/presentationml/2006/main" xmlns:r="http://schemas.openxmlformats.org/officeDocument/2006/relationships" xmlns:p14="http://schemas.microsoft.com/office/powerpoint/2010/main" xmlns:p15="http://schemas.microsoft.com/office/powerpoint/2012/main" xmlns:mc="http://schemas.openxmlformats.org/markup-compatibility/2006" type="objAndTwoObj" preserve="1">
+  <p:cSld name="Title Content and 2 Content">
+    <p:spTree>
+      <p:nvGrpSpPr>
+        <p:cNvPr id="1" name=""/>
+        <p:cNvGrpSpPr/>
+        <p:nvPr/>
+      </p:nvGrpSpPr>
+      <p:grpSpPr>
+        <a:xfrm>
+          <a:off x="0" y="0"/>
+          <a:ext cx="0" cy="0"/>
+          <a:chOff x="0" y="0"/>
+          <a:chExt cx="0" cy="0"/>
+        </a:xfrm>
+      </p:grpSpPr>
+      <p:sp>
+        <p:nvSpPr>
+          <p:cNvPr id="243" name="PlaceHolder 1"/>
+          <p:cNvSpPr>
+            <a:spLocks noGrp="1"/>
+          </p:cNvSpPr>
+          <p:nvPr>
+            <p:ph type="title"/>
+          </p:nvPr>
+        </p:nvSpPr>
+        <p:spPr>
+          <a:xfrm>
+            <a:off x="495000" y="273600"/>
+            <a:ext cx="8915040" cy="1144800"/>
+          </a:xfrm>
+          <a:prstGeom prst="rect">
+            <a:avLst/>
+          </a:prstGeom>
+        </p:spPr>
+        <p:txBody>
+          <a:bodyPr lIns="0" rIns="0" tIns="0" bIns="0" anchor="ctr"/>
+          <a:p>
+            <a:pPr algn="ctr"/>
+            <a:endParaRPr b="0" lang="en-US" sz="4400" spc="-1" strike="noStrike">
+              <a:latin typeface="Arial"/>
+            </a:endParaRPr>
+          </a:p>
+        </p:txBody>
+      </p:sp>
+      <p:sp>
+        <p:nvSpPr>
+          <p:cNvPr id="244" name="PlaceHolder 2"/>
+          <p:cNvSpPr>
+            <a:spLocks noGrp="1"/>
+          </p:cNvSpPr>
+          <p:nvPr>
+            <p:ph type="body"/>
+          </p:nvPr>
+        </p:nvSpPr>
+        <p:spPr>
+          <a:xfrm>
+            <a:off x="495000" y="1604520"/>
+            <a:ext cx="4350240" cy="3977280"/>
+          </a:xfrm>
+          <a:prstGeom prst="rect">
+            <a:avLst/>
+          </a:prstGeom>
+        </p:spPr>
+        <p:txBody>
+          <a:bodyPr lIns="0" rIns="0" tIns="0" bIns="0">
+            <a:normAutofit/>
+          </a:bodyPr>
+          <a:p>
+            <a:endParaRPr b="0" lang="en-US" sz="3200" spc="-1" strike="noStrike">
+              <a:latin typeface="Arial"/>
+            </a:endParaRPr>
+          </a:p>
+        </p:txBody>
+      </p:sp>
+      <p:sp>
+        <p:nvSpPr>
+          <p:cNvPr id="245" name="PlaceHolder 3"/>
+          <p:cNvSpPr>
+            <a:spLocks noGrp="1"/>
+          </p:cNvSpPr>
+          <p:nvPr>
+            <p:ph type="body"/>
+          </p:nvPr>
+        </p:nvSpPr>
+        <p:spPr>
+          <a:xfrm>
+            <a:off x="5063040" y="1604520"/>
+            <a:ext cx="4350240" cy="1896840"/>
+          </a:xfrm>
+          <a:prstGeom prst="rect">
+            <a:avLst/>
+          </a:prstGeom>
+        </p:spPr>
+        <p:txBody>
+          <a:bodyPr lIns="0" rIns="0" tIns="0" bIns="0">
+            <a:normAutofit/>
+          </a:bodyPr>
+          <a:p>
+            <a:endParaRPr b="0" lang="en-US" sz="3200" spc="-1" strike="noStrike">
+              <a:latin typeface="Arial"/>
+            </a:endParaRPr>
+          </a:p>
+        </p:txBody>
+      </p:sp>
+      <p:sp>
+        <p:nvSpPr>
+          <p:cNvPr id="246" name="PlaceHolder 4"/>
+          <p:cNvSpPr>
+            <a:spLocks noGrp="1"/>
+          </p:cNvSpPr>
+          <p:nvPr>
+            <p:ph type="body"/>
+          </p:nvPr>
+        </p:nvSpPr>
+        <p:spPr>
+          <a:xfrm>
+            <a:off x="5063040" y="3682080"/>
+            <a:ext cx="4350240" cy="1896840"/>
+          </a:xfrm>
+          <a:prstGeom prst="rect">
+            <a:avLst/>
+          </a:prstGeom>
+        </p:spPr>
+        <p:txBody>
+          <a:bodyPr lIns="0" rIns="0" tIns="0" bIns="0">
+            <a:normAutofit/>
+          </a:bodyPr>
+          <a:p>
+            <a:endParaRPr b="0" lang="en-US" sz="3200" spc="-1" strike="noStrike">
+              <a:latin typeface="Arial"/>
+            </a:endParaRPr>
+          </a:p>
+        </p:txBody>
+      </p:sp>
+    </p:spTree>
+  </p:cSld>
+</p:sldLayout>
+</file>
+
+<file path=ppt/slideLayouts/slideLayout81.xml><?xml version="1.0" encoding="utf-8"?>
+<p:sldLayout xmlns:a="http://schemas.openxmlformats.org/drawingml/2006/main" xmlns:p="http://schemas.openxmlformats.org/presentationml/2006/main" xmlns:r="http://schemas.openxmlformats.org/officeDocument/2006/relationships" xmlns:p14="http://schemas.microsoft.com/office/powerpoint/2010/main" xmlns:p15="http://schemas.microsoft.com/office/powerpoint/2012/main" xmlns:mc="http://schemas.openxmlformats.org/markup-compatibility/2006" type="twoObjOverTx" preserve="1">
+  <p:cSld name="Title, 2 Content over Content">
+    <p:spTree>
+      <p:nvGrpSpPr>
+        <p:cNvPr id="1" name=""/>
+        <p:cNvGrpSpPr/>
+        <p:nvPr/>
+      </p:nvGrpSpPr>
+      <p:grpSpPr>
+        <a:xfrm>
+          <a:off x="0" y="0"/>
+          <a:ext cx="0" cy="0"/>
+          <a:chOff x="0" y="0"/>
+          <a:chExt cx="0" cy="0"/>
+        </a:xfrm>
+      </p:grpSpPr>
+      <p:sp>
+        <p:nvSpPr>
+          <p:cNvPr id="247" name="PlaceHolder 1"/>
+          <p:cNvSpPr>
+            <a:spLocks noGrp="1"/>
+          </p:cNvSpPr>
+          <p:nvPr>
+            <p:ph type="title"/>
+          </p:nvPr>
+        </p:nvSpPr>
+        <p:spPr>
+          <a:xfrm>
+            <a:off x="495000" y="273600"/>
+            <a:ext cx="8915040" cy="1144800"/>
+          </a:xfrm>
+          <a:prstGeom prst="rect">
+            <a:avLst/>
+          </a:prstGeom>
+        </p:spPr>
+        <p:txBody>
+          <a:bodyPr lIns="0" rIns="0" tIns="0" bIns="0" anchor="ctr"/>
+          <a:p>
+            <a:pPr algn="ctr"/>
+            <a:endParaRPr b="0" lang="en-US" sz="4400" spc="-1" strike="noStrike">
+              <a:latin typeface="Arial"/>
+            </a:endParaRPr>
+          </a:p>
+        </p:txBody>
+      </p:sp>
+      <p:sp>
+        <p:nvSpPr>
+          <p:cNvPr id="248" name="PlaceHolder 2"/>
+          <p:cNvSpPr>
+            <a:spLocks noGrp="1"/>
+          </p:cNvSpPr>
+          <p:nvPr>
+            <p:ph type="body"/>
+          </p:nvPr>
+        </p:nvSpPr>
+        <p:spPr>
+          <a:xfrm>
+            <a:off x="495000" y="1604520"/>
+            <a:ext cx="4350240" cy="1896840"/>
+          </a:xfrm>
+          <a:prstGeom prst="rect">
+            <a:avLst/>
+          </a:prstGeom>
+        </p:spPr>
+        <p:txBody>
+          <a:bodyPr lIns="0" rIns="0" tIns="0" bIns="0">
+            <a:normAutofit/>
+          </a:bodyPr>
+          <a:p>
+            <a:endParaRPr b="0" lang="en-US" sz="3200" spc="-1" strike="noStrike">
+              <a:latin typeface="Arial"/>
+            </a:endParaRPr>
+          </a:p>
+        </p:txBody>
+      </p:sp>
+      <p:sp>
+        <p:nvSpPr>
+          <p:cNvPr id="249" name="PlaceHolder 3"/>
+          <p:cNvSpPr>
+            <a:spLocks noGrp="1"/>
+          </p:cNvSpPr>
+          <p:nvPr>
+            <p:ph type="body"/>
+          </p:nvPr>
+        </p:nvSpPr>
+        <p:spPr>
+          <a:xfrm>
+            <a:off x="5063040" y="1604520"/>
+            <a:ext cx="4350240" cy="1896840"/>
+          </a:xfrm>
+          <a:prstGeom prst="rect">
+            <a:avLst/>
+          </a:prstGeom>
+        </p:spPr>
+        <p:txBody>
+          <a:bodyPr lIns="0" rIns="0" tIns="0" bIns="0">
+            <a:normAutofit/>
+          </a:bodyPr>
+          <a:p>
+            <a:endParaRPr b="0" lang="en-US" sz="3200" spc="-1" strike="noStrike">
+              <a:latin typeface="Arial"/>
+            </a:endParaRPr>
+          </a:p>
+        </p:txBody>
+      </p:sp>
+      <p:sp>
+        <p:nvSpPr>
+          <p:cNvPr id="250" name="PlaceHolder 4"/>
+          <p:cNvSpPr>
+            <a:spLocks noGrp="1"/>
+          </p:cNvSpPr>
+          <p:nvPr>
+            <p:ph type="body"/>
+          </p:nvPr>
+        </p:nvSpPr>
+        <p:spPr>
+          <a:xfrm>
+            <a:off x="495000" y="3682080"/>
+            <a:ext cx="8915040" cy="1896840"/>
+          </a:xfrm>
+          <a:prstGeom prst="rect">
+            <a:avLst/>
+          </a:prstGeom>
+        </p:spPr>
+        <p:txBody>
+          <a:bodyPr lIns="0" rIns="0" tIns="0" bIns="0">
+            <a:normAutofit/>
+          </a:bodyPr>
+          <a:p>
+            <a:endParaRPr b="0" lang="en-US" sz="3200" spc="-1" strike="noStrike">
+              <a:latin typeface="Arial"/>
+            </a:endParaRPr>
+          </a:p>
+        </p:txBody>
+      </p:sp>
+    </p:spTree>
+  </p:cSld>
+</p:sldLayout>
+</file>
+
+<file path=ppt/slideLayouts/slideLayout82.xml><?xml version="1.0" encoding="utf-8"?>
+<p:sldLayout xmlns:a="http://schemas.openxmlformats.org/drawingml/2006/main" xmlns:p="http://schemas.openxmlformats.org/presentationml/2006/main" xmlns:r="http://schemas.openxmlformats.org/officeDocument/2006/relationships" xmlns:p14="http://schemas.microsoft.com/office/powerpoint/2010/main" xmlns:p15="http://schemas.microsoft.com/office/powerpoint/2012/main" xmlns:mc="http://schemas.openxmlformats.org/markup-compatibility/2006" type="objOverTx" preserve="1">
+  <p:cSld name="Title, Content over Content">
+    <p:spTree>
+      <p:nvGrpSpPr>
+        <p:cNvPr id="1" name=""/>
+        <p:cNvGrpSpPr/>
+        <p:nvPr/>
+      </p:nvGrpSpPr>
+      <p:grpSpPr>
+        <a:xfrm>
+          <a:off x="0" y="0"/>
+          <a:ext cx="0" cy="0"/>
+          <a:chOff x="0" y="0"/>
+          <a:chExt cx="0" cy="0"/>
+        </a:xfrm>
+      </p:grpSpPr>
+      <p:sp>
+        <p:nvSpPr>
+          <p:cNvPr id="251" name="PlaceHolder 1"/>
+          <p:cNvSpPr>
+            <a:spLocks noGrp="1"/>
+          </p:cNvSpPr>
+          <p:nvPr>
+            <p:ph type="title"/>
+          </p:nvPr>
+        </p:nvSpPr>
+        <p:spPr>
+          <a:xfrm>
+            <a:off x="495000" y="273600"/>
+            <a:ext cx="8915040" cy="1144800"/>
+          </a:xfrm>
+          <a:prstGeom prst="rect">
+            <a:avLst/>
+          </a:prstGeom>
+        </p:spPr>
+        <p:txBody>
+          <a:bodyPr lIns="0" rIns="0" tIns="0" bIns="0" anchor="ctr"/>
+          <a:p>
+            <a:pPr algn="ctr"/>
+            <a:endParaRPr b="0" lang="en-US" sz="4400" spc="-1" strike="noStrike">
+              <a:latin typeface="Arial"/>
+            </a:endParaRPr>
+          </a:p>
+        </p:txBody>
+      </p:sp>
+      <p:sp>
+        <p:nvSpPr>
+          <p:cNvPr id="252" name="PlaceHolder 2"/>
+          <p:cNvSpPr>
+            <a:spLocks noGrp="1"/>
+          </p:cNvSpPr>
+          <p:nvPr>
+            <p:ph type="body"/>
+          </p:nvPr>
+        </p:nvSpPr>
+        <p:spPr>
+          <a:xfrm>
+            <a:off x="495000" y="1604520"/>
+            <a:ext cx="8915040" cy="1896840"/>
+          </a:xfrm>
+          <a:prstGeom prst="rect">
+            <a:avLst/>
+          </a:prstGeom>
+        </p:spPr>
+        <p:txBody>
+          <a:bodyPr lIns="0" rIns="0" tIns="0" bIns="0">
+            <a:normAutofit/>
+          </a:bodyPr>
+          <a:p>
+            <a:endParaRPr b="0" lang="en-US" sz="3200" spc="-1" strike="noStrike">
+              <a:latin typeface="Arial"/>
+            </a:endParaRPr>
+          </a:p>
+        </p:txBody>
+      </p:sp>
+      <p:sp>
+        <p:nvSpPr>
+          <p:cNvPr id="253" name="PlaceHolder 3"/>
+          <p:cNvSpPr>
+            <a:spLocks noGrp="1"/>
+          </p:cNvSpPr>
+          <p:nvPr>
+            <p:ph type="body"/>
+          </p:nvPr>
+        </p:nvSpPr>
+        <p:spPr>
+          <a:xfrm>
+            <a:off x="495000" y="3682080"/>
+            <a:ext cx="8915040" cy="1896840"/>
+          </a:xfrm>
+          <a:prstGeom prst="rect">
+            <a:avLst/>
+          </a:prstGeom>
+        </p:spPr>
+        <p:txBody>
+          <a:bodyPr lIns="0" rIns="0" tIns="0" bIns="0">
+            <a:normAutofit/>
+          </a:bodyPr>
+          <a:p>
+            <a:endParaRPr b="0" lang="en-US" sz="3200" spc="-1" strike="noStrike">
+              <a:latin typeface="Arial"/>
+            </a:endParaRPr>
+          </a:p>
+        </p:txBody>
+      </p:sp>
+    </p:spTree>
+  </p:cSld>
+</p:sldLayout>
+</file>
+
+<file path=ppt/slideLayouts/slideLayout83.xml><?xml version="1.0" encoding="utf-8"?>
+<p:sldLayout xmlns:a="http://schemas.openxmlformats.org/drawingml/2006/main" xmlns:p="http://schemas.openxmlformats.org/presentationml/2006/main" xmlns:r="http://schemas.openxmlformats.org/officeDocument/2006/relationships" xmlns:p14="http://schemas.microsoft.com/office/powerpoint/2010/main" xmlns:p15="http://schemas.microsoft.com/office/powerpoint/2012/main" xmlns:mc="http://schemas.openxmlformats.org/markup-compatibility/2006" type="fourObj" preserve="1">
+  <p:cSld name="Title, 4 Content">
+    <p:spTree>
+      <p:nvGrpSpPr>
+        <p:cNvPr id="1" name=""/>
+        <p:cNvGrpSpPr/>
+        <p:nvPr/>
+      </p:nvGrpSpPr>
+      <p:grpSpPr>
+        <a:xfrm>
+          <a:off x="0" y="0"/>
+          <a:ext cx="0" cy="0"/>
+          <a:chOff x="0" y="0"/>
+          <a:chExt cx="0" cy="0"/>
+        </a:xfrm>
+      </p:grpSpPr>
+      <p:sp>
+        <p:nvSpPr>
+          <p:cNvPr id="254" name="PlaceHolder 1"/>
+          <p:cNvSpPr>
+            <a:spLocks noGrp="1"/>
+          </p:cNvSpPr>
+          <p:nvPr>
+            <p:ph type="title"/>
+          </p:nvPr>
+        </p:nvSpPr>
+        <p:spPr>
+          <a:xfrm>
+            <a:off x="495000" y="273600"/>
+            <a:ext cx="8915040" cy="1144800"/>
+          </a:xfrm>
+          <a:prstGeom prst="rect">
+            <a:avLst/>
+          </a:prstGeom>
+        </p:spPr>
+        <p:txBody>
+          <a:bodyPr lIns="0" rIns="0" tIns="0" bIns="0" anchor="ctr"/>
+          <a:p>
+            <a:pPr algn="ctr"/>
+            <a:endParaRPr b="0" lang="en-US" sz="4400" spc="-1" strike="noStrike">
+              <a:latin typeface="Arial"/>
+            </a:endParaRPr>
+          </a:p>
+        </p:txBody>
+      </p:sp>
+      <p:sp>
+        <p:nvSpPr>
+          <p:cNvPr id="255" name="PlaceHolder 2"/>
+          <p:cNvSpPr>
+            <a:spLocks noGrp="1"/>
+          </p:cNvSpPr>
+          <p:nvPr>
+            <p:ph type="body"/>
+          </p:nvPr>
+        </p:nvSpPr>
+        <p:spPr>
+          <a:xfrm>
+            <a:off x="495000" y="1604520"/>
+            <a:ext cx="4350240" cy="1896840"/>
+          </a:xfrm>
+          <a:prstGeom prst="rect">
+            <a:avLst/>
+          </a:prstGeom>
+        </p:spPr>
+        <p:txBody>
+          <a:bodyPr lIns="0" rIns="0" tIns="0" bIns="0">
+            <a:normAutofit/>
+          </a:bodyPr>
+          <a:p>
+            <a:endParaRPr b="0" lang="en-US" sz="3200" spc="-1" strike="noStrike">
+              <a:latin typeface="Arial"/>
+            </a:endParaRPr>
+          </a:p>
+        </p:txBody>
+      </p:sp>
+      <p:sp>
+        <p:nvSpPr>
+          <p:cNvPr id="256" name="PlaceHolder 3"/>
+          <p:cNvSpPr>
+            <a:spLocks noGrp="1"/>
+          </p:cNvSpPr>
+          <p:nvPr>
+            <p:ph type="body"/>
+          </p:nvPr>
+        </p:nvSpPr>
+        <p:spPr>
+          <a:xfrm>
+            <a:off x="5063040" y="1604520"/>
+            <a:ext cx="4350240" cy="1896840"/>
+          </a:xfrm>
+          <a:prstGeom prst="rect">
+            <a:avLst/>
+          </a:prstGeom>
+        </p:spPr>
+        <p:txBody>
+          <a:bodyPr lIns="0" rIns="0" tIns="0" bIns="0">
+            <a:normAutofit/>
+          </a:bodyPr>
+          <a:p>
+            <a:endParaRPr b="0" lang="en-US" sz="3200" spc="-1" strike="noStrike">
+              <a:latin typeface="Arial"/>
+            </a:endParaRPr>
+          </a:p>
+        </p:txBody>
+      </p:sp>
+      <p:sp>
+        <p:nvSpPr>
+          <p:cNvPr id="257" name="PlaceHolder 4"/>
+          <p:cNvSpPr>
+            <a:spLocks noGrp="1"/>
+          </p:cNvSpPr>
+          <p:nvPr>
+            <p:ph type="body"/>
+          </p:nvPr>
+        </p:nvSpPr>
+        <p:spPr>
+          <a:xfrm>
+            <a:off x="495000" y="3682080"/>
+            <a:ext cx="4350240" cy="1896840"/>
+          </a:xfrm>
+          <a:prstGeom prst="rect">
+            <a:avLst/>
+          </a:prstGeom>
+        </p:spPr>
+        <p:txBody>
+          <a:bodyPr lIns="0" rIns="0" tIns="0" bIns="0">
+            <a:normAutofit/>
+          </a:bodyPr>
+          <a:p>
+            <a:endParaRPr b="0" lang="en-US" sz="3200" spc="-1" strike="noStrike">
+              <a:latin typeface="Arial"/>
+            </a:endParaRPr>
+          </a:p>
+        </p:txBody>
+      </p:sp>
+      <p:sp>
+        <p:nvSpPr>
+          <p:cNvPr id="258" name="PlaceHolder 5"/>
+          <p:cNvSpPr>
+            <a:spLocks noGrp="1"/>
+          </p:cNvSpPr>
+          <p:nvPr>
+            <p:ph type="body"/>
+          </p:nvPr>
+        </p:nvSpPr>
+        <p:spPr>
+          <a:xfrm>
+            <a:off x="5063040" y="3682080"/>
+            <a:ext cx="4350240" cy="1896840"/>
+          </a:xfrm>
+          <a:prstGeom prst="rect">
+            <a:avLst/>
+          </a:prstGeom>
+        </p:spPr>
+        <p:txBody>
+          <a:bodyPr lIns="0" rIns="0" tIns="0" bIns="0">
+            <a:normAutofit/>
+          </a:bodyPr>
+          <a:p>
+            <a:endParaRPr b="0" lang="en-US" sz="3200" spc="-1" strike="noStrike">
+              <a:latin typeface="Arial"/>
+            </a:endParaRPr>
+          </a:p>
+        </p:txBody>
+      </p:sp>
+    </p:spTree>
+  </p:cSld>
+</p:sldLayout>
+</file>
+
+<file path=ppt/slideLayouts/slideLayout84.xml><?xml version="1.0" encoding="utf-8"?>
+<p:sldLayout xmlns:a="http://schemas.openxmlformats.org/drawingml/2006/main" xmlns:p="http://schemas.openxmlformats.org/presentationml/2006/main" xmlns:r="http://schemas.openxmlformats.org/officeDocument/2006/relationships" xmlns:p14="http://schemas.microsoft.com/office/powerpoint/2010/main" xmlns:p15="http://schemas.microsoft.com/office/powerpoint/2012/main" xmlns:mc="http://schemas.openxmlformats.org/markup-compatibility/2006" type="blank" preserve="1">
+  <p:cSld name="Title, 6 Content">
+    <p:spTree>
+      <p:nvGrpSpPr>
+        <p:cNvPr id="1" name=""/>
+        <p:cNvGrpSpPr/>
+        <p:nvPr/>
+      </p:nvGrpSpPr>
+      <p:grpSpPr>
+        <a:xfrm>
+          <a:off x="0" y="0"/>
+          <a:ext cx="0" cy="0"/>
+          <a:chOff x="0" y="0"/>
+          <a:chExt cx="0" cy="0"/>
+        </a:xfrm>
+      </p:grpSpPr>
+      <p:sp>
+        <p:nvSpPr>
+          <p:cNvPr id="259" name="PlaceHolder 1"/>
+          <p:cNvSpPr>
+            <a:spLocks noGrp="1"/>
+          </p:cNvSpPr>
+          <p:nvPr>
+            <p:ph type="title"/>
+          </p:nvPr>
+        </p:nvSpPr>
+        <p:spPr>
+          <a:xfrm>
+            <a:off x="495000" y="273600"/>
+            <a:ext cx="8915040" cy="1144800"/>
+          </a:xfrm>
+          <a:prstGeom prst="rect">
+            <a:avLst/>
+          </a:prstGeom>
+        </p:spPr>
+        <p:txBody>
+          <a:bodyPr lIns="0" rIns="0" tIns="0" bIns="0" anchor="ctr"/>
+          <a:p>
+            <a:pPr algn="ctr"/>
+            <a:endParaRPr b="0" lang="en-US" sz="4400" spc="-1" strike="noStrike">
+              <a:latin typeface="Arial"/>
+            </a:endParaRPr>
+          </a:p>
+        </p:txBody>
+      </p:sp>
+      <p:sp>
+        <p:nvSpPr>
+          <p:cNvPr id="260" name="PlaceHolder 2"/>
+          <p:cNvSpPr>
+            <a:spLocks noGrp="1"/>
+          </p:cNvSpPr>
+          <p:nvPr>
+            <p:ph type="body"/>
+          </p:nvPr>
+        </p:nvSpPr>
+        <p:spPr>
+          <a:xfrm>
+            <a:off x="495000" y="1604520"/>
+            <a:ext cx="2870280" cy="1896840"/>
+          </a:xfrm>
+          <a:prstGeom prst="rect">
+            <a:avLst/>
+          </a:prstGeom>
+        </p:spPr>
+        <p:txBody>
+          <a:bodyPr lIns="0" rIns="0" tIns="0" bIns="0">
+            <a:normAutofit/>
+          </a:bodyPr>
+          <a:p>
+            <a:endParaRPr b="0" lang="en-US" sz="3200" spc="-1" strike="noStrike">
+              <a:latin typeface="Arial"/>
+            </a:endParaRPr>
+          </a:p>
+        </p:txBody>
+      </p:sp>
+      <p:sp>
+        <p:nvSpPr>
+          <p:cNvPr id="261" name="PlaceHolder 3"/>
+          <p:cNvSpPr>
+            <a:spLocks noGrp="1"/>
+          </p:cNvSpPr>
+          <p:nvPr>
+            <p:ph type="body"/>
+          </p:nvPr>
+        </p:nvSpPr>
+        <p:spPr>
+          <a:xfrm>
+            <a:off x="3509280" y="1604520"/>
+            <a:ext cx="2870280" cy="1896840"/>
+          </a:xfrm>
+          <a:prstGeom prst="rect">
+            <a:avLst/>
+          </a:prstGeom>
+        </p:spPr>
+        <p:txBody>
+          <a:bodyPr lIns="0" rIns="0" tIns="0" bIns="0">
+            <a:normAutofit/>
+          </a:bodyPr>
+          <a:p>
+            <a:endParaRPr b="0" lang="en-US" sz="3200" spc="-1" strike="noStrike">
+              <a:latin typeface="Arial"/>
+            </a:endParaRPr>
+          </a:p>
+        </p:txBody>
+      </p:sp>
+      <p:sp>
+        <p:nvSpPr>
+          <p:cNvPr id="262" name="PlaceHolder 4"/>
+          <p:cNvSpPr>
+            <a:spLocks noGrp="1"/>
+          </p:cNvSpPr>
+          <p:nvPr>
+            <p:ph type="body"/>
+          </p:nvPr>
+        </p:nvSpPr>
+        <p:spPr>
+          <a:xfrm>
+            <a:off x="6523200" y="1604520"/>
+            <a:ext cx="2870280" cy="1896840"/>
+          </a:xfrm>
+          <a:prstGeom prst="rect">
+            <a:avLst/>
+          </a:prstGeom>
+        </p:spPr>
+        <p:txBody>
+          <a:bodyPr lIns="0" rIns="0" tIns="0" bIns="0">
+            <a:normAutofit/>
+          </a:bodyPr>
+          <a:p>
+            <a:endParaRPr b="0" lang="en-US" sz="3200" spc="-1" strike="noStrike">
+              <a:latin typeface="Arial"/>
+            </a:endParaRPr>
+          </a:p>
+        </p:txBody>
+      </p:sp>
+      <p:sp>
+        <p:nvSpPr>
+          <p:cNvPr id="263" name="PlaceHolder 5"/>
+          <p:cNvSpPr>
+            <a:spLocks noGrp="1"/>
+          </p:cNvSpPr>
+          <p:nvPr>
+            <p:ph type="body"/>
+          </p:nvPr>
+        </p:nvSpPr>
+        <p:spPr>
+          <a:xfrm>
+            <a:off x="495000" y="3682080"/>
+            <a:ext cx="2870280" cy="1896840"/>
+          </a:xfrm>
+          <a:prstGeom prst="rect">
+            <a:avLst/>
+          </a:prstGeom>
+        </p:spPr>
+        <p:txBody>
+          <a:bodyPr lIns="0" rIns="0" tIns="0" bIns="0">
+            <a:normAutofit/>
+          </a:bodyPr>
+          <a:p>
+            <a:endParaRPr b="0" lang="en-US" sz="3200" spc="-1" strike="noStrike">
+              <a:latin typeface="Arial"/>
+            </a:endParaRPr>
+          </a:p>
+        </p:txBody>
+      </p:sp>
+      <p:sp>
+        <p:nvSpPr>
+          <p:cNvPr id="264" name="PlaceHolder 6"/>
+          <p:cNvSpPr>
+            <a:spLocks noGrp="1"/>
+          </p:cNvSpPr>
+          <p:nvPr>
+            <p:ph type="body"/>
+          </p:nvPr>
+        </p:nvSpPr>
+        <p:spPr>
+          <a:xfrm>
+            <a:off x="3509280" y="3682080"/>
+            <a:ext cx="2870280" cy="1896840"/>
+          </a:xfrm>
+          <a:prstGeom prst="rect">
+            <a:avLst/>
+          </a:prstGeom>
+        </p:spPr>
+        <p:txBody>
+          <a:bodyPr lIns="0" rIns="0" tIns="0" bIns="0">
+            <a:normAutofit/>
+          </a:bodyPr>
+          <a:p>
+            <a:endParaRPr b="0" lang="en-US" sz="3200" spc="-1" strike="noStrike">
+              <a:latin typeface="Arial"/>
+            </a:endParaRPr>
+          </a:p>
+        </p:txBody>
+      </p:sp>
+      <p:sp>
+        <p:nvSpPr>
+          <p:cNvPr id="265" name="PlaceHolder 7"/>
+          <p:cNvSpPr>
+            <a:spLocks noGrp="1"/>
+          </p:cNvSpPr>
+          <p:nvPr>
+            <p:ph type="body"/>
+          </p:nvPr>
+        </p:nvSpPr>
+        <p:spPr>
+          <a:xfrm>
+            <a:off x="6523200" y="3682080"/>
+            <a:ext cx="2870280" cy="1896840"/>
           </a:xfrm>
           <a:prstGeom prst="rect">
             <a:avLst/>
@@ -6753,7 +9419,211 @@
               <a:rPr b="0" lang="en-US" sz="4400" spc="-1" strike="noStrike">
                 <a:latin typeface="Arial"/>
               </a:rPr>
-              <a:t>Click to edit the title text format</a:t>
+              <a:t>C</a:t>
+            </a:r>
+            <a:r>
+              <a:rPr b="0" lang="en-US" sz="4400" spc="-1" strike="noStrike">
+                <a:latin typeface="Arial"/>
+              </a:rPr>
+              <a:t>l</a:t>
+            </a:r>
+            <a:r>
+              <a:rPr b="0" lang="en-US" sz="4400" spc="-1" strike="noStrike">
+                <a:latin typeface="Arial"/>
+              </a:rPr>
+              <a:t>i</a:t>
+            </a:r>
+            <a:r>
+              <a:rPr b="0" lang="en-US" sz="4400" spc="-1" strike="noStrike">
+                <a:latin typeface="Arial"/>
+              </a:rPr>
+              <a:t>c</a:t>
+            </a:r>
+            <a:r>
+              <a:rPr b="0" lang="en-US" sz="4400" spc="-1" strike="noStrike">
+                <a:latin typeface="Arial"/>
+              </a:rPr>
+              <a:t>k</a:t>
+            </a:r>
+            <a:r>
+              <a:rPr b="0" lang="en-US" sz="4400" spc="-1" strike="noStrike">
+                <a:latin typeface="Arial"/>
+              </a:rPr>
+              <a:t> </a:t>
+            </a:r>
+            <a:r>
+              <a:rPr b="0" lang="en-US" sz="4400" spc="-1" strike="noStrike">
+                <a:latin typeface="Arial"/>
+              </a:rPr>
+              <a:t>t</a:t>
+            </a:r>
+            <a:r>
+              <a:rPr b="0" lang="en-US" sz="4400" spc="-1" strike="noStrike">
+                <a:latin typeface="Arial"/>
+              </a:rPr>
+              <a:t>o</a:t>
+            </a:r>
+            <a:r>
+              <a:rPr b="0" lang="en-US" sz="4400" spc="-1" strike="noStrike">
+                <a:latin typeface="Arial"/>
+              </a:rPr>
+              <a:t> </a:t>
+            </a:r>
+            <a:r>
+              <a:rPr b="0" lang="en-US" sz="4400" spc="-1" strike="noStrike">
+                <a:latin typeface="Arial"/>
+              </a:rPr>
+              <a:t>e</a:t>
+            </a:r>
+            <a:r>
+              <a:rPr b="0" lang="en-US" sz="4400" spc="-1" strike="noStrike">
+                <a:latin typeface="Arial"/>
+              </a:rPr>
+              <a:t>d</a:t>
+            </a:r>
+            <a:r>
+              <a:rPr b="0" lang="en-US" sz="4400" spc="-1" strike="noStrike">
+                <a:latin typeface="Arial"/>
+              </a:rPr>
+              <a:t>i</a:t>
+            </a:r>
+            <a:r>
+              <a:rPr b="0" lang="en-US" sz="4400" spc="-1" strike="noStrike">
+                <a:latin typeface="Arial"/>
+              </a:rPr>
+              <a:t>t</a:t>
+            </a:r>
+            <a:r>
+              <a:rPr b="0" lang="en-US" sz="4400" spc="-1" strike="noStrike">
+                <a:latin typeface="Arial"/>
+              </a:rPr>
+              <a:t> </a:t>
+            </a:r>
+            <a:r>
+              <a:rPr b="0" lang="en-US" sz="4400" spc="-1" strike="noStrike">
+                <a:latin typeface="Arial"/>
+              </a:rPr>
+              <a:t>t</a:t>
+            </a:r>
+            <a:r>
+              <a:rPr b="0" lang="en-US" sz="4400" spc="-1" strike="noStrike">
+                <a:latin typeface="Arial"/>
+              </a:rPr>
+              <a:t>h</a:t>
+            </a:r>
+            <a:r>
+              <a:rPr b="0" lang="en-US" sz="4400" spc="-1" strike="noStrike">
+                <a:latin typeface="Arial"/>
+              </a:rPr>
+              <a:t>e</a:t>
+            </a:r>
+            <a:r>
+              <a:rPr b="0" lang="en-US" sz="4400" spc="-1" strike="noStrike">
+                <a:latin typeface="Arial"/>
+              </a:rPr>
+              <a:t> </a:t>
+            </a:r>
+            <a:r>
+              <a:rPr b="0" lang="en-US" sz="4400" spc="-1" strike="noStrike">
+                <a:latin typeface="Arial"/>
+              </a:rPr>
+              <a:t>t</a:t>
+            </a:r>
+            <a:r>
+              <a:rPr b="0" lang="en-US" sz="4400" spc="-1" strike="noStrike">
+                <a:latin typeface="Arial"/>
+              </a:rPr>
+              <a:t>i</a:t>
+            </a:r>
+            <a:r>
+              <a:rPr b="0" lang="en-US" sz="4400" spc="-1" strike="noStrike">
+                <a:latin typeface="Arial"/>
+              </a:rPr>
+              <a:t>t</a:t>
+            </a:r>
+            <a:r>
+              <a:rPr b="0" lang="en-US" sz="4400" spc="-1" strike="noStrike">
+                <a:latin typeface="Arial"/>
+              </a:rPr>
+              <a:t>l</a:t>
+            </a:r>
+            <a:r>
+              <a:rPr b="0" lang="en-US" sz="4400" spc="-1" strike="noStrike">
+                <a:latin typeface="Arial"/>
+              </a:rPr>
+              <a:t>e</a:t>
+            </a:r>
+            <a:r>
+              <a:rPr b="0" lang="en-US" sz="4400" spc="-1" strike="noStrike">
+                <a:latin typeface="Arial"/>
+              </a:rPr>
+              <a:t> </a:t>
+            </a:r>
+            <a:r>
+              <a:rPr b="0" lang="en-US" sz="4400" spc="-1" strike="noStrike">
+                <a:latin typeface="Arial"/>
+              </a:rPr>
+              <a:t>t</a:t>
+            </a:r>
+            <a:r>
+              <a:rPr b="0" lang="en-US" sz="4400" spc="-1" strike="noStrike">
+                <a:latin typeface="Arial"/>
+              </a:rPr>
+              <a:t>e</a:t>
+            </a:r>
+            <a:r>
+              <a:rPr b="0" lang="en-US" sz="4400" spc="-1" strike="noStrike">
+                <a:latin typeface="Arial"/>
+              </a:rPr>
+              <a:t>x</a:t>
+            </a:r>
+            <a:r>
+              <a:rPr b="0" lang="en-US" sz="4400" spc="-1" strike="noStrike">
+                <a:latin typeface="Arial"/>
+              </a:rPr>
+              <a:t>t</a:t>
+            </a:r>
+            <a:r>
+              <a:rPr b="0" lang="en-US" sz="4400" spc="-1" strike="noStrike">
+                <a:latin typeface="Arial"/>
+              </a:rPr>
+              <a:t> </a:t>
+            </a:r>
+            <a:r>
+              <a:rPr b="0" lang="en-US" sz="4400" spc="-1" strike="noStrike">
+                <a:latin typeface="Arial"/>
+              </a:rPr>
+              <a:t>f</a:t>
+            </a:r>
+            <a:r>
+              <a:rPr b="0" lang="en-US" sz="4400" spc="-1" strike="noStrike">
+                <a:latin typeface="Arial"/>
+              </a:rPr>
+              <a:t>o</a:t>
+            </a:r>
+            <a:r>
+              <a:rPr b="0" lang="en-US" sz="4400" spc="-1" strike="noStrike">
+                <a:latin typeface="Arial"/>
+              </a:rPr>
+              <a:t>r</a:t>
+            </a:r>
+            <a:r>
+              <a:rPr b="0" lang="en-US" sz="4400" spc="-1" strike="noStrike">
+                <a:latin typeface="Arial"/>
+              </a:rPr>
+              <a:t>m</a:t>
+            </a:r>
+            <a:r>
+              <a:rPr b="0" lang="en-US" sz="4400" spc="-1" strike="noStrike">
+                <a:latin typeface="Arial"/>
+              </a:rPr>
+              <a:t>a</a:t>
+            </a:r>
+            <a:r>
+              <a:rPr b="0" lang="en-US" sz="4400" spc="-1" strike="noStrike">
+                <a:latin typeface="Arial"/>
+              </a:rPr>
+              <a:t>t</a:t>
             </a:r>
             <a:endParaRPr b="0" lang="en-US" sz="4400" spc="-1" strike="noStrike">
               <a:latin typeface="Arial"/>
@@ -6800,7 +9670,19 @@
               <a:rPr b="0" lang="en-US" sz="3200" spc="-1" strike="noStrike">
                 <a:latin typeface="Arial"/>
               </a:rPr>
-              <a:t>Click to edit the outline text format</a:t>
+              <a:t>Click to edit </a:t>
+            </a:r>
+            <a:r>
+              <a:rPr b="0" lang="en-US" sz="3200" spc="-1" strike="noStrike">
+                <a:latin typeface="Arial"/>
+              </a:rPr>
+              <a:t>the outline </a:t>
+            </a:r>
+            <a:r>
+              <a:rPr b="0" lang="en-US" sz="3200" spc="-1" strike="noStrike">
+                <a:latin typeface="Arial"/>
+              </a:rPr>
+              <a:t>text format</a:t>
             </a:r>
             <a:endParaRPr b="0" lang="en-US" sz="3200" spc="-1" strike="noStrike">
               <a:latin typeface="Arial"/>
@@ -6822,7 +9704,19 @@
               <a:rPr b="0" lang="en-US" sz="2800" spc="-1" strike="noStrike">
                 <a:latin typeface="Arial"/>
               </a:rPr>
-              <a:t>Second Outline Level</a:t>
+              <a:t>Second </a:t>
+            </a:r>
+            <a:r>
+              <a:rPr b="0" lang="en-US" sz="2800" spc="-1" strike="noStrike">
+                <a:latin typeface="Arial"/>
+              </a:rPr>
+              <a:t>Outline </a:t>
+            </a:r>
+            <a:r>
+              <a:rPr b="0" lang="en-US" sz="2800" spc="-1" strike="noStrike">
+                <a:latin typeface="Arial"/>
+              </a:rPr>
+              <a:t>Level</a:t>
             </a:r>
             <a:endParaRPr b="0" lang="en-US" sz="2800" spc="-1" strike="noStrike">
               <a:latin typeface="Arial"/>
@@ -6844,7 +9738,19 @@
               <a:rPr b="0" lang="en-US" sz="2400" spc="-1" strike="noStrike">
                 <a:latin typeface="Arial"/>
               </a:rPr>
-              <a:t>Third Outline Level</a:t>
+              <a:t>Third </a:t>
+            </a:r>
+            <a:r>
+              <a:rPr b="0" lang="en-US" sz="2400" spc="-1" strike="noStrike">
+                <a:latin typeface="Arial"/>
+              </a:rPr>
+              <a:t>Outline </a:t>
+            </a:r>
+            <a:r>
+              <a:rPr b="0" lang="en-US" sz="2400" spc="-1" strike="noStrike">
+                <a:latin typeface="Arial"/>
+              </a:rPr>
+              <a:t>Level</a:t>
             </a:r>
             <a:endParaRPr b="0" lang="en-US" sz="2400" spc="-1" strike="noStrike">
               <a:latin typeface="Arial"/>
@@ -6866,7 +9772,19 @@
               <a:rPr b="0" lang="en-US" sz="2000" spc="-1" strike="noStrike">
                 <a:latin typeface="Arial"/>
               </a:rPr>
-              <a:t>Fourth Outline Level</a:t>
+              <a:t>Fourth </a:t>
+            </a:r>
+            <a:r>
+              <a:rPr b="0" lang="en-US" sz="2000" spc="-1" strike="noStrike">
+                <a:latin typeface="Arial"/>
+              </a:rPr>
+              <a:t>Outline </a:t>
+            </a:r>
+            <a:r>
+              <a:rPr b="0" lang="en-US" sz="2000" spc="-1" strike="noStrike">
+                <a:latin typeface="Arial"/>
+              </a:rPr>
+              <a:t>Level</a:t>
             </a:r>
             <a:endParaRPr b="0" lang="en-US" sz="2000" spc="-1" strike="noStrike">
               <a:latin typeface="Arial"/>
@@ -6888,7 +9806,25 @@
               <a:rPr b="0" lang="en-US" sz="2000" spc="-1" strike="noStrike">
                 <a:latin typeface="Arial"/>
               </a:rPr>
-              <a:t>Fifth Outline Level</a:t>
+              <a:t>Fifth </a:t>
+            </a:r>
+            <a:r>
+              <a:rPr b="0" lang="en-US" sz="2000" spc="-1" strike="noStrike">
+                <a:latin typeface="Arial"/>
+              </a:rPr>
+              <a:t>Outlin</a:t>
+            </a:r>
+            <a:r>
+              <a:rPr b="0" lang="en-US" sz="2000" spc="-1" strike="noStrike">
+                <a:latin typeface="Arial"/>
+              </a:rPr>
+              <a:t>e </a:t>
+            </a:r>
+            <a:r>
+              <a:rPr b="0" lang="en-US" sz="2000" spc="-1" strike="noStrike">
+                <a:latin typeface="Arial"/>
+              </a:rPr>
+              <a:t>Level</a:t>
             </a:r>
             <a:endParaRPr b="0" lang="en-US" sz="2000" spc="-1" strike="noStrike">
               <a:latin typeface="Arial"/>
@@ -6910,7 +9846,61 @@
               <a:rPr b="0" lang="en-US" sz="2000" spc="-1" strike="noStrike">
                 <a:latin typeface="Arial"/>
               </a:rPr>
-              <a:t>Sixth Outline Level</a:t>
+              <a:t>Si</a:t>
+            </a:r>
+            <a:r>
+              <a:rPr b="0" lang="en-US" sz="2000" spc="-1" strike="noStrike">
+                <a:latin typeface="Arial"/>
+              </a:rPr>
+              <a:t>xt</a:t>
+            </a:r>
+            <a:r>
+              <a:rPr b="0" lang="en-US" sz="2000" spc="-1" strike="noStrike">
+                <a:latin typeface="Arial"/>
+              </a:rPr>
+              <a:t>h </a:t>
+            </a:r>
+            <a:r>
+              <a:rPr b="0" lang="en-US" sz="2000" spc="-1" strike="noStrike">
+                <a:latin typeface="Arial"/>
+              </a:rPr>
+              <a:t>O</a:t>
+            </a:r>
+            <a:r>
+              <a:rPr b="0" lang="en-US" sz="2000" spc="-1" strike="noStrike">
+                <a:latin typeface="Arial"/>
+              </a:rPr>
+              <a:t>utl</a:t>
+            </a:r>
+            <a:r>
+              <a:rPr b="0" lang="en-US" sz="2000" spc="-1" strike="noStrike">
+                <a:latin typeface="Arial"/>
+              </a:rPr>
+              <a:t>in</a:t>
+            </a:r>
+            <a:r>
+              <a:rPr b="0" lang="en-US" sz="2000" spc="-1" strike="noStrike">
+                <a:latin typeface="Arial"/>
+              </a:rPr>
+              <a:t>e </a:t>
+            </a:r>
+            <a:r>
+              <a:rPr b="0" lang="en-US" sz="2000" spc="-1" strike="noStrike">
+                <a:latin typeface="Arial"/>
+              </a:rPr>
+              <a:t>L</a:t>
+            </a:r>
+            <a:r>
+              <a:rPr b="0" lang="en-US" sz="2000" spc="-1" strike="noStrike">
+                <a:latin typeface="Arial"/>
+              </a:rPr>
+              <a:t>ev</a:t>
+            </a:r>
+            <a:r>
+              <a:rPr b="0" lang="en-US" sz="2000" spc="-1" strike="noStrike">
+                <a:latin typeface="Arial"/>
+              </a:rPr>
+              <a:t>el</a:t>
             </a:r>
             <a:endParaRPr b="0" lang="en-US" sz="2000" spc="-1" strike="noStrike">
               <a:latin typeface="Arial"/>
@@ -6932,7 +9922,127 @@
               <a:rPr b="0" lang="en-US" sz="2000" spc="-1" strike="noStrike">
                 <a:latin typeface="Arial"/>
               </a:rPr>
-              <a:t>Seventh Outline Level</a:t>
+              <a:t>S</a:t>
+            </a:r>
+            <a:r>
+              <a:rPr b="0" lang="en-US" sz="2000" spc="-1" strike="noStrike">
+                <a:latin typeface="Arial"/>
+              </a:rPr>
+              <a:t>e</a:t>
+            </a:r>
+            <a:r>
+              <a:rPr b="0" lang="en-US" sz="2000" spc="-1" strike="noStrike">
+                <a:latin typeface="Arial"/>
+              </a:rPr>
+              <a:t>v</a:t>
+            </a:r>
+            <a:r>
+              <a:rPr b="0" lang="en-US" sz="2000" spc="-1" strike="noStrike">
+                <a:latin typeface="Arial"/>
+              </a:rPr>
+              <a:t>e</a:t>
+            </a:r>
+            <a:r>
+              <a:rPr b="0" lang="en-US" sz="2000" spc="-1" strike="noStrike">
+                <a:latin typeface="Arial"/>
+              </a:rPr>
+              <a:t>n</a:t>
+            </a:r>
+            <a:r>
+              <a:rPr b="0" lang="en-US" sz="2000" spc="-1" strike="noStrike">
+                <a:latin typeface="Arial"/>
+              </a:rPr>
+              <a:t>t</a:t>
+            </a:r>
+            <a:r>
+              <a:rPr b="0" lang="en-US" sz="2000" spc="-1" strike="noStrike">
+                <a:latin typeface="Arial"/>
+              </a:rPr>
+              <a:t>h</a:t>
+            </a:r>
+            <a:r>
+              <a:rPr b="0" lang="en-US" sz="2000" spc="-1" strike="noStrike">
+                <a:latin typeface="Arial"/>
+              </a:rPr>
+              <a:t> </a:t>
+            </a:r>
+            <a:r>
+              <a:rPr b="0" lang="en-US" sz="2000" spc="-1" strike="noStrike">
+                <a:latin typeface="Arial"/>
+              </a:rPr>
+              <a:t>O</a:t>
+            </a:r>
+            <a:r>
+              <a:rPr b="0" lang="en-US" sz="2000" spc="-1" strike="noStrike">
+                <a:latin typeface="Arial"/>
+              </a:rPr>
+              <a:t>u</a:t>
+            </a:r>
+            <a:r>
+              <a:rPr b="0" lang="en-US" sz="2000" spc="-1" strike="noStrike">
+                <a:latin typeface="Arial"/>
+              </a:rPr>
+              <a:t>t</a:t>
+            </a:r>
+            <a:r>
+              <a:rPr b="0" lang="en-US" sz="2000" spc="-1" strike="noStrike">
+                <a:latin typeface="Arial"/>
+              </a:rPr>
+              <a:t>l</a:t>
+            </a:r>
+            <a:r>
+              <a:rPr b="0" lang="en-US" sz="2000" spc="-1" strike="noStrike">
+                <a:latin typeface="Arial"/>
+              </a:rPr>
+              <a:t>i</a:t>
+            </a:r>
+            <a:r>
+              <a:rPr b="0" lang="en-US" sz="2000" spc="-1" strike="noStrike">
+                <a:latin typeface="Arial"/>
+              </a:rPr>
+              <a:t>n</a:t>
+            </a:r>
+            <a:r>
+              <a:rPr b="0" lang="en-US" sz="2000" spc="-1" strike="noStrike">
+                <a:latin typeface="Arial"/>
+              </a:rPr>
+              <a:t>e</a:t>
+            </a:r>
+            <a:r>
+              <a:rPr b="0" lang="en-US" sz="2000" spc="-1" strike="noStrike">
+                <a:latin typeface="Arial"/>
+              </a:rPr>
+              <a:t> </a:t>
+            </a:r>
+            <a:r>
+              <a:rPr b="0" lang="en-US" sz="2000" spc="-1" strike="noStrike">
+                <a:latin typeface="Arial"/>
+              </a:rPr>
+              <a:t>L</a:t>
+            </a:r>
+            <a:r>
+              <a:rPr b="0" lang="en-US" sz="2000" spc="-1" strike="noStrike">
+                <a:latin typeface="Arial"/>
+              </a:rPr>
+              <a:t>e</a:t>
+            </a:r>
+            <a:r>
+              <a:rPr b="0" lang="en-US" sz="2000" spc="-1" strike="noStrike">
+                <a:latin typeface="Arial"/>
+              </a:rPr>
+              <a:t>v</a:t>
+            </a:r>
+            <a:r>
+              <a:rPr b="0" lang="en-US" sz="2000" spc="-1" strike="noStrike">
+                <a:latin typeface="Arial"/>
+              </a:rPr>
+              <a:t>e</a:t>
+            </a:r>
+            <a:r>
+              <a:rPr b="0" lang="en-US" sz="2000" spc="-1" strike="noStrike">
+                <a:latin typeface="Arial"/>
+              </a:rPr>
+              <a:t>l</a:t>
             </a:r>
             <a:endParaRPr b="0" lang="en-US" sz="2000" spc="-1" strike="noStrike">
               <a:latin typeface="Arial"/>
@@ -7261,7 +10371,7 @@
         <p:spPr>
           <a:xfrm>
             <a:off x="495000" y="273600"/>
-            <a:ext cx="8915040" cy="1144800"/>
+            <a:ext cx="8914680" cy="1144440"/>
           </a:xfrm>
           <a:prstGeom prst="rect">
             <a:avLst/>
@@ -7270,14 +10380,13 @@
         <p:txBody>
           <a:bodyPr lIns="0" rIns="0" tIns="0" bIns="0" anchor="ctr"/>
           <a:p>
-            <a:pPr algn="ctr"/>
-            <a:r>
-              <a:rPr b="0" lang="en-US" sz="4400" spc="-1" strike="noStrike">
+            <a:r>
+              <a:rPr b="0" lang="en-US" sz="1800" spc="-1" strike="noStrike">
                 <a:latin typeface="Arial"/>
               </a:rPr>
               <a:t>Click to edit the title text format</a:t>
             </a:r>
-            <a:endParaRPr b="0" lang="en-US" sz="4400" spc="-1" strike="noStrike">
+            <a:endParaRPr b="0" lang="en-US" sz="1800" spc="-1" strike="noStrike">
               <a:latin typeface="Arial"/>
             </a:endParaRPr>
           </a:p>
@@ -7296,7 +10405,7 @@
         <p:spPr>
           <a:xfrm>
             <a:off x="495000" y="1604520"/>
-            <a:ext cx="8915040" cy="3977280"/>
+            <a:ext cx="8914680" cy="3976920"/>
           </a:xfrm>
           <a:prstGeom prst="rect">
             <a:avLst/>
@@ -7319,12 +10428,12 @@
               <a:buChar char=""/>
             </a:pPr>
             <a:r>
-              <a:rPr b="0" lang="en-US" sz="3200" spc="-1" strike="noStrike">
+              <a:rPr b="0" lang="en-US" sz="1800" spc="-1" strike="noStrike">
                 <a:latin typeface="Arial"/>
               </a:rPr>
               <a:t>Click to edit the outline text format</a:t>
             </a:r>
-            <a:endParaRPr b="0" lang="en-US" sz="3200" spc="-1" strike="noStrike">
+            <a:endParaRPr b="0" lang="en-US" sz="1800" spc="-1" strike="noStrike">
               <a:latin typeface="Arial"/>
             </a:endParaRPr>
           </a:p>
@@ -7341,12 +10450,12 @@
               <a:buChar char=""/>
             </a:pPr>
             <a:r>
-              <a:rPr b="0" lang="en-US" sz="2800" spc="-1" strike="noStrike">
+              <a:rPr b="0" lang="en-US" sz="1800" spc="-1" strike="noStrike">
                 <a:latin typeface="Arial"/>
               </a:rPr>
               <a:t>Second Outline Level</a:t>
             </a:r>
-            <a:endParaRPr b="0" lang="en-US" sz="2800" spc="-1" strike="noStrike">
+            <a:endParaRPr b="0" lang="en-US" sz="1800" spc="-1" strike="noStrike">
               <a:latin typeface="Arial"/>
             </a:endParaRPr>
           </a:p>
@@ -7363,12 +10472,12 @@
               <a:buChar char=""/>
             </a:pPr>
             <a:r>
-              <a:rPr b="0" lang="en-US" sz="2400" spc="-1" strike="noStrike">
+              <a:rPr b="0" lang="en-US" sz="1800" spc="-1" strike="noStrike">
                 <a:latin typeface="Arial"/>
               </a:rPr>
               <a:t>Third Outline Level</a:t>
             </a:r>
-            <a:endParaRPr b="0" lang="en-US" sz="2400" spc="-1" strike="noStrike">
+            <a:endParaRPr b="0" lang="en-US" sz="1800" spc="-1" strike="noStrike">
               <a:latin typeface="Arial"/>
             </a:endParaRPr>
           </a:p>
@@ -7385,12 +10494,12 @@
               <a:buChar char=""/>
             </a:pPr>
             <a:r>
-              <a:rPr b="0" lang="en-US" sz="2000" spc="-1" strike="noStrike">
+              <a:rPr b="0" lang="en-US" sz="1800" spc="-1" strike="noStrike">
                 <a:latin typeface="Arial"/>
               </a:rPr>
               <a:t>Fourth Outline Level</a:t>
             </a:r>
-            <a:endParaRPr b="0" lang="en-US" sz="2000" spc="-1" strike="noStrike">
+            <a:endParaRPr b="0" lang="en-US" sz="1800" spc="-1" strike="noStrike">
               <a:latin typeface="Arial"/>
             </a:endParaRPr>
           </a:p>
@@ -7407,12 +10516,12 @@
               <a:buChar char=""/>
             </a:pPr>
             <a:r>
-              <a:rPr b="0" lang="en-US" sz="2000" spc="-1" strike="noStrike">
+              <a:rPr b="0" lang="en-US" sz="1800" spc="-1" strike="noStrike">
                 <a:latin typeface="Arial"/>
               </a:rPr>
               <a:t>Fifth Outline Level</a:t>
             </a:r>
-            <a:endParaRPr b="0" lang="en-US" sz="2000" spc="-1" strike="noStrike">
+            <a:endParaRPr b="0" lang="en-US" sz="1800" spc="-1" strike="noStrike">
               <a:latin typeface="Arial"/>
             </a:endParaRPr>
           </a:p>
@@ -7429,12 +10538,12 @@
               <a:buChar char=""/>
             </a:pPr>
             <a:r>
-              <a:rPr b="0" lang="en-US" sz="2000" spc="-1" strike="noStrike">
+              <a:rPr b="0" lang="en-US" sz="1800" spc="-1" strike="noStrike">
                 <a:latin typeface="Arial"/>
               </a:rPr>
               <a:t>Sixth Outline Level</a:t>
             </a:r>
-            <a:endParaRPr b="0" lang="en-US" sz="2000" spc="-1" strike="noStrike">
+            <a:endParaRPr b="0" lang="en-US" sz="1800" spc="-1" strike="noStrike">
               <a:latin typeface="Arial"/>
             </a:endParaRPr>
           </a:p>
@@ -7451,12 +10560,12 @@
               <a:buChar char=""/>
             </a:pPr>
             <a:r>
-              <a:rPr b="0" lang="en-US" sz="2000" spc="-1" strike="noStrike">
+              <a:rPr b="0" lang="en-US" sz="1800" spc="-1" strike="noStrike">
                 <a:latin typeface="Arial"/>
               </a:rPr>
               <a:t>Seventh Outline Level</a:t>
             </a:r>
-            <a:endParaRPr b="0" lang="en-US" sz="2000" spc="-1" strike="noStrike">
+            <a:endParaRPr b="0" lang="en-US" sz="1800" spc="-1" strike="noStrike">
               <a:latin typeface="Arial"/>
             </a:endParaRPr>
           </a:p>
@@ -7783,7 +10892,7 @@
         <p:spPr>
           <a:xfrm>
             <a:off x="495000" y="273600"/>
-            <a:ext cx="8914680" cy="1144440"/>
+            <a:ext cx="8915040" cy="1144800"/>
           </a:xfrm>
           <a:prstGeom prst="rect">
             <a:avLst/>
@@ -7792,13 +10901,14 @@
         <p:txBody>
           <a:bodyPr lIns="0" rIns="0" tIns="0" bIns="0" anchor="ctr"/>
           <a:p>
-            <a:r>
-              <a:rPr b="0" lang="en-US" sz="1800" spc="-1" strike="noStrike">
+            <a:pPr algn="ctr"/>
+            <a:r>
+              <a:rPr b="0" lang="en-US" sz="4400" spc="-1" strike="noStrike">
                 <a:latin typeface="Arial"/>
               </a:rPr>
               <a:t>Click to edit the title text format</a:t>
             </a:r>
-            <a:endParaRPr b="0" lang="en-US" sz="1800" spc="-1" strike="noStrike">
+            <a:endParaRPr b="0" lang="en-US" sz="4400" spc="-1" strike="noStrike">
               <a:latin typeface="Arial"/>
             </a:endParaRPr>
           </a:p>
@@ -7999,6 +11109,731 @@
     <p:sldLayoutId id="2147483710" r:id="rId12"/>
     <p:sldLayoutId id="2147483711" r:id="rId13"/>
     <p:sldLayoutId id="2147483712" r:id="rId14"/>
+  </p:sldLayoutIdLst>
+</p:sldMaster>
+</file>
+
+<file path=ppt/slideMasters/slideMaster6.xml><?xml version="1.0" encoding="utf-8"?>
+<p:sldMaster xmlns:a="http://schemas.openxmlformats.org/drawingml/2006/main" xmlns:p="http://schemas.openxmlformats.org/presentationml/2006/main" xmlns:r="http://schemas.openxmlformats.org/officeDocument/2006/relationships" xmlns:p14="http://schemas.microsoft.com/office/powerpoint/2010/main" xmlns:p15="http://schemas.microsoft.com/office/powerpoint/2012/main" xmlns:mc="http://schemas.openxmlformats.org/markup-compatibility/2006">
+  <p:cSld>
+    <p:bg>
+      <p:bgPr>
+        <a:blipFill rotWithShape="0">
+          <a:blip r:embed="rId2"/>
+          <a:stretch>
+            <a:fillRect/>
+          </a:stretch>
+        </a:blipFill>
+      </p:bgPr>
+    </p:bg>
+    <p:spTree>
+      <p:nvGrpSpPr>
+        <p:cNvPr id="1" name=""/>
+        <p:cNvGrpSpPr/>
+        <p:nvPr/>
+      </p:nvGrpSpPr>
+      <p:grpSpPr>
+        <a:xfrm>
+          <a:off x="0" y="0"/>
+          <a:ext cx="0" cy="0"/>
+          <a:chOff x="0" y="0"/>
+          <a:chExt cx="0" cy="0"/>
+        </a:xfrm>
+      </p:grpSpPr>
+      <p:sp>
+        <p:nvSpPr>
+          <p:cNvPr id="190" name="PlaceHolder 1"/>
+          <p:cNvSpPr>
+            <a:spLocks noGrp="1"/>
+          </p:cNvSpPr>
+          <p:nvPr>
+            <p:ph type="title"/>
+          </p:nvPr>
+        </p:nvSpPr>
+        <p:spPr>
+          <a:xfrm>
+            <a:off x="495000" y="273600"/>
+            <a:ext cx="8915040" cy="1144800"/>
+          </a:xfrm>
+          <a:prstGeom prst="rect">
+            <a:avLst/>
+          </a:prstGeom>
+        </p:spPr>
+        <p:txBody>
+          <a:bodyPr lIns="0" rIns="0" tIns="0" bIns="0" anchor="ctr"/>
+          <a:p>
+            <a:pPr algn="ctr"/>
+            <a:r>
+              <a:rPr b="0" lang="en-US" sz="4400" spc="-1" strike="noStrike">
+                <a:latin typeface="Arial"/>
+              </a:rPr>
+              <a:t>C</a:t>
+            </a:r>
+            <a:r>
+              <a:rPr b="0" lang="en-US" sz="4400" spc="-1" strike="noStrike">
+                <a:latin typeface="Arial"/>
+              </a:rPr>
+              <a:t>l</a:t>
+            </a:r>
+            <a:r>
+              <a:rPr b="0" lang="en-US" sz="4400" spc="-1" strike="noStrike">
+                <a:latin typeface="Arial"/>
+              </a:rPr>
+              <a:t>i</a:t>
+            </a:r>
+            <a:r>
+              <a:rPr b="0" lang="en-US" sz="4400" spc="-1" strike="noStrike">
+                <a:latin typeface="Arial"/>
+              </a:rPr>
+              <a:t>c</a:t>
+            </a:r>
+            <a:r>
+              <a:rPr b="0" lang="en-US" sz="4400" spc="-1" strike="noStrike">
+                <a:latin typeface="Arial"/>
+              </a:rPr>
+              <a:t>k</a:t>
+            </a:r>
+            <a:r>
+              <a:rPr b="0" lang="en-US" sz="4400" spc="-1" strike="noStrike">
+                <a:latin typeface="Arial"/>
+              </a:rPr>
+              <a:t> </a:t>
+            </a:r>
+            <a:r>
+              <a:rPr b="0" lang="en-US" sz="4400" spc="-1" strike="noStrike">
+                <a:latin typeface="Arial"/>
+              </a:rPr>
+              <a:t>t</a:t>
+            </a:r>
+            <a:r>
+              <a:rPr b="0" lang="en-US" sz="4400" spc="-1" strike="noStrike">
+                <a:latin typeface="Arial"/>
+              </a:rPr>
+              <a:t>o</a:t>
+            </a:r>
+            <a:r>
+              <a:rPr b="0" lang="en-US" sz="4400" spc="-1" strike="noStrike">
+                <a:latin typeface="Arial"/>
+              </a:rPr>
+              <a:t> </a:t>
+            </a:r>
+            <a:r>
+              <a:rPr b="0" lang="en-US" sz="4400" spc="-1" strike="noStrike">
+                <a:latin typeface="Arial"/>
+              </a:rPr>
+              <a:t>e</a:t>
+            </a:r>
+            <a:r>
+              <a:rPr b="0" lang="en-US" sz="4400" spc="-1" strike="noStrike">
+                <a:latin typeface="Arial"/>
+              </a:rPr>
+              <a:t>d</a:t>
+            </a:r>
+            <a:r>
+              <a:rPr b="0" lang="en-US" sz="4400" spc="-1" strike="noStrike">
+                <a:latin typeface="Arial"/>
+              </a:rPr>
+              <a:t>i</a:t>
+            </a:r>
+            <a:r>
+              <a:rPr b="0" lang="en-US" sz="4400" spc="-1" strike="noStrike">
+                <a:latin typeface="Arial"/>
+              </a:rPr>
+              <a:t>t</a:t>
+            </a:r>
+            <a:r>
+              <a:rPr b="0" lang="en-US" sz="4400" spc="-1" strike="noStrike">
+                <a:latin typeface="Arial"/>
+              </a:rPr>
+              <a:t> </a:t>
+            </a:r>
+            <a:r>
+              <a:rPr b="0" lang="en-US" sz="4400" spc="-1" strike="noStrike">
+                <a:latin typeface="Arial"/>
+              </a:rPr>
+              <a:t>t</a:t>
+            </a:r>
+            <a:r>
+              <a:rPr b="0" lang="en-US" sz="4400" spc="-1" strike="noStrike">
+                <a:latin typeface="Arial"/>
+              </a:rPr>
+              <a:t>h</a:t>
+            </a:r>
+            <a:r>
+              <a:rPr b="0" lang="en-US" sz="4400" spc="-1" strike="noStrike">
+                <a:latin typeface="Arial"/>
+              </a:rPr>
+              <a:t>e</a:t>
+            </a:r>
+            <a:r>
+              <a:rPr b="0" lang="en-US" sz="4400" spc="-1" strike="noStrike">
+                <a:latin typeface="Arial"/>
+              </a:rPr>
+              <a:t> </a:t>
+            </a:r>
+            <a:r>
+              <a:rPr b="0" lang="en-US" sz="4400" spc="-1" strike="noStrike">
+                <a:latin typeface="Arial"/>
+              </a:rPr>
+              <a:t>t</a:t>
+            </a:r>
+            <a:r>
+              <a:rPr b="0" lang="en-US" sz="4400" spc="-1" strike="noStrike">
+                <a:latin typeface="Arial"/>
+              </a:rPr>
+              <a:t>i</a:t>
+            </a:r>
+            <a:r>
+              <a:rPr b="0" lang="en-US" sz="4400" spc="-1" strike="noStrike">
+                <a:latin typeface="Arial"/>
+              </a:rPr>
+              <a:t>t</a:t>
+            </a:r>
+            <a:r>
+              <a:rPr b="0" lang="en-US" sz="4400" spc="-1" strike="noStrike">
+                <a:latin typeface="Arial"/>
+              </a:rPr>
+              <a:t>l</a:t>
+            </a:r>
+            <a:r>
+              <a:rPr b="0" lang="en-US" sz="4400" spc="-1" strike="noStrike">
+                <a:latin typeface="Arial"/>
+              </a:rPr>
+              <a:t>e</a:t>
+            </a:r>
+            <a:r>
+              <a:rPr b="0" lang="en-US" sz="4400" spc="-1" strike="noStrike">
+                <a:latin typeface="Arial"/>
+              </a:rPr>
+              <a:t> </a:t>
+            </a:r>
+            <a:r>
+              <a:rPr b="0" lang="en-US" sz="4400" spc="-1" strike="noStrike">
+                <a:latin typeface="Arial"/>
+              </a:rPr>
+              <a:t>t</a:t>
+            </a:r>
+            <a:r>
+              <a:rPr b="0" lang="en-US" sz="4400" spc="-1" strike="noStrike">
+                <a:latin typeface="Arial"/>
+              </a:rPr>
+              <a:t>e</a:t>
+            </a:r>
+            <a:r>
+              <a:rPr b="0" lang="en-US" sz="4400" spc="-1" strike="noStrike">
+                <a:latin typeface="Arial"/>
+              </a:rPr>
+              <a:t>x</a:t>
+            </a:r>
+            <a:r>
+              <a:rPr b="0" lang="en-US" sz="4400" spc="-1" strike="noStrike">
+                <a:latin typeface="Arial"/>
+              </a:rPr>
+              <a:t>t</a:t>
+            </a:r>
+            <a:r>
+              <a:rPr b="0" lang="en-US" sz="4400" spc="-1" strike="noStrike">
+                <a:latin typeface="Arial"/>
+              </a:rPr>
+              <a:t> </a:t>
+            </a:r>
+            <a:r>
+              <a:rPr b="0" lang="en-US" sz="4400" spc="-1" strike="noStrike">
+                <a:latin typeface="Arial"/>
+              </a:rPr>
+              <a:t>f</a:t>
+            </a:r>
+            <a:r>
+              <a:rPr b="0" lang="en-US" sz="4400" spc="-1" strike="noStrike">
+                <a:latin typeface="Arial"/>
+              </a:rPr>
+              <a:t>o</a:t>
+            </a:r>
+            <a:r>
+              <a:rPr b="0" lang="en-US" sz="4400" spc="-1" strike="noStrike">
+                <a:latin typeface="Arial"/>
+              </a:rPr>
+              <a:t>r</a:t>
+            </a:r>
+            <a:r>
+              <a:rPr b="0" lang="en-US" sz="4400" spc="-1" strike="noStrike">
+                <a:latin typeface="Arial"/>
+              </a:rPr>
+              <a:t>m</a:t>
+            </a:r>
+            <a:r>
+              <a:rPr b="0" lang="en-US" sz="4400" spc="-1" strike="noStrike">
+                <a:latin typeface="Arial"/>
+              </a:rPr>
+              <a:t>a</a:t>
+            </a:r>
+            <a:r>
+              <a:rPr b="0" lang="en-US" sz="4400" spc="-1" strike="noStrike">
+                <a:latin typeface="Arial"/>
+              </a:rPr>
+              <a:t>t</a:t>
+            </a:r>
+            <a:endParaRPr b="0" lang="en-US" sz="4400" spc="-1" strike="noStrike">
+              <a:latin typeface="Arial"/>
+            </a:endParaRPr>
+          </a:p>
+        </p:txBody>
+      </p:sp>
+      <p:sp>
+        <p:nvSpPr>
+          <p:cNvPr id="191" name="PlaceHolder 2"/>
+          <p:cNvSpPr>
+            <a:spLocks noGrp="1"/>
+          </p:cNvSpPr>
+          <p:nvPr>
+            <p:ph type="body"/>
+          </p:nvPr>
+        </p:nvSpPr>
+        <p:spPr>
+          <a:xfrm>
+            <a:off x="495000" y="1604520"/>
+            <a:ext cx="8915040" cy="3977280"/>
+          </a:xfrm>
+          <a:prstGeom prst="rect">
+            <a:avLst/>
+          </a:prstGeom>
+        </p:spPr>
+        <p:txBody>
+          <a:bodyPr lIns="0" rIns="0" tIns="0" bIns="0">
+            <a:normAutofit/>
+          </a:bodyPr>
+          <a:p>
+            <a:pPr marL="432000" indent="-324000">
+              <a:spcBef>
+                <a:spcPts val="1417"/>
+              </a:spcBef>
+              <a:buClr>
+                <a:srgbClr val="000000"/>
+              </a:buClr>
+              <a:buSzPct val="45000"/>
+              <a:buFont typeface="Wingdings" charset="2"/>
+              <a:buChar char=""/>
+            </a:pPr>
+            <a:r>
+              <a:rPr b="0" lang="en-US" sz="3200" spc="-1" strike="noStrike">
+                <a:latin typeface="Arial"/>
+              </a:rPr>
+              <a:t>Click to edit the outline text format</a:t>
+            </a:r>
+            <a:endParaRPr b="0" lang="en-US" sz="3200" spc="-1" strike="noStrike">
+              <a:latin typeface="Arial"/>
+            </a:endParaRPr>
+          </a:p>
+          <a:p>
+            <a:pPr lvl="1" marL="864000" indent="-324000">
+              <a:spcBef>
+                <a:spcPts val="1134"/>
+              </a:spcBef>
+              <a:buClr>
+                <a:srgbClr val="000000"/>
+              </a:buClr>
+              <a:buSzPct val="75000"/>
+              <a:buFont typeface="Symbol" charset="2"/>
+              <a:buChar char=""/>
+            </a:pPr>
+            <a:r>
+              <a:rPr b="0" lang="en-US" sz="2800" spc="-1" strike="noStrike">
+                <a:latin typeface="Arial"/>
+              </a:rPr>
+              <a:t>Second Outline Level</a:t>
+            </a:r>
+            <a:endParaRPr b="0" lang="en-US" sz="2800" spc="-1" strike="noStrike">
+              <a:latin typeface="Arial"/>
+            </a:endParaRPr>
+          </a:p>
+          <a:p>
+            <a:pPr lvl="2" marL="1296000" indent="-288000">
+              <a:spcBef>
+                <a:spcPts val="850"/>
+              </a:spcBef>
+              <a:buClr>
+                <a:srgbClr val="000000"/>
+              </a:buClr>
+              <a:buSzPct val="45000"/>
+              <a:buFont typeface="Wingdings" charset="2"/>
+              <a:buChar char=""/>
+            </a:pPr>
+            <a:r>
+              <a:rPr b="0" lang="en-US" sz="2400" spc="-1" strike="noStrike">
+                <a:latin typeface="Arial"/>
+              </a:rPr>
+              <a:t>Third Outline Level</a:t>
+            </a:r>
+            <a:endParaRPr b="0" lang="en-US" sz="2400" spc="-1" strike="noStrike">
+              <a:latin typeface="Arial"/>
+            </a:endParaRPr>
+          </a:p>
+          <a:p>
+            <a:pPr lvl="3" marL="1728000" indent="-216000">
+              <a:spcBef>
+                <a:spcPts val="567"/>
+              </a:spcBef>
+              <a:buClr>
+                <a:srgbClr val="000000"/>
+              </a:buClr>
+              <a:buSzPct val="75000"/>
+              <a:buFont typeface="Symbol" charset="2"/>
+              <a:buChar char=""/>
+            </a:pPr>
+            <a:r>
+              <a:rPr b="0" lang="en-US" sz="2000" spc="-1" strike="noStrike">
+                <a:latin typeface="Arial"/>
+              </a:rPr>
+              <a:t>Fourth Outline Level</a:t>
+            </a:r>
+            <a:endParaRPr b="0" lang="en-US" sz="2000" spc="-1" strike="noStrike">
+              <a:latin typeface="Arial"/>
+            </a:endParaRPr>
+          </a:p>
+          <a:p>
+            <a:pPr lvl="4" marL="2160000" indent="-216000">
+              <a:spcBef>
+                <a:spcPts val="283"/>
+              </a:spcBef>
+              <a:buClr>
+                <a:srgbClr val="000000"/>
+              </a:buClr>
+              <a:buSzPct val="45000"/>
+              <a:buFont typeface="Wingdings" charset="2"/>
+              <a:buChar char=""/>
+            </a:pPr>
+            <a:r>
+              <a:rPr b="0" lang="en-US" sz="2000" spc="-1" strike="noStrike">
+                <a:latin typeface="Arial"/>
+              </a:rPr>
+              <a:t>Fifth Outline Level</a:t>
+            </a:r>
+            <a:endParaRPr b="0" lang="en-US" sz="2000" spc="-1" strike="noStrike">
+              <a:latin typeface="Arial"/>
+            </a:endParaRPr>
+          </a:p>
+          <a:p>
+            <a:pPr lvl="5" marL="2592000" indent="-216000">
+              <a:spcBef>
+                <a:spcPts val="283"/>
+              </a:spcBef>
+              <a:buClr>
+                <a:srgbClr val="000000"/>
+              </a:buClr>
+              <a:buSzPct val="45000"/>
+              <a:buFont typeface="Wingdings" charset="2"/>
+              <a:buChar char=""/>
+            </a:pPr>
+            <a:r>
+              <a:rPr b="0" lang="en-US" sz="2000" spc="-1" strike="noStrike">
+                <a:latin typeface="Arial"/>
+              </a:rPr>
+              <a:t>Sixth Outline Level</a:t>
+            </a:r>
+            <a:endParaRPr b="0" lang="en-US" sz="2000" spc="-1" strike="noStrike">
+              <a:latin typeface="Arial"/>
+            </a:endParaRPr>
+          </a:p>
+          <a:p>
+            <a:pPr lvl="6" marL="3024000" indent="-216000">
+              <a:spcBef>
+                <a:spcPts val="283"/>
+              </a:spcBef>
+              <a:buClr>
+                <a:srgbClr val="000000"/>
+              </a:buClr>
+              <a:buSzPct val="45000"/>
+              <a:buFont typeface="Wingdings" charset="2"/>
+              <a:buChar char=""/>
+            </a:pPr>
+            <a:r>
+              <a:rPr b="0" lang="en-US" sz="2000" spc="-1" strike="noStrike">
+                <a:latin typeface="Arial"/>
+              </a:rPr>
+              <a:t>Seventh Outline Level</a:t>
+            </a:r>
+            <a:endParaRPr b="0" lang="en-US" sz="2000" spc="-1" strike="noStrike">
+              <a:latin typeface="Arial"/>
+            </a:endParaRPr>
+          </a:p>
+        </p:txBody>
+      </p:sp>
+    </p:spTree>
+  </p:cSld>
+  <p:clrMap bg1="lt1" bg2="lt2" tx1="dk1" tx2="dk2" accent1="accent1" accent2="accent2" accent3="accent3" accent4="accent4" accent5="accent5" accent6="accent6" hlink="hlink" folHlink="folHlink"/>
+  <p:sldLayoutIdLst>
+    <p:sldLayoutId id="2147483714" r:id="rId3"/>
+    <p:sldLayoutId id="2147483715" r:id="rId4"/>
+    <p:sldLayoutId id="2147483716" r:id="rId5"/>
+    <p:sldLayoutId id="2147483717" r:id="rId6"/>
+    <p:sldLayoutId id="2147483718" r:id="rId7"/>
+    <p:sldLayoutId id="2147483719" r:id="rId8"/>
+    <p:sldLayoutId id="2147483720" r:id="rId9"/>
+    <p:sldLayoutId id="2147483721" r:id="rId10"/>
+    <p:sldLayoutId id="2147483722" r:id="rId11"/>
+    <p:sldLayoutId id="2147483723" r:id="rId12"/>
+    <p:sldLayoutId id="2147483724" r:id="rId13"/>
+    <p:sldLayoutId id="2147483725" r:id="rId14"/>
+  </p:sldLayoutIdLst>
+</p:sldMaster>
+</file>
+
+<file path=ppt/slideMasters/slideMaster7.xml><?xml version="1.0" encoding="utf-8"?>
+<p:sldMaster xmlns:a="http://schemas.openxmlformats.org/drawingml/2006/main" xmlns:p="http://schemas.openxmlformats.org/presentationml/2006/main" xmlns:r="http://schemas.openxmlformats.org/officeDocument/2006/relationships" xmlns:p14="http://schemas.microsoft.com/office/powerpoint/2010/main" xmlns:p15="http://schemas.microsoft.com/office/powerpoint/2012/main" xmlns:mc="http://schemas.openxmlformats.org/markup-compatibility/2006">
+  <p:cSld>
+    <p:bg>
+      <p:bgPr>
+        <a:blipFill rotWithShape="0">
+          <a:blip r:embed="rId2"/>
+          <a:stretch>
+            <a:fillRect/>
+          </a:stretch>
+        </a:blipFill>
+      </p:bgPr>
+    </p:bg>
+    <p:spTree>
+      <p:nvGrpSpPr>
+        <p:cNvPr id="1" name=""/>
+        <p:cNvGrpSpPr/>
+        <p:nvPr/>
+      </p:nvGrpSpPr>
+      <p:grpSpPr>
+        <a:xfrm>
+          <a:off x="0" y="0"/>
+          <a:ext cx="0" cy="0"/>
+          <a:chOff x="0" y="0"/>
+          <a:chExt cx="0" cy="0"/>
+        </a:xfrm>
+      </p:grpSpPr>
+      <p:sp>
+        <p:nvSpPr>
+          <p:cNvPr id="228" name="PlaceHolder 1"/>
+          <p:cNvSpPr>
+            <a:spLocks noGrp="1"/>
+          </p:cNvSpPr>
+          <p:nvPr>
+            <p:ph type="title"/>
+          </p:nvPr>
+        </p:nvSpPr>
+        <p:spPr>
+          <a:xfrm>
+            <a:off x="495000" y="273600"/>
+            <a:ext cx="8914680" cy="1144440"/>
+          </a:xfrm>
+          <a:prstGeom prst="rect">
+            <a:avLst/>
+          </a:prstGeom>
+        </p:spPr>
+        <p:txBody>
+          <a:bodyPr lIns="0" rIns="0" tIns="0" bIns="0" anchor="ctr"/>
+          <a:p>
+            <a:r>
+              <a:rPr b="0" lang="en-US" sz="1800" spc="-1" strike="noStrike">
+                <a:latin typeface="Arial"/>
+              </a:rPr>
+              <a:t>Click to edit the title text format</a:t>
+            </a:r>
+            <a:endParaRPr b="0" lang="en-US" sz="1800" spc="-1" strike="noStrike">
+              <a:latin typeface="Arial"/>
+            </a:endParaRPr>
+          </a:p>
+        </p:txBody>
+      </p:sp>
+      <p:sp>
+        <p:nvSpPr>
+          <p:cNvPr id="229" name="PlaceHolder 2"/>
+          <p:cNvSpPr>
+            <a:spLocks noGrp="1"/>
+          </p:cNvSpPr>
+          <p:nvPr>
+            <p:ph type="body"/>
+          </p:nvPr>
+        </p:nvSpPr>
+        <p:spPr>
+          <a:xfrm>
+            <a:off x="495000" y="1604520"/>
+            <a:ext cx="8914680" cy="3976920"/>
+          </a:xfrm>
+          <a:prstGeom prst="rect">
+            <a:avLst/>
+          </a:prstGeom>
+        </p:spPr>
+        <p:txBody>
+          <a:bodyPr lIns="0" rIns="0" tIns="0" bIns="0">
+            <a:normAutofit/>
+          </a:bodyPr>
+          <a:p>
+            <a:pPr marL="432000" indent="-324000">
+              <a:spcBef>
+                <a:spcPts val="1417"/>
+              </a:spcBef>
+              <a:buClr>
+                <a:srgbClr val="000000"/>
+              </a:buClr>
+              <a:buSzPct val="45000"/>
+              <a:buFont typeface="Wingdings" charset="2"/>
+              <a:buChar char=""/>
+            </a:pPr>
+            <a:r>
+              <a:rPr b="0" lang="en-US" sz="1800" spc="-1" strike="noStrike">
+                <a:latin typeface="Arial"/>
+              </a:rPr>
+              <a:t>Click to edit the outline text format</a:t>
+            </a:r>
+            <a:endParaRPr b="0" lang="en-US" sz="1800" spc="-1" strike="noStrike">
+              <a:latin typeface="Arial"/>
+            </a:endParaRPr>
+          </a:p>
+          <a:p>
+            <a:pPr lvl="1" marL="864000" indent="-324000">
+              <a:spcBef>
+                <a:spcPts val="1134"/>
+              </a:spcBef>
+              <a:buClr>
+                <a:srgbClr val="000000"/>
+              </a:buClr>
+              <a:buSzPct val="75000"/>
+              <a:buFont typeface="Symbol" charset="2"/>
+              <a:buChar char=""/>
+            </a:pPr>
+            <a:r>
+              <a:rPr b="0" lang="en-US" sz="1800" spc="-1" strike="noStrike">
+                <a:latin typeface="Arial"/>
+              </a:rPr>
+              <a:t>Second Outline Level</a:t>
+            </a:r>
+            <a:endParaRPr b="0" lang="en-US" sz="1800" spc="-1" strike="noStrike">
+              <a:latin typeface="Arial"/>
+            </a:endParaRPr>
+          </a:p>
+          <a:p>
+            <a:pPr lvl="2" marL="1296000" indent="-288000">
+              <a:spcBef>
+                <a:spcPts val="850"/>
+              </a:spcBef>
+              <a:buClr>
+                <a:srgbClr val="000000"/>
+              </a:buClr>
+              <a:buSzPct val="45000"/>
+              <a:buFont typeface="Wingdings" charset="2"/>
+              <a:buChar char=""/>
+            </a:pPr>
+            <a:r>
+              <a:rPr b="0" lang="en-US" sz="1800" spc="-1" strike="noStrike">
+                <a:latin typeface="Arial"/>
+              </a:rPr>
+              <a:t>Third Outline Level</a:t>
+            </a:r>
+            <a:endParaRPr b="0" lang="en-US" sz="1800" spc="-1" strike="noStrike">
+              <a:latin typeface="Arial"/>
+            </a:endParaRPr>
+          </a:p>
+          <a:p>
+            <a:pPr lvl="3" marL="1728000" indent="-216000">
+              <a:spcBef>
+                <a:spcPts val="567"/>
+              </a:spcBef>
+              <a:buClr>
+                <a:srgbClr val="000000"/>
+              </a:buClr>
+              <a:buSzPct val="75000"/>
+              <a:buFont typeface="Symbol" charset="2"/>
+              <a:buChar char=""/>
+            </a:pPr>
+            <a:r>
+              <a:rPr b="0" lang="en-US" sz="1800" spc="-1" strike="noStrike">
+                <a:latin typeface="Arial"/>
+              </a:rPr>
+              <a:t>Fourth Outline Level</a:t>
+            </a:r>
+            <a:endParaRPr b="0" lang="en-US" sz="1800" spc="-1" strike="noStrike">
+              <a:latin typeface="Arial"/>
+            </a:endParaRPr>
+          </a:p>
+          <a:p>
+            <a:pPr lvl="4" marL="2160000" indent="-216000">
+              <a:spcBef>
+                <a:spcPts val="283"/>
+              </a:spcBef>
+              <a:buClr>
+                <a:srgbClr val="000000"/>
+              </a:buClr>
+              <a:buSzPct val="45000"/>
+              <a:buFont typeface="Wingdings" charset="2"/>
+              <a:buChar char=""/>
+            </a:pPr>
+            <a:r>
+              <a:rPr b="0" lang="en-US" sz="1800" spc="-1" strike="noStrike">
+                <a:latin typeface="Arial"/>
+              </a:rPr>
+              <a:t>Fifth Outline Level</a:t>
+            </a:r>
+            <a:endParaRPr b="0" lang="en-US" sz="1800" spc="-1" strike="noStrike">
+              <a:latin typeface="Arial"/>
+            </a:endParaRPr>
+          </a:p>
+          <a:p>
+            <a:pPr lvl="5" marL="2592000" indent="-216000">
+              <a:spcBef>
+                <a:spcPts val="283"/>
+              </a:spcBef>
+              <a:buClr>
+                <a:srgbClr val="000000"/>
+              </a:buClr>
+              <a:buSzPct val="45000"/>
+              <a:buFont typeface="Wingdings" charset="2"/>
+              <a:buChar char=""/>
+            </a:pPr>
+            <a:r>
+              <a:rPr b="0" lang="en-US" sz="1800" spc="-1" strike="noStrike">
+                <a:latin typeface="Arial"/>
+              </a:rPr>
+              <a:t>Sixth Outline Level</a:t>
+            </a:r>
+            <a:endParaRPr b="0" lang="en-US" sz="1800" spc="-1" strike="noStrike">
+              <a:latin typeface="Arial"/>
+            </a:endParaRPr>
+          </a:p>
+          <a:p>
+            <a:pPr lvl="6" marL="3024000" indent="-216000">
+              <a:spcBef>
+                <a:spcPts val="283"/>
+              </a:spcBef>
+              <a:buClr>
+                <a:srgbClr val="000000"/>
+              </a:buClr>
+              <a:buSzPct val="45000"/>
+              <a:buFont typeface="Wingdings" charset="2"/>
+              <a:buChar char=""/>
+            </a:pPr>
+            <a:r>
+              <a:rPr b="0" lang="en-US" sz="1800" spc="-1" strike="noStrike">
+                <a:latin typeface="Arial"/>
+              </a:rPr>
+              <a:t>Seventh Outline Level</a:t>
+            </a:r>
+            <a:endParaRPr b="0" lang="en-US" sz="1800" spc="-1" strike="noStrike">
+              <a:latin typeface="Arial"/>
+            </a:endParaRPr>
+          </a:p>
+        </p:txBody>
+      </p:sp>
+    </p:spTree>
+  </p:cSld>
+  <p:clrMap bg1="lt1" bg2="lt2" tx1="dk1" tx2="dk2" accent1="accent1" accent2="accent2" accent3="accent3" accent4="accent4" accent5="accent5" accent6="accent6" hlink="hlink" folHlink="folHlink"/>
+  <p:sldLayoutIdLst>
+    <p:sldLayoutId id="2147483727" r:id="rId3"/>
+    <p:sldLayoutId id="2147483728" r:id="rId4"/>
+    <p:sldLayoutId id="2147483729" r:id="rId5"/>
+    <p:sldLayoutId id="2147483730" r:id="rId6"/>
+    <p:sldLayoutId id="2147483731" r:id="rId7"/>
+    <p:sldLayoutId id="2147483732" r:id="rId8"/>
+    <p:sldLayoutId id="2147483733" r:id="rId9"/>
+    <p:sldLayoutId id="2147483734" r:id="rId10"/>
+    <p:sldLayoutId id="2147483735" r:id="rId11"/>
+    <p:sldLayoutId id="2147483736" r:id="rId12"/>
+    <p:sldLayoutId id="2147483737" r:id="rId13"/>
+    <p:sldLayoutId id="2147483738" r:id="rId14"/>
   </p:sldLayoutIdLst>
 </p:sldMaster>
 </file>
@@ -8032,14 +11867,14 @@
       </p:grpSpPr>
       <p:sp>
         <p:nvSpPr>
-          <p:cNvPr id="190" name="CustomShape 1"/>
+          <p:cNvPr id="266" name="CustomShape 1"/>
           <p:cNvSpPr/>
           <p:nvPr/>
         </p:nvSpPr>
         <p:spPr>
           <a:xfrm>
             <a:off x="1557360" y="3749040"/>
-            <a:ext cx="8253360" cy="2385360"/>
+            <a:ext cx="8252640" cy="2384640"/>
           </a:xfrm>
           <a:prstGeom prst="rect">
             <a:avLst/>
@@ -8083,14 +11918,14 @@
       </p:sp>
       <p:sp>
         <p:nvSpPr>
-          <p:cNvPr id="191" name="CustomShape 2"/>
+          <p:cNvPr id="267" name="CustomShape 2"/>
           <p:cNvSpPr/>
           <p:nvPr/>
         </p:nvSpPr>
         <p:spPr>
           <a:xfrm>
             <a:off x="1090080" y="304920"/>
-            <a:ext cx="4851360" cy="575280"/>
+            <a:ext cx="4850640" cy="574560"/>
           </a:xfrm>
           <a:prstGeom prst="rect">
             <a:avLst/>
@@ -8152,7 +11987,7 @@
       </p:sp>
       <p:pic>
         <p:nvPicPr>
-          <p:cNvPr id="192" name="Picture 3" descr=""/>
+          <p:cNvPr id="268" name="Picture 3" descr=""/>
           <p:cNvPicPr/>
           <p:nvPr/>
         </p:nvPicPr>
@@ -8163,7 +11998,7 @@
         <p:spPr>
           <a:xfrm>
             <a:off x="327960" y="174960"/>
-            <a:ext cx="619560" cy="842040"/>
+            <a:ext cx="618840" cy="841320"/>
           </a:xfrm>
           <a:prstGeom prst="rect">
             <a:avLst/>
@@ -8224,14 +12059,14 @@
       </p:grpSpPr>
       <p:sp>
         <p:nvSpPr>
-          <p:cNvPr id="246" name="CustomShape 1"/>
+          <p:cNvPr id="326" name="CustomShape 1"/>
           <p:cNvSpPr/>
           <p:nvPr/>
         </p:nvSpPr>
         <p:spPr>
           <a:xfrm>
             <a:off x="2025720" y="-190800"/>
-            <a:ext cx="8541720" cy="1323360"/>
+            <a:ext cx="8541000" cy="1322640"/>
           </a:xfrm>
           <a:prstGeom prst="rect">
             <a:avLst/>
@@ -8265,67 +12100,7 @@
                 <a:latin typeface="Calibri"/>
                 <a:ea typeface="DejaVu Sans"/>
               </a:rPr>
-              <a:t>III. </a:t>
-            </a:r>
-            <a:r>
-              <a:rPr b="1" lang="en-US" sz="3600" spc="-1" strike="noStrike">
-                <a:solidFill>
-                  <a:srgbClr val="ffffff"/>
-                </a:solidFill>
-                <a:latin typeface="Calibri"/>
-                <a:ea typeface="DejaVu Sans"/>
-              </a:rPr>
-              <a:t>NỘI </a:t>
-            </a:r>
-            <a:r>
-              <a:rPr b="1" lang="en-US" sz="3600" spc="-1" strike="noStrike">
-                <a:solidFill>
-                  <a:srgbClr val="ffffff"/>
-                </a:solidFill>
-                <a:latin typeface="Calibri"/>
-                <a:ea typeface="DejaVu Sans"/>
-              </a:rPr>
-              <a:t>DUN</a:t>
-            </a:r>
-            <a:r>
-              <a:rPr b="1" lang="en-US" sz="3600" spc="-1" strike="noStrike">
-                <a:solidFill>
-                  <a:srgbClr val="ffffff"/>
-                </a:solidFill>
-                <a:latin typeface="Calibri"/>
-                <a:ea typeface="DejaVu Sans"/>
-              </a:rPr>
-              <a:t>G </a:t>
-            </a:r>
-            <a:r>
-              <a:rPr b="1" lang="en-US" sz="3600" spc="-1" strike="noStrike">
-                <a:solidFill>
-                  <a:srgbClr val="ffffff"/>
-                </a:solidFill>
-                <a:latin typeface="Calibri"/>
-                <a:ea typeface="DejaVu Sans"/>
-              </a:rPr>
-              <a:t>THỰ</a:t>
-            </a:r>
-            <a:r>
-              <a:rPr b="1" lang="en-US" sz="3600" spc="-1" strike="noStrike">
-                <a:solidFill>
-                  <a:srgbClr val="ffffff"/>
-                </a:solidFill>
-                <a:latin typeface="Calibri"/>
-                <a:ea typeface="DejaVu Sans"/>
-              </a:rPr>
-              <a:t>C </a:t>
-            </a:r>
-            <a:r>
-              <a:rPr b="1" lang="en-US" sz="3600" spc="-1" strike="noStrike">
-                <a:solidFill>
-                  <a:srgbClr val="ffffff"/>
-                </a:solidFill>
-                <a:latin typeface="Calibri"/>
-                <a:ea typeface="DejaVu Sans"/>
-              </a:rPr>
-              <a:t>HIỆN</a:t>
+              <a:t>NỘI DUNG THỰC HIỆN</a:t>
             </a:r>
             <a:endParaRPr b="0" lang="en-US" sz="3600" spc="-1" strike="noStrike">
               <a:latin typeface="Arial"/>
@@ -8335,7 +12110,7 @@
       </p:sp>
       <p:pic>
         <p:nvPicPr>
-          <p:cNvPr id="247" name="Content Placeholder 2" descr=""/>
+          <p:cNvPr id="327" name="Content Placeholder 2" descr=""/>
           <p:cNvPicPr/>
           <p:nvPr/>
         </p:nvPicPr>
@@ -8346,7 +12121,7 @@
         <p:spPr>
           <a:xfrm>
             <a:off x="304920" y="95760"/>
-            <a:ext cx="549000" cy="746280"/>
+            <a:ext cx="548280" cy="745560"/>
           </a:xfrm>
           <a:prstGeom prst="rect">
             <a:avLst/>
@@ -8358,14 +12133,14 @@
       </p:pic>
       <p:sp>
         <p:nvSpPr>
-          <p:cNvPr id="248" name="TextShape 2"/>
-          <p:cNvSpPr txBox="1"/>
+          <p:cNvPr id="328" name="CustomShape 2"/>
+          <p:cNvSpPr/>
           <p:nvPr/>
         </p:nvSpPr>
         <p:spPr>
           <a:xfrm>
             <a:off x="495000" y="1604520"/>
-            <a:ext cx="8915040" cy="2693160"/>
+            <a:ext cx="8914320" cy="2692440"/>
           </a:xfrm>
           <a:prstGeom prst="rect">
             <a:avLst/>
@@ -8375,85 +12150,12 @@
             <a:noFill/>
           </a:ln>
         </p:spPr>
-        <p:txBody>
-          <a:bodyPr lIns="0" rIns="0" tIns="0" bIns="0" anchor="ctr"/>
-          <a:p>
-            <a:r>
-              <a:rPr b="0" lang="en-US" sz="3200" spc="-1" strike="noStrike">
-                <a:latin typeface="Arial"/>
-              </a:rPr>
-              <a:t>A.</a:t>
-            </a:r>
-            <a:r>
-              <a:rPr b="0" lang="en-US" sz="3200" spc="-1" strike="noStrike">
-                <a:latin typeface="Arial"/>
-              </a:rPr>
-              <a:t>	</a:t>
-            </a:r>
-            <a:r>
-              <a:rPr b="0" lang="en-US" sz="3200" spc="-1" strike="noStrike">
-                <a:latin typeface="Arial"/>
-              </a:rPr>
-              <a:t> Website quản trị viện</a:t>
-            </a:r>
-            <a:endParaRPr b="0" lang="en-US" sz="3200" spc="-1" strike="noStrike">
-              <a:latin typeface="Arial"/>
-            </a:endParaRPr>
-          </a:p>
-          <a:p>
-            <a:r>
-              <a:rPr b="0" lang="en-US" sz="3200" spc="-1" strike="noStrike">
-                <a:latin typeface="Arial"/>
-              </a:rPr>
-              <a:t>	</a:t>
-            </a:r>
-            <a:r>
-              <a:rPr b="0" lang="en-US" sz="3200" spc="-1" strike="noStrike">
-                <a:latin typeface="Arial"/>
-              </a:rPr>
-              <a:t>Thiết kế hệ thống</a:t>
-            </a:r>
-            <a:endParaRPr b="0" lang="en-US" sz="3200" spc="-1" strike="noStrike">
-              <a:latin typeface="Arial"/>
-            </a:endParaRPr>
-          </a:p>
-          <a:p>
-            <a:pPr lvl="1" marL="432000" indent="-216000">
-              <a:buClr>
-                <a:srgbClr val="000000"/>
-              </a:buClr>
-              <a:buFont typeface="Wingdings" charset="2"/>
-              <a:buChar char=""/>
-            </a:pPr>
-            <a:r>
-              <a:rPr b="0" lang="en-US" sz="3200" spc="-1" strike="noStrike">
-                <a:latin typeface="Arial"/>
-              </a:rPr>
-              <a:t> </a:t>
-            </a:r>
-            <a:r>
-              <a:rPr b="0" lang="en-US" sz="3200" spc="-1" strike="noStrike">
-                <a:latin typeface="Arial"/>
-              </a:rPr>
-              <a:t>Biểu đồ Usecase tổng quát</a:t>
-            </a:r>
-            <a:endParaRPr b="0" lang="en-US" sz="3200" spc="-1" strike="noStrike">
-              <a:latin typeface="Arial"/>
-            </a:endParaRPr>
-          </a:p>
-          <a:p>
-            <a:pPr lvl="3" marL="864000" indent="-216000">
-              <a:buClr>
-                <a:srgbClr val="000000"/>
-              </a:buClr>
-              <a:buFont typeface="Wingdings" charset="2"/>
-              <a:buChar char=""/>
-            </a:pPr>
-            <a:endParaRPr b="0" lang="en-US" sz="3200" spc="-1" strike="noStrike">
-              <a:latin typeface="Arial"/>
-            </a:endParaRPr>
-          </a:p>
-        </p:txBody>
+        <p:style>
+          <a:lnRef idx="0"/>
+          <a:fillRef idx="0"/>
+          <a:effectRef idx="0"/>
+          <a:fontRef idx="minor"/>
+        </p:style>
       </p:sp>
     </p:spTree>
   </p:cSld>
@@ -8506,14 +12208,14 @@
       </p:grpSpPr>
       <p:sp>
         <p:nvSpPr>
-          <p:cNvPr id="249" name="CustomShape 1"/>
+          <p:cNvPr id="329" name="CustomShape 1"/>
           <p:cNvSpPr/>
           <p:nvPr/>
         </p:nvSpPr>
         <p:spPr>
           <a:xfrm>
             <a:off x="2025720" y="-190800"/>
-            <a:ext cx="8541720" cy="1323360"/>
+            <a:ext cx="8541000" cy="1322640"/>
           </a:xfrm>
           <a:prstGeom prst="rect">
             <a:avLst/>
@@ -8547,37 +12249,7 @@
                 <a:latin typeface="Calibri"/>
                 <a:ea typeface="DejaVu Sans"/>
               </a:rPr>
-              <a:t>III. NỘI </a:t>
-            </a:r>
-            <a:r>
-              <a:rPr b="1" lang="en-US" sz="3600" spc="-1" strike="noStrike">
-                <a:solidFill>
-                  <a:srgbClr val="ffffff"/>
-                </a:solidFill>
-                <a:latin typeface="Calibri"/>
-                <a:ea typeface="DejaVu Sans"/>
-              </a:rPr>
-              <a:t>DUNG </a:t>
-            </a:r>
-            <a:r>
-              <a:rPr b="1" lang="en-US" sz="3600" spc="-1" strike="noStrike">
-                <a:solidFill>
-                  <a:srgbClr val="ffffff"/>
-                </a:solidFill>
-                <a:latin typeface="Calibri"/>
-                <a:ea typeface="DejaVu Sans"/>
-              </a:rPr>
-              <a:t>THỰC </a:t>
-            </a:r>
-            <a:r>
-              <a:rPr b="1" lang="en-US" sz="3600" spc="-1" strike="noStrike">
-                <a:solidFill>
-                  <a:srgbClr val="ffffff"/>
-                </a:solidFill>
-                <a:latin typeface="Calibri"/>
-                <a:ea typeface="DejaVu Sans"/>
-              </a:rPr>
-              <a:t>HIỆN</a:t>
+              <a:t>NỘI DUNG THỰC HIỆN</a:t>
             </a:r>
             <a:endParaRPr b="0" lang="en-US" sz="3600" spc="-1" strike="noStrike">
               <a:latin typeface="Arial"/>
@@ -8587,7 +12259,7 @@
       </p:sp>
       <p:pic>
         <p:nvPicPr>
-          <p:cNvPr id="250" name="Content Placeholder 2" descr=""/>
+          <p:cNvPr id="330" name="Content Placeholder 2" descr=""/>
           <p:cNvPicPr/>
           <p:nvPr/>
         </p:nvPicPr>
@@ -8598,7 +12270,7 @@
         <p:spPr>
           <a:xfrm>
             <a:off x="304920" y="95760"/>
-            <a:ext cx="549000" cy="746280"/>
+            <a:ext cx="548280" cy="745560"/>
           </a:xfrm>
           <a:prstGeom prst="rect">
             <a:avLst/>
@@ -8610,14 +12282,14 @@
       </p:pic>
       <p:sp>
         <p:nvSpPr>
-          <p:cNvPr id="251" name="TextShape 2"/>
-          <p:cNvSpPr txBox="1"/>
+          <p:cNvPr id="331" name="CustomShape 2"/>
+          <p:cNvSpPr/>
           <p:nvPr/>
         </p:nvSpPr>
         <p:spPr>
           <a:xfrm>
             <a:off x="365760" y="1280160"/>
-            <a:ext cx="8915040" cy="914400"/>
+            <a:ext cx="8914320" cy="913680"/>
           </a:xfrm>
           <a:prstGeom prst="rect">
             <a:avLst/>
@@ -8627,45 +12299,31 @@
             <a:noFill/>
           </a:ln>
         </p:spPr>
+        <p:style>
+          <a:lnRef idx="0"/>
+          <a:fillRef idx="0"/>
+          <a:effectRef idx="0"/>
+          <a:fontRef idx="minor"/>
+        </p:style>
         <p:txBody>
           <a:bodyPr lIns="0" rIns="0" tIns="0" bIns="0" anchor="ctr"/>
           <a:p>
-            <a:r>
-              <a:rPr b="0" lang="en-US" sz="3200" spc="-1" strike="noStrike">
-                <a:latin typeface="Arial"/>
-              </a:rPr>
-              <a:t>A.</a:t>
-            </a:r>
-            <a:r>
-              <a:rPr b="0" lang="en-US" sz="3200" spc="-1" strike="noStrike">
-                <a:latin typeface="Arial"/>
-              </a:rPr>
-              <a:t>	</a:t>
-            </a:r>
-            <a:r>
-              <a:rPr b="0" lang="en-US" sz="3200" spc="-1" strike="noStrike">
-                <a:latin typeface="Arial"/>
-              </a:rPr>
-              <a:t> Website quản trị viện</a:t>
-            </a:r>
-            <a:endParaRPr b="0" lang="en-US" sz="3200" spc="-1" strike="noStrike">
-              <a:latin typeface="Arial"/>
-            </a:endParaRPr>
-          </a:p>
-          <a:p>
-            <a:r>
-              <a:rPr b="0" lang="en-US" sz="3200" spc="-1" strike="noStrike">
-                <a:latin typeface="Arial"/>
-              </a:rPr>
-              <a:t>	</a:t>
-            </a:r>
-            <a:r>
-              <a:rPr b="0" lang="en-US" sz="3200" spc="-1" strike="noStrike">
-                <a:latin typeface="Arial"/>
-              </a:rPr>
-              <a:t>Thiết kế giao diện</a:t>
-            </a:r>
-            <a:endParaRPr b="0" lang="en-US" sz="3200" spc="-1" strike="noStrike">
+            <a:pPr>
+              <a:lnSpc>
+                <a:spcPct val="100000"/>
+              </a:lnSpc>
+            </a:pPr>
+            <a:endParaRPr b="0" lang="en-US" sz="1800" spc="-1" strike="noStrike">
+              <a:latin typeface="Arial"/>
+            </a:endParaRPr>
+          </a:p>
+          <a:p>
+            <a:pPr>
+              <a:lnSpc>
+                <a:spcPct val="100000"/>
+              </a:lnSpc>
+            </a:pPr>
+            <a:endParaRPr b="0" lang="en-US" sz="1800" spc="-1" strike="noStrike">
               <a:latin typeface="Arial"/>
             </a:endParaRPr>
           </a:p>
@@ -8722,14 +12380,14 @@
       </p:grpSpPr>
       <p:sp>
         <p:nvSpPr>
-          <p:cNvPr id="252" name="CustomShape 1"/>
+          <p:cNvPr id="332" name="CustomShape 1"/>
           <p:cNvSpPr/>
           <p:nvPr/>
         </p:nvSpPr>
         <p:spPr>
           <a:xfrm>
             <a:off x="2025720" y="-190800"/>
-            <a:ext cx="8541720" cy="1323360"/>
+            <a:ext cx="8541000" cy="1322640"/>
           </a:xfrm>
           <a:prstGeom prst="rect">
             <a:avLst/>
@@ -8763,7 +12421,7 @@
                 <a:latin typeface="Calibri"/>
                 <a:ea typeface="DejaVu Sans"/>
               </a:rPr>
-              <a:t>III. NỘI DUNG THỰC HIỆN</a:t>
+              <a:t>NỘI DUNG THỰC HIỆN</a:t>
             </a:r>
             <a:endParaRPr b="0" lang="en-US" sz="3600" spc="-1" strike="noStrike">
               <a:latin typeface="Arial"/>
@@ -8773,7 +12431,7 @@
       </p:sp>
       <p:pic>
         <p:nvPicPr>
-          <p:cNvPr id="253" name="Content Placeholder 2" descr=""/>
+          <p:cNvPr id="333" name="Content Placeholder 2" descr=""/>
           <p:cNvPicPr/>
           <p:nvPr/>
         </p:nvPicPr>
@@ -8784,7 +12442,7 @@
         <p:spPr>
           <a:xfrm>
             <a:off x="304920" y="95760"/>
-            <a:ext cx="549000" cy="746280"/>
+            <a:ext cx="548280" cy="745560"/>
           </a:xfrm>
           <a:prstGeom prst="rect">
             <a:avLst/>
@@ -8796,14 +12454,14 @@
       </p:pic>
       <p:sp>
         <p:nvSpPr>
-          <p:cNvPr id="254" name="TextShape 2"/>
-          <p:cNvSpPr txBox="1"/>
+          <p:cNvPr id="334" name="CustomShape 2"/>
+          <p:cNvSpPr/>
           <p:nvPr/>
         </p:nvSpPr>
         <p:spPr>
           <a:xfrm>
             <a:off x="411840" y="1011240"/>
-            <a:ext cx="8915040" cy="1823400"/>
+            <a:ext cx="8914320" cy="1822680"/>
           </a:xfrm>
           <a:prstGeom prst="rect">
             <a:avLst/>
@@ -8813,24 +12471,47 @@
             <a:noFill/>
           </a:ln>
         </p:spPr>
+        <p:style>
+          <a:lnRef idx="0"/>
+          <a:fillRef idx="0"/>
+          <a:effectRef idx="0"/>
+          <a:fontRef idx="minor"/>
+        </p:style>
         <p:txBody>
           <a:bodyPr lIns="0" rIns="0" tIns="0" bIns="0" anchor="ctr"/>
           <a:p>
+            <a:pPr>
+              <a:lnSpc>
+                <a:spcPct val="100000"/>
+              </a:lnSpc>
+            </a:pPr>
             <a:r>
               <a:rPr b="0" lang="en-US" sz="3200" spc="-1" strike="noStrike">
-                <a:latin typeface="Arial"/>
+                <a:solidFill>
+                  <a:srgbClr val="000000"/>
+                </a:solidFill>
+                <a:latin typeface="Arial"/>
+                <a:ea typeface="DejaVu Sans"/>
               </a:rPr>
               <a:t>B.</a:t>
             </a:r>
             <a:r>
               <a:rPr b="0" lang="en-US" sz="3200" spc="-1" strike="noStrike">
-                <a:latin typeface="Arial"/>
+                <a:solidFill>
+                  <a:srgbClr val="000000"/>
+                </a:solidFill>
+                <a:latin typeface="Arial"/>
+                <a:ea typeface="DejaVu Sans"/>
               </a:rPr>
               <a:t>	</a:t>
             </a:r>
             <a:r>
               <a:rPr b="0" lang="en-US" sz="3200" spc="-1" strike="noStrike">
-                <a:latin typeface="Arial"/>
+                <a:solidFill>
+                  <a:srgbClr val="000000"/>
+                </a:solidFill>
+                <a:latin typeface="Arial"/>
+                <a:ea typeface="DejaVu Sans"/>
               </a:rPr>
               <a:t> Ứng dụng chạy trên di động cho khách hàng</a:t>
             </a:r>
@@ -8839,15 +12520,28 @@
             </a:endParaRPr>
           </a:p>
           <a:p>
+            <a:pPr>
+              <a:lnSpc>
+                <a:spcPct val="100000"/>
+              </a:lnSpc>
+            </a:pPr>
             <a:r>
               <a:rPr b="0" lang="en-US" sz="3200" spc="-1" strike="noStrike">
-                <a:latin typeface="Arial"/>
+                <a:solidFill>
+                  <a:srgbClr val="000000"/>
+                </a:solidFill>
+                <a:latin typeface="Arial"/>
+                <a:ea typeface="DejaVu Sans"/>
               </a:rPr>
               <a:t>	</a:t>
             </a:r>
             <a:r>
               <a:rPr b="0" lang="en-US" sz="3200" spc="-1" strike="noStrike">
-                <a:latin typeface="Arial"/>
+                <a:solidFill>
+                  <a:srgbClr val="000000"/>
+                </a:solidFill>
+                <a:latin typeface="Arial"/>
+                <a:ea typeface="DejaVu Sans"/>
               </a:rPr>
               <a:t>Xác định yêu cầu</a:t>
             </a:r>
@@ -8856,7 +12550,10 @@
             </a:endParaRPr>
           </a:p>
           <a:p>
-            <a:pPr lvl="2" marL="648000" indent="-216000">
+            <a:pPr lvl="2" marL="648000" indent="-215280">
+              <a:lnSpc>
+                <a:spcPct val="100000"/>
+              </a:lnSpc>
               <a:buClr>
                 <a:srgbClr val="000000"/>
               </a:buClr>
@@ -8866,13 +12563,21 @@
             </a:pPr>
             <a:r>
               <a:rPr b="0" lang="en-US" sz="3200" spc="-1" strike="noStrike">
-                <a:latin typeface="Arial"/>
+                <a:solidFill>
+                  <a:srgbClr val="000000"/>
+                </a:solidFill>
+                <a:latin typeface="Arial"/>
+                <a:ea typeface="DejaVu Sans"/>
               </a:rPr>
               <a:t> </a:t>
             </a:r>
             <a:r>
               <a:rPr b="0" lang="en-US" sz="3200" spc="-1" strike="noStrike">
-                <a:latin typeface="Arial"/>
+                <a:solidFill>
+                  <a:srgbClr val="000000"/>
+                </a:solidFill>
+                <a:latin typeface="Arial"/>
+                <a:ea typeface="DejaVu Sans"/>
               </a:rPr>
               <a:t>Yêu cầu nghiệp vụ:</a:t>
             </a:r>
@@ -8881,7 +12586,10 @@
             </a:endParaRPr>
           </a:p>
           <a:p>
-            <a:pPr lvl="3" marL="864000" indent="-216000">
+            <a:pPr lvl="3" marL="864000" indent="-215280">
+              <a:lnSpc>
+                <a:spcPct val="100000"/>
+              </a:lnSpc>
               <a:buClr>
                 <a:srgbClr val="000000"/>
               </a:buClr>
@@ -8891,19 +12599,31 @@
             </a:pPr>
             <a:r>
               <a:rPr b="0" lang="en-US" sz="3200" spc="-1" strike="noStrike">
-                <a:latin typeface="Arial"/>
+                <a:solidFill>
+                  <a:srgbClr val="000000"/>
+                </a:solidFill>
+                <a:latin typeface="Arial"/>
+                <a:ea typeface="DejaVu Sans"/>
               </a:rPr>
               <a:t>Đối với khách hàng:</a:t>
             </a:r>
             <a:r>
               <a:rPr b="0" lang="en-US" sz="3200" spc="-1" strike="noStrike">
-                <a:latin typeface="Arial"/>
+                <a:solidFill>
+                  <a:srgbClr val="000000"/>
+                </a:solidFill>
+                <a:latin typeface="Arial"/>
+                <a:ea typeface="DejaVu Sans"/>
               </a:rPr>
               <a:t>	</a:t>
             </a:r>
             <a:r>
               <a:rPr b="0" lang="en-US" sz="3200" spc="-1" strike="noStrike">
-                <a:latin typeface="Arial"/>
+                <a:solidFill>
+                  <a:srgbClr val="000000"/>
+                </a:solidFill>
+                <a:latin typeface="Arial"/>
+                <a:ea typeface="DejaVu Sans"/>
               </a:rPr>
               <a:t>	</a:t>
             </a:r>
@@ -8964,14 +12684,14 @@
       </p:grpSpPr>
       <p:sp>
         <p:nvSpPr>
-          <p:cNvPr id="255" name="CustomShape 1"/>
+          <p:cNvPr id="335" name="CustomShape 1"/>
           <p:cNvSpPr/>
           <p:nvPr/>
         </p:nvSpPr>
         <p:spPr>
           <a:xfrm>
             <a:off x="2025720" y="-190800"/>
-            <a:ext cx="8541720" cy="1323360"/>
+            <a:ext cx="8541000" cy="1322640"/>
           </a:xfrm>
           <a:prstGeom prst="rect">
             <a:avLst/>
@@ -9005,7 +12725,7 @@
                 <a:latin typeface="Calibri"/>
                 <a:ea typeface="DejaVu Sans"/>
               </a:rPr>
-              <a:t>III. NỘI DUNG THỰC HIỆN</a:t>
+              <a:t>NỘI DUNG THỰC HIỆN</a:t>
             </a:r>
             <a:endParaRPr b="0" lang="en-US" sz="3600" spc="-1" strike="noStrike">
               <a:latin typeface="Arial"/>
@@ -9015,7 +12735,7 @@
       </p:sp>
       <p:pic>
         <p:nvPicPr>
-          <p:cNvPr id="256" name="Content Placeholder 2" descr=""/>
+          <p:cNvPr id="336" name="Content Placeholder 2" descr=""/>
           <p:cNvPicPr/>
           <p:nvPr/>
         </p:nvPicPr>
@@ -9026,7 +12746,7 @@
         <p:spPr>
           <a:xfrm>
             <a:off x="304920" y="95760"/>
-            <a:ext cx="549000" cy="746280"/>
+            <a:ext cx="548280" cy="745560"/>
           </a:xfrm>
           <a:prstGeom prst="rect">
             <a:avLst/>
@@ -9038,14 +12758,14 @@
       </p:pic>
       <p:sp>
         <p:nvSpPr>
-          <p:cNvPr id="257" name="TextShape 2"/>
-          <p:cNvSpPr txBox="1"/>
+          <p:cNvPr id="337" name="CustomShape 2"/>
+          <p:cNvSpPr/>
           <p:nvPr/>
         </p:nvSpPr>
         <p:spPr>
           <a:xfrm>
             <a:off x="548640" y="1813680"/>
-            <a:ext cx="8915040" cy="3977280"/>
+            <a:ext cx="8914320" cy="3976560"/>
           </a:xfrm>
           <a:prstGeom prst="rect">
             <a:avLst/>
@@ -9055,24 +12775,47 @@
             <a:noFill/>
           </a:ln>
         </p:spPr>
+        <p:style>
+          <a:lnRef idx="0"/>
+          <a:fillRef idx="0"/>
+          <a:effectRef idx="0"/>
+          <a:fontRef idx="minor"/>
+        </p:style>
         <p:txBody>
           <a:bodyPr lIns="0" rIns="0" tIns="0" bIns="0" anchor="ctr"/>
           <a:p>
+            <a:pPr>
+              <a:lnSpc>
+                <a:spcPct val="100000"/>
+              </a:lnSpc>
+            </a:pPr>
             <a:r>
               <a:rPr b="0" lang="en-US" sz="3200" spc="-1" strike="noStrike">
-                <a:latin typeface="Arial"/>
+                <a:solidFill>
+                  <a:srgbClr val="000000"/>
+                </a:solidFill>
+                <a:latin typeface="Arial"/>
+                <a:ea typeface="DejaVu Sans"/>
               </a:rPr>
               <a:t>B.</a:t>
             </a:r>
             <a:r>
               <a:rPr b="0" lang="en-US" sz="3200" spc="-1" strike="noStrike">
-                <a:latin typeface="Arial"/>
+                <a:solidFill>
+                  <a:srgbClr val="000000"/>
+                </a:solidFill>
+                <a:latin typeface="Arial"/>
+                <a:ea typeface="DejaVu Sans"/>
               </a:rPr>
               <a:t>	</a:t>
             </a:r>
             <a:r>
               <a:rPr b="0" lang="en-US" sz="3200" spc="-1" strike="noStrike">
-                <a:latin typeface="Arial"/>
+                <a:solidFill>
+                  <a:srgbClr val="000000"/>
+                </a:solidFill>
+                <a:latin typeface="Arial"/>
+                <a:ea typeface="DejaVu Sans"/>
               </a:rPr>
               <a:t> Ứng dụng chạy trên di động cho khách hàng</a:t>
             </a:r>
@@ -9081,15 +12824,28 @@
             </a:endParaRPr>
           </a:p>
           <a:p>
+            <a:pPr>
+              <a:lnSpc>
+                <a:spcPct val="100000"/>
+              </a:lnSpc>
+            </a:pPr>
             <a:r>
               <a:rPr b="0" lang="en-US" sz="3200" spc="-1" strike="noStrike">
-                <a:latin typeface="Arial"/>
+                <a:solidFill>
+                  <a:srgbClr val="000000"/>
+                </a:solidFill>
+                <a:latin typeface="Arial"/>
+                <a:ea typeface="DejaVu Sans"/>
               </a:rPr>
               <a:t>	</a:t>
             </a:r>
             <a:r>
               <a:rPr b="0" lang="en-US" sz="3200" spc="-1" strike="noStrike">
-                <a:latin typeface="Arial"/>
+                <a:solidFill>
+                  <a:srgbClr val="000000"/>
+                </a:solidFill>
+                <a:latin typeface="Arial"/>
+                <a:ea typeface="DejaVu Sans"/>
               </a:rPr>
               <a:t>Xác định yêu cầu của hệ thống</a:t>
             </a:r>
@@ -9098,7 +12854,10 @@
             </a:endParaRPr>
           </a:p>
           <a:p>
-            <a:pPr lvl="1" marL="432000" indent="-216000">
+            <a:pPr lvl="1" marL="432000" indent="-215280">
+              <a:lnSpc>
+                <a:spcPct val="100000"/>
+              </a:lnSpc>
               <a:buClr>
                 <a:srgbClr val="000000"/>
               </a:buClr>
@@ -9108,7 +12867,11 @@
             </a:pPr>
             <a:r>
               <a:rPr b="0" lang="en-US" sz="3200" spc="-1" strike="noStrike">
-                <a:latin typeface="Arial"/>
+                <a:solidFill>
+                  <a:srgbClr val="000000"/>
+                </a:solidFill>
+                <a:latin typeface="Arial"/>
+                <a:ea typeface="DejaVu Sans"/>
               </a:rPr>
               <a:t>Yêu cầu phi chức năng:</a:t>
             </a:r>
@@ -9117,7 +12880,10 @@
             </a:endParaRPr>
           </a:p>
           <a:p>
-            <a:pPr lvl="2" marL="648000" indent="-216000">
+            <a:pPr lvl="2" marL="648000" indent="-215280">
+              <a:lnSpc>
+                <a:spcPct val="100000"/>
+              </a:lnSpc>
               <a:buClr>
                 <a:srgbClr val="000000"/>
               </a:buClr>
@@ -9126,7 +12892,11 @@
             </a:pPr>
             <a:r>
               <a:rPr b="0" lang="en-US" sz="3200" spc="-1" strike="noStrike">
-                <a:latin typeface="Arial"/>
+                <a:solidFill>
+                  <a:srgbClr val="000000"/>
+                </a:solidFill>
+                <a:latin typeface="Arial"/>
+                <a:ea typeface="DejaVu Sans"/>
               </a:rPr>
               <a:t> </a:t>
             </a:r>
@@ -9187,14 +12957,14 @@
       </p:grpSpPr>
       <p:sp>
         <p:nvSpPr>
-          <p:cNvPr id="258" name="CustomShape 1"/>
+          <p:cNvPr id="338" name="CustomShape 1"/>
           <p:cNvSpPr/>
           <p:nvPr/>
         </p:nvSpPr>
         <p:spPr>
           <a:xfrm>
             <a:off x="2025720" y="-190800"/>
-            <a:ext cx="8541720" cy="1323360"/>
+            <a:ext cx="8541000" cy="1322640"/>
           </a:xfrm>
           <a:prstGeom prst="rect">
             <a:avLst/>
@@ -9228,7 +12998,7 @@
                 <a:latin typeface="Calibri"/>
                 <a:ea typeface="DejaVu Sans"/>
               </a:rPr>
-              <a:t>III. NỘI DUNG THỰC HIỆN</a:t>
+              <a:t>NỘI DUNG THỰC HIỆN</a:t>
             </a:r>
             <a:endParaRPr b="0" lang="en-US" sz="3600" spc="-1" strike="noStrike">
               <a:latin typeface="Arial"/>
@@ -9238,7 +13008,7 @@
       </p:sp>
       <p:pic>
         <p:nvPicPr>
-          <p:cNvPr id="259" name="Content Placeholder 2" descr=""/>
+          <p:cNvPr id="339" name="Content Placeholder 2" descr=""/>
           <p:cNvPicPr/>
           <p:nvPr/>
         </p:nvPicPr>
@@ -9249,7 +13019,7 @@
         <p:spPr>
           <a:xfrm>
             <a:off x="304920" y="95760"/>
-            <a:ext cx="549000" cy="746280"/>
+            <a:ext cx="548280" cy="745560"/>
           </a:xfrm>
           <a:prstGeom prst="rect">
             <a:avLst/>
@@ -9261,14 +13031,14 @@
       </p:pic>
       <p:sp>
         <p:nvSpPr>
-          <p:cNvPr id="260" name="TextShape 2"/>
-          <p:cNvSpPr txBox="1"/>
+          <p:cNvPr id="340" name="CustomShape 2"/>
+          <p:cNvSpPr/>
           <p:nvPr/>
         </p:nvSpPr>
         <p:spPr>
           <a:xfrm>
             <a:off x="495000" y="1604520"/>
-            <a:ext cx="8915040" cy="2693160"/>
+            <a:ext cx="8914320" cy="2692440"/>
           </a:xfrm>
           <a:prstGeom prst="rect">
             <a:avLst/>
@@ -9278,24 +13048,47 @@
             <a:noFill/>
           </a:ln>
         </p:spPr>
+        <p:style>
+          <a:lnRef idx="0"/>
+          <a:fillRef idx="0"/>
+          <a:effectRef idx="0"/>
+          <a:fontRef idx="minor"/>
+        </p:style>
         <p:txBody>
           <a:bodyPr lIns="0" rIns="0" tIns="0" bIns="0" anchor="ctr"/>
           <a:p>
+            <a:pPr>
+              <a:lnSpc>
+                <a:spcPct val="100000"/>
+              </a:lnSpc>
+            </a:pPr>
             <a:r>
               <a:rPr b="0" lang="en-US" sz="3200" spc="-1" strike="noStrike">
-                <a:latin typeface="Arial"/>
+                <a:solidFill>
+                  <a:srgbClr val="000000"/>
+                </a:solidFill>
+                <a:latin typeface="Arial"/>
+                <a:ea typeface="DejaVu Sans"/>
               </a:rPr>
               <a:t>B.</a:t>
             </a:r>
             <a:r>
               <a:rPr b="0" lang="en-US" sz="3200" spc="-1" strike="noStrike">
-                <a:latin typeface="Arial"/>
+                <a:solidFill>
+                  <a:srgbClr val="000000"/>
+                </a:solidFill>
+                <a:latin typeface="Arial"/>
+                <a:ea typeface="DejaVu Sans"/>
               </a:rPr>
               <a:t>	</a:t>
             </a:r>
             <a:r>
               <a:rPr b="0" lang="en-US" sz="3200" spc="-1" strike="noStrike">
-                <a:latin typeface="Arial"/>
+                <a:solidFill>
+                  <a:srgbClr val="000000"/>
+                </a:solidFill>
+                <a:latin typeface="Arial"/>
+                <a:ea typeface="DejaVu Sans"/>
               </a:rPr>
               <a:t> Ứng dụng chạy trên di động cho khách hàng</a:t>
             </a:r>
@@ -9304,15 +13097,28 @@
             </a:endParaRPr>
           </a:p>
           <a:p>
+            <a:pPr>
+              <a:lnSpc>
+                <a:spcPct val="100000"/>
+              </a:lnSpc>
+            </a:pPr>
             <a:r>
               <a:rPr b="0" lang="en-US" sz="3200" spc="-1" strike="noStrike">
-                <a:latin typeface="Arial"/>
+                <a:solidFill>
+                  <a:srgbClr val="000000"/>
+                </a:solidFill>
+                <a:latin typeface="Arial"/>
+                <a:ea typeface="DejaVu Sans"/>
               </a:rPr>
               <a:t>	</a:t>
             </a:r>
             <a:r>
               <a:rPr b="0" lang="en-US" sz="3200" spc="-1" strike="noStrike">
-                <a:latin typeface="Arial"/>
+                <a:solidFill>
+                  <a:srgbClr val="000000"/>
+                </a:solidFill>
+                <a:latin typeface="Arial"/>
+                <a:ea typeface="DejaVu Sans"/>
               </a:rPr>
               <a:t>Thiết kế hệ thống</a:t>
             </a:r>
@@ -9321,7 +13127,10 @@
             </a:endParaRPr>
           </a:p>
           <a:p>
-            <a:pPr lvl="1" marL="432000" indent="-216000">
+            <a:pPr lvl="1" marL="432000" indent="-215280">
+              <a:lnSpc>
+                <a:spcPct val="100000"/>
+              </a:lnSpc>
               <a:buClr>
                 <a:srgbClr val="000000"/>
               </a:buClr>
@@ -9330,13 +13139,21 @@
             </a:pPr>
             <a:r>
               <a:rPr b="0" lang="en-US" sz="3200" spc="-1" strike="noStrike">
-                <a:latin typeface="Arial"/>
+                <a:solidFill>
+                  <a:srgbClr val="000000"/>
+                </a:solidFill>
+                <a:latin typeface="Arial"/>
+                <a:ea typeface="DejaVu Sans"/>
               </a:rPr>
               <a:t> </a:t>
             </a:r>
             <a:r>
               <a:rPr b="0" lang="en-US" sz="3200" spc="-1" strike="noStrike">
-                <a:latin typeface="Arial"/>
+                <a:solidFill>
+                  <a:srgbClr val="000000"/>
+                </a:solidFill>
+                <a:latin typeface="Arial"/>
+                <a:ea typeface="DejaVu Sans"/>
               </a:rPr>
               <a:t>Biểu đồ Usecase tổng quát</a:t>
             </a:r>
@@ -9345,12 +13162,10 @@
             </a:endParaRPr>
           </a:p>
           <a:p>
-            <a:pPr lvl="3" marL="864000" indent="-216000">
-              <a:buClr>
-                <a:srgbClr val="000000"/>
-              </a:buClr>
-              <a:buFont typeface="Wingdings" charset="2"/>
-              <a:buChar char=""/>
+            <a:pPr>
+              <a:lnSpc>
+                <a:spcPct val="100000"/>
+              </a:lnSpc>
             </a:pPr>
             <a:endParaRPr b="0" lang="en-US" sz="3200" spc="-1" strike="noStrike">
               <a:latin typeface="Arial"/>
@@ -9409,14 +13224,14 @@
       </p:grpSpPr>
       <p:sp>
         <p:nvSpPr>
-          <p:cNvPr id="261" name="CustomShape 1"/>
+          <p:cNvPr id="341" name="CustomShape 1"/>
           <p:cNvSpPr/>
           <p:nvPr/>
         </p:nvSpPr>
         <p:spPr>
           <a:xfrm>
             <a:off x="2025720" y="-190800"/>
-            <a:ext cx="8541720" cy="1323360"/>
+            <a:ext cx="8541000" cy="1322640"/>
           </a:xfrm>
           <a:prstGeom prst="rect">
             <a:avLst/>
@@ -9450,7 +13265,7 @@
                 <a:latin typeface="Calibri"/>
                 <a:ea typeface="DejaVu Sans"/>
               </a:rPr>
-              <a:t>III. NỘI DUNG THỰC HIỆN</a:t>
+              <a:t>NỘI DUNG THỰC HIỆN</a:t>
             </a:r>
             <a:endParaRPr b="0" lang="en-US" sz="3600" spc="-1" strike="noStrike">
               <a:latin typeface="Arial"/>
@@ -9460,7 +13275,7 @@
       </p:sp>
       <p:pic>
         <p:nvPicPr>
-          <p:cNvPr id="262" name="Content Placeholder 2" descr=""/>
+          <p:cNvPr id="342" name="Content Placeholder 2" descr=""/>
           <p:cNvPicPr/>
           <p:nvPr/>
         </p:nvPicPr>
@@ -9471,7 +13286,7 @@
         <p:spPr>
           <a:xfrm>
             <a:off x="304920" y="95760"/>
-            <a:ext cx="549000" cy="746280"/>
+            <a:ext cx="548280" cy="745560"/>
           </a:xfrm>
           <a:prstGeom prst="rect">
             <a:avLst/>
@@ -9483,14 +13298,14 @@
       </p:pic>
       <p:sp>
         <p:nvSpPr>
-          <p:cNvPr id="263" name="TextShape 2"/>
-          <p:cNvSpPr txBox="1"/>
+          <p:cNvPr id="343" name="CustomShape 2"/>
+          <p:cNvSpPr/>
           <p:nvPr/>
         </p:nvSpPr>
         <p:spPr>
           <a:xfrm>
             <a:off x="365760" y="1280160"/>
-            <a:ext cx="8915040" cy="914400"/>
+            <a:ext cx="8914320" cy="913680"/>
           </a:xfrm>
           <a:prstGeom prst="rect">
             <a:avLst/>
@@ -9500,24 +13315,47 @@
             <a:noFill/>
           </a:ln>
         </p:spPr>
+        <p:style>
+          <a:lnRef idx="0"/>
+          <a:fillRef idx="0"/>
+          <a:effectRef idx="0"/>
+          <a:fontRef idx="minor"/>
+        </p:style>
         <p:txBody>
           <a:bodyPr lIns="0" rIns="0" tIns="0" bIns="0" anchor="ctr"/>
           <a:p>
+            <a:pPr>
+              <a:lnSpc>
+                <a:spcPct val="100000"/>
+              </a:lnSpc>
+            </a:pPr>
             <a:r>
               <a:rPr b="0" lang="en-US" sz="3200" spc="-1" strike="noStrike">
-                <a:latin typeface="Arial"/>
+                <a:solidFill>
+                  <a:srgbClr val="000000"/>
+                </a:solidFill>
+                <a:latin typeface="Arial"/>
+                <a:ea typeface="DejaVu Sans"/>
               </a:rPr>
               <a:t>B.</a:t>
             </a:r>
             <a:r>
               <a:rPr b="0" lang="en-US" sz="3200" spc="-1" strike="noStrike">
-                <a:latin typeface="Arial"/>
+                <a:solidFill>
+                  <a:srgbClr val="000000"/>
+                </a:solidFill>
+                <a:latin typeface="Arial"/>
+                <a:ea typeface="DejaVu Sans"/>
               </a:rPr>
               <a:t>	</a:t>
             </a:r>
             <a:r>
               <a:rPr b="0" lang="en-US" sz="3200" spc="-1" strike="noStrike">
-                <a:latin typeface="Arial"/>
+                <a:solidFill>
+                  <a:srgbClr val="000000"/>
+                </a:solidFill>
+                <a:latin typeface="Arial"/>
+                <a:ea typeface="DejaVu Sans"/>
               </a:rPr>
               <a:t> Ứng dụng chạy trên di động cho khách hàng</a:t>
             </a:r>
@@ -9526,15 +13364,28 @@
             </a:endParaRPr>
           </a:p>
           <a:p>
+            <a:pPr>
+              <a:lnSpc>
+                <a:spcPct val="100000"/>
+              </a:lnSpc>
+            </a:pPr>
             <a:r>
               <a:rPr b="0" lang="en-US" sz="3200" spc="-1" strike="noStrike">
-                <a:latin typeface="Arial"/>
+                <a:solidFill>
+                  <a:srgbClr val="000000"/>
+                </a:solidFill>
+                <a:latin typeface="Arial"/>
+                <a:ea typeface="DejaVu Sans"/>
               </a:rPr>
               <a:t>	</a:t>
             </a:r>
             <a:r>
               <a:rPr b="0" lang="en-US" sz="3200" spc="-1" strike="noStrike">
-                <a:latin typeface="Arial"/>
+                <a:solidFill>
+                  <a:srgbClr val="000000"/>
+                </a:solidFill>
+                <a:latin typeface="Arial"/>
+                <a:ea typeface="DejaVu Sans"/>
               </a:rPr>
               <a:t>Thiết kế giao diện các màn hình</a:t>
             </a:r>
@@ -9595,14 +13446,14 @@
       </p:grpSpPr>
       <p:sp>
         <p:nvSpPr>
-          <p:cNvPr id="264" name="CustomShape 1"/>
+          <p:cNvPr id="344" name="CustomShape 1"/>
           <p:cNvSpPr/>
           <p:nvPr/>
         </p:nvSpPr>
         <p:spPr>
           <a:xfrm>
             <a:off x="2025720" y="-190800"/>
-            <a:ext cx="8541720" cy="1323360"/>
+            <a:ext cx="8541000" cy="1322640"/>
           </a:xfrm>
           <a:prstGeom prst="rect">
             <a:avLst/>
@@ -9636,107 +13487,7 @@
                 <a:latin typeface="Calibri"/>
                 <a:ea typeface="DejaVu Sans"/>
               </a:rPr>
-              <a:t>III. </a:t>
-            </a:r>
-            <a:r>
-              <a:rPr b="1" lang="en-US" sz="3600" spc="-1" strike="noStrike">
-                <a:solidFill>
-                  <a:srgbClr val="ffffff"/>
-                </a:solidFill>
-                <a:latin typeface="Calibri"/>
-                <a:ea typeface="DejaVu Sans"/>
-              </a:rPr>
-              <a:t>N</a:t>
-            </a:r>
-            <a:r>
-              <a:rPr b="1" lang="en-US" sz="3600" spc="-1" strike="noStrike">
-                <a:solidFill>
-                  <a:srgbClr val="ffffff"/>
-                </a:solidFill>
-                <a:latin typeface="Calibri"/>
-                <a:ea typeface="DejaVu Sans"/>
-              </a:rPr>
-              <a:t>ỘI </a:t>
-            </a:r>
-            <a:r>
-              <a:rPr b="1" lang="en-US" sz="3600" spc="-1" strike="noStrike">
-                <a:solidFill>
-                  <a:srgbClr val="ffffff"/>
-                </a:solidFill>
-                <a:latin typeface="Calibri"/>
-                <a:ea typeface="DejaVu Sans"/>
-              </a:rPr>
-              <a:t>D</a:t>
-            </a:r>
-            <a:r>
-              <a:rPr b="1" lang="en-US" sz="3600" spc="-1" strike="noStrike">
-                <a:solidFill>
-                  <a:srgbClr val="ffffff"/>
-                </a:solidFill>
-                <a:latin typeface="Calibri"/>
-                <a:ea typeface="DejaVu Sans"/>
-              </a:rPr>
-              <a:t>U</a:t>
-            </a:r>
-            <a:r>
-              <a:rPr b="1" lang="en-US" sz="3600" spc="-1" strike="noStrike">
-                <a:solidFill>
-                  <a:srgbClr val="ffffff"/>
-                </a:solidFill>
-                <a:latin typeface="Calibri"/>
-                <a:ea typeface="DejaVu Sans"/>
-              </a:rPr>
-              <a:t>N</a:t>
-            </a:r>
-            <a:r>
-              <a:rPr b="1" lang="en-US" sz="3600" spc="-1" strike="noStrike">
-                <a:solidFill>
-                  <a:srgbClr val="ffffff"/>
-                </a:solidFill>
-                <a:latin typeface="Calibri"/>
-                <a:ea typeface="DejaVu Sans"/>
-              </a:rPr>
-              <a:t>G </a:t>
-            </a:r>
-            <a:r>
-              <a:rPr b="1" lang="en-US" sz="3600" spc="-1" strike="noStrike">
-                <a:solidFill>
-                  <a:srgbClr val="ffffff"/>
-                </a:solidFill>
-                <a:latin typeface="Calibri"/>
-                <a:ea typeface="DejaVu Sans"/>
-              </a:rPr>
-              <a:t>TH</a:t>
-            </a:r>
-            <a:r>
-              <a:rPr b="1" lang="en-US" sz="3600" spc="-1" strike="noStrike">
-                <a:solidFill>
-                  <a:srgbClr val="ffffff"/>
-                </a:solidFill>
-                <a:latin typeface="Calibri"/>
-                <a:ea typeface="DejaVu Sans"/>
-              </a:rPr>
-              <a:t>ỰC </a:t>
-            </a:r>
-            <a:r>
-              <a:rPr b="1" lang="en-US" sz="3600" spc="-1" strike="noStrike">
-                <a:solidFill>
-                  <a:srgbClr val="ffffff"/>
-                </a:solidFill>
-                <a:latin typeface="Calibri"/>
-                <a:ea typeface="DejaVu Sans"/>
-              </a:rPr>
-              <a:t>HI</a:t>
-            </a:r>
-            <a:r>
-              <a:rPr b="1" lang="en-US" sz="3600" spc="-1" strike="noStrike">
-                <a:solidFill>
-                  <a:srgbClr val="ffffff"/>
-                </a:solidFill>
-                <a:latin typeface="Calibri"/>
-                <a:ea typeface="DejaVu Sans"/>
-              </a:rPr>
-              <a:t>ỆN</a:t>
+              <a:t>NỘI DUNG THỰC HIỆN</a:t>
             </a:r>
             <a:endParaRPr b="0" lang="en-US" sz="3600" spc="-1" strike="noStrike">
               <a:latin typeface="Arial"/>
@@ -9746,7 +13497,7 @@
       </p:sp>
       <p:pic>
         <p:nvPicPr>
-          <p:cNvPr id="265" name="Content Placeholder 2" descr=""/>
+          <p:cNvPr id="345" name="Content Placeholder 2" descr=""/>
           <p:cNvPicPr/>
           <p:nvPr/>
         </p:nvPicPr>
@@ -9757,7 +13508,7 @@
         <p:spPr>
           <a:xfrm>
             <a:off x="304920" y="95760"/>
-            <a:ext cx="549000" cy="746280"/>
+            <a:ext cx="548280" cy="745560"/>
           </a:xfrm>
           <a:prstGeom prst="rect">
             <a:avLst/>
@@ -9769,14 +13520,14 @@
       </p:pic>
       <p:sp>
         <p:nvSpPr>
-          <p:cNvPr id="266" name="TextShape 2"/>
-          <p:cNvSpPr txBox="1"/>
+          <p:cNvPr id="346" name="CustomShape 2"/>
+          <p:cNvSpPr/>
           <p:nvPr/>
         </p:nvSpPr>
         <p:spPr>
           <a:xfrm>
             <a:off x="411840" y="1011240"/>
-            <a:ext cx="8915040" cy="1823400"/>
+            <a:ext cx="8914320" cy="1822680"/>
           </a:xfrm>
           <a:prstGeom prst="rect">
             <a:avLst/>
@@ -9786,24 +13537,47 @@
             <a:noFill/>
           </a:ln>
         </p:spPr>
+        <p:style>
+          <a:lnRef idx="0"/>
+          <a:fillRef idx="0"/>
+          <a:effectRef idx="0"/>
+          <a:fontRef idx="minor"/>
+        </p:style>
         <p:txBody>
           <a:bodyPr lIns="0" rIns="0" tIns="0" bIns="0" anchor="ctr"/>
           <a:p>
+            <a:pPr>
+              <a:lnSpc>
+                <a:spcPct val="100000"/>
+              </a:lnSpc>
+            </a:pPr>
             <a:r>
               <a:rPr b="0" lang="en-US" sz="3200" spc="-1" strike="noStrike">
-                <a:latin typeface="Arial"/>
+                <a:solidFill>
+                  <a:srgbClr val="000000"/>
+                </a:solidFill>
+                <a:latin typeface="Arial"/>
+                <a:ea typeface="DejaVu Sans"/>
               </a:rPr>
               <a:t>C.</a:t>
             </a:r>
             <a:r>
               <a:rPr b="0" lang="en-US" sz="3200" spc="-1" strike="noStrike">
-                <a:latin typeface="Arial"/>
+                <a:solidFill>
+                  <a:srgbClr val="000000"/>
+                </a:solidFill>
+                <a:latin typeface="Arial"/>
+                <a:ea typeface="DejaVu Sans"/>
               </a:rPr>
               <a:t>	</a:t>
             </a:r>
             <a:r>
               <a:rPr b="0" lang="en-US" sz="3200" spc="-1" strike="noStrike">
-                <a:latin typeface="Arial"/>
+                <a:solidFill>
+                  <a:srgbClr val="000000"/>
+                </a:solidFill>
+                <a:latin typeface="Arial"/>
+                <a:ea typeface="DejaVu Sans"/>
               </a:rPr>
               <a:t> Website khách hàng sử dụng</a:t>
             </a:r>
@@ -9812,15 +13586,28 @@
             </a:endParaRPr>
           </a:p>
           <a:p>
+            <a:pPr>
+              <a:lnSpc>
+                <a:spcPct val="100000"/>
+              </a:lnSpc>
+            </a:pPr>
             <a:r>
               <a:rPr b="0" lang="en-US" sz="3200" spc="-1" strike="noStrike">
-                <a:latin typeface="Arial"/>
+                <a:solidFill>
+                  <a:srgbClr val="000000"/>
+                </a:solidFill>
+                <a:latin typeface="Arial"/>
+                <a:ea typeface="DejaVu Sans"/>
               </a:rPr>
               <a:t>	</a:t>
             </a:r>
             <a:r>
               <a:rPr b="0" lang="en-US" sz="3200" spc="-1" strike="noStrike">
-                <a:latin typeface="Arial"/>
+                <a:solidFill>
+                  <a:srgbClr val="000000"/>
+                </a:solidFill>
+                <a:latin typeface="Arial"/>
+                <a:ea typeface="DejaVu Sans"/>
               </a:rPr>
               <a:t>Xác định yêu cầu</a:t>
             </a:r>
@@ -9829,7 +13616,10 @@
             </a:endParaRPr>
           </a:p>
           <a:p>
-            <a:pPr lvl="2" marL="648000" indent="-216000">
+            <a:pPr lvl="2" marL="648000" indent="-215280">
+              <a:lnSpc>
+                <a:spcPct val="100000"/>
+              </a:lnSpc>
               <a:buClr>
                 <a:srgbClr val="000000"/>
               </a:buClr>
@@ -9839,13 +13629,21 @@
             </a:pPr>
             <a:r>
               <a:rPr b="0" lang="en-US" sz="3200" spc="-1" strike="noStrike">
-                <a:latin typeface="Arial"/>
+                <a:solidFill>
+                  <a:srgbClr val="000000"/>
+                </a:solidFill>
+                <a:latin typeface="Arial"/>
+                <a:ea typeface="DejaVu Sans"/>
               </a:rPr>
               <a:t> </a:t>
             </a:r>
             <a:r>
               <a:rPr b="0" lang="en-US" sz="3200" spc="-1" strike="noStrike">
-                <a:latin typeface="Arial"/>
+                <a:solidFill>
+                  <a:srgbClr val="000000"/>
+                </a:solidFill>
+                <a:latin typeface="Arial"/>
+                <a:ea typeface="DejaVu Sans"/>
               </a:rPr>
               <a:t>Yêu cầu nghiệp vụ:</a:t>
             </a:r>
@@ -9854,7 +13652,10 @@
             </a:endParaRPr>
           </a:p>
           <a:p>
-            <a:pPr lvl="3" marL="864000" indent="-216000">
+            <a:pPr lvl="3" marL="864000" indent="-215280">
+              <a:lnSpc>
+                <a:spcPct val="100000"/>
+              </a:lnSpc>
               <a:buClr>
                 <a:srgbClr val="000000"/>
               </a:buClr>
@@ -9864,19 +13665,31 @@
             </a:pPr>
             <a:r>
               <a:rPr b="0" lang="en-US" sz="3200" spc="-1" strike="noStrike">
-                <a:latin typeface="Arial"/>
+                <a:solidFill>
+                  <a:srgbClr val="000000"/>
+                </a:solidFill>
+                <a:latin typeface="Arial"/>
+                <a:ea typeface="DejaVu Sans"/>
               </a:rPr>
               <a:t>Đối với khách hàng:</a:t>
             </a:r>
             <a:r>
               <a:rPr b="0" lang="en-US" sz="3200" spc="-1" strike="noStrike">
-                <a:latin typeface="Arial"/>
+                <a:solidFill>
+                  <a:srgbClr val="000000"/>
+                </a:solidFill>
+                <a:latin typeface="Arial"/>
+                <a:ea typeface="DejaVu Sans"/>
               </a:rPr>
               <a:t>	</a:t>
             </a:r>
             <a:r>
               <a:rPr b="0" lang="en-US" sz="3200" spc="-1" strike="noStrike">
-                <a:latin typeface="Arial"/>
+                <a:solidFill>
+                  <a:srgbClr val="000000"/>
+                </a:solidFill>
+                <a:latin typeface="Arial"/>
+                <a:ea typeface="DejaVu Sans"/>
               </a:rPr>
               <a:t>	</a:t>
             </a:r>
@@ -9937,14 +13750,14 @@
       </p:grpSpPr>
       <p:sp>
         <p:nvSpPr>
-          <p:cNvPr id="267" name="CustomShape 1"/>
+          <p:cNvPr id="347" name="CustomShape 1"/>
           <p:cNvSpPr/>
           <p:nvPr/>
         </p:nvSpPr>
         <p:spPr>
           <a:xfrm>
             <a:off x="2025720" y="-190800"/>
-            <a:ext cx="8541720" cy="1323360"/>
+            <a:ext cx="8541000" cy="1322640"/>
           </a:xfrm>
           <a:prstGeom prst="rect">
             <a:avLst/>
@@ -9978,47 +13791,7 @@
                 <a:latin typeface="Calibri"/>
                 <a:ea typeface="DejaVu Sans"/>
               </a:rPr>
-              <a:t>III. </a:t>
-            </a:r>
-            <a:r>
-              <a:rPr b="1" lang="en-US" sz="3600" spc="-1" strike="noStrike">
-                <a:solidFill>
-                  <a:srgbClr val="ffffff"/>
-                </a:solidFill>
-                <a:latin typeface="Calibri"/>
-                <a:ea typeface="DejaVu Sans"/>
-              </a:rPr>
-              <a:t>NỘI </a:t>
-            </a:r>
-            <a:r>
-              <a:rPr b="1" lang="en-US" sz="3600" spc="-1" strike="noStrike">
-                <a:solidFill>
-                  <a:srgbClr val="ffffff"/>
-                </a:solidFill>
-                <a:latin typeface="Calibri"/>
-                <a:ea typeface="DejaVu Sans"/>
-              </a:rPr>
-              <a:t>DUNG </a:t>
-            </a:r>
-            <a:r>
-              <a:rPr b="1" lang="en-US" sz="3600" spc="-1" strike="noStrike">
-                <a:solidFill>
-                  <a:srgbClr val="ffffff"/>
-                </a:solidFill>
-                <a:latin typeface="Calibri"/>
-                <a:ea typeface="DejaVu Sans"/>
-              </a:rPr>
-              <a:t>THỰC </a:t>
-            </a:r>
-            <a:r>
-              <a:rPr b="1" lang="en-US" sz="3600" spc="-1" strike="noStrike">
-                <a:solidFill>
-                  <a:srgbClr val="ffffff"/>
-                </a:solidFill>
-                <a:latin typeface="Calibri"/>
-                <a:ea typeface="DejaVu Sans"/>
-              </a:rPr>
-              <a:t>HIỆN</a:t>
+              <a:t>NỘI DUNG THỰC HIỆN</a:t>
             </a:r>
             <a:endParaRPr b="0" lang="en-US" sz="3600" spc="-1" strike="noStrike">
               <a:latin typeface="Arial"/>
@@ -10028,7 +13801,7 @@
       </p:sp>
       <p:pic>
         <p:nvPicPr>
-          <p:cNvPr id="268" name="Content Placeholder 2" descr=""/>
+          <p:cNvPr id="348" name="Content Placeholder 2" descr=""/>
           <p:cNvPicPr/>
           <p:nvPr/>
         </p:nvPicPr>
@@ -10039,7 +13812,7 @@
         <p:spPr>
           <a:xfrm>
             <a:off x="304920" y="95760"/>
-            <a:ext cx="549000" cy="746280"/>
+            <a:ext cx="548280" cy="745560"/>
           </a:xfrm>
           <a:prstGeom prst="rect">
             <a:avLst/>
@@ -10051,14 +13824,14 @@
       </p:pic>
       <p:sp>
         <p:nvSpPr>
-          <p:cNvPr id="269" name="TextShape 2"/>
-          <p:cNvSpPr txBox="1"/>
+          <p:cNvPr id="349" name="CustomShape 2"/>
+          <p:cNvSpPr/>
           <p:nvPr/>
         </p:nvSpPr>
         <p:spPr>
           <a:xfrm>
             <a:off x="548640" y="1813680"/>
-            <a:ext cx="8915040" cy="3977280"/>
+            <a:ext cx="8914320" cy="3976560"/>
           </a:xfrm>
           <a:prstGeom prst="rect">
             <a:avLst/>
@@ -10068,24 +13841,47 @@
             <a:noFill/>
           </a:ln>
         </p:spPr>
+        <p:style>
+          <a:lnRef idx="0"/>
+          <a:fillRef idx="0"/>
+          <a:effectRef idx="0"/>
+          <a:fontRef idx="minor"/>
+        </p:style>
         <p:txBody>
           <a:bodyPr lIns="0" rIns="0" tIns="0" bIns="0" anchor="ctr"/>
           <a:p>
+            <a:pPr>
+              <a:lnSpc>
+                <a:spcPct val="100000"/>
+              </a:lnSpc>
+            </a:pPr>
             <a:r>
               <a:rPr b="0" lang="en-US" sz="3200" spc="-1" strike="noStrike">
-                <a:latin typeface="Arial"/>
+                <a:solidFill>
+                  <a:srgbClr val="000000"/>
+                </a:solidFill>
+                <a:latin typeface="Arial"/>
+                <a:ea typeface="DejaVu Sans"/>
               </a:rPr>
               <a:t>C.</a:t>
             </a:r>
             <a:r>
               <a:rPr b="0" lang="en-US" sz="3200" spc="-1" strike="noStrike">
-                <a:latin typeface="Arial"/>
+                <a:solidFill>
+                  <a:srgbClr val="000000"/>
+                </a:solidFill>
+                <a:latin typeface="Arial"/>
+                <a:ea typeface="DejaVu Sans"/>
               </a:rPr>
               <a:t>	</a:t>
             </a:r>
             <a:r>
               <a:rPr b="0" lang="en-US" sz="3200" spc="-1" strike="noStrike">
-                <a:latin typeface="Arial"/>
+                <a:solidFill>
+                  <a:srgbClr val="000000"/>
+                </a:solidFill>
+                <a:latin typeface="Arial"/>
+                <a:ea typeface="DejaVu Sans"/>
               </a:rPr>
               <a:t> Website khách hàng sử dụng</a:t>
             </a:r>
@@ -10094,15 +13890,28 @@
             </a:endParaRPr>
           </a:p>
           <a:p>
+            <a:pPr>
+              <a:lnSpc>
+                <a:spcPct val="100000"/>
+              </a:lnSpc>
+            </a:pPr>
             <a:r>
               <a:rPr b="0" lang="en-US" sz="3200" spc="-1" strike="noStrike">
-                <a:latin typeface="Arial"/>
+                <a:solidFill>
+                  <a:srgbClr val="000000"/>
+                </a:solidFill>
+                <a:latin typeface="Arial"/>
+                <a:ea typeface="DejaVu Sans"/>
               </a:rPr>
               <a:t>	</a:t>
             </a:r>
             <a:r>
               <a:rPr b="0" lang="en-US" sz="3200" spc="-1" strike="noStrike">
-                <a:latin typeface="Arial"/>
+                <a:solidFill>
+                  <a:srgbClr val="000000"/>
+                </a:solidFill>
+                <a:latin typeface="Arial"/>
+                <a:ea typeface="DejaVu Sans"/>
               </a:rPr>
               <a:t>Xác định yêu cầu của hệ thống</a:t>
             </a:r>
@@ -10111,7 +13920,10 @@
             </a:endParaRPr>
           </a:p>
           <a:p>
-            <a:pPr lvl="1" marL="432000" indent="-216000">
+            <a:pPr lvl="1" marL="432000" indent="-215280">
+              <a:lnSpc>
+                <a:spcPct val="100000"/>
+              </a:lnSpc>
               <a:buClr>
                 <a:srgbClr val="000000"/>
               </a:buClr>
@@ -10121,7 +13933,11 @@
             </a:pPr>
             <a:r>
               <a:rPr b="0" lang="en-US" sz="3200" spc="-1" strike="noStrike">
-                <a:latin typeface="Arial"/>
+                <a:solidFill>
+                  <a:srgbClr val="000000"/>
+                </a:solidFill>
+                <a:latin typeface="Arial"/>
+                <a:ea typeface="DejaVu Sans"/>
               </a:rPr>
               <a:t>Yêu cầu phi chức năng:</a:t>
             </a:r>
@@ -10130,7 +13946,10 @@
             </a:endParaRPr>
           </a:p>
           <a:p>
-            <a:pPr lvl="2" marL="648000" indent="-216000">
+            <a:pPr lvl="2" marL="648000" indent="-215280">
+              <a:lnSpc>
+                <a:spcPct val="100000"/>
+              </a:lnSpc>
               <a:buClr>
                 <a:srgbClr val="000000"/>
               </a:buClr>
@@ -10139,7 +13958,11 @@
             </a:pPr>
             <a:r>
               <a:rPr b="0" lang="en-US" sz="3200" spc="-1" strike="noStrike">
-                <a:latin typeface="Arial"/>
+                <a:solidFill>
+                  <a:srgbClr val="000000"/>
+                </a:solidFill>
+                <a:latin typeface="Arial"/>
+                <a:ea typeface="DejaVu Sans"/>
               </a:rPr>
               <a:t> </a:t>
             </a:r>
@@ -10200,14 +14023,14 @@
       </p:grpSpPr>
       <p:sp>
         <p:nvSpPr>
-          <p:cNvPr id="270" name="CustomShape 1"/>
+          <p:cNvPr id="350" name="CustomShape 1"/>
           <p:cNvSpPr/>
           <p:nvPr/>
         </p:nvSpPr>
         <p:spPr>
           <a:xfrm>
             <a:off x="2025720" y="-190800"/>
-            <a:ext cx="8541720" cy="1323360"/>
+            <a:ext cx="8541000" cy="1322640"/>
           </a:xfrm>
           <a:prstGeom prst="rect">
             <a:avLst/>
@@ -10241,7 +14064,7 @@
                 <a:latin typeface="Calibri"/>
                 <a:ea typeface="DejaVu Sans"/>
               </a:rPr>
-              <a:t>III. NỘI DUNG THỰC HIỆN</a:t>
+              <a:t>NỘI DUNG THỰC HIỆN</a:t>
             </a:r>
             <a:endParaRPr b="0" lang="en-US" sz="3600" spc="-1" strike="noStrike">
               <a:latin typeface="Arial"/>
@@ -10251,7 +14074,7 @@
       </p:sp>
       <p:pic>
         <p:nvPicPr>
-          <p:cNvPr id="271" name="Content Placeholder 2" descr=""/>
+          <p:cNvPr id="351" name="Content Placeholder 2" descr=""/>
           <p:cNvPicPr/>
           <p:nvPr/>
         </p:nvPicPr>
@@ -10262,7 +14085,7 @@
         <p:spPr>
           <a:xfrm>
             <a:off x="304920" y="95760"/>
-            <a:ext cx="549000" cy="746280"/>
+            <a:ext cx="548280" cy="745560"/>
           </a:xfrm>
           <a:prstGeom prst="rect">
             <a:avLst/>
@@ -10274,14 +14097,14 @@
       </p:pic>
       <p:sp>
         <p:nvSpPr>
-          <p:cNvPr id="272" name="TextShape 2"/>
-          <p:cNvSpPr txBox="1"/>
+          <p:cNvPr id="352" name="CustomShape 2"/>
+          <p:cNvSpPr/>
           <p:nvPr/>
         </p:nvSpPr>
         <p:spPr>
           <a:xfrm>
             <a:off x="495000" y="1604520"/>
-            <a:ext cx="8915040" cy="2693160"/>
+            <a:ext cx="8914320" cy="2692440"/>
           </a:xfrm>
           <a:prstGeom prst="rect">
             <a:avLst/>
@@ -10291,24 +14114,47 @@
             <a:noFill/>
           </a:ln>
         </p:spPr>
+        <p:style>
+          <a:lnRef idx="0"/>
+          <a:fillRef idx="0"/>
+          <a:effectRef idx="0"/>
+          <a:fontRef idx="minor"/>
+        </p:style>
         <p:txBody>
           <a:bodyPr lIns="0" rIns="0" tIns="0" bIns="0" anchor="ctr"/>
           <a:p>
+            <a:pPr>
+              <a:lnSpc>
+                <a:spcPct val="100000"/>
+              </a:lnSpc>
+            </a:pPr>
             <a:r>
               <a:rPr b="0" lang="en-US" sz="3200" spc="-1" strike="noStrike">
-                <a:latin typeface="Arial"/>
+                <a:solidFill>
+                  <a:srgbClr val="000000"/>
+                </a:solidFill>
+                <a:latin typeface="Arial"/>
+                <a:ea typeface="DejaVu Sans"/>
               </a:rPr>
               <a:t>C.</a:t>
             </a:r>
             <a:r>
               <a:rPr b="0" lang="en-US" sz="3200" spc="-1" strike="noStrike">
-                <a:latin typeface="Arial"/>
+                <a:solidFill>
+                  <a:srgbClr val="000000"/>
+                </a:solidFill>
+                <a:latin typeface="Arial"/>
+                <a:ea typeface="DejaVu Sans"/>
               </a:rPr>
               <a:t>	</a:t>
             </a:r>
             <a:r>
               <a:rPr b="0" lang="en-US" sz="3200" spc="-1" strike="noStrike">
-                <a:latin typeface="Arial"/>
+                <a:solidFill>
+                  <a:srgbClr val="000000"/>
+                </a:solidFill>
+                <a:latin typeface="Arial"/>
+                <a:ea typeface="DejaVu Sans"/>
               </a:rPr>
               <a:t> Website khách hàng sử dụng</a:t>
             </a:r>
@@ -10317,15 +14163,28 @@
             </a:endParaRPr>
           </a:p>
           <a:p>
+            <a:pPr>
+              <a:lnSpc>
+                <a:spcPct val="100000"/>
+              </a:lnSpc>
+            </a:pPr>
             <a:r>
               <a:rPr b="0" lang="en-US" sz="3200" spc="-1" strike="noStrike">
-                <a:latin typeface="Arial"/>
+                <a:solidFill>
+                  <a:srgbClr val="000000"/>
+                </a:solidFill>
+                <a:latin typeface="Arial"/>
+                <a:ea typeface="DejaVu Sans"/>
               </a:rPr>
               <a:t>	</a:t>
             </a:r>
             <a:r>
               <a:rPr b="0" lang="en-US" sz="3200" spc="-1" strike="noStrike">
-                <a:latin typeface="Arial"/>
+                <a:solidFill>
+                  <a:srgbClr val="000000"/>
+                </a:solidFill>
+                <a:latin typeface="Arial"/>
+                <a:ea typeface="DejaVu Sans"/>
               </a:rPr>
               <a:t>Thiết kế hệ thống</a:t>
             </a:r>
@@ -10334,7 +14193,10 @@
             </a:endParaRPr>
           </a:p>
           <a:p>
-            <a:pPr lvl="1" marL="432000" indent="-216000">
+            <a:pPr lvl="1" marL="432000" indent="-215280">
+              <a:lnSpc>
+                <a:spcPct val="100000"/>
+              </a:lnSpc>
               <a:buClr>
                 <a:srgbClr val="000000"/>
               </a:buClr>
@@ -10343,13 +14205,21 @@
             </a:pPr>
             <a:r>
               <a:rPr b="0" lang="en-US" sz="3200" spc="-1" strike="noStrike">
-                <a:latin typeface="Arial"/>
+                <a:solidFill>
+                  <a:srgbClr val="000000"/>
+                </a:solidFill>
+                <a:latin typeface="Arial"/>
+                <a:ea typeface="DejaVu Sans"/>
               </a:rPr>
               <a:t> </a:t>
             </a:r>
             <a:r>
               <a:rPr b="0" lang="en-US" sz="3200" spc="-1" strike="noStrike">
-                <a:latin typeface="Arial"/>
+                <a:solidFill>
+                  <a:srgbClr val="000000"/>
+                </a:solidFill>
+                <a:latin typeface="Arial"/>
+                <a:ea typeface="DejaVu Sans"/>
               </a:rPr>
               <a:t>Biểu đồ Usecase tổng quát</a:t>
             </a:r>
@@ -10358,12 +14228,10 @@
             </a:endParaRPr>
           </a:p>
           <a:p>
-            <a:pPr lvl="3" marL="864000" indent="-216000">
-              <a:buClr>
-                <a:srgbClr val="000000"/>
-              </a:buClr>
-              <a:buFont typeface="Wingdings" charset="2"/>
-              <a:buChar char=""/>
+            <a:pPr>
+              <a:lnSpc>
+                <a:spcPct val="100000"/>
+              </a:lnSpc>
             </a:pPr>
             <a:endParaRPr b="0" lang="en-US" sz="3200" spc="-1" strike="noStrike">
               <a:latin typeface="Arial"/>
@@ -10422,14 +14290,14 @@
       </p:grpSpPr>
       <p:sp>
         <p:nvSpPr>
-          <p:cNvPr id="273" name="CustomShape 1"/>
+          <p:cNvPr id="353" name="CustomShape 1"/>
           <p:cNvSpPr/>
           <p:nvPr/>
         </p:nvSpPr>
         <p:spPr>
           <a:xfrm>
             <a:off x="2025720" y="-190800"/>
-            <a:ext cx="8541720" cy="1323360"/>
+            <a:ext cx="8541000" cy="1322640"/>
           </a:xfrm>
           <a:prstGeom prst="rect">
             <a:avLst/>
@@ -10463,7 +14331,7 @@
                 <a:latin typeface="Calibri"/>
                 <a:ea typeface="DejaVu Sans"/>
               </a:rPr>
-              <a:t>III. NỘI DUNG THỰC HIỆN</a:t>
+              <a:t>NỘI DUNG THỰC HIỆN</a:t>
             </a:r>
             <a:endParaRPr b="0" lang="en-US" sz="3600" spc="-1" strike="noStrike">
               <a:latin typeface="Arial"/>
@@ -10473,7 +14341,7 @@
       </p:sp>
       <p:pic>
         <p:nvPicPr>
-          <p:cNvPr id="274" name="Content Placeholder 2" descr=""/>
+          <p:cNvPr id="354" name="Content Placeholder 2" descr=""/>
           <p:cNvPicPr/>
           <p:nvPr/>
         </p:nvPicPr>
@@ -10484,7 +14352,7 @@
         <p:spPr>
           <a:xfrm>
             <a:off x="304920" y="95760"/>
-            <a:ext cx="549000" cy="746280"/>
+            <a:ext cx="548280" cy="745560"/>
           </a:xfrm>
           <a:prstGeom prst="rect">
             <a:avLst/>
@@ -10496,14 +14364,14 @@
       </p:pic>
       <p:sp>
         <p:nvSpPr>
-          <p:cNvPr id="275" name="TextShape 2"/>
-          <p:cNvSpPr txBox="1"/>
+          <p:cNvPr id="355" name="CustomShape 2"/>
+          <p:cNvSpPr/>
           <p:nvPr/>
         </p:nvSpPr>
         <p:spPr>
           <a:xfrm>
             <a:off x="365760" y="1280160"/>
-            <a:ext cx="8915040" cy="914400"/>
+            <a:ext cx="8914320" cy="913680"/>
           </a:xfrm>
           <a:prstGeom prst="rect">
             <a:avLst/>
@@ -10513,24 +14381,47 @@
             <a:noFill/>
           </a:ln>
         </p:spPr>
+        <p:style>
+          <a:lnRef idx="0"/>
+          <a:fillRef idx="0"/>
+          <a:effectRef idx="0"/>
+          <a:fontRef idx="minor"/>
+        </p:style>
         <p:txBody>
           <a:bodyPr lIns="0" rIns="0" tIns="0" bIns="0" anchor="ctr"/>
           <a:p>
+            <a:pPr>
+              <a:lnSpc>
+                <a:spcPct val="100000"/>
+              </a:lnSpc>
+            </a:pPr>
             <a:r>
               <a:rPr b="0" lang="en-US" sz="3200" spc="-1" strike="noStrike">
-                <a:latin typeface="Arial"/>
+                <a:solidFill>
+                  <a:srgbClr val="000000"/>
+                </a:solidFill>
+                <a:latin typeface="Arial"/>
+                <a:ea typeface="DejaVu Sans"/>
               </a:rPr>
               <a:t>C.</a:t>
             </a:r>
             <a:r>
               <a:rPr b="0" lang="en-US" sz="3200" spc="-1" strike="noStrike">
-                <a:latin typeface="Arial"/>
+                <a:solidFill>
+                  <a:srgbClr val="000000"/>
+                </a:solidFill>
+                <a:latin typeface="Arial"/>
+                <a:ea typeface="DejaVu Sans"/>
               </a:rPr>
               <a:t>	</a:t>
             </a:r>
             <a:r>
               <a:rPr b="0" lang="en-US" sz="3200" spc="-1" strike="noStrike">
-                <a:latin typeface="Arial"/>
+                <a:solidFill>
+                  <a:srgbClr val="000000"/>
+                </a:solidFill>
+                <a:latin typeface="Arial"/>
+                <a:ea typeface="DejaVu Sans"/>
               </a:rPr>
               <a:t> Website khách hàng sử dụng</a:t>
             </a:r>
@@ -10539,15 +14430,28 @@
             </a:endParaRPr>
           </a:p>
           <a:p>
+            <a:pPr>
+              <a:lnSpc>
+                <a:spcPct val="100000"/>
+              </a:lnSpc>
+            </a:pPr>
             <a:r>
               <a:rPr b="0" lang="en-US" sz="3200" spc="-1" strike="noStrike">
-                <a:latin typeface="Arial"/>
+                <a:solidFill>
+                  <a:srgbClr val="000000"/>
+                </a:solidFill>
+                <a:latin typeface="Arial"/>
+                <a:ea typeface="DejaVu Sans"/>
               </a:rPr>
               <a:t>	</a:t>
             </a:r>
             <a:r>
               <a:rPr b="0" lang="en-US" sz="3200" spc="-1" strike="noStrike">
-                <a:latin typeface="Arial"/>
+                <a:solidFill>
+                  <a:srgbClr val="000000"/>
+                </a:solidFill>
+                <a:latin typeface="Arial"/>
+                <a:ea typeface="DejaVu Sans"/>
               </a:rPr>
               <a:t>Thiết kế giao diện các màn hình</a:t>
             </a:r>
@@ -10608,14 +14512,14 @@
       </p:grpSpPr>
       <p:sp>
         <p:nvSpPr>
-          <p:cNvPr id="193" name="CustomShape 1"/>
+          <p:cNvPr id="269" name="CustomShape 1"/>
           <p:cNvSpPr/>
           <p:nvPr/>
         </p:nvSpPr>
         <p:spPr>
           <a:xfrm>
             <a:off x="2025720" y="-190800"/>
-            <a:ext cx="8541720" cy="1323360"/>
+            <a:ext cx="8541000" cy="1322640"/>
           </a:xfrm>
           <a:prstGeom prst="rect">
             <a:avLst/>
@@ -10649,7 +14553,7 @@
                 <a:latin typeface="Calibri"/>
                 <a:ea typeface="DejaVu Sans"/>
               </a:rPr>
-              <a:t>NỘI DUNG</a:t>
+              <a:t>LUẬN VĂN TỐT NGHIỆP </a:t>
             </a:r>
             <a:endParaRPr b="0" lang="en-US" sz="3600" spc="-1" strike="noStrike">
               <a:latin typeface="Arial"/>
@@ -10659,7 +14563,7 @@
       </p:sp>
       <p:pic>
         <p:nvPicPr>
-          <p:cNvPr id="194" name="Content Placeholder 2" descr=""/>
+          <p:cNvPr id="270" name="Content Placeholder 2" descr=""/>
           <p:cNvPicPr/>
           <p:nvPr/>
         </p:nvPicPr>
@@ -10670,7 +14574,7 @@
         <p:spPr>
           <a:xfrm>
             <a:off x="304920" y="95760"/>
-            <a:ext cx="549000" cy="746280"/>
+            <a:ext cx="548280" cy="745560"/>
           </a:xfrm>
           <a:prstGeom prst="rect">
             <a:avLst/>
@@ -10682,14 +14586,14 @@
       </p:pic>
       <p:sp>
         <p:nvSpPr>
-          <p:cNvPr id="195" name="CustomShape 2"/>
+          <p:cNvPr id="271" name="CustomShape 2"/>
           <p:cNvSpPr/>
           <p:nvPr/>
         </p:nvSpPr>
         <p:spPr>
           <a:xfrm>
-            <a:off x="406800" y="1097280"/>
-            <a:ext cx="9009720" cy="5410080"/>
+            <a:off x="406800" y="2651760"/>
+            <a:ext cx="9009000" cy="1554120"/>
           </a:xfrm>
           <a:prstGeom prst="rect">
             <a:avLst/>
@@ -10705,145 +14609,254 @@
           <a:effectRef idx="0"/>
           <a:fontRef idx="minor"/>
         </p:style>
+      </p:sp>
+      <p:sp>
+        <p:nvSpPr>
+          <p:cNvPr id="272" name="TextShape 3"/>
+          <p:cNvSpPr txBox="1"/>
+          <p:nvPr/>
+        </p:nvSpPr>
+        <p:spPr>
+          <a:xfrm>
+            <a:off x="500760" y="1644480"/>
+            <a:ext cx="8915040" cy="911880"/>
+          </a:xfrm>
+          <a:prstGeom prst="rect">
+            <a:avLst/>
+          </a:prstGeom>
+          <a:noFill/>
+          <a:ln>
+            <a:noFill/>
+          </a:ln>
+        </p:spPr>
         <p:txBody>
           <a:bodyPr lIns="0" rIns="0" tIns="0" bIns="0" anchor="ctr"/>
           <a:p>
-            <a:pPr marL="216000" indent="-214200">
-              <a:lnSpc>
-                <a:spcPct val="100000"/>
-              </a:lnSpc>
-              <a:buClr>
-                <a:srgbClr val="000000"/>
-              </a:buClr>
-              <a:buFont typeface="StarSymbol"/>
-              <a:buAutoNum type="romanUcPeriod"/>
-            </a:pPr>
-            <a:r>
-              <a:rPr b="0" lang="en-US" sz="3200" spc="-1" strike="noStrike">
+            <a:pPr algn="ctr"/>
+            <a:r>
+              <a:rPr b="1" lang="en-US" sz="3200" spc="-1" strike="noStrike">
                 <a:solidFill>
                   <a:srgbClr val="000000"/>
                 </a:solidFill>
                 <a:latin typeface="Arial"/>
                 <a:ea typeface="DejaVu Sans"/>
               </a:rPr>
-              <a:t> </a:t>
-            </a:r>
-            <a:r>
-              <a:rPr b="0" lang="en-US" sz="3200" spc="-1" strike="noStrike">
-                <a:solidFill>
-                  <a:srgbClr val="000000"/>
-                </a:solidFill>
-                <a:latin typeface="Arial"/>
-                <a:ea typeface="DejaVu Sans"/>
-              </a:rPr>
-              <a:t>TỔNG QUAN VỀ ĐỀ TÀI</a:t>
-            </a:r>
-            <a:endParaRPr b="0" lang="en-US" sz="3200" spc="-1" strike="noStrike">
-              <a:latin typeface="Arial"/>
-            </a:endParaRPr>
-          </a:p>
-          <a:p>
-            <a:pPr marL="216000" indent="-214200">
-              <a:lnSpc>
-                <a:spcPct val="100000"/>
-              </a:lnSpc>
-              <a:buClr>
-                <a:srgbClr val="000000"/>
-              </a:buClr>
-              <a:buFont typeface="StarSymbol"/>
-              <a:buAutoNum type="romanUcPeriod"/>
-            </a:pPr>
-            <a:r>
-              <a:rPr b="0" lang="en-US" sz="3200" spc="-1" strike="noStrike">
-                <a:solidFill>
-                  <a:srgbClr val="000000"/>
-                </a:solidFill>
-                <a:latin typeface="Arial"/>
-                <a:ea typeface="DejaVu Sans"/>
-              </a:rPr>
-              <a:t> </a:t>
-            </a:r>
-            <a:r>
-              <a:rPr b="0" lang="en-US" sz="3200" spc="-1" strike="noStrike">
-                <a:solidFill>
-                  <a:srgbClr val="000000"/>
-                </a:solidFill>
-                <a:latin typeface="Arial"/>
-                <a:ea typeface="DejaVu Sans"/>
-              </a:rPr>
-              <a:t>CƠ SỞ LÝ THUYẾT</a:t>
-            </a:r>
-            <a:endParaRPr b="0" lang="en-US" sz="3200" spc="-1" strike="noStrike">
-              <a:latin typeface="Arial"/>
-            </a:endParaRPr>
-          </a:p>
-          <a:p>
-            <a:pPr marL="216000" indent="-214200">
-              <a:lnSpc>
-                <a:spcPct val="100000"/>
-              </a:lnSpc>
-              <a:buClr>
-                <a:srgbClr val="000000"/>
-              </a:buClr>
-              <a:buFont typeface="StarSymbol"/>
-              <a:buAutoNum type="romanUcPeriod"/>
-            </a:pPr>
-            <a:r>
-              <a:rPr b="0" lang="en-US" sz="3200" spc="-1" strike="noStrike">
-                <a:solidFill>
-                  <a:srgbClr val="000000"/>
-                </a:solidFill>
-                <a:latin typeface="Arial"/>
-                <a:ea typeface="DejaVu Sans"/>
-              </a:rPr>
-              <a:t> </a:t>
-            </a:r>
-            <a:r>
-              <a:rPr b="0" lang="en-US" sz="3200" spc="-1" strike="noStrike">
-                <a:solidFill>
-                  <a:srgbClr val="000000"/>
-                </a:solidFill>
-                <a:latin typeface="Arial"/>
-                <a:ea typeface="DejaVu Sans"/>
-              </a:rPr>
-              <a:t>NỘI DUNG THỰC HIỆN</a:t>
-            </a:r>
-            <a:endParaRPr b="0" lang="en-US" sz="3200" spc="-1" strike="noStrike">
-              <a:latin typeface="Arial"/>
-            </a:endParaRPr>
-          </a:p>
-          <a:p>
-            <a:pPr marL="216000" indent="-214200">
-              <a:lnSpc>
-                <a:spcPct val="100000"/>
-              </a:lnSpc>
-              <a:buClr>
-                <a:srgbClr val="000000"/>
-              </a:buClr>
-              <a:buFont typeface="StarSymbol"/>
-              <a:buAutoNum type="romanUcPeriod"/>
-            </a:pPr>
-            <a:r>
-              <a:rPr b="0" lang="en-US" sz="3200" spc="-1" strike="noStrike">
-                <a:solidFill>
-                  <a:srgbClr val="000000"/>
-                </a:solidFill>
-                <a:latin typeface="Arial"/>
-                <a:ea typeface="DejaVu Sans"/>
-              </a:rPr>
-              <a:t> </a:t>
-            </a:r>
-            <a:r>
-              <a:rPr b="0" lang="en-US" sz="3200" spc="-1" strike="noStrike">
-                <a:solidFill>
-                  <a:srgbClr val="000000"/>
-                </a:solidFill>
-                <a:latin typeface="Arial"/>
-                <a:ea typeface="DejaVu Sans"/>
-              </a:rPr>
-              <a:t>KẾT LUẬN</a:t>
-            </a:r>
-            <a:endParaRPr b="0" lang="en-US" sz="3200" spc="-1" strike="noStrike">
+              <a:t>ĐỀ TÀI: NGHIÊN CỨU TÍCH HỢP IOT VÀO HỆ THỐNG QUẢN LÝ NHÀ TRỌ</a:t>
+            </a:r>
+            <a:endParaRPr b="0" lang="en-US" sz="3200" spc="-1" strike="noStrike">
+              <a:latin typeface="Arial"/>
+            </a:endParaRPr>
+          </a:p>
+        </p:txBody>
+      </p:sp>
+      <p:sp>
+        <p:nvSpPr>
+          <p:cNvPr id="273" name="TextShape 4"/>
+          <p:cNvSpPr txBox="1"/>
+          <p:nvPr/>
+        </p:nvSpPr>
+        <p:spPr>
+          <a:xfrm>
+            <a:off x="2271240" y="4069080"/>
+            <a:ext cx="5592600" cy="1649880"/>
+          </a:xfrm>
+          <a:prstGeom prst="rect">
+            <a:avLst/>
+          </a:prstGeom>
+          <a:noFill/>
+          <a:ln>
+            <a:noFill/>
+          </a:ln>
+        </p:spPr>
+        <p:txBody>
+          <a:bodyPr lIns="0" rIns="0" tIns="0" bIns="0" anchor="ctr"/>
+          <a:p>
+            <a:r>
+              <a:rPr b="0" lang="en-US" sz="1600" spc="-1" strike="noStrike">
+                <a:latin typeface="Arial"/>
+              </a:rPr>
+              <a:t>GIẢNG VIÊN HƯỚNG DẪN</a:t>
+            </a:r>
+            <a:r>
+              <a:rPr b="0" lang="en-US" sz="1600" spc="-1" strike="noStrike">
+                <a:latin typeface="Arial"/>
+              </a:rPr>
+              <a:t>	</a:t>
+            </a:r>
+            <a:r>
+              <a:rPr b="0" lang="en-US" sz="1600" spc="-1" strike="noStrike">
+                <a:latin typeface="Arial"/>
+              </a:rPr>
+              <a:t>: ThS VŨ ĐÌNH LONG</a:t>
+            </a:r>
+            <a:endParaRPr b="0" lang="en-US" sz="1600" spc="-1" strike="noStrike">
+              <a:latin typeface="Arial"/>
+            </a:endParaRPr>
+          </a:p>
+          <a:p>
+            <a:endParaRPr b="0" lang="en-US" sz="1600" spc="-1" strike="noStrike">
+              <a:latin typeface="Arial"/>
+            </a:endParaRPr>
+          </a:p>
+          <a:p>
+            <a:r>
+              <a:rPr b="0" lang="en-US" sz="1600" spc="-1" strike="noStrike">
+                <a:latin typeface="Arial"/>
+              </a:rPr>
+              <a:t>SINH VIÊN THỰC HIỆN</a:t>
+            </a:r>
+            <a:r>
+              <a:rPr b="0" lang="en-US" sz="1600" spc="-1" strike="noStrike">
+                <a:latin typeface="Arial"/>
+              </a:rPr>
+              <a:t>	</a:t>
+            </a:r>
+            <a:r>
+              <a:rPr b="0" lang="en-US" sz="1600" spc="-1" strike="noStrike">
+                <a:latin typeface="Arial"/>
+              </a:rPr>
+              <a:t>	</a:t>
+            </a:r>
+            <a:r>
+              <a:rPr b="0" lang="en-US" sz="1600" spc="-1" strike="noStrike">
+                <a:latin typeface="Arial"/>
+              </a:rPr>
+              <a:t>: NGUYỄN QUANG LĨNH</a:t>
+            </a:r>
+            <a:endParaRPr b="0" lang="en-US" sz="1600" spc="-1" strike="noStrike">
+              <a:latin typeface="Arial"/>
+            </a:endParaRPr>
+          </a:p>
+          <a:p>
+            <a:endParaRPr b="0" lang="en-US" sz="1600" spc="-1" strike="noStrike">
+              <a:latin typeface="Arial"/>
+            </a:endParaRPr>
+          </a:p>
+          <a:p>
+            <a:r>
+              <a:rPr b="0" lang="en-US" sz="1600" spc="-1" strike="noStrike">
+                <a:latin typeface="Arial"/>
+              </a:rPr>
+              <a:t>MSSV: 1651120032</a:t>
+            </a:r>
+            <a:r>
+              <a:rPr b="0" lang="en-US" sz="1600" spc="-1" strike="noStrike">
+                <a:latin typeface="Arial"/>
+              </a:rPr>
+              <a:t>	</a:t>
+            </a:r>
+            <a:r>
+              <a:rPr b="0" lang="en-US" sz="1600" spc="-1" strike="noStrike">
+                <a:latin typeface="Arial"/>
+              </a:rPr>
+              <a:t>	</a:t>
+            </a:r>
+            <a:r>
+              <a:rPr b="0" lang="en-US" sz="1600" spc="-1" strike="noStrike">
+                <a:latin typeface="Arial"/>
+              </a:rPr>
+              <a:t>	</a:t>
+            </a:r>
+            <a:r>
+              <a:rPr b="0" lang="en-US" sz="1600" spc="-1" strike="noStrike">
+                <a:latin typeface="Arial"/>
+              </a:rPr>
+              <a:t>LỚP: CN16A</a:t>
+            </a:r>
+            <a:endParaRPr b="0" lang="en-US" sz="1600" spc="-1" strike="noStrike">
+              <a:latin typeface="Arial"/>
+            </a:endParaRPr>
+          </a:p>
+        </p:txBody>
+      </p:sp>
+      <p:sp>
+        <p:nvSpPr>
+          <p:cNvPr id="274" name="TextShape 5"/>
+          <p:cNvSpPr txBox="1"/>
+          <p:nvPr/>
+        </p:nvSpPr>
+        <p:spPr>
+          <a:xfrm>
+            <a:off x="2304360" y="2975760"/>
+            <a:ext cx="4808520" cy="914400"/>
+          </a:xfrm>
+          <a:prstGeom prst="rect">
+            <a:avLst/>
+          </a:prstGeom>
+          <a:noFill/>
+          <a:ln>
+            <a:noFill/>
+          </a:ln>
+        </p:spPr>
+        <p:txBody>
+          <a:bodyPr lIns="0" rIns="0" tIns="0" bIns="0" anchor="ctr"/>
+          <a:p>
+            <a:r>
+              <a:rPr b="0" lang="en-US" sz="1600" spc="-1" strike="noStrike">
+                <a:latin typeface="Arial"/>
+              </a:rPr>
+              <a:t>NGÀNH</a:t>
+            </a:r>
+            <a:r>
+              <a:rPr b="0" lang="en-US" sz="1600" spc="-1" strike="noStrike">
+                <a:latin typeface="Arial"/>
+              </a:rPr>
+              <a:t>	</a:t>
+            </a:r>
+            <a:r>
+              <a:rPr b="0" lang="en-US" sz="1600" spc="-1" strike="noStrike">
+                <a:latin typeface="Arial"/>
+              </a:rPr>
+              <a:t>	</a:t>
+            </a:r>
+            <a:r>
+              <a:rPr b="0" lang="en-US" sz="1600" spc="-1" strike="noStrike">
+                <a:latin typeface="Arial"/>
+              </a:rPr>
+              <a:t>	</a:t>
+            </a:r>
+            <a:r>
+              <a:rPr b="0" lang="en-US" sz="1600" spc="-1" strike="noStrike">
+                <a:latin typeface="Arial"/>
+              </a:rPr>
+              <a:t>: </a:t>
+            </a:r>
+            <a:r>
+              <a:rPr b="1" lang="en-US" sz="1600" spc="-1" strike="noStrike">
+                <a:latin typeface="Arial"/>
+              </a:rPr>
+              <a:t>CÔNG NGHỆ THÔNG TIN</a:t>
+            </a:r>
+            <a:endParaRPr b="0" lang="en-US" sz="1600" spc="-1" strike="noStrike">
+              <a:latin typeface="Arial"/>
+            </a:endParaRPr>
+          </a:p>
+          <a:p>
+            <a:r>
+              <a:rPr b="0" lang="en-US" sz="1600" spc="-1" strike="noStrike">
+                <a:latin typeface="Arial"/>
+              </a:rPr>
+              <a:t>CHUYÊN NGÀNH</a:t>
+            </a:r>
+            <a:r>
+              <a:rPr b="0" lang="en-US" sz="1600" spc="-1" strike="noStrike">
+                <a:latin typeface="Arial"/>
+              </a:rPr>
+              <a:t>	</a:t>
+            </a:r>
+            <a:r>
+              <a:rPr b="0" lang="en-US" sz="1600" spc="-1" strike="noStrike">
+                <a:latin typeface="Arial"/>
+              </a:rPr>
+              <a:t>: </a:t>
+            </a:r>
+            <a:r>
+              <a:rPr b="1" lang="en-US" sz="1600" spc="-1" strike="noStrike">
+                <a:latin typeface="Arial"/>
+              </a:rPr>
+              <a:t>CÔNG NGHỆ PHẦN MỀM</a:t>
+            </a:r>
+            <a:endParaRPr b="0" lang="en-US" sz="1600" spc="-1" strike="noStrike">
               <a:latin typeface="Arial"/>
             </a:endParaRPr>
           </a:p>
@@ -10900,14 +14913,14 @@
       </p:grpSpPr>
       <p:sp>
         <p:nvSpPr>
-          <p:cNvPr id="276" name="CustomShape 1"/>
+          <p:cNvPr id="356" name="CustomShape 1"/>
           <p:cNvSpPr/>
           <p:nvPr/>
         </p:nvSpPr>
         <p:spPr>
           <a:xfrm>
             <a:off x="2025720" y="-190800"/>
-            <a:ext cx="8541720" cy="1323360"/>
+            <a:ext cx="8541000" cy="1322640"/>
           </a:xfrm>
           <a:prstGeom prst="rect">
             <a:avLst/>
@@ -10951,7 +14964,7 @@
       </p:sp>
       <p:pic>
         <p:nvPicPr>
-          <p:cNvPr id="277" name="Content Placeholder 2" descr=""/>
+          <p:cNvPr id="357" name="Content Placeholder 2" descr=""/>
           <p:cNvPicPr/>
           <p:nvPr/>
         </p:nvPicPr>
@@ -10962,7 +14975,7 @@
         <p:spPr>
           <a:xfrm>
             <a:off x="304920" y="95760"/>
-            <a:ext cx="549000" cy="746280"/>
+            <a:ext cx="548280" cy="745560"/>
           </a:xfrm>
           <a:prstGeom prst="rect">
             <a:avLst/>
@@ -10974,14 +14987,14 @@
       </p:pic>
       <p:sp>
         <p:nvSpPr>
-          <p:cNvPr id="278" name="TextShape 2"/>
-          <p:cNvSpPr txBox="1"/>
+          <p:cNvPr id="358" name="CustomShape 2"/>
+          <p:cNvSpPr/>
           <p:nvPr/>
         </p:nvSpPr>
         <p:spPr>
           <a:xfrm>
             <a:off x="365760" y="1280160"/>
-            <a:ext cx="8915040" cy="914400"/>
+            <a:ext cx="8914320" cy="913680"/>
           </a:xfrm>
           <a:prstGeom prst="rect">
             <a:avLst/>
@@ -10991,12 +15004,27 @@
             <a:noFill/>
           </a:ln>
         </p:spPr>
+        <p:style>
+          <a:lnRef idx="0"/>
+          <a:fillRef idx="0"/>
+          <a:effectRef idx="0"/>
+          <a:fontRef idx="minor"/>
+        </p:style>
         <p:txBody>
           <a:bodyPr lIns="0" rIns="0" tIns="0" bIns="0" anchor="ctr"/>
           <a:p>
+            <a:pPr>
+              <a:lnSpc>
+                <a:spcPct val="100000"/>
+              </a:lnSpc>
+            </a:pPr>
             <a:r>
               <a:rPr b="0" lang="en-US" sz="3200" spc="-1" strike="noStrike">
-                <a:latin typeface="Arial"/>
+                <a:solidFill>
+                  <a:srgbClr val="000000"/>
+                </a:solidFill>
+                <a:latin typeface="Arial"/>
+                <a:ea typeface="DejaVu Sans"/>
               </a:rPr>
               <a:t>D. Internet of things ( IoT)</a:t>
             </a:r>
@@ -11005,15 +15033,28 @@
             </a:endParaRPr>
           </a:p>
           <a:p>
+            <a:pPr>
+              <a:lnSpc>
+                <a:spcPct val="100000"/>
+              </a:lnSpc>
+            </a:pPr>
             <a:r>
               <a:rPr b="0" lang="en-US" sz="3200" spc="-1" strike="noStrike">
-                <a:latin typeface="Arial"/>
+                <a:solidFill>
+                  <a:srgbClr val="000000"/>
+                </a:solidFill>
+                <a:latin typeface="Arial"/>
+                <a:ea typeface="DejaVu Sans"/>
               </a:rPr>
               <a:t>	</a:t>
             </a:r>
             <a:r>
               <a:rPr b="0" lang="en-US" sz="3200" spc="-1" strike="noStrike">
-                <a:latin typeface="Arial"/>
+                <a:solidFill>
+                  <a:srgbClr val="000000"/>
+                </a:solidFill>
+                <a:latin typeface="Arial"/>
+                <a:ea typeface="DejaVu Sans"/>
               </a:rPr>
               <a:t>Kết nối module Esp8266 với wifi</a:t>
             </a:r>
@@ -11074,14 +15115,14 @@
       </p:grpSpPr>
       <p:sp>
         <p:nvSpPr>
-          <p:cNvPr id="279" name="CustomShape 1"/>
+          <p:cNvPr id="359" name="CustomShape 1"/>
           <p:cNvSpPr/>
           <p:nvPr/>
         </p:nvSpPr>
         <p:spPr>
           <a:xfrm>
             <a:off x="2025720" y="-190800"/>
-            <a:ext cx="8541720" cy="1323360"/>
+            <a:ext cx="8541000" cy="1322640"/>
           </a:xfrm>
           <a:prstGeom prst="rect">
             <a:avLst/>
@@ -11125,7 +15166,7 @@
       </p:sp>
       <p:pic>
         <p:nvPicPr>
-          <p:cNvPr id="280" name="Content Placeholder 2" descr=""/>
+          <p:cNvPr id="360" name="Content Placeholder 2" descr=""/>
           <p:cNvPicPr/>
           <p:nvPr/>
         </p:nvPicPr>
@@ -11136,7 +15177,7 @@
         <p:spPr>
           <a:xfrm>
             <a:off x="304920" y="95760"/>
-            <a:ext cx="549000" cy="746280"/>
+            <a:ext cx="548280" cy="745560"/>
           </a:xfrm>
           <a:prstGeom prst="rect">
             <a:avLst/>
@@ -11148,14 +15189,14 @@
       </p:pic>
       <p:sp>
         <p:nvSpPr>
-          <p:cNvPr id="281" name="TextShape 2"/>
-          <p:cNvSpPr txBox="1"/>
+          <p:cNvPr id="361" name="CustomShape 2"/>
+          <p:cNvSpPr/>
           <p:nvPr/>
         </p:nvSpPr>
         <p:spPr>
           <a:xfrm>
             <a:off x="365760" y="1280160"/>
-            <a:ext cx="8915040" cy="914400"/>
+            <a:ext cx="8914320" cy="913680"/>
           </a:xfrm>
           <a:prstGeom prst="rect">
             <a:avLst/>
@@ -11165,12 +15206,27 @@
             <a:noFill/>
           </a:ln>
         </p:spPr>
+        <p:style>
+          <a:lnRef idx="0"/>
+          <a:fillRef idx="0"/>
+          <a:effectRef idx="0"/>
+          <a:fontRef idx="minor"/>
+        </p:style>
         <p:txBody>
           <a:bodyPr lIns="0" rIns="0" tIns="0" bIns="0" anchor="ctr"/>
           <a:p>
+            <a:pPr>
+              <a:lnSpc>
+                <a:spcPct val="100000"/>
+              </a:lnSpc>
+            </a:pPr>
             <a:r>
               <a:rPr b="0" lang="en-US" sz="3200" spc="-1" strike="noStrike">
-                <a:latin typeface="Arial"/>
+                <a:solidFill>
+                  <a:srgbClr val="000000"/>
+                </a:solidFill>
+                <a:latin typeface="Arial"/>
+                <a:ea typeface="DejaVu Sans"/>
               </a:rPr>
               <a:t>D. Internet of things ( IoT)</a:t>
             </a:r>
@@ -11179,15 +15235,28 @@
             </a:endParaRPr>
           </a:p>
           <a:p>
+            <a:pPr>
+              <a:lnSpc>
+                <a:spcPct val="100000"/>
+              </a:lnSpc>
+            </a:pPr>
             <a:r>
               <a:rPr b="0" lang="en-US" sz="3200" spc="-1" strike="noStrike">
-                <a:latin typeface="Arial"/>
+                <a:solidFill>
+                  <a:srgbClr val="000000"/>
+                </a:solidFill>
+                <a:latin typeface="Arial"/>
+                <a:ea typeface="DejaVu Sans"/>
               </a:rPr>
               <a:t>	</a:t>
             </a:r>
             <a:r>
               <a:rPr b="0" lang="en-US" sz="3200" spc="-1" strike="noStrike">
-                <a:latin typeface="Arial"/>
+                <a:solidFill>
+                  <a:srgbClr val="000000"/>
+                </a:solidFill>
+                <a:latin typeface="Arial"/>
+                <a:ea typeface="DejaVu Sans"/>
               </a:rPr>
               <a:t>Kết nối firebase với module Esp8266</a:t>
             </a:r>
@@ -11248,14 +15317,14 @@
       </p:grpSpPr>
       <p:sp>
         <p:nvSpPr>
-          <p:cNvPr id="282" name="CustomShape 1"/>
+          <p:cNvPr id="362" name="CustomShape 1"/>
           <p:cNvSpPr/>
           <p:nvPr/>
         </p:nvSpPr>
         <p:spPr>
           <a:xfrm>
             <a:off x="2025720" y="-190800"/>
-            <a:ext cx="8541720" cy="1323360"/>
+            <a:ext cx="8541000" cy="1322640"/>
           </a:xfrm>
           <a:prstGeom prst="rect">
             <a:avLst/>
@@ -11289,7 +15358,7 @@
                 <a:latin typeface="Calibri"/>
                 <a:ea typeface="DejaVu Sans"/>
               </a:rPr>
-              <a:t>IV. KẾT LUẬN</a:t>
+              <a:t>KẾT LUẬN</a:t>
             </a:r>
             <a:endParaRPr b="0" lang="en-US" sz="3600" spc="-1" strike="noStrike">
               <a:latin typeface="Arial"/>
@@ -11299,7 +15368,7 @@
       </p:sp>
       <p:pic>
         <p:nvPicPr>
-          <p:cNvPr id="283" name="Content Placeholder 2" descr=""/>
+          <p:cNvPr id="363" name="Content Placeholder 2" descr=""/>
           <p:cNvPicPr/>
           <p:nvPr/>
         </p:nvPicPr>
@@ -11310,7 +15379,7 @@
         <p:spPr>
           <a:xfrm>
             <a:off x="304920" y="95760"/>
-            <a:ext cx="549000" cy="746280"/>
+            <a:ext cx="548280" cy="745560"/>
           </a:xfrm>
           <a:prstGeom prst="rect">
             <a:avLst/>
@@ -11322,13 +15391,13 @@
       </p:pic>
       <p:graphicFrame>
         <p:nvGraphicFramePr>
-          <p:cNvPr id="284" name="Table 2"/>
+          <p:cNvPr id="364" name="Table 2"/>
           <p:cNvGraphicFramePr/>
           <p:nvPr/>
         </p:nvGraphicFramePr>
         <p:xfrm>
           <a:off x="548640" y="1280160"/>
-          <a:ext cx="8869320" cy="5028840"/>
+          <a:ext cx="8869320" cy="5028480"/>
         </p:xfrm>
         <a:graphic>
           <a:graphicData uri="http://schemas.openxmlformats.org/drawingml/2006/table">
@@ -11673,14 +15742,14 @@
       </p:grpSpPr>
       <p:sp>
         <p:nvSpPr>
-          <p:cNvPr id="285" name="CustomShape 1"/>
+          <p:cNvPr id="365" name="CustomShape 1"/>
           <p:cNvSpPr/>
           <p:nvPr/>
         </p:nvSpPr>
         <p:spPr>
           <a:xfrm>
             <a:off x="2025720" y="-190800"/>
-            <a:ext cx="8541720" cy="1323360"/>
+            <a:ext cx="8541000" cy="1322640"/>
           </a:xfrm>
           <a:prstGeom prst="rect">
             <a:avLst/>
@@ -11714,7 +15783,7 @@
                 <a:latin typeface="Calibri"/>
                 <a:ea typeface="DejaVu Sans"/>
               </a:rPr>
-              <a:t>IV. KẾT LUẬN</a:t>
+              <a:t>KẾT LUẬN</a:t>
             </a:r>
             <a:endParaRPr b="0" lang="en-US" sz="3600" spc="-1" strike="noStrike">
               <a:latin typeface="Arial"/>
@@ -11724,7 +15793,7 @@
       </p:sp>
       <p:pic>
         <p:nvPicPr>
-          <p:cNvPr id="286" name="Content Placeholder 2" descr=""/>
+          <p:cNvPr id="366" name="Content Placeholder 2" descr=""/>
           <p:cNvPicPr/>
           <p:nvPr/>
         </p:nvPicPr>
@@ -11735,7 +15804,7 @@
         <p:spPr>
           <a:xfrm>
             <a:off x="304920" y="95760"/>
-            <a:ext cx="549000" cy="746280"/>
+            <a:ext cx="548280" cy="745560"/>
           </a:xfrm>
           <a:prstGeom prst="rect">
             <a:avLst/>
@@ -11747,14 +15816,14 @@
       </p:pic>
       <p:sp>
         <p:nvSpPr>
-          <p:cNvPr id="287" name="TextShape 2"/>
-          <p:cNvSpPr txBox="1"/>
+          <p:cNvPr id="367" name="CustomShape 2"/>
+          <p:cNvSpPr/>
           <p:nvPr/>
         </p:nvSpPr>
         <p:spPr>
           <a:xfrm>
             <a:off x="495000" y="1604520"/>
-            <a:ext cx="8915040" cy="3977280"/>
+            <a:ext cx="8914320" cy="3976560"/>
           </a:xfrm>
           <a:prstGeom prst="rect">
             <a:avLst/>
@@ -11764,12 +15833,27 @@
             <a:noFill/>
           </a:ln>
         </p:spPr>
+        <p:style>
+          <a:lnRef idx="0"/>
+          <a:fillRef idx="0"/>
+          <a:effectRef idx="0"/>
+          <a:fontRef idx="minor"/>
+        </p:style>
         <p:txBody>
           <a:bodyPr lIns="0" rIns="0" tIns="0" bIns="0" anchor="ctr"/>
           <a:p>
+            <a:pPr>
+              <a:lnSpc>
+                <a:spcPct val="100000"/>
+              </a:lnSpc>
+            </a:pPr>
             <a:r>
               <a:rPr b="0" lang="en-US" sz="3200" spc="-1" strike="noStrike">
-                <a:latin typeface="Arial"/>
+                <a:solidFill>
+                  <a:srgbClr val="000000"/>
+                </a:solidFill>
+                <a:latin typeface="Arial"/>
+                <a:ea typeface="DejaVu Sans"/>
               </a:rPr>
               <a:t>Kết quả đạt được</a:t>
             </a:r>
@@ -11778,7 +15862,10 @@
             </a:endParaRPr>
           </a:p>
           <a:p>
-            <a:pPr lvl="1" marL="432000" indent="-216000">
+            <a:pPr lvl="1" marL="432000" indent="-215280">
+              <a:lnSpc>
+                <a:spcPct val="100000"/>
+              </a:lnSpc>
               <a:buClr>
                 <a:srgbClr val="000000"/>
               </a:buClr>
@@ -11788,13 +15875,21 @@
             </a:pPr>
             <a:r>
               <a:rPr b="0" lang="en-US" sz="3200" spc="-1" strike="noStrike">
-                <a:latin typeface="Arial"/>
+                <a:solidFill>
+                  <a:srgbClr val="000000"/>
+                </a:solidFill>
+                <a:latin typeface="Arial"/>
+                <a:ea typeface="DejaVu Sans"/>
               </a:rPr>
               <a:t> </a:t>
             </a:r>
             <a:r>
               <a:rPr b="0" lang="en-US" sz="3200" spc="-1" strike="noStrike">
-                <a:latin typeface="Arial"/>
+                <a:solidFill>
+                  <a:srgbClr val="000000"/>
+                </a:solidFill>
+                <a:latin typeface="Arial"/>
+                <a:ea typeface="DejaVu Sans"/>
               </a:rPr>
               <a:t>Website quản trị: </a:t>
             </a:r>
@@ -11803,7 +15898,10 @@
             </a:endParaRPr>
           </a:p>
           <a:p>
-            <a:pPr lvl="1" marL="432000" indent="-216000">
+            <a:pPr lvl="1" marL="432000" indent="-215280">
+              <a:lnSpc>
+                <a:spcPct val="100000"/>
+              </a:lnSpc>
               <a:buClr>
                 <a:srgbClr val="000000"/>
               </a:buClr>
@@ -11813,13 +15911,21 @@
             </a:pPr>
             <a:r>
               <a:rPr b="0" lang="en-US" sz="3200" spc="-1" strike="noStrike">
-                <a:latin typeface="Arial"/>
+                <a:solidFill>
+                  <a:srgbClr val="000000"/>
+                </a:solidFill>
+                <a:latin typeface="Arial"/>
+                <a:ea typeface="DejaVu Sans"/>
               </a:rPr>
               <a:t> </a:t>
             </a:r>
             <a:r>
               <a:rPr b="0" lang="en-US" sz="3200" spc="-1" strike="noStrike">
-                <a:latin typeface="Arial"/>
+                <a:solidFill>
+                  <a:srgbClr val="000000"/>
+                </a:solidFill>
+                <a:latin typeface="Arial"/>
+                <a:ea typeface="DejaVu Sans"/>
               </a:rPr>
               <a:t>App khách hàng:</a:t>
             </a:r>
@@ -11828,7 +15934,10 @@
             </a:endParaRPr>
           </a:p>
           <a:p>
-            <a:pPr lvl="1" marL="432000" indent="-216000">
+            <a:pPr lvl="1" marL="432000" indent="-215280">
+              <a:lnSpc>
+                <a:spcPct val="100000"/>
+              </a:lnSpc>
               <a:buClr>
                 <a:srgbClr val="000000"/>
               </a:buClr>
@@ -11838,13 +15947,21 @@
             </a:pPr>
             <a:r>
               <a:rPr b="0" lang="en-US" sz="3200" spc="-1" strike="noStrike">
-                <a:latin typeface="Arial"/>
+                <a:solidFill>
+                  <a:srgbClr val="000000"/>
+                </a:solidFill>
+                <a:latin typeface="Arial"/>
+                <a:ea typeface="DejaVu Sans"/>
               </a:rPr>
               <a:t> </a:t>
             </a:r>
             <a:r>
               <a:rPr b="0" lang="en-US" sz="3200" spc="-1" strike="noStrike">
-                <a:latin typeface="Arial"/>
+                <a:solidFill>
+                  <a:srgbClr val="000000"/>
+                </a:solidFill>
+                <a:latin typeface="Arial"/>
+                <a:ea typeface="DejaVu Sans"/>
               </a:rPr>
               <a:t>Website khách hàng:</a:t>
             </a:r>
@@ -11915,14 +16032,14 @@
       </p:grpSpPr>
       <p:sp>
         <p:nvSpPr>
-          <p:cNvPr id="288" name="CustomShape 1"/>
+          <p:cNvPr id="368" name="CustomShape 1"/>
           <p:cNvSpPr/>
           <p:nvPr/>
         </p:nvSpPr>
         <p:spPr>
           <a:xfrm>
             <a:off x="5427720" y="5404320"/>
-            <a:ext cx="3772800" cy="698040"/>
+            <a:ext cx="3772080" cy="697320"/>
           </a:xfrm>
           <a:prstGeom prst="rect">
             <a:avLst/>
@@ -12013,14 +16130,14 @@
       </p:grpSpPr>
       <p:sp>
         <p:nvSpPr>
-          <p:cNvPr id="196" name="CustomShape 1"/>
+          <p:cNvPr id="275" name="CustomShape 1"/>
           <p:cNvSpPr/>
           <p:nvPr/>
         </p:nvSpPr>
         <p:spPr>
           <a:xfrm>
             <a:off x="2025720" y="-190800"/>
-            <a:ext cx="8541720" cy="1323360"/>
+            <a:ext cx="8541000" cy="1322640"/>
           </a:xfrm>
           <a:prstGeom prst="rect">
             <a:avLst/>
@@ -12054,7 +16171,7 @@
                 <a:latin typeface="Calibri"/>
                 <a:ea typeface="DejaVu Sans"/>
               </a:rPr>
-              <a:t>I. TỔNG QUAN VỀ ĐỀ TÀI</a:t>
+              <a:t>NỘI DUNG</a:t>
             </a:r>
             <a:endParaRPr b="0" lang="en-US" sz="3600" spc="-1" strike="noStrike">
               <a:latin typeface="Arial"/>
@@ -12064,7 +16181,7 @@
       </p:sp>
       <p:pic>
         <p:nvPicPr>
-          <p:cNvPr id="197" name="Content Placeholder 2" descr=""/>
+          <p:cNvPr id="276" name="Content Placeholder 2" descr=""/>
           <p:cNvPicPr/>
           <p:nvPr/>
         </p:nvPicPr>
@@ -12075,7 +16192,7 @@
         <p:spPr>
           <a:xfrm>
             <a:off x="304920" y="95760"/>
-            <a:ext cx="549000" cy="746280"/>
+            <a:ext cx="548280" cy="745560"/>
           </a:xfrm>
           <a:prstGeom prst="rect">
             <a:avLst/>
@@ -12087,14 +16204,14 @@
       </p:pic>
       <p:sp>
         <p:nvSpPr>
-          <p:cNvPr id="198" name="CustomShape 2"/>
+          <p:cNvPr id="277" name="CustomShape 2"/>
           <p:cNvSpPr/>
           <p:nvPr/>
         </p:nvSpPr>
         <p:spPr>
           <a:xfrm>
-            <a:off x="2106720" y="2019240"/>
-            <a:ext cx="1915200" cy="1271160"/>
+            <a:off x="457200" y="1371600"/>
+            <a:ext cx="5120640" cy="914400"/>
           </a:xfrm>
           <a:prstGeom prst="rect">
             <a:avLst/>
@@ -12110,17 +16227,45 @@
           <a:effectRef idx="0"/>
           <a:fontRef idx="minor"/>
         </p:style>
-      </p:sp>
-      <p:sp>
-        <p:nvSpPr>
-          <p:cNvPr id="199" name="CustomShape 3"/>
+        <p:txBody>
+          <a:bodyPr lIns="0" rIns="0" tIns="0" bIns="0" anchor="ctr"/>
+          <a:p>
+            <a:pPr marL="216000" indent="-213480">
+              <a:lnSpc>
+                <a:spcPct val="100000"/>
+              </a:lnSpc>
+              <a:buClr>
+                <a:srgbClr val="000000"/>
+              </a:buClr>
+              <a:buFont typeface="StarSymbol"/>
+              <a:buAutoNum type="romanUcPeriod"/>
+            </a:pPr>
+            <a:r>
+              <a:rPr b="0" lang="en-US" sz="3200" spc="-1" strike="noStrike">
+                <a:solidFill>
+                  <a:srgbClr val="000000"/>
+                </a:solidFill>
+                <a:latin typeface="Arial"/>
+                <a:ea typeface="DejaVu Sans"/>
+              </a:rPr>
+              <a:t>TỔNG QUAN VỀ ĐỀ TÀI</a:t>
+            </a:r>
+            <a:endParaRPr b="0" lang="en-US" sz="3200" spc="-1" strike="noStrike">
+              <a:latin typeface="Arial"/>
+            </a:endParaRPr>
+          </a:p>
+        </p:txBody>
+      </p:sp>
+      <p:sp>
+        <p:nvSpPr>
+          <p:cNvPr id="278" name="CustomShape 3"/>
           <p:cNvSpPr/>
           <p:nvPr/>
         </p:nvSpPr>
         <p:spPr>
           <a:xfrm>
-            <a:off x="3749040" y="3297960"/>
-            <a:ext cx="179280" cy="231120"/>
+            <a:off x="457200" y="2127600"/>
+            <a:ext cx="5120640" cy="914400"/>
           </a:xfrm>
           <a:prstGeom prst="rect">
             <a:avLst/>
@@ -12136,17 +16281,40 @@
           <a:effectRef idx="0"/>
           <a:fontRef idx="minor"/>
         </p:style>
-      </p:sp>
-      <p:sp>
-        <p:nvSpPr>
-          <p:cNvPr id="200" name="TextShape 4"/>
-          <p:cNvSpPr txBox="1"/>
+        <p:txBody>
+          <a:bodyPr lIns="0" rIns="0" tIns="0" bIns="0" anchor="ctr"/>
+          <a:p>
+            <a:pPr>
+              <a:lnSpc>
+                <a:spcPct val="100000"/>
+              </a:lnSpc>
+            </a:pPr>
+            <a:r>
+              <a:rPr b="0" lang="en-US" sz="3200" spc="-1" strike="noStrike">
+                <a:solidFill>
+                  <a:srgbClr val="000000"/>
+                </a:solidFill>
+                <a:latin typeface="Arial"/>
+                <a:ea typeface="DejaVu Sans"/>
+              </a:rPr>
+              <a:t>II.CƠ SỞ LÝ THUYẾT</a:t>
+            </a:r>
+            <a:endParaRPr b="0" lang="en-US" sz="3200" spc="-1" strike="noStrike">
+              <a:latin typeface="Arial"/>
+            </a:endParaRPr>
+          </a:p>
+        </p:txBody>
+      </p:sp>
+      <p:sp>
+        <p:nvSpPr>
+          <p:cNvPr id="279" name="CustomShape 4"/>
+          <p:cNvSpPr/>
           <p:nvPr/>
         </p:nvSpPr>
         <p:spPr>
           <a:xfrm>
-            <a:off x="495000" y="1604520"/>
-            <a:ext cx="8915040" cy="3977280"/>
+            <a:off x="457200" y="2883600"/>
+            <a:ext cx="5120640" cy="914400"/>
           </a:xfrm>
           <a:prstGeom prst="rect">
             <a:avLst/>
@@ -12156,39 +16324,98 @@
             <a:noFill/>
           </a:ln>
         </p:spPr>
+        <p:style>
+          <a:lnRef idx="0"/>
+          <a:fillRef idx="0"/>
+          <a:effectRef idx="0"/>
+          <a:fontRef idx="minor"/>
+        </p:style>
         <p:txBody>
           <a:bodyPr lIns="0" rIns="0" tIns="0" bIns="0" anchor="ctr"/>
           <a:p>
+            <a:pPr>
+              <a:lnSpc>
+                <a:spcPct val="100000"/>
+              </a:lnSpc>
+            </a:pPr>
             <a:r>
               <a:rPr b="0" lang="en-US" sz="3200" spc="-1" strike="noStrike">
-                <a:latin typeface="Arial"/>
+                <a:solidFill>
+                  <a:srgbClr val="000000"/>
+                </a:solidFill>
+                <a:latin typeface="Arial"/>
+                <a:ea typeface="DejaVu Sans"/>
+              </a:rPr>
+              <a:t>III.</a:t>
+            </a:r>
+            <a:r>
+              <a:rPr b="0" lang="en-US" sz="3200" spc="-1" strike="noStrike">
+                <a:solidFill>
+                  <a:srgbClr val="000000"/>
+                </a:solidFill>
+                <a:latin typeface="Arial"/>
+                <a:ea typeface="DejaVu Sans"/>
               </a:rPr>
               <a:t>	</a:t>
             </a:r>
             <a:r>
               <a:rPr b="0" lang="en-US" sz="3200" spc="-1" strike="noStrike">
-                <a:latin typeface="Arial"/>
-              </a:rPr>
-              <a:t>Lý do chọn đề tài</a:t>
-            </a:r>
-            <a:endParaRPr b="0" lang="en-US" sz="3200" spc="-1" strike="noStrike">
-              <a:latin typeface="Arial"/>
-            </a:endParaRPr>
-          </a:p>
-          <a:p>
-            <a:pPr lvl="1" marL="432000" indent="-216000">
-              <a:buClr>
-                <a:srgbClr val="000000"/>
-              </a:buClr>
-              <a:buSzPct val="45000"/>
-              <a:buFont typeface="Wingdings" charset="2"/>
-              <a:buChar char=""/>
+                <a:solidFill>
+                  <a:srgbClr val="000000"/>
+                </a:solidFill>
+                <a:latin typeface="Arial"/>
+                <a:ea typeface="DejaVu Sans"/>
+              </a:rPr>
+              <a:t>NỘI DUNG THỰC HIỆN</a:t>
+            </a:r>
+            <a:endParaRPr b="0" lang="en-US" sz="3200" spc="-1" strike="noStrike">
+              <a:latin typeface="Arial"/>
+            </a:endParaRPr>
+          </a:p>
+        </p:txBody>
+      </p:sp>
+      <p:sp>
+        <p:nvSpPr>
+          <p:cNvPr id="280" name="CustomShape 5"/>
+          <p:cNvSpPr/>
+          <p:nvPr/>
+        </p:nvSpPr>
+        <p:spPr>
+          <a:xfrm>
+            <a:off x="457200" y="3675600"/>
+            <a:ext cx="5120640" cy="914400"/>
+          </a:xfrm>
+          <a:prstGeom prst="rect">
+            <a:avLst/>
+          </a:prstGeom>
+          <a:noFill/>
+          <a:ln>
+            <a:noFill/>
+          </a:ln>
+        </p:spPr>
+        <p:style>
+          <a:lnRef idx="0"/>
+          <a:fillRef idx="0"/>
+          <a:effectRef idx="0"/>
+          <a:fontRef idx="minor"/>
+        </p:style>
+        <p:txBody>
+          <a:bodyPr lIns="0" rIns="0" tIns="0" bIns="0" anchor="ctr"/>
+          <a:p>
+            <a:pPr>
+              <a:lnSpc>
+                <a:spcPct val="100000"/>
+              </a:lnSpc>
             </a:pPr>
             <a:r>
               <a:rPr b="0" lang="en-US" sz="3200" spc="-1" strike="noStrike">
-                <a:latin typeface="Arial"/>
-              </a:rPr>
-              <a:t> </a:t>
+                <a:solidFill>
+                  <a:srgbClr val="000000"/>
+                </a:solidFill>
+                <a:latin typeface="Arial"/>
+                <a:ea typeface="DejaVu Sans"/>
+              </a:rPr>
+              <a:t>IV.KẾT LUẬN </a:t>
             </a:r>
             <a:endParaRPr b="0" lang="en-US" sz="3200" spc="-1" strike="noStrike">
               <a:latin typeface="Arial"/>
@@ -12247,14 +16474,14 @@
       </p:grpSpPr>
       <p:sp>
         <p:nvSpPr>
-          <p:cNvPr id="201" name="CustomShape 1"/>
+          <p:cNvPr id="281" name="CustomShape 1"/>
           <p:cNvSpPr/>
           <p:nvPr/>
         </p:nvSpPr>
         <p:spPr>
           <a:xfrm>
             <a:off x="2025720" y="-190800"/>
-            <a:ext cx="8541720" cy="1323360"/>
+            <a:ext cx="8541000" cy="1322640"/>
           </a:xfrm>
           <a:prstGeom prst="rect">
             <a:avLst/>
@@ -12288,7 +16515,7 @@
                 <a:latin typeface="Calibri"/>
                 <a:ea typeface="DejaVu Sans"/>
               </a:rPr>
-              <a:t>I. TỔNG QUAN VỀ ĐỀ TÀI</a:t>
+              <a:t>TỔNG QUAN VỀ ĐỀ TÀI</a:t>
             </a:r>
             <a:endParaRPr b="0" lang="en-US" sz="3600" spc="-1" strike="noStrike">
               <a:latin typeface="Arial"/>
@@ -12298,7 +16525,7 @@
       </p:sp>
       <p:pic>
         <p:nvPicPr>
-          <p:cNvPr id="202" name="Content Placeholder 2" descr=""/>
+          <p:cNvPr id="282" name="Content Placeholder 2" descr=""/>
           <p:cNvPicPr/>
           <p:nvPr/>
         </p:nvPicPr>
@@ -12309,7 +16536,7 @@
         <p:spPr>
           <a:xfrm>
             <a:off x="304920" y="95760"/>
-            <a:ext cx="549000" cy="746280"/>
+            <a:ext cx="548280" cy="745560"/>
           </a:xfrm>
           <a:prstGeom prst="rect">
             <a:avLst/>
@@ -12321,14 +16548,14 @@
       </p:pic>
       <p:sp>
         <p:nvSpPr>
-          <p:cNvPr id="203" name="CustomShape 2"/>
+          <p:cNvPr id="283" name="CustomShape 2"/>
           <p:cNvSpPr/>
           <p:nvPr/>
         </p:nvSpPr>
         <p:spPr>
           <a:xfrm>
             <a:off x="2106720" y="2019240"/>
-            <a:ext cx="1915200" cy="1271160"/>
+            <a:ext cx="1914480" cy="1270440"/>
           </a:xfrm>
           <a:prstGeom prst="rect">
             <a:avLst/>
@@ -12347,14 +16574,14 @@
       </p:sp>
       <p:sp>
         <p:nvSpPr>
-          <p:cNvPr id="204" name="CustomShape 3"/>
+          <p:cNvPr id="284" name="CustomShape 3"/>
           <p:cNvSpPr/>
           <p:nvPr/>
         </p:nvSpPr>
         <p:spPr>
           <a:xfrm>
             <a:off x="3749040" y="3297960"/>
-            <a:ext cx="179280" cy="231120"/>
+            <a:ext cx="178560" cy="230400"/>
           </a:xfrm>
           <a:prstGeom prst="rect">
             <a:avLst/>
@@ -12373,14 +16600,14 @@
       </p:sp>
       <p:sp>
         <p:nvSpPr>
-          <p:cNvPr id="205" name="TextShape 4"/>
-          <p:cNvSpPr txBox="1"/>
+          <p:cNvPr id="285" name="CustomShape 4"/>
+          <p:cNvSpPr/>
           <p:nvPr/>
         </p:nvSpPr>
         <p:spPr>
           <a:xfrm>
             <a:off x="495000" y="1604520"/>
-            <a:ext cx="8915040" cy="3977280"/>
+            <a:ext cx="8914320" cy="3976560"/>
           </a:xfrm>
           <a:prstGeom prst="rect">
             <a:avLst/>
@@ -12390,27 +16617,49 @@
             <a:noFill/>
           </a:ln>
         </p:spPr>
+        <p:style>
+          <a:lnRef idx="0"/>
+          <a:fillRef idx="0"/>
+          <a:effectRef idx="0"/>
+          <a:fontRef idx="minor"/>
+        </p:style>
         <p:txBody>
           <a:bodyPr lIns="0" rIns="0" tIns="0" bIns="0" anchor="ctr"/>
           <a:p>
+            <a:pPr>
+              <a:lnSpc>
+                <a:spcPct val="100000"/>
+              </a:lnSpc>
+            </a:pPr>
             <a:r>
               <a:rPr b="0" lang="en-US" sz="3200" spc="-1" strike="noStrike">
-                <a:latin typeface="Arial"/>
+                <a:solidFill>
+                  <a:srgbClr val="000000"/>
+                </a:solidFill>
+                <a:latin typeface="Arial"/>
+                <a:ea typeface="DejaVu Sans"/>
               </a:rPr>
               <a:t>	</a:t>
             </a:r>
             <a:r>
               <a:rPr b="0" lang="en-US" sz="3200" spc="-1" strike="noStrike">
-                <a:latin typeface="Arial"/>
-              </a:rPr>
-              <a:t>Mục tiêu của đề tài</a:t>
-            </a:r>
-            <a:endParaRPr b="0" lang="en-US" sz="3200" spc="-1" strike="noStrike">
-              <a:latin typeface="Arial"/>
-            </a:endParaRPr>
-          </a:p>
-          <a:p>
-            <a:pPr lvl="1" marL="432000" indent="-216000">
+                <a:solidFill>
+                  <a:srgbClr val="000000"/>
+                </a:solidFill>
+                <a:latin typeface="Arial"/>
+                <a:ea typeface="DejaVu Sans"/>
+              </a:rPr>
+              <a:t>Lý do chọn đề tài</a:t>
+            </a:r>
+            <a:endParaRPr b="0" lang="en-US" sz="3200" spc="-1" strike="noStrike">
+              <a:latin typeface="Arial"/>
+            </a:endParaRPr>
+          </a:p>
+          <a:p>
+            <a:pPr lvl="1" marL="432000" indent="-215280">
+              <a:lnSpc>
+                <a:spcPct val="100000"/>
+              </a:lnSpc>
               <a:buClr>
                 <a:srgbClr val="000000"/>
               </a:buClr>
@@ -12420,7 +16669,11 @@
             </a:pPr>
             <a:r>
               <a:rPr b="0" lang="en-US" sz="3200" spc="-1" strike="noStrike">
-                <a:latin typeface="Arial"/>
+                <a:solidFill>
+                  <a:srgbClr val="000000"/>
+                </a:solidFill>
+                <a:latin typeface="Arial"/>
+                <a:ea typeface="DejaVu Sans"/>
               </a:rPr>
               <a:t> </a:t>
             </a:r>
@@ -12481,14 +16734,14 @@
       </p:grpSpPr>
       <p:sp>
         <p:nvSpPr>
-          <p:cNvPr id="206" name="CustomShape 1"/>
+          <p:cNvPr id="286" name="CustomShape 1"/>
           <p:cNvSpPr/>
           <p:nvPr/>
         </p:nvSpPr>
         <p:spPr>
           <a:xfrm>
             <a:off x="2025720" y="-190800"/>
-            <a:ext cx="8541720" cy="1323360"/>
+            <a:ext cx="8541000" cy="1322640"/>
           </a:xfrm>
           <a:prstGeom prst="rect">
             <a:avLst/>
@@ -12522,7 +16775,7 @@
                 <a:latin typeface="Calibri"/>
                 <a:ea typeface="DejaVu Sans"/>
               </a:rPr>
-              <a:t>I. TỔNG QUAN VỀ ĐỀ TÀI</a:t>
+              <a:t>TỔNG QUAN VỀ ĐỀ TÀI</a:t>
             </a:r>
             <a:endParaRPr b="0" lang="en-US" sz="3600" spc="-1" strike="noStrike">
               <a:latin typeface="Arial"/>
@@ -12532,7 +16785,7 @@
       </p:sp>
       <p:pic>
         <p:nvPicPr>
-          <p:cNvPr id="207" name="Content Placeholder 2" descr=""/>
+          <p:cNvPr id="287" name="Content Placeholder 2" descr=""/>
           <p:cNvPicPr/>
           <p:nvPr/>
         </p:nvPicPr>
@@ -12543,7 +16796,7 @@
         <p:spPr>
           <a:xfrm>
             <a:off x="304920" y="95760"/>
-            <a:ext cx="549000" cy="746280"/>
+            <a:ext cx="548280" cy="745560"/>
           </a:xfrm>
           <a:prstGeom prst="rect">
             <a:avLst/>
@@ -12555,14 +16808,14 @@
       </p:pic>
       <p:sp>
         <p:nvSpPr>
-          <p:cNvPr id="208" name="CustomShape 2"/>
+          <p:cNvPr id="288" name="CustomShape 2"/>
           <p:cNvSpPr/>
           <p:nvPr/>
         </p:nvSpPr>
         <p:spPr>
           <a:xfrm>
             <a:off x="2106720" y="2019240"/>
-            <a:ext cx="1915200" cy="1271160"/>
+            <a:ext cx="1914480" cy="1270440"/>
           </a:xfrm>
           <a:prstGeom prst="rect">
             <a:avLst/>
@@ -12581,14 +16834,14 @@
       </p:sp>
       <p:sp>
         <p:nvSpPr>
-          <p:cNvPr id="209" name="CustomShape 3"/>
+          <p:cNvPr id="289" name="CustomShape 3"/>
           <p:cNvSpPr/>
           <p:nvPr/>
         </p:nvSpPr>
         <p:spPr>
           <a:xfrm>
             <a:off x="3749040" y="3297960"/>
-            <a:ext cx="179280" cy="231120"/>
+            <a:ext cx="178560" cy="230400"/>
           </a:xfrm>
           <a:prstGeom prst="rect">
             <a:avLst/>
@@ -12607,14 +16860,14 @@
       </p:sp>
       <p:sp>
         <p:nvSpPr>
-          <p:cNvPr id="210" name="TextShape 4"/>
-          <p:cNvSpPr txBox="1"/>
+          <p:cNvPr id="290" name="CustomShape 4"/>
+          <p:cNvSpPr/>
           <p:nvPr/>
         </p:nvSpPr>
         <p:spPr>
           <a:xfrm>
             <a:off x="495000" y="1604520"/>
-            <a:ext cx="8915040" cy="3977280"/>
+            <a:ext cx="8914320" cy="3976560"/>
           </a:xfrm>
           <a:prstGeom prst="rect">
             <a:avLst/>
@@ -12624,27 +16877,49 @@
             <a:noFill/>
           </a:ln>
         </p:spPr>
+        <p:style>
+          <a:lnRef idx="0"/>
+          <a:fillRef idx="0"/>
+          <a:effectRef idx="0"/>
+          <a:fontRef idx="minor"/>
+        </p:style>
         <p:txBody>
           <a:bodyPr lIns="0" rIns="0" tIns="0" bIns="0" anchor="ctr"/>
           <a:p>
+            <a:pPr>
+              <a:lnSpc>
+                <a:spcPct val="100000"/>
+              </a:lnSpc>
+            </a:pPr>
             <a:r>
               <a:rPr b="0" lang="en-US" sz="3200" spc="-1" strike="noStrike">
-                <a:latin typeface="Arial"/>
+                <a:solidFill>
+                  <a:srgbClr val="000000"/>
+                </a:solidFill>
+                <a:latin typeface="Arial"/>
+                <a:ea typeface="DejaVu Sans"/>
               </a:rPr>
               <a:t>	</a:t>
             </a:r>
             <a:r>
               <a:rPr b="0" lang="en-US" sz="3200" spc="-1" strike="noStrike">
-                <a:latin typeface="Arial"/>
-              </a:rPr>
-              <a:t>Giới hạn và phạm vi</a:t>
-            </a:r>
-            <a:endParaRPr b="0" lang="en-US" sz="3200" spc="-1" strike="noStrike">
-              <a:latin typeface="Arial"/>
-            </a:endParaRPr>
-          </a:p>
-          <a:p>
-            <a:pPr lvl="1" marL="432000" indent="-216000">
+                <a:solidFill>
+                  <a:srgbClr val="000000"/>
+                </a:solidFill>
+                <a:latin typeface="Arial"/>
+                <a:ea typeface="DejaVu Sans"/>
+              </a:rPr>
+              <a:t>Mục tiêu của đề tài</a:t>
+            </a:r>
+            <a:endParaRPr b="0" lang="en-US" sz="3200" spc="-1" strike="noStrike">
+              <a:latin typeface="Arial"/>
+            </a:endParaRPr>
+          </a:p>
+          <a:p>
+            <a:pPr lvl="1" marL="432000" indent="-215280">
+              <a:lnSpc>
+                <a:spcPct val="100000"/>
+              </a:lnSpc>
               <a:buClr>
                 <a:srgbClr val="000000"/>
               </a:buClr>
@@ -12654,7 +16929,11 @@
             </a:pPr>
             <a:r>
               <a:rPr b="0" lang="en-US" sz="3200" spc="-1" strike="noStrike">
-                <a:latin typeface="Arial"/>
+                <a:solidFill>
+                  <a:srgbClr val="000000"/>
+                </a:solidFill>
+                <a:latin typeface="Arial"/>
+                <a:ea typeface="DejaVu Sans"/>
               </a:rPr>
               <a:t> </a:t>
             </a:r>
@@ -12715,14 +16994,14 @@
       </p:grpSpPr>
       <p:sp>
         <p:nvSpPr>
-          <p:cNvPr id="211" name="CustomShape 1"/>
+          <p:cNvPr id="291" name="CustomShape 1"/>
           <p:cNvSpPr/>
           <p:nvPr/>
         </p:nvSpPr>
         <p:spPr>
           <a:xfrm>
             <a:off x="2025720" y="-190800"/>
-            <a:ext cx="8541720" cy="1323360"/>
+            <a:ext cx="8541000" cy="1322640"/>
           </a:xfrm>
           <a:prstGeom prst="rect">
             <a:avLst/>
@@ -12756,7 +17035,7 @@
                 <a:latin typeface="Calibri"/>
                 <a:ea typeface="DejaVu Sans"/>
               </a:rPr>
-              <a:t>II. CƠ SỞ LÝ THUYẾT</a:t>
+              <a:t>CƠ SỞ LÝ THUYẾT</a:t>
             </a:r>
             <a:endParaRPr b="0" lang="en-US" sz="3600" spc="-1" strike="noStrike">
               <a:latin typeface="Arial"/>
@@ -12766,7 +17045,7 @@
       </p:sp>
       <p:pic>
         <p:nvPicPr>
-          <p:cNvPr id="212" name="Content Placeholder 2" descr=""/>
+          <p:cNvPr id="292" name="Content Placeholder 2" descr=""/>
           <p:cNvPicPr/>
           <p:nvPr/>
         </p:nvPicPr>
@@ -12777,7 +17056,7 @@
         <p:spPr>
           <a:xfrm>
             <a:off x="304920" y="95760"/>
-            <a:ext cx="549000" cy="746280"/>
+            <a:ext cx="548280" cy="745560"/>
           </a:xfrm>
           <a:prstGeom prst="rect">
             <a:avLst/>
@@ -12789,14 +17068,14 @@
       </p:pic>
       <p:sp>
         <p:nvSpPr>
-          <p:cNvPr id="213" name="CustomShape 2"/>
+          <p:cNvPr id="293" name="CustomShape 2"/>
           <p:cNvSpPr/>
           <p:nvPr/>
         </p:nvSpPr>
         <p:spPr>
           <a:xfrm>
             <a:off x="5105160" y="2992680"/>
-            <a:ext cx="180000" cy="231840"/>
+            <a:ext cx="179280" cy="231120"/>
           </a:xfrm>
           <a:prstGeom prst="rect">
             <a:avLst/>
@@ -12815,7 +17094,7 @@
       </p:sp>
       <p:pic>
         <p:nvPicPr>
-          <p:cNvPr id="214" name="" descr=""/>
+          <p:cNvPr id="294" name="" descr=""/>
           <p:cNvPicPr/>
           <p:nvPr/>
         </p:nvPicPr>
@@ -12826,7 +17105,7 @@
         <p:spPr>
           <a:xfrm>
             <a:off x="3200400" y="2908080"/>
-            <a:ext cx="3294720" cy="1389600"/>
+            <a:ext cx="3294000" cy="1388880"/>
           </a:xfrm>
           <a:prstGeom prst="rect">
             <a:avLst/>
@@ -12838,7 +17117,7 @@
       </p:pic>
       <p:pic>
         <p:nvPicPr>
-          <p:cNvPr id="215" name="" descr=""/>
+          <p:cNvPr id="295" name="" descr=""/>
           <p:cNvPicPr/>
           <p:nvPr/>
         </p:nvPicPr>
@@ -12849,7 +17128,7 @@
         <p:spPr>
           <a:xfrm>
             <a:off x="6752880" y="1158480"/>
-            <a:ext cx="2723040" cy="1675440"/>
+            <a:ext cx="2722320" cy="1674720"/>
           </a:xfrm>
           <a:prstGeom prst="rect">
             <a:avLst/>
@@ -12861,7 +17140,7 @@
       </p:pic>
       <p:pic>
         <p:nvPicPr>
-          <p:cNvPr id="216" name="" descr=""/>
+          <p:cNvPr id="296" name="" descr=""/>
           <p:cNvPicPr/>
           <p:nvPr/>
         </p:nvPicPr>
@@ -12872,7 +17151,7 @@
         <p:spPr>
           <a:xfrm>
             <a:off x="426960" y="1133280"/>
-            <a:ext cx="2837520" cy="1608480"/>
+            <a:ext cx="2836800" cy="1607760"/>
           </a:xfrm>
           <a:prstGeom prst="rect">
             <a:avLst/>
@@ -12884,14 +17163,14 @@
       </p:pic>
       <p:sp>
         <p:nvSpPr>
-          <p:cNvPr id="217" name="CustomShape 3"/>
+          <p:cNvPr id="297" name="CustomShape 3"/>
           <p:cNvSpPr/>
           <p:nvPr/>
         </p:nvSpPr>
         <p:spPr>
           <a:xfrm>
             <a:off x="4291200" y="5774400"/>
-            <a:ext cx="180000" cy="231840"/>
+            <a:ext cx="179280" cy="231120"/>
           </a:xfrm>
           <a:prstGeom prst="rect">
             <a:avLst/>
@@ -12910,7 +17189,7 @@
       </p:sp>
       <p:pic>
         <p:nvPicPr>
-          <p:cNvPr id="218" name="" descr=""/>
+          <p:cNvPr id="298" name="" descr=""/>
           <p:cNvPicPr/>
           <p:nvPr/>
         </p:nvPicPr>
@@ -12921,7 +17200,7 @@
         <p:spPr>
           <a:xfrm>
             <a:off x="4023360" y="4908960"/>
-            <a:ext cx="2193840" cy="1491840"/>
+            <a:ext cx="2193120" cy="1491120"/>
           </a:xfrm>
           <a:prstGeom prst="rect">
             <a:avLst/>
@@ -12933,7 +17212,7 @@
       </p:pic>
       <p:pic>
         <p:nvPicPr>
-          <p:cNvPr id="219" name="" descr=""/>
+          <p:cNvPr id="299" name="" descr=""/>
           <p:cNvPicPr/>
           <p:nvPr/>
         </p:nvPicPr>
@@ -12944,7 +17223,7 @@
         <p:spPr>
           <a:xfrm>
             <a:off x="3087000" y="1325160"/>
-            <a:ext cx="2202120" cy="1966680"/>
+            <a:ext cx="2201400" cy="1965960"/>
           </a:xfrm>
           <a:prstGeom prst="rect">
             <a:avLst/>
@@ -12956,7 +17235,7 @@
       </p:pic>
       <p:pic>
         <p:nvPicPr>
-          <p:cNvPr id="220" name="" descr=""/>
+          <p:cNvPr id="300" name="" descr=""/>
           <p:cNvPicPr/>
           <p:nvPr/>
         </p:nvPicPr>
@@ -12967,30 +17246,7 @@
         <p:spPr>
           <a:xfrm>
             <a:off x="5070600" y="1410480"/>
-            <a:ext cx="1737000" cy="1607040"/>
-          </a:xfrm>
-          <a:prstGeom prst="rect">
-            <a:avLst/>
-          </a:prstGeom>
-          <a:ln>
-            <a:noFill/>
-          </a:ln>
-        </p:spPr>
-      </p:pic>
-      <p:pic>
-        <p:nvPicPr>
-          <p:cNvPr id="221" name="" descr=""/>
-          <p:cNvPicPr/>
-          <p:nvPr/>
-        </p:nvPicPr>
-        <p:blipFill>
-          <a:blip r:embed="rId8"/>
-          <a:stretch/>
-        </p:blipFill>
-        <p:spPr>
-          <a:xfrm>
-            <a:off x="4729320" y="4284000"/>
-            <a:ext cx="757080" cy="653760"/>
+            <a:ext cx="1736280" cy="1606320"/>
           </a:xfrm>
           <a:prstGeom prst="rect">
             <a:avLst/>
@@ -13051,14 +17307,14 @@
       </p:grpSpPr>
       <p:sp>
         <p:nvSpPr>
-          <p:cNvPr id="222" name="CustomShape 1"/>
+          <p:cNvPr id="301" name="CustomShape 1"/>
           <p:cNvSpPr/>
           <p:nvPr/>
         </p:nvSpPr>
         <p:spPr>
           <a:xfrm>
             <a:off x="2025720" y="-190800"/>
-            <a:ext cx="8541720" cy="1323360"/>
+            <a:ext cx="8541000" cy="1322640"/>
           </a:xfrm>
           <a:prstGeom prst="rect">
             <a:avLst/>
@@ -13092,7 +17348,7 @@
                 <a:latin typeface="Calibri"/>
                 <a:ea typeface="DejaVu Sans"/>
               </a:rPr>
-              <a:t>II. CƠ SỞ LÝ THUYẾT</a:t>
+              <a:t>CƠ SỞ LÝ THUYẾT</a:t>
             </a:r>
             <a:endParaRPr b="0" lang="en-US" sz="3600" spc="-1" strike="noStrike">
               <a:latin typeface="Arial"/>
@@ -13102,7 +17358,7 @@
       </p:sp>
       <p:pic>
         <p:nvPicPr>
-          <p:cNvPr id="223" name="Content Placeholder 2" descr=""/>
+          <p:cNvPr id="302" name="Content Placeholder 2" descr=""/>
           <p:cNvPicPr/>
           <p:nvPr/>
         </p:nvPicPr>
@@ -13113,7 +17369,7 @@
         <p:spPr>
           <a:xfrm>
             <a:off x="304920" y="95760"/>
-            <a:ext cx="549000" cy="746280"/>
+            <a:ext cx="548280" cy="745560"/>
           </a:xfrm>
           <a:prstGeom prst="rect">
             <a:avLst/>
@@ -13125,14 +17381,14 @@
       </p:pic>
       <p:sp>
         <p:nvSpPr>
-          <p:cNvPr id="224" name="CustomShape 2"/>
+          <p:cNvPr id="303" name="CustomShape 2"/>
           <p:cNvSpPr/>
           <p:nvPr/>
         </p:nvSpPr>
         <p:spPr>
           <a:xfrm>
             <a:off x="686160" y="914400"/>
-            <a:ext cx="8914680" cy="5307480"/>
+            <a:ext cx="8913960" cy="5306760"/>
           </a:xfrm>
           <a:prstGeom prst="rect">
             <a:avLst/>
@@ -13174,14 +17430,14 @@
       </p:sp>
       <p:sp>
         <p:nvSpPr>
-          <p:cNvPr id="225" name="CustomShape 3"/>
+          <p:cNvPr id="304" name="CustomShape 3"/>
           <p:cNvSpPr/>
           <p:nvPr/>
         </p:nvSpPr>
         <p:spPr>
           <a:xfrm>
             <a:off x="4642920" y="3708360"/>
-            <a:ext cx="180360" cy="232200"/>
+            <a:ext cx="179640" cy="231480"/>
           </a:xfrm>
           <a:prstGeom prst="rect">
             <a:avLst/>
@@ -13200,14 +17456,14 @@
       </p:sp>
       <p:sp>
         <p:nvSpPr>
-          <p:cNvPr id="226" name="CustomShape 4"/>
+          <p:cNvPr id="305" name="CustomShape 4"/>
           <p:cNvSpPr/>
           <p:nvPr/>
         </p:nvSpPr>
         <p:spPr>
           <a:xfrm>
             <a:off x="91440" y="1188720"/>
-            <a:ext cx="2122560" cy="1188360"/>
+            <a:ext cx="2121840" cy="1187640"/>
           </a:xfrm>
           <a:prstGeom prst="rect">
             <a:avLst/>
@@ -13288,7 +17544,11 @@
             </a:pPr>
             <a:r>
               <a:rPr b="0" lang="en-US" sz="1500" spc="-1" strike="noStrike">
-                <a:latin typeface="Arial"/>
+                <a:solidFill>
+                  <a:srgbClr val="000000"/>
+                </a:solidFill>
+                <a:latin typeface="Arial"/>
+                <a:ea typeface="DejaVu Sans"/>
               </a:rPr>
               <a:t>Pc</a:t>
             </a:r>
@@ -13300,14 +17560,14 @@
       </p:sp>
       <p:sp>
         <p:nvSpPr>
-          <p:cNvPr id="227" name="CustomShape 5"/>
+          <p:cNvPr id="306" name="CustomShape 5"/>
           <p:cNvSpPr/>
           <p:nvPr/>
         </p:nvSpPr>
         <p:spPr>
           <a:xfrm>
             <a:off x="2160" y="2633040"/>
-            <a:ext cx="2466360" cy="1847160"/>
+            <a:ext cx="2465640" cy="1846440"/>
           </a:xfrm>
           <a:prstGeom prst="rect">
             <a:avLst/>
@@ -13418,7 +17678,11 @@
             </a:pPr>
             <a:r>
               <a:rPr b="0" lang="en-US" sz="1500" spc="-1" strike="noStrike">
-                <a:latin typeface="Arial"/>
+                <a:solidFill>
+                  <a:srgbClr val="000000"/>
+                </a:solidFill>
+                <a:latin typeface="Arial"/>
+                <a:ea typeface="DejaVu Sans"/>
               </a:rPr>
               <a:t>Phone</a:t>
             </a:r>
@@ -13430,7 +17694,7 @@
       </p:sp>
       <p:pic>
         <p:nvPicPr>
-          <p:cNvPr id="228" name="" descr=""/>
+          <p:cNvPr id="307" name="" descr=""/>
           <p:cNvPicPr/>
           <p:nvPr/>
         </p:nvPicPr>
@@ -13441,7 +17705,7 @@
         <p:spPr>
           <a:xfrm>
             <a:off x="2463480" y="2595960"/>
-            <a:ext cx="2199600" cy="1884240"/>
+            <a:ext cx="2198880" cy="1883520"/>
           </a:xfrm>
           <a:prstGeom prst="rect">
             <a:avLst/>
@@ -13453,14 +17717,14 @@
       </p:pic>
       <p:sp>
         <p:nvSpPr>
-          <p:cNvPr id="229" name="CustomShape 6"/>
+          <p:cNvPr id="308" name="CustomShape 6"/>
           <p:cNvSpPr/>
           <p:nvPr/>
         </p:nvSpPr>
         <p:spPr>
           <a:xfrm>
             <a:off x="5671440" y="1811880"/>
-            <a:ext cx="1551960" cy="3399840"/>
+            <a:ext cx="1551240" cy="3399120"/>
           </a:xfrm>
           <a:prstGeom prst="rect">
             <a:avLst/>
@@ -13601,7 +17865,11 @@
             </a:pPr>
             <a:r>
               <a:rPr b="0" lang="en-US" sz="1500" spc="-1" strike="noStrike">
-                <a:latin typeface="Arial"/>
+                <a:solidFill>
+                  <a:srgbClr val="000000"/>
+                </a:solidFill>
+                <a:latin typeface="Arial"/>
+                <a:ea typeface="DejaVu Sans"/>
               </a:rPr>
               <a:t>Server</a:t>
             </a:r>
@@ -13623,14 +17891,14 @@
       </p:sp>
       <p:sp>
         <p:nvSpPr>
-          <p:cNvPr id="230" name="CustomShape 7"/>
+          <p:cNvPr id="309" name="CustomShape 7"/>
           <p:cNvSpPr/>
           <p:nvPr/>
         </p:nvSpPr>
         <p:spPr>
           <a:xfrm>
             <a:off x="8405280" y="1476720"/>
-            <a:ext cx="1012680" cy="1279800"/>
+            <a:ext cx="1011960" cy="1279080"/>
           </a:xfrm>
           <a:prstGeom prst="rect">
             <a:avLst/>
@@ -13731,7 +17999,11 @@
             </a:pPr>
             <a:r>
               <a:rPr b="0" lang="en-US" sz="1500" spc="-1" strike="noStrike">
-                <a:latin typeface="Arial"/>
+                <a:solidFill>
+                  <a:srgbClr val="000000"/>
+                </a:solidFill>
+                <a:latin typeface="Arial"/>
+                <a:ea typeface="DejaVu Sans"/>
               </a:rPr>
               <a:t>Database</a:t>
             </a:r>
@@ -13753,7 +18025,7 @@
       </p:sp>
       <p:pic>
         <p:nvPicPr>
-          <p:cNvPr id="231" name="" descr=""/>
+          <p:cNvPr id="310" name="" descr=""/>
           <p:cNvPicPr/>
           <p:nvPr/>
         </p:nvPicPr>
@@ -13764,7 +18036,7 @@
         <p:spPr>
           <a:xfrm>
             <a:off x="7955280" y="3577680"/>
-            <a:ext cx="1737000" cy="1847160"/>
+            <a:ext cx="1736280" cy="1846440"/>
           </a:xfrm>
           <a:prstGeom prst="rect">
             <a:avLst/>
@@ -13776,14 +18048,14 @@
       </p:pic>
       <p:sp>
         <p:nvSpPr>
-          <p:cNvPr id="232" name="CustomShape 8"/>
+          <p:cNvPr id="311" name="CustomShape 8"/>
           <p:cNvSpPr/>
           <p:nvPr/>
         </p:nvSpPr>
         <p:spPr>
           <a:xfrm>
             <a:off x="548640" y="4920840"/>
-            <a:ext cx="1479600" cy="1479600"/>
+            <a:ext cx="1478880" cy="1478880"/>
           </a:xfrm>
           <a:prstGeom prst="rect">
             <a:avLst/>
@@ -13884,7 +18156,11 @@
             </a:pPr>
             <a:r>
               <a:rPr b="0" lang="en-US" sz="1500" spc="-1" strike="noStrike">
-                <a:latin typeface="Arial"/>
+                <a:solidFill>
+                  <a:srgbClr val="000000"/>
+                </a:solidFill>
+                <a:latin typeface="Arial"/>
+                <a:ea typeface="DejaVu Sans"/>
               </a:rPr>
               <a:t>Module</a:t>
             </a:r>
@@ -13896,7 +18172,7 @@
       </p:sp>
       <p:pic>
         <p:nvPicPr>
-          <p:cNvPr id="233" name="" descr=""/>
+          <p:cNvPr id="312" name="" descr=""/>
           <p:cNvPicPr/>
           <p:nvPr/>
         </p:nvPicPr>
@@ -13906,8 +18182,8 @@
         </p:blipFill>
         <p:spPr>
           <a:xfrm rot="2156400">
-            <a:off x="1724040" y="1548360"/>
-            <a:ext cx="1580400" cy="466200"/>
+            <a:off x="1724040" y="1547640"/>
+            <a:ext cx="1579680" cy="465480"/>
           </a:xfrm>
           <a:prstGeom prst="rect">
             <a:avLst/>
@@ -13919,7 +18195,7 @@
       </p:pic>
       <p:pic>
         <p:nvPicPr>
-          <p:cNvPr id="234" name="" descr=""/>
+          <p:cNvPr id="313" name="" descr=""/>
           <p:cNvPicPr/>
           <p:nvPr/>
         </p:nvPicPr>
@@ -13930,7 +18206,7 @@
         <p:spPr>
           <a:xfrm>
             <a:off x="2011680" y="4297680"/>
-            <a:ext cx="1188360" cy="1371240"/>
+            <a:ext cx="1187640" cy="1370520"/>
           </a:xfrm>
           <a:prstGeom prst="rect">
             <a:avLst/>
@@ -13942,7 +18218,7 @@
       </p:pic>
       <p:pic>
         <p:nvPicPr>
-          <p:cNvPr id="235" name="" descr=""/>
+          <p:cNvPr id="314" name="" descr=""/>
           <p:cNvPicPr/>
           <p:nvPr/>
         </p:nvPicPr>
@@ -13953,7 +18229,7 @@
         <p:spPr>
           <a:xfrm>
             <a:off x="1537560" y="3200400"/>
-            <a:ext cx="930960" cy="480240"/>
+            <a:ext cx="930240" cy="479520"/>
           </a:xfrm>
           <a:prstGeom prst="rect">
             <a:avLst/>
@@ -13965,7 +18241,7 @@
       </p:pic>
       <p:pic>
         <p:nvPicPr>
-          <p:cNvPr id="236" name="" descr=""/>
+          <p:cNvPr id="315" name="" descr=""/>
           <p:cNvPicPr/>
           <p:nvPr/>
         </p:nvPicPr>
@@ -13976,7 +18252,7 @@
         <p:spPr>
           <a:xfrm>
             <a:off x="4715640" y="3227760"/>
-            <a:ext cx="930960" cy="480240"/>
+            <a:ext cx="930240" cy="479520"/>
           </a:xfrm>
           <a:prstGeom prst="rect">
             <a:avLst/>
@@ -13988,7 +18264,7 @@
       </p:pic>
       <p:pic>
         <p:nvPicPr>
-          <p:cNvPr id="237" name="" descr=""/>
+          <p:cNvPr id="316" name="" descr=""/>
           <p:cNvPicPr/>
           <p:nvPr/>
         </p:nvPicPr>
@@ -13999,7 +18275,7 @@
         <p:spPr>
           <a:xfrm>
             <a:off x="7223760" y="1698480"/>
-            <a:ext cx="1181160" cy="1554120"/>
+            <a:ext cx="1180440" cy="1553400"/>
           </a:xfrm>
           <a:prstGeom prst="rect">
             <a:avLst/>
@@ -14011,7 +18287,7 @@
       </p:pic>
       <p:pic>
         <p:nvPicPr>
-          <p:cNvPr id="238" name="" descr=""/>
+          <p:cNvPr id="317" name="" descr=""/>
           <p:cNvPicPr/>
           <p:nvPr/>
         </p:nvPicPr>
@@ -14022,7 +18298,7 @@
         <p:spPr>
           <a:xfrm>
             <a:off x="2011680" y="4297680"/>
-            <a:ext cx="1188360" cy="1371240"/>
+            <a:ext cx="1187640" cy="1370520"/>
           </a:xfrm>
           <a:prstGeom prst="rect">
             <a:avLst/>
@@ -14034,7 +18310,7 @@
       </p:pic>
       <p:pic>
         <p:nvPicPr>
-          <p:cNvPr id="239" name="" descr=""/>
+          <p:cNvPr id="318" name="" descr=""/>
           <p:cNvPicPr/>
           <p:nvPr/>
         </p:nvPicPr>
@@ -14044,8 +18320,8 @@
         </p:blipFill>
         <p:spPr>
           <a:xfrm rot="4006800">
-            <a:off x="7143480" y="3697200"/>
-            <a:ext cx="1398600" cy="1036440"/>
+            <a:off x="7143840" y="3696840"/>
+            <a:ext cx="1397880" cy="1035720"/>
           </a:xfrm>
           <a:prstGeom prst="rect">
             <a:avLst/>
@@ -14106,14 +18382,14 @@
       </p:grpSpPr>
       <p:sp>
         <p:nvSpPr>
-          <p:cNvPr id="240" name="CustomShape 1"/>
+          <p:cNvPr id="319" name="CustomShape 1"/>
           <p:cNvSpPr/>
           <p:nvPr/>
         </p:nvSpPr>
         <p:spPr>
           <a:xfrm>
             <a:off x="2025720" y="-190800"/>
-            <a:ext cx="8541720" cy="1323360"/>
+            <a:ext cx="8541000" cy="1322640"/>
           </a:xfrm>
           <a:prstGeom prst="rect">
             <a:avLst/>
@@ -14147,7 +18423,7 @@
                 <a:latin typeface="Calibri"/>
                 <a:ea typeface="DejaVu Sans"/>
               </a:rPr>
-              <a:t>III. NỘI DUNG THỰC HIỆN</a:t>
+              <a:t>NỘI DUNG THỰCHIỆN  </a:t>
             </a:r>
             <a:endParaRPr b="0" lang="en-US" sz="3600" spc="-1" strike="noStrike">
               <a:latin typeface="Arial"/>
@@ -14157,7 +18433,7 @@
       </p:sp>
       <p:pic>
         <p:nvPicPr>
-          <p:cNvPr id="241" name="Content Placeholder 2" descr=""/>
+          <p:cNvPr id="320" name="Content Placeholder 2" descr=""/>
           <p:cNvPicPr/>
           <p:nvPr/>
         </p:nvPicPr>
@@ -14168,7 +18444,7 @@
         <p:spPr>
           <a:xfrm>
             <a:off x="304920" y="95760"/>
-            <a:ext cx="549000" cy="746280"/>
+            <a:ext cx="548280" cy="745560"/>
           </a:xfrm>
           <a:prstGeom prst="rect">
             <a:avLst/>
@@ -14180,14 +18456,14 @@
       </p:pic>
       <p:sp>
         <p:nvSpPr>
-          <p:cNvPr id="242" name="TextShape 2"/>
-          <p:cNvSpPr txBox="1"/>
+          <p:cNvPr id="321" name="CustomShape 2"/>
+          <p:cNvSpPr/>
           <p:nvPr/>
         </p:nvSpPr>
         <p:spPr>
           <a:xfrm>
             <a:off x="495000" y="1604520"/>
-            <a:ext cx="8915040" cy="3977280"/>
+            <a:ext cx="8914320" cy="3976560"/>
           </a:xfrm>
           <a:prstGeom prst="rect">
             <a:avLst/>
@@ -14197,123 +18473,32 @@
             <a:noFill/>
           </a:ln>
         </p:spPr>
-        <p:txBody>
-          <a:bodyPr lIns="0" rIns="0" tIns="0" bIns="0" anchor="ctr"/>
-          <a:p>
-            <a:pPr marL="216000" indent="-216000" algn="just">
-              <a:buClr>
-                <a:srgbClr val="000000"/>
-              </a:buClr>
-              <a:buFont typeface="StarSymbol"/>
-              <a:buAutoNum type="alphaUcParenR"/>
-            </a:pPr>
-            <a:r>
-              <a:rPr b="0" lang="en-US" sz="3200" spc="-1" strike="noStrike">
-                <a:latin typeface="Arial"/>
-              </a:rPr>
-              <a:t>A.</a:t>
-            </a:r>
-            <a:r>
-              <a:rPr b="0" lang="en-US" sz="3200" spc="-1" strike="noStrike">
-                <a:latin typeface="Arial"/>
-              </a:rPr>
-              <a:t>	</a:t>
-            </a:r>
-            <a:r>
-              <a:rPr b="0" lang="en-US" sz="3200" spc="-1" strike="noStrike">
-                <a:latin typeface="Arial"/>
-              </a:rPr>
-              <a:t> Website quản trị viện</a:t>
-            </a:r>
-            <a:endParaRPr b="0" lang="en-US" sz="3200" spc="-1" strike="noStrike">
-              <a:latin typeface="Arial"/>
-            </a:endParaRPr>
-          </a:p>
-          <a:p>
-            <a:r>
-              <a:rPr b="0" lang="en-US" sz="3200" spc="-1" strike="noStrike">
-                <a:latin typeface="Arial"/>
-              </a:rPr>
-              <a:t>	</a:t>
-            </a:r>
-            <a:r>
-              <a:rPr b="0" lang="en-US" sz="3200" spc="-1" strike="noStrike">
-                <a:latin typeface="Arial"/>
-              </a:rPr>
-              <a:t>Xác định yêu cầu của hệ thống</a:t>
-            </a:r>
-            <a:endParaRPr b="0" lang="en-US" sz="3200" spc="-1" strike="noStrike">
-              <a:latin typeface="Arial"/>
-            </a:endParaRPr>
-          </a:p>
-          <a:p>
-            <a:pPr lvl="1" marL="432000" indent="-216000">
-              <a:buClr>
-                <a:srgbClr val="000000"/>
-              </a:buClr>
-              <a:buSzPct val="45000"/>
-              <a:buFont typeface="Wingdings" charset="2"/>
-              <a:buChar char=""/>
-            </a:pPr>
-            <a:r>
-              <a:rPr b="0" lang="en-US" sz="3200" spc="-1" strike="noStrike">
-                <a:latin typeface="Arial"/>
-              </a:rPr>
-              <a:t>Yêu cầu nghiệp vụ:</a:t>
-            </a:r>
-            <a:endParaRPr b="0" lang="en-US" sz="3200" spc="-1" strike="noStrike">
-              <a:latin typeface="Arial"/>
-            </a:endParaRPr>
-          </a:p>
-          <a:p>
-            <a:pPr lvl="2" marL="648000" indent="-216000">
-              <a:buClr>
-                <a:srgbClr val="000000"/>
-              </a:buClr>
-              <a:buFont typeface="Wingdings" charset="2"/>
-              <a:buChar char=""/>
-            </a:pPr>
-            <a:r>
-              <a:rPr b="0" lang="en-US" sz="3200" spc="-1" strike="noStrike">
-                <a:latin typeface="Arial"/>
-              </a:rPr>
-              <a:t> </a:t>
-            </a:r>
-            <a:r>
-              <a:rPr b="0" lang="en-US" sz="3200" spc="-1" strike="noStrike">
-                <a:latin typeface="Arial"/>
-              </a:rPr>
-              <a:t>Đối với người quản trị: Là người có quyền lực cao nhất</a:t>
-            </a:r>
-            <a:endParaRPr b="0" lang="en-US" sz="3200" spc="-1" strike="noStrike">
-              <a:latin typeface="Arial"/>
-            </a:endParaRPr>
-          </a:p>
-          <a:p>
-            <a:pPr lvl="2" marL="648000" indent="-216000">
-              <a:buClr>
-                <a:srgbClr val="000000"/>
-              </a:buClr>
-              <a:buFont typeface="Wingdings" charset="2"/>
-              <a:buChar char=""/>
-            </a:pPr>
-            <a:r>
-              <a:rPr b="0" lang="en-US" sz="3200" spc="-1" strike="noStrike">
-                <a:latin typeface="Arial"/>
-              </a:rPr>
-              <a:t> </a:t>
-            </a:r>
-            <a:r>
-              <a:rPr b="0" lang="en-US" sz="3200" spc="-1" strike="noStrike">
-                <a:latin typeface="Arial"/>
-              </a:rPr>
-              <a:t>Đối với người quản trị 1 khu vực</a:t>
-            </a:r>
-            <a:endParaRPr b="0" lang="en-US" sz="3200" spc="-1" strike="noStrike">
-              <a:latin typeface="Arial"/>
-            </a:endParaRPr>
-          </a:p>
-        </p:txBody>
+        <p:style>
+          <a:lnRef idx="0"/>
+          <a:fillRef idx="0"/>
+          <a:effectRef idx="0"/>
+          <a:fontRef idx="minor"/>
+        </p:style>
+      </p:sp>
+      <p:sp>
+        <p:nvSpPr>
+          <p:cNvPr id="322" name="TextShape 3"/>
+          <p:cNvSpPr txBox="1"/>
+          <p:nvPr/>
+        </p:nvSpPr>
+        <p:spPr>
+          <a:xfrm>
+            <a:off x="3383280" y="4023360"/>
+            <a:ext cx="180720" cy="346320"/>
+          </a:xfrm>
+          <a:prstGeom prst="rect">
+            <a:avLst/>
+          </a:prstGeom>
+          <a:noFill/>
+          <a:ln>
+            <a:noFill/>
+          </a:ln>
+        </p:spPr>
       </p:sp>
     </p:spTree>
   </p:cSld>
@@ -14366,14 +18551,14 @@
       </p:grpSpPr>
       <p:sp>
         <p:nvSpPr>
-          <p:cNvPr id="243" name="CustomShape 1"/>
+          <p:cNvPr id="323" name="CustomShape 1"/>
           <p:cNvSpPr/>
           <p:nvPr/>
         </p:nvSpPr>
         <p:spPr>
           <a:xfrm>
             <a:off x="2025720" y="-190800"/>
-            <a:ext cx="8541720" cy="1323360"/>
+            <a:ext cx="8541000" cy="1322640"/>
           </a:xfrm>
           <a:prstGeom prst="rect">
             <a:avLst/>
@@ -14407,67 +18592,7 @@
                 <a:latin typeface="Calibri"/>
                 <a:ea typeface="DejaVu Sans"/>
               </a:rPr>
-              <a:t>III. </a:t>
-            </a:r>
-            <a:r>
-              <a:rPr b="1" lang="en-US" sz="3600" spc="-1" strike="noStrike">
-                <a:solidFill>
-                  <a:srgbClr val="ffffff"/>
-                </a:solidFill>
-                <a:latin typeface="Calibri"/>
-                <a:ea typeface="DejaVu Sans"/>
-              </a:rPr>
-              <a:t>NỘI </a:t>
-            </a:r>
-            <a:r>
-              <a:rPr b="1" lang="en-US" sz="3600" spc="-1" strike="noStrike">
-                <a:solidFill>
-                  <a:srgbClr val="ffffff"/>
-                </a:solidFill>
-                <a:latin typeface="Calibri"/>
-                <a:ea typeface="DejaVu Sans"/>
-              </a:rPr>
-              <a:t>DUN</a:t>
-            </a:r>
-            <a:r>
-              <a:rPr b="1" lang="en-US" sz="3600" spc="-1" strike="noStrike">
-                <a:solidFill>
-                  <a:srgbClr val="ffffff"/>
-                </a:solidFill>
-                <a:latin typeface="Calibri"/>
-                <a:ea typeface="DejaVu Sans"/>
-              </a:rPr>
-              <a:t>G </a:t>
-            </a:r>
-            <a:r>
-              <a:rPr b="1" lang="en-US" sz="3600" spc="-1" strike="noStrike">
-                <a:solidFill>
-                  <a:srgbClr val="ffffff"/>
-                </a:solidFill>
-                <a:latin typeface="Calibri"/>
-                <a:ea typeface="DejaVu Sans"/>
-              </a:rPr>
-              <a:t>THỰ</a:t>
-            </a:r>
-            <a:r>
-              <a:rPr b="1" lang="en-US" sz="3600" spc="-1" strike="noStrike">
-                <a:solidFill>
-                  <a:srgbClr val="ffffff"/>
-                </a:solidFill>
-                <a:latin typeface="Calibri"/>
-                <a:ea typeface="DejaVu Sans"/>
-              </a:rPr>
-              <a:t>C </a:t>
-            </a:r>
-            <a:r>
-              <a:rPr b="1" lang="en-US" sz="3600" spc="-1" strike="noStrike">
-                <a:solidFill>
-                  <a:srgbClr val="ffffff"/>
-                </a:solidFill>
-                <a:latin typeface="Calibri"/>
-                <a:ea typeface="DejaVu Sans"/>
-              </a:rPr>
-              <a:t>HIỆN</a:t>
+              <a:t>NỘI DUNG THỰC HIỆN</a:t>
             </a:r>
             <a:endParaRPr b="0" lang="en-US" sz="3600" spc="-1" strike="noStrike">
               <a:latin typeface="Arial"/>
@@ -14477,7 +18602,7 @@
       </p:sp>
       <p:pic>
         <p:nvPicPr>
-          <p:cNvPr id="244" name="Content Placeholder 2" descr=""/>
+          <p:cNvPr id="324" name="Content Placeholder 2" descr=""/>
           <p:cNvPicPr/>
           <p:nvPr/>
         </p:nvPicPr>
@@ -14488,7 +18613,7 @@
         <p:spPr>
           <a:xfrm>
             <a:off x="304920" y="95760"/>
-            <a:ext cx="549000" cy="746280"/>
+            <a:ext cx="548280" cy="745560"/>
           </a:xfrm>
           <a:prstGeom prst="rect">
             <a:avLst/>
@@ -14500,14 +18625,14 @@
       </p:pic>
       <p:sp>
         <p:nvSpPr>
-          <p:cNvPr id="245" name="TextShape 2"/>
-          <p:cNvSpPr txBox="1"/>
+          <p:cNvPr id="325" name="CustomShape 2"/>
+          <p:cNvSpPr/>
           <p:nvPr/>
         </p:nvSpPr>
         <p:spPr>
           <a:xfrm>
             <a:off x="548640" y="1295640"/>
-            <a:ext cx="8915040" cy="5013720"/>
+            <a:ext cx="8914320" cy="5013000"/>
           </a:xfrm>
           <a:prstGeom prst="rect">
             <a:avLst/>
@@ -14517,176 +18642,12 @@
             <a:noFill/>
           </a:ln>
         </p:spPr>
-        <p:txBody>
-          <a:bodyPr lIns="0" rIns="0" tIns="0" bIns="0" anchor="ctr"/>
-          <a:p>
-            <a:r>
-              <a:rPr b="0" lang="en-US" sz="3200" spc="-1" strike="noStrike">
-                <a:latin typeface="Arial"/>
-              </a:rPr>
-              <a:t>A.</a:t>
-            </a:r>
-            <a:r>
-              <a:rPr b="0" lang="en-US" sz="3200" spc="-1" strike="noStrike">
-                <a:latin typeface="Arial"/>
-              </a:rPr>
-              <a:t>	</a:t>
-            </a:r>
-            <a:r>
-              <a:rPr b="0" lang="en-US" sz="3200" spc="-1" strike="noStrike">
-                <a:latin typeface="Arial"/>
-              </a:rPr>
-              <a:t> Website quản trị viên</a:t>
-            </a:r>
-            <a:endParaRPr b="0" lang="en-US" sz="3200" spc="-1" strike="noStrike">
-              <a:latin typeface="Arial"/>
-            </a:endParaRPr>
-          </a:p>
-          <a:p>
-            <a:r>
-              <a:rPr b="0" lang="en-US" sz="3200" spc="-1" strike="noStrike">
-                <a:latin typeface="Arial"/>
-              </a:rPr>
-              <a:t>	</a:t>
-            </a:r>
-            <a:r>
-              <a:rPr b="0" lang="en-US" sz="3200" spc="-1" strike="noStrike">
-                <a:latin typeface="Arial"/>
-              </a:rPr>
-              <a:t>Xác định yêu cầu của hệ thống</a:t>
-            </a:r>
-            <a:endParaRPr b="0" lang="en-US" sz="3200" spc="-1" strike="noStrike">
-              <a:latin typeface="Arial"/>
-            </a:endParaRPr>
-          </a:p>
-          <a:p>
-            <a:pPr lvl="1" marL="432000" indent="-216000">
-              <a:buClr>
-                <a:srgbClr val="000000"/>
-              </a:buClr>
-              <a:buSzPct val="45000"/>
-              <a:buFont typeface="Wingdings" charset="2"/>
-              <a:buChar char=""/>
-            </a:pPr>
-            <a:r>
-              <a:rPr b="0" lang="en-US" sz="3200" spc="-1" strike="noStrike">
-                <a:latin typeface="Arial"/>
-              </a:rPr>
-              <a:t>Yêu cầu phi chức năng:</a:t>
-            </a:r>
-            <a:endParaRPr b="0" lang="en-US" sz="3200" spc="-1" strike="noStrike">
-              <a:latin typeface="Arial"/>
-            </a:endParaRPr>
-          </a:p>
-          <a:p>
-            <a:pPr lvl="2" marL="648000" indent="-216000">
-              <a:buClr>
-                <a:srgbClr val="000000"/>
-              </a:buClr>
-              <a:buFont typeface="Wingdings" charset="2"/>
-              <a:buChar char=""/>
-            </a:pPr>
-            <a:r>
-              <a:rPr b="0" lang="en-US" sz="3200" spc="-1" strike="noStrike">
-                <a:latin typeface="Arial"/>
-              </a:rPr>
-              <a:t> </a:t>
-            </a:r>
-            <a:r>
-              <a:rPr b="0" lang="en-US" sz="3200" spc="-1" strike="noStrike">
-                <a:latin typeface="Arial"/>
-              </a:rPr>
-              <a:t>Website phải có dung lượng không quá lớn, tốc độ xử lý nhanh.</a:t>
-            </a:r>
-            <a:endParaRPr b="0" lang="en-US" sz="3200" spc="-1" strike="noStrike">
-              <a:latin typeface="Arial"/>
-            </a:endParaRPr>
-          </a:p>
-          <a:p>
-            <a:pPr lvl="2" marL="648000" indent="-216000">
-              <a:buClr>
-                <a:srgbClr val="000000"/>
-              </a:buClr>
-              <a:buFont typeface="Wingdings" charset="2"/>
-              <a:buChar char=""/>
-            </a:pPr>
-            <a:r>
-              <a:rPr b="0" lang="en-US" sz="3200" spc="-1" strike="noStrike">
-                <a:latin typeface="Arial"/>
-              </a:rPr>
-              <a:t> </a:t>
-            </a:r>
-            <a:r>
-              <a:rPr b="0" lang="en-US" sz="3200" spc="-1" strike="noStrike">
-                <a:latin typeface="Arial"/>
-              </a:rPr>
-              <a:t>Công việc tính toán chính xác, không chấp nhận sai sót.</a:t>
-            </a:r>
-            <a:endParaRPr b="0" lang="en-US" sz="3200" spc="-1" strike="noStrike">
-              <a:latin typeface="Arial"/>
-            </a:endParaRPr>
-          </a:p>
-          <a:p>
-            <a:pPr lvl="2" marL="648000" indent="-216000">
-              <a:buClr>
-                <a:srgbClr val="000000"/>
-              </a:buClr>
-              <a:buFont typeface="Wingdings" charset="2"/>
-              <a:buChar char=""/>
-            </a:pPr>
-            <a:r>
-              <a:rPr b="0" lang="en-US" sz="3200" spc="-1" strike="noStrike">
-                <a:latin typeface="Arial"/>
-              </a:rPr>
-              <a:t>Thông tin khách hàng phải bảo mật, an toàn.</a:t>
-            </a:r>
-            <a:endParaRPr b="0" lang="en-US" sz="3200" spc="-1" strike="noStrike">
-              <a:latin typeface="Arial"/>
-            </a:endParaRPr>
-          </a:p>
-          <a:p>
-            <a:pPr lvl="2" marL="648000" indent="-216000">
-              <a:buClr>
-                <a:srgbClr val="000000"/>
-              </a:buClr>
-              <a:buFont typeface="Wingdings" charset="2"/>
-              <a:buChar char=""/>
-            </a:pPr>
-            <a:r>
-              <a:rPr b="0" lang="en-US" sz="3200" spc="-1" strike="noStrike">
-                <a:latin typeface="Arial"/>
-              </a:rPr>
-              <a:t> </a:t>
-            </a:r>
-            <a:r>
-              <a:rPr b="0" lang="en-US" sz="3200" spc="-1" strike="noStrike">
-                <a:latin typeface="Arial"/>
-              </a:rPr>
-              <a:t>Đảm bảo dữ liệu an toàn khi chạy trên server</a:t>
-            </a:r>
-            <a:endParaRPr b="0" lang="en-US" sz="3200" spc="-1" strike="noStrike">
-              <a:latin typeface="Arial"/>
-            </a:endParaRPr>
-          </a:p>
-          <a:p>
-            <a:pPr lvl="2" marL="648000" indent="-216000">
-              <a:buClr>
-                <a:srgbClr val="000000"/>
-              </a:buClr>
-              <a:buFont typeface="Wingdings" charset="2"/>
-              <a:buChar char=""/>
-            </a:pPr>
-            <a:r>
-              <a:rPr b="0" lang="en-US" sz="3200" spc="-1" strike="noStrike">
-                <a:latin typeface="Arial"/>
-              </a:rPr>
-              <a:t>Sử dụng Rails 6.0.3.2, Ruby 2.5.1</a:t>
-            </a:r>
-            <a:endParaRPr b="0" lang="en-US" sz="3200" spc="-1" strike="noStrike">
-              <a:latin typeface="Arial"/>
-            </a:endParaRPr>
-          </a:p>
-        </p:txBody>
+        <p:style>
+          <a:lnRef idx="0"/>
+          <a:fillRef idx="0"/>
+          <a:effectRef idx="0"/>
+          <a:fontRef idx="minor"/>
+        </p:style>
       </p:sp>
     </p:spTree>
   </p:cSld>
@@ -15833,4 +19794,450 @@
     </a:fmtScheme>
   </a:themeElements>
 </a:theme>
+</file>
+
+<file path=ppt/theme/theme6.xml><?xml version="1.0" encoding="utf-8"?>
+<a:theme xmlns:a="http://schemas.openxmlformats.org/drawingml/2006/main" name="Office Theme">
+  <a:themeElements>
+    <a:clrScheme name="Office">
+      <a:dk1>
+        <a:sysClr val="windowText" lastClr="000000"/>
+      </a:dk1>
+      <a:lt1>
+        <a:sysClr val="window" lastClr="FFFFFF"/>
+      </a:lt1>
+      <a:dk2>
+        <a:srgbClr val="44546a"/>
+      </a:dk2>
+      <a:lt2>
+        <a:srgbClr val="e7e6e6"/>
+      </a:lt2>
+      <a:accent1>
+        <a:srgbClr val="5b9bd5"/>
+      </a:accent1>
+      <a:accent2>
+        <a:srgbClr val="ed7d31"/>
+      </a:accent2>
+      <a:accent3>
+        <a:srgbClr val="a5a5a5"/>
+      </a:accent3>
+      <a:accent4>
+        <a:srgbClr val="ffc000"/>
+      </a:accent4>
+      <a:accent5>
+        <a:srgbClr val="4472c4"/>
+      </a:accent5>
+      <a:accent6>
+        <a:srgbClr val="70ad47"/>
+      </a:accent6>
+      <a:hlink>
+        <a:srgbClr val="0563c1"/>
+      </a:hlink>
+      <a:folHlink>
+        <a:srgbClr val="954f72"/>
+      </a:folHlink>
+    </a:clrScheme>
+    <a:fontScheme name="Office">
+      <a:majorFont>
+        <a:latin typeface="Arial"/>
+        <a:ea typeface="DejaVu Sans"/>
+        <a:cs typeface="DejaVu Sans"/>
+      </a:majorFont>
+      <a:minorFont>
+        <a:latin typeface="Arial"/>
+        <a:ea typeface="DejaVu Sans"/>
+        <a:cs typeface="DejaVu Sans"/>
+      </a:minorFont>
+    </a:fontScheme>
+    <a:fmtScheme name="Office">
+      <a:fillStyleLst>
+        <a:solidFill>
+          <a:schemeClr val="phClr"/>
+        </a:solidFill>
+        <a:gradFill rotWithShape="1">
+          <a:gsLst>
+            <a:gs pos="0">
+              <a:schemeClr val="phClr">
+                <a:tint val="50000"/>
+                <a:satMod val="300000"/>
+              </a:schemeClr>
+            </a:gs>
+            <a:gs pos="35000">
+              <a:schemeClr val="phClr">
+                <a:tint val="37000"/>
+                <a:satMod val="300000"/>
+              </a:schemeClr>
+            </a:gs>
+            <a:gs pos="100000">
+              <a:schemeClr val="phClr">
+                <a:tint val="15000"/>
+                <a:satMod val="350000"/>
+              </a:schemeClr>
+            </a:gs>
+          </a:gsLst>
+          <a:lin ang="16200000" scaled="1"/>
+        </a:gradFill>
+        <a:gradFill rotWithShape="1">
+          <a:gsLst>
+            <a:gs pos="0">
+              <a:schemeClr val="phClr">
+                <a:shade val="51000"/>
+                <a:satMod val="130000"/>
+              </a:schemeClr>
+            </a:gs>
+            <a:gs pos="80000">
+              <a:schemeClr val="phClr">
+                <a:shade val="93000"/>
+                <a:satMod val="130000"/>
+              </a:schemeClr>
+            </a:gs>
+            <a:gs pos="100000">
+              <a:schemeClr val="phClr">
+                <a:shade val="94000"/>
+                <a:satMod val="135000"/>
+              </a:schemeClr>
+            </a:gs>
+          </a:gsLst>
+          <a:lin ang="16200000" scaled="0"/>
+        </a:gradFill>
+      </a:fillStyleLst>
+      <a:lnStyleLst>
+        <a:ln w="9525" cap="flat" cmpd="sng" algn="ctr">
+          <a:solidFill>
+            <a:schemeClr val="phClr">
+              <a:shade val="95000"/>
+              <a:satMod val="105000"/>
+            </a:schemeClr>
+          </a:solidFill>
+          <a:prstDash val="solid"/>
+        </a:ln>
+        <a:ln w="25400" cap="flat" cmpd="sng" algn="ctr">
+          <a:solidFill>
+            <a:schemeClr val="phClr"/>
+          </a:solidFill>
+          <a:prstDash val="solid"/>
+        </a:ln>
+        <a:ln w="38100" cap="flat" cmpd="sng" algn="ctr">
+          <a:solidFill>
+            <a:schemeClr val="phClr"/>
+          </a:solidFill>
+          <a:prstDash val="solid"/>
+        </a:ln>
+      </a:lnStyleLst>
+      <a:effectStyleLst>
+        <a:effectStyle>
+          <a:effectLst>
+            <a:outerShdw blurRad="40000" dist="20000" dir="5400000" rotWithShape="0">
+              <a:srgbClr val="000000">
+                <a:alpha val="38000"/>
+              </a:srgbClr>
+            </a:outerShdw>
+          </a:effectLst>
+        </a:effectStyle>
+        <a:effectStyle>
+          <a:effectLst>
+            <a:outerShdw blurRad="40000" dist="23000" dir="5400000" rotWithShape="0">
+              <a:srgbClr val="000000">
+                <a:alpha val="35000"/>
+              </a:srgbClr>
+            </a:outerShdw>
+          </a:effectLst>
+        </a:effectStyle>
+        <a:effectStyle>
+          <a:effectLst>
+            <a:outerShdw blurRad="40000" dist="23000" dir="5400000" rotWithShape="0">
+              <a:srgbClr val="000000">
+                <a:alpha val="35000"/>
+              </a:srgbClr>
+            </a:outerShdw>
+          </a:effectLst>
+          <a:scene3d>
+            <a:camera prst="orthographicFront">
+              <a:rot lat="0" lon="0" rev="0"/>
+            </a:camera>
+            <a:lightRig rig="threePt" dir="t">
+              <a:rot lat="0" lon="0" rev="1200000"/>
+            </a:lightRig>
+          </a:scene3d>
+          <a:sp3d>
+            <a:bevelT w="63500" h="25400"/>
+          </a:sp3d>
+        </a:effectStyle>
+      </a:effectStyleLst>
+      <a:bgFillStyleLst>
+        <a:solidFill>
+          <a:schemeClr val="phClr"/>
+        </a:solidFill>
+        <a:gradFill rotWithShape="1">
+          <a:gsLst>
+            <a:gs pos="0">
+              <a:schemeClr val="phClr">
+                <a:tint val="40000"/>
+                <a:satMod val="350000"/>
+              </a:schemeClr>
+            </a:gs>
+            <a:gs pos="40000">
+              <a:schemeClr val="phClr">
+                <a:tint val="45000"/>
+                <a:shade val="99000"/>
+                <a:satMod val="350000"/>
+              </a:schemeClr>
+            </a:gs>
+            <a:gs pos="100000">
+              <a:schemeClr val="phClr">
+                <a:shade val="20000"/>
+                <a:satMod val="255000"/>
+              </a:schemeClr>
+            </a:gs>
+          </a:gsLst>
+          <a:path path="circle">
+            <a:fillToRect l="50000" t="-80000" r="50000" b="180000"/>
+          </a:path>
+        </a:gradFill>
+        <a:gradFill rotWithShape="1">
+          <a:gsLst>
+            <a:gs pos="0">
+              <a:schemeClr val="phClr">
+                <a:tint val="80000"/>
+                <a:satMod val="300000"/>
+              </a:schemeClr>
+            </a:gs>
+            <a:gs pos="100000">
+              <a:schemeClr val="phClr">
+                <a:shade val="30000"/>
+                <a:satMod val="200000"/>
+              </a:schemeClr>
+            </a:gs>
+          </a:gsLst>
+          <a:path path="circle">
+            <a:fillToRect l="50000" t="50000" r="50000" b="50000"/>
+          </a:path>
+        </a:gradFill>
+      </a:bgFillStyleLst>
+    </a:fmtScheme>
+  </a:themeElements>
+</a:theme>
+</file>
+
+<file path=ppt/theme/theme7.xml><?xml version="1.0" encoding="utf-8"?>
+<a:theme xmlns:a="http://schemas.openxmlformats.org/drawingml/2006/main" name="Office Theme">
+  <a:themeElements>
+    <a:clrScheme name="Office">
+      <a:dk1>
+        <a:sysClr val="windowText" lastClr="000000"/>
+      </a:dk1>
+      <a:lt1>
+        <a:sysClr val="window" lastClr="FFFFFF"/>
+      </a:lt1>
+      <a:dk2>
+        <a:srgbClr val="44546a"/>
+      </a:dk2>
+      <a:lt2>
+        <a:srgbClr val="e7e6e6"/>
+      </a:lt2>
+      <a:accent1>
+        <a:srgbClr val="5b9bd5"/>
+      </a:accent1>
+      <a:accent2>
+        <a:srgbClr val="ed7d31"/>
+      </a:accent2>
+      <a:accent3>
+        <a:srgbClr val="a5a5a5"/>
+      </a:accent3>
+      <a:accent4>
+        <a:srgbClr val="ffc000"/>
+      </a:accent4>
+      <a:accent5>
+        <a:srgbClr val="4472c4"/>
+      </a:accent5>
+      <a:accent6>
+        <a:srgbClr val="70ad47"/>
+      </a:accent6>
+      <a:hlink>
+        <a:srgbClr val="0563c1"/>
+      </a:hlink>
+      <a:folHlink>
+        <a:srgbClr val="954f72"/>
+      </a:folHlink>
+    </a:clrScheme>
+    <a:fontScheme name="Office">
+      <a:majorFont>
+        <a:latin typeface="Arial"/>
+        <a:ea typeface="DejaVu Sans"/>
+        <a:cs typeface="DejaVu Sans"/>
+      </a:majorFont>
+      <a:minorFont>
+        <a:latin typeface="Arial"/>
+        <a:ea typeface="DejaVu Sans"/>
+        <a:cs typeface="DejaVu Sans"/>
+      </a:minorFont>
+    </a:fontScheme>
+    <a:fmtScheme name="Office">
+      <a:fillStyleLst>
+        <a:solidFill>
+          <a:schemeClr val="phClr"/>
+        </a:solidFill>
+        <a:gradFill rotWithShape="1">
+          <a:gsLst>
+            <a:gs pos="0">
+              <a:schemeClr val="phClr">
+                <a:tint val="50000"/>
+                <a:satMod val="300000"/>
+              </a:schemeClr>
+            </a:gs>
+            <a:gs pos="35000">
+              <a:schemeClr val="phClr">
+                <a:tint val="37000"/>
+                <a:satMod val="300000"/>
+              </a:schemeClr>
+            </a:gs>
+            <a:gs pos="100000">
+              <a:schemeClr val="phClr">
+                <a:tint val="15000"/>
+                <a:satMod val="350000"/>
+              </a:schemeClr>
+            </a:gs>
+          </a:gsLst>
+          <a:lin ang="16200000" scaled="1"/>
+        </a:gradFill>
+        <a:gradFill rotWithShape="1">
+          <a:gsLst>
+            <a:gs pos="0">
+              <a:schemeClr val="phClr">
+                <a:shade val="51000"/>
+                <a:satMod val="130000"/>
+              </a:schemeClr>
+            </a:gs>
+            <a:gs pos="80000">
+              <a:schemeClr val="phClr">
+                <a:shade val="93000"/>
+                <a:satMod val="130000"/>
+              </a:schemeClr>
+            </a:gs>
+            <a:gs pos="100000">
+              <a:schemeClr val="phClr">
+                <a:shade val="94000"/>
+                <a:satMod val="135000"/>
+              </a:schemeClr>
+            </a:gs>
+          </a:gsLst>
+          <a:lin ang="16200000" scaled="0"/>
+        </a:gradFill>
+      </a:fillStyleLst>
+      <a:lnStyleLst>
+        <a:ln w="9525" cap="flat" cmpd="sng" algn="ctr">
+          <a:solidFill>
+            <a:schemeClr val="phClr">
+              <a:shade val="95000"/>
+              <a:satMod val="105000"/>
+            </a:schemeClr>
+          </a:solidFill>
+          <a:prstDash val="solid"/>
+        </a:ln>
+        <a:ln w="25400" cap="flat" cmpd="sng" algn="ctr">
+          <a:solidFill>
+            <a:schemeClr val="phClr"/>
+          </a:solidFill>
+          <a:prstDash val="solid"/>
+        </a:ln>
+        <a:ln w="38100" cap="flat" cmpd="sng" algn="ctr">
+          <a:solidFill>
+            <a:schemeClr val="phClr"/>
+          </a:solidFill>
+          <a:prstDash val="solid"/>
+        </a:ln>
+      </a:lnStyleLst>
+      <a:effectStyleLst>
+        <a:effectStyle>
+          <a:effectLst>
+            <a:outerShdw blurRad="40000" dist="20000" dir="5400000" rotWithShape="0">
+              <a:srgbClr val="000000">
+                <a:alpha val="38000"/>
+              </a:srgbClr>
+            </a:outerShdw>
+          </a:effectLst>
+        </a:effectStyle>
+        <a:effectStyle>
+          <a:effectLst>
+            <a:outerShdw blurRad="40000" dist="23000" dir="5400000" rotWithShape="0">
+              <a:srgbClr val="000000">
+                <a:alpha val="35000"/>
+              </a:srgbClr>
+            </a:outerShdw>
+          </a:effectLst>
+        </a:effectStyle>
+        <a:effectStyle>
+          <a:effectLst>
+            <a:outerShdw blurRad="40000" dist="23000" dir="5400000" rotWithShape="0">
+              <a:srgbClr val="000000">
+                <a:alpha val="35000"/>
+              </a:srgbClr>
+            </a:outerShdw>
+          </a:effectLst>
+          <a:scene3d>
+            <a:camera prst="orthographicFront">
+              <a:rot lat="0" lon="0" rev="0"/>
+            </a:camera>
+            <a:lightRig rig="threePt" dir="t">
+              <a:rot lat="0" lon="0" rev="1200000"/>
+            </a:lightRig>
+          </a:scene3d>
+          <a:sp3d>
+            <a:bevelT w="63500" h="25400"/>
+          </a:sp3d>
+        </a:effectStyle>
+      </a:effectStyleLst>
+      <a:bgFillStyleLst>
+        <a:solidFill>
+          <a:schemeClr val="phClr"/>
+        </a:solidFill>
+        <a:gradFill rotWithShape="1">
+          <a:gsLst>
+            <a:gs pos="0">
+              <a:schemeClr val="phClr">
+                <a:tint val="40000"/>
+                <a:satMod val="350000"/>
+              </a:schemeClr>
+            </a:gs>
+            <a:gs pos="40000">
+              <a:schemeClr val="phClr">
+                <a:tint val="45000"/>
+                <a:shade val="99000"/>
+                <a:satMod val="350000"/>
+              </a:schemeClr>
+            </a:gs>
+            <a:gs pos="100000">
+              <a:schemeClr val="phClr">
+                <a:shade val="20000"/>
+                <a:satMod val="255000"/>
+              </a:schemeClr>
+            </a:gs>
+          </a:gsLst>
+          <a:path path="circle">
+            <a:fillToRect l="50000" t="-80000" r="50000" b="180000"/>
+          </a:path>
+        </a:gradFill>
+        <a:gradFill rotWithShape="1">
+          <a:gsLst>
+            <a:gs pos="0">
+              <a:schemeClr val="phClr">
+                <a:tint val="80000"/>
+                <a:satMod val="300000"/>
+              </a:schemeClr>
+            </a:gs>
+            <a:gs pos="100000">
+              <a:schemeClr val="phClr">
+                <a:shade val="30000"/>
+                <a:satMod val="200000"/>
+              </a:schemeClr>
+            </a:gs>
+          </a:gsLst>
+          <a:path path="circle">
+            <a:fillToRect l="50000" t="50000" r="50000" b="50000"/>
+          </a:path>
+        </a:gradFill>
+      </a:bgFillStyleLst>
+    </a:fmtScheme>
+  </a:themeElements>
+</a:theme>
 </file>